--- a/PowerPointSlids.pptx
+++ b/PowerPointSlids.pptx
@@ -7,7 +7,12 @@
   <p:sldIdLst>
     <p:sldId id="256" r:id="rId2"/>
     <p:sldId id="258" r:id="rId3"/>
-    <p:sldId id="257" r:id="rId4"/>
+    <p:sldId id="259" r:id="rId4"/>
+    <p:sldId id="260" r:id="rId5"/>
+    <p:sldId id="261" r:id="rId6"/>
+    <p:sldId id="262" r:id="rId7"/>
+    <p:sldId id="263" r:id="rId8"/>
+    <p:sldId id="257" r:id="rId9"/>
   </p:sldIdLst>
   <p:sldSz cx="12192000" cy="6858000"/>
   <p:notesSz cx="6858000" cy="9144000"/>
@@ -108,7 +113,7 @@
   </p:defaultTextStyle>
   <p:extLst>
     <p:ext uri="{EFAFB233-063F-42B5-8137-9DF3F51BA10A}">
-      <p15:sldGuideLst xmlns:p15="http://schemas.microsoft.com/office/powerpoint/2012/main" xmlns=""/>
+      <p15:sldGuideLst xmlns="" xmlns:p15="http://schemas.microsoft.com/office/powerpoint/2012/main"/>
     </p:ext>
   </p:extLst>
 </p:presentation>
@@ -144,7 +149,7 @@
             <a:alphaModFix amt="30000"/>
             <a:extLst>
               <a:ext uri="{28A0092B-C50C-407E-A947-70E740481C1C}">
-                <a14:useLocalDpi xmlns:a14="http://schemas.microsoft.com/office/drawing/2010/main" xmlns="" val="0"/>
+                <a14:useLocalDpi xmlns="" xmlns:a14="http://schemas.microsoft.com/office/drawing/2010/main" val="0"/>
               </a:ext>
             </a:extLst>
           </a:blip>
@@ -164,7 +169,7 @@
           <a:noFill/>
           <a:extLst>
             <a:ext uri="{909E8E84-426E-40dd-AFC4-6F175D3DCCD1}">
-              <a14:hiddenFill xmlns:a14="http://schemas.microsoft.com/office/drawing/2010/main" xmlns="">
+              <a14:hiddenFill xmlns="" xmlns:a14="http://schemas.microsoft.com/office/drawing/2010/main">
                 <a:solidFill>
                   <a:srgbClr val="FFFFFF"/>
                 </a:solidFill>
@@ -224,7 +229,7 @@
             </a:ln>
             <a:extLst>
               <a:ext uri="{91240B29-F687-4f45-9708-019B960494DF}">
-                <a14:hiddenLine xmlns:a14="http://schemas.microsoft.com/office/drawing/2010/main" xmlns="" w="9525">
+                <a14:hiddenLine xmlns="" xmlns:a14="http://schemas.microsoft.com/office/drawing/2010/main" w="9525">
                   <a:solidFill>
                     <a:srgbClr val="000000"/>
                   </a:solidFill>
@@ -314,7 +319,7 @@
             </a:ln>
             <a:extLst>
               <a:ext uri="{91240B29-F687-4f45-9708-019B960494DF}">
-                <a14:hiddenLine xmlns:a14="http://schemas.microsoft.com/office/drawing/2010/main" xmlns="" w="9525">
+                <a14:hiddenLine xmlns="" xmlns:a14="http://schemas.microsoft.com/office/drawing/2010/main" w="9525">
                   <a:solidFill>
                     <a:srgbClr val="000000"/>
                   </a:solidFill>
@@ -404,7 +409,7 @@
             </a:ln>
             <a:extLst>
               <a:ext uri="{91240B29-F687-4f45-9708-019B960494DF}">
-                <a14:hiddenLine xmlns:a14="http://schemas.microsoft.com/office/drawing/2010/main" xmlns="" w="9525">
+                <a14:hiddenLine xmlns="" xmlns:a14="http://schemas.microsoft.com/office/drawing/2010/main" w="9525">
                   <a:solidFill>
                     <a:srgbClr val="000000"/>
                   </a:solidFill>
@@ -438,7 +443,7 @@
             </a:ln>
             <a:extLst>
               <a:ext uri="{91240B29-F687-4f45-9708-019B960494DF}">
-                <a14:hiddenLine xmlns:a14="http://schemas.microsoft.com/office/drawing/2010/main" xmlns="" w="9525">
+                <a14:hiddenLine xmlns="" xmlns:a14="http://schemas.microsoft.com/office/drawing/2010/main" w="9525">
                   <a:solidFill>
                     <a:srgbClr val="000000"/>
                   </a:solidFill>
@@ -528,7 +533,7 @@
             </a:ln>
             <a:extLst>
               <a:ext uri="{91240B29-F687-4f45-9708-019B960494DF}">
-                <a14:hiddenLine xmlns:a14="http://schemas.microsoft.com/office/drawing/2010/main" xmlns="" w="9525">
+                <a14:hiddenLine xmlns="" xmlns:a14="http://schemas.microsoft.com/office/drawing/2010/main" w="9525">
                   <a:solidFill>
                     <a:srgbClr val="000000"/>
                   </a:solidFill>
@@ -590,7 +595,7 @@
             </a:ln>
             <a:extLst>
               <a:ext uri="{91240B29-F687-4f45-9708-019B960494DF}">
-                <a14:hiddenLine xmlns:a14="http://schemas.microsoft.com/office/drawing/2010/main" xmlns="" w="9525">
+                <a14:hiddenLine xmlns="" xmlns:a14="http://schemas.microsoft.com/office/drawing/2010/main" w="9525">
                   <a:solidFill>
                     <a:srgbClr val="000000"/>
                   </a:solidFill>
@@ -652,7 +657,7 @@
             </a:ln>
             <a:extLst>
               <a:ext uri="{91240B29-F687-4f45-9708-019B960494DF}">
-                <a14:hiddenLine xmlns:a14="http://schemas.microsoft.com/office/drawing/2010/main" xmlns="" w="9525">
+                <a14:hiddenLine xmlns="" xmlns:a14="http://schemas.microsoft.com/office/drawing/2010/main" w="9525">
                   <a:solidFill>
                     <a:srgbClr val="000000"/>
                   </a:solidFill>
@@ -742,7 +747,7 @@
             </a:ln>
             <a:extLst>
               <a:ext uri="{91240B29-F687-4f45-9708-019B960494DF}">
-                <a14:hiddenLine xmlns:a14="http://schemas.microsoft.com/office/drawing/2010/main" xmlns="" w="9525">
+                <a14:hiddenLine xmlns="" xmlns:a14="http://schemas.microsoft.com/office/drawing/2010/main" w="9525">
                   <a:solidFill>
                     <a:srgbClr val="000000"/>
                   </a:solidFill>
@@ -804,7 +809,7 @@
             </a:ln>
             <a:extLst>
               <a:ext uri="{91240B29-F687-4f45-9708-019B960494DF}">
-                <a14:hiddenLine xmlns:a14="http://schemas.microsoft.com/office/drawing/2010/main" xmlns="" w="9525">
+                <a14:hiddenLine xmlns="" xmlns:a14="http://schemas.microsoft.com/office/drawing/2010/main" w="9525">
                   <a:solidFill>
                     <a:srgbClr val="000000"/>
                   </a:solidFill>
@@ -866,7 +871,7 @@
             </a:ln>
             <a:extLst>
               <a:ext uri="{91240B29-F687-4f45-9708-019B960494DF}">
-                <a14:hiddenLine xmlns:a14="http://schemas.microsoft.com/office/drawing/2010/main" xmlns="" w="9525">
+                <a14:hiddenLine xmlns="" xmlns:a14="http://schemas.microsoft.com/office/drawing/2010/main" w="9525">
                   <a:solidFill>
                     <a:srgbClr val="000000"/>
                   </a:solidFill>
@@ -956,7 +961,7 @@
             </a:ln>
             <a:extLst>
               <a:ext uri="{91240B29-F687-4f45-9708-019B960494DF}">
-                <a14:hiddenLine xmlns:a14="http://schemas.microsoft.com/office/drawing/2010/main" xmlns="" w="9525">
+                <a14:hiddenLine xmlns="" xmlns:a14="http://schemas.microsoft.com/office/drawing/2010/main" w="9525">
                   <a:solidFill>
                     <a:srgbClr val="000000"/>
                   </a:solidFill>
@@ -1046,7 +1051,7 @@
             </a:ln>
             <a:extLst>
               <a:ext uri="{91240B29-F687-4f45-9708-019B960494DF}">
-                <a14:hiddenLine xmlns:a14="http://schemas.microsoft.com/office/drawing/2010/main" xmlns="" w="9525">
+                <a14:hiddenLine xmlns="" xmlns:a14="http://schemas.microsoft.com/office/drawing/2010/main" w="9525">
                   <a:solidFill>
                     <a:srgbClr val="000000"/>
                   </a:solidFill>
@@ -1108,7 +1113,7 @@
             </a:ln>
             <a:extLst>
               <a:ext uri="{91240B29-F687-4f45-9708-019B960494DF}">
-                <a14:hiddenLine xmlns:a14="http://schemas.microsoft.com/office/drawing/2010/main" xmlns="" w="9525">
+                <a14:hiddenLine xmlns="" xmlns:a14="http://schemas.microsoft.com/office/drawing/2010/main" w="9525">
                   <a:solidFill>
                     <a:srgbClr val="000000"/>
                   </a:solidFill>
@@ -1218,7 +1223,7 @@
             </a:ln>
             <a:extLst>
               <a:ext uri="{91240B29-F687-4f45-9708-019B960494DF}">
-                <a14:hiddenLine xmlns:a14="http://schemas.microsoft.com/office/drawing/2010/main" xmlns="" w="9525">
+                <a14:hiddenLine xmlns="" xmlns:a14="http://schemas.microsoft.com/office/drawing/2010/main" w="9525">
                   <a:solidFill>
                     <a:srgbClr val="000000"/>
                   </a:solidFill>
@@ -1280,7 +1285,7 @@
             </a:ln>
             <a:extLst>
               <a:ext uri="{91240B29-F687-4f45-9708-019B960494DF}">
-                <a14:hiddenLine xmlns:a14="http://schemas.microsoft.com/office/drawing/2010/main" xmlns="" w="9525">
+                <a14:hiddenLine xmlns="" xmlns:a14="http://schemas.microsoft.com/office/drawing/2010/main" w="9525">
                   <a:solidFill>
                     <a:srgbClr val="000000"/>
                   </a:solidFill>
@@ -1370,7 +1375,7 @@
             </a:ln>
             <a:extLst>
               <a:ext uri="{91240B29-F687-4f45-9708-019B960494DF}">
-                <a14:hiddenLine xmlns:a14="http://schemas.microsoft.com/office/drawing/2010/main" xmlns="" w="9525">
+                <a14:hiddenLine xmlns="" xmlns:a14="http://schemas.microsoft.com/office/drawing/2010/main" w="9525">
                   <a:solidFill>
                     <a:srgbClr val="000000"/>
                   </a:solidFill>
@@ -1460,7 +1465,7 @@
             </a:ln>
             <a:extLst>
               <a:ext uri="{91240B29-F687-4f45-9708-019B960494DF}">
-                <a14:hiddenLine xmlns:a14="http://schemas.microsoft.com/office/drawing/2010/main" xmlns="" w="9525">
+                <a14:hiddenLine xmlns="" xmlns:a14="http://schemas.microsoft.com/office/drawing/2010/main" w="9525">
                   <a:solidFill>
                     <a:srgbClr val="000000"/>
                   </a:solidFill>
@@ -1522,7 +1527,7 @@
             </a:ln>
             <a:extLst>
               <a:ext uri="{91240B29-F687-4f45-9708-019B960494DF}">
-                <a14:hiddenLine xmlns:a14="http://schemas.microsoft.com/office/drawing/2010/main" xmlns="" w="9525">
+                <a14:hiddenLine xmlns="" xmlns:a14="http://schemas.microsoft.com/office/drawing/2010/main" w="9525">
                   <a:solidFill>
                     <a:srgbClr val="000000"/>
                   </a:solidFill>
@@ -1612,7 +1617,7 @@
             </a:ln>
             <a:extLst>
               <a:ext uri="{91240B29-F687-4f45-9708-019B960494DF}">
-                <a14:hiddenLine xmlns:a14="http://schemas.microsoft.com/office/drawing/2010/main" xmlns="" w="9525">
+                <a14:hiddenLine xmlns="" xmlns:a14="http://schemas.microsoft.com/office/drawing/2010/main" w="9525">
                   <a:solidFill>
                     <a:srgbClr val="000000"/>
                   </a:solidFill>
@@ -1702,7 +1707,7 @@
             </a:ln>
             <a:extLst>
               <a:ext uri="{91240B29-F687-4f45-9708-019B960494DF}">
-                <a14:hiddenLine xmlns:a14="http://schemas.microsoft.com/office/drawing/2010/main" xmlns="" w="9525">
+                <a14:hiddenLine xmlns="" xmlns:a14="http://schemas.microsoft.com/office/drawing/2010/main" w="9525">
                   <a:solidFill>
                     <a:srgbClr val="000000"/>
                   </a:solidFill>
@@ -1758,7 +1763,7 @@
             </a:ln>
             <a:extLst>
               <a:ext uri="{91240B29-F687-4f45-9708-019B960494DF}">
-                <a14:hiddenLine xmlns:a14="http://schemas.microsoft.com/office/drawing/2010/main" xmlns="" w="9525">
+                <a14:hiddenLine xmlns="" xmlns:a14="http://schemas.microsoft.com/office/drawing/2010/main" w="9525">
                   <a:solidFill>
                     <a:srgbClr val="000000"/>
                   </a:solidFill>
@@ -1848,7 +1853,7 @@
             </a:ln>
             <a:extLst>
               <a:ext uri="{91240B29-F687-4f45-9708-019B960494DF}">
-                <a14:hiddenLine xmlns:a14="http://schemas.microsoft.com/office/drawing/2010/main" xmlns="" w="9525">
+                <a14:hiddenLine xmlns="" xmlns:a14="http://schemas.microsoft.com/office/drawing/2010/main" w="9525">
                   <a:solidFill>
                     <a:srgbClr val="000000"/>
                   </a:solidFill>
@@ -1904,7 +1909,7 @@
             </a:ln>
             <a:extLst>
               <a:ext uri="{91240B29-F687-4f45-9708-019B960494DF}">
-                <a14:hiddenLine xmlns:a14="http://schemas.microsoft.com/office/drawing/2010/main" xmlns="" w="9525">
+                <a14:hiddenLine xmlns="" xmlns:a14="http://schemas.microsoft.com/office/drawing/2010/main" w="9525">
                   <a:solidFill>
                     <a:srgbClr val="000000"/>
                   </a:solidFill>
@@ -1994,7 +1999,7 @@
             </a:ln>
             <a:extLst>
               <a:ext uri="{91240B29-F687-4f45-9708-019B960494DF}">
-                <a14:hiddenLine xmlns:a14="http://schemas.microsoft.com/office/drawing/2010/main" xmlns="" w="9525">
+                <a14:hiddenLine xmlns="" xmlns:a14="http://schemas.microsoft.com/office/drawing/2010/main" w="9525">
                   <a:solidFill>
                     <a:srgbClr val="000000"/>
                   </a:solidFill>
@@ -2062,7 +2067,7 @@
             </a:ln>
             <a:extLst>
               <a:ext uri="{91240B29-F687-4f45-9708-019B960494DF}">
-                <a14:hiddenLine xmlns:a14="http://schemas.microsoft.com/office/drawing/2010/main" xmlns="" w="9525">
+                <a14:hiddenLine xmlns="" xmlns:a14="http://schemas.microsoft.com/office/drawing/2010/main" w="9525">
                   <a:solidFill>
                     <a:srgbClr val="000000"/>
                   </a:solidFill>
@@ -2152,7 +2157,7 @@
             </a:ln>
             <a:extLst>
               <a:ext uri="{91240B29-F687-4f45-9708-019B960494DF}">
-                <a14:hiddenLine xmlns:a14="http://schemas.microsoft.com/office/drawing/2010/main" xmlns="" w="9525">
+                <a14:hiddenLine xmlns="" xmlns:a14="http://schemas.microsoft.com/office/drawing/2010/main" w="9525">
                   <a:solidFill>
                     <a:srgbClr val="000000"/>
                   </a:solidFill>
@@ -2220,7 +2225,7 @@
             </a:ln>
             <a:extLst>
               <a:ext uri="{91240B29-F687-4f45-9708-019B960494DF}">
-                <a14:hiddenLine xmlns:a14="http://schemas.microsoft.com/office/drawing/2010/main" xmlns="" w="9525">
+                <a14:hiddenLine xmlns="" xmlns:a14="http://schemas.microsoft.com/office/drawing/2010/main" w="9525">
                   <a:solidFill>
                     <a:srgbClr val="000000"/>
                   </a:solidFill>
@@ -2310,7 +2315,7 @@
             </a:ln>
             <a:extLst>
               <a:ext uri="{91240B29-F687-4f45-9708-019B960494DF}">
-                <a14:hiddenLine xmlns:a14="http://schemas.microsoft.com/office/drawing/2010/main" xmlns="" w="9525">
+                <a14:hiddenLine xmlns="" xmlns:a14="http://schemas.microsoft.com/office/drawing/2010/main" w="9525">
                   <a:solidFill>
                     <a:srgbClr val="000000"/>
                   </a:solidFill>
@@ -2344,7 +2349,7 @@
             </a:ln>
             <a:extLst>
               <a:ext uri="{91240B29-F687-4f45-9708-019B960494DF}">
-                <a14:hiddenLine xmlns:a14="http://schemas.microsoft.com/office/drawing/2010/main" xmlns="" w="9525">
+                <a14:hiddenLine xmlns="" xmlns:a14="http://schemas.microsoft.com/office/drawing/2010/main" w="9525">
                   <a:solidFill>
                     <a:srgbClr val="000000"/>
                   </a:solidFill>
@@ -2434,7 +2439,7 @@
             </a:ln>
             <a:extLst>
               <a:ext uri="{91240B29-F687-4f45-9708-019B960494DF}">
-                <a14:hiddenLine xmlns:a14="http://schemas.microsoft.com/office/drawing/2010/main" xmlns="" w="9525">
+                <a14:hiddenLine xmlns="" xmlns:a14="http://schemas.microsoft.com/office/drawing/2010/main" w="9525">
                   <a:solidFill>
                     <a:srgbClr val="000000"/>
                   </a:solidFill>
@@ -2496,7 +2501,7 @@
             </a:ln>
             <a:extLst>
               <a:ext uri="{91240B29-F687-4f45-9708-019B960494DF}">
-                <a14:hiddenLine xmlns:a14="http://schemas.microsoft.com/office/drawing/2010/main" xmlns="" w="9525">
+                <a14:hiddenLine xmlns="" xmlns:a14="http://schemas.microsoft.com/office/drawing/2010/main" w="9525">
                   <a:solidFill>
                     <a:srgbClr val="000000"/>
                   </a:solidFill>
@@ -2558,7 +2563,7 @@
             </a:ln>
             <a:extLst>
               <a:ext uri="{91240B29-F687-4f45-9708-019B960494DF}">
-                <a14:hiddenLine xmlns:a14="http://schemas.microsoft.com/office/drawing/2010/main" xmlns="" w="9525">
+                <a14:hiddenLine xmlns="" xmlns:a14="http://schemas.microsoft.com/office/drawing/2010/main" w="9525">
                   <a:solidFill>
                     <a:srgbClr val="000000"/>
                   </a:solidFill>
@@ -2648,7 +2653,7 @@
             </a:ln>
             <a:extLst>
               <a:ext uri="{91240B29-F687-4f45-9708-019B960494DF}">
-                <a14:hiddenLine xmlns:a14="http://schemas.microsoft.com/office/drawing/2010/main" xmlns="" w="9525">
+                <a14:hiddenLine xmlns="" xmlns:a14="http://schemas.microsoft.com/office/drawing/2010/main" w="9525">
                   <a:solidFill>
                     <a:srgbClr val="000000"/>
                   </a:solidFill>
@@ -2716,7 +2721,7 @@
             </a:ln>
             <a:extLst>
               <a:ext uri="{91240B29-F687-4f45-9708-019B960494DF}">
-                <a14:hiddenLine xmlns:a14="http://schemas.microsoft.com/office/drawing/2010/main" xmlns="" w="9525">
+                <a14:hiddenLine xmlns="" xmlns:a14="http://schemas.microsoft.com/office/drawing/2010/main" w="9525">
                   <a:solidFill>
                     <a:srgbClr val="000000"/>
                   </a:solidFill>
@@ -2778,7 +2783,7 @@
             </a:ln>
             <a:extLst>
               <a:ext uri="{91240B29-F687-4f45-9708-019B960494DF}">
-                <a14:hiddenLine xmlns:a14="http://schemas.microsoft.com/office/drawing/2010/main" xmlns="" w="9525">
+                <a14:hiddenLine xmlns="" xmlns:a14="http://schemas.microsoft.com/office/drawing/2010/main" w="9525">
                   <a:solidFill>
                     <a:srgbClr val="000000"/>
                   </a:solidFill>
@@ -2868,7 +2873,7 @@
             </a:ln>
             <a:extLst>
               <a:ext uri="{91240B29-F687-4f45-9708-019B960494DF}">
-                <a14:hiddenLine xmlns:a14="http://schemas.microsoft.com/office/drawing/2010/main" xmlns="" w="9525">
+                <a14:hiddenLine xmlns="" xmlns:a14="http://schemas.microsoft.com/office/drawing/2010/main" w="9525">
                   <a:solidFill>
                     <a:srgbClr val="000000"/>
                   </a:solidFill>
@@ -2930,7 +2935,7 @@
             </a:ln>
             <a:extLst>
               <a:ext uri="{91240B29-F687-4f45-9708-019B960494DF}">
-                <a14:hiddenLine xmlns:a14="http://schemas.microsoft.com/office/drawing/2010/main" xmlns="" w="9525">
+                <a14:hiddenLine xmlns="" xmlns:a14="http://schemas.microsoft.com/office/drawing/2010/main" w="9525">
                   <a:solidFill>
                     <a:srgbClr val="000000"/>
                   </a:solidFill>
@@ -3020,7 +3025,7 @@
             </a:ln>
             <a:extLst>
               <a:ext uri="{91240B29-F687-4f45-9708-019B960494DF}">
-                <a14:hiddenLine xmlns:a14="http://schemas.microsoft.com/office/drawing/2010/main" xmlns="" w="9525">
+                <a14:hiddenLine xmlns="" xmlns:a14="http://schemas.microsoft.com/office/drawing/2010/main" w="9525">
                   <a:solidFill>
                     <a:srgbClr val="000000"/>
                   </a:solidFill>
@@ -3082,7 +3087,7 @@
             </a:ln>
             <a:extLst>
               <a:ext uri="{91240B29-F687-4f45-9708-019B960494DF}">
-                <a14:hiddenLine xmlns:a14="http://schemas.microsoft.com/office/drawing/2010/main" xmlns="" w="9525">
+                <a14:hiddenLine xmlns="" xmlns:a14="http://schemas.microsoft.com/office/drawing/2010/main" w="9525">
                   <a:solidFill>
                     <a:srgbClr val="000000"/>
                   </a:solidFill>
@@ -3172,7 +3177,7 @@
             </a:ln>
             <a:extLst>
               <a:ext uri="{91240B29-F687-4f45-9708-019B960494DF}">
-                <a14:hiddenLine xmlns:a14="http://schemas.microsoft.com/office/drawing/2010/main" xmlns="" w="9525">
+                <a14:hiddenLine xmlns="" xmlns:a14="http://schemas.microsoft.com/office/drawing/2010/main" w="9525">
                   <a:solidFill>
                     <a:srgbClr val="000000"/>
                   </a:solidFill>
@@ -3206,7 +3211,7 @@
             </a:ln>
             <a:extLst>
               <a:ext uri="{91240B29-F687-4f45-9708-019B960494DF}">
-                <a14:hiddenLine xmlns:a14="http://schemas.microsoft.com/office/drawing/2010/main" xmlns="" w="9525">
+                <a14:hiddenLine xmlns="" xmlns:a14="http://schemas.microsoft.com/office/drawing/2010/main" w="9525">
                   <a:solidFill>
                     <a:srgbClr val="000000"/>
                   </a:solidFill>
@@ -3271,7 +3276,7 @@
             </a:ln>
             <a:extLst>
               <a:ext uri="{91240B29-F687-4f45-9708-019B960494DF}">
-                <a14:hiddenLine xmlns:a14="http://schemas.microsoft.com/office/drawing/2010/main" xmlns="" w="9525">
+                <a14:hiddenLine xmlns="" xmlns:a14="http://schemas.microsoft.com/office/drawing/2010/main" w="9525">
                   <a:solidFill>
                     <a:srgbClr val="000000"/>
                   </a:solidFill>
@@ -3361,7 +3366,7 @@
             </a:ln>
             <a:extLst>
               <a:ext uri="{91240B29-F687-4f45-9708-019B960494DF}">
-                <a14:hiddenLine xmlns:a14="http://schemas.microsoft.com/office/drawing/2010/main" xmlns="" w="9525">
+                <a14:hiddenLine xmlns="" xmlns:a14="http://schemas.microsoft.com/office/drawing/2010/main" w="9525">
                   <a:solidFill>
                     <a:srgbClr val="000000"/>
                   </a:solidFill>
@@ -3423,7 +3428,7 @@
             </a:ln>
             <a:extLst>
               <a:ext uri="{91240B29-F687-4f45-9708-019B960494DF}">
-                <a14:hiddenLine xmlns:a14="http://schemas.microsoft.com/office/drawing/2010/main" xmlns="" w="9525">
+                <a14:hiddenLine xmlns="" xmlns:a14="http://schemas.microsoft.com/office/drawing/2010/main" w="9525">
                   <a:solidFill>
                     <a:srgbClr val="000000"/>
                   </a:solidFill>
@@ -3513,7 +3518,7 @@
             </a:ln>
             <a:extLst>
               <a:ext uri="{91240B29-F687-4f45-9708-019B960494DF}">
-                <a14:hiddenLine xmlns:a14="http://schemas.microsoft.com/office/drawing/2010/main" xmlns="" w="9525">
+                <a14:hiddenLine xmlns="" xmlns:a14="http://schemas.microsoft.com/office/drawing/2010/main" w="9525">
                   <a:solidFill>
                     <a:srgbClr val="000000"/>
                   </a:solidFill>
@@ -3603,7 +3608,7 @@
             </a:ln>
             <a:extLst>
               <a:ext uri="{91240B29-F687-4f45-9708-019B960494DF}">
-                <a14:hiddenLine xmlns:a14="http://schemas.microsoft.com/office/drawing/2010/main" xmlns="" w="9525">
+                <a14:hiddenLine xmlns="" xmlns:a14="http://schemas.microsoft.com/office/drawing/2010/main" w="9525">
                   <a:solidFill>
                     <a:srgbClr val="000000"/>
                   </a:solidFill>
@@ -3668,7 +3673,7 @@
             </a:ln>
             <a:extLst>
               <a:ext uri="{91240B29-F687-4f45-9708-019B960494DF}">
-                <a14:hiddenLine xmlns:a14="http://schemas.microsoft.com/office/drawing/2010/main" xmlns="" w="9525">
+                <a14:hiddenLine xmlns="" xmlns:a14="http://schemas.microsoft.com/office/drawing/2010/main" w="9525">
                   <a:solidFill>
                     <a:srgbClr val="000000"/>
                   </a:solidFill>
@@ -3730,7 +3735,7 @@
             </a:ln>
             <a:extLst>
               <a:ext uri="{91240B29-F687-4f45-9708-019B960494DF}">
-                <a14:hiddenLine xmlns:a14="http://schemas.microsoft.com/office/drawing/2010/main" xmlns="" w="9525">
+                <a14:hiddenLine xmlns="" xmlns:a14="http://schemas.microsoft.com/office/drawing/2010/main" w="9525">
                   <a:solidFill>
                     <a:srgbClr val="000000"/>
                   </a:solidFill>
@@ -3820,7 +3825,7 @@
             </a:ln>
             <a:extLst>
               <a:ext uri="{91240B29-F687-4f45-9708-019B960494DF}">
-                <a14:hiddenLine xmlns:a14="http://schemas.microsoft.com/office/drawing/2010/main" xmlns="" w="9525">
+                <a14:hiddenLine xmlns="" xmlns:a14="http://schemas.microsoft.com/office/drawing/2010/main" w="9525">
                   <a:solidFill>
                     <a:srgbClr val="000000"/>
                   </a:solidFill>
@@ -3910,7 +3915,7 @@
             </a:ln>
             <a:extLst>
               <a:ext uri="{91240B29-F687-4f45-9708-019B960494DF}">
-                <a14:hiddenLine xmlns:a14="http://schemas.microsoft.com/office/drawing/2010/main" xmlns="" w="9525">
+                <a14:hiddenLine xmlns="" xmlns:a14="http://schemas.microsoft.com/office/drawing/2010/main" w="9525">
                   <a:solidFill>
                     <a:srgbClr val="000000"/>
                   </a:solidFill>
@@ -3972,7 +3977,7 @@
             </a:ln>
             <a:extLst>
               <a:ext uri="{91240B29-F687-4f45-9708-019B960494DF}">
-                <a14:hiddenLine xmlns:a14="http://schemas.microsoft.com/office/drawing/2010/main" xmlns="" w="9525">
+                <a14:hiddenLine xmlns="" xmlns:a14="http://schemas.microsoft.com/office/drawing/2010/main" w="9525">
                   <a:solidFill>
                     <a:srgbClr val="000000"/>
                   </a:solidFill>
@@ -4092,7 +4097,7 @@
             </a:ln>
             <a:extLst>
               <a:ext uri="{91240B29-F687-4f45-9708-019B960494DF}">
-                <a14:hiddenLine xmlns:a14="http://schemas.microsoft.com/office/drawing/2010/main" xmlns="" w="9525">
+                <a14:hiddenLine xmlns="" xmlns:a14="http://schemas.microsoft.com/office/drawing/2010/main" w="9525">
                   <a:solidFill>
                     <a:srgbClr val="000000"/>
                   </a:solidFill>
@@ -4160,7 +4165,7 @@
             </a:ln>
             <a:extLst>
               <a:ext uri="{91240B29-F687-4f45-9708-019B960494DF}">
-                <a14:hiddenLine xmlns:a14="http://schemas.microsoft.com/office/drawing/2010/main" xmlns="" w="9525">
+                <a14:hiddenLine xmlns="" xmlns:a14="http://schemas.microsoft.com/office/drawing/2010/main" w="9525">
                   <a:solidFill>
                     <a:srgbClr val="000000"/>
                   </a:solidFill>
@@ -4250,7 +4255,7 @@
             </a:ln>
             <a:extLst>
               <a:ext uri="{91240B29-F687-4f45-9708-019B960494DF}">
-                <a14:hiddenLine xmlns:a14="http://schemas.microsoft.com/office/drawing/2010/main" xmlns="" w="9525">
+                <a14:hiddenLine xmlns="" xmlns:a14="http://schemas.microsoft.com/office/drawing/2010/main" w="9525">
                   <a:solidFill>
                     <a:srgbClr val="000000"/>
                   </a:solidFill>
@@ -4391,7 +4396,7 @@
             <a:fld id="{48A87A34-81AB-432B-8DAE-1953F412C126}" type="datetimeFigureOut">
               <a:rPr lang="en-US" dirty="0"/>
               <a:pPr/>
-              <a:t>7/4/2016</a:t>
+              <a:t>7/5/2016</a:t>
             </a:fld>
             <a:endParaRPr lang="en-US" dirty="0"/>
           </a:p>
@@ -4655,7 +4660,7 @@
             <a:fld id="{48A87A34-81AB-432B-8DAE-1953F412C126}" type="datetimeFigureOut">
               <a:rPr lang="en-US" dirty="0"/>
               <a:pPr/>
-              <a:t>7/4/2016</a:t>
+              <a:t>7/5/2016</a:t>
             </a:fld>
             <a:endParaRPr lang="en-US" dirty="0"/>
           </a:p>
@@ -4848,7 +4853,7 @@
             <a:fld id="{48A87A34-81AB-432B-8DAE-1953F412C126}" type="datetimeFigureOut">
               <a:rPr lang="en-US" dirty="0"/>
               <a:pPr/>
-              <a:t>7/4/2016</a:t>
+              <a:t>7/5/2016</a:t>
             </a:fld>
             <a:endParaRPr lang="en-US" dirty="0"/>
           </a:p>
@@ -5108,7 +5113,7 @@
             <a:fld id="{48A87A34-81AB-432B-8DAE-1953F412C126}" type="datetimeFigureOut">
               <a:rPr lang="en-US" dirty="0"/>
               <a:pPr/>
-              <a:t>7/4/2016</a:t>
+              <a:t>7/5/2016</a:t>
             </a:fld>
             <a:endParaRPr lang="en-US" dirty="0"/>
           </a:p>
@@ -5539,7 +5544,7 @@
             <a:fld id="{48A87A34-81AB-432B-8DAE-1953F412C126}" type="datetimeFigureOut">
               <a:rPr lang="en-US" dirty="0"/>
               <a:pPr/>
-              <a:t>7/4/2016</a:t>
+              <a:t>7/5/2016</a:t>
             </a:fld>
             <a:endParaRPr lang="en-US" dirty="0"/>
           </a:p>
@@ -6082,7 +6087,7 @@
             <a:fld id="{48A87A34-81AB-432B-8DAE-1953F412C126}" type="datetimeFigureOut">
               <a:rPr lang="en-US" dirty="0"/>
               <a:pPr/>
-              <a:t>7/4/2016</a:t>
+              <a:t>7/5/2016</a:t>
             </a:fld>
             <a:endParaRPr lang="en-US" dirty="0"/>
           </a:p>
@@ -6799,7 +6804,7 @@
             <a:fld id="{48A87A34-81AB-432B-8DAE-1953F412C126}" type="datetimeFigureOut">
               <a:rPr lang="en-US" dirty="0"/>
               <a:pPr/>
-              <a:t>7/4/2016</a:t>
+              <a:t>7/5/2016</a:t>
             </a:fld>
             <a:endParaRPr lang="en-US" dirty="0"/>
           </a:p>
@@ -6966,7 +6971,7 @@
             <a:fld id="{48A87A34-81AB-432B-8DAE-1953F412C126}" type="datetimeFigureOut">
               <a:rPr lang="en-US" dirty="0"/>
               <a:pPr/>
-              <a:t>7/4/2016</a:t>
+              <a:t>7/5/2016</a:t>
             </a:fld>
             <a:endParaRPr lang="en-US" dirty="0"/>
           </a:p>
@@ -7143,7 +7148,7 @@
             <a:fld id="{48A87A34-81AB-432B-8DAE-1953F412C126}" type="datetimeFigureOut">
               <a:rPr lang="en-US" dirty="0"/>
               <a:pPr/>
-              <a:t>7/4/2016</a:t>
+              <a:t>7/5/2016</a:t>
             </a:fld>
             <a:endParaRPr lang="en-US" dirty="0"/>
           </a:p>
@@ -7310,7 +7315,7 @@
             <a:fld id="{48A87A34-81AB-432B-8DAE-1953F412C126}" type="datetimeFigureOut">
               <a:rPr lang="en-US" dirty="0"/>
               <a:pPr/>
-              <a:t>7/4/2016</a:t>
+              <a:t>7/5/2016</a:t>
             </a:fld>
             <a:endParaRPr lang="en-US" dirty="0"/>
           </a:p>
@@ -7557,7 +7562,7 @@
             <a:fld id="{48A87A34-81AB-432B-8DAE-1953F412C126}" type="datetimeFigureOut">
               <a:rPr lang="en-US" dirty="0"/>
               <a:pPr/>
-              <a:t>7/4/2016</a:t>
+              <a:t>7/5/2016</a:t>
             </a:fld>
             <a:endParaRPr lang="en-US" dirty="0"/>
           </a:p>
@@ -7786,7 +7791,7 @@
             <a:fld id="{48A87A34-81AB-432B-8DAE-1953F412C126}" type="datetimeFigureOut">
               <a:rPr lang="en-US" dirty="0"/>
               <a:pPr/>
-              <a:t>7/4/2016</a:t>
+              <a:t>7/5/2016</a:t>
             </a:fld>
             <a:endParaRPr lang="en-US" dirty="0"/>
           </a:p>
@@ -8164,7 +8169,7 @@
             <a:fld id="{48A87A34-81AB-432B-8DAE-1953F412C126}" type="datetimeFigureOut">
               <a:rPr lang="en-US" dirty="0"/>
               <a:pPr/>
-              <a:t>7/4/2016</a:t>
+              <a:t>7/5/2016</a:t>
             </a:fld>
             <a:endParaRPr lang="en-US" dirty="0"/>
           </a:p>
@@ -8279,7 +8284,7 @@
             <a:fld id="{48A87A34-81AB-432B-8DAE-1953F412C126}" type="datetimeFigureOut">
               <a:rPr lang="en-US" dirty="0"/>
               <a:pPr/>
-              <a:t>7/4/2016</a:t>
+              <a:t>7/5/2016</a:t>
             </a:fld>
             <a:endParaRPr lang="en-US" dirty="0"/>
           </a:p>
@@ -8371,7 +8376,7 @@
             <a:fld id="{48A87A34-81AB-432B-8DAE-1953F412C126}" type="datetimeFigureOut">
               <a:rPr lang="en-US" dirty="0"/>
               <a:pPr/>
-              <a:t>7/4/2016</a:t>
+              <a:t>7/5/2016</a:t>
             </a:fld>
             <a:endParaRPr lang="en-US" dirty="0"/>
           </a:p>
@@ -8617,7 +8622,7 @@
             <a:fld id="{48A87A34-81AB-432B-8DAE-1953F412C126}" type="datetimeFigureOut">
               <a:rPr lang="en-US" dirty="0"/>
               <a:pPr/>
-              <a:t>7/4/2016</a:t>
+              <a:t>7/5/2016</a:t>
             </a:fld>
             <a:endParaRPr lang="en-US" dirty="0"/>
           </a:p>
@@ -8894,7 +8899,7 @@
             <a:fld id="{48A87A34-81AB-432B-8DAE-1953F412C126}" type="datetimeFigureOut">
               <a:rPr lang="en-US" dirty="0"/>
               <a:pPr/>
-              <a:t>7/4/2016</a:t>
+              <a:t>7/5/2016</a:t>
             </a:fld>
             <a:endParaRPr lang="en-US" dirty="0"/>
           </a:p>
@@ -8986,7 +8991,7 @@
             <a:alphaModFix amt="30000"/>
             <a:extLst>
               <a:ext uri="{28A0092B-C50C-407E-A947-70E740481C1C}">
-                <a14:useLocalDpi xmlns:a14="http://schemas.microsoft.com/office/drawing/2010/main" xmlns="" val="0"/>
+                <a14:useLocalDpi xmlns="" xmlns:a14="http://schemas.microsoft.com/office/drawing/2010/main" val="0"/>
               </a:ext>
             </a:extLst>
           </a:blip>
@@ -9006,7 +9011,7 @@
           <a:noFill/>
           <a:extLst>
             <a:ext uri="{909E8E84-426E-40dd-AFC4-6F175D3DCCD1}">
-              <a14:hiddenFill xmlns:a14="http://schemas.microsoft.com/office/drawing/2010/main" xmlns="">
+              <a14:hiddenFill xmlns="" xmlns:a14="http://schemas.microsoft.com/office/drawing/2010/main">
                 <a:solidFill>
                   <a:srgbClr val="FFFFFF"/>
                 </a:solidFill>
@@ -9080,7 +9085,7 @@
               </a:ln>
               <a:extLst>
                 <a:ext uri="{91240B29-F687-4f45-9708-019B960494DF}">
-                  <a14:hiddenLine xmlns:a14="http://schemas.microsoft.com/office/drawing/2010/main" xmlns="" w="9525">
+                  <a14:hiddenLine xmlns="" xmlns:a14="http://schemas.microsoft.com/office/drawing/2010/main" w="9525">
                     <a:solidFill>
                       <a:srgbClr val="000000"/>
                     </a:solidFill>
@@ -9170,7 +9175,7 @@
               </a:ln>
               <a:extLst>
                 <a:ext uri="{91240B29-F687-4f45-9708-019B960494DF}">
-                  <a14:hiddenLine xmlns:a14="http://schemas.microsoft.com/office/drawing/2010/main" xmlns="" w="9525">
+                  <a14:hiddenLine xmlns="" xmlns:a14="http://schemas.microsoft.com/office/drawing/2010/main" w="9525">
                     <a:solidFill>
                       <a:srgbClr val="000000"/>
                     </a:solidFill>
@@ -9260,7 +9265,7 @@
               </a:ln>
               <a:extLst>
                 <a:ext uri="{91240B29-F687-4f45-9708-019B960494DF}">
-                  <a14:hiddenLine xmlns:a14="http://schemas.microsoft.com/office/drawing/2010/main" xmlns="" w="9525">
+                  <a14:hiddenLine xmlns="" xmlns:a14="http://schemas.microsoft.com/office/drawing/2010/main" w="9525">
                     <a:solidFill>
                       <a:srgbClr val="000000"/>
                     </a:solidFill>
@@ -9322,7 +9327,7 @@
               </a:ln>
               <a:extLst>
                 <a:ext uri="{91240B29-F687-4f45-9708-019B960494DF}">
-                  <a14:hiddenLine xmlns:a14="http://schemas.microsoft.com/office/drawing/2010/main" xmlns="" w="9525">
+                  <a14:hiddenLine xmlns="" xmlns:a14="http://schemas.microsoft.com/office/drawing/2010/main" w="9525">
                     <a:solidFill>
                       <a:srgbClr val="000000"/>
                     </a:solidFill>
@@ -9412,7 +9417,7 @@
               </a:ln>
               <a:extLst>
                 <a:ext uri="{91240B29-F687-4f45-9708-019B960494DF}">
-                  <a14:hiddenLine xmlns:a14="http://schemas.microsoft.com/office/drawing/2010/main" xmlns="" w="9525">
+                  <a14:hiddenLine xmlns="" xmlns:a14="http://schemas.microsoft.com/office/drawing/2010/main" w="9525">
                     <a:solidFill>
                       <a:srgbClr val="000000"/>
                     </a:solidFill>
@@ -9474,7 +9479,7 @@
               </a:ln>
               <a:extLst>
                 <a:ext uri="{91240B29-F687-4f45-9708-019B960494DF}">
-                  <a14:hiddenLine xmlns:a14="http://schemas.microsoft.com/office/drawing/2010/main" xmlns="" w="9525">
+                  <a14:hiddenLine xmlns="" xmlns:a14="http://schemas.microsoft.com/office/drawing/2010/main" w="9525">
                     <a:solidFill>
                       <a:srgbClr val="000000"/>
                     </a:solidFill>
@@ -9536,7 +9541,7 @@
               </a:ln>
               <a:extLst>
                 <a:ext uri="{91240B29-F687-4f45-9708-019B960494DF}">
-                  <a14:hiddenLine xmlns:a14="http://schemas.microsoft.com/office/drawing/2010/main" xmlns="" w="9525">
+                  <a14:hiddenLine xmlns="" xmlns:a14="http://schemas.microsoft.com/office/drawing/2010/main" w="9525">
                     <a:solidFill>
                       <a:srgbClr val="000000"/>
                     </a:solidFill>
@@ -9626,7 +9631,7 @@
               </a:ln>
               <a:extLst>
                 <a:ext uri="{91240B29-F687-4f45-9708-019B960494DF}">
-                  <a14:hiddenLine xmlns:a14="http://schemas.microsoft.com/office/drawing/2010/main" xmlns="" w="9525">
+                  <a14:hiddenLine xmlns="" xmlns:a14="http://schemas.microsoft.com/office/drawing/2010/main" w="9525">
                     <a:solidFill>
                       <a:srgbClr val="000000"/>
                     </a:solidFill>
@@ -9716,7 +9721,7 @@
               </a:ln>
               <a:extLst>
                 <a:ext uri="{91240B29-F687-4f45-9708-019B960494DF}">
-                  <a14:hiddenLine xmlns:a14="http://schemas.microsoft.com/office/drawing/2010/main" xmlns="" w="9525">
+                  <a14:hiddenLine xmlns="" xmlns:a14="http://schemas.microsoft.com/office/drawing/2010/main" w="9525">
                     <a:solidFill>
                       <a:srgbClr val="000000"/>
                     </a:solidFill>
@@ -9778,7 +9783,7 @@
               </a:ln>
               <a:extLst>
                 <a:ext uri="{91240B29-F687-4f45-9708-019B960494DF}">
-                  <a14:hiddenLine xmlns:a14="http://schemas.microsoft.com/office/drawing/2010/main" xmlns="" w="9525">
+                  <a14:hiddenLine xmlns="" xmlns:a14="http://schemas.microsoft.com/office/drawing/2010/main" w="9525">
                     <a:solidFill>
                       <a:srgbClr val="000000"/>
                     </a:solidFill>
@@ -9888,7 +9893,7 @@
               </a:ln>
               <a:extLst>
                 <a:ext uri="{91240B29-F687-4f45-9708-019B960494DF}">
-                  <a14:hiddenLine xmlns:a14="http://schemas.microsoft.com/office/drawing/2010/main" xmlns="" w="9525">
+                  <a14:hiddenLine xmlns="" xmlns:a14="http://schemas.microsoft.com/office/drawing/2010/main" w="9525">
                     <a:solidFill>
                       <a:srgbClr val="000000"/>
                     </a:solidFill>
@@ -9972,7 +9977,7 @@
               </a:ln>
               <a:extLst>
                 <a:ext uri="{91240B29-F687-4f45-9708-019B960494DF}">
-                  <a14:hiddenLine xmlns:a14="http://schemas.microsoft.com/office/drawing/2010/main" xmlns="" w="9525">
+                  <a14:hiddenLine xmlns="" xmlns:a14="http://schemas.microsoft.com/office/drawing/2010/main" w="9525">
                     <a:solidFill>
                       <a:srgbClr val="000000"/>
                     </a:solidFill>
@@ -10034,7 +10039,7 @@
               </a:ln>
               <a:extLst>
                 <a:ext uri="{91240B29-F687-4f45-9708-019B960494DF}">
-                  <a14:hiddenLine xmlns:a14="http://schemas.microsoft.com/office/drawing/2010/main" xmlns="" w="9525">
+                  <a14:hiddenLine xmlns="" xmlns:a14="http://schemas.microsoft.com/office/drawing/2010/main" w="9525">
                     <a:solidFill>
                       <a:srgbClr val="000000"/>
                     </a:solidFill>
@@ -10096,7 +10101,7 @@
               </a:ln>
               <a:extLst>
                 <a:ext uri="{91240B29-F687-4f45-9708-019B960494DF}">
-                  <a14:hiddenLine xmlns:a14="http://schemas.microsoft.com/office/drawing/2010/main" xmlns="" w="9525">
+                  <a14:hiddenLine xmlns="" xmlns:a14="http://schemas.microsoft.com/office/drawing/2010/main" w="9525">
                     <a:solidFill>
                       <a:srgbClr val="000000"/>
                     </a:solidFill>
@@ -10186,7 +10191,7 @@
               </a:ln>
               <a:extLst>
                 <a:ext uri="{91240B29-F687-4f45-9708-019B960494DF}">
-                  <a14:hiddenLine xmlns:a14="http://schemas.microsoft.com/office/drawing/2010/main" xmlns="" w="9525">
+                  <a14:hiddenLine xmlns="" xmlns:a14="http://schemas.microsoft.com/office/drawing/2010/main" w="9525">
                     <a:solidFill>
                       <a:srgbClr val="000000"/>
                     </a:solidFill>
@@ -10220,7 +10225,7 @@
               </a:ln>
               <a:extLst>
                 <a:ext uri="{91240B29-F687-4f45-9708-019B960494DF}">
-                  <a14:hiddenLine xmlns:a14="http://schemas.microsoft.com/office/drawing/2010/main" xmlns="" w="9525">
+                  <a14:hiddenLine xmlns="" xmlns:a14="http://schemas.microsoft.com/office/drawing/2010/main" w="9525">
                     <a:solidFill>
                       <a:srgbClr val="000000"/>
                     </a:solidFill>
@@ -10285,7 +10290,7 @@
               </a:ln>
               <a:extLst>
                 <a:ext uri="{91240B29-F687-4f45-9708-019B960494DF}">
-                  <a14:hiddenLine xmlns:a14="http://schemas.microsoft.com/office/drawing/2010/main" xmlns="" w="9525">
+                  <a14:hiddenLine xmlns="" xmlns:a14="http://schemas.microsoft.com/office/drawing/2010/main" w="9525">
                     <a:solidFill>
                       <a:srgbClr val="000000"/>
                     </a:solidFill>
@@ -10375,7 +10380,7 @@
               </a:ln>
               <a:extLst>
                 <a:ext uri="{91240B29-F687-4f45-9708-019B960494DF}">
-                  <a14:hiddenLine xmlns:a14="http://schemas.microsoft.com/office/drawing/2010/main" xmlns="" w="9525">
+                  <a14:hiddenLine xmlns="" xmlns:a14="http://schemas.microsoft.com/office/drawing/2010/main" w="9525">
                     <a:solidFill>
                       <a:srgbClr val="000000"/>
                     </a:solidFill>
@@ -10437,7 +10442,7 @@
               </a:ln>
               <a:extLst>
                 <a:ext uri="{91240B29-F687-4f45-9708-019B960494DF}">
-                  <a14:hiddenLine xmlns:a14="http://schemas.microsoft.com/office/drawing/2010/main" xmlns="" w="9525">
+                  <a14:hiddenLine xmlns="" xmlns:a14="http://schemas.microsoft.com/office/drawing/2010/main" w="9525">
                     <a:solidFill>
                       <a:srgbClr val="000000"/>
                     </a:solidFill>
@@ -10527,7 +10532,7 @@
               </a:ln>
               <a:extLst>
                 <a:ext uri="{91240B29-F687-4f45-9708-019B960494DF}">
-                  <a14:hiddenLine xmlns:a14="http://schemas.microsoft.com/office/drawing/2010/main" xmlns="" w="9525">
+                  <a14:hiddenLine xmlns="" xmlns:a14="http://schemas.microsoft.com/office/drawing/2010/main" w="9525">
                     <a:solidFill>
                       <a:srgbClr val="000000"/>
                     </a:solidFill>
@@ -10592,7 +10597,7 @@
               </a:ln>
               <a:extLst>
                 <a:ext uri="{91240B29-F687-4f45-9708-019B960494DF}">
-                  <a14:hiddenLine xmlns:a14="http://schemas.microsoft.com/office/drawing/2010/main" xmlns="" w="9525">
+                  <a14:hiddenLine xmlns="" xmlns:a14="http://schemas.microsoft.com/office/drawing/2010/main" w="9525">
                     <a:solidFill>
                       <a:srgbClr val="000000"/>
                     </a:solidFill>
@@ -10654,7 +10659,7 @@
               </a:ln>
               <a:extLst>
                 <a:ext uri="{91240B29-F687-4f45-9708-019B960494DF}">
-                  <a14:hiddenLine xmlns:a14="http://schemas.microsoft.com/office/drawing/2010/main" xmlns="" w="9525">
+                  <a14:hiddenLine xmlns="" xmlns:a14="http://schemas.microsoft.com/office/drawing/2010/main" w="9525">
                     <a:solidFill>
                       <a:srgbClr val="000000"/>
                     </a:solidFill>
@@ -10744,7 +10749,7 @@
               </a:ln>
               <a:extLst>
                 <a:ext uri="{91240B29-F687-4f45-9708-019B960494DF}">
-                  <a14:hiddenLine xmlns:a14="http://schemas.microsoft.com/office/drawing/2010/main" xmlns="" w="9525">
+                  <a14:hiddenLine xmlns="" xmlns:a14="http://schemas.microsoft.com/office/drawing/2010/main" w="9525">
                     <a:solidFill>
                       <a:srgbClr val="000000"/>
                     </a:solidFill>
@@ -10834,7 +10839,7 @@
               </a:ln>
               <a:extLst>
                 <a:ext uri="{91240B29-F687-4f45-9708-019B960494DF}">
-                  <a14:hiddenLine xmlns:a14="http://schemas.microsoft.com/office/drawing/2010/main" xmlns="" w="9525">
+                  <a14:hiddenLine xmlns="" xmlns:a14="http://schemas.microsoft.com/office/drawing/2010/main" w="9525">
                     <a:solidFill>
                       <a:srgbClr val="000000"/>
                     </a:solidFill>
@@ -10899,7 +10904,7 @@
               </a:ln>
               <a:extLst>
                 <a:ext uri="{91240B29-F687-4f45-9708-019B960494DF}">
-                  <a14:hiddenLine xmlns:a14="http://schemas.microsoft.com/office/drawing/2010/main" xmlns="" w="9525">
+                  <a14:hiddenLine xmlns="" xmlns:a14="http://schemas.microsoft.com/office/drawing/2010/main" w="9525">
                     <a:solidFill>
                       <a:srgbClr val="000000"/>
                     </a:solidFill>
@@ -11019,7 +11024,7 @@
               </a:ln>
               <a:extLst>
                 <a:ext uri="{91240B29-F687-4f45-9708-019B960494DF}">
-                  <a14:hiddenLine xmlns:a14="http://schemas.microsoft.com/office/drawing/2010/main" xmlns="" w="9525">
+                  <a14:hiddenLine xmlns="" xmlns:a14="http://schemas.microsoft.com/office/drawing/2010/main" w="9525">
                     <a:solidFill>
                       <a:srgbClr val="000000"/>
                     </a:solidFill>
@@ -11117,7 +11122,7 @@
               </a:ln>
               <a:extLst>
                 <a:ext uri="{91240B29-F687-4f45-9708-019B960494DF}">
-                  <a14:hiddenLine xmlns:a14="http://schemas.microsoft.com/office/drawing/2010/main" xmlns="" w="9525">
+                  <a14:hiddenLine xmlns="" xmlns:a14="http://schemas.microsoft.com/office/drawing/2010/main" w="9525">
                     <a:solidFill>
                       <a:srgbClr val="000000"/>
                     </a:solidFill>
@@ -11232,7 +11237,7 @@
               </a:ln>
               <a:extLst>
                 <a:ext uri="{91240B29-F687-4f45-9708-019B960494DF}">
-                  <a14:hiddenLine xmlns:a14="http://schemas.microsoft.com/office/drawing/2010/main" xmlns="" w="9525">
+                  <a14:hiddenLine xmlns="" xmlns:a14="http://schemas.microsoft.com/office/drawing/2010/main" w="9525">
                     <a:solidFill>
                       <a:srgbClr val="000000"/>
                     </a:solidFill>
@@ -11322,7 +11327,7 @@
               </a:ln>
               <a:extLst>
                 <a:ext uri="{91240B29-F687-4f45-9708-019B960494DF}">
-                  <a14:hiddenLine xmlns:a14="http://schemas.microsoft.com/office/drawing/2010/main" xmlns="" w="9525">
+                  <a14:hiddenLine xmlns="" xmlns:a14="http://schemas.microsoft.com/office/drawing/2010/main" w="9525">
                     <a:solidFill>
                       <a:srgbClr val="000000"/>
                     </a:solidFill>
@@ -11387,7 +11392,7 @@
               </a:ln>
               <a:extLst>
                 <a:ext uri="{91240B29-F687-4f45-9708-019B960494DF}">
-                  <a14:hiddenLine xmlns:a14="http://schemas.microsoft.com/office/drawing/2010/main" xmlns="" w="9525">
+                  <a14:hiddenLine xmlns="" xmlns:a14="http://schemas.microsoft.com/office/drawing/2010/main" w="9525">
                     <a:solidFill>
                       <a:srgbClr val="000000"/>
                     </a:solidFill>
@@ -11477,7 +11482,7 @@
               </a:ln>
               <a:extLst>
                 <a:ext uri="{91240B29-F687-4f45-9708-019B960494DF}">
-                  <a14:hiddenLine xmlns:a14="http://schemas.microsoft.com/office/drawing/2010/main" xmlns="" w="9525">
+                  <a14:hiddenLine xmlns="" xmlns:a14="http://schemas.microsoft.com/office/drawing/2010/main" w="9525">
                     <a:solidFill>
                       <a:srgbClr val="000000"/>
                     </a:solidFill>
@@ -11545,7 +11550,7 @@
               </a:ln>
               <a:extLst>
                 <a:ext uri="{91240B29-F687-4f45-9708-019B960494DF}">
-                  <a14:hiddenLine xmlns:a14="http://schemas.microsoft.com/office/drawing/2010/main" xmlns="" w="9525">
+                  <a14:hiddenLine xmlns="" xmlns:a14="http://schemas.microsoft.com/office/drawing/2010/main" w="9525">
                     <a:solidFill>
                       <a:srgbClr val="000000"/>
                     </a:solidFill>
@@ -11635,7 +11640,7 @@
               </a:ln>
               <a:extLst>
                 <a:ext uri="{91240B29-F687-4f45-9708-019B960494DF}">
-                  <a14:hiddenLine xmlns:a14="http://schemas.microsoft.com/office/drawing/2010/main" xmlns="" w="9525">
+                  <a14:hiddenLine xmlns="" xmlns:a14="http://schemas.microsoft.com/office/drawing/2010/main" w="9525">
                     <a:solidFill>
                       <a:srgbClr val="000000"/>
                     </a:solidFill>
@@ -11703,7 +11708,7 @@
               </a:ln>
               <a:extLst>
                 <a:ext uri="{91240B29-F687-4f45-9708-019B960494DF}">
-                  <a14:hiddenLine xmlns:a14="http://schemas.microsoft.com/office/drawing/2010/main" xmlns="" w="9525">
+                  <a14:hiddenLine xmlns="" xmlns:a14="http://schemas.microsoft.com/office/drawing/2010/main" w="9525">
                     <a:solidFill>
                       <a:srgbClr val="000000"/>
                     </a:solidFill>
@@ -11793,7 +11798,7 @@
               </a:ln>
               <a:extLst>
                 <a:ext uri="{91240B29-F687-4f45-9708-019B960494DF}">
-                  <a14:hiddenLine xmlns:a14="http://schemas.microsoft.com/office/drawing/2010/main" xmlns="" w="9525">
+                  <a14:hiddenLine xmlns="" xmlns:a14="http://schemas.microsoft.com/office/drawing/2010/main" w="9525">
                     <a:solidFill>
                       <a:srgbClr val="000000"/>
                     </a:solidFill>
@@ -11827,7 +11832,7 @@
               </a:ln>
               <a:extLst>
                 <a:ext uri="{91240B29-F687-4f45-9708-019B960494DF}">
-                  <a14:hiddenLine xmlns:a14="http://schemas.microsoft.com/office/drawing/2010/main" xmlns="" w="9525">
+                  <a14:hiddenLine xmlns="" xmlns:a14="http://schemas.microsoft.com/office/drawing/2010/main" w="9525">
                     <a:solidFill>
                       <a:srgbClr val="000000"/>
                     </a:solidFill>
@@ -11968,7 +11973,7 @@
             <a:fld id="{48A87A34-81AB-432B-8DAE-1953F412C126}" type="datetimeFigureOut">
               <a:rPr lang="en-US" dirty="0"/>
               <a:pPr/>
-              <a:t>7/4/2016</a:t>
+              <a:t>7/5/2016</a:t>
             </a:fld>
             <a:endParaRPr lang="en-US" dirty="0"/>
           </a:p>
@@ -12433,7 +12438,7 @@
     </p:spTree>
     <p:extLst>
       <p:ext uri="{BB962C8B-B14F-4D97-AF65-F5344CB8AC3E}">
-        <p14:creationId xmlns:p14="http://schemas.microsoft.com/office/powerpoint/2010/main" xmlns="" val="4193971689"/>
+        <p14:creationId xmlns="" xmlns:p14="http://schemas.microsoft.com/office/powerpoint/2010/main" val="4193971689"/>
       </p:ext>
     </p:extLst>
   </p:cSld>
@@ -12480,15 +12485,15 @@
         <p:spPr/>
         <p:txBody>
           <a:bodyPr>
-            <a:normAutofit fontScale="90000"/>
+            <a:normAutofit/>
           </a:bodyPr>
           <a:lstStyle/>
           <a:p>
             <a:r>
-              <a:rPr lang="en-US" smtClean="0"/>
-              <a:t>Grab images from https://www.pinterest.com/pin/323766660687379381/</a:t>
+              <a:rPr lang="en-US" dirty="0" smtClean="0"/>
+              <a:t>What does a programmer do?</a:t>
             </a:r>
-            <a:endParaRPr lang="en-US"/>
+            <a:endParaRPr lang="en-US" dirty="0"/>
           </a:p>
         </p:txBody>
       </p:sp>
@@ -12516,6 +12521,13 @@
   <p:clrMapOvr>
     <a:masterClrMapping/>
   </p:clrMapOvr>
+  <p:timing>
+    <p:tnLst>
+      <p:par>
+        <p:cTn id="1" dur="indefinite" restart="never" nodeType="tmRoot"/>
+      </p:par>
+    </p:tnLst>
+  </p:timing>
 </p:sld>
 </file>
 
@@ -12551,6 +12563,401 @@
           <a:bodyPr/>
           <a:lstStyle/>
           <a:p>
+            <a:pPr algn="ctr"/>
+            <a:r>
+              <a:rPr lang="en-US" dirty="0" smtClean="0"/>
+              <a:t>What friends think I do</a:t>
+            </a:r>
+            <a:endParaRPr lang="en-US" dirty="0"/>
+          </a:p>
+        </p:txBody>
+      </p:sp>
+      <p:pic>
+        <p:nvPicPr>
+          <p:cNvPr id="4" name="Content Placeholder 3" descr="programmerimage3.PNG"/>
+          <p:cNvPicPr>
+            <a:picLocks noGrp="1" noChangeAspect="1"/>
+          </p:cNvPicPr>
+          <p:nvPr>
+            <p:ph idx="1"/>
+          </p:nvPr>
+        </p:nvPicPr>
+        <p:blipFill>
+          <a:blip r:embed="rId2"/>
+          <a:stretch>
+            <a:fillRect/>
+          </a:stretch>
+        </p:blipFill>
+        <p:spPr>
+          <a:xfrm>
+            <a:off x="2847701" y="2533310"/>
+            <a:ext cx="6144725" cy="3462541"/>
+          </a:xfrm>
+        </p:spPr>
+      </p:pic>
+    </p:spTree>
+  </p:cSld>
+  <p:clrMapOvr>
+    <a:masterClrMapping/>
+  </p:clrMapOvr>
+  <p:timing>
+    <p:tnLst>
+      <p:par>
+        <p:cTn id="1" dur="indefinite" restart="never" nodeType="tmRoot"/>
+      </p:par>
+    </p:tnLst>
+  </p:timing>
+</p:sld>
+</file>
+
+<file path=ppt/slides/slide4.xml><?xml version="1.0" encoding="utf-8"?>
+<p:sld xmlns:a="http://schemas.openxmlformats.org/drawingml/2006/main" xmlns:r="http://schemas.openxmlformats.org/officeDocument/2006/relationships" xmlns:p="http://schemas.openxmlformats.org/presentationml/2006/main">
+  <p:cSld>
+    <p:spTree>
+      <p:nvGrpSpPr>
+        <p:cNvPr id="1" name=""/>
+        <p:cNvGrpSpPr/>
+        <p:nvPr/>
+      </p:nvGrpSpPr>
+      <p:grpSpPr>
+        <a:xfrm>
+          <a:off x="0" y="0"/>
+          <a:ext cx="0" cy="0"/>
+          <a:chOff x="0" y="0"/>
+          <a:chExt cx="0" cy="0"/>
+        </a:xfrm>
+      </p:grpSpPr>
+      <p:sp>
+        <p:nvSpPr>
+          <p:cNvPr id="2" name="Title 1"/>
+          <p:cNvSpPr>
+            <a:spLocks noGrp="1"/>
+          </p:cNvSpPr>
+          <p:nvPr>
+            <p:ph type="title"/>
+          </p:nvPr>
+        </p:nvSpPr>
+        <p:spPr/>
+        <p:txBody>
+          <a:bodyPr/>
+          <a:lstStyle/>
+          <a:p>
+            <a:pPr algn="ctr"/>
+            <a:r>
+              <a:rPr lang="en-US" dirty="0" smtClean="0"/>
+              <a:t>What my family thinks I do</a:t>
+            </a:r>
+            <a:endParaRPr lang="en-US" dirty="0"/>
+          </a:p>
+        </p:txBody>
+      </p:sp>
+      <p:pic>
+        <p:nvPicPr>
+          <p:cNvPr id="6" name="Content Placeholder 5" descr="programmerimage10.PNG"/>
+          <p:cNvPicPr>
+            <a:picLocks noGrp="1" noChangeAspect="1"/>
+          </p:cNvPicPr>
+          <p:nvPr>
+            <p:ph idx="1"/>
+          </p:nvPr>
+        </p:nvPicPr>
+        <p:blipFill>
+          <a:blip r:embed="rId2"/>
+          <a:stretch>
+            <a:fillRect/>
+          </a:stretch>
+        </p:blipFill>
+        <p:spPr>
+          <a:xfrm>
+            <a:off x="3872802" y="2776567"/>
+            <a:ext cx="4108604" cy="3144858"/>
+          </a:xfrm>
+        </p:spPr>
+      </p:pic>
+    </p:spTree>
+  </p:cSld>
+  <p:clrMapOvr>
+    <a:masterClrMapping/>
+  </p:clrMapOvr>
+  <p:timing>
+    <p:tnLst>
+      <p:par>
+        <p:cTn id="1" dur="indefinite" restart="never" nodeType="tmRoot"/>
+      </p:par>
+    </p:tnLst>
+  </p:timing>
+</p:sld>
+</file>
+
+<file path=ppt/slides/slide5.xml><?xml version="1.0" encoding="utf-8"?>
+<p:sld xmlns:a="http://schemas.openxmlformats.org/drawingml/2006/main" xmlns:r="http://schemas.openxmlformats.org/officeDocument/2006/relationships" xmlns:p="http://schemas.openxmlformats.org/presentationml/2006/main">
+  <p:cSld>
+    <p:spTree>
+      <p:nvGrpSpPr>
+        <p:cNvPr id="1" name=""/>
+        <p:cNvGrpSpPr/>
+        <p:nvPr/>
+      </p:nvGrpSpPr>
+      <p:grpSpPr>
+        <a:xfrm>
+          <a:off x="0" y="0"/>
+          <a:ext cx="0" cy="0"/>
+          <a:chOff x="0" y="0"/>
+          <a:chExt cx="0" cy="0"/>
+        </a:xfrm>
+      </p:grpSpPr>
+      <p:sp>
+        <p:nvSpPr>
+          <p:cNvPr id="2" name="Title 1"/>
+          <p:cNvSpPr>
+            <a:spLocks noGrp="1"/>
+          </p:cNvSpPr>
+          <p:nvPr>
+            <p:ph type="title"/>
+          </p:nvPr>
+        </p:nvSpPr>
+        <p:spPr/>
+        <p:txBody>
+          <a:bodyPr/>
+          <a:lstStyle/>
+          <a:p>
+            <a:pPr algn="ctr"/>
+            <a:r>
+              <a:rPr lang="en-US" dirty="0" smtClean="0"/>
+              <a:t>What the boss thinks I do</a:t>
+            </a:r>
+            <a:endParaRPr lang="en-US" dirty="0"/>
+          </a:p>
+        </p:txBody>
+      </p:sp>
+      <p:pic>
+        <p:nvPicPr>
+          <p:cNvPr id="6" name="Content Placeholder 5" descr="programmerimage5.PNG"/>
+          <p:cNvPicPr>
+            <a:picLocks noGrp="1" noChangeAspect="1"/>
+          </p:cNvPicPr>
+          <p:nvPr>
+            <p:ph idx="1"/>
+          </p:nvPr>
+        </p:nvPicPr>
+        <p:blipFill>
+          <a:blip r:embed="rId2"/>
+          <a:stretch>
+            <a:fillRect/>
+          </a:stretch>
+        </p:blipFill>
+        <p:spPr>
+          <a:xfrm>
+            <a:off x="3853544" y="2414056"/>
+            <a:ext cx="4741816" cy="3814069"/>
+          </a:xfrm>
+        </p:spPr>
+      </p:pic>
+    </p:spTree>
+  </p:cSld>
+  <p:clrMapOvr>
+    <a:masterClrMapping/>
+  </p:clrMapOvr>
+  <p:timing>
+    <p:tnLst>
+      <p:par>
+        <p:cTn id="1" dur="indefinite" restart="never" nodeType="tmRoot"/>
+      </p:par>
+    </p:tnLst>
+  </p:timing>
+</p:sld>
+</file>
+
+<file path=ppt/slides/slide6.xml><?xml version="1.0" encoding="utf-8"?>
+<p:sld xmlns:a="http://schemas.openxmlformats.org/drawingml/2006/main" xmlns:r="http://schemas.openxmlformats.org/officeDocument/2006/relationships" xmlns:p="http://schemas.openxmlformats.org/presentationml/2006/main">
+  <p:cSld>
+    <p:spTree>
+      <p:nvGrpSpPr>
+        <p:cNvPr id="1" name=""/>
+        <p:cNvGrpSpPr/>
+        <p:nvPr/>
+      </p:nvGrpSpPr>
+      <p:grpSpPr>
+        <a:xfrm>
+          <a:off x="0" y="0"/>
+          <a:ext cx="0" cy="0"/>
+          <a:chOff x="0" y="0"/>
+          <a:chExt cx="0" cy="0"/>
+        </a:xfrm>
+      </p:grpSpPr>
+      <p:sp>
+        <p:nvSpPr>
+          <p:cNvPr id="2" name="Title 1"/>
+          <p:cNvSpPr>
+            <a:spLocks noGrp="1"/>
+          </p:cNvSpPr>
+          <p:nvPr>
+            <p:ph type="title"/>
+          </p:nvPr>
+        </p:nvSpPr>
+        <p:spPr/>
+        <p:txBody>
+          <a:bodyPr/>
+          <a:lstStyle/>
+          <a:p>
+            <a:pPr algn="ctr"/>
+            <a:r>
+              <a:rPr lang="en-US" dirty="0" smtClean="0"/>
+              <a:t>What I think I do</a:t>
+            </a:r>
+            <a:endParaRPr lang="en-US" dirty="0"/>
+          </a:p>
+        </p:txBody>
+      </p:sp>
+      <p:pic>
+        <p:nvPicPr>
+          <p:cNvPr id="6" name="Content Placeholder 5" descr="programmerimage11.PNG"/>
+          <p:cNvPicPr>
+            <a:picLocks noGrp="1" noChangeAspect="1"/>
+          </p:cNvPicPr>
+          <p:nvPr>
+            <p:ph idx="1"/>
+          </p:nvPr>
+        </p:nvPicPr>
+        <p:blipFill>
+          <a:blip r:embed="rId2"/>
+          <a:stretch>
+            <a:fillRect/>
+          </a:stretch>
+        </p:blipFill>
+        <p:spPr>
+          <a:xfrm>
+            <a:off x="3826063" y="2227742"/>
+            <a:ext cx="5031766" cy="3297847"/>
+          </a:xfrm>
+        </p:spPr>
+      </p:pic>
+    </p:spTree>
+  </p:cSld>
+  <p:clrMapOvr>
+    <a:masterClrMapping/>
+  </p:clrMapOvr>
+  <p:timing>
+    <p:tnLst>
+      <p:par>
+        <p:cTn id="1" dur="indefinite" restart="never" nodeType="tmRoot"/>
+      </p:par>
+    </p:tnLst>
+  </p:timing>
+</p:sld>
+</file>
+
+<file path=ppt/slides/slide7.xml><?xml version="1.0" encoding="utf-8"?>
+<p:sld xmlns:a="http://schemas.openxmlformats.org/drawingml/2006/main" xmlns:r="http://schemas.openxmlformats.org/officeDocument/2006/relationships" xmlns:p="http://schemas.openxmlformats.org/presentationml/2006/main">
+  <p:cSld>
+    <p:spTree>
+      <p:nvGrpSpPr>
+        <p:cNvPr id="1" name=""/>
+        <p:cNvGrpSpPr/>
+        <p:nvPr/>
+      </p:nvGrpSpPr>
+      <p:grpSpPr>
+        <a:xfrm>
+          <a:off x="0" y="0"/>
+          <a:ext cx="0" cy="0"/>
+          <a:chOff x="0" y="0"/>
+          <a:chExt cx="0" cy="0"/>
+        </a:xfrm>
+      </p:grpSpPr>
+      <p:sp>
+        <p:nvSpPr>
+          <p:cNvPr id="2" name="Title 1"/>
+          <p:cNvSpPr>
+            <a:spLocks noGrp="1"/>
+          </p:cNvSpPr>
+          <p:nvPr>
+            <p:ph type="title"/>
+          </p:nvPr>
+        </p:nvSpPr>
+        <p:spPr/>
+        <p:txBody>
+          <a:bodyPr/>
+          <a:lstStyle/>
+          <a:p>
+            <a:pPr algn="ctr"/>
+            <a:r>
+              <a:rPr lang="en-US" dirty="0" smtClean="0"/>
+              <a:t>What I really do</a:t>
+            </a:r>
+            <a:endParaRPr lang="en-US" dirty="0"/>
+          </a:p>
+        </p:txBody>
+      </p:sp>
+      <p:pic>
+        <p:nvPicPr>
+          <p:cNvPr id="6" name="Content Placeholder 5" descr="programmerimage9.PNG"/>
+          <p:cNvPicPr>
+            <a:picLocks noGrp="1" noChangeAspect="1"/>
+          </p:cNvPicPr>
+          <p:nvPr>
+            <p:ph idx="1"/>
+          </p:nvPr>
+        </p:nvPicPr>
+        <p:blipFill>
+          <a:blip r:embed="rId2"/>
+          <a:stretch>
+            <a:fillRect/>
+          </a:stretch>
+        </p:blipFill>
+        <p:spPr>
+          <a:xfrm>
+            <a:off x="3905794" y="1951742"/>
+            <a:ext cx="4236954" cy="3808978"/>
+          </a:xfrm>
+        </p:spPr>
+      </p:pic>
+    </p:spTree>
+  </p:cSld>
+  <p:clrMapOvr>
+    <a:masterClrMapping/>
+  </p:clrMapOvr>
+  <p:timing>
+    <p:tnLst>
+      <p:par>
+        <p:cTn id="1" dur="indefinite" restart="never" nodeType="tmRoot"/>
+      </p:par>
+    </p:tnLst>
+  </p:timing>
+</p:sld>
+</file>
+
+<file path=ppt/slides/slide8.xml><?xml version="1.0" encoding="utf-8"?>
+<p:sld xmlns:a="http://schemas.openxmlformats.org/drawingml/2006/main" xmlns:r="http://schemas.openxmlformats.org/officeDocument/2006/relationships" xmlns:p="http://schemas.openxmlformats.org/presentationml/2006/main">
+  <p:cSld>
+    <p:spTree>
+      <p:nvGrpSpPr>
+        <p:cNvPr id="1" name=""/>
+        <p:cNvGrpSpPr/>
+        <p:nvPr/>
+      </p:nvGrpSpPr>
+      <p:grpSpPr>
+        <a:xfrm>
+          <a:off x="0" y="0"/>
+          <a:ext cx="0" cy="0"/>
+          <a:chOff x="0" y="0"/>
+          <a:chExt cx="0" cy="0"/>
+        </a:xfrm>
+      </p:grpSpPr>
+      <p:sp>
+        <p:nvSpPr>
+          <p:cNvPr id="2" name="Title 1"/>
+          <p:cNvSpPr>
+            <a:spLocks noGrp="1"/>
+          </p:cNvSpPr>
+          <p:nvPr>
+            <p:ph type="title"/>
+          </p:nvPr>
+        </p:nvSpPr>
+        <p:spPr/>
+        <p:txBody>
+          <a:bodyPr/>
+          <a:lstStyle/>
+          <a:p>
             <a:r>
               <a:rPr lang="en-US" dirty="0" smtClean="0"/>
               <a:t>My background</a:t>
@@ -12623,6 +13030,13 @@
   <p:clrMapOvr>
     <a:masterClrMapping/>
   </p:clrMapOvr>
+  <p:timing>
+    <p:tnLst>
+      <p:par>
+        <p:cTn id="1" dur="indefinite" restart="never" nodeType="tmRoot"/>
+      </p:par>
+    </p:tnLst>
+  </p:timing>
 </p:sld>
 </file>
 
@@ -12871,7 +13285,7 @@
   <a:extraClrSchemeLst/>
   <a:extLst>
     <a:ext uri="{05A4C25C-085E-4340-85A3-A5531E510DB2}">
-      <thm15:themeFamily xmlns:thm15="http://schemas.microsoft.com/office/thememl/2012/main" xmlns="" name="Circuit" id="{0AC2F7E7-15F5-431C-B2A2-456FE929F56C}" vid="{0911B802-464C-4241-8DD9-B60FF88E379F}"/>
+      <thm15:themeFamily xmlns="" xmlns:thm15="http://schemas.microsoft.com/office/thememl/2012/main" name="Circuit" id="{0AC2F7E7-15F5-431C-B2A2-456FE929F56C}" vid="{0911B802-464C-4241-8DD9-B60FF88E379F}"/>
     </a:ext>
   </a:extLst>
 </a:theme>

--- a/PowerPointSlids.pptx
+++ b/PowerPointSlids.pptx
@@ -13,6 +13,13 @@
     <p:sldId id="262" r:id="rId7"/>
     <p:sldId id="263" r:id="rId8"/>
     <p:sldId id="257" r:id="rId9"/>
+    <p:sldId id="264" r:id="rId10"/>
+    <p:sldId id="265" r:id="rId11"/>
+    <p:sldId id="266" r:id="rId12"/>
+    <p:sldId id="267" r:id="rId13"/>
+    <p:sldId id="268" r:id="rId14"/>
+    <p:sldId id="269" r:id="rId15"/>
+    <p:sldId id="270" r:id="rId16"/>
   </p:sldIdLst>
   <p:sldSz cx="12192000" cy="6858000"/>
   <p:notesSz cx="6858000" cy="9144000"/>
@@ -113,7 +120,7 @@
   </p:defaultTextStyle>
   <p:extLst>
     <p:ext uri="{EFAFB233-063F-42B5-8137-9DF3F51BA10A}">
-      <p15:sldGuideLst xmlns="" xmlns:p15="http://schemas.microsoft.com/office/powerpoint/2012/main"/>
+      <p15:sldGuideLst xmlns:p15="http://schemas.microsoft.com/office/powerpoint/2012/main" xmlns=""/>
     </p:ext>
   </p:extLst>
 </p:presentation>
@@ -149,7 +156,7 @@
             <a:alphaModFix amt="30000"/>
             <a:extLst>
               <a:ext uri="{28A0092B-C50C-407E-A947-70E740481C1C}">
-                <a14:useLocalDpi xmlns="" xmlns:a14="http://schemas.microsoft.com/office/drawing/2010/main" val="0"/>
+                <a14:useLocalDpi xmlns:a14="http://schemas.microsoft.com/office/drawing/2010/main" xmlns="" val="0"/>
               </a:ext>
             </a:extLst>
           </a:blip>
@@ -169,7 +176,7 @@
           <a:noFill/>
           <a:extLst>
             <a:ext uri="{909E8E84-426E-40dd-AFC4-6F175D3DCCD1}">
-              <a14:hiddenFill xmlns="" xmlns:a14="http://schemas.microsoft.com/office/drawing/2010/main">
+              <a14:hiddenFill xmlns:a14="http://schemas.microsoft.com/office/drawing/2010/main" xmlns="">
                 <a:solidFill>
                   <a:srgbClr val="FFFFFF"/>
                 </a:solidFill>
@@ -229,7 +236,7 @@
             </a:ln>
             <a:extLst>
               <a:ext uri="{91240B29-F687-4f45-9708-019B960494DF}">
-                <a14:hiddenLine xmlns="" xmlns:a14="http://schemas.microsoft.com/office/drawing/2010/main" w="9525">
+                <a14:hiddenLine xmlns:a14="http://schemas.microsoft.com/office/drawing/2010/main" xmlns="" w="9525">
                   <a:solidFill>
                     <a:srgbClr val="000000"/>
                   </a:solidFill>
@@ -319,7 +326,7 @@
             </a:ln>
             <a:extLst>
               <a:ext uri="{91240B29-F687-4f45-9708-019B960494DF}">
-                <a14:hiddenLine xmlns="" xmlns:a14="http://schemas.microsoft.com/office/drawing/2010/main" w="9525">
+                <a14:hiddenLine xmlns:a14="http://schemas.microsoft.com/office/drawing/2010/main" xmlns="" w="9525">
                   <a:solidFill>
                     <a:srgbClr val="000000"/>
                   </a:solidFill>
@@ -409,7 +416,7 @@
             </a:ln>
             <a:extLst>
               <a:ext uri="{91240B29-F687-4f45-9708-019B960494DF}">
-                <a14:hiddenLine xmlns="" xmlns:a14="http://schemas.microsoft.com/office/drawing/2010/main" w="9525">
+                <a14:hiddenLine xmlns:a14="http://schemas.microsoft.com/office/drawing/2010/main" xmlns="" w="9525">
                   <a:solidFill>
                     <a:srgbClr val="000000"/>
                   </a:solidFill>
@@ -443,7 +450,7 @@
             </a:ln>
             <a:extLst>
               <a:ext uri="{91240B29-F687-4f45-9708-019B960494DF}">
-                <a14:hiddenLine xmlns="" xmlns:a14="http://schemas.microsoft.com/office/drawing/2010/main" w="9525">
+                <a14:hiddenLine xmlns:a14="http://schemas.microsoft.com/office/drawing/2010/main" xmlns="" w="9525">
                   <a:solidFill>
                     <a:srgbClr val="000000"/>
                   </a:solidFill>
@@ -533,7 +540,7 @@
             </a:ln>
             <a:extLst>
               <a:ext uri="{91240B29-F687-4f45-9708-019B960494DF}">
-                <a14:hiddenLine xmlns="" xmlns:a14="http://schemas.microsoft.com/office/drawing/2010/main" w="9525">
+                <a14:hiddenLine xmlns:a14="http://schemas.microsoft.com/office/drawing/2010/main" xmlns="" w="9525">
                   <a:solidFill>
                     <a:srgbClr val="000000"/>
                   </a:solidFill>
@@ -595,7 +602,7 @@
             </a:ln>
             <a:extLst>
               <a:ext uri="{91240B29-F687-4f45-9708-019B960494DF}">
-                <a14:hiddenLine xmlns="" xmlns:a14="http://schemas.microsoft.com/office/drawing/2010/main" w="9525">
+                <a14:hiddenLine xmlns:a14="http://schemas.microsoft.com/office/drawing/2010/main" xmlns="" w="9525">
                   <a:solidFill>
                     <a:srgbClr val="000000"/>
                   </a:solidFill>
@@ -657,7 +664,7 @@
             </a:ln>
             <a:extLst>
               <a:ext uri="{91240B29-F687-4f45-9708-019B960494DF}">
-                <a14:hiddenLine xmlns="" xmlns:a14="http://schemas.microsoft.com/office/drawing/2010/main" w="9525">
+                <a14:hiddenLine xmlns:a14="http://schemas.microsoft.com/office/drawing/2010/main" xmlns="" w="9525">
                   <a:solidFill>
                     <a:srgbClr val="000000"/>
                   </a:solidFill>
@@ -747,7 +754,7 @@
             </a:ln>
             <a:extLst>
               <a:ext uri="{91240B29-F687-4f45-9708-019B960494DF}">
-                <a14:hiddenLine xmlns="" xmlns:a14="http://schemas.microsoft.com/office/drawing/2010/main" w="9525">
+                <a14:hiddenLine xmlns:a14="http://schemas.microsoft.com/office/drawing/2010/main" xmlns="" w="9525">
                   <a:solidFill>
                     <a:srgbClr val="000000"/>
                   </a:solidFill>
@@ -809,7 +816,7 @@
             </a:ln>
             <a:extLst>
               <a:ext uri="{91240B29-F687-4f45-9708-019B960494DF}">
-                <a14:hiddenLine xmlns="" xmlns:a14="http://schemas.microsoft.com/office/drawing/2010/main" w="9525">
+                <a14:hiddenLine xmlns:a14="http://schemas.microsoft.com/office/drawing/2010/main" xmlns="" w="9525">
                   <a:solidFill>
                     <a:srgbClr val="000000"/>
                   </a:solidFill>
@@ -871,7 +878,7 @@
             </a:ln>
             <a:extLst>
               <a:ext uri="{91240B29-F687-4f45-9708-019B960494DF}">
-                <a14:hiddenLine xmlns="" xmlns:a14="http://schemas.microsoft.com/office/drawing/2010/main" w="9525">
+                <a14:hiddenLine xmlns:a14="http://schemas.microsoft.com/office/drawing/2010/main" xmlns="" w="9525">
                   <a:solidFill>
                     <a:srgbClr val="000000"/>
                   </a:solidFill>
@@ -961,7 +968,7 @@
             </a:ln>
             <a:extLst>
               <a:ext uri="{91240B29-F687-4f45-9708-019B960494DF}">
-                <a14:hiddenLine xmlns="" xmlns:a14="http://schemas.microsoft.com/office/drawing/2010/main" w="9525">
+                <a14:hiddenLine xmlns:a14="http://schemas.microsoft.com/office/drawing/2010/main" xmlns="" w="9525">
                   <a:solidFill>
                     <a:srgbClr val="000000"/>
                   </a:solidFill>
@@ -1051,7 +1058,7 @@
             </a:ln>
             <a:extLst>
               <a:ext uri="{91240B29-F687-4f45-9708-019B960494DF}">
-                <a14:hiddenLine xmlns="" xmlns:a14="http://schemas.microsoft.com/office/drawing/2010/main" w="9525">
+                <a14:hiddenLine xmlns:a14="http://schemas.microsoft.com/office/drawing/2010/main" xmlns="" w="9525">
                   <a:solidFill>
                     <a:srgbClr val="000000"/>
                   </a:solidFill>
@@ -1113,7 +1120,7 @@
             </a:ln>
             <a:extLst>
               <a:ext uri="{91240B29-F687-4f45-9708-019B960494DF}">
-                <a14:hiddenLine xmlns="" xmlns:a14="http://schemas.microsoft.com/office/drawing/2010/main" w="9525">
+                <a14:hiddenLine xmlns:a14="http://schemas.microsoft.com/office/drawing/2010/main" xmlns="" w="9525">
                   <a:solidFill>
                     <a:srgbClr val="000000"/>
                   </a:solidFill>
@@ -1223,7 +1230,7 @@
             </a:ln>
             <a:extLst>
               <a:ext uri="{91240B29-F687-4f45-9708-019B960494DF}">
-                <a14:hiddenLine xmlns="" xmlns:a14="http://schemas.microsoft.com/office/drawing/2010/main" w="9525">
+                <a14:hiddenLine xmlns:a14="http://schemas.microsoft.com/office/drawing/2010/main" xmlns="" w="9525">
                   <a:solidFill>
                     <a:srgbClr val="000000"/>
                   </a:solidFill>
@@ -1285,7 +1292,7 @@
             </a:ln>
             <a:extLst>
               <a:ext uri="{91240B29-F687-4f45-9708-019B960494DF}">
-                <a14:hiddenLine xmlns="" xmlns:a14="http://schemas.microsoft.com/office/drawing/2010/main" w="9525">
+                <a14:hiddenLine xmlns:a14="http://schemas.microsoft.com/office/drawing/2010/main" xmlns="" w="9525">
                   <a:solidFill>
                     <a:srgbClr val="000000"/>
                   </a:solidFill>
@@ -1375,7 +1382,7 @@
             </a:ln>
             <a:extLst>
               <a:ext uri="{91240B29-F687-4f45-9708-019B960494DF}">
-                <a14:hiddenLine xmlns="" xmlns:a14="http://schemas.microsoft.com/office/drawing/2010/main" w="9525">
+                <a14:hiddenLine xmlns:a14="http://schemas.microsoft.com/office/drawing/2010/main" xmlns="" w="9525">
                   <a:solidFill>
                     <a:srgbClr val="000000"/>
                   </a:solidFill>
@@ -1465,7 +1472,7 @@
             </a:ln>
             <a:extLst>
               <a:ext uri="{91240B29-F687-4f45-9708-019B960494DF}">
-                <a14:hiddenLine xmlns="" xmlns:a14="http://schemas.microsoft.com/office/drawing/2010/main" w="9525">
+                <a14:hiddenLine xmlns:a14="http://schemas.microsoft.com/office/drawing/2010/main" xmlns="" w="9525">
                   <a:solidFill>
                     <a:srgbClr val="000000"/>
                   </a:solidFill>
@@ -1527,7 +1534,7 @@
             </a:ln>
             <a:extLst>
               <a:ext uri="{91240B29-F687-4f45-9708-019B960494DF}">
-                <a14:hiddenLine xmlns="" xmlns:a14="http://schemas.microsoft.com/office/drawing/2010/main" w="9525">
+                <a14:hiddenLine xmlns:a14="http://schemas.microsoft.com/office/drawing/2010/main" xmlns="" w="9525">
                   <a:solidFill>
                     <a:srgbClr val="000000"/>
                   </a:solidFill>
@@ -1617,7 +1624,7 @@
             </a:ln>
             <a:extLst>
               <a:ext uri="{91240B29-F687-4f45-9708-019B960494DF}">
-                <a14:hiddenLine xmlns="" xmlns:a14="http://schemas.microsoft.com/office/drawing/2010/main" w="9525">
+                <a14:hiddenLine xmlns:a14="http://schemas.microsoft.com/office/drawing/2010/main" xmlns="" w="9525">
                   <a:solidFill>
                     <a:srgbClr val="000000"/>
                   </a:solidFill>
@@ -1707,7 +1714,7 @@
             </a:ln>
             <a:extLst>
               <a:ext uri="{91240B29-F687-4f45-9708-019B960494DF}">
-                <a14:hiddenLine xmlns="" xmlns:a14="http://schemas.microsoft.com/office/drawing/2010/main" w="9525">
+                <a14:hiddenLine xmlns:a14="http://schemas.microsoft.com/office/drawing/2010/main" xmlns="" w="9525">
                   <a:solidFill>
                     <a:srgbClr val="000000"/>
                   </a:solidFill>
@@ -1763,7 +1770,7 @@
             </a:ln>
             <a:extLst>
               <a:ext uri="{91240B29-F687-4f45-9708-019B960494DF}">
-                <a14:hiddenLine xmlns="" xmlns:a14="http://schemas.microsoft.com/office/drawing/2010/main" w="9525">
+                <a14:hiddenLine xmlns:a14="http://schemas.microsoft.com/office/drawing/2010/main" xmlns="" w="9525">
                   <a:solidFill>
                     <a:srgbClr val="000000"/>
                   </a:solidFill>
@@ -1853,7 +1860,7 @@
             </a:ln>
             <a:extLst>
               <a:ext uri="{91240B29-F687-4f45-9708-019B960494DF}">
-                <a14:hiddenLine xmlns="" xmlns:a14="http://schemas.microsoft.com/office/drawing/2010/main" w="9525">
+                <a14:hiddenLine xmlns:a14="http://schemas.microsoft.com/office/drawing/2010/main" xmlns="" w="9525">
                   <a:solidFill>
                     <a:srgbClr val="000000"/>
                   </a:solidFill>
@@ -1909,7 +1916,7 @@
             </a:ln>
             <a:extLst>
               <a:ext uri="{91240B29-F687-4f45-9708-019B960494DF}">
-                <a14:hiddenLine xmlns="" xmlns:a14="http://schemas.microsoft.com/office/drawing/2010/main" w="9525">
+                <a14:hiddenLine xmlns:a14="http://schemas.microsoft.com/office/drawing/2010/main" xmlns="" w="9525">
                   <a:solidFill>
                     <a:srgbClr val="000000"/>
                   </a:solidFill>
@@ -1999,7 +2006,7 @@
             </a:ln>
             <a:extLst>
               <a:ext uri="{91240B29-F687-4f45-9708-019B960494DF}">
-                <a14:hiddenLine xmlns="" xmlns:a14="http://schemas.microsoft.com/office/drawing/2010/main" w="9525">
+                <a14:hiddenLine xmlns:a14="http://schemas.microsoft.com/office/drawing/2010/main" xmlns="" w="9525">
                   <a:solidFill>
                     <a:srgbClr val="000000"/>
                   </a:solidFill>
@@ -2067,7 +2074,7 @@
             </a:ln>
             <a:extLst>
               <a:ext uri="{91240B29-F687-4f45-9708-019B960494DF}">
-                <a14:hiddenLine xmlns="" xmlns:a14="http://schemas.microsoft.com/office/drawing/2010/main" w="9525">
+                <a14:hiddenLine xmlns:a14="http://schemas.microsoft.com/office/drawing/2010/main" xmlns="" w="9525">
                   <a:solidFill>
                     <a:srgbClr val="000000"/>
                   </a:solidFill>
@@ -2157,7 +2164,7 @@
             </a:ln>
             <a:extLst>
               <a:ext uri="{91240B29-F687-4f45-9708-019B960494DF}">
-                <a14:hiddenLine xmlns="" xmlns:a14="http://schemas.microsoft.com/office/drawing/2010/main" w="9525">
+                <a14:hiddenLine xmlns:a14="http://schemas.microsoft.com/office/drawing/2010/main" xmlns="" w="9525">
                   <a:solidFill>
                     <a:srgbClr val="000000"/>
                   </a:solidFill>
@@ -2225,7 +2232,7 @@
             </a:ln>
             <a:extLst>
               <a:ext uri="{91240B29-F687-4f45-9708-019B960494DF}">
-                <a14:hiddenLine xmlns="" xmlns:a14="http://schemas.microsoft.com/office/drawing/2010/main" w="9525">
+                <a14:hiddenLine xmlns:a14="http://schemas.microsoft.com/office/drawing/2010/main" xmlns="" w="9525">
                   <a:solidFill>
                     <a:srgbClr val="000000"/>
                   </a:solidFill>
@@ -2315,7 +2322,7 @@
             </a:ln>
             <a:extLst>
               <a:ext uri="{91240B29-F687-4f45-9708-019B960494DF}">
-                <a14:hiddenLine xmlns="" xmlns:a14="http://schemas.microsoft.com/office/drawing/2010/main" w="9525">
+                <a14:hiddenLine xmlns:a14="http://schemas.microsoft.com/office/drawing/2010/main" xmlns="" w="9525">
                   <a:solidFill>
                     <a:srgbClr val="000000"/>
                   </a:solidFill>
@@ -2349,7 +2356,7 @@
             </a:ln>
             <a:extLst>
               <a:ext uri="{91240B29-F687-4f45-9708-019B960494DF}">
-                <a14:hiddenLine xmlns="" xmlns:a14="http://schemas.microsoft.com/office/drawing/2010/main" w="9525">
+                <a14:hiddenLine xmlns:a14="http://schemas.microsoft.com/office/drawing/2010/main" xmlns="" w="9525">
                   <a:solidFill>
                     <a:srgbClr val="000000"/>
                   </a:solidFill>
@@ -2439,7 +2446,7 @@
             </a:ln>
             <a:extLst>
               <a:ext uri="{91240B29-F687-4f45-9708-019B960494DF}">
-                <a14:hiddenLine xmlns="" xmlns:a14="http://schemas.microsoft.com/office/drawing/2010/main" w="9525">
+                <a14:hiddenLine xmlns:a14="http://schemas.microsoft.com/office/drawing/2010/main" xmlns="" w="9525">
                   <a:solidFill>
                     <a:srgbClr val="000000"/>
                   </a:solidFill>
@@ -2501,7 +2508,7 @@
             </a:ln>
             <a:extLst>
               <a:ext uri="{91240B29-F687-4f45-9708-019B960494DF}">
-                <a14:hiddenLine xmlns="" xmlns:a14="http://schemas.microsoft.com/office/drawing/2010/main" w="9525">
+                <a14:hiddenLine xmlns:a14="http://schemas.microsoft.com/office/drawing/2010/main" xmlns="" w="9525">
                   <a:solidFill>
                     <a:srgbClr val="000000"/>
                   </a:solidFill>
@@ -2563,7 +2570,7 @@
             </a:ln>
             <a:extLst>
               <a:ext uri="{91240B29-F687-4f45-9708-019B960494DF}">
-                <a14:hiddenLine xmlns="" xmlns:a14="http://schemas.microsoft.com/office/drawing/2010/main" w="9525">
+                <a14:hiddenLine xmlns:a14="http://schemas.microsoft.com/office/drawing/2010/main" xmlns="" w="9525">
                   <a:solidFill>
                     <a:srgbClr val="000000"/>
                   </a:solidFill>
@@ -2653,7 +2660,7 @@
             </a:ln>
             <a:extLst>
               <a:ext uri="{91240B29-F687-4f45-9708-019B960494DF}">
-                <a14:hiddenLine xmlns="" xmlns:a14="http://schemas.microsoft.com/office/drawing/2010/main" w="9525">
+                <a14:hiddenLine xmlns:a14="http://schemas.microsoft.com/office/drawing/2010/main" xmlns="" w="9525">
                   <a:solidFill>
                     <a:srgbClr val="000000"/>
                   </a:solidFill>
@@ -2721,7 +2728,7 @@
             </a:ln>
             <a:extLst>
               <a:ext uri="{91240B29-F687-4f45-9708-019B960494DF}">
-                <a14:hiddenLine xmlns="" xmlns:a14="http://schemas.microsoft.com/office/drawing/2010/main" w="9525">
+                <a14:hiddenLine xmlns:a14="http://schemas.microsoft.com/office/drawing/2010/main" xmlns="" w="9525">
                   <a:solidFill>
                     <a:srgbClr val="000000"/>
                   </a:solidFill>
@@ -2783,7 +2790,7 @@
             </a:ln>
             <a:extLst>
               <a:ext uri="{91240B29-F687-4f45-9708-019B960494DF}">
-                <a14:hiddenLine xmlns="" xmlns:a14="http://schemas.microsoft.com/office/drawing/2010/main" w="9525">
+                <a14:hiddenLine xmlns:a14="http://schemas.microsoft.com/office/drawing/2010/main" xmlns="" w="9525">
                   <a:solidFill>
                     <a:srgbClr val="000000"/>
                   </a:solidFill>
@@ -2873,7 +2880,7 @@
             </a:ln>
             <a:extLst>
               <a:ext uri="{91240B29-F687-4f45-9708-019B960494DF}">
-                <a14:hiddenLine xmlns="" xmlns:a14="http://schemas.microsoft.com/office/drawing/2010/main" w="9525">
+                <a14:hiddenLine xmlns:a14="http://schemas.microsoft.com/office/drawing/2010/main" xmlns="" w="9525">
                   <a:solidFill>
                     <a:srgbClr val="000000"/>
                   </a:solidFill>
@@ -2935,7 +2942,7 @@
             </a:ln>
             <a:extLst>
               <a:ext uri="{91240B29-F687-4f45-9708-019B960494DF}">
-                <a14:hiddenLine xmlns="" xmlns:a14="http://schemas.microsoft.com/office/drawing/2010/main" w="9525">
+                <a14:hiddenLine xmlns:a14="http://schemas.microsoft.com/office/drawing/2010/main" xmlns="" w="9525">
                   <a:solidFill>
                     <a:srgbClr val="000000"/>
                   </a:solidFill>
@@ -3025,7 +3032,7 @@
             </a:ln>
             <a:extLst>
               <a:ext uri="{91240B29-F687-4f45-9708-019B960494DF}">
-                <a14:hiddenLine xmlns="" xmlns:a14="http://schemas.microsoft.com/office/drawing/2010/main" w="9525">
+                <a14:hiddenLine xmlns:a14="http://schemas.microsoft.com/office/drawing/2010/main" xmlns="" w="9525">
                   <a:solidFill>
                     <a:srgbClr val="000000"/>
                   </a:solidFill>
@@ -3087,7 +3094,7 @@
             </a:ln>
             <a:extLst>
               <a:ext uri="{91240B29-F687-4f45-9708-019B960494DF}">
-                <a14:hiddenLine xmlns="" xmlns:a14="http://schemas.microsoft.com/office/drawing/2010/main" w="9525">
+                <a14:hiddenLine xmlns:a14="http://schemas.microsoft.com/office/drawing/2010/main" xmlns="" w="9525">
                   <a:solidFill>
                     <a:srgbClr val="000000"/>
                   </a:solidFill>
@@ -3177,7 +3184,7 @@
             </a:ln>
             <a:extLst>
               <a:ext uri="{91240B29-F687-4f45-9708-019B960494DF}">
-                <a14:hiddenLine xmlns="" xmlns:a14="http://schemas.microsoft.com/office/drawing/2010/main" w="9525">
+                <a14:hiddenLine xmlns:a14="http://schemas.microsoft.com/office/drawing/2010/main" xmlns="" w="9525">
                   <a:solidFill>
                     <a:srgbClr val="000000"/>
                   </a:solidFill>
@@ -3211,7 +3218,7 @@
             </a:ln>
             <a:extLst>
               <a:ext uri="{91240B29-F687-4f45-9708-019B960494DF}">
-                <a14:hiddenLine xmlns="" xmlns:a14="http://schemas.microsoft.com/office/drawing/2010/main" w="9525">
+                <a14:hiddenLine xmlns:a14="http://schemas.microsoft.com/office/drawing/2010/main" xmlns="" w="9525">
                   <a:solidFill>
                     <a:srgbClr val="000000"/>
                   </a:solidFill>
@@ -3276,7 +3283,7 @@
             </a:ln>
             <a:extLst>
               <a:ext uri="{91240B29-F687-4f45-9708-019B960494DF}">
-                <a14:hiddenLine xmlns="" xmlns:a14="http://schemas.microsoft.com/office/drawing/2010/main" w="9525">
+                <a14:hiddenLine xmlns:a14="http://schemas.microsoft.com/office/drawing/2010/main" xmlns="" w="9525">
                   <a:solidFill>
                     <a:srgbClr val="000000"/>
                   </a:solidFill>
@@ -3366,7 +3373,7 @@
             </a:ln>
             <a:extLst>
               <a:ext uri="{91240B29-F687-4f45-9708-019B960494DF}">
-                <a14:hiddenLine xmlns="" xmlns:a14="http://schemas.microsoft.com/office/drawing/2010/main" w="9525">
+                <a14:hiddenLine xmlns:a14="http://schemas.microsoft.com/office/drawing/2010/main" xmlns="" w="9525">
                   <a:solidFill>
                     <a:srgbClr val="000000"/>
                   </a:solidFill>
@@ -3428,7 +3435,7 @@
             </a:ln>
             <a:extLst>
               <a:ext uri="{91240B29-F687-4f45-9708-019B960494DF}">
-                <a14:hiddenLine xmlns="" xmlns:a14="http://schemas.microsoft.com/office/drawing/2010/main" w="9525">
+                <a14:hiddenLine xmlns:a14="http://schemas.microsoft.com/office/drawing/2010/main" xmlns="" w="9525">
                   <a:solidFill>
                     <a:srgbClr val="000000"/>
                   </a:solidFill>
@@ -3518,7 +3525,7 @@
             </a:ln>
             <a:extLst>
               <a:ext uri="{91240B29-F687-4f45-9708-019B960494DF}">
-                <a14:hiddenLine xmlns="" xmlns:a14="http://schemas.microsoft.com/office/drawing/2010/main" w="9525">
+                <a14:hiddenLine xmlns:a14="http://schemas.microsoft.com/office/drawing/2010/main" xmlns="" w="9525">
                   <a:solidFill>
                     <a:srgbClr val="000000"/>
                   </a:solidFill>
@@ -3608,7 +3615,7 @@
             </a:ln>
             <a:extLst>
               <a:ext uri="{91240B29-F687-4f45-9708-019B960494DF}">
-                <a14:hiddenLine xmlns="" xmlns:a14="http://schemas.microsoft.com/office/drawing/2010/main" w="9525">
+                <a14:hiddenLine xmlns:a14="http://schemas.microsoft.com/office/drawing/2010/main" xmlns="" w="9525">
                   <a:solidFill>
                     <a:srgbClr val="000000"/>
                   </a:solidFill>
@@ -3673,7 +3680,7 @@
             </a:ln>
             <a:extLst>
               <a:ext uri="{91240B29-F687-4f45-9708-019B960494DF}">
-                <a14:hiddenLine xmlns="" xmlns:a14="http://schemas.microsoft.com/office/drawing/2010/main" w="9525">
+                <a14:hiddenLine xmlns:a14="http://schemas.microsoft.com/office/drawing/2010/main" xmlns="" w="9525">
                   <a:solidFill>
                     <a:srgbClr val="000000"/>
                   </a:solidFill>
@@ -3735,7 +3742,7 @@
             </a:ln>
             <a:extLst>
               <a:ext uri="{91240B29-F687-4f45-9708-019B960494DF}">
-                <a14:hiddenLine xmlns="" xmlns:a14="http://schemas.microsoft.com/office/drawing/2010/main" w="9525">
+                <a14:hiddenLine xmlns:a14="http://schemas.microsoft.com/office/drawing/2010/main" xmlns="" w="9525">
                   <a:solidFill>
                     <a:srgbClr val="000000"/>
                   </a:solidFill>
@@ -3825,7 +3832,7 @@
             </a:ln>
             <a:extLst>
               <a:ext uri="{91240B29-F687-4f45-9708-019B960494DF}">
-                <a14:hiddenLine xmlns="" xmlns:a14="http://schemas.microsoft.com/office/drawing/2010/main" w="9525">
+                <a14:hiddenLine xmlns:a14="http://schemas.microsoft.com/office/drawing/2010/main" xmlns="" w="9525">
                   <a:solidFill>
                     <a:srgbClr val="000000"/>
                   </a:solidFill>
@@ -3915,7 +3922,7 @@
             </a:ln>
             <a:extLst>
               <a:ext uri="{91240B29-F687-4f45-9708-019B960494DF}">
-                <a14:hiddenLine xmlns="" xmlns:a14="http://schemas.microsoft.com/office/drawing/2010/main" w="9525">
+                <a14:hiddenLine xmlns:a14="http://schemas.microsoft.com/office/drawing/2010/main" xmlns="" w="9525">
                   <a:solidFill>
                     <a:srgbClr val="000000"/>
                   </a:solidFill>
@@ -3977,7 +3984,7 @@
             </a:ln>
             <a:extLst>
               <a:ext uri="{91240B29-F687-4f45-9708-019B960494DF}">
-                <a14:hiddenLine xmlns="" xmlns:a14="http://schemas.microsoft.com/office/drawing/2010/main" w="9525">
+                <a14:hiddenLine xmlns:a14="http://schemas.microsoft.com/office/drawing/2010/main" xmlns="" w="9525">
                   <a:solidFill>
                     <a:srgbClr val="000000"/>
                   </a:solidFill>
@@ -4097,7 +4104,7 @@
             </a:ln>
             <a:extLst>
               <a:ext uri="{91240B29-F687-4f45-9708-019B960494DF}">
-                <a14:hiddenLine xmlns="" xmlns:a14="http://schemas.microsoft.com/office/drawing/2010/main" w="9525">
+                <a14:hiddenLine xmlns:a14="http://schemas.microsoft.com/office/drawing/2010/main" xmlns="" w="9525">
                   <a:solidFill>
                     <a:srgbClr val="000000"/>
                   </a:solidFill>
@@ -4165,7 +4172,7 @@
             </a:ln>
             <a:extLst>
               <a:ext uri="{91240B29-F687-4f45-9708-019B960494DF}">
-                <a14:hiddenLine xmlns="" xmlns:a14="http://schemas.microsoft.com/office/drawing/2010/main" w="9525">
+                <a14:hiddenLine xmlns:a14="http://schemas.microsoft.com/office/drawing/2010/main" xmlns="" w="9525">
                   <a:solidFill>
                     <a:srgbClr val="000000"/>
                   </a:solidFill>
@@ -4255,7 +4262,7 @@
             </a:ln>
             <a:extLst>
               <a:ext uri="{91240B29-F687-4f45-9708-019B960494DF}">
-                <a14:hiddenLine xmlns="" xmlns:a14="http://schemas.microsoft.com/office/drawing/2010/main" w="9525">
+                <a14:hiddenLine xmlns:a14="http://schemas.microsoft.com/office/drawing/2010/main" xmlns="" w="9525">
                   <a:solidFill>
                     <a:srgbClr val="000000"/>
                   </a:solidFill>
@@ -4396,7 +4403,7 @@
             <a:fld id="{48A87A34-81AB-432B-8DAE-1953F412C126}" type="datetimeFigureOut">
               <a:rPr lang="en-US" dirty="0"/>
               <a:pPr/>
-              <a:t>7/5/2016</a:t>
+              <a:t>7/6/2016</a:t>
             </a:fld>
             <a:endParaRPr lang="en-US" dirty="0"/>
           </a:p>
@@ -4660,7 +4667,7 @@
             <a:fld id="{48A87A34-81AB-432B-8DAE-1953F412C126}" type="datetimeFigureOut">
               <a:rPr lang="en-US" dirty="0"/>
               <a:pPr/>
-              <a:t>7/5/2016</a:t>
+              <a:t>7/6/2016</a:t>
             </a:fld>
             <a:endParaRPr lang="en-US" dirty="0"/>
           </a:p>
@@ -4853,7 +4860,7 @@
             <a:fld id="{48A87A34-81AB-432B-8DAE-1953F412C126}" type="datetimeFigureOut">
               <a:rPr lang="en-US" dirty="0"/>
               <a:pPr/>
-              <a:t>7/5/2016</a:t>
+              <a:t>7/6/2016</a:t>
             </a:fld>
             <a:endParaRPr lang="en-US" dirty="0"/>
           </a:p>
@@ -5113,7 +5120,7 @@
             <a:fld id="{48A87A34-81AB-432B-8DAE-1953F412C126}" type="datetimeFigureOut">
               <a:rPr lang="en-US" dirty="0"/>
               <a:pPr/>
-              <a:t>7/5/2016</a:t>
+              <a:t>7/6/2016</a:t>
             </a:fld>
             <a:endParaRPr lang="en-US" dirty="0"/>
           </a:p>
@@ -5544,7 +5551,7 @@
             <a:fld id="{48A87A34-81AB-432B-8DAE-1953F412C126}" type="datetimeFigureOut">
               <a:rPr lang="en-US" dirty="0"/>
               <a:pPr/>
-              <a:t>7/5/2016</a:t>
+              <a:t>7/6/2016</a:t>
             </a:fld>
             <a:endParaRPr lang="en-US" dirty="0"/>
           </a:p>
@@ -6087,7 +6094,7 @@
             <a:fld id="{48A87A34-81AB-432B-8DAE-1953F412C126}" type="datetimeFigureOut">
               <a:rPr lang="en-US" dirty="0"/>
               <a:pPr/>
-              <a:t>7/5/2016</a:t>
+              <a:t>7/6/2016</a:t>
             </a:fld>
             <a:endParaRPr lang="en-US" dirty="0"/>
           </a:p>
@@ -6804,7 +6811,7 @@
             <a:fld id="{48A87A34-81AB-432B-8DAE-1953F412C126}" type="datetimeFigureOut">
               <a:rPr lang="en-US" dirty="0"/>
               <a:pPr/>
-              <a:t>7/5/2016</a:t>
+              <a:t>7/6/2016</a:t>
             </a:fld>
             <a:endParaRPr lang="en-US" dirty="0"/>
           </a:p>
@@ -6971,7 +6978,7 @@
             <a:fld id="{48A87A34-81AB-432B-8DAE-1953F412C126}" type="datetimeFigureOut">
               <a:rPr lang="en-US" dirty="0"/>
               <a:pPr/>
-              <a:t>7/5/2016</a:t>
+              <a:t>7/6/2016</a:t>
             </a:fld>
             <a:endParaRPr lang="en-US" dirty="0"/>
           </a:p>
@@ -7148,7 +7155,7 @@
             <a:fld id="{48A87A34-81AB-432B-8DAE-1953F412C126}" type="datetimeFigureOut">
               <a:rPr lang="en-US" dirty="0"/>
               <a:pPr/>
-              <a:t>7/5/2016</a:t>
+              <a:t>7/6/2016</a:t>
             </a:fld>
             <a:endParaRPr lang="en-US" dirty="0"/>
           </a:p>
@@ -7315,7 +7322,7 @@
             <a:fld id="{48A87A34-81AB-432B-8DAE-1953F412C126}" type="datetimeFigureOut">
               <a:rPr lang="en-US" dirty="0"/>
               <a:pPr/>
-              <a:t>7/5/2016</a:t>
+              <a:t>7/6/2016</a:t>
             </a:fld>
             <a:endParaRPr lang="en-US" dirty="0"/>
           </a:p>
@@ -7562,7 +7569,7 @@
             <a:fld id="{48A87A34-81AB-432B-8DAE-1953F412C126}" type="datetimeFigureOut">
               <a:rPr lang="en-US" dirty="0"/>
               <a:pPr/>
-              <a:t>7/5/2016</a:t>
+              <a:t>7/6/2016</a:t>
             </a:fld>
             <a:endParaRPr lang="en-US" dirty="0"/>
           </a:p>
@@ -7791,7 +7798,7 @@
             <a:fld id="{48A87A34-81AB-432B-8DAE-1953F412C126}" type="datetimeFigureOut">
               <a:rPr lang="en-US" dirty="0"/>
               <a:pPr/>
-              <a:t>7/5/2016</a:t>
+              <a:t>7/6/2016</a:t>
             </a:fld>
             <a:endParaRPr lang="en-US" dirty="0"/>
           </a:p>
@@ -8169,7 +8176,7 @@
             <a:fld id="{48A87A34-81AB-432B-8DAE-1953F412C126}" type="datetimeFigureOut">
               <a:rPr lang="en-US" dirty="0"/>
               <a:pPr/>
-              <a:t>7/5/2016</a:t>
+              <a:t>7/6/2016</a:t>
             </a:fld>
             <a:endParaRPr lang="en-US" dirty="0"/>
           </a:p>
@@ -8284,7 +8291,7 @@
             <a:fld id="{48A87A34-81AB-432B-8DAE-1953F412C126}" type="datetimeFigureOut">
               <a:rPr lang="en-US" dirty="0"/>
               <a:pPr/>
-              <a:t>7/5/2016</a:t>
+              <a:t>7/6/2016</a:t>
             </a:fld>
             <a:endParaRPr lang="en-US" dirty="0"/>
           </a:p>
@@ -8376,7 +8383,7 @@
             <a:fld id="{48A87A34-81AB-432B-8DAE-1953F412C126}" type="datetimeFigureOut">
               <a:rPr lang="en-US" dirty="0"/>
               <a:pPr/>
-              <a:t>7/5/2016</a:t>
+              <a:t>7/6/2016</a:t>
             </a:fld>
             <a:endParaRPr lang="en-US" dirty="0"/>
           </a:p>
@@ -8622,7 +8629,7 @@
             <a:fld id="{48A87A34-81AB-432B-8DAE-1953F412C126}" type="datetimeFigureOut">
               <a:rPr lang="en-US" dirty="0"/>
               <a:pPr/>
-              <a:t>7/5/2016</a:t>
+              <a:t>7/6/2016</a:t>
             </a:fld>
             <a:endParaRPr lang="en-US" dirty="0"/>
           </a:p>
@@ -8899,7 +8906,7 @@
             <a:fld id="{48A87A34-81AB-432B-8DAE-1953F412C126}" type="datetimeFigureOut">
               <a:rPr lang="en-US" dirty="0"/>
               <a:pPr/>
-              <a:t>7/5/2016</a:t>
+              <a:t>7/6/2016</a:t>
             </a:fld>
             <a:endParaRPr lang="en-US" dirty="0"/>
           </a:p>
@@ -8991,7 +8998,7 @@
             <a:alphaModFix amt="30000"/>
             <a:extLst>
               <a:ext uri="{28A0092B-C50C-407E-A947-70E740481C1C}">
-                <a14:useLocalDpi xmlns="" xmlns:a14="http://schemas.microsoft.com/office/drawing/2010/main" val="0"/>
+                <a14:useLocalDpi xmlns:a14="http://schemas.microsoft.com/office/drawing/2010/main" xmlns="" val="0"/>
               </a:ext>
             </a:extLst>
           </a:blip>
@@ -9011,7 +9018,7 @@
           <a:noFill/>
           <a:extLst>
             <a:ext uri="{909E8E84-426E-40dd-AFC4-6F175D3DCCD1}">
-              <a14:hiddenFill xmlns="" xmlns:a14="http://schemas.microsoft.com/office/drawing/2010/main">
+              <a14:hiddenFill xmlns:a14="http://schemas.microsoft.com/office/drawing/2010/main" xmlns="">
                 <a:solidFill>
                   <a:srgbClr val="FFFFFF"/>
                 </a:solidFill>
@@ -9085,7 +9092,7 @@
               </a:ln>
               <a:extLst>
                 <a:ext uri="{91240B29-F687-4f45-9708-019B960494DF}">
-                  <a14:hiddenLine xmlns="" xmlns:a14="http://schemas.microsoft.com/office/drawing/2010/main" w="9525">
+                  <a14:hiddenLine xmlns:a14="http://schemas.microsoft.com/office/drawing/2010/main" xmlns="" w="9525">
                     <a:solidFill>
                       <a:srgbClr val="000000"/>
                     </a:solidFill>
@@ -9175,7 +9182,7 @@
               </a:ln>
               <a:extLst>
                 <a:ext uri="{91240B29-F687-4f45-9708-019B960494DF}">
-                  <a14:hiddenLine xmlns="" xmlns:a14="http://schemas.microsoft.com/office/drawing/2010/main" w="9525">
+                  <a14:hiddenLine xmlns:a14="http://schemas.microsoft.com/office/drawing/2010/main" xmlns="" w="9525">
                     <a:solidFill>
                       <a:srgbClr val="000000"/>
                     </a:solidFill>
@@ -9265,7 +9272,7 @@
               </a:ln>
               <a:extLst>
                 <a:ext uri="{91240B29-F687-4f45-9708-019B960494DF}">
-                  <a14:hiddenLine xmlns="" xmlns:a14="http://schemas.microsoft.com/office/drawing/2010/main" w="9525">
+                  <a14:hiddenLine xmlns:a14="http://schemas.microsoft.com/office/drawing/2010/main" xmlns="" w="9525">
                     <a:solidFill>
                       <a:srgbClr val="000000"/>
                     </a:solidFill>
@@ -9327,7 +9334,7 @@
               </a:ln>
               <a:extLst>
                 <a:ext uri="{91240B29-F687-4f45-9708-019B960494DF}">
-                  <a14:hiddenLine xmlns="" xmlns:a14="http://schemas.microsoft.com/office/drawing/2010/main" w="9525">
+                  <a14:hiddenLine xmlns:a14="http://schemas.microsoft.com/office/drawing/2010/main" xmlns="" w="9525">
                     <a:solidFill>
                       <a:srgbClr val="000000"/>
                     </a:solidFill>
@@ -9417,7 +9424,7 @@
               </a:ln>
               <a:extLst>
                 <a:ext uri="{91240B29-F687-4f45-9708-019B960494DF}">
-                  <a14:hiddenLine xmlns="" xmlns:a14="http://schemas.microsoft.com/office/drawing/2010/main" w="9525">
+                  <a14:hiddenLine xmlns:a14="http://schemas.microsoft.com/office/drawing/2010/main" xmlns="" w="9525">
                     <a:solidFill>
                       <a:srgbClr val="000000"/>
                     </a:solidFill>
@@ -9479,7 +9486,7 @@
               </a:ln>
               <a:extLst>
                 <a:ext uri="{91240B29-F687-4f45-9708-019B960494DF}">
-                  <a14:hiddenLine xmlns="" xmlns:a14="http://schemas.microsoft.com/office/drawing/2010/main" w="9525">
+                  <a14:hiddenLine xmlns:a14="http://schemas.microsoft.com/office/drawing/2010/main" xmlns="" w="9525">
                     <a:solidFill>
                       <a:srgbClr val="000000"/>
                     </a:solidFill>
@@ -9541,7 +9548,7 @@
               </a:ln>
               <a:extLst>
                 <a:ext uri="{91240B29-F687-4f45-9708-019B960494DF}">
-                  <a14:hiddenLine xmlns="" xmlns:a14="http://schemas.microsoft.com/office/drawing/2010/main" w="9525">
+                  <a14:hiddenLine xmlns:a14="http://schemas.microsoft.com/office/drawing/2010/main" xmlns="" w="9525">
                     <a:solidFill>
                       <a:srgbClr val="000000"/>
                     </a:solidFill>
@@ -9631,7 +9638,7 @@
               </a:ln>
               <a:extLst>
                 <a:ext uri="{91240B29-F687-4f45-9708-019B960494DF}">
-                  <a14:hiddenLine xmlns="" xmlns:a14="http://schemas.microsoft.com/office/drawing/2010/main" w="9525">
+                  <a14:hiddenLine xmlns:a14="http://schemas.microsoft.com/office/drawing/2010/main" xmlns="" w="9525">
                     <a:solidFill>
                       <a:srgbClr val="000000"/>
                     </a:solidFill>
@@ -9721,7 +9728,7 @@
               </a:ln>
               <a:extLst>
                 <a:ext uri="{91240B29-F687-4f45-9708-019B960494DF}">
-                  <a14:hiddenLine xmlns="" xmlns:a14="http://schemas.microsoft.com/office/drawing/2010/main" w="9525">
+                  <a14:hiddenLine xmlns:a14="http://schemas.microsoft.com/office/drawing/2010/main" xmlns="" w="9525">
                     <a:solidFill>
                       <a:srgbClr val="000000"/>
                     </a:solidFill>
@@ -9783,7 +9790,7 @@
               </a:ln>
               <a:extLst>
                 <a:ext uri="{91240B29-F687-4f45-9708-019B960494DF}">
-                  <a14:hiddenLine xmlns="" xmlns:a14="http://schemas.microsoft.com/office/drawing/2010/main" w="9525">
+                  <a14:hiddenLine xmlns:a14="http://schemas.microsoft.com/office/drawing/2010/main" xmlns="" w="9525">
                     <a:solidFill>
                       <a:srgbClr val="000000"/>
                     </a:solidFill>
@@ -9893,7 +9900,7 @@
               </a:ln>
               <a:extLst>
                 <a:ext uri="{91240B29-F687-4f45-9708-019B960494DF}">
-                  <a14:hiddenLine xmlns="" xmlns:a14="http://schemas.microsoft.com/office/drawing/2010/main" w="9525">
+                  <a14:hiddenLine xmlns:a14="http://schemas.microsoft.com/office/drawing/2010/main" xmlns="" w="9525">
                     <a:solidFill>
                       <a:srgbClr val="000000"/>
                     </a:solidFill>
@@ -9977,7 +9984,7 @@
               </a:ln>
               <a:extLst>
                 <a:ext uri="{91240B29-F687-4f45-9708-019B960494DF}">
-                  <a14:hiddenLine xmlns="" xmlns:a14="http://schemas.microsoft.com/office/drawing/2010/main" w="9525">
+                  <a14:hiddenLine xmlns:a14="http://schemas.microsoft.com/office/drawing/2010/main" xmlns="" w="9525">
                     <a:solidFill>
                       <a:srgbClr val="000000"/>
                     </a:solidFill>
@@ -10039,7 +10046,7 @@
               </a:ln>
               <a:extLst>
                 <a:ext uri="{91240B29-F687-4f45-9708-019B960494DF}">
-                  <a14:hiddenLine xmlns="" xmlns:a14="http://schemas.microsoft.com/office/drawing/2010/main" w="9525">
+                  <a14:hiddenLine xmlns:a14="http://schemas.microsoft.com/office/drawing/2010/main" xmlns="" w="9525">
                     <a:solidFill>
                       <a:srgbClr val="000000"/>
                     </a:solidFill>
@@ -10101,7 +10108,7 @@
               </a:ln>
               <a:extLst>
                 <a:ext uri="{91240B29-F687-4f45-9708-019B960494DF}">
-                  <a14:hiddenLine xmlns="" xmlns:a14="http://schemas.microsoft.com/office/drawing/2010/main" w="9525">
+                  <a14:hiddenLine xmlns:a14="http://schemas.microsoft.com/office/drawing/2010/main" xmlns="" w="9525">
                     <a:solidFill>
                       <a:srgbClr val="000000"/>
                     </a:solidFill>
@@ -10191,7 +10198,7 @@
               </a:ln>
               <a:extLst>
                 <a:ext uri="{91240B29-F687-4f45-9708-019B960494DF}">
-                  <a14:hiddenLine xmlns="" xmlns:a14="http://schemas.microsoft.com/office/drawing/2010/main" w="9525">
+                  <a14:hiddenLine xmlns:a14="http://schemas.microsoft.com/office/drawing/2010/main" xmlns="" w="9525">
                     <a:solidFill>
                       <a:srgbClr val="000000"/>
                     </a:solidFill>
@@ -10225,7 +10232,7 @@
               </a:ln>
               <a:extLst>
                 <a:ext uri="{91240B29-F687-4f45-9708-019B960494DF}">
-                  <a14:hiddenLine xmlns="" xmlns:a14="http://schemas.microsoft.com/office/drawing/2010/main" w="9525">
+                  <a14:hiddenLine xmlns:a14="http://schemas.microsoft.com/office/drawing/2010/main" xmlns="" w="9525">
                     <a:solidFill>
                       <a:srgbClr val="000000"/>
                     </a:solidFill>
@@ -10290,7 +10297,7 @@
               </a:ln>
               <a:extLst>
                 <a:ext uri="{91240B29-F687-4f45-9708-019B960494DF}">
-                  <a14:hiddenLine xmlns="" xmlns:a14="http://schemas.microsoft.com/office/drawing/2010/main" w="9525">
+                  <a14:hiddenLine xmlns:a14="http://schemas.microsoft.com/office/drawing/2010/main" xmlns="" w="9525">
                     <a:solidFill>
                       <a:srgbClr val="000000"/>
                     </a:solidFill>
@@ -10380,7 +10387,7 @@
               </a:ln>
               <a:extLst>
                 <a:ext uri="{91240B29-F687-4f45-9708-019B960494DF}">
-                  <a14:hiddenLine xmlns="" xmlns:a14="http://schemas.microsoft.com/office/drawing/2010/main" w="9525">
+                  <a14:hiddenLine xmlns:a14="http://schemas.microsoft.com/office/drawing/2010/main" xmlns="" w="9525">
                     <a:solidFill>
                       <a:srgbClr val="000000"/>
                     </a:solidFill>
@@ -10442,7 +10449,7 @@
               </a:ln>
               <a:extLst>
                 <a:ext uri="{91240B29-F687-4f45-9708-019B960494DF}">
-                  <a14:hiddenLine xmlns="" xmlns:a14="http://schemas.microsoft.com/office/drawing/2010/main" w="9525">
+                  <a14:hiddenLine xmlns:a14="http://schemas.microsoft.com/office/drawing/2010/main" xmlns="" w="9525">
                     <a:solidFill>
                       <a:srgbClr val="000000"/>
                     </a:solidFill>
@@ -10532,7 +10539,7 @@
               </a:ln>
               <a:extLst>
                 <a:ext uri="{91240B29-F687-4f45-9708-019B960494DF}">
-                  <a14:hiddenLine xmlns="" xmlns:a14="http://schemas.microsoft.com/office/drawing/2010/main" w="9525">
+                  <a14:hiddenLine xmlns:a14="http://schemas.microsoft.com/office/drawing/2010/main" xmlns="" w="9525">
                     <a:solidFill>
                       <a:srgbClr val="000000"/>
                     </a:solidFill>
@@ -10597,7 +10604,7 @@
               </a:ln>
               <a:extLst>
                 <a:ext uri="{91240B29-F687-4f45-9708-019B960494DF}">
-                  <a14:hiddenLine xmlns="" xmlns:a14="http://schemas.microsoft.com/office/drawing/2010/main" w="9525">
+                  <a14:hiddenLine xmlns:a14="http://schemas.microsoft.com/office/drawing/2010/main" xmlns="" w="9525">
                     <a:solidFill>
                       <a:srgbClr val="000000"/>
                     </a:solidFill>
@@ -10659,7 +10666,7 @@
               </a:ln>
               <a:extLst>
                 <a:ext uri="{91240B29-F687-4f45-9708-019B960494DF}">
-                  <a14:hiddenLine xmlns="" xmlns:a14="http://schemas.microsoft.com/office/drawing/2010/main" w="9525">
+                  <a14:hiddenLine xmlns:a14="http://schemas.microsoft.com/office/drawing/2010/main" xmlns="" w="9525">
                     <a:solidFill>
                       <a:srgbClr val="000000"/>
                     </a:solidFill>
@@ -10749,7 +10756,7 @@
               </a:ln>
               <a:extLst>
                 <a:ext uri="{91240B29-F687-4f45-9708-019B960494DF}">
-                  <a14:hiddenLine xmlns="" xmlns:a14="http://schemas.microsoft.com/office/drawing/2010/main" w="9525">
+                  <a14:hiddenLine xmlns:a14="http://schemas.microsoft.com/office/drawing/2010/main" xmlns="" w="9525">
                     <a:solidFill>
                       <a:srgbClr val="000000"/>
                     </a:solidFill>
@@ -10839,7 +10846,7 @@
               </a:ln>
               <a:extLst>
                 <a:ext uri="{91240B29-F687-4f45-9708-019B960494DF}">
-                  <a14:hiddenLine xmlns="" xmlns:a14="http://schemas.microsoft.com/office/drawing/2010/main" w="9525">
+                  <a14:hiddenLine xmlns:a14="http://schemas.microsoft.com/office/drawing/2010/main" xmlns="" w="9525">
                     <a:solidFill>
                       <a:srgbClr val="000000"/>
                     </a:solidFill>
@@ -10904,7 +10911,7 @@
               </a:ln>
               <a:extLst>
                 <a:ext uri="{91240B29-F687-4f45-9708-019B960494DF}">
-                  <a14:hiddenLine xmlns="" xmlns:a14="http://schemas.microsoft.com/office/drawing/2010/main" w="9525">
+                  <a14:hiddenLine xmlns:a14="http://schemas.microsoft.com/office/drawing/2010/main" xmlns="" w="9525">
                     <a:solidFill>
                       <a:srgbClr val="000000"/>
                     </a:solidFill>
@@ -11024,7 +11031,7 @@
               </a:ln>
               <a:extLst>
                 <a:ext uri="{91240B29-F687-4f45-9708-019B960494DF}">
-                  <a14:hiddenLine xmlns="" xmlns:a14="http://schemas.microsoft.com/office/drawing/2010/main" w="9525">
+                  <a14:hiddenLine xmlns:a14="http://schemas.microsoft.com/office/drawing/2010/main" xmlns="" w="9525">
                     <a:solidFill>
                       <a:srgbClr val="000000"/>
                     </a:solidFill>
@@ -11122,7 +11129,7 @@
               </a:ln>
               <a:extLst>
                 <a:ext uri="{91240B29-F687-4f45-9708-019B960494DF}">
-                  <a14:hiddenLine xmlns="" xmlns:a14="http://schemas.microsoft.com/office/drawing/2010/main" w="9525">
+                  <a14:hiddenLine xmlns:a14="http://schemas.microsoft.com/office/drawing/2010/main" xmlns="" w="9525">
                     <a:solidFill>
                       <a:srgbClr val="000000"/>
                     </a:solidFill>
@@ -11237,7 +11244,7 @@
               </a:ln>
               <a:extLst>
                 <a:ext uri="{91240B29-F687-4f45-9708-019B960494DF}">
-                  <a14:hiddenLine xmlns="" xmlns:a14="http://schemas.microsoft.com/office/drawing/2010/main" w="9525">
+                  <a14:hiddenLine xmlns:a14="http://schemas.microsoft.com/office/drawing/2010/main" xmlns="" w="9525">
                     <a:solidFill>
                       <a:srgbClr val="000000"/>
                     </a:solidFill>
@@ -11327,7 +11334,7 @@
               </a:ln>
               <a:extLst>
                 <a:ext uri="{91240B29-F687-4f45-9708-019B960494DF}">
-                  <a14:hiddenLine xmlns="" xmlns:a14="http://schemas.microsoft.com/office/drawing/2010/main" w="9525">
+                  <a14:hiddenLine xmlns:a14="http://schemas.microsoft.com/office/drawing/2010/main" xmlns="" w="9525">
                     <a:solidFill>
                       <a:srgbClr val="000000"/>
                     </a:solidFill>
@@ -11392,7 +11399,7 @@
               </a:ln>
               <a:extLst>
                 <a:ext uri="{91240B29-F687-4f45-9708-019B960494DF}">
-                  <a14:hiddenLine xmlns="" xmlns:a14="http://schemas.microsoft.com/office/drawing/2010/main" w="9525">
+                  <a14:hiddenLine xmlns:a14="http://schemas.microsoft.com/office/drawing/2010/main" xmlns="" w="9525">
                     <a:solidFill>
                       <a:srgbClr val="000000"/>
                     </a:solidFill>
@@ -11482,7 +11489,7 @@
               </a:ln>
               <a:extLst>
                 <a:ext uri="{91240B29-F687-4f45-9708-019B960494DF}">
-                  <a14:hiddenLine xmlns="" xmlns:a14="http://schemas.microsoft.com/office/drawing/2010/main" w="9525">
+                  <a14:hiddenLine xmlns:a14="http://schemas.microsoft.com/office/drawing/2010/main" xmlns="" w="9525">
                     <a:solidFill>
                       <a:srgbClr val="000000"/>
                     </a:solidFill>
@@ -11550,7 +11557,7 @@
               </a:ln>
               <a:extLst>
                 <a:ext uri="{91240B29-F687-4f45-9708-019B960494DF}">
-                  <a14:hiddenLine xmlns="" xmlns:a14="http://schemas.microsoft.com/office/drawing/2010/main" w="9525">
+                  <a14:hiddenLine xmlns:a14="http://schemas.microsoft.com/office/drawing/2010/main" xmlns="" w="9525">
                     <a:solidFill>
                       <a:srgbClr val="000000"/>
                     </a:solidFill>
@@ -11640,7 +11647,7 @@
               </a:ln>
               <a:extLst>
                 <a:ext uri="{91240B29-F687-4f45-9708-019B960494DF}">
-                  <a14:hiddenLine xmlns="" xmlns:a14="http://schemas.microsoft.com/office/drawing/2010/main" w="9525">
+                  <a14:hiddenLine xmlns:a14="http://schemas.microsoft.com/office/drawing/2010/main" xmlns="" w="9525">
                     <a:solidFill>
                       <a:srgbClr val="000000"/>
                     </a:solidFill>
@@ -11708,7 +11715,7 @@
               </a:ln>
               <a:extLst>
                 <a:ext uri="{91240B29-F687-4f45-9708-019B960494DF}">
-                  <a14:hiddenLine xmlns="" xmlns:a14="http://schemas.microsoft.com/office/drawing/2010/main" w="9525">
+                  <a14:hiddenLine xmlns:a14="http://schemas.microsoft.com/office/drawing/2010/main" xmlns="" w="9525">
                     <a:solidFill>
                       <a:srgbClr val="000000"/>
                     </a:solidFill>
@@ -11798,7 +11805,7 @@
               </a:ln>
               <a:extLst>
                 <a:ext uri="{91240B29-F687-4f45-9708-019B960494DF}">
-                  <a14:hiddenLine xmlns="" xmlns:a14="http://schemas.microsoft.com/office/drawing/2010/main" w="9525">
+                  <a14:hiddenLine xmlns:a14="http://schemas.microsoft.com/office/drawing/2010/main" xmlns="" w="9525">
                     <a:solidFill>
                       <a:srgbClr val="000000"/>
                     </a:solidFill>
@@ -11832,7 +11839,7 @@
               </a:ln>
               <a:extLst>
                 <a:ext uri="{91240B29-F687-4f45-9708-019B960494DF}">
-                  <a14:hiddenLine xmlns="" xmlns:a14="http://schemas.microsoft.com/office/drawing/2010/main" w="9525">
+                  <a14:hiddenLine xmlns:a14="http://schemas.microsoft.com/office/drawing/2010/main" xmlns="" w="9525">
                     <a:solidFill>
                       <a:srgbClr val="000000"/>
                     </a:solidFill>
@@ -11973,7 +11980,7 @@
             <a:fld id="{48A87A34-81AB-432B-8DAE-1953F412C126}" type="datetimeFigureOut">
               <a:rPr lang="en-US" dirty="0"/>
               <a:pPr/>
-              <a:t>7/5/2016</a:t>
+              <a:t>7/6/2016</a:t>
             </a:fld>
             <a:endParaRPr lang="en-US" dirty="0"/>
           </a:p>
@@ -12438,7 +12445,7 @@
     </p:spTree>
     <p:extLst>
       <p:ext uri="{BB962C8B-B14F-4D97-AF65-F5344CB8AC3E}">
-        <p14:creationId xmlns="" xmlns:p14="http://schemas.microsoft.com/office/powerpoint/2010/main" val="4193971689"/>
+        <p14:creationId xmlns:p14="http://schemas.microsoft.com/office/powerpoint/2010/main" xmlns="" val="4193971689"/>
       </p:ext>
     </p:extLst>
   </p:cSld>
@@ -12452,6 +12459,706 @@
       </p:par>
     </p:tnLst>
   </p:timing>
+</p:sld>
+</file>
+
+<file path=ppt/slides/slide10.xml><?xml version="1.0" encoding="utf-8"?>
+<p:sld xmlns:a="http://schemas.openxmlformats.org/drawingml/2006/main" xmlns:r="http://schemas.openxmlformats.org/officeDocument/2006/relationships" xmlns:p="http://schemas.openxmlformats.org/presentationml/2006/main">
+  <p:cSld>
+    <p:spTree>
+      <p:nvGrpSpPr>
+        <p:cNvPr id="1" name=""/>
+        <p:cNvGrpSpPr/>
+        <p:nvPr/>
+      </p:nvGrpSpPr>
+      <p:grpSpPr>
+        <a:xfrm>
+          <a:off x="0" y="0"/>
+          <a:ext cx="0" cy="0"/>
+          <a:chOff x="0" y="0"/>
+          <a:chExt cx="0" cy="0"/>
+        </a:xfrm>
+      </p:grpSpPr>
+      <p:sp>
+        <p:nvSpPr>
+          <p:cNvPr id="2" name="Title 1"/>
+          <p:cNvSpPr>
+            <a:spLocks noGrp="1"/>
+          </p:cNvSpPr>
+          <p:nvPr>
+            <p:ph type="title"/>
+          </p:nvPr>
+        </p:nvSpPr>
+        <p:spPr/>
+        <p:txBody>
+          <a:bodyPr/>
+          <a:lstStyle/>
+          <a:p>
+            <a:r>
+              <a:rPr lang="en-US" dirty="0" smtClean="0"/>
+              <a:t>Entry Level Jobs	</a:t>
+            </a:r>
+            <a:endParaRPr lang="en-US" dirty="0"/>
+          </a:p>
+        </p:txBody>
+      </p:sp>
+      <p:sp>
+        <p:nvSpPr>
+          <p:cNvPr id="3" name="Content Placeholder 2"/>
+          <p:cNvSpPr>
+            <a:spLocks noGrp="1"/>
+          </p:cNvSpPr>
+          <p:nvPr>
+            <p:ph idx="1"/>
+          </p:nvPr>
+        </p:nvSpPr>
+        <p:spPr/>
+        <p:txBody>
+          <a:bodyPr/>
+          <a:lstStyle/>
+          <a:p>
+            <a:r>
+              <a:rPr lang="en-US" dirty="0" smtClean="0"/>
+              <a:t>4 year CS degree is helpful but not required:</a:t>
+            </a:r>
+          </a:p>
+          <a:p>
+            <a:pPr lvl="1"/>
+            <a:r>
+              <a:rPr lang="en-US" dirty="0" smtClean="0"/>
+              <a:t>Associates Degree</a:t>
+            </a:r>
+          </a:p>
+          <a:p>
+            <a:pPr lvl="1"/>
+            <a:r>
+              <a:rPr lang="en-US" dirty="0" smtClean="0"/>
+              <a:t>Technical Training</a:t>
+            </a:r>
+          </a:p>
+          <a:p>
+            <a:pPr lvl="1"/>
+            <a:r>
+              <a:rPr lang="en-US" dirty="0" smtClean="0"/>
+              <a:t>On-the-job training like the military</a:t>
+            </a:r>
+          </a:p>
+          <a:p>
+            <a:r>
+              <a:rPr lang="en-US" dirty="0" smtClean="0"/>
+              <a:t>One of the highest starting salaries in United States</a:t>
+            </a:r>
+          </a:p>
+          <a:p>
+            <a:r>
+              <a:rPr lang="en-US" dirty="0" smtClean="0"/>
+              <a:t>Plenty of opportunities all across the US</a:t>
+            </a:r>
+            <a:endParaRPr lang="en-US" dirty="0"/>
+          </a:p>
+        </p:txBody>
+      </p:sp>
+    </p:spTree>
+  </p:cSld>
+  <p:clrMapOvr>
+    <a:masterClrMapping/>
+  </p:clrMapOvr>
+</p:sld>
+</file>
+
+<file path=ppt/slides/slide11.xml><?xml version="1.0" encoding="utf-8"?>
+<p:sld xmlns:a="http://schemas.openxmlformats.org/drawingml/2006/main" xmlns:r="http://schemas.openxmlformats.org/officeDocument/2006/relationships" xmlns:p="http://schemas.openxmlformats.org/presentationml/2006/main">
+  <p:cSld>
+    <p:spTree>
+      <p:nvGrpSpPr>
+        <p:cNvPr id="1" name=""/>
+        <p:cNvGrpSpPr/>
+        <p:nvPr/>
+      </p:nvGrpSpPr>
+      <p:grpSpPr>
+        <a:xfrm>
+          <a:off x="0" y="0"/>
+          <a:ext cx="0" cy="0"/>
+          <a:chOff x="0" y="0"/>
+          <a:chExt cx="0" cy="0"/>
+        </a:xfrm>
+      </p:grpSpPr>
+      <p:sp>
+        <p:nvSpPr>
+          <p:cNvPr id="2" name="Title 1"/>
+          <p:cNvSpPr>
+            <a:spLocks noGrp="1"/>
+          </p:cNvSpPr>
+          <p:nvPr>
+            <p:ph type="title"/>
+          </p:nvPr>
+        </p:nvSpPr>
+        <p:spPr/>
+        <p:txBody>
+          <a:bodyPr>
+            <a:normAutofit/>
+          </a:bodyPr>
+          <a:lstStyle/>
+          <a:p>
+            <a:r>
+              <a:rPr lang="en-US" sz="3200" dirty="0" smtClean="0"/>
+              <a:t>Type of Jobs in Software Development</a:t>
+            </a:r>
+            <a:endParaRPr lang="en-US" sz="3200" dirty="0"/>
+          </a:p>
+        </p:txBody>
+      </p:sp>
+      <p:sp>
+        <p:nvSpPr>
+          <p:cNvPr id="3" name="Content Placeholder 2"/>
+          <p:cNvSpPr>
+            <a:spLocks noGrp="1"/>
+          </p:cNvSpPr>
+          <p:nvPr>
+            <p:ph idx="1"/>
+          </p:nvPr>
+        </p:nvSpPr>
+        <p:spPr/>
+        <p:txBody>
+          <a:bodyPr>
+            <a:normAutofit/>
+          </a:bodyPr>
+          <a:lstStyle/>
+          <a:p>
+            <a:r>
+              <a:rPr lang="en-US" dirty="0" smtClean="0"/>
+              <a:t>Web Programming</a:t>
+            </a:r>
+          </a:p>
+          <a:p>
+            <a:pPr lvl="1"/>
+            <a:r>
+              <a:rPr lang="en-US" dirty="0" smtClean="0"/>
+              <a:t>Web Sites-  cnn.com, yahoo.com</a:t>
+            </a:r>
+          </a:p>
+          <a:p>
+            <a:pPr lvl="1"/>
+            <a:r>
+              <a:rPr lang="en-US" dirty="0" smtClean="0"/>
+              <a:t>Web Apps-  </a:t>
+            </a:r>
+            <a:r>
+              <a:rPr lang="en-US" dirty="0" err="1" smtClean="0"/>
+              <a:t>gmail</a:t>
+            </a:r>
+            <a:r>
+              <a:rPr lang="en-US" dirty="0" smtClean="0"/>
+              <a:t>, </a:t>
+            </a:r>
+            <a:r>
+              <a:rPr lang="en-US" dirty="0" err="1" smtClean="0"/>
+              <a:t>google</a:t>
+            </a:r>
+            <a:r>
+              <a:rPr lang="en-US" dirty="0" smtClean="0"/>
+              <a:t> spreadsheets</a:t>
+            </a:r>
+          </a:p>
+          <a:p>
+            <a:r>
+              <a:rPr lang="en-US" dirty="0" smtClean="0"/>
+              <a:t>Windows Desktop programming</a:t>
+            </a:r>
+          </a:p>
+          <a:p>
+            <a:pPr lvl="1"/>
+            <a:r>
+              <a:rPr lang="en-US" dirty="0" smtClean="0"/>
+              <a:t>Apps that run on windows</a:t>
+            </a:r>
+          </a:p>
+          <a:p>
+            <a:pPr lvl="1"/>
+            <a:r>
+              <a:rPr lang="en-US" dirty="0" smtClean="0"/>
+              <a:t>.NET -  </a:t>
+            </a:r>
+            <a:r>
+              <a:rPr lang="en-US" dirty="0" err="1" smtClean="0"/>
+              <a:t>vb</a:t>
+            </a:r>
+            <a:r>
+              <a:rPr lang="en-US" dirty="0" smtClean="0"/>
+              <a:t>, C#</a:t>
+            </a:r>
+          </a:p>
+          <a:p>
+            <a:endParaRPr lang="en-US" dirty="0"/>
+          </a:p>
+        </p:txBody>
+      </p:sp>
+    </p:spTree>
+  </p:cSld>
+  <p:clrMapOvr>
+    <a:masterClrMapping/>
+  </p:clrMapOvr>
+</p:sld>
+</file>
+
+<file path=ppt/slides/slide12.xml><?xml version="1.0" encoding="utf-8"?>
+<p:sld xmlns:a="http://schemas.openxmlformats.org/drawingml/2006/main" xmlns:r="http://schemas.openxmlformats.org/officeDocument/2006/relationships" xmlns:p="http://schemas.openxmlformats.org/presentationml/2006/main">
+  <p:cSld>
+    <p:spTree>
+      <p:nvGrpSpPr>
+        <p:cNvPr id="1" name=""/>
+        <p:cNvGrpSpPr/>
+        <p:nvPr/>
+      </p:nvGrpSpPr>
+      <p:grpSpPr>
+        <a:xfrm>
+          <a:off x="0" y="0"/>
+          <a:ext cx="0" cy="0"/>
+          <a:chOff x="0" y="0"/>
+          <a:chExt cx="0" cy="0"/>
+        </a:xfrm>
+      </p:grpSpPr>
+      <p:sp>
+        <p:nvSpPr>
+          <p:cNvPr id="2" name="Title 1"/>
+          <p:cNvSpPr>
+            <a:spLocks noGrp="1"/>
+          </p:cNvSpPr>
+          <p:nvPr>
+            <p:ph type="title"/>
+          </p:nvPr>
+        </p:nvSpPr>
+        <p:spPr/>
+        <p:txBody>
+          <a:bodyPr/>
+          <a:lstStyle/>
+          <a:p>
+            <a:r>
+              <a:rPr lang="en-US" dirty="0" smtClean="0"/>
+              <a:t>Software Development Jobs..</a:t>
+            </a:r>
+            <a:endParaRPr lang="en-US" dirty="0"/>
+          </a:p>
+        </p:txBody>
+      </p:sp>
+      <p:sp>
+        <p:nvSpPr>
+          <p:cNvPr id="3" name="Content Placeholder 2"/>
+          <p:cNvSpPr>
+            <a:spLocks noGrp="1"/>
+          </p:cNvSpPr>
+          <p:nvPr>
+            <p:ph idx="1"/>
+          </p:nvPr>
+        </p:nvSpPr>
+        <p:spPr/>
+        <p:txBody>
+          <a:bodyPr/>
+          <a:lstStyle/>
+          <a:p>
+            <a:r>
+              <a:rPr lang="en-US" dirty="0" smtClean="0"/>
+              <a:t>Mobile Development</a:t>
+            </a:r>
+          </a:p>
+          <a:p>
+            <a:pPr lvl="1"/>
+            <a:r>
+              <a:rPr lang="en-US" dirty="0" smtClean="0"/>
+              <a:t>Android Apps</a:t>
+            </a:r>
+          </a:p>
+          <a:p>
+            <a:pPr lvl="1"/>
+            <a:r>
+              <a:rPr lang="en-US" dirty="0" err="1" smtClean="0"/>
+              <a:t>Iphone</a:t>
+            </a:r>
+            <a:r>
+              <a:rPr lang="en-US" dirty="0" smtClean="0"/>
+              <a:t> Apps</a:t>
+            </a:r>
+          </a:p>
+          <a:p>
+            <a:r>
+              <a:rPr lang="en-US" dirty="0" smtClean="0"/>
+              <a:t>Database Developer or Administrator</a:t>
+            </a:r>
+          </a:p>
+          <a:p>
+            <a:pPr lvl="1"/>
+            <a:r>
+              <a:rPr lang="en-US" dirty="0" err="1" smtClean="0"/>
+              <a:t>Sql</a:t>
+            </a:r>
+            <a:r>
+              <a:rPr lang="en-US" dirty="0" smtClean="0"/>
+              <a:t> Server</a:t>
+            </a:r>
+          </a:p>
+          <a:p>
+            <a:pPr lvl="1"/>
+            <a:r>
+              <a:rPr lang="en-US" dirty="0" err="1" smtClean="0"/>
+              <a:t>MongoDB</a:t>
+            </a:r>
+            <a:endParaRPr lang="en-US" dirty="0" smtClean="0"/>
+          </a:p>
+          <a:p>
+            <a:pPr lvl="1"/>
+            <a:r>
+              <a:rPr lang="en-US" dirty="0" smtClean="0"/>
+              <a:t>Big Data- </a:t>
+            </a:r>
+            <a:r>
+              <a:rPr lang="en-US" dirty="0" err="1" smtClean="0"/>
+              <a:t>Hadoop</a:t>
+            </a:r>
+            <a:endParaRPr lang="en-US" dirty="0"/>
+          </a:p>
+        </p:txBody>
+      </p:sp>
+    </p:spTree>
+  </p:cSld>
+  <p:clrMapOvr>
+    <a:masterClrMapping/>
+  </p:clrMapOvr>
+</p:sld>
+</file>
+
+<file path=ppt/slides/slide13.xml><?xml version="1.0" encoding="utf-8"?>
+<p:sld xmlns:a="http://schemas.openxmlformats.org/drawingml/2006/main" xmlns:r="http://schemas.openxmlformats.org/officeDocument/2006/relationships" xmlns:p="http://schemas.openxmlformats.org/presentationml/2006/main">
+  <p:cSld>
+    <p:spTree>
+      <p:nvGrpSpPr>
+        <p:cNvPr id="1" name=""/>
+        <p:cNvGrpSpPr/>
+        <p:nvPr/>
+      </p:nvGrpSpPr>
+      <p:grpSpPr>
+        <a:xfrm>
+          <a:off x="0" y="0"/>
+          <a:ext cx="0" cy="0"/>
+          <a:chOff x="0" y="0"/>
+          <a:chExt cx="0" cy="0"/>
+        </a:xfrm>
+      </p:grpSpPr>
+      <p:sp>
+        <p:nvSpPr>
+          <p:cNvPr id="2" name="Title 1"/>
+          <p:cNvSpPr>
+            <a:spLocks noGrp="1"/>
+          </p:cNvSpPr>
+          <p:nvPr>
+            <p:ph type="title"/>
+          </p:nvPr>
+        </p:nvSpPr>
+        <p:spPr/>
+        <p:txBody>
+          <a:bodyPr/>
+          <a:lstStyle/>
+          <a:p>
+            <a:r>
+              <a:rPr lang="en-US" dirty="0" smtClean="0"/>
+              <a:t>Software Development Jobs</a:t>
+            </a:r>
+            <a:endParaRPr lang="en-US" dirty="0"/>
+          </a:p>
+        </p:txBody>
+      </p:sp>
+      <p:sp>
+        <p:nvSpPr>
+          <p:cNvPr id="3" name="Content Placeholder 2"/>
+          <p:cNvSpPr>
+            <a:spLocks noGrp="1"/>
+          </p:cNvSpPr>
+          <p:nvPr>
+            <p:ph idx="1"/>
+          </p:nvPr>
+        </p:nvSpPr>
+        <p:spPr/>
+        <p:txBody>
+          <a:bodyPr/>
+          <a:lstStyle/>
+          <a:p>
+            <a:r>
+              <a:rPr lang="en-US" dirty="0" smtClean="0"/>
+              <a:t>Systems Programmer </a:t>
+            </a:r>
+          </a:p>
+          <a:p>
+            <a:pPr lvl="1"/>
+            <a:r>
+              <a:rPr lang="en-US" dirty="0" smtClean="0"/>
+              <a:t>C/C++</a:t>
+            </a:r>
+          </a:p>
+          <a:p>
+            <a:pPr lvl="1"/>
+            <a:r>
+              <a:rPr lang="en-US" dirty="0" smtClean="0"/>
+              <a:t>Rust</a:t>
+            </a:r>
+          </a:p>
+          <a:p>
+            <a:pPr lvl="1"/>
+            <a:r>
+              <a:rPr lang="en-US" dirty="0" smtClean="0"/>
+              <a:t>Printer Drivers</a:t>
+            </a:r>
+          </a:p>
+          <a:p>
+            <a:pPr lvl="1"/>
+            <a:r>
+              <a:rPr lang="en-US" dirty="0" smtClean="0"/>
+              <a:t>Operating systems</a:t>
+            </a:r>
+          </a:p>
+          <a:p>
+            <a:r>
+              <a:rPr lang="en-US" dirty="0" smtClean="0"/>
+              <a:t>Games Programmer</a:t>
+            </a:r>
+          </a:p>
+          <a:p>
+            <a:r>
+              <a:rPr lang="en-US" dirty="0" smtClean="0"/>
+              <a:t>Research</a:t>
+            </a:r>
+          </a:p>
+          <a:p>
+            <a:pPr lvl="1"/>
+            <a:endParaRPr lang="en-US" dirty="0"/>
+          </a:p>
+        </p:txBody>
+      </p:sp>
+    </p:spTree>
+  </p:cSld>
+  <p:clrMapOvr>
+    <a:masterClrMapping/>
+  </p:clrMapOvr>
+</p:sld>
+</file>
+
+<file path=ppt/slides/slide14.xml><?xml version="1.0" encoding="utf-8"?>
+<p:sld xmlns:a="http://schemas.openxmlformats.org/drawingml/2006/main" xmlns:r="http://schemas.openxmlformats.org/officeDocument/2006/relationships" xmlns:p="http://schemas.openxmlformats.org/presentationml/2006/main">
+  <p:cSld>
+    <p:spTree>
+      <p:nvGrpSpPr>
+        <p:cNvPr id="1" name=""/>
+        <p:cNvGrpSpPr/>
+        <p:nvPr/>
+      </p:nvGrpSpPr>
+      <p:grpSpPr>
+        <a:xfrm>
+          <a:off x="0" y="0"/>
+          <a:ext cx="0" cy="0"/>
+          <a:chOff x="0" y="0"/>
+          <a:chExt cx="0" cy="0"/>
+        </a:xfrm>
+      </p:grpSpPr>
+      <p:sp>
+        <p:nvSpPr>
+          <p:cNvPr id="2" name="Title 1"/>
+          <p:cNvSpPr>
+            <a:spLocks noGrp="1"/>
+          </p:cNvSpPr>
+          <p:nvPr>
+            <p:ph type="title"/>
+          </p:nvPr>
+        </p:nvSpPr>
+        <p:spPr/>
+        <p:txBody>
+          <a:bodyPr/>
+          <a:lstStyle/>
+          <a:p>
+            <a:r>
+              <a:rPr lang="en-US" dirty="0" smtClean="0"/>
+              <a:t>Non-Programming Jobs</a:t>
+            </a:r>
+            <a:endParaRPr lang="en-US" dirty="0"/>
+          </a:p>
+        </p:txBody>
+      </p:sp>
+      <p:sp>
+        <p:nvSpPr>
+          <p:cNvPr id="3" name="Content Placeholder 2"/>
+          <p:cNvSpPr>
+            <a:spLocks noGrp="1"/>
+          </p:cNvSpPr>
+          <p:nvPr>
+            <p:ph idx="1"/>
+          </p:nvPr>
+        </p:nvSpPr>
+        <p:spPr/>
+        <p:txBody>
+          <a:bodyPr/>
+          <a:lstStyle/>
+          <a:p>
+            <a:r>
+              <a:rPr lang="en-US" dirty="0" smtClean="0"/>
+              <a:t>Tech Support</a:t>
+            </a:r>
+          </a:p>
+          <a:p>
+            <a:r>
+              <a:rPr lang="en-US" dirty="0" smtClean="0"/>
+              <a:t>Network Administrator</a:t>
+            </a:r>
+          </a:p>
+          <a:p>
+            <a:r>
+              <a:rPr lang="en-US" dirty="0" smtClean="0"/>
+              <a:t>IT Manager</a:t>
+            </a:r>
+          </a:p>
+          <a:p>
+            <a:r>
+              <a:rPr lang="en-US" dirty="0" smtClean="0"/>
+              <a:t>Computer Repair Technician</a:t>
+            </a:r>
+          </a:p>
+          <a:p>
+            <a:r>
+              <a:rPr lang="en-US" dirty="0" smtClean="0"/>
+              <a:t>Graphic Design</a:t>
+            </a:r>
+          </a:p>
+          <a:p>
+            <a:r>
+              <a:rPr lang="en-US" dirty="0" smtClean="0"/>
+              <a:t>Quality Assurance (Tester)</a:t>
+            </a:r>
+            <a:endParaRPr lang="en-US" dirty="0"/>
+          </a:p>
+        </p:txBody>
+      </p:sp>
+    </p:spTree>
+  </p:cSld>
+  <p:clrMapOvr>
+    <a:masterClrMapping/>
+  </p:clrMapOvr>
+</p:sld>
+</file>
+
+<file path=ppt/slides/slide15.xml><?xml version="1.0" encoding="utf-8"?>
+<p:sld xmlns:a="http://schemas.openxmlformats.org/drawingml/2006/main" xmlns:r="http://schemas.openxmlformats.org/officeDocument/2006/relationships" xmlns:p="http://schemas.openxmlformats.org/presentationml/2006/main">
+  <p:cSld>
+    <p:spTree>
+      <p:nvGrpSpPr>
+        <p:cNvPr id="1" name=""/>
+        <p:cNvGrpSpPr/>
+        <p:nvPr/>
+      </p:nvGrpSpPr>
+      <p:grpSpPr>
+        <a:xfrm>
+          <a:off x="0" y="0"/>
+          <a:ext cx="0" cy="0"/>
+          <a:chOff x="0" y="0"/>
+          <a:chExt cx="0" cy="0"/>
+        </a:xfrm>
+      </p:grpSpPr>
+      <p:sp>
+        <p:nvSpPr>
+          <p:cNvPr id="2" name="Title 1"/>
+          <p:cNvSpPr>
+            <a:spLocks noGrp="1"/>
+          </p:cNvSpPr>
+          <p:nvPr>
+            <p:ph type="title"/>
+          </p:nvPr>
+        </p:nvSpPr>
+        <p:spPr/>
+        <p:txBody>
+          <a:bodyPr/>
+          <a:lstStyle/>
+          <a:p>
+            <a:r>
+              <a:rPr lang="en-US" dirty="0" smtClean="0"/>
+              <a:t>My Day at Software &amp; Services</a:t>
+            </a:r>
+            <a:endParaRPr lang="en-US" dirty="0"/>
+          </a:p>
+        </p:txBody>
+      </p:sp>
+      <p:sp>
+        <p:nvSpPr>
+          <p:cNvPr id="3" name="Content Placeholder 2"/>
+          <p:cNvSpPr>
+            <a:spLocks noGrp="1"/>
+          </p:cNvSpPr>
+          <p:nvPr>
+            <p:ph idx="1"/>
+          </p:nvPr>
+        </p:nvSpPr>
+        <p:spPr/>
+        <p:txBody>
+          <a:bodyPr>
+            <a:normAutofit fontScale="85000" lnSpcReduction="20000"/>
+          </a:bodyPr>
+          <a:lstStyle/>
+          <a:p>
+            <a:r>
+              <a:rPr lang="en-US" dirty="0" smtClean="0"/>
+              <a:t>In the office between 7:30-8:00am</a:t>
+            </a:r>
+          </a:p>
+          <a:p>
+            <a:r>
+              <a:rPr lang="en-US" dirty="0" smtClean="0"/>
+              <a:t>Start the coffee</a:t>
+            </a:r>
+          </a:p>
+          <a:p>
+            <a:r>
+              <a:rPr lang="en-US" dirty="0" smtClean="0"/>
+              <a:t>Log into my computer</a:t>
+            </a:r>
+          </a:p>
+          <a:p>
+            <a:r>
+              <a:rPr lang="en-US" dirty="0" smtClean="0"/>
+              <a:t>Check my work email</a:t>
+            </a:r>
+          </a:p>
+          <a:p>
+            <a:r>
+              <a:rPr lang="en-US" dirty="0" smtClean="0"/>
+              <a:t>Review my task list</a:t>
+            </a:r>
+          </a:p>
+          <a:p>
+            <a:r>
+              <a:rPr lang="en-US" dirty="0" smtClean="0"/>
+              <a:t>If no support issues, continue work on major programming projects</a:t>
+            </a:r>
+          </a:p>
+          <a:p>
+            <a:r>
+              <a:rPr lang="en-US" dirty="0" smtClean="0"/>
+              <a:t>Support Issues normally take priority (putting out fires)</a:t>
+            </a:r>
+          </a:p>
+          <a:p>
+            <a:r>
+              <a:rPr lang="en-US" dirty="0" smtClean="0"/>
+              <a:t>Not uncommon to Read/Send around 50 </a:t>
+            </a:r>
+            <a:r>
+              <a:rPr lang="en-US" smtClean="0"/>
+              <a:t>emails each day</a:t>
+            </a:r>
+          </a:p>
+          <a:p>
+            <a:endParaRPr lang="en-US" dirty="0"/>
+          </a:p>
+        </p:txBody>
+      </p:sp>
+    </p:spTree>
+  </p:cSld>
+  <p:clrMapOvr>
+    <a:masterClrMapping/>
+  </p:clrMapOvr>
 </p:sld>
 </file>
 
@@ -12979,7 +13686,7 @@
         <p:spPr/>
         <p:txBody>
           <a:bodyPr>
-            <a:normAutofit fontScale="85000" lnSpcReduction="10000"/>
+            <a:normAutofit fontScale="85000" lnSpcReduction="20000"/>
           </a:bodyPr>
           <a:lstStyle/>
           <a:p>
@@ -13017,8 +13724,13 @@
           <a:p>
             <a:r>
               <a:rPr lang="en-US" dirty="0" smtClean="0"/>
-              <a:t>Started work at S&amp;S part-time my last year in college</a:t>
-            </a:r>
+              <a:t>Started work at S&amp;S part-time my last year in </a:t>
+            </a:r>
+            <a:r>
+              <a:rPr lang="en-US" dirty="0" smtClean="0"/>
+              <a:t>college in 2000, went full-time in January 2001</a:t>
+            </a:r>
+            <a:endParaRPr lang="en-US" dirty="0" smtClean="0"/>
           </a:p>
           <a:p>
             <a:endParaRPr lang="en-US" dirty="0"/>
@@ -13037,6 +13749,168 @@
       </p:par>
     </p:tnLst>
   </p:timing>
+</p:sld>
+</file>
+
+<file path=ppt/slides/slide9.xml><?xml version="1.0" encoding="utf-8"?>
+<p:sld xmlns:a="http://schemas.openxmlformats.org/drawingml/2006/main" xmlns:r="http://schemas.openxmlformats.org/officeDocument/2006/relationships" xmlns:p="http://schemas.openxmlformats.org/presentationml/2006/main">
+  <p:cSld>
+    <p:spTree>
+      <p:nvGrpSpPr>
+        <p:cNvPr id="1" name=""/>
+        <p:cNvGrpSpPr/>
+        <p:nvPr/>
+      </p:nvGrpSpPr>
+      <p:grpSpPr>
+        <a:xfrm>
+          <a:off x="0" y="0"/>
+          <a:ext cx="0" cy="0"/>
+          <a:chOff x="0" y="0"/>
+          <a:chExt cx="0" cy="0"/>
+        </a:xfrm>
+      </p:grpSpPr>
+      <p:sp>
+        <p:nvSpPr>
+          <p:cNvPr id="2" name="Title 1"/>
+          <p:cNvSpPr>
+            <a:spLocks noGrp="1"/>
+          </p:cNvSpPr>
+          <p:nvPr>
+            <p:ph type="title"/>
+          </p:nvPr>
+        </p:nvSpPr>
+        <p:spPr/>
+        <p:txBody>
+          <a:bodyPr/>
+          <a:lstStyle/>
+          <a:p>
+            <a:pPr algn="ctr"/>
+            <a:r>
+              <a:rPr lang="en-US" dirty="0" smtClean="0"/>
+              <a:t>Computer Science Major</a:t>
+            </a:r>
+            <a:endParaRPr lang="en-US" dirty="0"/>
+          </a:p>
+        </p:txBody>
+      </p:sp>
+      <p:sp>
+        <p:nvSpPr>
+          <p:cNvPr id="3" name="Content Placeholder 2"/>
+          <p:cNvSpPr>
+            <a:spLocks noGrp="1"/>
+          </p:cNvSpPr>
+          <p:nvPr>
+            <p:ph idx="1"/>
+          </p:nvPr>
+        </p:nvSpPr>
+        <p:spPr>
+          <a:xfrm>
+            <a:off x="894080" y="1747520"/>
+            <a:ext cx="10153331" cy="4043681"/>
+          </a:xfrm>
+        </p:spPr>
+        <p:txBody>
+          <a:bodyPr>
+            <a:noAutofit/>
+          </a:bodyPr>
+          <a:lstStyle/>
+          <a:p>
+            <a:r>
+              <a:rPr lang="en-US" sz="1600" dirty="0" smtClean="0"/>
+              <a:t>Lots of Math</a:t>
+            </a:r>
+          </a:p>
+          <a:p>
+            <a:pPr lvl="1"/>
+            <a:r>
+              <a:rPr lang="en-US" sz="1600" dirty="0" smtClean="0"/>
+              <a:t>Algebra</a:t>
+            </a:r>
+          </a:p>
+          <a:p>
+            <a:pPr lvl="1"/>
+            <a:r>
+              <a:rPr lang="en-US" sz="1600" dirty="0" smtClean="0"/>
+              <a:t>Trigonometry</a:t>
+            </a:r>
+          </a:p>
+          <a:p>
+            <a:pPr lvl="1"/>
+            <a:r>
+              <a:rPr lang="en-US" sz="1600" dirty="0" smtClean="0"/>
+              <a:t>2 semesters of Calculus</a:t>
+            </a:r>
+          </a:p>
+          <a:p>
+            <a:pPr lvl="1"/>
+            <a:r>
+              <a:rPr lang="en-US" sz="1600" dirty="0" smtClean="0"/>
+              <a:t>Linear Algebra</a:t>
+            </a:r>
+          </a:p>
+          <a:p>
+            <a:pPr lvl="1"/>
+            <a:r>
+              <a:rPr lang="en-US" sz="1600" dirty="0" smtClean="0"/>
+              <a:t>Statistics</a:t>
+            </a:r>
+          </a:p>
+          <a:p>
+            <a:r>
+              <a:rPr lang="en-US" sz="1600" dirty="0" smtClean="0"/>
+              <a:t>Computer Science Courses</a:t>
+            </a:r>
+          </a:p>
+          <a:p>
+            <a:pPr lvl="1"/>
+            <a:r>
+              <a:rPr lang="en-US" sz="1600" dirty="0" smtClean="0"/>
+              <a:t>Basic Programming</a:t>
+            </a:r>
+          </a:p>
+          <a:p>
+            <a:pPr lvl="1"/>
+            <a:r>
+              <a:rPr lang="en-US" sz="1600" dirty="0" smtClean="0"/>
+              <a:t>Operating Systems</a:t>
+            </a:r>
+          </a:p>
+          <a:p>
+            <a:pPr lvl="1"/>
+            <a:r>
+              <a:rPr lang="en-US" sz="1600" dirty="0" smtClean="0"/>
+              <a:t>Computer Architecture</a:t>
+            </a:r>
+          </a:p>
+          <a:p>
+            <a:pPr lvl="1"/>
+            <a:r>
+              <a:rPr lang="en-US" sz="1600" dirty="0" smtClean="0"/>
+              <a:t>Computer Algorithms</a:t>
+            </a:r>
+          </a:p>
+          <a:p>
+            <a:pPr lvl="1"/>
+            <a:r>
+              <a:rPr lang="en-US" sz="1600" dirty="0" smtClean="0"/>
+              <a:t>Object Oriented Programming</a:t>
+            </a:r>
+          </a:p>
+          <a:p>
+            <a:pPr lvl="1"/>
+            <a:r>
+              <a:rPr lang="en-US" sz="1600" dirty="0" smtClean="0"/>
+              <a:t>Senior Project</a:t>
+            </a:r>
+            <a:endParaRPr lang="en-US" sz="1600" dirty="0"/>
+          </a:p>
+        </p:txBody>
+      </p:sp>
+    </p:spTree>
+  </p:cSld>
+  <p:clrMapOvr>
+    <a:masterClrMapping/>
+  </p:clrMapOvr>
 </p:sld>
 </file>
 
@@ -13285,7 +14159,7 @@
   <a:extraClrSchemeLst/>
   <a:extLst>
     <a:ext uri="{05A4C25C-085E-4340-85A3-A5531E510DB2}">
-      <thm15:themeFamily xmlns="" xmlns:thm15="http://schemas.microsoft.com/office/thememl/2012/main" name="Circuit" id="{0AC2F7E7-15F5-431C-B2A2-456FE929F56C}" vid="{0911B802-464C-4241-8DD9-B60FF88E379F}"/>
+      <thm15:themeFamily xmlns:thm15="http://schemas.microsoft.com/office/thememl/2012/main" xmlns="" name="Circuit" id="{0AC2F7E7-15F5-431C-B2A2-456FE929F56C}" vid="{0911B802-464C-4241-8DD9-B60FF88E379F}"/>
     </a:ext>
   </a:extLst>
 </a:theme>

--- a/PowerPointSlids.pptx
+++ b/PowerPointSlids.pptx
@@ -5,21 +5,28 @@
     <p:sldMasterId id="2147483648" r:id="rId1"/>
   </p:sldMasterIdLst>
   <p:sldIdLst>
-    <p:sldId id="256" r:id="rId2"/>
-    <p:sldId id="258" r:id="rId3"/>
-    <p:sldId id="259" r:id="rId4"/>
-    <p:sldId id="260" r:id="rId5"/>
-    <p:sldId id="261" r:id="rId6"/>
-    <p:sldId id="262" r:id="rId7"/>
-    <p:sldId id="263" r:id="rId8"/>
-    <p:sldId id="257" r:id="rId9"/>
-    <p:sldId id="264" r:id="rId10"/>
-    <p:sldId id="265" r:id="rId11"/>
-    <p:sldId id="266" r:id="rId12"/>
-    <p:sldId id="267" r:id="rId13"/>
-    <p:sldId id="268" r:id="rId14"/>
-    <p:sldId id="269" r:id="rId15"/>
-    <p:sldId id="270" r:id="rId16"/>
+    <p:sldId id="271" r:id="rId2"/>
+    <p:sldId id="272" r:id="rId3"/>
+    <p:sldId id="274" r:id="rId4"/>
+    <p:sldId id="273" r:id="rId5"/>
+    <p:sldId id="275" r:id="rId6"/>
+    <p:sldId id="277" r:id="rId7"/>
+    <p:sldId id="276" r:id="rId8"/>
+    <p:sldId id="256" r:id="rId9"/>
+    <p:sldId id="258" r:id="rId10"/>
+    <p:sldId id="259" r:id="rId11"/>
+    <p:sldId id="260" r:id="rId12"/>
+    <p:sldId id="261" r:id="rId13"/>
+    <p:sldId id="262" r:id="rId14"/>
+    <p:sldId id="263" r:id="rId15"/>
+    <p:sldId id="257" r:id="rId16"/>
+    <p:sldId id="264" r:id="rId17"/>
+    <p:sldId id="265" r:id="rId18"/>
+    <p:sldId id="266" r:id="rId19"/>
+    <p:sldId id="267" r:id="rId20"/>
+    <p:sldId id="268" r:id="rId21"/>
+    <p:sldId id="269" r:id="rId22"/>
+    <p:sldId id="270" r:id="rId23"/>
   </p:sldIdLst>
   <p:sldSz cx="12192000" cy="6858000"/>
   <p:notesSz cx="6858000" cy="9144000"/>
@@ -120,7 +127,18 @@
   </p:defaultTextStyle>
   <p:extLst>
     <p:ext uri="{EFAFB233-063F-42B5-8137-9DF3F51BA10A}">
-      <p15:sldGuideLst xmlns:p15="http://schemas.microsoft.com/office/powerpoint/2012/main" xmlns=""/>
+      <p15:sldGuideLst xmlns:p15="http://schemas.microsoft.com/office/powerpoint/2012/main">
+        <p15:guide id="1" orient="horz" pos="2160">
+          <p15:clr>
+            <a:srgbClr val="A4A3A4"/>
+          </p15:clr>
+        </p15:guide>
+        <p15:guide id="2" pos="3840">
+          <p15:clr>
+            <a:srgbClr val="A4A3A4"/>
+          </p15:clr>
+        </p15:guide>
+      </p15:sldGuideLst>
     </p:ext>
   </p:extLst>
 </p:presentation>
@@ -156,7 +174,7 @@
             <a:alphaModFix amt="30000"/>
             <a:extLst>
               <a:ext uri="{28A0092B-C50C-407E-A947-70E740481C1C}">
-                <a14:useLocalDpi xmlns:a14="http://schemas.microsoft.com/office/drawing/2010/main" xmlns="" val="0"/>
+                <a14:useLocalDpi xmlns:a14="http://schemas.microsoft.com/office/drawing/2010/main" val="0"/>
               </a:ext>
             </a:extLst>
           </a:blip>
@@ -4403,7 +4421,7 @@
             <a:fld id="{48A87A34-81AB-432B-8DAE-1953F412C126}" type="datetimeFigureOut">
               <a:rPr lang="en-US" dirty="0"/>
               <a:pPr/>
-              <a:t>7/6/2016</a:t>
+              <a:t>7/9/2016</a:t>
             </a:fld>
             <a:endParaRPr lang="en-US" dirty="0"/>
           </a:p>
@@ -4667,7 +4685,7 @@
             <a:fld id="{48A87A34-81AB-432B-8DAE-1953F412C126}" type="datetimeFigureOut">
               <a:rPr lang="en-US" dirty="0"/>
               <a:pPr/>
-              <a:t>7/6/2016</a:t>
+              <a:t>7/9/2016</a:t>
             </a:fld>
             <a:endParaRPr lang="en-US" dirty="0"/>
           </a:p>
@@ -4860,7 +4878,7 @@
             <a:fld id="{48A87A34-81AB-432B-8DAE-1953F412C126}" type="datetimeFigureOut">
               <a:rPr lang="en-US" dirty="0"/>
               <a:pPr/>
-              <a:t>7/6/2016</a:t>
+              <a:t>7/9/2016</a:t>
             </a:fld>
             <a:endParaRPr lang="en-US" dirty="0"/>
           </a:p>
@@ -5120,7 +5138,7 @@
             <a:fld id="{48A87A34-81AB-432B-8DAE-1953F412C126}" type="datetimeFigureOut">
               <a:rPr lang="en-US" dirty="0"/>
               <a:pPr/>
-              <a:t>7/6/2016</a:t>
+              <a:t>7/9/2016</a:t>
             </a:fld>
             <a:endParaRPr lang="en-US" dirty="0"/>
           </a:p>
@@ -5551,7 +5569,7 @@
             <a:fld id="{48A87A34-81AB-432B-8DAE-1953F412C126}" type="datetimeFigureOut">
               <a:rPr lang="en-US" dirty="0"/>
               <a:pPr/>
-              <a:t>7/6/2016</a:t>
+              <a:t>7/9/2016</a:t>
             </a:fld>
             <a:endParaRPr lang="en-US" dirty="0"/>
           </a:p>
@@ -6094,7 +6112,7 @@
             <a:fld id="{48A87A34-81AB-432B-8DAE-1953F412C126}" type="datetimeFigureOut">
               <a:rPr lang="en-US" dirty="0"/>
               <a:pPr/>
-              <a:t>7/6/2016</a:t>
+              <a:t>7/9/2016</a:t>
             </a:fld>
             <a:endParaRPr lang="en-US" dirty="0"/>
           </a:p>
@@ -6811,7 +6829,7 @@
             <a:fld id="{48A87A34-81AB-432B-8DAE-1953F412C126}" type="datetimeFigureOut">
               <a:rPr lang="en-US" dirty="0"/>
               <a:pPr/>
-              <a:t>7/6/2016</a:t>
+              <a:t>7/9/2016</a:t>
             </a:fld>
             <a:endParaRPr lang="en-US" dirty="0"/>
           </a:p>
@@ -6978,7 +6996,7 @@
             <a:fld id="{48A87A34-81AB-432B-8DAE-1953F412C126}" type="datetimeFigureOut">
               <a:rPr lang="en-US" dirty="0"/>
               <a:pPr/>
-              <a:t>7/6/2016</a:t>
+              <a:t>7/9/2016</a:t>
             </a:fld>
             <a:endParaRPr lang="en-US" dirty="0"/>
           </a:p>
@@ -7155,7 +7173,7 @@
             <a:fld id="{48A87A34-81AB-432B-8DAE-1953F412C126}" type="datetimeFigureOut">
               <a:rPr lang="en-US" dirty="0"/>
               <a:pPr/>
-              <a:t>7/6/2016</a:t>
+              <a:t>7/9/2016</a:t>
             </a:fld>
             <a:endParaRPr lang="en-US" dirty="0"/>
           </a:p>
@@ -7322,7 +7340,7 @@
             <a:fld id="{48A87A34-81AB-432B-8DAE-1953F412C126}" type="datetimeFigureOut">
               <a:rPr lang="en-US" dirty="0"/>
               <a:pPr/>
-              <a:t>7/6/2016</a:t>
+              <a:t>7/9/2016</a:t>
             </a:fld>
             <a:endParaRPr lang="en-US" dirty="0"/>
           </a:p>
@@ -7569,7 +7587,7 @@
             <a:fld id="{48A87A34-81AB-432B-8DAE-1953F412C126}" type="datetimeFigureOut">
               <a:rPr lang="en-US" dirty="0"/>
               <a:pPr/>
-              <a:t>7/6/2016</a:t>
+              <a:t>7/9/2016</a:t>
             </a:fld>
             <a:endParaRPr lang="en-US" dirty="0"/>
           </a:p>
@@ -7798,7 +7816,7 @@
             <a:fld id="{48A87A34-81AB-432B-8DAE-1953F412C126}" type="datetimeFigureOut">
               <a:rPr lang="en-US" dirty="0"/>
               <a:pPr/>
-              <a:t>7/6/2016</a:t>
+              <a:t>7/9/2016</a:t>
             </a:fld>
             <a:endParaRPr lang="en-US" dirty="0"/>
           </a:p>
@@ -8176,7 +8194,7 @@
             <a:fld id="{48A87A34-81AB-432B-8DAE-1953F412C126}" type="datetimeFigureOut">
               <a:rPr lang="en-US" dirty="0"/>
               <a:pPr/>
-              <a:t>7/6/2016</a:t>
+              <a:t>7/9/2016</a:t>
             </a:fld>
             <a:endParaRPr lang="en-US" dirty="0"/>
           </a:p>
@@ -8291,7 +8309,7 @@
             <a:fld id="{48A87A34-81AB-432B-8DAE-1953F412C126}" type="datetimeFigureOut">
               <a:rPr lang="en-US" dirty="0"/>
               <a:pPr/>
-              <a:t>7/6/2016</a:t>
+              <a:t>7/9/2016</a:t>
             </a:fld>
             <a:endParaRPr lang="en-US" dirty="0"/>
           </a:p>
@@ -8383,7 +8401,7 @@
             <a:fld id="{48A87A34-81AB-432B-8DAE-1953F412C126}" type="datetimeFigureOut">
               <a:rPr lang="en-US" dirty="0"/>
               <a:pPr/>
-              <a:t>7/6/2016</a:t>
+              <a:t>7/9/2016</a:t>
             </a:fld>
             <a:endParaRPr lang="en-US" dirty="0"/>
           </a:p>
@@ -8629,7 +8647,7 @@
             <a:fld id="{48A87A34-81AB-432B-8DAE-1953F412C126}" type="datetimeFigureOut">
               <a:rPr lang="en-US" dirty="0"/>
               <a:pPr/>
-              <a:t>7/6/2016</a:t>
+              <a:t>7/9/2016</a:t>
             </a:fld>
             <a:endParaRPr lang="en-US" dirty="0"/>
           </a:p>
@@ -8906,7 +8924,7 @@
             <a:fld id="{48A87A34-81AB-432B-8DAE-1953F412C126}" type="datetimeFigureOut">
               <a:rPr lang="en-US" dirty="0"/>
               <a:pPr/>
-              <a:t>7/6/2016</a:t>
+              <a:t>7/9/2016</a:t>
             </a:fld>
             <a:endParaRPr lang="en-US" dirty="0"/>
           </a:p>
@@ -8998,7 +9016,7 @@
             <a:alphaModFix amt="30000"/>
             <a:extLst>
               <a:ext uri="{28A0092B-C50C-407E-A947-70E740481C1C}">
-                <a14:useLocalDpi xmlns:a14="http://schemas.microsoft.com/office/drawing/2010/main" xmlns="" val="0"/>
+                <a14:useLocalDpi xmlns:a14="http://schemas.microsoft.com/office/drawing/2010/main" val="0"/>
               </a:ext>
             </a:extLst>
           </a:blip>
@@ -11980,7 +11998,7 @@
             <a:fld id="{48A87A34-81AB-432B-8DAE-1953F412C126}" type="datetimeFigureOut">
               <a:rPr lang="en-US" dirty="0"/>
               <a:pPr/>
-              <a:t>7/6/2016</a:t>
+              <a:t>7/9/2016</a:t>
             </a:fld>
             <a:endParaRPr lang="en-US" dirty="0"/>
           </a:p>
@@ -12403,7 +12421,7 @@
             <a:spLocks noGrp="1"/>
           </p:cNvSpPr>
           <p:nvPr>
-            <p:ph type="ctrTitle"/>
+            <p:ph type="title"/>
           </p:nvPr>
         </p:nvSpPr>
         <p:spPr/>
@@ -12413,7 +12431,7 @@
           <a:p>
             <a:r>
               <a:rPr lang="en-US" dirty="0" smtClean="0"/>
-              <a:t>Software Developer</a:t>
+              <a:t>Software Career Day Agenda</a:t>
             </a:r>
             <a:endParaRPr lang="en-US" dirty="0"/>
           </a:p>
@@ -12421,12 +12439,12 @@
       </p:sp>
       <p:sp>
         <p:nvSpPr>
-          <p:cNvPr id="3" name="Subtitle 2"/>
+          <p:cNvPr id="3" name="Content Placeholder 2"/>
           <p:cNvSpPr>
             <a:spLocks noGrp="1"/>
           </p:cNvSpPr>
           <p:nvPr>
-            <p:ph type="subTitle" idx="1"/>
+            <p:ph idx="1"/>
           </p:nvPr>
         </p:nvSpPr>
         <p:spPr/>
@@ -12436,7 +12454,45 @@
           <a:p>
             <a:r>
               <a:rPr lang="en-US" dirty="0" smtClean="0"/>
-              <a:t>a.k.a. Computer programmer</a:t>
+              <a:t>Introduction</a:t>
+            </a:r>
+          </a:p>
+          <a:p>
+            <a:r>
+              <a:rPr lang="en-US" dirty="0" smtClean="0"/>
+              <a:t>Vice President</a:t>
+            </a:r>
+          </a:p>
+          <a:p>
+            <a:r>
+              <a:rPr lang="en-US" dirty="0" smtClean="0"/>
+              <a:t>Career Fields Overview</a:t>
+            </a:r>
+          </a:p>
+          <a:p>
+            <a:r>
+              <a:rPr lang="en-US" dirty="0" smtClean="0"/>
+              <a:t>Speakers</a:t>
+            </a:r>
+          </a:p>
+          <a:p>
+            <a:r>
+              <a:rPr lang="en-US" dirty="0" smtClean="0"/>
+              <a:t>Lab - </a:t>
+            </a:r>
+            <a:r>
+              <a:rPr lang="en-US" dirty="0" smtClean="0"/>
+              <a:t>Web Programming</a:t>
+            </a:r>
+          </a:p>
+          <a:p>
+            <a:r>
+              <a:rPr lang="en-US" smtClean="0"/>
+              <a:t>Lab - </a:t>
+            </a:r>
+            <a:r>
+              <a:rPr lang="en-US" dirty="0" smtClean="0"/>
+              <a:t>Windows Programming</a:t>
             </a:r>
             <a:endParaRPr lang="en-US" dirty="0"/>
           </a:p>
@@ -12445,13 +12501,21 @@
     </p:spTree>
     <p:extLst>
       <p:ext uri="{BB962C8B-B14F-4D97-AF65-F5344CB8AC3E}">
-        <p14:creationId xmlns:p14="http://schemas.microsoft.com/office/powerpoint/2010/main" xmlns="" val="4193971689"/>
+        <p14:creationId xmlns:p14="http://schemas.microsoft.com/office/powerpoint/2010/main" val="1932957581"/>
       </p:ext>
     </p:extLst>
   </p:cSld>
   <p:clrMapOvr>
     <a:masterClrMapping/>
   </p:clrMapOvr>
+  <mc:AlternateContent xmlns:mc="http://schemas.openxmlformats.org/markup-compatibility/2006" xmlns:p14="http://schemas.microsoft.com/office/powerpoint/2010/main">
+    <mc:Choice Requires="p14">
+      <p:transition p14:dur="0"/>
+    </mc:Choice>
+    <mc:Fallback xmlns="">
+      <p:transition/>
+    </mc:Fallback>
+  </mc:AlternateContent>
   <p:timing>
     <p:tnLst>
       <p:par>
@@ -12494,782 +12558,6 @@
           <a:bodyPr/>
           <a:lstStyle/>
           <a:p>
-            <a:r>
-              <a:rPr lang="en-US" dirty="0" smtClean="0"/>
-              <a:t>Entry Level Jobs	</a:t>
-            </a:r>
-            <a:endParaRPr lang="en-US" dirty="0"/>
-          </a:p>
-        </p:txBody>
-      </p:sp>
-      <p:sp>
-        <p:nvSpPr>
-          <p:cNvPr id="3" name="Content Placeholder 2"/>
-          <p:cNvSpPr>
-            <a:spLocks noGrp="1"/>
-          </p:cNvSpPr>
-          <p:nvPr>
-            <p:ph idx="1"/>
-          </p:nvPr>
-        </p:nvSpPr>
-        <p:spPr/>
-        <p:txBody>
-          <a:bodyPr/>
-          <a:lstStyle/>
-          <a:p>
-            <a:r>
-              <a:rPr lang="en-US" dirty="0" smtClean="0"/>
-              <a:t>4 year CS degree is helpful but not required:</a:t>
-            </a:r>
-          </a:p>
-          <a:p>
-            <a:pPr lvl="1"/>
-            <a:r>
-              <a:rPr lang="en-US" dirty="0" smtClean="0"/>
-              <a:t>Associates Degree</a:t>
-            </a:r>
-          </a:p>
-          <a:p>
-            <a:pPr lvl="1"/>
-            <a:r>
-              <a:rPr lang="en-US" dirty="0" smtClean="0"/>
-              <a:t>Technical Training</a:t>
-            </a:r>
-          </a:p>
-          <a:p>
-            <a:pPr lvl="1"/>
-            <a:r>
-              <a:rPr lang="en-US" dirty="0" smtClean="0"/>
-              <a:t>On-the-job training like the military</a:t>
-            </a:r>
-          </a:p>
-          <a:p>
-            <a:r>
-              <a:rPr lang="en-US" dirty="0" smtClean="0"/>
-              <a:t>One of the highest starting salaries in United States</a:t>
-            </a:r>
-          </a:p>
-          <a:p>
-            <a:r>
-              <a:rPr lang="en-US" dirty="0" smtClean="0"/>
-              <a:t>Plenty of opportunities all across the US</a:t>
-            </a:r>
-            <a:endParaRPr lang="en-US" dirty="0"/>
-          </a:p>
-        </p:txBody>
-      </p:sp>
-    </p:spTree>
-  </p:cSld>
-  <p:clrMapOvr>
-    <a:masterClrMapping/>
-  </p:clrMapOvr>
-</p:sld>
-</file>
-
-<file path=ppt/slides/slide11.xml><?xml version="1.0" encoding="utf-8"?>
-<p:sld xmlns:a="http://schemas.openxmlformats.org/drawingml/2006/main" xmlns:r="http://schemas.openxmlformats.org/officeDocument/2006/relationships" xmlns:p="http://schemas.openxmlformats.org/presentationml/2006/main">
-  <p:cSld>
-    <p:spTree>
-      <p:nvGrpSpPr>
-        <p:cNvPr id="1" name=""/>
-        <p:cNvGrpSpPr/>
-        <p:nvPr/>
-      </p:nvGrpSpPr>
-      <p:grpSpPr>
-        <a:xfrm>
-          <a:off x="0" y="0"/>
-          <a:ext cx="0" cy="0"/>
-          <a:chOff x="0" y="0"/>
-          <a:chExt cx="0" cy="0"/>
-        </a:xfrm>
-      </p:grpSpPr>
-      <p:sp>
-        <p:nvSpPr>
-          <p:cNvPr id="2" name="Title 1"/>
-          <p:cNvSpPr>
-            <a:spLocks noGrp="1"/>
-          </p:cNvSpPr>
-          <p:nvPr>
-            <p:ph type="title"/>
-          </p:nvPr>
-        </p:nvSpPr>
-        <p:spPr/>
-        <p:txBody>
-          <a:bodyPr>
-            <a:normAutofit/>
-          </a:bodyPr>
-          <a:lstStyle/>
-          <a:p>
-            <a:r>
-              <a:rPr lang="en-US" sz="3200" dirty="0" smtClean="0"/>
-              <a:t>Type of Jobs in Software Development</a:t>
-            </a:r>
-            <a:endParaRPr lang="en-US" sz="3200" dirty="0"/>
-          </a:p>
-        </p:txBody>
-      </p:sp>
-      <p:sp>
-        <p:nvSpPr>
-          <p:cNvPr id="3" name="Content Placeholder 2"/>
-          <p:cNvSpPr>
-            <a:spLocks noGrp="1"/>
-          </p:cNvSpPr>
-          <p:nvPr>
-            <p:ph idx="1"/>
-          </p:nvPr>
-        </p:nvSpPr>
-        <p:spPr/>
-        <p:txBody>
-          <a:bodyPr>
-            <a:normAutofit/>
-          </a:bodyPr>
-          <a:lstStyle/>
-          <a:p>
-            <a:r>
-              <a:rPr lang="en-US" dirty="0" smtClean="0"/>
-              <a:t>Web Programming</a:t>
-            </a:r>
-          </a:p>
-          <a:p>
-            <a:pPr lvl="1"/>
-            <a:r>
-              <a:rPr lang="en-US" dirty="0" smtClean="0"/>
-              <a:t>Web Sites-  cnn.com, yahoo.com</a:t>
-            </a:r>
-          </a:p>
-          <a:p>
-            <a:pPr lvl="1"/>
-            <a:r>
-              <a:rPr lang="en-US" dirty="0" smtClean="0"/>
-              <a:t>Web Apps-  </a:t>
-            </a:r>
-            <a:r>
-              <a:rPr lang="en-US" dirty="0" err="1" smtClean="0"/>
-              <a:t>gmail</a:t>
-            </a:r>
-            <a:r>
-              <a:rPr lang="en-US" dirty="0" smtClean="0"/>
-              <a:t>, </a:t>
-            </a:r>
-            <a:r>
-              <a:rPr lang="en-US" dirty="0" err="1" smtClean="0"/>
-              <a:t>google</a:t>
-            </a:r>
-            <a:r>
-              <a:rPr lang="en-US" dirty="0" smtClean="0"/>
-              <a:t> spreadsheets</a:t>
-            </a:r>
-          </a:p>
-          <a:p>
-            <a:r>
-              <a:rPr lang="en-US" dirty="0" smtClean="0"/>
-              <a:t>Windows Desktop programming</a:t>
-            </a:r>
-          </a:p>
-          <a:p>
-            <a:pPr lvl="1"/>
-            <a:r>
-              <a:rPr lang="en-US" dirty="0" smtClean="0"/>
-              <a:t>Apps that run on windows</a:t>
-            </a:r>
-          </a:p>
-          <a:p>
-            <a:pPr lvl="1"/>
-            <a:r>
-              <a:rPr lang="en-US" dirty="0" smtClean="0"/>
-              <a:t>.NET -  </a:t>
-            </a:r>
-            <a:r>
-              <a:rPr lang="en-US" dirty="0" err="1" smtClean="0"/>
-              <a:t>vb</a:t>
-            </a:r>
-            <a:r>
-              <a:rPr lang="en-US" dirty="0" smtClean="0"/>
-              <a:t>, C#</a:t>
-            </a:r>
-          </a:p>
-          <a:p>
-            <a:endParaRPr lang="en-US" dirty="0"/>
-          </a:p>
-        </p:txBody>
-      </p:sp>
-    </p:spTree>
-  </p:cSld>
-  <p:clrMapOvr>
-    <a:masterClrMapping/>
-  </p:clrMapOvr>
-</p:sld>
-</file>
-
-<file path=ppt/slides/slide12.xml><?xml version="1.0" encoding="utf-8"?>
-<p:sld xmlns:a="http://schemas.openxmlformats.org/drawingml/2006/main" xmlns:r="http://schemas.openxmlformats.org/officeDocument/2006/relationships" xmlns:p="http://schemas.openxmlformats.org/presentationml/2006/main">
-  <p:cSld>
-    <p:spTree>
-      <p:nvGrpSpPr>
-        <p:cNvPr id="1" name=""/>
-        <p:cNvGrpSpPr/>
-        <p:nvPr/>
-      </p:nvGrpSpPr>
-      <p:grpSpPr>
-        <a:xfrm>
-          <a:off x="0" y="0"/>
-          <a:ext cx="0" cy="0"/>
-          <a:chOff x="0" y="0"/>
-          <a:chExt cx="0" cy="0"/>
-        </a:xfrm>
-      </p:grpSpPr>
-      <p:sp>
-        <p:nvSpPr>
-          <p:cNvPr id="2" name="Title 1"/>
-          <p:cNvSpPr>
-            <a:spLocks noGrp="1"/>
-          </p:cNvSpPr>
-          <p:nvPr>
-            <p:ph type="title"/>
-          </p:nvPr>
-        </p:nvSpPr>
-        <p:spPr/>
-        <p:txBody>
-          <a:bodyPr/>
-          <a:lstStyle/>
-          <a:p>
-            <a:r>
-              <a:rPr lang="en-US" dirty="0" smtClean="0"/>
-              <a:t>Software Development Jobs..</a:t>
-            </a:r>
-            <a:endParaRPr lang="en-US" dirty="0"/>
-          </a:p>
-        </p:txBody>
-      </p:sp>
-      <p:sp>
-        <p:nvSpPr>
-          <p:cNvPr id="3" name="Content Placeholder 2"/>
-          <p:cNvSpPr>
-            <a:spLocks noGrp="1"/>
-          </p:cNvSpPr>
-          <p:nvPr>
-            <p:ph idx="1"/>
-          </p:nvPr>
-        </p:nvSpPr>
-        <p:spPr/>
-        <p:txBody>
-          <a:bodyPr/>
-          <a:lstStyle/>
-          <a:p>
-            <a:r>
-              <a:rPr lang="en-US" dirty="0" smtClean="0"/>
-              <a:t>Mobile Development</a:t>
-            </a:r>
-          </a:p>
-          <a:p>
-            <a:pPr lvl="1"/>
-            <a:r>
-              <a:rPr lang="en-US" dirty="0" smtClean="0"/>
-              <a:t>Android Apps</a:t>
-            </a:r>
-          </a:p>
-          <a:p>
-            <a:pPr lvl="1"/>
-            <a:r>
-              <a:rPr lang="en-US" dirty="0" err="1" smtClean="0"/>
-              <a:t>Iphone</a:t>
-            </a:r>
-            <a:r>
-              <a:rPr lang="en-US" dirty="0" smtClean="0"/>
-              <a:t> Apps</a:t>
-            </a:r>
-          </a:p>
-          <a:p>
-            <a:r>
-              <a:rPr lang="en-US" dirty="0" smtClean="0"/>
-              <a:t>Database Developer or Administrator</a:t>
-            </a:r>
-          </a:p>
-          <a:p>
-            <a:pPr lvl="1"/>
-            <a:r>
-              <a:rPr lang="en-US" dirty="0" err="1" smtClean="0"/>
-              <a:t>Sql</a:t>
-            </a:r>
-            <a:r>
-              <a:rPr lang="en-US" dirty="0" smtClean="0"/>
-              <a:t> Server</a:t>
-            </a:r>
-          </a:p>
-          <a:p>
-            <a:pPr lvl="1"/>
-            <a:r>
-              <a:rPr lang="en-US" dirty="0" err="1" smtClean="0"/>
-              <a:t>MongoDB</a:t>
-            </a:r>
-            <a:endParaRPr lang="en-US" dirty="0" smtClean="0"/>
-          </a:p>
-          <a:p>
-            <a:pPr lvl="1"/>
-            <a:r>
-              <a:rPr lang="en-US" dirty="0" smtClean="0"/>
-              <a:t>Big Data- </a:t>
-            </a:r>
-            <a:r>
-              <a:rPr lang="en-US" dirty="0" err="1" smtClean="0"/>
-              <a:t>Hadoop</a:t>
-            </a:r>
-            <a:endParaRPr lang="en-US" dirty="0"/>
-          </a:p>
-        </p:txBody>
-      </p:sp>
-    </p:spTree>
-  </p:cSld>
-  <p:clrMapOvr>
-    <a:masterClrMapping/>
-  </p:clrMapOvr>
-</p:sld>
-</file>
-
-<file path=ppt/slides/slide13.xml><?xml version="1.0" encoding="utf-8"?>
-<p:sld xmlns:a="http://schemas.openxmlformats.org/drawingml/2006/main" xmlns:r="http://schemas.openxmlformats.org/officeDocument/2006/relationships" xmlns:p="http://schemas.openxmlformats.org/presentationml/2006/main">
-  <p:cSld>
-    <p:spTree>
-      <p:nvGrpSpPr>
-        <p:cNvPr id="1" name=""/>
-        <p:cNvGrpSpPr/>
-        <p:nvPr/>
-      </p:nvGrpSpPr>
-      <p:grpSpPr>
-        <a:xfrm>
-          <a:off x="0" y="0"/>
-          <a:ext cx="0" cy="0"/>
-          <a:chOff x="0" y="0"/>
-          <a:chExt cx="0" cy="0"/>
-        </a:xfrm>
-      </p:grpSpPr>
-      <p:sp>
-        <p:nvSpPr>
-          <p:cNvPr id="2" name="Title 1"/>
-          <p:cNvSpPr>
-            <a:spLocks noGrp="1"/>
-          </p:cNvSpPr>
-          <p:nvPr>
-            <p:ph type="title"/>
-          </p:nvPr>
-        </p:nvSpPr>
-        <p:spPr/>
-        <p:txBody>
-          <a:bodyPr/>
-          <a:lstStyle/>
-          <a:p>
-            <a:r>
-              <a:rPr lang="en-US" dirty="0" smtClean="0"/>
-              <a:t>Software Development Jobs</a:t>
-            </a:r>
-            <a:endParaRPr lang="en-US" dirty="0"/>
-          </a:p>
-        </p:txBody>
-      </p:sp>
-      <p:sp>
-        <p:nvSpPr>
-          <p:cNvPr id="3" name="Content Placeholder 2"/>
-          <p:cNvSpPr>
-            <a:spLocks noGrp="1"/>
-          </p:cNvSpPr>
-          <p:nvPr>
-            <p:ph idx="1"/>
-          </p:nvPr>
-        </p:nvSpPr>
-        <p:spPr/>
-        <p:txBody>
-          <a:bodyPr/>
-          <a:lstStyle/>
-          <a:p>
-            <a:r>
-              <a:rPr lang="en-US" dirty="0" smtClean="0"/>
-              <a:t>Systems Programmer </a:t>
-            </a:r>
-          </a:p>
-          <a:p>
-            <a:pPr lvl="1"/>
-            <a:r>
-              <a:rPr lang="en-US" dirty="0" smtClean="0"/>
-              <a:t>C/C++</a:t>
-            </a:r>
-          </a:p>
-          <a:p>
-            <a:pPr lvl="1"/>
-            <a:r>
-              <a:rPr lang="en-US" dirty="0" smtClean="0"/>
-              <a:t>Rust</a:t>
-            </a:r>
-          </a:p>
-          <a:p>
-            <a:pPr lvl="1"/>
-            <a:r>
-              <a:rPr lang="en-US" dirty="0" smtClean="0"/>
-              <a:t>Printer Drivers</a:t>
-            </a:r>
-          </a:p>
-          <a:p>
-            <a:pPr lvl="1"/>
-            <a:r>
-              <a:rPr lang="en-US" dirty="0" smtClean="0"/>
-              <a:t>Operating systems</a:t>
-            </a:r>
-          </a:p>
-          <a:p>
-            <a:r>
-              <a:rPr lang="en-US" dirty="0" smtClean="0"/>
-              <a:t>Games Programmer</a:t>
-            </a:r>
-          </a:p>
-          <a:p>
-            <a:r>
-              <a:rPr lang="en-US" dirty="0" smtClean="0"/>
-              <a:t>Research</a:t>
-            </a:r>
-          </a:p>
-          <a:p>
-            <a:pPr lvl="1"/>
-            <a:endParaRPr lang="en-US" dirty="0"/>
-          </a:p>
-        </p:txBody>
-      </p:sp>
-    </p:spTree>
-  </p:cSld>
-  <p:clrMapOvr>
-    <a:masterClrMapping/>
-  </p:clrMapOvr>
-</p:sld>
-</file>
-
-<file path=ppt/slides/slide14.xml><?xml version="1.0" encoding="utf-8"?>
-<p:sld xmlns:a="http://schemas.openxmlformats.org/drawingml/2006/main" xmlns:r="http://schemas.openxmlformats.org/officeDocument/2006/relationships" xmlns:p="http://schemas.openxmlformats.org/presentationml/2006/main">
-  <p:cSld>
-    <p:spTree>
-      <p:nvGrpSpPr>
-        <p:cNvPr id="1" name=""/>
-        <p:cNvGrpSpPr/>
-        <p:nvPr/>
-      </p:nvGrpSpPr>
-      <p:grpSpPr>
-        <a:xfrm>
-          <a:off x="0" y="0"/>
-          <a:ext cx="0" cy="0"/>
-          <a:chOff x="0" y="0"/>
-          <a:chExt cx="0" cy="0"/>
-        </a:xfrm>
-      </p:grpSpPr>
-      <p:sp>
-        <p:nvSpPr>
-          <p:cNvPr id="2" name="Title 1"/>
-          <p:cNvSpPr>
-            <a:spLocks noGrp="1"/>
-          </p:cNvSpPr>
-          <p:nvPr>
-            <p:ph type="title"/>
-          </p:nvPr>
-        </p:nvSpPr>
-        <p:spPr/>
-        <p:txBody>
-          <a:bodyPr/>
-          <a:lstStyle/>
-          <a:p>
-            <a:r>
-              <a:rPr lang="en-US" dirty="0" smtClean="0"/>
-              <a:t>Non-Programming Jobs</a:t>
-            </a:r>
-            <a:endParaRPr lang="en-US" dirty="0"/>
-          </a:p>
-        </p:txBody>
-      </p:sp>
-      <p:sp>
-        <p:nvSpPr>
-          <p:cNvPr id="3" name="Content Placeholder 2"/>
-          <p:cNvSpPr>
-            <a:spLocks noGrp="1"/>
-          </p:cNvSpPr>
-          <p:nvPr>
-            <p:ph idx="1"/>
-          </p:nvPr>
-        </p:nvSpPr>
-        <p:spPr/>
-        <p:txBody>
-          <a:bodyPr/>
-          <a:lstStyle/>
-          <a:p>
-            <a:r>
-              <a:rPr lang="en-US" dirty="0" smtClean="0"/>
-              <a:t>Tech Support</a:t>
-            </a:r>
-          </a:p>
-          <a:p>
-            <a:r>
-              <a:rPr lang="en-US" dirty="0" smtClean="0"/>
-              <a:t>Network Administrator</a:t>
-            </a:r>
-          </a:p>
-          <a:p>
-            <a:r>
-              <a:rPr lang="en-US" dirty="0" smtClean="0"/>
-              <a:t>IT Manager</a:t>
-            </a:r>
-          </a:p>
-          <a:p>
-            <a:r>
-              <a:rPr lang="en-US" dirty="0" smtClean="0"/>
-              <a:t>Computer Repair Technician</a:t>
-            </a:r>
-          </a:p>
-          <a:p>
-            <a:r>
-              <a:rPr lang="en-US" dirty="0" smtClean="0"/>
-              <a:t>Graphic Design</a:t>
-            </a:r>
-          </a:p>
-          <a:p>
-            <a:r>
-              <a:rPr lang="en-US" dirty="0" smtClean="0"/>
-              <a:t>Quality Assurance (Tester)</a:t>
-            </a:r>
-            <a:endParaRPr lang="en-US" dirty="0"/>
-          </a:p>
-        </p:txBody>
-      </p:sp>
-    </p:spTree>
-  </p:cSld>
-  <p:clrMapOvr>
-    <a:masterClrMapping/>
-  </p:clrMapOvr>
-</p:sld>
-</file>
-
-<file path=ppt/slides/slide15.xml><?xml version="1.0" encoding="utf-8"?>
-<p:sld xmlns:a="http://schemas.openxmlformats.org/drawingml/2006/main" xmlns:r="http://schemas.openxmlformats.org/officeDocument/2006/relationships" xmlns:p="http://schemas.openxmlformats.org/presentationml/2006/main">
-  <p:cSld>
-    <p:spTree>
-      <p:nvGrpSpPr>
-        <p:cNvPr id="1" name=""/>
-        <p:cNvGrpSpPr/>
-        <p:nvPr/>
-      </p:nvGrpSpPr>
-      <p:grpSpPr>
-        <a:xfrm>
-          <a:off x="0" y="0"/>
-          <a:ext cx="0" cy="0"/>
-          <a:chOff x="0" y="0"/>
-          <a:chExt cx="0" cy="0"/>
-        </a:xfrm>
-      </p:grpSpPr>
-      <p:sp>
-        <p:nvSpPr>
-          <p:cNvPr id="2" name="Title 1"/>
-          <p:cNvSpPr>
-            <a:spLocks noGrp="1"/>
-          </p:cNvSpPr>
-          <p:nvPr>
-            <p:ph type="title"/>
-          </p:nvPr>
-        </p:nvSpPr>
-        <p:spPr/>
-        <p:txBody>
-          <a:bodyPr/>
-          <a:lstStyle/>
-          <a:p>
-            <a:r>
-              <a:rPr lang="en-US" dirty="0" smtClean="0"/>
-              <a:t>My Day at Software &amp; Services</a:t>
-            </a:r>
-            <a:endParaRPr lang="en-US" dirty="0"/>
-          </a:p>
-        </p:txBody>
-      </p:sp>
-      <p:sp>
-        <p:nvSpPr>
-          <p:cNvPr id="3" name="Content Placeholder 2"/>
-          <p:cNvSpPr>
-            <a:spLocks noGrp="1"/>
-          </p:cNvSpPr>
-          <p:nvPr>
-            <p:ph idx="1"/>
-          </p:nvPr>
-        </p:nvSpPr>
-        <p:spPr/>
-        <p:txBody>
-          <a:bodyPr>
-            <a:normAutofit fontScale="85000" lnSpcReduction="20000"/>
-          </a:bodyPr>
-          <a:lstStyle/>
-          <a:p>
-            <a:r>
-              <a:rPr lang="en-US" dirty="0" smtClean="0"/>
-              <a:t>In the office between 7:30-8:00am</a:t>
-            </a:r>
-          </a:p>
-          <a:p>
-            <a:r>
-              <a:rPr lang="en-US" dirty="0" smtClean="0"/>
-              <a:t>Start the coffee</a:t>
-            </a:r>
-          </a:p>
-          <a:p>
-            <a:r>
-              <a:rPr lang="en-US" dirty="0" smtClean="0"/>
-              <a:t>Log into my computer</a:t>
-            </a:r>
-          </a:p>
-          <a:p>
-            <a:r>
-              <a:rPr lang="en-US" dirty="0" smtClean="0"/>
-              <a:t>Check my work email</a:t>
-            </a:r>
-          </a:p>
-          <a:p>
-            <a:r>
-              <a:rPr lang="en-US" dirty="0" smtClean="0"/>
-              <a:t>Review my task list</a:t>
-            </a:r>
-          </a:p>
-          <a:p>
-            <a:r>
-              <a:rPr lang="en-US" dirty="0" smtClean="0"/>
-              <a:t>If no support issues, continue work on major programming projects</a:t>
-            </a:r>
-          </a:p>
-          <a:p>
-            <a:r>
-              <a:rPr lang="en-US" dirty="0" smtClean="0"/>
-              <a:t>Support Issues normally take priority (putting out fires)</a:t>
-            </a:r>
-          </a:p>
-          <a:p>
-            <a:r>
-              <a:rPr lang="en-US" dirty="0" smtClean="0"/>
-              <a:t>Not uncommon to Read/Send around 50 </a:t>
-            </a:r>
-            <a:r>
-              <a:rPr lang="en-US" smtClean="0"/>
-              <a:t>emails each day</a:t>
-            </a:r>
-          </a:p>
-          <a:p>
-            <a:endParaRPr lang="en-US" dirty="0"/>
-          </a:p>
-        </p:txBody>
-      </p:sp>
-    </p:spTree>
-  </p:cSld>
-  <p:clrMapOvr>
-    <a:masterClrMapping/>
-  </p:clrMapOvr>
-</p:sld>
-</file>
-
-<file path=ppt/slides/slide2.xml><?xml version="1.0" encoding="utf-8"?>
-<p:sld xmlns:a="http://schemas.openxmlformats.org/drawingml/2006/main" xmlns:r="http://schemas.openxmlformats.org/officeDocument/2006/relationships" xmlns:p="http://schemas.openxmlformats.org/presentationml/2006/main">
-  <p:cSld>
-    <p:spTree>
-      <p:nvGrpSpPr>
-        <p:cNvPr id="1" name=""/>
-        <p:cNvGrpSpPr/>
-        <p:nvPr/>
-      </p:nvGrpSpPr>
-      <p:grpSpPr>
-        <a:xfrm>
-          <a:off x="0" y="0"/>
-          <a:ext cx="0" cy="0"/>
-          <a:chOff x="0" y="0"/>
-          <a:chExt cx="0" cy="0"/>
-        </a:xfrm>
-      </p:grpSpPr>
-      <p:sp>
-        <p:nvSpPr>
-          <p:cNvPr id="2" name="Title 1"/>
-          <p:cNvSpPr>
-            <a:spLocks noGrp="1"/>
-          </p:cNvSpPr>
-          <p:nvPr>
-            <p:ph type="title"/>
-          </p:nvPr>
-        </p:nvSpPr>
-        <p:spPr/>
-        <p:txBody>
-          <a:bodyPr>
-            <a:normAutofit/>
-          </a:bodyPr>
-          <a:lstStyle/>
-          <a:p>
-            <a:r>
-              <a:rPr lang="en-US" dirty="0" smtClean="0"/>
-              <a:t>What does a programmer do?</a:t>
-            </a:r>
-            <a:endParaRPr lang="en-US" dirty="0"/>
-          </a:p>
-        </p:txBody>
-      </p:sp>
-      <p:sp>
-        <p:nvSpPr>
-          <p:cNvPr id="3" name="Content Placeholder 2"/>
-          <p:cNvSpPr>
-            <a:spLocks noGrp="1"/>
-          </p:cNvSpPr>
-          <p:nvPr>
-            <p:ph idx="1"/>
-          </p:nvPr>
-        </p:nvSpPr>
-        <p:spPr/>
-        <p:txBody>
-          <a:bodyPr/>
-          <a:lstStyle/>
-          <a:p>
-            <a:endParaRPr lang="en-US"/>
-          </a:p>
-        </p:txBody>
-      </p:sp>
-    </p:spTree>
-  </p:cSld>
-  <p:clrMapOvr>
-    <a:masterClrMapping/>
-  </p:clrMapOvr>
-  <p:timing>
-    <p:tnLst>
-      <p:par>
-        <p:cTn id="1" dur="indefinite" restart="never" nodeType="tmRoot"/>
-      </p:par>
-    </p:tnLst>
-  </p:timing>
-</p:sld>
-</file>
-
-<file path=ppt/slides/slide3.xml><?xml version="1.0" encoding="utf-8"?>
-<p:sld xmlns:a="http://schemas.openxmlformats.org/drawingml/2006/main" xmlns:r="http://schemas.openxmlformats.org/officeDocument/2006/relationships" xmlns:p="http://schemas.openxmlformats.org/presentationml/2006/main">
-  <p:cSld>
-    <p:spTree>
-      <p:nvGrpSpPr>
-        <p:cNvPr id="1" name=""/>
-        <p:cNvGrpSpPr/>
-        <p:nvPr/>
-      </p:nvGrpSpPr>
-      <p:grpSpPr>
-        <a:xfrm>
-          <a:off x="0" y="0"/>
-          <a:ext cx="0" cy="0"/>
-          <a:chOff x="0" y="0"/>
-          <a:chExt cx="0" cy="0"/>
-        </a:xfrm>
-      </p:grpSpPr>
-      <p:sp>
-        <p:nvSpPr>
-          <p:cNvPr id="2" name="Title 1"/>
-          <p:cNvSpPr>
-            <a:spLocks noGrp="1"/>
-          </p:cNvSpPr>
-          <p:nvPr>
-            <p:ph type="title"/>
-          </p:nvPr>
-        </p:nvSpPr>
-        <p:spPr/>
-        <p:txBody>
-          <a:bodyPr/>
-          <a:lstStyle/>
-          <a:p>
             <a:pPr algn="ctr"/>
             <a:r>
               <a:rPr lang="en-US" dirty="0" smtClean="0"/>
@@ -13317,7 +12605,7 @@
 </p:sld>
 </file>
 
-<file path=ppt/slides/slide4.xml><?xml version="1.0" encoding="utf-8"?>
+<file path=ppt/slides/slide11.xml><?xml version="1.0" encoding="utf-8"?>
 <p:sld xmlns:a="http://schemas.openxmlformats.org/drawingml/2006/main" xmlns:r="http://schemas.openxmlformats.org/officeDocument/2006/relationships" xmlns:p="http://schemas.openxmlformats.org/presentationml/2006/main">
   <p:cSld>
     <p:spTree>
@@ -13396,7 +12684,7 @@
 </p:sld>
 </file>
 
-<file path=ppt/slides/slide5.xml><?xml version="1.0" encoding="utf-8"?>
+<file path=ppt/slides/slide12.xml><?xml version="1.0" encoding="utf-8"?>
 <p:sld xmlns:a="http://schemas.openxmlformats.org/drawingml/2006/main" xmlns:r="http://schemas.openxmlformats.org/officeDocument/2006/relationships" xmlns:p="http://schemas.openxmlformats.org/presentationml/2006/main">
   <p:cSld>
     <p:spTree>
@@ -13475,7 +12763,7 @@
 </p:sld>
 </file>
 
-<file path=ppt/slides/slide6.xml><?xml version="1.0" encoding="utf-8"?>
+<file path=ppt/slides/slide13.xml><?xml version="1.0" encoding="utf-8"?>
 <p:sld xmlns:a="http://schemas.openxmlformats.org/drawingml/2006/main" xmlns:r="http://schemas.openxmlformats.org/officeDocument/2006/relationships" xmlns:p="http://schemas.openxmlformats.org/presentationml/2006/main">
   <p:cSld>
     <p:spTree>
@@ -13554,7 +12842,7 @@
 </p:sld>
 </file>
 
-<file path=ppt/slides/slide7.xml><?xml version="1.0" encoding="utf-8"?>
+<file path=ppt/slides/slide14.xml><?xml version="1.0" encoding="utf-8"?>
 <p:sld xmlns:a="http://schemas.openxmlformats.org/drawingml/2006/main" xmlns:r="http://schemas.openxmlformats.org/officeDocument/2006/relationships" xmlns:p="http://schemas.openxmlformats.org/presentationml/2006/main">
   <p:cSld>
     <p:spTree>
@@ -13633,7 +12921,7 @@
 </p:sld>
 </file>
 
-<file path=ppt/slides/slide8.xml><?xml version="1.0" encoding="utf-8"?>
+<file path=ppt/slides/slide15.xml><?xml version="1.0" encoding="utf-8"?>
 <p:sld xmlns:a="http://schemas.openxmlformats.org/drawingml/2006/main" xmlns:r="http://schemas.openxmlformats.org/officeDocument/2006/relationships" xmlns:p="http://schemas.openxmlformats.org/presentationml/2006/main">
   <p:cSld>
     <p:spTree>
@@ -13724,13 +13012,8 @@
           <a:p>
             <a:r>
               <a:rPr lang="en-US" dirty="0" smtClean="0"/>
-              <a:t>Started work at S&amp;S part-time my last year in </a:t>
-            </a:r>
-            <a:r>
-              <a:rPr lang="en-US" dirty="0" smtClean="0"/>
-              <a:t>college in 2000, went full-time in January 2001</a:t>
-            </a:r>
-            <a:endParaRPr lang="en-US" dirty="0" smtClean="0"/>
+              <a:t>Started work at S&amp;S part-time my last year in college in 2000, went full-time in January 2001</a:t>
+            </a:r>
           </a:p>
           <a:p>
             <a:endParaRPr lang="en-US" dirty="0"/>
@@ -13738,6 +13021,8205 @@
         </p:txBody>
       </p:sp>
     </p:spTree>
+  </p:cSld>
+  <p:clrMapOvr>
+    <a:masterClrMapping/>
+  </p:clrMapOvr>
+  <p:timing>
+    <p:tnLst>
+      <p:par>
+        <p:cTn id="1" dur="indefinite" restart="never" nodeType="tmRoot"/>
+      </p:par>
+    </p:tnLst>
+  </p:timing>
+</p:sld>
+</file>
+
+<file path=ppt/slides/slide16.xml><?xml version="1.0" encoding="utf-8"?>
+<p:sld xmlns:a="http://schemas.openxmlformats.org/drawingml/2006/main" xmlns:r="http://schemas.openxmlformats.org/officeDocument/2006/relationships" xmlns:p="http://schemas.openxmlformats.org/presentationml/2006/main">
+  <p:cSld>
+    <p:spTree>
+      <p:nvGrpSpPr>
+        <p:cNvPr id="1" name=""/>
+        <p:cNvGrpSpPr/>
+        <p:nvPr/>
+      </p:nvGrpSpPr>
+      <p:grpSpPr>
+        <a:xfrm>
+          <a:off x="0" y="0"/>
+          <a:ext cx="0" cy="0"/>
+          <a:chOff x="0" y="0"/>
+          <a:chExt cx="0" cy="0"/>
+        </a:xfrm>
+      </p:grpSpPr>
+      <p:sp>
+        <p:nvSpPr>
+          <p:cNvPr id="2" name="Title 1"/>
+          <p:cNvSpPr>
+            <a:spLocks noGrp="1"/>
+          </p:cNvSpPr>
+          <p:nvPr>
+            <p:ph type="title"/>
+          </p:nvPr>
+        </p:nvSpPr>
+        <p:spPr/>
+        <p:txBody>
+          <a:bodyPr/>
+          <a:lstStyle/>
+          <a:p>
+            <a:pPr algn="ctr"/>
+            <a:r>
+              <a:rPr lang="en-US" dirty="0" smtClean="0"/>
+              <a:t>Computer Science Major</a:t>
+            </a:r>
+            <a:endParaRPr lang="en-US" dirty="0"/>
+          </a:p>
+        </p:txBody>
+      </p:sp>
+      <p:sp>
+        <p:nvSpPr>
+          <p:cNvPr id="3" name="Content Placeholder 2"/>
+          <p:cNvSpPr>
+            <a:spLocks noGrp="1"/>
+          </p:cNvSpPr>
+          <p:nvPr>
+            <p:ph idx="1"/>
+          </p:nvPr>
+        </p:nvSpPr>
+        <p:spPr>
+          <a:xfrm>
+            <a:off x="894080" y="1747520"/>
+            <a:ext cx="10153331" cy="4043681"/>
+          </a:xfrm>
+        </p:spPr>
+        <p:txBody>
+          <a:bodyPr>
+            <a:noAutofit/>
+          </a:bodyPr>
+          <a:lstStyle/>
+          <a:p>
+            <a:r>
+              <a:rPr lang="en-US" sz="1600" dirty="0" smtClean="0"/>
+              <a:t>Lots of Math</a:t>
+            </a:r>
+          </a:p>
+          <a:p>
+            <a:pPr lvl="1"/>
+            <a:r>
+              <a:rPr lang="en-US" sz="1600" dirty="0" smtClean="0"/>
+              <a:t>Algebra</a:t>
+            </a:r>
+          </a:p>
+          <a:p>
+            <a:pPr lvl="1"/>
+            <a:r>
+              <a:rPr lang="en-US" sz="1600" dirty="0" smtClean="0"/>
+              <a:t>Trigonometry</a:t>
+            </a:r>
+          </a:p>
+          <a:p>
+            <a:pPr lvl="1"/>
+            <a:r>
+              <a:rPr lang="en-US" sz="1600" dirty="0" smtClean="0"/>
+              <a:t>2 semesters of Calculus</a:t>
+            </a:r>
+          </a:p>
+          <a:p>
+            <a:pPr lvl="1"/>
+            <a:r>
+              <a:rPr lang="en-US" sz="1600" dirty="0" smtClean="0"/>
+              <a:t>Linear Algebra</a:t>
+            </a:r>
+          </a:p>
+          <a:p>
+            <a:pPr lvl="1"/>
+            <a:r>
+              <a:rPr lang="en-US" sz="1600" dirty="0" smtClean="0"/>
+              <a:t>Statistics</a:t>
+            </a:r>
+          </a:p>
+          <a:p>
+            <a:r>
+              <a:rPr lang="en-US" sz="1600" dirty="0" smtClean="0"/>
+              <a:t>Computer Science Courses</a:t>
+            </a:r>
+          </a:p>
+          <a:p>
+            <a:pPr lvl="1"/>
+            <a:r>
+              <a:rPr lang="en-US" sz="1600" dirty="0" smtClean="0"/>
+              <a:t>Basic Programming</a:t>
+            </a:r>
+          </a:p>
+          <a:p>
+            <a:pPr lvl="1"/>
+            <a:r>
+              <a:rPr lang="en-US" sz="1600" dirty="0" smtClean="0"/>
+              <a:t>Operating Systems</a:t>
+            </a:r>
+          </a:p>
+          <a:p>
+            <a:pPr lvl="1"/>
+            <a:r>
+              <a:rPr lang="en-US" sz="1600" dirty="0" smtClean="0"/>
+              <a:t>Computer Architecture</a:t>
+            </a:r>
+          </a:p>
+          <a:p>
+            <a:pPr lvl="1"/>
+            <a:r>
+              <a:rPr lang="en-US" sz="1600" dirty="0" smtClean="0"/>
+              <a:t>Computer Algorithms</a:t>
+            </a:r>
+          </a:p>
+          <a:p>
+            <a:pPr lvl="1"/>
+            <a:r>
+              <a:rPr lang="en-US" sz="1600" dirty="0" smtClean="0"/>
+              <a:t>Object Oriented Programming</a:t>
+            </a:r>
+          </a:p>
+          <a:p>
+            <a:pPr lvl="1"/>
+            <a:r>
+              <a:rPr lang="en-US" sz="1600" dirty="0" smtClean="0"/>
+              <a:t>Senior Project</a:t>
+            </a:r>
+            <a:endParaRPr lang="en-US" sz="1600" dirty="0"/>
+          </a:p>
+        </p:txBody>
+      </p:sp>
+    </p:spTree>
+  </p:cSld>
+  <p:clrMapOvr>
+    <a:masterClrMapping/>
+  </p:clrMapOvr>
+  <p:timing>
+    <p:tnLst>
+      <p:par>
+        <p:cTn id="1" dur="indefinite" restart="never" nodeType="tmRoot"/>
+      </p:par>
+    </p:tnLst>
+  </p:timing>
+</p:sld>
+</file>
+
+<file path=ppt/slides/slide17.xml><?xml version="1.0" encoding="utf-8"?>
+<p:sld xmlns:a="http://schemas.openxmlformats.org/drawingml/2006/main" xmlns:r="http://schemas.openxmlformats.org/officeDocument/2006/relationships" xmlns:p="http://schemas.openxmlformats.org/presentationml/2006/main">
+  <p:cSld>
+    <p:spTree>
+      <p:nvGrpSpPr>
+        <p:cNvPr id="1" name=""/>
+        <p:cNvGrpSpPr/>
+        <p:nvPr/>
+      </p:nvGrpSpPr>
+      <p:grpSpPr>
+        <a:xfrm>
+          <a:off x="0" y="0"/>
+          <a:ext cx="0" cy="0"/>
+          <a:chOff x="0" y="0"/>
+          <a:chExt cx="0" cy="0"/>
+        </a:xfrm>
+      </p:grpSpPr>
+      <p:sp>
+        <p:nvSpPr>
+          <p:cNvPr id="2" name="Title 1"/>
+          <p:cNvSpPr>
+            <a:spLocks noGrp="1"/>
+          </p:cNvSpPr>
+          <p:nvPr>
+            <p:ph type="title"/>
+          </p:nvPr>
+        </p:nvSpPr>
+        <p:spPr/>
+        <p:txBody>
+          <a:bodyPr/>
+          <a:lstStyle/>
+          <a:p>
+            <a:r>
+              <a:rPr lang="en-US" dirty="0" smtClean="0"/>
+              <a:t>Entry Level Jobs	</a:t>
+            </a:r>
+            <a:endParaRPr lang="en-US" dirty="0"/>
+          </a:p>
+        </p:txBody>
+      </p:sp>
+      <p:sp>
+        <p:nvSpPr>
+          <p:cNvPr id="3" name="Content Placeholder 2"/>
+          <p:cNvSpPr>
+            <a:spLocks noGrp="1"/>
+          </p:cNvSpPr>
+          <p:nvPr>
+            <p:ph idx="1"/>
+          </p:nvPr>
+        </p:nvSpPr>
+        <p:spPr/>
+        <p:txBody>
+          <a:bodyPr/>
+          <a:lstStyle/>
+          <a:p>
+            <a:r>
+              <a:rPr lang="en-US" dirty="0" smtClean="0"/>
+              <a:t>4 year CS degree is helpful but not required:</a:t>
+            </a:r>
+          </a:p>
+          <a:p>
+            <a:pPr lvl="1"/>
+            <a:r>
+              <a:rPr lang="en-US" dirty="0" smtClean="0"/>
+              <a:t>Associates Degree</a:t>
+            </a:r>
+          </a:p>
+          <a:p>
+            <a:pPr lvl="1"/>
+            <a:r>
+              <a:rPr lang="en-US" dirty="0" smtClean="0"/>
+              <a:t>Technical Training</a:t>
+            </a:r>
+          </a:p>
+          <a:p>
+            <a:pPr lvl="1"/>
+            <a:r>
+              <a:rPr lang="en-US" dirty="0" smtClean="0"/>
+              <a:t>On-the-job training like the military</a:t>
+            </a:r>
+          </a:p>
+          <a:p>
+            <a:r>
+              <a:rPr lang="en-US" dirty="0" smtClean="0"/>
+              <a:t>One of the highest starting salaries in United States</a:t>
+            </a:r>
+          </a:p>
+          <a:p>
+            <a:r>
+              <a:rPr lang="en-US" dirty="0" smtClean="0"/>
+              <a:t>Plenty of opportunities all across the US</a:t>
+            </a:r>
+            <a:endParaRPr lang="en-US" dirty="0"/>
+          </a:p>
+        </p:txBody>
+      </p:sp>
+    </p:spTree>
+  </p:cSld>
+  <p:clrMapOvr>
+    <a:masterClrMapping/>
+  </p:clrMapOvr>
+  <p:timing>
+    <p:tnLst>
+      <p:par>
+        <p:cTn id="1" dur="indefinite" restart="never" nodeType="tmRoot"/>
+      </p:par>
+    </p:tnLst>
+  </p:timing>
+</p:sld>
+</file>
+
+<file path=ppt/slides/slide18.xml><?xml version="1.0" encoding="utf-8"?>
+<p:sld xmlns:a="http://schemas.openxmlformats.org/drawingml/2006/main" xmlns:r="http://schemas.openxmlformats.org/officeDocument/2006/relationships" xmlns:p="http://schemas.openxmlformats.org/presentationml/2006/main">
+  <p:cSld>
+    <p:spTree>
+      <p:nvGrpSpPr>
+        <p:cNvPr id="1" name=""/>
+        <p:cNvGrpSpPr/>
+        <p:nvPr/>
+      </p:nvGrpSpPr>
+      <p:grpSpPr>
+        <a:xfrm>
+          <a:off x="0" y="0"/>
+          <a:ext cx="0" cy="0"/>
+          <a:chOff x="0" y="0"/>
+          <a:chExt cx="0" cy="0"/>
+        </a:xfrm>
+      </p:grpSpPr>
+      <p:sp>
+        <p:nvSpPr>
+          <p:cNvPr id="2" name="Title 1"/>
+          <p:cNvSpPr>
+            <a:spLocks noGrp="1"/>
+          </p:cNvSpPr>
+          <p:nvPr>
+            <p:ph type="title"/>
+          </p:nvPr>
+        </p:nvSpPr>
+        <p:spPr/>
+        <p:txBody>
+          <a:bodyPr>
+            <a:normAutofit/>
+          </a:bodyPr>
+          <a:lstStyle/>
+          <a:p>
+            <a:r>
+              <a:rPr lang="en-US" sz="3200" dirty="0" smtClean="0"/>
+              <a:t>Type of Jobs in Software Development</a:t>
+            </a:r>
+            <a:endParaRPr lang="en-US" sz="3200" dirty="0"/>
+          </a:p>
+        </p:txBody>
+      </p:sp>
+      <p:sp>
+        <p:nvSpPr>
+          <p:cNvPr id="3" name="Content Placeholder 2"/>
+          <p:cNvSpPr>
+            <a:spLocks noGrp="1"/>
+          </p:cNvSpPr>
+          <p:nvPr>
+            <p:ph idx="1"/>
+          </p:nvPr>
+        </p:nvSpPr>
+        <p:spPr/>
+        <p:txBody>
+          <a:bodyPr>
+            <a:normAutofit/>
+          </a:bodyPr>
+          <a:lstStyle/>
+          <a:p>
+            <a:r>
+              <a:rPr lang="en-US" dirty="0" smtClean="0"/>
+              <a:t>Web Programming</a:t>
+            </a:r>
+          </a:p>
+          <a:p>
+            <a:pPr lvl="1"/>
+            <a:r>
+              <a:rPr lang="en-US" dirty="0" smtClean="0"/>
+              <a:t>Web Sites-  cnn.com, yahoo.com</a:t>
+            </a:r>
+          </a:p>
+          <a:p>
+            <a:pPr lvl="1"/>
+            <a:r>
+              <a:rPr lang="en-US" dirty="0" smtClean="0"/>
+              <a:t>Web Apps-  </a:t>
+            </a:r>
+            <a:r>
+              <a:rPr lang="en-US" dirty="0" err="1" smtClean="0"/>
+              <a:t>gmail</a:t>
+            </a:r>
+            <a:r>
+              <a:rPr lang="en-US" dirty="0" smtClean="0"/>
+              <a:t>, </a:t>
+            </a:r>
+            <a:r>
+              <a:rPr lang="en-US" dirty="0" err="1" smtClean="0"/>
+              <a:t>google</a:t>
+            </a:r>
+            <a:r>
+              <a:rPr lang="en-US" dirty="0" smtClean="0"/>
+              <a:t> spreadsheets</a:t>
+            </a:r>
+          </a:p>
+          <a:p>
+            <a:r>
+              <a:rPr lang="en-US" dirty="0" smtClean="0"/>
+              <a:t>Windows Desktop programming</a:t>
+            </a:r>
+          </a:p>
+          <a:p>
+            <a:pPr lvl="1"/>
+            <a:r>
+              <a:rPr lang="en-US" dirty="0" smtClean="0"/>
+              <a:t>Apps that run on windows</a:t>
+            </a:r>
+          </a:p>
+          <a:p>
+            <a:pPr lvl="1"/>
+            <a:r>
+              <a:rPr lang="en-US" dirty="0" smtClean="0"/>
+              <a:t>.NET -  </a:t>
+            </a:r>
+            <a:r>
+              <a:rPr lang="en-US" dirty="0" err="1" smtClean="0"/>
+              <a:t>vb</a:t>
+            </a:r>
+            <a:r>
+              <a:rPr lang="en-US" dirty="0" smtClean="0"/>
+              <a:t>, C#</a:t>
+            </a:r>
+          </a:p>
+          <a:p>
+            <a:endParaRPr lang="en-US" dirty="0"/>
+          </a:p>
+        </p:txBody>
+      </p:sp>
+    </p:spTree>
+  </p:cSld>
+  <p:clrMapOvr>
+    <a:masterClrMapping/>
+  </p:clrMapOvr>
+  <p:timing>
+    <p:tnLst>
+      <p:par>
+        <p:cTn id="1" dur="indefinite" restart="never" nodeType="tmRoot">
+          <p:childTnLst>
+            <p:seq concurrent="1" nextAc="seek">
+              <p:cTn id="2" dur="indefinite" nodeType="mainSeq">
+                <p:childTnLst>
+                  <p:par>
+                    <p:cTn id="3" fill="hold">
+                      <p:stCondLst>
+                        <p:cond delay="indefinite"/>
+                      </p:stCondLst>
+                      <p:childTnLst>
+                        <p:par>
+                          <p:cTn id="4" fill="hold">
+                            <p:stCondLst>
+                              <p:cond delay="0"/>
+                            </p:stCondLst>
+                            <p:childTnLst>
+                              <p:par>
+                                <p:cTn id="5" presetID="42" presetClass="entr" presetSubtype="0" fill="hold" nodeType="clickEffect">
+                                  <p:stCondLst>
+                                    <p:cond delay="0"/>
+                                  </p:stCondLst>
+                                  <p:childTnLst>
+                                    <p:set>
+                                      <p:cBhvr>
+                                        <p:cTn id="6" dur="1" fill="hold">
+                                          <p:stCondLst>
+                                            <p:cond delay="0"/>
+                                          </p:stCondLst>
+                                        </p:cTn>
+                                        <p:tgtEl>
+                                          <p:spTgt spid="3">
+                                            <p:txEl>
+                                              <p:pRg st="0" end="0"/>
+                                            </p:txEl>
+                                          </p:spTgt>
+                                        </p:tgtEl>
+                                        <p:attrNameLst>
+                                          <p:attrName>style.visibility</p:attrName>
+                                        </p:attrNameLst>
+                                      </p:cBhvr>
+                                      <p:to>
+                                        <p:strVal val="visible"/>
+                                      </p:to>
+                                    </p:set>
+                                    <p:animEffect transition="in" filter="fade">
+                                      <p:cBhvr>
+                                        <p:cTn id="7" dur="1000"/>
+                                        <p:tgtEl>
+                                          <p:spTgt spid="3">
+                                            <p:txEl>
+                                              <p:pRg st="0" end="0"/>
+                                            </p:txEl>
+                                          </p:spTgt>
+                                        </p:tgtEl>
+                                      </p:cBhvr>
+                                    </p:animEffect>
+                                    <p:anim calcmode="lin" valueType="num">
+                                      <p:cBhvr>
+                                        <p:cTn id="8" dur="1000" fill="hold"/>
+                                        <p:tgtEl>
+                                          <p:spTgt spid="3">
+                                            <p:txEl>
+                                              <p:pRg st="0" end="0"/>
+                                            </p:txEl>
+                                          </p:spTgt>
+                                        </p:tgtEl>
+                                        <p:attrNameLst>
+                                          <p:attrName>ppt_x</p:attrName>
+                                        </p:attrNameLst>
+                                      </p:cBhvr>
+                                      <p:tavLst>
+                                        <p:tav tm="0">
+                                          <p:val>
+                                            <p:strVal val="#ppt_x"/>
+                                          </p:val>
+                                        </p:tav>
+                                        <p:tav tm="100000">
+                                          <p:val>
+                                            <p:strVal val="#ppt_x"/>
+                                          </p:val>
+                                        </p:tav>
+                                      </p:tavLst>
+                                    </p:anim>
+                                    <p:anim calcmode="lin" valueType="num">
+                                      <p:cBhvr>
+                                        <p:cTn id="9" dur="1000" fill="hold"/>
+                                        <p:tgtEl>
+                                          <p:spTgt spid="3">
+                                            <p:txEl>
+                                              <p:pRg st="0" end="0"/>
+                                            </p:txEl>
+                                          </p:spTgt>
+                                        </p:tgtEl>
+                                        <p:attrNameLst>
+                                          <p:attrName>ppt_y</p:attrName>
+                                        </p:attrNameLst>
+                                      </p:cBhvr>
+                                      <p:tavLst>
+                                        <p:tav tm="0">
+                                          <p:val>
+                                            <p:strVal val="#ppt_y+.1"/>
+                                          </p:val>
+                                        </p:tav>
+                                        <p:tav tm="100000">
+                                          <p:val>
+                                            <p:strVal val="#ppt_y"/>
+                                          </p:val>
+                                        </p:tav>
+                                      </p:tavLst>
+                                    </p:anim>
+                                  </p:childTnLst>
+                                </p:cTn>
+                              </p:par>
+                              <p:par>
+                                <p:cTn id="10" presetID="42" presetClass="entr" presetSubtype="0" fill="hold" nodeType="withEffect">
+                                  <p:stCondLst>
+                                    <p:cond delay="0"/>
+                                  </p:stCondLst>
+                                  <p:childTnLst>
+                                    <p:set>
+                                      <p:cBhvr>
+                                        <p:cTn id="11" dur="1" fill="hold">
+                                          <p:stCondLst>
+                                            <p:cond delay="0"/>
+                                          </p:stCondLst>
+                                        </p:cTn>
+                                        <p:tgtEl>
+                                          <p:spTgt spid="3">
+                                            <p:txEl>
+                                              <p:pRg st="1" end="1"/>
+                                            </p:txEl>
+                                          </p:spTgt>
+                                        </p:tgtEl>
+                                        <p:attrNameLst>
+                                          <p:attrName>style.visibility</p:attrName>
+                                        </p:attrNameLst>
+                                      </p:cBhvr>
+                                      <p:to>
+                                        <p:strVal val="visible"/>
+                                      </p:to>
+                                    </p:set>
+                                    <p:animEffect transition="in" filter="fade">
+                                      <p:cBhvr>
+                                        <p:cTn id="12" dur="1000"/>
+                                        <p:tgtEl>
+                                          <p:spTgt spid="3">
+                                            <p:txEl>
+                                              <p:pRg st="1" end="1"/>
+                                            </p:txEl>
+                                          </p:spTgt>
+                                        </p:tgtEl>
+                                      </p:cBhvr>
+                                    </p:animEffect>
+                                    <p:anim calcmode="lin" valueType="num">
+                                      <p:cBhvr>
+                                        <p:cTn id="13" dur="1000" fill="hold"/>
+                                        <p:tgtEl>
+                                          <p:spTgt spid="3">
+                                            <p:txEl>
+                                              <p:pRg st="1" end="1"/>
+                                            </p:txEl>
+                                          </p:spTgt>
+                                        </p:tgtEl>
+                                        <p:attrNameLst>
+                                          <p:attrName>ppt_x</p:attrName>
+                                        </p:attrNameLst>
+                                      </p:cBhvr>
+                                      <p:tavLst>
+                                        <p:tav tm="0">
+                                          <p:val>
+                                            <p:strVal val="#ppt_x"/>
+                                          </p:val>
+                                        </p:tav>
+                                        <p:tav tm="100000">
+                                          <p:val>
+                                            <p:strVal val="#ppt_x"/>
+                                          </p:val>
+                                        </p:tav>
+                                      </p:tavLst>
+                                    </p:anim>
+                                    <p:anim calcmode="lin" valueType="num">
+                                      <p:cBhvr>
+                                        <p:cTn id="14" dur="1000" fill="hold"/>
+                                        <p:tgtEl>
+                                          <p:spTgt spid="3">
+                                            <p:txEl>
+                                              <p:pRg st="1" end="1"/>
+                                            </p:txEl>
+                                          </p:spTgt>
+                                        </p:tgtEl>
+                                        <p:attrNameLst>
+                                          <p:attrName>ppt_y</p:attrName>
+                                        </p:attrNameLst>
+                                      </p:cBhvr>
+                                      <p:tavLst>
+                                        <p:tav tm="0">
+                                          <p:val>
+                                            <p:strVal val="#ppt_y+.1"/>
+                                          </p:val>
+                                        </p:tav>
+                                        <p:tav tm="100000">
+                                          <p:val>
+                                            <p:strVal val="#ppt_y"/>
+                                          </p:val>
+                                        </p:tav>
+                                      </p:tavLst>
+                                    </p:anim>
+                                  </p:childTnLst>
+                                </p:cTn>
+                              </p:par>
+                              <p:par>
+                                <p:cTn id="15" presetID="42" presetClass="entr" presetSubtype="0" fill="hold" nodeType="withEffect">
+                                  <p:stCondLst>
+                                    <p:cond delay="0"/>
+                                  </p:stCondLst>
+                                  <p:childTnLst>
+                                    <p:set>
+                                      <p:cBhvr>
+                                        <p:cTn id="16" dur="1" fill="hold">
+                                          <p:stCondLst>
+                                            <p:cond delay="0"/>
+                                          </p:stCondLst>
+                                        </p:cTn>
+                                        <p:tgtEl>
+                                          <p:spTgt spid="3">
+                                            <p:txEl>
+                                              <p:pRg st="2" end="2"/>
+                                            </p:txEl>
+                                          </p:spTgt>
+                                        </p:tgtEl>
+                                        <p:attrNameLst>
+                                          <p:attrName>style.visibility</p:attrName>
+                                        </p:attrNameLst>
+                                      </p:cBhvr>
+                                      <p:to>
+                                        <p:strVal val="visible"/>
+                                      </p:to>
+                                    </p:set>
+                                    <p:animEffect transition="in" filter="fade">
+                                      <p:cBhvr>
+                                        <p:cTn id="17" dur="1000"/>
+                                        <p:tgtEl>
+                                          <p:spTgt spid="3">
+                                            <p:txEl>
+                                              <p:pRg st="2" end="2"/>
+                                            </p:txEl>
+                                          </p:spTgt>
+                                        </p:tgtEl>
+                                      </p:cBhvr>
+                                    </p:animEffect>
+                                    <p:anim calcmode="lin" valueType="num">
+                                      <p:cBhvr>
+                                        <p:cTn id="18" dur="1000" fill="hold"/>
+                                        <p:tgtEl>
+                                          <p:spTgt spid="3">
+                                            <p:txEl>
+                                              <p:pRg st="2" end="2"/>
+                                            </p:txEl>
+                                          </p:spTgt>
+                                        </p:tgtEl>
+                                        <p:attrNameLst>
+                                          <p:attrName>ppt_x</p:attrName>
+                                        </p:attrNameLst>
+                                      </p:cBhvr>
+                                      <p:tavLst>
+                                        <p:tav tm="0">
+                                          <p:val>
+                                            <p:strVal val="#ppt_x"/>
+                                          </p:val>
+                                        </p:tav>
+                                        <p:tav tm="100000">
+                                          <p:val>
+                                            <p:strVal val="#ppt_x"/>
+                                          </p:val>
+                                        </p:tav>
+                                      </p:tavLst>
+                                    </p:anim>
+                                    <p:anim calcmode="lin" valueType="num">
+                                      <p:cBhvr>
+                                        <p:cTn id="19" dur="1000" fill="hold"/>
+                                        <p:tgtEl>
+                                          <p:spTgt spid="3">
+                                            <p:txEl>
+                                              <p:pRg st="2" end="2"/>
+                                            </p:txEl>
+                                          </p:spTgt>
+                                        </p:tgtEl>
+                                        <p:attrNameLst>
+                                          <p:attrName>ppt_y</p:attrName>
+                                        </p:attrNameLst>
+                                      </p:cBhvr>
+                                      <p:tavLst>
+                                        <p:tav tm="0">
+                                          <p:val>
+                                            <p:strVal val="#ppt_y+.1"/>
+                                          </p:val>
+                                        </p:tav>
+                                        <p:tav tm="100000">
+                                          <p:val>
+                                            <p:strVal val="#ppt_y"/>
+                                          </p:val>
+                                        </p:tav>
+                                      </p:tavLst>
+                                    </p:anim>
+                                  </p:childTnLst>
+                                </p:cTn>
+                              </p:par>
+                            </p:childTnLst>
+                          </p:cTn>
+                        </p:par>
+                      </p:childTnLst>
+                    </p:cTn>
+                  </p:par>
+                  <p:par>
+                    <p:cTn id="20" fill="hold">
+                      <p:stCondLst>
+                        <p:cond delay="indefinite"/>
+                      </p:stCondLst>
+                      <p:childTnLst>
+                        <p:par>
+                          <p:cTn id="21" fill="hold">
+                            <p:stCondLst>
+                              <p:cond delay="0"/>
+                            </p:stCondLst>
+                            <p:childTnLst>
+                              <p:par>
+                                <p:cTn id="22" presetID="42" presetClass="entr" presetSubtype="0" fill="hold" nodeType="clickEffect">
+                                  <p:stCondLst>
+                                    <p:cond delay="0"/>
+                                  </p:stCondLst>
+                                  <p:childTnLst>
+                                    <p:set>
+                                      <p:cBhvr>
+                                        <p:cTn id="23" dur="1" fill="hold">
+                                          <p:stCondLst>
+                                            <p:cond delay="0"/>
+                                          </p:stCondLst>
+                                        </p:cTn>
+                                        <p:tgtEl>
+                                          <p:spTgt spid="3">
+                                            <p:txEl>
+                                              <p:pRg st="3" end="3"/>
+                                            </p:txEl>
+                                          </p:spTgt>
+                                        </p:tgtEl>
+                                        <p:attrNameLst>
+                                          <p:attrName>style.visibility</p:attrName>
+                                        </p:attrNameLst>
+                                      </p:cBhvr>
+                                      <p:to>
+                                        <p:strVal val="visible"/>
+                                      </p:to>
+                                    </p:set>
+                                    <p:animEffect transition="in" filter="fade">
+                                      <p:cBhvr>
+                                        <p:cTn id="24" dur="1000"/>
+                                        <p:tgtEl>
+                                          <p:spTgt spid="3">
+                                            <p:txEl>
+                                              <p:pRg st="3" end="3"/>
+                                            </p:txEl>
+                                          </p:spTgt>
+                                        </p:tgtEl>
+                                      </p:cBhvr>
+                                    </p:animEffect>
+                                    <p:anim calcmode="lin" valueType="num">
+                                      <p:cBhvr>
+                                        <p:cTn id="25" dur="1000" fill="hold"/>
+                                        <p:tgtEl>
+                                          <p:spTgt spid="3">
+                                            <p:txEl>
+                                              <p:pRg st="3" end="3"/>
+                                            </p:txEl>
+                                          </p:spTgt>
+                                        </p:tgtEl>
+                                        <p:attrNameLst>
+                                          <p:attrName>ppt_x</p:attrName>
+                                        </p:attrNameLst>
+                                      </p:cBhvr>
+                                      <p:tavLst>
+                                        <p:tav tm="0">
+                                          <p:val>
+                                            <p:strVal val="#ppt_x"/>
+                                          </p:val>
+                                        </p:tav>
+                                        <p:tav tm="100000">
+                                          <p:val>
+                                            <p:strVal val="#ppt_x"/>
+                                          </p:val>
+                                        </p:tav>
+                                      </p:tavLst>
+                                    </p:anim>
+                                    <p:anim calcmode="lin" valueType="num">
+                                      <p:cBhvr>
+                                        <p:cTn id="26" dur="1000" fill="hold"/>
+                                        <p:tgtEl>
+                                          <p:spTgt spid="3">
+                                            <p:txEl>
+                                              <p:pRg st="3" end="3"/>
+                                            </p:txEl>
+                                          </p:spTgt>
+                                        </p:tgtEl>
+                                        <p:attrNameLst>
+                                          <p:attrName>ppt_y</p:attrName>
+                                        </p:attrNameLst>
+                                      </p:cBhvr>
+                                      <p:tavLst>
+                                        <p:tav tm="0">
+                                          <p:val>
+                                            <p:strVal val="#ppt_y+.1"/>
+                                          </p:val>
+                                        </p:tav>
+                                        <p:tav tm="100000">
+                                          <p:val>
+                                            <p:strVal val="#ppt_y"/>
+                                          </p:val>
+                                        </p:tav>
+                                      </p:tavLst>
+                                    </p:anim>
+                                  </p:childTnLst>
+                                </p:cTn>
+                              </p:par>
+                              <p:par>
+                                <p:cTn id="27" presetID="42" presetClass="entr" presetSubtype="0" fill="hold" nodeType="withEffect">
+                                  <p:stCondLst>
+                                    <p:cond delay="0"/>
+                                  </p:stCondLst>
+                                  <p:childTnLst>
+                                    <p:set>
+                                      <p:cBhvr>
+                                        <p:cTn id="28" dur="1" fill="hold">
+                                          <p:stCondLst>
+                                            <p:cond delay="0"/>
+                                          </p:stCondLst>
+                                        </p:cTn>
+                                        <p:tgtEl>
+                                          <p:spTgt spid="3">
+                                            <p:txEl>
+                                              <p:pRg st="4" end="4"/>
+                                            </p:txEl>
+                                          </p:spTgt>
+                                        </p:tgtEl>
+                                        <p:attrNameLst>
+                                          <p:attrName>style.visibility</p:attrName>
+                                        </p:attrNameLst>
+                                      </p:cBhvr>
+                                      <p:to>
+                                        <p:strVal val="visible"/>
+                                      </p:to>
+                                    </p:set>
+                                    <p:animEffect transition="in" filter="fade">
+                                      <p:cBhvr>
+                                        <p:cTn id="29" dur="1000"/>
+                                        <p:tgtEl>
+                                          <p:spTgt spid="3">
+                                            <p:txEl>
+                                              <p:pRg st="4" end="4"/>
+                                            </p:txEl>
+                                          </p:spTgt>
+                                        </p:tgtEl>
+                                      </p:cBhvr>
+                                    </p:animEffect>
+                                    <p:anim calcmode="lin" valueType="num">
+                                      <p:cBhvr>
+                                        <p:cTn id="30" dur="1000" fill="hold"/>
+                                        <p:tgtEl>
+                                          <p:spTgt spid="3">
+                                            <p:txEl>
+                                              <p:pRg st="4" end="4"/>
+                                            </p:txEl>
+                                          </p:spTgt>
+                                        </p:tgtEl>
+                                        <p:attrNameLst>
+                                          <p:attrName>ppt_x</p:attrName>
+                                        </p:attrNameLst>
+                                      </p:cBhvr>
+                                      <p:tavLst>
+                                        <p:tav tm="0">
+                                          <p:val>
+                                            <p:strVal val="#ppt_x"/>
+                                          </p:val>
+                                        </p:tav>
+                                        <p:tav tm="100000">
+                                          <p:val>
+                                            <p:strVal val="#ppt_x"/>
+                                          </p:val>
+                                        </p:tav>
+                                      </p:tavLst>
+                                    </p:anim>
+                                    <p:anim calcmode="lin" valueType="num">
+                                      <p:cBhvr>
+                                        <p:cTn id="31" dur="1000" fill="hold"/>
+                                        <p:tgtEl>
+                                          <p:spTgt spid="3">
+                                            <p:txEl>
+                                              <p:pRg st="4" end="4"/>
+                                            </p:txEl>
+                                          </p:spTgt>
+                                        </p:tgtEl>
+                                        <p:attrNameLst>
+                                          <p:attrName>ppt_y</p:attrName>
+                                        </p:attrNameLst>
+                                      </p:cBhvr>
+                                      <p:tavLst>
+                                        <p:tav tm="0">
+                                          <p:val>
+                                            <p:strVal val="#ppt_y+.1"/>
+                                          </p:val>
+                                        </p:tav>
+                                        <p:tav tm="100000">
+                                          <p:val>
+                                            <p:strVal val="#ppt_y"/>
+                                          </p:val>
+                                        </p:tav>
+                                      </p:tavLst>
+                                    </p:anim>
+                                  </p:childTnLst>
+                                </p:cTn>
+                              </p:par>
+                              <p:par>
+                                <p:cTn id="32" presetID="42" presetClass="entr" presetSubtype="0" fill="hold" nodeType="withEffect">
+                                  <p:stCondLst>
+                                    <p:cond delay="0"/>
+                                  </p:stCondLst>
+                                  <p:childTnLst>
+                                    <p:set>
+                                      <p:cBhvr>
+                                        <p:cTn id="33" dur="1" fill="hold">
+                                          <p:stCondLst>
+                                            <p:cond delay="0"/>
+                                          </p:stCondLst>
+                                        </p:cTn>
+                                        <p:tgtEl>
+                                          <p:spTgt spid="3">
+                                            <p:txEl>
+                                              <p:pRg st="5" end="5"/>
+                                            </p:txEl>
+                                          </p:spTgt>
+                                        </p:tgtEl>
+                                        <p:attrNameLst>
+                                          <p:attrName>style.visibility</p:attrName>
+                                        </p:attrNameLst>
+                                      </p:cBhvr>
+                                      <p:to>
+                                        <p:strVal val="visible"/>
+                                      </p:to>
+                                    </p:set>
+                                    <p:animEffect transition="in" filter="fade">
+                                      <p:cBhvr>
+                                        <p:cTn id="34" dur="1000"/>
+                                        <p:tgtEl>
+                                          <p:spTgt spid="3">
+                                            <p:txEl>
+                                              <p:pRg st="5" end="5"/>
+                                            </p:txEl>
+                                          </p:spTgt>
+                                        </p:tgtEl>
+                                      </p:cBhvr>
+                                    </p:animEffect>
+                                    <p:anim calcmode="lin" valueType="num">
+                                      <p:cBhvr>
+                                        <p:cTn id="35" dur="1000" fill="hold"/>
+                                        <p:tgtEl>
+                                          <p:spTgt spid="3">
+                                            <p:txEl>
+                                              <p:pRg st="5" end="5"/>
+                                            </p:txEl>
+                                          </p:spTgt>
+                                        </p:tgtEl>
+                                        <p:attrNameLst>
+                                          <p:attrName>ppt_x</p:attrName>
+                                        </p:attrNameLst>
+                                      </p:cBhvr>
+                                      <p:tavLst>
+                                        <p:tav tm="0">
+                                          <p:val>
+                                            <p:strVal val="#ppt_x"/>
+                                          </p:val>
+                                        </p:tav>
+                                        <p:tav tm="100000">
+                                          <p:val>
+                                            <p:strVal val="#ppt_x"/>
+                                          </p:val>
+                                        </p:tav>
+                                      </p:tavLst>
+                                    </p:anim>
+                                    <p:anim calcmode="lin" valueType="num">
+                                      <p:cBhvr>
+                                        <p:cTn id="36" dur="1000" fill="hold"/>
+                                        <p:tgtEl>
+                                          <p:spTgt spid="3">
+                                            <p:txEl>
+                                              <p:pRg st="5" end="5"/>
+                                            </p:txEl>
+                                          </p:spTgt>
+                                        </p:tgtEl>
+                                        <p:attrNameLst>
+                                          <p:attrName>ppt_y</p:attrName>
+                                        </p:attrNameLst>
+                                      </p:cBhvr>
+                                      <p:tavLst>
+                                        <p:tav tm="0">
+                                          <p:val>
+                                            <p:strVal val="#ppt_y+.1"/>
+                                          </p:val>
+                                        </p:tav>
+                                        <p:tav tm="100000">
+                                          <p:val>
+                                            <p:strVal val="#ppt_y"/>
+                                          </p:val>
+                                        </p:tav>
+                                      </p:tavLst>
+                                    </p:anim>
+                                  </p:childTnLst>
+                                </p:cTn>
+                              </p:par>
+                            </p:childTnLst>
+                          </p:cTn>
+                        </p:par>
+                      </p:childTnLst>
+                    </p:cTn>
+                  </p:par>
+                </p:childTnLst>
+              </p:cTn>
+              <p:prevCondLst>
+                <p:cond evt="onPrev" delay="0">
+                  <p:tgtEl>
+                    <p:sldTgt/>
+                  </p:tgtEl>
+                </p:cond>
+              </p:prevCondLst>
+              <p:nextCondLst>
+                <p:cond evt="onNext" delay="0">
+                  <p:tgtEl>
+                    <p:sldTgt/>
+                  </p:tgtEl>
+                </p:cond>
+              </p:nextCondLst>
+            </p:seq>
+          </p:childTnLst>
+        </p:cTn>
+      </p:par>
+    </p:tnLst>
+  </p:timing>
+</p:sld>
+</file>
+
+<file path=ppt/slides/slide19.xml><?xml version="1.0" encoding="utf-8"?>
+<p:sld xmlns:a="http://schemas.openxmlformats.org/drawingml/2006/main" xmlns:r="http://schemas.openxmlformats.org/officeDocument/2006/relationships" xmlns:p="http://schemas.openxmlformats.org/presentationml/2006/main">
+  <p:cSld>
+    <p:spTree>
+      <p:nvGrpSpPr>
+        <p:cNvPr id="1" name=""/>
+        <p:cNvGrpSpPr/>
+        <p:nvPr/>
+      </p:nvGrpSpPr>
+      <p:grpSpPr>
+        <a:xfrm>
+          <a:off x="0" y="0"/>
+          <a:ext cx="0" cy="0"/>
+          <a:chOff x="0" y="0"/>
+          <a:chExt cx="0" cy="0"/>
+        </a:xfrm>
+      </p:grpSpPr>
+      <p:sp>
+        <p:nvSpPr>
+          <p:cNvPr id="2" name="Title 1"/>
+          <p:cNvSpPr>
+            <a:spLocks noGrp="1"/>
+          </p:cNvSpPr>
+          <p:nvPr>
+            <p:ph type="title"/>
+          </p:nvPr>
+        </p:nvSpPr>
+        <p:spPr/>
+        <p:txBody>
+          <a:bodyPr/>
+          <a:lstStyle/>
+          <a:p>
+            <a:r>
+              <a:rPr lang="en-US" dirty="0" smtClean="0"/>
+              <a:t>Software Development Jobs..</a:t>
+            </a:r>
+            <a:endParaRPr lang="en-US" dirty="0"/>
+          </a:p>
+        </p:txBody>
+      </p:sp>
+      <p:sp>
+        <p:nvSpPr>
+          <p:cNvPr id="3" name="Content Placeholder 2"/>
+          <p:cNvSpPr>
+            <a:spLocks noGrp="1"/>
+          </p:cNvSpPr>
+          <p:nvPr>
+            <p:ph idx="1"/>
+          </p:nvPr>
+        </p:nvSpPr>
+        <p:spPr/>
+        <p:txBody>
+          <a:bodyPr/>
+          <a:lstStyle/>
+          <a:p>
+            <a:r>
+              <a:rPr lang="en-US" dirty="0" smtClean="0"/>
+              <a:t>Mobile Development</a:t>
+            </a:r>
+          </a:p>
+          <a:p>
+            <a:pPr lvl="1"/>
+            <a:r>
+              <a:rPr lang="en-US" dirty="0" smtClean="0"/>
+              <a:t>Android Apps</a:t>
+            </a:r>
+          </a:p>
+          <a:p>
+            <a:pPr lvl="1"/>
+            <a:r>
+              <a:rPr lang="en-US" dirty="0" err="1" smtClean="0"/>
+              <a:t>Iphone</a:t>
+            </a:r>
+            <a:r>
+              <a:rPr lang="en-US" dirty="0" smtClean="0"/>
+              <a:t> Apps</a:t>
+            </a:r>
+          </a:p>
+          <a:p>
+            <a:r>
+              <a:rPr lang="en-US" dirty="0" smtClean="0"/>
+              <a:t>Database Developer or Administrator</a:t>
+            </a:r>
+          </a:p>
+          <a:p>
+            <a:pPr lvl="1"/>
+            <a:r>
+              <a:rPr lang="en-US" dirty="0" err="1" smtClean="0"/>
+              <a:t>Sql</a:t>
+            </a:r>
+            <a:r>
+              <a:rPr lang="en-US" dirty="0" smtClean="0"/>
+              <a:t> Server</a:t>
+            </a:r>
+          </a:p>
+          <a:p>
+            <a:pPr lvl="1"/>
+            <a:r>
+              <a:rPr lang="en-US" dirty="0" err="1" smtClean="0"/>
+              <a:t>MongoDB</a:t>
+            </a:r>
+            <a:endParaRPr lang="en-US" dirty="0" smtClean="0"/>
+          </a:p>
+          <a:p>
+            <a:pPr lvl="1"/>
+            <a:r>
+              <a:rPr lang="en-US" dirty="0" smtClean="0"/>
+              <a:t>Big Data- </a:t>
+            </a:r>
+            <a:r>
+              <a:rPr lang="en-US" dirty="0" err="1" smtClean="0"/>
+              <a:t>Hadoop</a:t>
+            </a:r>
+            <a:endParaRPr lang="en-US" dirty="0"/>
+          </a:p>
+        </p:txBody>
+      </p:sp>
+    </p:spTree>
+  </p:cSld>
+  <p:clrMapOvr>
+    <a:masterClrMapping/>
+  </p:clrMapOvr>
+  <p:timing>
+    <p:tnLst>
+      <p:par>
+        <p:cTn id="1" dur="indefinite" restart="never" nodeType="tmRoot">
+          <p:childTnLst>
+            <p:seq concurrent="1" nextAc="seek">
+              <p:cTn id="2" dur="indefinite" nodeType="mainSeq">
+                <p:childTnLst>
+                  <p:par>
+                    <p:cTn id="3" fill="hold">
+                      <p:stCondLst>
+                        <p:cond delay="indefinite"/>
+                      </p:stCondLst>
+                      <p:childTnLst>
+                        <p:par>
+                          <p:cTn id="4" fill="hold">
+                            <p:stCondLst>
+                              <p:cond delay="0"/>
+                            </p:stCondLst>
+                            <p:childTnLst>
+                              <p:par>
+                                <p:cTn id="5" presetID="42" presetClass="entr" presetSubtype="0" fill="hold" nodeType="clickEffect">
+                                  <p:stCondLst>
+                                    <p:cond delay="0"/>
+                                  </p:stCondLst>
+                                  <p:childTnLst>
+                                    <p:set>
+                                      <p:cBhvr>
+                                        <p:cTn id="6" dur="1" fill="hold">
+                                          <p:stCondLst>
+                                            <p:cond delay="0"/>
+                                          </p:stCondLst>
+                                        </p:cTn>
+                                        <p:tgtEl>
+                                          <p:spTgt spid="3">
+                                            <p:txEl>
+                                              <p:pRg st="0" end="0"/>
+                                            </p:txEl>
+                                          </p:spTgt>
+                                        </p:tgtEl>
+                                        <p:attrNameLst>
+                                          <p:attrName>style.visibility</p:attrName>
+                                        </p:attrNameLst>
+                                      </p:cBhvr>
+                                      <p:to>
+                                        <p:strVal val="visible"/>
+                                      </p:to>
+                                    </p:set>
+                                    <p:animEffect transition="in" filter="fade">
+                                      <p:cBhvr>
+                                        <p:cTn id="7" dur="1000"/>
+                                        <p:tgtEl>
+                                          <p:spTgt spid="3">
+                                            <p:txEl>
+                                              <p:pRg st="0" end="0"/>
+                                            </p:txEl>
+                                          </p:spTgt>
+                                        </p:tgtEl>
+                                      </p:cBhvr>
+                                    </p:animEffect>
+                                    <p:anim calcmode="lin" valueType="num">
+                                      <p:cBhvr>
+                                        <p:cTn id="8" dur="1000" fill="hold"/>
+                                        <p:tgtEl>
+                                          <p:spTgt spid="3">
+                                            <p:txEl>
+                                              <p:pRg st="0" end="0"/>
+                                            </p:txEl>
+                                          </p:spTgt>
+                                        </p:tgtEl>
+                                        <p:attrNameLst>
+                                          <p:attrName>ppt_x</p:attrName>
+                                        </p:attrNameLst>
+                                      </p:cBhvr>
+                                      <p:tavLst>
+                                        <p:tav tm="0">
+                                          <p:val>
+                                            <p:strVal val="#ppt_x"/>
+                                          </p:val>
+                                        </p:tav>
+                                        <p:tav tm="100000">
+                                          <p:val>
+                                            <p:strVal val="#ppt_x"/>
+                                          </p:val>
+                                        </p:tav>
+                                      </p:tavLst>
+                                    </p:anim>
+                                    <p:anim calcmode="lin" valueType="num">
+                                      <p:cBhvr>
+                                        <p:cTn id="9" dur="1000" fill="hold"/>
+                                        <p:tgtEl>
+                                          <p:spTgt spid="3">
+                                            <p:txEl>
+                                              <p:pRg st="0" end="0"/>
+                                            </p:txEl>
+                                          </p:spTgt>
+                                        </p:tgtEl>
+                                        <p:attrNameLst>
+                                          <p:attrName>ppt_y</p:attrName>
+                                        </p:attrNameLst>
+                                      </p:cBhvr>
+                                      <p:tavLst>
+                                        <p:tav tm="0">
+                                          <p:val>
+                                            <p:strVal val="#ppt_y+.1"/>
+                                          </p:val>
+                                        </p:tav>
+                                        <p:tav tm="100000">
+                                          <p:val>
+                                            <p:strVal val="#ppt_y"/>
+                                          </p:val>
+                                        </p:tav>
+                                      </p:tavLst>
+                                    </p:anim>
+                                  </p:childTnLst>
+                                </p:cTn>
+                              </p:par>
+                              <p:par>
+                                <p:cTn id="10" presetID="42" presetClass="entr" presetSubtype="0" fill="hold" nodeType="withEffect">
+                                  <p:stCondLst>
+                                    <p:cond delay="0"/>
+                                  </p:stCondLst>
+                                  <p:childTnLst>
+                                    <p:set>
+                                      <p:cBhvr>
+                                        <p:cTn id="11" dur="1" fill="hold">
+                                          <p:stCondLst>
+                                            <p:cond delay="0"/>
+                                          </p:stCondLst>
+                                        </p:cTn>
+                                        <p:tgtEl>
+                                          <p:spTgt spid="3">
+                                            <p:txEl>
+                                              <p:pRg st="1" end="1"/>
+                                            </p:txEl>
+                                          </p:spTgt>
+                                        </p:tgtEl>
+                                        <p:attrNameLst>
+                                          <p:attrName>style.visibility</p:attrName>
+                                        </p:attrNameLst>
+                                      </p:cBhvr>
+                                      <p:to>
+                                        <p:strVal val="visible"/>
+                                      </p:to>
+                                    </p:set>
+                                    <p:animEffect transition="in" filter="fade">
+                                      <p:cBhvr>
+                                        <p:cTn id="12" dur="1000"/>
+                                        <p:tgtEl>
+                                          <p:spTgt spid="3">
+                                            <p:txEl>
+                                              <p:pRg st="1" end="1"/>
+                                            </p:txEl>
+                                          </p:spTgt>
+                                        </p:tgtEl>
+                                      </p:cBhvr>
+                                    </p:animEffect>
+                                    <p:anim calcmode="lin" valueType="num">
+                                      <p:cBhvr>
+                                        <p:cTn id="13" dur="1000" fill="hold"/>
+                                        <p:tgtEl>
+                                          <p:spTgt spid="3">
+                                            <p:txEl>
+                                              <p:pRg st="1" end="1"/>
+                                            </p:txEl>
+                                          </p:spTgt>
+                                        </p:tgtEl>
+                                        <p:attrNameLst>
+                                          <p:attrName>ppt_x</p:attrName>
+                                        </p:attrNameLst>
+                                      </p:cBhvr>
+                                      <p:tavLst>
+                                        <p:tav tm="0">
+                                          <p:val>
+                                            <p:strVal val="#ppt_x"/>
+                                          </p:val>
+                                        </p:tav>
+                                        <p:tav tm="100000">
+                                          <p:val>
+                                            <p:strVal val="#ppt_x"/>
+                                          </p:val>
+                                        </p:tav>
+                                      </p:tavLst>
+                                    </p:anim>
+                                    <p:anim calcmode="lin" valueType="num">
+                                      <p:cBhvr>
+                                        <p:cTn id="14" dur="1000" fill="hold"/>
+                                        <p:tgtEl>
+                                          <p:spTgt spid="3">
+                                            <p:txEl>
+                                              <p:pRg st="1" end="1"/>
+                                            </p:txEl>
+                                          </p:spTgt>
+                                        </p:tgtEl>
+                                        <p:attrNameLst>
+                                          <p:attrName>ppt_y</p:attrName>
+                                        </p:attrNameLst>
+                                      </p:cBhvr>
+                                      <p:tavLst>
+                                        <p:tav tm="0">
+                                          <p:val>
+                                            <p:strVal val="#ppt_y+.1"/>
+                                          </p:val>
+                                        </p:tav>
+                                        <p:tav tm="100000">
+                                          <p:val>
+                                            <p:strVal val="#ppt_y"/>
+                                          </p:val>
+                                        </p:tav>
+                                      </p:tavLst>
+                                    </p:anim>
+                                  </p:childTnLst>
+                                </p:cTn>
+                              </p:par>
+                              <p:par>
+                                <p:cTn id="15" presetID="42" presetClass="entr" presetSubtype="0" fill="hold" nodeType="withEffect">
+                                  <p:stCondLst>
+                                    <p:cond delay="0"/>
+                                  </p:stCondLst>
+                                  <p:childTnLst>
+                                    <p:set>
+                                      <p:cBhvr>
+                                        <p:cTn id="16" dur="1" fill="hold">
+                                          <p:stCondLst>
+                                            <p:cond delay="0"/>
+                                          </p:stCondLst>
+                                        </p:cTn>
+                                        <p:tgtEl>
+                                          <p:spTgt spid="3">
+                                            <p:txEl>
+                                              <p:pRg st="2" end="2"/>
+                                            </p:txEl>
+                                          </p:spTgt>
+                                        </p:tgtEl>
+                                        <p:attrNameLst>
+                                          <p:attrName>style.visibility</p:attrName>
+                                        </p:attrNameLst>
+                                      </p:cBhvr>
+                                      <p:to>
+                                        <p:strVal val="visible"/>
+                                      </p:to>
+                                    </p:set>
+                                    <p:animEffect transition="in" filter="fade">
+                                      <p:cBhvr>
+                                        <p:cTn id="17" dur="1000"/>
+                                        <p:tgtEl>
+                                          <p:spTgt spid="3">
+                                            <p:txEl>
+                                              <p:pRg st="2" end="2"/>
+                                            </p:txEl>
+                                          </p:spTgt>
+                                        </p:tgtEl>
+                                      </p:cBhvr>
+                                    </p:animEffect>
+                                    <p:anim calcmode="lin" valueType="num">
+                                      <p:cBhvr>
+                                        <p:cTn id="18" dur="1000" fill="hold"/>
+                                        <p:tgtEl>
+                                          <p:spTgt spid="3">
+                                            <p:txEl>
+                                              <p:pRg st="2" end="2"/>
+                                            </p:txEl>
+                                          </p:spTgt>
+                                        </p:tgtEl>
+                                        <p:attrNameLst>
+                                          <p:attrName>ppt_x</p:attrName>
+                                        </p:attrNameLst>
+                                      </p:cBhvr>
+                                      <p:tavLst>
+                                        <p:tav tm="0">
+                                          <p:val>
+                                            <p:strVal val="#ppt_x"/>
+                                          </p:val>
+                                        </p:tav>
+                                        <p:tav tm="100000">
+                                          <p:val>
+                                            <p:strVal val="#ppt_x"/>
+                                          </p:val>
+                                        </p:tav>
+                                      </p:tavLst>
+                                    </p:anim>
+                                    <p:anim calcmode="lin" valueType="num">
+                                      <p:cBhvr>
+                                        <p:cTn id="19" dur="1000" fill="hold"/>
+                                        <p:tgtEl>
+                                          <p:spTgt spid="3">
+                                            <p:txEl>
+                                              <p:pRg st="2" end="2"/>
+                                            </p:txEl>
+                                          </p:spTgt>
+                                        </p:tgtEl>
+                                        <p:attrNameLst>
+                                          <p:attrName>ppt_y</p:attrName>
+                                        </p:attrNameLst>
+                                      </p:cBhvr>
+                                      <p:tavLst>
+                                        <p:tav tm="0">
+                                          <p:val>
+                                            <p:strVal val="#ppt_y+.1"/>
+                                          </p:val>
+                                        </p:tav>
+                                        <p:tav tm="100000">
+                                          <p:val>
+                                            <p:strVal val="#ppt_y"/>
+                                          </p:val>
+                                        </p:tav>
+                                      </p:tavLst>
+                                    </p:anim>
+                                  </p:childTnLst>
+                                </p:cTn>
+                              </p:par>
+                            </p:childTnLst>
+                          </p:cTn>
+                        </p:par>
+                      </p:childTnLst>
+                    </p:cTn>
+                  </p:par>
+                  <p:par>
+                    <p:cTn id="20" fill="hold">
+                      <p:stCondLst>
+                        <p:cond delay="indefinite"/>
+                      </p:stCondLst>
+                      <p:childTnLst>
+                        <p:par>
+                          <p:cTn id="21" fill="hold">
+                            <p:stCondLst>
+                              <p:cond delay="0"/>
+                            </p:stCondLst>
+                            <p:childTnLst>
+                              <p:par>
+                                <p:cTn id="22" presetID="42" presetClass="entr" presetSubtype="0" fill="hold" nodeType="clickEffect">
+                                  <p:stCondLst>
+                                    <p:cond delay="0"/>
+                                  </p:stCondLst>
+                                  <p:childTnLst>
+                                    <p:set>
+                                      <p:cBhvr>
+                                        <p:cTn id="23" dur="1" fill="hold">
+                                          <p:stCondLst>
+                                            <p:cond delay="0"/>
+                                          </p:stCondLst>
+                                        </p:cTn>
+                                        <p:tgtEl>
+                                          <p:spTgt spid="3">
+                                            <p:txEl>
+                                              <p:pRg st="3" end="3"/>
+                                            </p:txEl>
+                                          </p:spTgt>
+                                        </p:tgtEl>
+                                        <p:attrNameLst>
+                                          <p:attrName>style.visibility</p:attrName>
+                                        </p:attrNameLst>
+                                      </p:cBhvr>
+                                      <p:to>
+                                        <p:strVal val="visible"/>
+                                      </p:to>
+                                    </p:set>
+                                    <p:animEffect transition="in" filter="fade">
+                                      <p:cBhvr>
+                                        <p:cTn id="24" dur="1000"/>
+                                        <p:tgtEl>
+                                          <p:spTgt spid="3">
+                                            <p:txEl>
+                                              <p:pRg st="3" end="3"/>
+                                            </p:txEl>
+                                          </p:spTgt>
+                                        </p:tgtEl>
+                                      </p:cBhvr>
+                                    </p:animEffect>
+                                    <p:anim calcmode="lin" valueType="num">
+                                      <p:cBhvr>
+                                        <p:cTn id="25" dur="1000" fill="hold"/>
+                                        <p:tgtEl>
+                                          <p:spTgt spid="3">
+                                            <p:txEl>
+                                              <p:pRg st="3" end="3"/>
+                                            </p:txEl>
+                                          </p:spTgt>
+                                        </p:tgtEl>
+                                        <p:attrNameLst>
+                                          <p:attrName>ppt_x</p:attrName>
+                                        </p:attrNameLst>
+                                      </p:cBhvr>
+                                      <p:tavLst>
+                                        <p:tav tm="0">
+                                          <p:val>
+                                            <p:strVal val="#ppt_x"/>
+                                          </p:val>
+                                        </p:tav>
+                                        <p:tav tm="100000">
+                                          <p:val>
+                                            <p:strVal val="#ppt_x"/>
+                                          </p:val>
+                                        </p:tav>
+                                      </p:tavLst>
+                                    </p:anim>
+                                    <p:anim calcmode="lin" valueType="num">
+                                      <p:cBhvr>
+                                        <p:cTn id="26" dur="1000" fill="hold"/>
+                                        <p:tgtEl>
+                                          <p:spTgt spid="3">
+                                            <p:txEl>
+                                              <p:pRg st="3" end="3"/>
+                                            </p:txEl>
+                                          </p:spTgt>
+                                        </p:tgtEl>
+                                        <p:attrNameLst>
+                                          <p:attrName>ppt_y</p:attrName>
+                                        </p:attrNameLst>
+                                      </p:cBhvr>
+                                      <p:tavLst>
+                                        <p:tav tm="0">
+                                          <p:val>
+                                            <p:strVal val="#ppt_y+.1"/>
+                                          </p:val>
+                                        </p:tav>
+                                        <p:tav tm="100000">
+                                          <p:val>
+                                            <p:strVal val="#ppt_y"/>
+                                          </p:val>
+                                        </p:tav>
+                                      </p:tavLst>
+                                    </p:anim>
+                                  </p:childTnLst>
+                                </p:cTn>
+                              </p:par>
+                              <p:par>
+                                <p:cTn id="27" presetID="42" presetClass="entr" presetSubtype="0" fill="hold" nodeType="withEffect">
+                                  <p:stCondLst>
+                                    <p:cond delay="0"/>
+                                  </p:stCondLst>
+                                  <p:childTnLst>
+                                    <p:set>
+                                      <p:cBhvr>
+                                        <p:cTn id="28" dur="1" fill="hold">
+                                          <p:stCondLst>
+                                            <p:cond delay="0"/>
+                                          </p:stCondLst>
+                                        </p:cTn>
+                                        <p:tgtEl>
+                                          <p:spTgt spid="3">
+                                            <p:txEl>
+                                              <p:pRg st="4" end="4"/>
+                                            </p:txEl>
+                                          </p:spTgt>
+                                        </p:tgtEl>
+                                        <p:attrNameLst>
+                                          <p:attrName>style.visibility</p:attrName>
+                                        </p:attrNameLst>
+                                      </p:cBhvr>
+                                      <p:to>
+                                        <p:strVal val="visible"/>
+                                      </p:to>
+                                    </p:set>
+                                    <p:animEffect transition="in" filter="fade">
+                                      <p:cBhvr>
+                                        <p:cTn id="29" dur="1000"/>
+                                        <p:tgtEl>
+                                          <p:spTgt spid="3">
+                                            <p:txEl>
+                                              <p:pRg st="4" end="4"/>
+                                            </p:txEl>
+                                          </p:spTgt>
+                                        </p:tgtEl>
+                                      </p:cBhvr>
+                                    </p:animEffect>
+                                    <p:anim calcmode="lin" valueType="num">
+                                      <p:cBhvr>
+                                        <p:cTn id="30" dur="1000" fill="hold"/>
+                                        <p:tgtEl>
+                                          <p:spTgt spid="3">
+                                            <p:txEl>
+                                              <p:pRg st="4" end="4"/>
+                                            </p:txEl>
+                                          </p:spTgt>
+                                        </p:tgtEl>
+                                        <p:attrNameLst>
+                                          <p:attrName>ppt_x</p:attrName>
+                                        </p:attrNameLst>
+                                      </p:cBhvr>
+                                      <p:tavLst>
+                                        <p:tav tm="0">
+                                          <p:val>
+                                            <p:strVal val="#ppt_x"/>
+                                          </p:val>
+                                        </p:tav>
+                                        <p:tav tm="100000">
+                                          <p:val>
+                                            <p:strVal val="#ppt_x"/>
+                                          </p:val>
+                                        </p:tav>
+                                      </p:tavLst>
+                                    </p:anim>
+                                    <p:anim calcmode="lin" valueType="num">
+                                      <p:cBhvr>
+                                        <p:cTn id="31" dur="1000" fill="hold"/>
+                                        <p:tgtEl>
+                                          <p:spTgt spid="3">
+                                            <p:txEl>
+                                              <p:pRg st="4" end="4"/>
+                                            </p:txEl>
+                                          </p:spTgt>
+                                        </p:tgtEl>
+                                        <p:attrNameLst>
+                                          <p:attrName>ppt_y</p:attrName>
+                                        </p:attrNameLst>
+                                      </p:cBhvr>
+                                      <p:tavLst>
+                                        <p:tav tm="0">
+                                          <p:val>
+                                            <p:strVal val="#ppt_y+.1"/>
+                                          </p:val>
+                                        </p:tav>
+                                        <p:tav tm="100000">
+                                          <p:val>
+                                            <p:strVal val="#ppt_y"/>
+                                          </p:val>
+                                        </p:tav>
+                                      </p:tavLst>
+                                    </p:anim>
+                                  </p:childTnLst>
+                                </p:cTn>
+                              </p:par>
+                              <p:par>
+                                <p:cTn id="32" presetID="42" presetClass="entr" presetSubtype="0" fill="hold" nodeType="withEffect">
+                                  <p:stCondLst>
+                                    <p:cond delay="0"/>
+                                  </p:stCondLst>
+                                  <p:childTnLst>
+                                    <p:set>
+                                      <p:cBhvr>
+                                        <p:cTn id="33" dur="1" fill="hold">
+                                          <p:stCondLst>
+                                            <p:cond delay="0"/>
+                                          </p:stCondLst>
+                                        </p:cTn>
+                                        <p:tgtEl>
+                                          <p:spTgt spid="3">
+                                            <p:txEl>
+                                              <p:pRg st="5" end="5"/>
+                                            </p:txEl>
+                                          </p:spTgt>
+                                        </p:tgtEl>
+                                        <p:attrNameLst>
+                                          <p:attrName>style.visibility</p:attrName>
+                                        </p:attrNameLst>
+                                      </p:cBhvr>
+                                      <p:to>
+                                        <p:strVal val="visible"/>
+                                      </p:to>
+                                    </p:set>
+                                    <p:animEffect transition="in" filter="fade">
+                                      <p:cBhvr>
+                                        <p:cTn id="34" dur="1000"/>
+                                        <p:tgtEl>
+                                          <p:spTgt spid="3">
+                                            <p:txEl>
+                                              <p:pRg st="5" end="5"/>
+                                            </p:txEl>
+                                          </p:spTgt>
+                                        </p:tgtEl>
+                                      </p:cBhvr>
+                                    </p:animEffect>
+                                    <p:anim calcmode="lin" valueType="num">
+                                      <p:cBhvr>
+                                        <p:cTn id="35" dur="1000" fill="hold"/>
+                                        <p:tgtEl>
+                                          <p:spTgt spid="3">
+                                            <p:txEl>
+                                              <p:pRg st="5" end="5"/>
+                                            </p:txEl>
+                                          </p:spTgt>
+                                        </p:tgtEl>
+                                        <p:attrNameLst>
+                                          <p:attrName>ppt_x</p:attrName>
+                                        </p:attrNameLst>
+                                      </p:cBhvr>
+                                      <p:tavLst>
+                                        <p:tav tm="0">
+                                          <p:val>
+                                            <p:strVal val="#ppt_x"/>
+                                          </p:val>
+                                        </p:tav>
+                                        <p:tav tm="100000">
+                                          <p:val>
+                                            <p:strVal val="#ppt_x"/>
+                                          </p:val>
+                                        </p:tav>
+                                      </p:tavLst>
+                                    </p:anim>
+                                    <p:anim calcmode="lin" valueType="num">
+                                      <p:cBhvr>
+                                        <p:cTn id="36" dur="1000" fill="hold"/>
+                                        <p:tgtEl>
+                                          <p:spTgt spid="3">
+                                            <p:txEl>
+                                              <p:pRg st="5" end="5"/>
+                                            </p:txEl>
+                                          </p:spTgt>
+                                        </p:tgtEl>
+                                        <p:attrNameLst>
+                                          <p:attrName>ppt_y</p:attrName>
+                                        </p:attrNameLst>
+                                      </p:cBhvr>
+                                      <p:tavLst>
+                                        <p:tav tm="0">
+                                          <p:val>
+                                            <p:strVal val="#ppt_y+.1"/>
+                                          </p:val>
+                                        </p:tav>
+                                        <p:tav tm="100000">
+                                          <p:val>
+                                            <p:strVal val="#ppt_y"/>
+                                          </p:val>
+                                        </p:tav>
+                                      </p:tavLst>
+                                    </p:anim>
+                                  </p:childTnLst>
+                                </p:cTn>
+                              </p:par>
+                              <p:par>
+                                <p:cTn id="37" presetID="42" presetClass="entr" presetSubtype="0" fill="hold" nodeType="withEffect">
+                                  <p:stCondLst>
+                                    <p:cond delay="0"/>
+                                  </p:stCondLst>
+                                  <p:childTnLst>
+                                    <p:set>
+                                      <p:cBhvr>
+                                        <p:cTn id="38" dur="1" fill="hold">
+                                          <p:stCondLst>
+                                            <p:cond delay="0"/>
+                                          </p:stCondLst>
+                                        </p:cTn>
+                                        <p:tgtEl>
+                                          <p:spTgt spid="3">
+                                            <p:txEl>
+                                              <p:pRg st="6" end="6"/>
+                                            </p:txEl>
+                                          </p:spTgt>
+                                        </p:tgtEl>
+                                        <p:attrNameLst>
+                                          <p:attrName>style.visibility</p:attrName>
+                                        </p:attrNameLst>
+                                      </p:cBhvr>
+                                      <p:to>
+                                        <p:strVal val="visible"/>
+                                      </p:to>
+                                    </p:set>
+                                    <p:animEffect transition="in" filter="fade">
+                                      <p:cBhvr>
+                                        <p:cTn id="39" dur="1000"/>
+                                        <p:tgtEl>
+                                          <p:spTgt spid="3">
+                                            <p:txEl>
+                                              <p:pRg st="6" end="6"/>
+                                            </p:txEl>
+                                          </p:spTgt>
+                                        </p:tgtEl>
+                                      </p:cBhvr>
+                                    </p:animEffect>
+                                    <p:anim calcmode="lin" valueType="num">
+                                      <p:cBhvr>
+                                        <p:cTn id="40" dur="1000" fill="hold"/>
+                                        <p:tgtEl>
+                                          <p:spTgt spid="3">
+                                            <p:txEl>
+                                              <p:pRg st="6" end="6"/>
+                                            </p:txEl>
+                                          </p:spTgt>
+                                        </p:tgtEl>
+                                        <p:attrNameLst>
+                                          <p:attrName>ppt_x</p:attrName>
+                                        </p:attrNameLst>
+                                      </p:cBhvr>
+                                      <p:tavLst>
+                                        <p:tav tm="0">
+                                          <p:val>
+                                            <p:strVal val="#ppt_x"/>
+                                          </p:val>
+                                        </p:tav>
+                                        <p:tav tm="100000">
+                                          <p:val>
+                                            <p:strVal val="#ppt_x"/>
+                                          </p:val>
+                                        </p:tav>
+                                      </p:tavLst>
+                                    </p:anim>
+                                    <p:anim calcmode="lin" valueType="num">
+                                      <p:cBhvr>
+                                        <p:cTn id="41" dur="1000" fill="hold"/>
+                                        <p:tgtEl>
+                                          <p:spTgt spid="3">
+                                            <p:txEl>
+                                              <p:pRg st="6" end="6"/>
+                                            </p:txEl>
+                                          </p:spTgt>
+                                        </p:tgtEl>
+                                        <p:attrNameLst>
+                                          <p:attrName>ppt_y</p:attrName>
+                                        </p:attrNameLst>
+                                      </p:cBhvr>
+                                      <p:tavLst>
+                                        <p:tav tm="0">
+                                          <p:val>
+                                            <p:strVal val="#ppt_y+.1"/>
+                                          </p:val>
+                                        </p:tav>
+                                        <p:tav tm="100000">
+                                          <p:val>
+                                            <p:strVal val="#ppt_y"/>
+                                          </p:val>
+                                        </p:tav>
+                                      </p:tavLst>
+                                    </p:anim>
+                                  </p:childTnLst>
+                                </p:cTn>
+                              </p:par>
+                            </p:childTnLst>
+                          </p:cTn>
+                        </p:par>
+                      </p:childTnLst>
+                    </p:cTn>
+                  </p:par>
+                </p:childTnLst>
+              </p:cTn>
+              <p:prevCondLst>
+                <p:cond evt="onPrev" delay="0">
+                  <p:tgtEl>
+                    <p:sldTgt/>
+                  </p:tgtEl>
+                </p:cond>
+              </p:prevCondLst>
+              <p:nextCondLst>
+                <p:cond evt="onNext" delay="0">
+                  <p:tgtEl>
+                    <p:sldTgt/>
+                  </p:tgtEl>
+                </p:cond>
+              </p:nextCondLst>
+            </p:seq>
+          </p:childTnLst>
+        </p:cTn>
+      </p:par>
+    </p:tnLst>
+  </p:timing>
+</p:sld>
+</file>
+
+<file path=ppt/slides/slide2.xml><?xml version="1.0" encoding="utf-8"?>
+<p:sld xmlns:a="http://schemas.openxmlformats.org/drawingml/2006/main" xmlns:r="http://schemas.openxmlformats.org/officeDocument/2006/relationships" xmlns:p="http://schemas.openxmlformats.org/presentationml/2006/main">
+  <p:cSld>
+    <p:spTree>
+      <p:nvGrpSpPr>
+        <p:cNvPr id="1" name=""/>
+        <p:cNvGrpSpPr/>
+        <p:nvPr/>
+      </p:nvGrpSpPr>
+      <p:grpSpPr>
+        <a:xfrm>
+          <a:off x="0" y="0"/>
+          <a:ext cx="0" cy="0"/>
+          <a:chOff x="0" y="0"/>
+          <a:chExt cx="0" cy="0"/>
+        </a:xfrm>
+      </p:grpSpPr>
+      <p:sp>
+        <p:nvSpPr>
+          <p:cNvPr id="2" name="Title 1"/>
+          <p:cNvSpPr>
+            <a:spLocks noGrp="1"/>
+          </p:cNvSpPr>
+          <p:nvPr>
+            <p:ph type="title"/>
+          </p:nvPr>
+        </p:nvSpPr>
+        <p:spPr/>
+        <p:txBody>
+          <a:bodyPr/>
+          <a:lstStyle/>
+          <a:p>
+            <a:r>
+              <a:rPr lang="en-US" dirty="0" smtClean="0"/>
+              <a:t>Career Fields at S&amp;S</a:t>
+            </a:r>
+            <a:endParaRPr lang="en-US" dirty="0"/>
+          </a:p>
+        </p:txBody>
+      </p:sp>
+      <p:sp>
+        <p:nvSpPr>
+          <p:cNvPr id="3" name="Content Placeholder 2"/>
+          <p:cNvSpPr>
+            <a:spLocks noGrp="1"/>
+          </p:cNvSpPr>
+          <p:nvPr>
+            <p:ph idx="1"/>
+          </p:nvPr>
+        </p:nvSpPr>
+        <p:spPr/>
+        <p:txBody>
+          <a:bodyPr>
+            <a:normAutofit/>
+          </a:bodyPr>
+          <a:lstStyle/>
+          <a:p>
+            <a:endParaRPr lang="en-US" dirty="0" smtClean="0"/>
+          </a:p>
+          <a:p>
+            <a:pPr lvl="1"/>
+            <a:endParaRPr lang="en-US" dirty="0" smtClean="0"/>
+          </a:p>
+          <a:p>
+            <a:endParaRPr lang="en-US" dirty="0"/>
+          </a:p>
+        </p:txBody>
+      </p:sp>
+    </p:spTree>
+    <p:extLst>
+      <p:ext uri="{BB962C8B-B14F-4D97-AF65-F5344CB8AC3E}">
+        <p14:creationId xmlns:p14="http://schemas.microsoft.com/office/powerpoint/2010/main" val="1413761337"/>
+      </p:ext>
+    </p:extLst>
+  </p:cSld>
+  <p:clrMapOvr>
+    <a:masterClrMapping/>
+  </p:clrMapOvr>
+  <p:timing>
+    <p:tnLst>
+      <p:par>
+        <p:cTn id="1" dur="indefinite" restart="never" nodeType="tmRoot"/>
+      </p:par>
+    </p:tnLst>
+  </p:timing>
+</p:sld>
+</file>
+
+<file path=ppt/slides/slide20.xml><?xml version="1.0" encoding="utf-8"?>
+<p:sld xmlns:a="http://schemas.openxmlformats.org/drawingml/2006/main" xmlns:r="http://schemas.openxmlformats.org/officeDocument/2006/relationships" xmlns:p="http://schemas.openxmlformats.org/presentationml/2006/main">
+  <p:cSld>
+    <p:spTree>
+      <p:nvGrpSpPr>
+        <p:cNvPr id="1" name=""/>
+        <p:cNvGrpSpPr/>
+        <p:nvPr/>
+      </p:nvGrpSpPr>
+      <p:grpSpPr>
+        <a:xfrm>
+          <a:off x="0" y="0"/>
+          <a:ext cx="0" cy="0"/>
+          <a:chOff x="0" y="0"/>
+          <a:chExt cx="0" cy="0"/>
+        </a:xfrm>
+      </p:grpSpPr>
+      <p:sp>
+        <p:nvSpPr>
+          <p:cNvPr id="2" name="Title 1"/>
+          <p:cNvSpPr>
+            <a:spLocks noGrp="1"/>
+          </p:cNvSpPr>
+          <p:nvPr>
+            <p:ph type="title"/>
+          </p:nvPr>
+        </p:nvSpPr>
+        <p:spPr/>
+        <p:txBody>
+          <a:bodyPr/>
+          <a:lstStyle/>
+          <a:p>
+            <a:r>
+              <a:rPr lang="en-US" dirty="0" smtClean="0"/>
+              <a:t>Software Development Jobs</a:t>
+            </a:r>
+            <a:endParaRPr lang="en-US" dirty="0"/>
+          </a:p>
+        </p:txBody>
+      </p:sp>
+      <p:sp>
+        <p:nvSpPr>
+          <p:cNvPr id="3" name="Content Placeholder 2"/>
+          <p:cNvSpPr>
+            <a:spLocks noGrp="1"/>
+          </p:cNvSpPr>
+          <p:nvPr>
+            <p:ph idx="1"/>
+          </p:nvPr>
+        </p:nvSpPr>
+        <p:spPr/>
+        <p:txBody>
+          <a:bodyPr>
+            <a:normAutofit fontScale="92500" lnSpcReduction="10000"/>
+          </a:bodyPr>
+          <a:lstStyle/>
+          <a:p>
+            <a:r>
+              <a:rPr lang="en-US" dirty="0" smtClean="0"/>
+              <a:t>Systems Programmer </a:t>
+            </a:r>
+          </a:p>
+          <a:p>
+            <a:pPr lvl="1"/>
+            <a:r>
+              <a:rPr lang="en-US" dirty="0" smtClean="0"/>
+              <a:t>Printer Drivers</a:t>
+            </a:r>
+          </a:p>
+          <a:p>
+            <a:pPr lvl="1"/>
+            <a:r>
+              <a:rPr lang="en-US" dirty="0" smtClean="0"/>
+              <a:t>Operating systems</a:t>
+            </a:r>
+          </a:p>
+          <a:p>
+            <a:pPr lvl="1"/>
+            <a:r>
+              <a:rPr lang="en-US" dirty="0" smtClean="0"/>
+              <a:t>Robotics</a:t>
+            </a:r>
+          </a:p>
+          <a:p>
+            <a:pPr lvl="1"/>
+            <a:r>
+              <a:rPr lang="en-US" dirty="0" smtClean="0"/>
+              <a:t>C/C++  </a:t>
+            </a:r>
+          </a:p>
+          <a:p>
+            <a:pPr lvl="1"/>
+            <a:r>
+              <a:rPr lang="en-US" dirty="0" smtClean="0"/>
+              <a:t>Rust</a:t>
+            </a:r>
+          </a:p>
+          <a:p>
+            <a:r>
+              <a:rPr lang="en-US" dirty="0" smtClean="0"/>
+              <a:t>Games Programmer</a:t>
+            </a:r>
+          </a:p>
+          <a:p>
+            <a:r>
+              <a:rPr lang="en-US" dirty="0" smtClean="0"/>
+              <a:t>Research (</a:t>
+            </a:r>
+            <a:r>
+              <a:rPr lang="en-US" dirty="0" err="1" smtClean="0"/>
+              <a:t>Phd</a:t>
+            </a:r>
+            <a:r>
+              <a:rPr lang="en-US" dirty="0" smtClean="0"/>
+              <a:t>)</a:t>
+            </a:r>
+          </a:p>
+          <a:p>
+            <a:pPr lvl="1"/>
+            <a:endParaRPr lang="en-US" dirty="0"/>
+          </a:p>
+        </p:txBody>
+      </p:sp>
+    </p:spTree>
+  </p:cSld>
+  <p:clrMapOvr>
+    <a:masterClrMapping/>
+  </p:clrMapOvr>
+  <p:timing>
+    <p:tnLst>
+      <p:par>
+        <p:cTn id="1" dur="indefinite" restart="never" nodeType="tmRoot">
+          <p:childTnLst>
+            <p:seq concurrent="1" nextAc="seek">
+              <p:cTn id="2" dur="indefinite" nodeType="mainSeq">
+                <p:childTnLst>
+                  <p:par>
+                    <p:cTn id="3" fill="hold">
+                      <p:stCondLst>
+                        <p:cond delay="indefinite"/>
+                      </p:stCondLst>
+                      <p:childTnLst>
+                        <p:par>
+                          <p:cTn id="4" fill="hold">
+                            <p:stCondLst>
+                              <p:cond delay="0"/>
+                            </p:stCondLst>
+                            <p:childTnLst>
+                              <p:par>
+                                <p:cTn id="5" presetID="42" presetClass="entr" presetSubtype="0" fill="hold" nodeType="clickEffect">
+                                  <p:stCondLst>
+                                    <p:cond delay="0"/>
+                                  </p:stCondLst>
+                                  <p:childTnLst>
+                                    <p:set>
+                                      <p:cBhvr>
+                                        <p:cTn id="6" dur="1" fill="hold">
+                                          <p:stCondLst>
+                                            <p:cond delay="0"/>
+                                          </p:stCondLst>
+                                        </p:cTn>
+                                        <p:tgtEl>
+                                          <p:spTgt spid="3">
+                                            <p:txEl>
+                                              <p:pRg st="0" end="0"/>
+                                            </p:txEl>
+                                          </p:spTgt>
+                                        </p:tgtEl>
+                                        <p:attrNameLst>
+                                          <p:attrName>style.visibility</p:attrName>
+                                        </p:attrNameLst>
+                                      </p:cBhvr>
+                                      <p:to>
+                                        <p:strVal val="visible"/>
+                                      </p:to>
+                                    </p:set>
+                                    <p:animEffect transition="in" filter="fade">
+                                      <p:cBhvr>
+                                        <p:cTn id="7" dur="1000"/>
+                                        <p:tgtEl>
+                                          <p:spTgt spid="3">
+                                            <p:txEl>
+                                              <p:pRg st="0" end="0"/>
+                                            </p:txEl>
+                                          </p:spTgt>
+                                        </p:tgtEl>
+                                      </p:cBhvr>
+                                    </p:animEffect>
+                                    <p:anim calcmode="lin" valueType="num">
+                                      <p:cBhvr>
+                                        <p:cTn id="8" dur="1000" fill="hold"/>
+                                        <p:tgtEl>
+                                          <p:spTgt spid="3">
+                                            <p:txEl>
+                                              <p:pRg st="0" end="0"/>
+                                            </p:txEl>
+                                          </p:spTgt>
+                                        </p:tgtEl>
+                                        <p:attrNameLst>
+                                          <p:attrName>ppt_x</p:attrName>
+                                        </p:attrNameLst>
+                                      </p:cBhvr>
+                                      <p:tavLst>
+                                        <p:tav tm="0">
+                                          <p:val>
+                                            <p:strVal val="#ppt_x"/>
+                                          </p:val>
+                                        </p:tav>
+                                        <p:tav tm="100000">
+                                          <p:val>
+                                            <p:strVal val="#ppt_x"/>
+                                          </p:val>
+                                        </p:tav>
+                                      </p:tavLst>
+                                    </p:anim>
+                                    <p:anim calcmode="lin" valueType="num">
+                                      <p:cBhvr>
+                                        <p:cTn id="9" dur="1000" fill="hold"/>
+                                        <p:tgtEl>
+                                          <p:spTgt spid="3">
+                                            <p:txEl>
+                                              <p:pRg st="0" end="0"/>
+                                            </p:txEl>
+                                          </p:spTgt>
+                                        </p:tgtEl>
+                                        <p:attrNameLst>
+                                          <p:attrName>ppt_y</p:attrName>
+                                        </p:attrNameLst>
+                                      </p:cBhvr>
+                                      <p:tavLst>
+                                        <p:tav tm="0">
+                                          <p:val>
+                                            <p:strVal val="#ppt_y+.1"/>
+                                          </p:val>
+                                        </p:tav>
+                                        <p:tav tm="100000">
+                                          <p:val>
+                                            <p:strVal val="#ppt_y"/>
+                                          </p:val>
+                                        </p:tav>
+                                      </p:tavLst>
+                                    </p:anim>
+                                  </p:childTnLst>
+                                </p:cTn>
+                              </p:par>
+                              <p:par>
+                                <p:cTn id="10" presetID="42" presetClass="entr" presetSubtype="0" fill="hold" nodeType="withEffect">
+                                  <p:stCondLst>
+                                    <p:cond delay="0"/>
+                                  </p:stCondLst>
+                                  <p:childTnLst>
+                                    <p:set>
+                                      <p:cBhvr>
+                                        <p:cTn id="11" dur="1" fill="hold">
+                                          <p:stCondLst>
+                                            <p:cond delay="0"/>
+                                          </p:stCondLst>
+                                        </p:cTn>
+                                        <p:tgtEl>
+                                          <p:spTgt spid="3">
+                                            <p:txEl>
+                                              <p:pRg st="1" end="1"/>
+                                            </p:txEl>
+                                          </p:spTgt>
+                                        </p:tgtEl>
+                                        <p:attrNameLst>
+                                          <p:attrName>style.visibility</p:attrName>
+                                        </p:attrNameLst>
+                                      </p:cBhvr>
+                                      <p:to>
+                                        <p:strVal val="visible"/>
+                                      </p:to>
+                                    </p:set>
+                                    <p:animEffect transition="in" filter="fade">
+                                      <p:cBhvr>
+                                        <p:cTn id="12" dur="1000"/>
+                                        <p:tgtEl>
+                                          <p:spTgt spid="3">
+                                            <p:txEl>
+                                              <p:pRg st="1" end="1"/>
+                                            </p:txEl>
+                                          </p:spTgt>
+                                        </p:tgtEl>
+                                      </p:cBhvr>
+                                    </p:animEffect>
+                                    <p:anim calcmode="lin" valueType="num">
+                                      <p:cBhvr>
+                                        <p:cTn id="13" dur="1000" fill="hold"/>
+                                        <p:tgtEl>
+                                          <p:spTgt spid="3">
+                                            <p:txEl>
+                                              <p:pRg st="1" end="1"/>
+                                            </p:txEl>
+                                          </p:spTgt>
+                                        </p:tgtEl>
+                                        <p:attrNameLst>
+                                          <p:attrName>ppt_x</p:attrName>
+                                        </p:attrNameLst>
+                                      </p:cBhvr>
+                                      <p:tavLst>
+                                        <p:tav tm="0">
+                                          <p:val>
+                                            <p:strVal val="#ppt_x"/>
+                                          </p:val>
+                                        </p:tav>
+                                        <p:tav tm="100000">
+                                          <p:val>
+                                            <p:strVal val="#ppt_x"/>
+                                          </p:val>
+                                        </p:tav>
+                                      </p:tavLst>
+                                    </p:anim>
+                                    <p:anim calcmode="lin" valueType="num">
+                                      <p:cBhvr>
+                                        <p:cTn id="14" dur="1000" fill="hold"/>
+                                        <p:tgtEl>
+                                          <p:spTgt spid="3">
+                                            <p:txEl>
+                                              <p:pRg st="1" end="1"/>
+                                            </p:txEl>
+                                          </p:spTgt>
+                                        </p:tgtEl>
+                                        <p:attrNameLst>
+                                          <p:attrName>ppt_y</p:attrName>
+                                        </p:attrNameLst>
+                                      </p:cBhvr>
+                                      <p:tavLst>
+                                        <p:tav tm="0">
+                                          <p:val>
+                                            <p:strVal val="#ppt_y+.1"/>
+                                          </p:val>
+                                        </p:tav>
+                                        <p:tav tm="100000">
+                                          <p:val>
+                                            <p:strVal val="#ppt_y"/>
+                                          </p:val>
+                                        </p:tav>
+                                      </p:tavLst>
+                                    </p:anim>
+                                  </p:childTnLst>
+                                </p:cTn>
+                              </p:par>
+                              <p:par>
+                                <p:cTn id="15" presetID="42" presetClass="entr" presetSubtype="0" fill="hold" nodeType="withEffect">
+                                  <p:stCondLst>
+                                    <p:cond delay="0"/>
+                                  </p:stCondLst>
+                                  <p:childTnLst>
+                                    <p:set>
+                                      <p:cBhvr>
+                                        <p:cTn id="16" dur="1" fill="hold">
+                                          <p:stCondLst>
+                                            <p:cond delay="0"/>
+                                          </p:stCondLst>
+                                        </p:cTn>
+                                        <p:tgtEl>
+                                          <p:spTgt spid="3">
+                                            <p:txEl>
+                                              <p:pRg st="2" end="2"/>
+                                            </p:txEl>
+                                          </p:spTgt>
+                                        </p:tgtEl>
+                                        <p:attrNameLst>
+                                          <p:attrName>style.visibility</p:attrName>
+                                        </p:attrNameLst>
+                                      </p:cBhvr>
+                                      <p:to>
+                                        <p:strVal val="visible"/>
+                                      </p:to>
+                                    </p:set>
+                                    <p:animEffect transition="in" filter="fade">
+                                      <p:cBhvr>
+                                        <p:cTn id="17" dur="1000"/>
+                                        <p:tgtEl>
+                                          <p:spTgt spid="3">
+                                            <p:txEl>
+                                              <p:pRg st="2" end="2"/>
+                                            </p:txEl>
+                                          </p:spTgt>
+                                        </p:tgtEl>
+                                      </p:cBhvr>
+                                    </p:animEffect>
+                                    <p:anim calcmode="lin" valueType="num">
+                                      <p:cBhvr>
+                                        <p:cTn id="18" dur="1000" fill="hold"/>
+                                        <p:tgtEl>
+                                          <p:spTgt spid="3">
+                                            <p:txEl>
+                                              <p:pRg st="2" end="2"/>
+                                            </p:txEl>
+                                          </p:spTgt>
+                                        </p:tgtEl>
+                                        <p:attrNameLst>
+                                          <p:attrName>ppt_x</p:attrName>
+                                        </p:attrNameLst>
+                                      </p:cBhvr>
+                                      <p:tavLst>
+                                        <p:tav tm="0">
+                                          <p:val>
+                                            <p:strVal val="#ppt_x"/>
+                                          </p:val>
+                                        </p:tav>
+                                        <p:tav tm="100000">
+                                          <p:val>
+                                            <p:strVal val="#ppt_x"/>
+                                          </p:val>
+                                        </p:tav>
+                                      </p:tavLst>
+                                    </p:anim>
+                                    <p:anim calcmode="lin" valueType="num">
+                                      <p:cBhvr>
+                                        <p:cTn id="19" dur="1000" fill="hold"/>
+                                        <p:tgtEl>
+                                          <p:spTgt spid="3">
+                                            <p:txEl>
+                                              <p:pRg st="2" end="2"/>
+                                            </p:txEl>
+                                          </p:spTgt>
+                                        </p:tgtEl>
+                                        <p:attrNameLst>
+                                          <p:attrName>ppt_y</p:attrName>
+                                        </p:attrNameLst>
+                                      </p:cBhvr>
+                                      <p:tavLst>
+                                        <p:tav tm="0">
+                                          <p:val>
+                                            <p:strVal val="#ppt_y+.1"/>
+                                          </p:val>
+                                        </p:tav>
+                                        <p:tav tm="100000">
+                                          <p:val>
+                                            <p:strVal val="#ppt_y"/>
+                                          </p:val>
+                                        </p:tav>
+                                      </p:tavLst>
+                                    </p:anim>
+                                  </p:childTnLst>
+                                </p:cTn>
+                              </p:par>
+                              <p:par>
+                                <p:cTn id="20" presetID="42" presetClass="entr" presetSubtype="0" fill="hold" nodeType="withEffect">
+                                  <p:stCondLst>
+                                    <p:cond delay="0"/>
+                                  </p:stCondLst>
+                                  <p:childTnLst>
+                                    <p:set>
+                                      <p:cBhvr>
+                                        <p:cTn id="21" dur="1" fill="hold">
+                                          <p:stCondLst>
+                                            <p:cond delay="0"/>
+                                          </p:stCondLst>
+                                        </p:cTn>
+                                        <p:tgtEl>
+                                          <p:spTgt spid="3">
+                                            <p:txEl>
+                                              <p:pRg st="3" end="3"/>
+                                            </p:txEl>
+                                          </p:spTgt>
+                                        </p:tgtEl>
+                                        <p:attrNameLst>
+                                          <p:attrName>style.visibility</p:attrName>
+                                        </p:attrNameLst>
+                                      </p:cBhvr>
+                                      <p:to>
+                                        <p:strVal val="visible"/>
+                                      </p:to>
+                                    </p:set>
+                                    <p:animEffect transition="in" filter="fade">
+                                      <p:cBhvr>
+                                        <p:cTn id="22" dur="1000"/>
+                                        <p:tgtEl>
+                                          <p:spTgt spid="3">
+                                            <p:txEl>
+                                              <p:pRg st="3" end="3"/>
+                                            </p:txEl>
+                                          </p:spTgt>
+                                        </p:tgtEl>
+                                      </p:cBhvr>
+                                    </p:animEffect>
+                                    <p:anim calcmode="lin" valueType="num">
+                                      <p:cBhvr>
+                                        <p:cTn id="23" dur="1000" fill="hold"/>
+                                        <p:tgtEl>
+                                          <p:spTgt spid="3">
+                                            <p:txEl>
+                                              <p:pRg st="3" end="3"/>
+                                            </p:txEl>
+                                          </p:spTgt>
+                                        </p:tgtEl>
+                                        <p:attrNameLst>
+                                          <p:attrName>ppt_x</p:attrName>
+                                        </p:attrNameLst>
+                                      </p:cBhvr>
+                                      <p:tavLst>
+                                        <p:tav tm="0">
+                                          <p:val>
+                                            <p:strVal val="#ppt_x"/>
+                                          </p:val>
+                                        </p:tav>
+                                        <p:tav tm="100000">
+                                          <p:val>
+                                            <p:strVal val="#ppt_x"/>
+                                          </p:val>
+                                        </p:tav>
+                                      </p:tavLst>
+                                    </p:anim>
+                                    <p:anim calcmode="lin" valueType="num">
+                                      <p:cBhvr>
+                                        <p:cTn id="24" dur="1000" fill="hold"/>
+                                        <p:tgtEl>
+                                          <p:spTgt spid="3">
+                                            <p:txEl>
+                                              <p:pRg st="3" end="3"/>
+                                            </p:txEl>
+                                          </p:spTgt>
+                                        </p:tgtEl>
+                                        <p:attrNameLst>
+                                          <p:attrName>ppt_y</p:attrName>
+                                        </p:attrNameLst>
+                                      </p:cBhvr>
+                                      <p:tavLst>
+                                        <p:tav tm="0">
+                                          <p:val>
+                                            <p:strVal val="#ppt_y+.1"/>
+                                          </p:val>
+                                        </p:tav>
+                                        <p:tav tm="100000">
+                                          <p:val>
+                                            <p:strVal val="#ppt_y"/>
+                                          </p:val>
+                                        </p:tav>
+                                      </p:tavLst>
+                                    </p:anim>
+                                  </p:childTnLst>
+                                </p:cTn>
+                              </p:par>
+                              <p:par>
+                                <p:cTn id="25" presetID="42" presetClass="entr" presetSubtype="0" fill="hold" nodeType="withEffect">
+                                  <p:stCondLst>
+                                    <p:cond delay="0"/>
+                                  </p:stCondLst>
+                                  <p:childTnLst>
+                                    <p:set>
+                                      <p:cBhvr>
+                                        <p:cTn id="26" dur="1" fill="hold">
+                                          <p:stCondLst>
+                                            <p:cond delay="0"/>
+                                          </p:stCondLst>
+                                        </p:cTn>
+                                        <p:tgtEl>
+                                          <p:spTgt spid="3">
+                                            <p:txEl>
+                                              <p:pRg st="4" end="4"/>
+                                            </p:txEl>
+                                          </p:spTgt>
+                                        </p:tgtEl>
+                                        <p:attrNameLst>
+                                          <p:attrName>style.visibility</p:attrName>
+                                        </p:attrNameLst>
+                                      </p:cBhvr>
+                                      <p:to>
+                                        <p:strVal val="visible"/>
+                                      </p:to>
+                                    </p:set>
+                                    <p:animEffect transition="in" filter="fade">
+                                      <p:cBhvr>
+                                        <p:cTn id="27" dur="1000"/>
+                                        <p:tgtEl>
+                                          <p:spTgt spid="3">
+                                            <p:txEl>
+                                              <p:pRg st="4" end="4"/>
+                                            </p:txEl>
+                                          </p:spTgt>
+                                        </p:tgtEl>
+                                      </p:cBhvr>
+                                    </p:animEffect>
+                                    <p:anim calcmode="lin" valueType="num">
+                                      <p:cBhvr>
+                                        <p:cTn id="28" dur="1000" fill="hold"/>
+                                        <p:tgtEl>
+                                          <p:spTgt spid="3">
+                                            <p:txEl>
+                                              <p:pRg st="4" end="4"/>
+                                            </p:txEl>
+                                          </p:spTgt>
+                                        </p:tgtEl>
+                                        <p:attrNameLst>
+                                          <p:attrName>ppt_x</p:attrName>
+                                        </p:attrNameLst>
+                                      </p:cBhvr>
+                                      <p:tavLst>
+                                        <p:tav tm="0">
+                                          <p:val>
+                                            <p:strVal val="#ppt_x"/>
+                                          </p:val>
+                                        </p:tav>
+                                        <p:tav tm="100000">
+                                          <p:val>
+                                            <p:strVal val="#ppt_x"/>
+                                          </p:val>
+                                        </p:tav>
+                                      </p:tavLst>
+                                    </p:anim>
+                                    <p:anim calcmode="lin" valueType="num">
+                                      <p:cBhvr>
+                                        <p:cTn id="29" dur="1000" fill="hold"/>
+                                        <p:tgtEl>
+                                          <p:spTgt spid="3">
+                                            <p:txEl>
+                                              <p:pRg st="4" end="4"/>
+                                            </p:txEl>
+                                          </p:spTgt>
+                                        </p:tgtEl>
+                                        <p:attrNameLst>
+                                          <p:attrName>ppt_y</p:attrName>
+                                        </p:attrNameLst>
+                                      </p:cBhvr>
+                                      <p:tavLst>
+                                        <p:tav tm="0">
+                                          <p:val>
+                                            <p:strVal val="#ppt_y+.1"/>
+                                          </p:val>
+                                        </p:tav>
+                                        <p:tav tm="100000">
+                                          <p:val>
+                                            <p:strVal val="#ppt_y"/>
+                                          </p:val>
+                                        </p:tav>
+                                      </p:tavLst>
+                                    </p:anim>
+                                  </p:childTnLst>
+                                </p:cTn>
+                              </p:par>
+                              <p:par>
+                                <p:cTn id="30" presetID="42" presetClass="entr" presetSubtype="0" fill="hold" nodeType="withEffect">
+                                  <p:stCondLst>
+                                    <p:cond delay="0"/>
+                                  </p:stCondLst>
+                                  <p:childTnLst>
+                                    <p:set>
+                                      <p:cBhvr>
+                                        <p:cTn id="31" dur="1" fill="hold">
+                                          <p:stCondLst>
+                                            <p:cond delay="0"/>
+                                          </p:stCondLst>
+                                        </p:cTn>
+                                        <p:tgtEl>
+                                          <p:spTgt spid="3">
+                                            <p:txEl>
+                                              <p:pRg st="5" end="5"/>
+                                            </p:txEl>
+                                          </p:spTgt>
+                                        </p:tgtEl>
+                                        <p:attrNameLst>
+                                          <p:attrName>style.visibility</p:attrName>
+                                        </p:attrNameLst>
+                                      </p:cBhvr>
+                                      <p:to>
+                                        <p:strVal val="visible"/>
+                                      </p:to>
+                                    </p:set>
+                                    <p:animEffect transition="in" filter="fade">
+                                      <p:cBhvr>
+                                        <p:cTn id="32" dur="1000"/>
+                                        <p:tgtEl>
+                                          <p:spTgt spid="3">
+                                            <p:txEl>
+                                              <p:pRg st="5" end="5"/>
+                                            </p:txEl>
+                                          </p:spTgt>
+                                        </p:tgtEl>
+                                      </p:cBhvr>
+                                    </p:animEffect>
+                                    <p:anim calcmode="lin" valueType="num">
+                                      <p:cBhvr>
+                                        <p:cTn id="33" dur="1000" fill="hold"/>
+                                        <p:tgtEl>
+                                          <p:spTgt spid="3">
+                                            <p:txEl>
+                                              <p:pRg st="5" end="5"/>
+                                            </p:txEl>
+                                          </p:spTgt>
+                                        </p:tgtEl>
+                                        <p:attrNameLst>
+                                          <p:attrName>ppt_x</p:attrName>
+                                        </p:attrNameLst>
+                                      </p:cBhvr>
+                                      <p:tavLst>
+                                        <p:tav tm="0">
+                                          <p:val>
+                                            <p:strVal val="#ppt_x"/>
+                                          </p:val>
+                                        </p:tav>
+                                        <p:tav tm="100000">
+                                          <p:val>
+                                            <p:strVal val="#ppt_x"/>
+                                          </p:val>
+                                        </p:tav>
+                                      </p:tavLst>
+                                    </p:anim>
+                                    <p:anim calcmode="lin" valueType="num">
+                                      <p:cBhvr>
+                                        <p:cTn id="34" dur="1000" fill="hold"/>
+                                        <p:tgtEl>
+                                          <p:spTgt spid="3">
+                                            <p:txEl>
+                                              <p:pRg st="5" end="5"/>
+                                            </p:txEl>
+                                          </p:spTgt>
+                                        </p:tgtEl>
+                                        <p:attrNameLst>
+                                          <p:attrName>ppt_y</p:attrName>
+                                        </p:attrNameLst>
+                                      </p:cBhvr>
+                                      <p:tavLst>
+                                        <p:tav tm="0">
+                                          <p:val>
+                                            <p:strVal val="#ppt_y+.1"/>
+                                          </p:val>
+                                        </p:tav>
+                                        <p:tav tm="100000">
+                                          <p:val>
+                                            <p:strVal val="#ppt_y"/>
+                                          </p:val>
+                                        </p:tav>
+                                      </p:tavLst>
+                                    </p:anim>
+                                  </p:childTnLst>
+                                </p:cTn>
+                              </p:par>
+                            </p:childTnLst>
+                          </p:cTn>
+                        </p:par>
+                      </p:childTnLst>
+                    </p:cTn>
+                  </p:par>
+                  <p:par>
+                    <p:cTn id="35" fill="hold">
+                      <p:stCondLst>
+                        <p:cond delay="indefinite"/>
+                      </p:stCondLst>
+                      <p:childTnLst>
+                        <p:par>
+                          <p:cTn id="36" fill="hold">
+                            <p:stCondLst>
+                              <p:cond delay="0"/>
+                            </p:stCondLst>
+                            <p:childTnLst>
+                              <p:par>
+                                <p:cTn id="37" presetID="42" presetClass="entr" presetSubtype="0" fill="hold" nodeType="clickEffect">
+                                  <p:stCondLst>
+                                    <p:cond delay="0"/>
+                                  </p:stCondLst>
+                                  <p:childTnLst>
+                                    <p:set>
+                                      <p:cBhvr>
+                                        <p:cTn id="38" dur="1" fill="hold">
+                                          <p:stCondLst>
+                                            <p:cond delay="0"/>
+                                          </p:stCondLst>
+                                        </p:cTn>
+                                        <p:tgtEl>
+                                          <p:spTgt spid="3">
+                                            <p:txEl>
+                                              <p:pRg st="6" end="6"/>
+                                            </p:txEl>
+                                          </p:spTgt>
+                                        </p:tgtEl>
+                                        <p:attrNameLst>
+                                          <p:attrName>style.visibility</p:attrName>
+                                        </p:attrNameLst>
+                                      </p:cBhvr>
+                                      <p:to>
+                                        <p:strVal val="visible"/>
+                                      </p:to>
+                                    </p:set>
+                                    <p:animEffect transition="in" filter="fade">
+                                      <p:cBhvr>
+                                        <p:cTn id="39" dur="1000"/>
+                                        <p:tgtEl>
+                                          <p:spTgt spid="3">
+                                            <p:txEl>
+                                              <p:pRg st="6" end="6"/>
+                                            </p:txEl>
+                                          </p:spTgt>
+                                        </p:tgtEl>
+                                      </p:cBhvr>
+                                    </p:animEffect>
+                                    <p:anim calcmode="lin" valueType="num">
+                                      <p:cBhvr>
+                                        <p:cTn id="40" dur="1000" fill="hold"/>
+                                        <p:tgtEl>
+                                          <p:spTgt spid="3">
+                                            <p:txEl>
+                                              <p:pRg st="6" end="6"/>
+                                            </p:txEl>
+                                          </p:spTgt>
+                                        </p:tgtEl>
+                                        <p:attrNameLst>
+                                          <p:attrName>ppt_x</p:attrName>
+                                        </p:attrNameLst>
+                                      </p:cBhvr>
+                                      <p:tavLst>
+                                        <p:tav tm="0">
+                                          <p:val>
+                                            <p:strVal val="#ppt_x"/>
+                                          </p:val>
+                                        </p:tav>
+                                        <p:tav tm="100000">
+                                          <p:val>
+                                            <p:strVal val="#ppt_x"/>
+                                          </p:val>
+                                        </p:tav>
+                                      </p:tavLst>
+                                    </p:anim>
+                                    <p:anim calcmode="lin" valueType="num">
+                                      <p:cBhvr>
+                                        <p:cTn id="41" dur="1000" fill="hold"/>
+                                        <p:tgtEl>
+                                          <p:spTgt spid="3">
+                                            <p:txEl>
+                                              <p:pRg st="6" end="6"/>
+                                            </p:txEl>
+                                          </p:spTgt>
+                                        </p:tgtEl>
+                                        <p:attrNameLst>
+                                          <p:attrName>ppt_y</p:attrName>
+                                        </p:attrNameLst>
+                                      </p:cBhvr>
+                                      <p:tavLst>
+                                        <p:tav tm="0">
+                                          <p:val>
+                                            <p:strVal val="#ppt_y+.1"/>
+                                          </p:val>
+                                        </p:tav>
+                                        <p:tav tm="100000">
+                                          <p:val>
+                                            <p:strVal val="#ppt_y"/>
+                                          </p:val>
+                                        </p:tav>
+                                      </p:tavLst>
+                                    </p:anim>
+                                  </p:childTnLst>
+                                </p:cTn>
+                              </p:par>
+                            </p:childTnLst>
+                          </p:cTn>
+                        </p:par>
+                      </p:childTnLst>
+                    </p:cTn>
+                  </p:par>
+                  <p:par>
+                    <p:cTn id="42" fill="hold">
+                      <p:stCondLst>
+                        <p:cond delay="indefinite"/>
+                      </p:stCondLst>
+                      <p:childTnLst>
+                        <p:par>
+                          <p:cTn id="43" fill="hold">
+                            <p:stCondLst>
+                              <p:cond delay="0"/>
+                            </p:stCondLst>
+                            <p:childTnLst>
+                              <p:par>
+                                <p:cTn id="44" presetID="42" presetClass="entr" presetSubtype="0" fill="hold" nodeType="clickEffect">
+                                  <p:stCondLst>
+                                    <p:cond delay="0"/>
+                                  </p:stCondLst>
+                                  <p:childTnLst>
+                                    <p:set>
+                                      <p:cBhvr>
+                                        <p:cTn id="45" dur="1" fill="hold">
+                                          <p:stCondLst>
+                                            <p:cond delay="0"/>
+                                          </p:stCondLst>
+                                        </p:cTn>
+                                        <p:tgtEl>
+                                          <p:spTgt spid="3">
+                                            <p:txEl>
+                                              <p:pRg st="7" end="7"/>
+                                            </p:txEl>
+                                          </p:spTgt>
+                                        </p:tgtEl>
+                                        <p:attrNameLst>
+                                          <p:attrName>style.visibility</p:attrName>
+                                        </p:attrNameLst>
+                                      </p:cBhvr>
+                                      <p:to>
+                                        <p:strVal val="visible"/>
+                                      </p:to>
+                                    </p:set>
+                                    <p:animEffect transition="in" filter="fade">
+                                      <p:cBhvr>
+                                        <p:cTn id="46" dur="1000"/>
+                                        <p:tgtEl>
+                                          <p:spTgt spid="3">
+                                            <p:txEl>
+                                              <p:pRg st="7" end="7"/>
+                                            </p:txEl>
+                                          </p:spTgt>
+                                        </p:tgtEl>
+                                      </p:cBhvr>
+                                    </p:animEffect>
+                                    <p:anim calcmode="lin" valueType="num">
+                                      <p:cBhvr>
+                                        <p:cTn id="47" dur="1000" fill="hold"/>
+                                        <p:tgtEl>
+                                          <p:spTgt spid="3">
+                                            <p:txEl>
+                                              <p:pRg st="7" end="7"/>
+                                            </p:txEl>
+                                          </p:spTgt>
+                                        </p:tgtEl>
+                                        <p:attrNameLst>
+                                          <p:attrName>ppt_x</p:attrName>
+                                        </p:attrNameLst>
+                                      </p:cBhvr>
+                                      <p:tavLst>
+                                        <p:tav tm="0">
+                                          <p:val>
+                                            <p:strVal val="#ppt_x"/>
+                                          </p:val>
+                                        </p:tav>
+                                        <p:tav tm="100000">
+                                          <p:val>
+                                            <p:strVal val="#ppt_x"/>
+                                          </p:val>
+                                        </p:tav>
+                                      </p:tavLst>
+                                    </p:anim>
+                                    <p:anim calcmode="lin" valueType="num">
+                                      <p:cBhvr>
+                                        <p:cTn id="48" dur="1000" fill="hold"/>
+                                        <p:tgtEl>
+                                          <p:spTgt spid="3">
+                                            <p:txEl>
+                                              <p:pRg st="7" end="7"/>
+                                            </p:txEl>
+                                          </p:spTgt>
+                                        </p:tgtEl>
+                                        <p:attrNameLst>
+                                          <p:attrName>ppt_y</p:attrName>
+                                        </p:attrNameLst>
+                                      </p:cBhvr>
+                                      <p:tavLst>
+                                        <p:tav tm="0">
+                                          <p:val>
+                                            <p:strVal val="#ppt_y+.1"/>
+                                          </p:val>
+                                        </p:tav>
+                                        <p:tav tm="100000">
+                                          <p:val>
+                                            <p:strVal val="#ppt_y"/>
+                                          </p:val>
+                                        </p:tav>
+                                      </p:tavLst>
+                                    </p:anim>
+                                  </p:childTnLst>
+                                </p:cTn>
+                              </p:par>
+                            </p:childTnLst>
+                          </p:cTn>
+                        </p:par>
+                      </p:childTnLst>
+                    </p:cTn>
+                  </p:par>
+                </p:childTnLst>
+              </p:cTn>
+              <p:prevCondLst>
+                <p:cond evt="onPrev" delay="0">
+                  <p:tgtEl>
+                    <p:sldTgt/>
+                  </p:tgtEl>
+                </p:cond>
+              </p:prevCondLst>
+              <p:nextCondLst>
+                <p:cond evt="onNext" delay="0">
+                  <p:tgtEl>
+                    <p:sldTgt/>
+                  </p:tgtEl>
+                </p:cond>
+              </p:nextCondLst>
+            </p:seq>
+          </p:childTnLst>
+        </p:cTn>
+      </p:par>
+    </p:tnLst>
+  </p:timing>
+</p:sld>
+</file>
+
+<file path=ppt/slides/slide21.xml><?xml version="1.0" encoding="utf-8"?>
+<p:sld xmlns:a="http://schemas.openxmlformats.org/drawingml/2006/main" xmlns:r="http://schemas.openxmlformats.org/officeDocument/2006/relationships" xmlns:p="http://schemas.openxmlformats.org/presentationml/2006/main">
+  <p:cSld>
+    <p:spTree>
+      <p:nvGrpSpPr>
+        <p:cNvPr id="1" name=""/>
+        <p:cNvGrpSpPr/>
+        <p:nvPr/>
+      </p:nvGrpSpPr>
+      <p:grpSpPr>
+        <a:xfrm>
+          <a:off x="0" y="0"/>
+          <a:ext cx="0" cy="0"/>
+          <a:chOff x="0" y="0"/>
+          <a:chExt cx="0" cy="0"/>
+        </a:xfrm>
+      </p:grpSpPr>
+      <p:sp>
+        <p:nvSpPr>
+          <p:cNvPr id="2" name="Title 1"/>
+          <p:cNvSpPr>
+            <a:spLocks noGrp="1"/>
+          </p:cNvSpPr>
+          <p:nvPr>
+            <p:ph type="title"/>
+          </p:nvPr>
+        </p:nvSpPr>
+        <p:spPr/>
+        <p:txBody>
+          <a:bodyPr/>
+          <a:lstStyle/>
+          <a:p>
+            <a:r>
+              <a:rPr lang="en-US" dirty="0" smtClean="0"/>
+              <a:t>Non-Programming Jobs</a:t>
+            </a:r>
+            <a:endParaRPr lang="en-US" dirty="0"/>
+          </a:p>
+        </p:txBody>
+      </p:sp>
+      <p:sp>
+        <p:nvSpPr>
+          <p:cNvPr id="3" name="Content Placeholder 2"/>
+          <p:cNvSpPr>
+            <a:spLocks noGrp="1"/>
+          </p:cNvSpPr>
+          <p:nvPr>
+            <p:ph idx="1"/>
+          </p:nvPr>
+        </p:nvSpPr>
+        <p:spPr/>
+        <p:txBody>
+          <a:bodyPr/>
+          <a:lstStyle/>
+          <a:p>
+            <a:r>
+              <a:rPr lang="en-US" dirty="0" smtClean="0"/>
+              <a:t>Tech Support</a:t>
+            </a:r>
+          </a:p>
+          <a:p>
+            <a:r>
+              <a:rPr lang="en-US" dirty="0" smtClean="0"/>
+              <a:t>Network Administrator</a:t>
+            </a:r>
+          </a:p>
+          <a:p>
+            <a:r>
+              <a:rPr lang="en-US" dirty="0" smtClean="0"/>
+              <a:t>IT Manager</a:t>
+            </a:r>
+          </a:p>
+          <a:p>
+            <a:r>
+              <a:rPr lang="en-US" dirty="0" smtClean="0"/>
+              <a:t>Computer Repair Technician</a:t>
+            </a:r>
+          </a:p>
+          <a:p>
+            <a:r>
+              <a:rPr lang="en-US" dirty="0" smtClean="0"/>
+              <a:t>Graphic Design</a:t>
+            </a:r>
+          </a:p>
+          <a:p>
+            <a:r>
+              <a:rPr lang="en-US" dirty="0" smtClean="0"/>
+              <a:t>Quality Assurance (Tester)</a:t>
+            </a:r>
+            <a:endParaRPr lang="en-US" dirty="0"/>
+          </a:p>
+        </p:txBody>
+      </p:sp>
+    </p:spTree>
+  </p:cSld>
+  <p:clrMapOvr>
+    <a:masterClrMapping/>
+  </p:clrMapOvr>
+  <p:timing>
+    <p:tnLst>
+      <p:par>
+        <p:cTn id="1" dur="indefinite" restart="never" nodeType="tmRoot">
+          <p:childTnLst>
+            <p:seq concurrent="1" nextAc="seek">
+              <p:cTn id="2" dur="indefinite" nodeType="mainSeq">
+                <p:childTnLst>
+                  <p:par>
+                    <p:cTn id="3" fill="hold">
+                      <p:stCondLst>
+                        <p:cond delay="indefinite"/>
+                      </p:stCondLst>
+                      <p:childTnLst>
+                        <p:par>
+                          <p:cTn id="4" fill="hold">
+                            <p:stCondLst>
+                              <p:cond delay="0"/>
+                            </p:stCondLst>
+                            <p:childTnLst>
+                              <p:par>
+                                <p:cTn id="5" presetID="42" presetClass="entr" presetSubtype="0" fill="hold" nodeType="clickEffect">
+                                  <p:stCondLst>
+                                    <p:cond delay="0"/>
+                                  </p:stCondLst>
+                                  <p:childTnLst>
+                                    <p:set>
+                                      <p:cBhvr>
+                                        <p:cTn id="6" dur="1" fill="hold">
+                                          <p:stCondLst>
+                                            <p:cond delay="0"/>
+                                          </p:stCondLst>
+                                        </p:cTn>
+                                        <p:tgtEl>
+                                          <p:spTgt spid="3">
+                                            <p:txEl>
+                                              <p:pRg st="0" end="0"/>
+                                            </p:txEl>
+                                          </p:spTgt>
+                                        </p:tgtEl>
+                                        <p:attrNameLst>
+                                          <p:attrName>style.visibility</p:attrName>
+                                        </p:attrNameLst>
+                                      </p:cBhvr>
+                                      <p:to>
+                                        <p:strVal val="visible"/>
+                                      </p:to>
+                                    </p:set>
+                                    <p:animEffect transition="in" filter="fade">
+                                      <p:cBhvr>
+                                        <p:cTn id="7" dur="1000"/>
+                                        <p:tgtEl>
+                                          <p:spTgt spid="3">
+                                            <p:txEl>
+                                              <p:pRg st="0" end="0"/>
+                                            </p:txEl>
+                                          </p:spTgt>
+                                        </p:tgtEl>
+                                      </p:cBhvr>
+                                    </p:animEffect>
+                                    <p:anim calcmode="lin" valueType="num">
+                                      <p:cBhvr>
+                                        <p:cTn id="8" dur="1000" fill="hold"/>
+                                        <p:tgtEl>
+                                          <p:spTgt spid="3">
+                                            <p:txEl>
+                                              <p:pRg st="0" end="0"/>
+                                            </p:txEl>
+                                          </p:spTgt>
+                                        </p:tgtEl>
+                                        <p:attrNameLst>
+                                          <p:attrName>ppt_x</p:attrName>
+                                        </p:attrNameLst>
+                                      </p:cBhvr>
+                                      <p:tavLst>
+                                        <p:tav tm="0">
+                                          <p:val>
+                                            <p:strVal val="#ppt_x"/>
+                                          </p:val>
+                                        </p:tav>
+                                        <p:tav tm="100000">
+                                          <p:val>
+                                            <p:strVal val="#ppt_x"/>
+                                          </p:val>
+                                        </p:tav>
+                                      </p:tavLst>
+                                    </p:anim>
+                                    <p:anim calcmode="lin" valueType="num">
+                                      <p:cBhvr>
+                                        <p:cTn id="9" dur="1000" fill="hold"/>
+                                        <p:tgtEl>
+                                          <p:spTgt spid="3">
+                                            <p:txEl>
+                                              <p:pRg st="0" end="0"/>
+                                            </p:txEl>
+                                          </p:spTgt>
+                                        </p:tgtEl>
+                                        <p:attrNameLst>
+                                          <p:attrName>ppt_y</p:attrName>
+                                        </p:attrNameLst>
+                                      </p:cBhvr>
+                                      <p:tavLst>
+                                        <p:tav tm="0">
+                                          <p:val>
+                                            <p:strVal val="#ppt_y+.1"/>
+                                          </p:val>
+                                        </p:tav>
+                                        <p:tav tm="100000">
+                                          <p:val>
+                                            <p:strVal val="#ppt_y"/>
+                                          </p:val>
+                                        </p:tav>
+                                      </p:tavLst>
+                                    </p:anim>
+                                  </p:childTnLst>
+                                </p:cTn>
+                              </p:par>
+                            </p:childTnLst>
+                          </p:cTn>
+                        </p:par>
+                      </p:childTnLst>
+                    </p:cTn>
+                  </p:par>
+                  <p:par>
+                    <p:cTn id="10" fill="hold">
+                      <p:stCondLst>
+                        <p:cond delay="indefinite"/>
+                      </p:stCondLst>
+                      <p:childTnLst>
+                        <p:par>
+                          <p:cTn id="11" fill="hold">
+                            <p:stCondLst>
+                              <p:cond delay="0"/>
+                            </p:stCondLst>
+                            <p:childTnLst>
+                              <p:par>
+                                <p:cTn id="12" presetID="42" presetClass="entr" presetSubtype="0" fill="hold" nodeType="clickEffect">
+                                  <p:stCondLst>
+                                    <p:cond delay="0"/>
+                                  </p:stCondLst>
+                                  <p:childTnLst>
+                                    <p:set>
+                                      <p:cBhvr>
+                                        <p:cTn id="13" dur="1" fill="hold">
+                                          <p:stCondLst>
+                                            <p:cond delay="0"/>
+                                          </p:stCondLst>
+                                        </p:cTn>
+                                        <p:tgtEl>
+                                          <p:spTgt spid="3">
+                                            <p:txEl>
+                                              <p:pRg st="1" end="1"/>
+                                            </p:txEl>
+                                          </p:spTgt>
+                                        </p:tgtEl>
+                                        <p:attrNameLst>
+                                          <p:attrName>style.visibility</p:attrName>
+                                        </p:attrNameLst>
+                                      </p:cBhvr>
+                                      <p:to>
+                                        <p:strVal val="visible"/>
+                                      </p:to>
+                                    </p:set>
+                                    <p:animEffect transition="in" filter="fade">
+                                      <p:cBhvr>
+                                        <p:cTn id="14" dur="1000"/>
+                                        <p:tgtEl>
+                                          <p:spTgt spid="3">
+                                            <p:txEl>
+                                              <p:pRg st="1" end="1"/>
+                                            </p:txEl>
+                                          </p:spTgt>
+                                        </p:tgtEl>
+                                      </p:cBhvr>
+                                    </p:animEffect>
+                                    <p:anim calcmode="lin" valueType="num">
+                                      <p:cBhvr>
+                                        <p:cTn id="15" dur="1000" fill="hold"/>
+                                        <p:tgtEl>
+                                          <p:spTgt spid="3">
+                                            <p:txEl>
+                                              <p:pRg st="1" end="1"/>
+                                            </p:txEl>
+                                          </p:spTgt>
+                                        </p:tgtEl>
+                                        <p:attrNameLst>
+                                          <p:attrName>ppt_x</p:attrName>
+                                        </p:attrNameLst>
+                                      </p:cBhvr>
+                                      <p:tavLst>
+                                        <p:tav tm="0">
+                                          <p:val>
+                                            <p:strVal val="#ppt_x"/>
+                                          </p:val>
+                                        </p:tav>
+                                        <p:tav tm="100000">
+                                          <p:val>
+                                            <p:strVal val="#ppt_x"/>
+                                          </p:val>
+                                        </p:tav>
+                                      </p:tavLst>
+                                    </p:anim>
+                                    <p:anim calcmode="lin" valueType="num">
+                                      <p:cBhvr>
+                                        <p:cTn id="16" dur="1000" fill="hold"/>
+                                        <p:tgtEl>
+                                          <p:spTgt spid="3">
+                                            <p:txEl>
+                                              <p:pRg st="1" end="1"/>
+                                            </p:txEl>
+                                          </p:spTgt>
+                                        </p:tgtEl>
+                                        <p:attrNameLst>
+                                          <p:attrName>ppt_y</p:attrName>
+                                        </p:attrNameLst>
+                                      </p:cBhvr>
+                                      <p:tavLst>
+                                        <p:tav tm="0">
+                                          <p:val>
+                                            <p:strVal val="#ppt_y+.1"/>
+                                          </p:val>
+                                        </p:tav>
+                                        <p:tav tm="100000">
+                                          <p:val>
+                                            <p:strVal val="#ppt_y"/>
+                                          </p:val>
+                                        </p:tav>
+                                      </p:tavLst>
+                                    </p:anim>
+                                  </p:childTnLst>
+                                </p:cTn>
+                              </p:par>
+                            </p:childTnLst>
+                          </p:cTn>
+                        </p:par>
+                      </p:childTnLst>
+                    </p:cTn>
+                  </p:par>
+                  <p:par>
+                    <p:cTn id="17" fill="hold">
+                      <p:stCondLst>
+                        <p:cond delay="indefinite"/>
+                      </p:stCondLst>
+                      <p:childTnLst>
+                        <p:par>
+                          <p:cTn id="18" fill="hold">
+                            <p:stCondLst>
+                              <p:cond delay="0"/>
+                            </p:stCondLst>
+                            <p:childTnLst>
+                              <p:par>
+                                <p:cTn id="19" presetID="42" presetClass="entr" presetSubtype="0" fill="hold" nodeType="clickEffect">
+                                  <p:stCondLst>
+                                    <p:cond delay="0"/>
+                                  </p:stCondLst>
+                                  <p:childTnLst>
+                                    <p:set>
+                                      <p:cBhvr>
+                                        <p:cTn id="20" dur="1" fill="hold">
+                                          <p:stCondLst>
+                                            <p:cond delay="0"/>
+                                          </p:stCondLst>
+                                        </p:cTn>
+                                        <p:tgtEl>
+                                          <p:spTgt spid="3">
+                                            <p:txEl>
+                                              <p:pRg st="2" end="2"/>
+                                            </p:txEl>
+                                          </p:spTgt>
+                                        </p:tgtEl>
+                                        <p:attrNameLst>
+                                          <p:attrName>style.visibility</p:attrName>
+                                        </p:attrNameLst>
+                                      </p:cBhvr>
+                                      <p:to>
+                                        <p:strVal val="visible"/>
+                                      </p:to>
+                                    </p:set>
+                                    <p:animEffect transition="in" filter="fade">
+                                      <p:cBhvr>
+                                        <p:cTn id="21" dur="1000"/>
+                                        <p:tgtEl>
+                                          <p:spTgt spid="3">
+                                            <p:txEl>
+                                              <p:pRg st="2" end="2"/>
+                                            </p:txEl>
+                                          </p:spTgt>
+                                        </p:tgtEl>
+                                      </p:cBhvr>
+                                    </p:animEffect>
+                                    <p:anim calcmode="lin" valueType="num">
+                                      <p:cBhvr>
+                                        <p:cTn id="22" dur="1000" fill="hold"/>
+                                        <p:tgtEl>
+                                          <p:spTgt spid="3">
+                                            <p:txEl>
+                                              <p:pRg st="2" end="2"/>
+                                            </p:txEl>
+                                          </p:spTgt>
+                                        </p:tgtEl>
+                                        <p:attrNameLst>
+                                          <p:attrName>ppt_x</p:attrName>
+                                        </p:attrNameLst>
+                                      </p:cBhvr>
+                                      <p:tavLst>
+                                        <p:tav tm="0">
+                                          <p:val>
+                                            <p:strVal val="#ppt_x"/>
+                                          </p:val>
+                                        </p:tav>
+                                        <p:tav tm="100000">
+                                          <p:val>
+                                            <p:strVal val="#ppt_x"/>
+                                          </p:val>
+                                        </p:tav>
+                                      </p:tavLst>
+                                    </p:anim>
+                                    <p:anim calcmode="lin" valueType="num">
+                                      <p:cBhvr>
+                                        <p:cTn id="23" dur="1000" fill="hold"/>
+                                        <p:tgtEl>
+                                          <p:spTgt spid="3">
+                                            <p:txEl>
+                                              <p:pRg st="2" end="2"/>
+                                            </p:txEl>
+                                          </p:spTgt>
+                                        </p:tgtEl>
+                                        <p:attrNameLst>
+                                          <p:attrName>ppt_y</p:attrName>
+                                        </p:attrNameLst>
+                                      </p:cBhvr>
+                                      <p:tavLst>
+                                        <p:tav tm="0">
+                                          <p:val>
+                                            <p:strVal val="#ppt_y+.1"/>
+                                          </p:val>
+                                        </p:tav>
+                                        <p:tav tm="100000">
+                                          <p:val>
+                                            <p:strVal val="#ppt_y"/>
+                                          </p:val>
+                                        </p:tav>
+                                      </p:tavLst>
+                                    </p:anim>
+                                  </p:childTnLst>
+                                </p:cTn>
+                              </p:par>
+                            </p:childTnLst>
+                          </p:cTn>
+                        </p:par>
+                      </p:childTnLst>
+                    </p:cTn>
+                  </p:par>
+                  <p:par>
+                    <p:cTn id="24" fill="hold">
+                      <p:stCondLst>
+                        <p:cond delay="indefinite"/>
+                      </p:stCondLst>
+                      <p:childTnLst>
+                        <p:par>
+                          <p:cTn id="25" fill="hold">
+                            <p:stCondLst>
+                              <p:cond delay="0"/>
+                            </p:stCondLst>
+                            <p:childTnLst>
+                              <p:par>
+                                <p:cTn id="26" presetID="42" presetClass="entr" presetSubtype="0" fill="hold" nodeType="clickEffect">
+                                  <p:stCondLst>
+                                    <p:cond delay="0"/>
+                                  </p:stCondLst>
+                                  <p:childTnLst>
+                                    <p:set>
+                                      <p:cBhvr>
+                                        <p:cTn id="27" dur="1" fill="hold">
+                                          <p:stCondLst>
+                                            <p:cond delay="0"/>
+                                          </p:stCondLst>
+                                        </p:cTn>
+                                        <p:tgtEl>
+                                          <p:spTgt spid="3">
+                                            <p:txEl>
+                                              <p:pRg st="3" end="3"/>
+                                            </p:txEl>
+                                          </p:spTgt>
+                                        </p:tgtEl>
+                                        <p:attrNameLst>
+                                          <p:attrName>style.visibility</p:attrName>
+                                        </p:attrNameLst>
+                                      </p:cBhvr>
+                                      <p:to>
+                                        <p:strVal val="visible"/>
+                                      </p:to>
+                                    </p:set>
+                                    <p:animEffect transition="in" filter="fade">
+                                      <p:cBhvr>
+                                        <p:cTn id="28" dur="1000"/>
+                                        <p:tgtEl>
+                                          <p:spTgt spid="3">
+                                            <p:txEl>
+                                              <p:pRg st="3" end="3"/>
+                                            </p:txEl>
+                                          </p:spTgt>
+                                        </p:tgtEl>
+                                      </p:cBhvr>
+                                    </p:animEffect>
+                                    <p:anim calcmode="lin" valueType="num">
+                                      <p:cBhvr>
+                                        <p:cTn id="29" dur="1000" fill="hold"/>
+                                        <p:tgtEl>
+                                          <p:spTgt spid="3">
+                                            <p:txEl>
+                                              <p:pRg st="3" end="3"/>
+                                            </p:txEl>
+                                          </p:spTgt>
+                                        </p:tgtEl>
+                                        <p:attrNameLst>
+                                          <p:attrName>ppt_x</p:attrName>
+                                        </p:attrNameLst>
+                                      </p:cBhvr>
+                                      <p:tavLst>
+                                        <p:tav tm="0">
+                                          <p:val>
+                                            <p:strVal val="#ppt_x"/>
+                                          </p:val>
+                                        </p:tav>
+                                        <p:tav tm="100000">
+                                          <p:val>
+                                            <p:strVal val="#ppt_x"/>
+                                          </p:val>
+                                        </p:tav>
+                                      </p:tavLst>
+                                    </p:anim>
+                                    <p:anim calcmode="lin" valueType="num">
+                                      <p:cBhvr>
+                                        <p:cTn id="30" dur="1000" fill="hold"/>
+                                        <p:tgtEl>
+                                          <p:spTgt spid="3">
+                                            <p:txEl>
+                                              <p:pRg st="3" end="3"/>
+                                            </p:txEl>
+                                          </p:spTgt>
+                                        </p:tgtEl>
+                                        <p:attrNameLst>
+                                          <p:attrName>ppt_y</p:attrName>
+                                        </p:attrNameLst>
+                                      </p:cBhvr>
+                                      <p:tavLst>
+                                        <p:tav tm="0">
+                                          <p:val>
+                                            <p:strVal val="#ppt_y+.1"/>
+                                          </p:val>
+                                        </p:tav>
+                                        <p:tav tm="100000">
+                                          <p:val>
+                                            <p:strVal val="#ppt_y"/>
+                                          </p:val>
+                                        </p:tav>
+                                      </p:tavLst>
+                                    </p:anim>
+                                  </p:childTnLst>
+                                </p:cTn>
+                              </p:par>
+                            </p:childTnLst>
+                          </p:cTn>
+                        </p:par>
+                      </p:childTnLst>
+                    </p:cTn>
+                  </p:par>
+                  <p:par>
+                    <p:cTn id="31" fill="hold">
+                      <p:stCondLst>
+                        <p:cond delay="indefinite"/>
+                      </p:stCondLst>
+                      <p:childTnLst>
+                        <p:par>
+                          <p:cTn id="32" fill="hold">
+                            <p:stCondLst>
+                              <p:cond delay="0"/>
+                            </p:stCondLst>
+                            <p:childTnLst>
+                              <p:par>
+                                <p:cTn id="33" presetID="42" presetClass="entr" presetSubtype="0" fill="hold" nodeType="clickEffect">
+                                  <p:stCondLst>
+                                    <p:cond delay="0"/>
+                                  </p:stCondLst>
+                                  <p:childTnLst>
+                                    <p:set>
+                                      <p:cBhvr>
+                                        <p:cTn id="34" dur="1" fill="hold">
+                                          <p:stCondLst>
+                                            <p:cond delay="0"/>
+                                          </p:stCondLst>
+                                        </p:cTn>
+                                        <p:tgtEl>
+                                          <p:spTgt spid="3">
+                                            <p:txEl>
+                                              <p:pRg st="4" end="4"/>
+                                            </p:txEl>
+                                          </p:spTgt>
+                                        </p:tgtEl>
+                                        <p:attrNameLst>
+                                          <p:attrName>style.visibility</p:attrName>
+                                        </p:attrNameLst>
+                                      </p:cBhvr>
+                                      <p:to>
+                                        <p:strVal val="visible"/>
+                                      </p:to>
+                                    </p:set>
+                                    <p:animEffect transition="in" filter="fade">
+                                      <p:cBhvr>
+                                        <p:cTn id="35" dur="1000"/>
+                                        <p:tgtEl>
+                                          <p:spTgt spid="3">
+                                            <p:txEl>
+                                              <p:pRg st="4" end="4"/>
+                                            </p:txEl>
+                                          </p:spTgt>
+                                        </p:tgtEl>
+                                      </p:cBhvr>
+                                    </p:animEffect>
+                                    <p:anim calcmode="lin" valueType="num">
+                                      <p:cBhvr>
+                                        <p:cTn id="36" dur="1000" fill="hold"/>
+                                        <p:tgtEl>
+                                          <p:spTgt spid="3">
+                                            <p:txEl>
+                                              <p:pRg st="4" end="4"/>
+                                            </p:txEl>
+                                          </p:spTgt>
+                                        </p:tgtEl>
+                                        <p:attrNameLst>
+                                          <p:attrName>ppt_x</p:attrName>
+                                        </p:attrNameLst>
+                                      </p:cBhvr>
+                                      <p:tavLst>
+                                        <p:tav tm="0">
+                                          <p:val>
+                                            <p:strVal val="#ppt_x"/>
+                                          </p:val>
+                                        </p:tav>
+                                        <p:tav tm="100000">
+                                          <p:val>
+                                            <p:strVal val="#ppt_x"/>
+                                          </p:val>
+                                        </p:tav>
+                                      </p:tavLst>
+                                    </p:anim>
+                                    <p:anim calcmode="lin" valueType="num">
+                                      <p:cBhvr>
+                                        <p:cTn id="37" dur="1000" fill="hold"/>
+                                        <p:tgtEl>
+                                          <p:spTgt spid="3">
+                                            <p:txEl>
+                                              <p:pRg st="4" end="4"/>
+                                            </p:txEl>
+                                          </p:spTgt>
+                                        </p:tgtEl>
+                                        <p:attrNameLst>
+                                          <p:attrName>ppt_y</p:attrName>
+                                        </p:attrNameLst>
+                                      </p:cBhvr>
+                                      <p:tavLst>
+                                        <p:tav tm="0">
+                                          <p:val>
+                                            <p:strVal val="#ppt_y+.1"/>
+                                          </p:val>
+                                        </p:tav>
+                                        <p:tav tm="100000">
+                                          <p:val>
+                                            <p:strVal val="#ppt_y"/>
+                                          </p:val>
+                                        </p:tav>
+                                      </p:tavLst>
+                                    </p:anim>
+                                  </p:childTnLst>
+                                </p:cTn>
+                              </p:par>
+                            </p:childTnLst>
+                          </p:cTn>
+                        </p:par>
+                      </p:childTnLst>
+                    </p:cTn>
+                  </p:par>
+                  <p:par>
+                    <p:cTn id="38" fill="hold">
+                      <p:stCondLst>
+                        <p:cond delay="indefinite"/>
+                      </p:stCondLst>
+                      <p:childTnLst>
+                        <p:par>
+                          <p:cTn id="39" fill="hold">
+                            <p:stCondLst>
+                              <p:cond delay="0"/>
+                            </p:stCondLst>
+                            <p:childTnLst>
+                              <p:par>
+                                <p:cTn id="40" presetID="42" presetClass="entr" presetSubtype="0" fill="hold" nodeType="clickEffect">
+                                  <p:stCondLst>
+                                    <p:cond delay="0"/>
+                                  </p:stCondLst>
+                                  <p:childTnLst>
+                                    <p:set>
+                                      <p:cBhvr>
+                                        <p:cTn id="41" dur="1" fill="hold">
+                                          <p:stCondLst>
+                                            <p:cond delay="0"/>
+                                          </p:stCondLst>
+                                        </p:cTn>
+                                        <p:tgtEl>
+                                          <p:spTgt spid="3">
+                                            <p:txEl>
+                                              <p:pRg st="5" end="5"/>
+                                            </p:txEl>
+                                          </p:spTgt>
+                                        </p:tgtEl>
+                                        <p:attrNameLst>
+                                          <p:attrName>style.visibility</p:attrName>
+                                        </p:attrNameLst>
+                                      </p:cBhvr>
+                                      <p:to>
+                                        <p:strVal val="visible"/>
+                                      </p:to>
+                                    </p:set>
+                                    <p:animEffect transition="in" filter="fade">
+                                      <p:cBhvr>
+                                        <p:cTn id="42" dur="1000"/>
+                                        <p:tgtEl>
+                                          <p:spTgt spid="3">
+                                            <p:txEl>
+                                              <p:pRg st="5" end="5"/>
+                                            </p:txEl>
+                                          </p:spTgt>
+                                        </p:tgtEl>
+                                      </p:cBhvr>
+                                    </p:animEffect>
+                                    <p:anim calcmode="lin" valueType="num">
+                                      <p:cBhvr>
+                                        <p:cTn id="43" dur="1000" fill="hold"/>
+                                        <p:tgtEl>
+                                          <p:spTgt spid="3">
+                                            <p:txEl>
+                                              <p:pRg st="5" end="5"/>
+                                            </p:txEl>
+                                          </p:spTgt>
+                                        </p:tgtEl>
+                                        <p:attrNameLst>
+                                          <p:attrName>ppt_x</p:attrName>
+                                        </p:attrNameLst>
+                                      </p:cBhvr>
+                                      <p:tavLst>
+                                        <p:tav tm="0">
+                                          <p:val>
+                                            <p:strVal val="#ppt_x"/>
+                                          </p:val>
+                                        </p:tav>
+                                        <p:tav tm="100000">
+                                          <p:val>
+                                            <p:strVal val="#ppt_x"/>
+                                          </p:val>
+                                        </p:tav>
+                                      </p:tavLst>
+                                    </p:anim>
+                                    <p:anim calcmode="lin" valueType="num">
+                                      <p:cBhvr>
+                                        <p:cTn id="44" dur="1000" fill="hold"/>
+                                        <p:tgtEl>
+                                          <p:spTgt spid="3">
+                                            <p:txEl>
+                                              <p:pRg st="5" end="5"/>
+                                            </p:txEl>
+                                          </p:spTgt>
+                                        </p:tgtEl>
+                                        <p:attrNameLst>
+                                          <p:attrName>ppt_y</p:attrName>
+                                        </p:attrNameLst>
+                                      </p:cBhvr>
+                                      <p:tavLst>
+                                        <p:tav tm="0">
+                                          <p:val>
+                                            <p:strVal val="#ppt_y+.1"/>
+                                          </p:val>
+                                        </p:tav>
+                                        <p:tav tm="100000">
+                                          <p:val>
+                                            <p:strVal val="#ppt_y"/>
+                                          </p:val>
+                                        </p:tav>
+                                      </p:tavLst>
+                                    </p:anim>
+                                  </p:childTnLst>
+                                </p:cTn>
+                              </p:par>
+                            </p:childTnLst>
+                          </p:cTn>
+                        </p:par>
+                      </p:childTnLst>
+                    </p:cTn>
+                  </p:par>
+                </p:childTnLst>
+              </p:cTn>
+              <p:prevCondLst>
+                <p:cond evt="onPrev" delay="0">
+                  <p:tgtEl>
+                    <p:sldTgt/>
+                  </p:tgtEl>
+                </p:cond>
+              </p:prevCondLst>
+              <p:nextCondLst>
+                <p:cond evt="onNext" delay="0">
+                  <p:tgtEl>
+                    <p:sldTgt/>
+                  </p:tgtEl>
+                </p:cond>
+              </p:nextCondLst>
+            </p:seq>
+          </p:childTnLst>
+        </p:cTn>
+      </p:par>
+    </p:tnLst>
+  </p:timing>
+</p:sld>
+</file>
+
+<file path=ppt/slides/slide22.xml><?xml version="1.0" encoding="utf-8"?>
+<p:sld xmlns:a="http://schemas.openxmlformats.org/drawingml/2006/main" xmlns:r="http://schemas.openxmlformats.org/officeDocument/2006/relationships" xmlns:p="http://schemas.openxmlformats.org/presentationml/2006/main">
+  <p:cSld>
+    <p:spTree>
+      <p:nvGrpSpPr>
+        <p:cNvPr id="1" name=""/>
+        <p:cNvGrpSpPr/>
+        <p:nvPr/>
+      </p:nvGrpSpPr>
+      <p:grpSpPr>
+        <a:xfrm>
+          <a:off x="0" y="0"/>
+          <a:ext cx="0" cy="0"/>
+          <a:chOff x="0" y="0"/>
+          <a:chExt cx="0" cy="0"/>
+        </a:xfrm>
+      </p:grpSpPr>
+      <p:sp>
+        <p:nvSpPr>
+          <p:cNvPr id="2" name="Title 1"/>
+          <p:cNvSpPr>
+            <a:spLocks noGrp="1"/>
+          </p:cNvSpPr>
+          <p:nvPr>
+            <p:ph type="title"/>
+          </p:nvPr>
+        </p:nvSpPr>
+        <p:spPr/>
+        <p:txBody>
+          <a:bodyPr/>
+          <a:lstStyle/>
+          <a:p>
+            <a:r>
+              <a:rPr lang="en-US" dirty="0" smtClean="0"/>
+              <a:t>My Day at Software &amp; Services</a:t>
+            </a:r>
+            <a:endParaRPr lang="en-US" dirty="0"/>
+          </a:p>
+        </p:txBody>
+      </p:sp>
+      <p:sp>
+        <p:nvSpPr>
+          <p:cNvPr id="3" name="Content Placeholder 2"/>
+          <p:cNvSpPr>
+            <a:spLocks noGrp="1"/>
+          </p:cNvSpPr>
+          <p:nvPr>
+            <p:ph idx="1"/>
+          </p:nvPr>
+        </p:nvSpPr>
+        <p:spPr/>
+        <p:txBody>
+          <a:bodyPr>
+            <a:normAutofit fontScale="85000" lnSpcReduction="20000"/>
+          </a:bodyPr>
+          <a:lstStyle/>
+          <a:p>
+            <a:r>
+              <a:rPr lang="en-US" dirty="0" smtClean="0"/>
+              <a:t>In the office between 7:30-8:00am</a:t>
+            </a:r>
+          </a:p>
+          <a:p>
+            <a:r>
+              <a:rPr lang="en-US" dirty="0" smtClean="0"/>
+              <a:t>Start the coffee</a:t>
+            </a:r>
+          </a:p>
+          <a:p>
+            <a:r>
+              <a:rPr lang="en-US" dirty="0" smtClean="0"/>
+              <a:t>Log into my computer</a:t>
+            </a:r>
+          </a:p>
+          <a:p>
+            <a:r>
+              <a:rPr lang="en-US" dirty="0" smtClean="0"/>
+              <a:t>Check my work email</a:t>
+            </a:r>
+          </a:p>
+          <a:p>
+            <a:r>
+              <a:rPr lang="en-US" dirty="0" smtClean="0"/>
+              <a:t>Review my task list</a:t>
+            </a:r>
+          </a:p>
+          <a:p>
+            <a:r>
+              <a:rPr lang="en-US" dirty="0" smtClean="0"/>
+              <a:t>If no support issues, continue work on major programming projects</a:t>
+            </a:r>
+          </a:p>
+          <a:p>
+            <a:r>
+              <a:rPr lang="en-US" dirty="0" smtClean="0"/>
+              <a:t>Support Issues normally take priority (putting out fires)</a:t>
+            </a:r>
+          </a:p>
+          <a:p>
+            <a:r>
+              <a:rPr lang="en-US" dirty="0" smtClean="0"/>
+              <a:t>Not uncommon to Read/Send around 50 emails each day</a:t>
+            </a:r>
+          </a:p>
+          <a:p>
+            <a:endParaRPr lang="en-US" dirty="0"/>
+          </a:p>
+        </p:txBody>
+      </p:sp>
+    </p:spTree>
+  </p:cSld>
+  <p:clrMapOvr>
+    <a:masterClrMapping/>
+  </p:clrMapOvr>
+  <p:timing>
+    <p:tnLst>
+      <p:par>
+        <p:cTn id="1" dur="indefinite" restart="never" nodeType="tmRoot">
+          <p:childTnLst>
+            <p:seq concurrent="1" nextAc="seek">
+              <p:cTn id="2" dur="indefinite" nodeType="mainSeq">
+                <p:childTnLst>
+                  <p:par>
+                    <p:cTn id="3" fill="hold">
+                      <p:stCondLst>
+                        <p:cond delay="indefinite"/>
+                      </p:stCondLst>
+                      <p:childTnLst>
+                        <p:par>
+                          <p:cTn id="4" fill="hold">
+                            <p:stCondLst>
+                              <p:cond delay="0"/>
+                            </p:stCondLst>
+                            <p:childTnLst>
+                              <p:par>
+                                <p:cTn id="5" presetID="42" presetClass="entr" presetSubtype="0" fill="hold" nodeType="clickEffect">
+                                  <p:stCondLst>
+                                    <p:cond delay="0"/>
+                                  </p:stCondLst>
+                                  <p:childTnLst>
+                                    <p:set>
+                                      <p:cBhvr>
+                                        <p:cTn id="6" dur="1" fill="hold">
+                                          <p:stCondLst>
+                                            <p:cond delay="0"/>
+                                          </p:stCondLst>
+                                        </p:cTn>
+                                        <p:tgtEl>
+                                          <p:spTgt spid="3">
+                                            <p:txEl>
+                                              <p:pRg st="0" end="0"/>
+                                            </p:txEl>
+                                          </p:spTgt>
+                                        </p:tgtEl>
+                                        <p:attrNameLst>
+                                          <p:attrName>style.visibility</p:attrName>
+                                        </p:attrNameLst>
+                                      </p:cBhvr>
+                                      <p:to>
+                                        <p:strVal val="visible"/>
+                                      </p:to>
+                                    </p:set>
+                                    <p:animEffect transition="in" filter="fade">
+                                      <p:cBhvr>
+                                        <p:cTn id="7" dur="1000"/>
+                                        <p:tgtEl>
+                                          <p:spTgt spid="3">
+                                            <p:txEl>
+                                              <p:pRg st="0" end="0"/>
+                                            </p:txEl>
+                                          </p:spTgt>
+                                        </p:tgtEl>
+                                      </p:cBhvr>
+                                    </p:animEffect>
+                                    <p:anim calcmode="lin" valueType="num">
+                                      <p:cBhvr>
+                                        <p:cTn id="8" dur="1000" fill="hold"/>
+                                        <p:tgtEl>
+                                          <p:spTgt spid="3">
+                                            <p:txEl>
+                                              <p:pRg st="0" end="0"/>
+                                            </p:txEl>
+                                          </p:spTgt>
+                                        </p:tgtEl>
+                                        <p:attrNameLst>
+                                          <p:attrName>ppt_x</p:attrName>
+                                        </p:attrNameLst>
+                                      </p:cBhvr>
+                                      <p:tavLst>
+                                        <p:tav tm="0">
+                                          <p:val>
+                                            <p:strVal val="#ppt_x"/>
+                                          </p:val>
+                                        </p:tav>
+                                        <p:tav tm="100000">
+                                          <p:val>
+                                            <p:strVal val="#ppt_x"/>
+                                          </p:val>
+                                        </p:tav>
+                                      </p:tavLst>
+                                    </p:anim>
+                                    <p:anim calcmode="lin" valueType="num">
+                                      <p:cBhvr>
+                                        <p:cTn id="9" dur="1000" fill="hold"/>
+                                        <p:tgtEl>
+                                          <p:spTgt spid="3">
+                                            <p:txEl>
+                                              <p:pRg st="0" end="0"/>
+                                            </p:txEl>
+                                          </p:spTgt>
+                                        </p:tgtEl>
+                                        <p:attrNameLst>
+                                          <p:attrName>ppt_y</p:attrName>
+                                        </p:attrNameLst>
+                                      </p:cBhvr>
+                                      <p:tavLst>
+                                        <p:tav tm="0">
+                                          <p:val>
+                                            <p:strVal val="#ppt_y+.1"/>
+                                          </p:val>
+                                        </p:tav>
+                                        <p:tav tm="100000">
+                                          <p:val>
+                                            <p:strVal val="#ppt_y"/>
+                                          </p:val>
+                                        </p:tav>
+                                      </p:tavLst>
+                                    </p:anim>
+                                  </p:childTnLst>
+                                </p:cTn>
+                              </p:par>
+                            </p:childTnLst>
+                          </p:cTn>
+                        </p:par>
+                      </p:childTnLst>
+                    </p:cTn>
+                  </p:par>
+                  <p:par>
+                    <p:cTn id="10" fill="hold">
+                      <p:stCondLst>
+                        <p:cond delay="indefinite"/>
+                      </p:stCondLst>
+                      <p:childTnLst>
+                        <p:par>
+                          <p:cTn id="11" fill="hold">
+                            <p:stCondLst>
+                              <p:cond delay="0"/>
+                            </p:stCondLst>
+                            <p:childTnLst>
+                              <p:par>
+                                <p:cTn id="12" presetID="42" presetClass="entr" presetSubtype="0" fill="hold" nodeType="clickEffect">
+                                  <p:stCondLst>
+                                    <p:cond delay="0"/>
+                                  </p:stCondLst>
+                                  <p:childTnLst>
+                                    <p:set>
+                                      <p:cBhvr>
+                                        <p:cTn id="13" dur="1" fill="hold">
+                                          <p:stCondLst>
+                                            <p:cond delay="0"/>
+                                          </p:stCondLst>
+                                        </p:cTn>
+                                        <p:tgtEl>
+                                          <p:spTgt spid="3">
+                                            <p:txEl>
+                                              <p:pRg st="1" end="1"/>
+                                            </p:txEl>
+                                          </p:spTgt>
+                                        </p:tgtEl>
+                                        <p:attrNameLst>
+                                          <p:attrName>style.visibility</p:attrName>
+                                        </p:attrNameLst>
+                                      </p:cBhvr>
+                                      <p:to>
+                                        <p:strVal val="visible"/>
+                                      </p:to>
+                                    </p:set>
+                                    <p:animEffect transition="in" filter="fade">
+                                      <p:cBhvr>
+                                        <p:cTn id="14" dur="1000"/>
+                                        <p:tgtEl>
+                                          <p:spTgt spid="3">
+                                            <p:txEl>
+                                              <p:pRg st="1" end="1"/>
+                                            </p:txEl>
+                                          </p:spTgt>
+                                        </p:tgtEl>
+                                      </p:cBhvr>
+                                    </p:animEffect>
+                                    <p:anim calcmode="lin" valueType="num">
+                                      <p:cBhvr>
+                                        <p:cTn id="15" dur="1000" fill="hold"/>
+                                        <p:tgtEl>
+                                          <p:spTgt spid="3">
+                                            <p:txEl>
+                                              <p:pRg st="1" end="1"/>
+                                            </p:txEl>
+                                          </p:spTgt>
+                                        </p:tgtEl>
+                                        <p:attrNameLst>
+                                          <p:attrName>ppt_x</p:attrName>
+                                        </p:attrNameLst>
+                                      </p:cBhvr>
+                                      <p:tavLst>
+                                        <p:tav tm="0">
+                                          <p:val>
+                                            <p:strVal val="#ppt_x"/>
+                                          </p:val>
+                                        </p:tav>
+                                        <p:tav tm="100000">
+                                          <p:val>
+                                            <p:strVal val="#ppt_x"/>
+                                          </p:val>
+                                        </p:tav>
+                                      </p:tavLst>
+                                    </p:anim>
+                                    <p:anim calcmode="lin" valueType="num">
+                                      <p:cBhvr>
+                                        <p:cTn id="16" dur="1000" fill="hold"/>
+                                        <p:tgtEl>
+                                          <p:spTgt spid="3">
+                                            <p:txEl>
+                                              <p:pRg st="1" end="1"/>
+                                            </p:txEl>
+                                          </p:spTgt>
+                                        </p:tgtEl>
+                                        <p:attrNameLst>
+                                          <p:attrName>ppt_y</p:attrName>
+                                        </p:attrNameLst>
+                                      </p:cBhvr>
+                                      <p:tavLst>
+                                        <p:tav tm="0">
+                                          <p:val>
+                                            <p:strVal val="#ppt_y+.1"/>
+                                          </p:val>
+                                        </p:tav>
+                                        <p:tav tm="100000">
+                                          <p:val>
+                                            <p:strVal val="#ppt_y"/>
+                                          </p:val>
+                                        </p:tav>
+                                      </p:tavLst>
+                                    </p:anim>
+                                  </p:childTnLst>
+                                </p:cTn>
+                              </p:par>
+                            </p:childTnLst>
+                          </p:cTn>
+                        </p:par>
+                      </p:childTnLst>
+                    </p:cTn>
+                  </p:par>
+                  <p:par>
+                    <p:cTn id="17" fill="hold">
+                      <p:stCondLst>
+                        <p:cond delay="indefinite"/>
+                      </p:stCondLst>
+                      <p:childTnLst>
+                        <p:par>
+                          <p:cTn id="18" fill="hold">
+                            <p:stCondLst>
+                              <p:cond delay="0"/>
+                            </p:stCondLst>
+                            <p:childTnLst>
+                              <p:par>
+                                <p:cTn id="19" presetID="42" presetClass="entr" presetSubtype="0" fill="hold" nodeType="clickEffect">
+                                  <p:stCondLst>
+                                    <p:cond delay="0"/>
+                                  </p:stCondLst>
+                                  <p:childTnLst>
+                                    <p:set>
+                                      <p:cBhvr>
+                                        <p:cTn id="20" dur="1" fill="hold">
+                                          <p:stCondLst>
+                                            <p:cond delay="0"/>
+                                          </p:stCondLst>
+                                        </p:cTn>
+                                        <p:tgtEl>
+                                          <p:spTgt spid="3">
+                                            <p:txEl>
+                                              <p:pRg st="2" end="2"/>
+                                            </p:txEl>
+                                          </p:spTgt>
+                                        </p:tgtEl>
+                                        <p:attrNameLst>
+                                          <p:attrName>style.visibility</p:attrName>
+                                        </p:attrNameLst>
+                                      </p:cBhvr>
+                                      <p:to>
+                                        <p:strVal val="visible"/>
+                                      </p:to>
+                                    </p:set>
+                                    <p:animEffect transition="in" filter="fade">
+                                      <p:cBhvr>
+                                        <p:cTn id="21" dur="1000"/>
+                                        <p:tgtEl>
+                                          <p:spTgt spid="3">
+                                            <p:txEl>
+                                              <p:pRg st="2" end="2"/>
+                                            </p:txEl>
+                                          </p:spTgt>
+                                        </p:tgtEl>
+                                      </p:cBhvr>
+                                    </p:animEffect>
+                                    <p:anim calcmode="lin" valueType="num">
+                                      <p:cBhvr>
+                                        <p:cTn id="22" dur="1000" fill="hold"/>
+                                        <p:tgtEl>
+                                          <p:spTgt spid="3">
+                                            <p:txEl>
+                                              <p:pRg st="2" end="2"/>
+                                            </p:txEl>
+                                          </p:spTgt>
+                                        </p:tgtEl>
+                                        <p:attrNameLst>
+                                          <p:attrName>ppt_x</p:attrName>
+                                        </p:attrNameLst>
+                                      </p:cBhvr>
+                                      <p:tavLst>
+                                        <p:tav tm="0">
+                                          <p:val>
+                                            <p:strVal val="#ppt_x"/>
+                                          </p:val>
+                                        </p:tav>
+                                        <p:tav tm="100000">
+                                          <p:val>
+                                            <p:strVal val="#ppt_x"/>
+                                          </p:val>
+                                        </p:tav>
+                                      </p:tavLst>
+                                    </p:anim>
+                                    <p:anim calcmode="lin" valueType="num">
+                                      <p:cBhvr>
+                                        <p:cTn id="23" dur="1000" fill="hold"/>
+                                        <p:tgtEl>
+                                          <p:spTgt spid="3">
+                                            <p:txEl>
+                                              <p:pRg st="2" end="2"/>
+                                            </p:txEl>
+                                          </p:spTgt>
+                                        </p:tgtEl>
+                                        <p:attrNameLst>
+                                          <p:attrName>ppt_y</p:attrName>
+                                        </p:attrNameLst>
+                                      </p:cBhvr>
+                                      <p:tavLst>
+                                        <p:tav tm="0">
+                                          <p:val>
+                                            <p:strVal val="#ppt_y+.1"/>
+                                          </p:val>
+                                        </p:tav>
+                                        <p:tav tm="100000">
+                                          <p:val>
+                                            <p:strVal val="#ppt_y"/>
+                                          </p:val>
+                                        </p:tav>
+                                      </p:tavLst>
+                                    </p:anim>
+                                  </p:childTnLst>
+                                </p:cTn>
+                              </p:par>
+                            </p:childTnLst>
+                          </p:cTn>
+                        </p:par>
+                      </p:childTnLst>
+                    </p:cTn>
+                  </p:par>
+                  <p:par>
+                    <p:cTn id="24" fill="hold">
+                      <p:stCondLst>
+                        <p:cond delay="indefinite"/>
+                      </p:stCondLst>
+                      <p:childTnLst>
+                        <p:par>
+                          <p:cTn id="25" fill="hold">
+                            <p:stCondLst>
+                              <p:cond delay="0"/>
+                            </p:stCondLst>
+                            <p:childTnLst>
+                              <p:par>
+                                <p:cTn id="26" presetID="42" presetClass="entr" presetSubtype="0" fill="hold" nodeType="clickEffect">
+                                  <p:stCondLst>
+                                    <p:cond delay="0"/>
+                                  </p:stCondLst>
+                                  <p:childTnLst>
+                                    <p:set>
+                                      <p:cBhvr>
+                                        <p:cTn id="27" dur="1" fill="hold">
+                                          <p:stCondLst>
+                                            <p:cond delay="0"/>
+                                          </p:stCondLst>
+                                        </p:cTn>
+                                        <p:tgtEl>
+                                          <p:spTgt spid="3">
+                                            <p:txEl>
+                                              <p:pRg st="3" end="3"/>
+                                            </p:txEl>
+                                          </p:spTgt>
+                                        </p:tgtEl>
+                                        <p:attrNameLst>
+                                          <p:attrName>style.visibility</p:attrName>
+                                        </p:attrNameLst>
+                                      </p:cBhvr>
+                                      <p:to>
+                                        <p:strVal val="visible"/>
+                                      </p:to>
+                                    </p:set>
+                                    <p:animEffect transition="in" filter="fade">
+                                      <p:cBhvr>
+                                        <p:cTn id="28" dur="1000"/>
+                                        <p:tgtEl>
+                                          <p:spTgt spid="3">
+                                            <p:txEl>
+                                              <p:pRg st="3" end="3"/>
+                                            </p:txEl>
+                                          </p:spTgt>
+                                        </p:tgtEl>
+                                      </p:cBhvr>
+                                    </p:animEffect>
+                                    <p:anim calcmode="lin" valueType="num">
+                                      <p:cBhvr>
+                                        <p:cTn id="29" dur="1000" fill="hold"/>
+                                        <p:tgtEl>
+                                          <p:spTgt spid="3">
+                                            <p:txEl>
+                                              <p:pRg st="3" end="3"/>
+                                            </p:txEl>
+                                          </p:spTgt>
+                                        </p:tgtEl>
+                                        <p:attrNameLst>
+                                          <p:attrName>ppt_x</p:attrName>
+                                        </p:attrNameLst>
+                                      </p:cBhvr>
+                                      <p:tavLst>
+                                        <p:tav tm="0">
+                                          <p:val>
+                                            <p:strVal val="#ppt_x"/>
+                                          </p:val>
+                                        </p:tav>
+                                        <p:tav tm="100000">
+                                          <p:val>
+                                            <p:strVal val="#ppt_x"/>
+                                          </p:val>
+                                        </p:tav>
+                                      </p:tavLst>
+                                    </p:anim>
+                                    <p:anim calcmode="lin" valueType="num">
+                                      <p:cBhvr>
+                                        <p:cTn id="30" dur="1000" fill="hold"/>
+                                        <p:tgtEl>
+                                          <p:spTgt spid="3">
+                                            <p:txEl>
+                                              <p:pRg st="3" end="3"/>
+                                            </p:txEl>
+                                          </p:spTgt>
+                                        </p:tgtEl>
+                                        <p:attrNameLst>
+                                          <p:attrName>ppt_y</p:attrName>
+                                        </p:attrNameLst>
+                                      </p:cBhvr>
+                                      <p:tavLst>
+                                        <p:tav tm="0">
+                                          <p:val>
+                                            <p:strVal val="#ppt_y+.1"/>
+                                          </p:val>
+                                        </p:tav>
+                                        <p:tav tm="100000">
+                                          <p:val>
+                                            <p:strVal val="#ppt_y"/>
+                                          </p:val>
+                                        </p:tav>
+                                      </p:tavLst>
+                                    </p:anim>
+                                  </p:childTnLst>
+                                </p:cTn>
+                              </p:par>
+                            </p:childTnLst>
+                          </p:cTn>
+                        </p:par>
+                      </p:childTnLst>
+                    </p:cTn>
+                  </p:par>
+                  <p:par>
+                    <p:cTn id="31" fill="hold">
+                      <p:stCondLst>
+                        <p:cond delay="indefinite"/>
+                      </p:stCondLst>
+                      <p:childTnLst>
+                        <p:par>
+                          <p:cTn id="32" fill="hold">
+                            <p:stCondLst>
+                              <p:cond delay="0"/>
+                            </p:stCondLst>
+                            <p:childTnLst>
+                              <p:par>
+                                <p:cTn id="33" presetID="42" presetClass="entr" presetSubtype="0" fill="hold" nodeType="clickEffect">
+                                  <p:stCondLst>
+                                    <p:cond delay="0"/>
+                                  </p:stCondLst>
+                                  <p:childTnLst>
+                                    <p:set>
+                                      <p:cBhvr>
+                                        <p:cTn id="34" dur="1" fill="hold">
+                                          <p:stCondLst>
+                                            <p:cond delay="0"/>
+                                          </p:stCondLst>
+                                        </p:cTn>
+                                        <p:tgtEl>
+                                          <p:spTgt spid="3">
+                                            <p:txEl>
+                                              <p:pRg st="4" end="4"/>
+                                            </p:txEl>
+                                          </p:spTgt>
+                                        </p:tgtEl>
+                                        <p:attrNameLst>
+                                          <p:attrName>style.visibility</p:attrName>
+                                        </p:attrNameLst>
+                                      </p:cBhvr>
+                                      <p:to>
+                                        <p:strVal val="visible"/>
+                                      </p:to>
+                                    </p:set>
+                                    <p:animEffect transition="in" filter="fade">
+                                      <p:cBhvr>
+                                        <p:cTn id="35" dur="1000"/>
+                                        <p:tgtEl>
+                                          <p:spTgt spid="3">
+                                            <p:txEl>
+                                              <p:pRg st="4" end="4"/>
+                                            </p:txEl>
+                                          </p:spTgt>
+                                        </p:tgtEl>
+                                      </p:cBhvr>
+                                    </p:animEffect>
+                                    <p:anim calcmode="lin" valueType="num">
+                                      <p:cBhvr>
+                                        <p:cTn id="36" dur="1000" fill="hold"/>
+                                        <p:tgtEl>
+                                          <p:spTgt spid="3">
+                                            <p:txEl>
+                                              <p:pRg st="4" end="4"/>
+                                            </p:txEl>
+                                          </p:spTgt>
+                                        </p:tgtEl>
+                                        <p:attrNameLst>
+                                          <p:attrName>ppt_x</p:attrName>
+                                        </p:attrNameLst>
+                                      </p:cBhvr>
+                                      <p:tavLst>
+                                        <p:tav tm="0">
+                                          <p:val>
+                                            <p:strVal val="#ppt_x"/>
+                                          </p:val>
+                                        </p:tav>
+                                        <p:tav tm="100000">
+                                          <p:val>
+                                            <p:strVal val="#ppt_x"/>
+                                          </p:val>
+                                        </p:tav>
+                                      </p:tavLst>
+                                    </p:anim>
+                                    <p:anim calcmode="lin" valueType="num">
+                                      <p:cBhvr>
+                                        <p:cTn id="37" dur="1000" fill="hold"/>
+                                        <p:tgtEl>
+                                          <p:spTgt spid="3">
+                                            <p:txEl>
+                                              <p:pRg st="4" end="4"/>
+                                            </p:txEl>
+                                          </p:spTgt>
+                                        </p:tgtEl>
+                                        <p:attrNameLst>
+                                          <p:attrName>ppt_y</p:attrName>
+                                        </p:attrNameLst>
+                                      </p:cBhvr>
+                                      <p:tavLst>
+                                        <p:tav tm="0">
+                                          <p:val>
+                                            <p:strVal val="#ppt_y+.1"/>
+                                          </p:val>
+                                        </p:tav>
+                                        <p:tav tm="100000">
+                                          <p:val>
+                                            <p:strVal val="#ppt_y"/>
+                                          </p:val>
+                                        </p:tav>
+                                      </p:tavLst>
+                                    </p:anim>
+                                  </p:childTnLst>
+                                </p:cTn>
+                              </p:par>
+                            </p:childTnLst>
+                          </p:cTn>
+                        </p:par>
+                      </p:childTnLst>
+                    </p:cTn>
+                  </p:par>
+                  <p:par>
+                    <p:cTn id="38" fill="hold">
+                      <p:stCondLst>
+                        <p:cond delay="indefinite"/>
+                      </p:stCondLst>
+                      <p:childTnLst>
+                        <p:par>
+                          <p:cTn id="39" fill="hold">
+                            <p:stCondLst>
+                              <p:cond delay="0"/>
+                            </p:stCondLst>
+                            <p:childTnLst>
+                              <p:par>
+                                <p:cTn id="40" presetID="42" presetClass="entr" presetSubtype="0" fill="hold" nodeType="clickEffect">
+                                  <p:stCondLst>
+                                    <p:cond delay="0"/>
+                                  </p:stCondLst>
+                                  <p:childTnLst>
+                                    <p:set>
+                                      <p:cBhvr>
+                                        <p:cTn id="41" dur="1" fill="hold">
+                                          <p:stCondLst>
+                                            <p:cond delay="0"/>
+                                          </p:stCondLst>
+                                        </p:cTn>
+                                        <p:tgtEl>
+                                          <p:spTgt spid="3">
+                                            <p:txEl>
+                                              <p:pRg st="5" end="5"/>
+                                            </p:txEl>
+                                          </p:spTgt>
+                                        </p:tgtEl>
+                                        <p:attrNameLst>
+                                          <p:attrName>style.visibility</p:attrName>
+                                        </p:attrNameLst>
+                                      </p:cBhvr>
+                                      <p:to>
+                                        <p:strVal val="visible"/>
+                                      </p:to>
+                                    </p:set>
+                                    <p:animEffect transition="in" filter="fade">
+                                      <p:cBhvr>
+                                        <p:cTn id="42" dur="1000"/>
+                                        <p:tgtEl>
+                                          <p:spTgt spid="3">
+                                            <p:txEl>
+                                              <p:pRg st="5" end="5"/>
+                                            </p:txEl>
+                                          </p:spTgt>
+                                        </p:tgtEl>
+                                      </p:cBhvr>
+                                    </p:animEffect>
+                                    <p:anim calcmode="lin" valueType="num">
+                                      <p:cBhvr>
+                                        <p:cTn id="43" dur="1000" fill="hold"/>
+                                        <p:tgtEl>
+                                          <p:spTgt spid="3">
+                                            <p:txEl>
+                                              <p:pRg st="5" end="5"/>
+                                            </p:txEl>
+                                          </p:spTgt>
+                                        </p:tgtEl>
+                                        <p:attrNameLst>
+                                          <p:attrName>ppt_x</p:attrName>
+                                        </p:attrNameLst>
+                                      </p:cBhvr>
+                                      <p:tavLst>
+                                        <p:tav tm="0">
+                                          <p:val>
+                                            <p:strVal val="#ppt_x"/>
+                                          </p:val>
+                                        </p:tav>
+                                        <p:tav tm="100000">
+                                          <p:val>
+                                            <p:strVal val="#ppt_x"/>
+                                          </p:val>
+                                        </p:tav>
+                                      </p:tavLst>
+                                    </p:anim>
+                                    <p:anim calcmode="lin" valueType="num">
+                                      <p:cBhvr>
+                                        <p:cTn id="44" dur="1000" fill="hold"/>
+                                        <p:tgtEl>
+                                          <p:spTgt spid="3">
+                                            <p:txEl>
+                                              <p:pRg st="5" end="5"/>
+                                            </p:txEl>
+                                          </p:spTgt>
+                                        </p:tgtEl>
+                                        <p:attrNameLst>
+                                          <p:attrName>ppt_y</p:attrName>
+                                        </p:attrNameLst>
+                                      </p:cBhvr>
+                                      <p:tavLst>
+                                        <p:tav tm="0">
+                                          <p:val>
+                                            <p:strVal val="#ppt_y+.1"/>
+                                          </p:val>
+                                        </p:tav>
+                                        <p:tav tm="100000">
+                                          <p:val>
+                                            <p:strVal val="#ppt_y"/>
+                                          </p:val>
+                                        </p:tav>
+                                      </p:tavLst>
+                                    </p:anim>
+                                  </p:childTnLst>
+                                </p:cTn>
+                              </p:par>
+                            </p:childTnLst>
+                          </p:cTn>
+                        </p:par>
+                      </p:childTnLst>
+                    </p:cTn>
+                  </p:par>
+                  <p:par>
+                    <p:cTn id="45" fill="hold">
+                      <p:stCondLst>
+                        <p:cond delay="indefinite"/>
+                      </p:stCondLst>
+                      <p:childTnLst>
+                        <p:par>
+                          <p:cTn id="46" fill="hold">
+                            <p:stCondLst>
+                              <p:cond delay="0"/>
+                            </p:stCondLst>
+                            <p:childTnLst>
+                              <p:par>
+                                <p:cTn id="47" presetID="42" presetClass="entr" presetSubtype="0" fill="hold" nodeType="clickEffect">
+                                  <p:stCondLst>
+                                    <p:cond delay="0"/>
+                                  </p:stCondLst>
+                                  <p:childTnLst>
+                                    <p:set>
+                                      <p:cBhvr>
+                                        <p:cTn id="48" dur="1" fill="hold">
+                                          <p:stCondLst>
+                                            <p:cond delay="0"/>
+                                          </p:stCondLst>
+                                        </p:cTn>
+                                        <p:tgtEl>
+                                          <p:spTgt spid="3">
+                                            <p:txEl>
+                                              <p:pRg st="6" end="6"/>
+                                            </p:txEl>
+                                          </p:spTgt>
+                                        </p:tgtEl>
+                                        <p:attrNameLst>
+                                          <p:attrName>style.visibility</p:attrName>
+                                        </p:attrNameLst>
+                                      </p:cBhvr>
+                                      <p:to>
+                                        <p:strVal val="visible"/>
+                                      </p:to>
+                                    </p:set>
+                                    <p:animEffect transition="in" filter="fade">
+                                      <p:cBhvr>
+                                        <p:cTn id="49" dur="1000"/>
+                                        <p:tgtEl>
+                                          <p:spTgt spid="3">
+                                            <p:txEl>
+                                              <p:pRg st="6" end="6"/>
+                                            </p:txEl>
+                                          </p:spTgt>
+                                        </p:tgtEl>
+                                      </p:cBhvr>
+                                    </p:animEffect>
+                                    <p:anim calcmode="lin" valueType="num">
+                                      <p:cBhvr>
+                                        <p:cTn id="50" dur="1000" fill="hold"/>
+                                        <p:tgtEl>
+                                          <p:spTgt spid="3">
+                                            <p:txEl>
+                                              <p:pRg st="6" end="6"/>
+                                            </p:txEl>
+                                          </p:spTgt>
+                                        </p:tgtEl>
+                                        <p:attrNameLst>
+                                          <p:attrName>ppt_x</p:attrName>
+                                        </p:attrNameLst>
+                                      </p:cBhvr>
+                                      <p:tavLst>
+                                        <p:tav tm="0">
+                                          <p:val>
+                                            <p:strVal val="#ppt_x"/>
+                                          </p:val>
+                                        </p:tav>
+                                        <p:tav tm="100000">
+                                          <p:val>
+                                            <p:strVal val="#ppt_x"/>
+                                          </p:val>
+                                        </p:tav>
+                                      </p:tavLst>
+                                    </p:anim>
+                                    <p:anim calcmode="lin" valueType="num">
+                                      <p:cBhvr>
+                                        <p:cTn id="51" dur="1000" fill="hold"/>
+                                        <p:tgtEl>
+                                          <p:spTgt spid="3">
+                                            <p:txEl>
+                                              <p:pRg st="6" end="6"/>
+                                            </p:txEl>
+                                          </p:spTgt>
+                                        </p:tgtEl>
+                                        <p:attrNameLst>
+                                          <p:attrName>ppt_y</p:attrName>
+                                        </p:attrNameLst>
+                                      </p:cBhvr>
+                                      <p:tavLst>
+                                        <p:tav tm="0">
+                                          <p:val>
+                                            <p:strVal val="#ppt_y+.1"/>
+                                          </p:val>
+                                        </p:tav>
+                                        <p:tav tm="100000">
+                                          <p:val>
+                                            <p:strVal val="#ppt_y"/>
+                                          </p:val>
+                                        </p:tav>
+                                      </p:tavLst>
+                                    </p:anim>
+                                  </p:childTnLst>
+                                </p:cTn>
+                              </p:par>
+                            </p:childTnLst>
+                          </p:cTn>
+                        </p:par>
+                      </p:childTnLst>
+                    </p:cTn>
+                  </p:par>
+                  <p:par>
+                    <p:cTn id="52" fill="hold">
+                      <p:stCondLst>
+                        <p:cond delay="indefinite"/>
+                      </p:stCondLst>
+                      <p:childTnLst>
+                        <p:par>
+                          <p:cTn id="53" fill="hold">
+                            <p:stCondLst>
+                              <p:cond delay="0"/>
+                            </p:stCondLst>
+                            <p:childTnLst>
+                              <p:par>
+                                <p:cTn id="54" presetID="42" presetClass="entr" presetSubtype="0" fill="hold" nodeType="clickEffect">
+                                  <p:stCondLst>
+                                    <p:cond delay="0"/>
+                                  </p:stCondLst>
+                                  <p:childTnLst>
+                                    <p:set>
+                                      <p:cBhvr>
+                                        <p:cTn id="55" dur="1" fill="hold">
+                                          <p:stCondLst>
+                                            <p:cond delay="0"/>
+                                          </p:stCondLst>
+                                        </p:cTn>
+                                        <p:tgtEl>
+                                          <p:spTgt spid="3">
+                                            <p:txEl>
+                                              <p:pRg st="7" end="7"/>
+                                            </p:txEl>
+                                          </p:spTgt>
+                                        </p:tgtEl>
+                                        <p:attrNameLst>
+                                          <p:attrName>style.visibility</p:attrName>
+                                        </p:attrNameLst>
+                                      </p:cBhvr>
+                                      <p:to>
+                                        <p:strVal val="visible"/>
+                                      </p:to>
+                                    </p:set>
+                                    <p:animEffect transition="in" filter="fade">
+                                      <p:cBhvr>
+                                        <p:cTn id="56" dur="1000"/>
+                                        <p:tgtEl>
+                                          <p:spTgt spid="3">
+                                            <p:txEl>
+                                              <p:pRg st="7" end="7"/>
+                                            </p:txEl>
+                                          </p:spTgt>
+                                        </p:tgtEl>
+                                      </p:cBhvr>
+                                    </p:animEffect>
+                                    <p:anim calcmode="lin" valueType="num">
+                                      <p:cBhvr>
+                                        <p:cTn id="57" dur="1000" fill="hold"/>
+                                        <p:tgtEl>
+                                          <p:spTgt spid="3">
+                                            <p:txEl>
+                                              <p:pRg st="7" end="7"/>
+                                            </p:txEl>
+                                          </p:spTgt>
+                                        </p:tgtEl>
+                                        <p:attrNameLst>
+                                          <p:attrName>ppt_x</p:attrName>
+                                        </p:attrNameLst>
+                                      </p:cBhvr>
+                                      <p:tavLst>
+                                        <p:tav tm="0">
+                                          <p:val>
+                                            <p:strVal val="#ppt_x"/>
+                                          </p:val>
+                                        </p:tav>
+                                        <p:tav tm="100000">
+                                          <p:val>
+                                            <p:strVal val="#ppt_x"/>
+                                          </p:val>
+                                        </p:tav>
+                                      </p:tavLst>
+                                    </p:anim>
+                                    <p:anim calcmode="lin" valueType="num">
+                                      <p:cBhvr>
+                                        <p:cTn id="58" dur="1000" fill="hold"/>
+                                        <p:tgtEl>
+                                          <p:spTgt spid="3">
+                                            <p:txEl>
+                                              <p:pRg st="7" end="7"/>
+                                            </p:txEl>
+                                          </p:spTgt>
+                                        </p:tgtEl>
+                                        <p:attrNameLst>
+                                          <p:attrName>ppt_y</p:attrName>
+                                        </p:attrNameLst>
+                                      </p:cBhvr>
+                                      <p:tavLst>
+                                        <p:tav tm="0">
+                                          <p:val>
+                                            <p:strVal val="#ppt_y+.1"/>
+                                          </p:val>
+                                        </p:tav>
+                                        <p:tav tm="100000">
+                                          <p:val>
+                                            <p:strVal val="#ppt_y"/>
+                                          </p:val>
+                                        </p:tav>
+                                      </p:tavLst>
+                                    </p:anim>
+                                  </p:childTnLst>
+                                </p:cTn>
+                              </p:par>
+                            </p:childTnLst>
+                          </p:cTn>
+                        </p:par>
+                      </p:childTnLst>
+                    </p:cTn>
+                  </p:par>
+                </p:childTnLst>
+              </p:cTn>
+              <p:prevCondLst>
+                <p:cond evt="onPrev" delay="0">
+                  <p:tgtEl>
+                    <p:sldTgt/>
+                  </p:tgtEl>
+                </p:cond>
+              </p:prevCondLst>
+              <p:nextCondLst>
+                <p:cond evt="onNext" delay="0">
+                  <p:tgtEl>
+                    <p:sldTgt/>
+                  </p:tgtEl>
+                </p:cond>
+              </p:nextCondLst>
+            </p:seq>
+          </p:childTnLst>
+        </p:cTn>
+      </p:par>
+    </p:tnLst>
+  </p:timing>
+</p:sld>
+</file>
+
+<file path=ppt/slides/slide3.xml><?xml version="1.0" encoding="utf-8"?>
+<p:sld xmlns:a="http://schemas.openxmlformats.org/drawingml/2006/main" xmlns:r="http://schemas.openxmlformats.org/officeDocument/2006/relationships" xmlns:p="http://schemas.openxmlformats.org/presentationml/2006/main">
+  <p:cSld>
+    <p:spTree>
+      <p:nvGrpSpPr>
+        <p:cNvPr id="1" name=""/>
+        <p:cNvGrpSpPr/>
+        <p:nvPr/>
+      </p:nvGrpSpPr>
+      <p:grpSpPr>
+        <a:xfrm>
+          <a:off x="0" y="0"/>
+          <a:ext cx="0" cy="0"/>
+          <a:chOff x="0" y="0"/>
+          <a:chExt cx="0" cy="0"/>
+        </a:xfrm>
+      </p:grpSpPr>
+      <p:sp>
+        <p:nvSpPr>
+          <p:cNvPr id="2" name="Title 1"/>
+          <p:cNvSpPr>
+            <a:spLocks noGrp="1"/>
+          </p:cNvSpPr>
+          <p:nvPr>
+            <p:ph type="title"/>
+          </p:nvPr>
+        </p:nvSpPr>
+        <p:spPr/>
+        <p:txBody>
+          <a:bodyPr/>
+          <a:lstStyle/>
+          <a:p>
+            <a:r>
+              <a:rPr lang="en-US" dirty="0" smtClean="0"/>
+              <a:t>Software Developer</a:t>
+            </a:r>
+            <a:endParaRPr lang="en-US" dirty="0"/>
+          </a:p>
+        </p:txBody>
+      </p:sp>
+      <p:sp>
+        <p:nvSpPr>
+          <p:cNvPr id="3" name="Content Placeholder 2"/>
+          <p:cNvSpPr>
+            <a:spLocks noGrp="1"/>
+          </p:cNvSpPr>
+          <p:nvPr>
+            <p:ph idx="1"/>
+          </p:nvPr>
+        </p:nvSpPr>
+        <p:spPr/>
+        <p:txBody>
+          <a:bodyPr/>
+          <a:lstStyle/>
+          <a:p>
+            <a:r>
+              <a:rPr lang="en-US" dirty="0"/>
+              <a:t>Software Developer</a:t>
+            </a:r>
+          </a:p>
+          <a:p>
+            <a:pPr lvl="1"/>
+            <a:r>
+              <a:rPr lang="en-US" dirty="0"/>
+              <a:t>Write </a:t>
+            </a:r>
+            <a:r>
+              <a:rPr lang="en-US" dirty="0" smtClean="0"/>
+              <a:t>code (build software applications)</a:t>
+            </a:r>
+            <a:endParaRPr lang="en-US" dirty="0"/>
+          </a:p>
+          <a:p>
+            <a:pPr lvl="1"/>
+            <a:r>
+              <a:rPr lang="en-US" dirty="0"/>
+              <a:t>Troubleshoot </a:t>
+            </a:r>
+            <a:r>
+              <a:rPr lang="en-US" dirty="0" smtClean="0"/>
+              <a:t>issues and fix bugs</a:t>
+            </a:r>
+            <a:endParaRPr lang="en-US" dirty="0"/>
+          </a:p>
+          <a:p>
+            <a:pPr lvl="1"/>
+            <a:r>
+              <a:rPr lang="en-US" dirty="0"/>
+              <a:t>Design applications and databases</a:t>
+            </a:r>
+          </a:p>
+          <a:p>
+            <a:pPr lvl="1"/>
+            <a:r>
+              <a:rPr lang="en-US" dirty="0"/>
+              <a:t>Little interaction with clients</a:t>
+            </a:r>
+          </a:p>
+          <a:p>
+            <a:pPr lvl="1"/>
+            <a:r>
+              <a:rPr lang="en-US" dirty="0"/>
+              <a:t>Sometimes works on a team of people building new software</a:t>
+            </a:r>
+          </a:p>
+          <a:p>
+            <a:pPr lvl="1"/>
+            <a:r>
+              <a:rPr lang="en-US" dirty="0"/>
+              <a:t>Sometimes works independently maintaining/supporting applications</a:t>
+            </a:r>
+          </a:p>
+        </p:txBody>
+      </p:sp>
+    </p:spTree>
+    <p:extLst>
+      <p:ext uri="{BB962C8B-B14F-4D97-AF65-F5344CB8AC3E}">
+        <p14:creationId xmlns:p14="http://schemas.microsoft.com/office/powerpoint/2010/main" val="1722998285"/>
+      </p:ext>
+    </p:extLst>
+  </p:cSld>
+  <p:clrMapOvr>
+    <a:masterClrMapping/>
+  </p:clrMapOvr>
+  <p:timing>
+    <p:tnLst>
+      <p:par>
+        <p:cTn id="1" dur="indefinite" restart="never" nodeType="tmRoot">
+          <p:childTnLst>
+            <p:seq concurrent="1" nextAc="seek">
+              <p:cTn id="2" dur="indefinite" nodeType="mainSeq">
+                <p:childTnLst>
+                  <p:par>
+                    <p:cTn id="3" fill="hold">
+                      <p:stCondLst>
+                        <p:cond delay="indefinite"/>
+                      </p:stCondLst>
+                      <p:childTnLst>
+                        <p:par>
+                          <p:cTn id="4" fill="hold">
+                            <p:stCondLst>
+                              <p:cond delay="0"/>
+                            </p:stCondLst>
+                            <p:childTnLst>
+                              <p:par>
+                                <p:cTn id="5" presetID="42" presetClass="entr" presetSubtype="0" fill="hold" nodeType="clickEffect">
+                                  <p:stCondLst>
+                                    <p:cond delay="0"/>
+                                  </p:stCondLst>
+                                  <p:childTnLst>
+                                    <p:set>
+                                      <p:cBhvr>
+                                        <p:cTn id="6" dur="1" fill="hold">
+                                          <p:stCondLst>
+                                            <p:cond delay="0"/>
+                                          </p:stCondLst>
+                                        </p:cTn>
+                                        <p:tgtEl>
+                                          <p:spTgt spid="3">
+                                            <p:txEl>
+                                              <p:pRg st="1" end="1"/>
+                                            </p:txEl>
+                                          </p:spTgt>
+                                        </p:tgtEl>
+                                        <p:attrNameLst>
+                                          <p:attrName>style.visibility</p:attrName>
+                                        </p:attrNameLst>
+                                      </p:cBhvr>
+                                      <p:to>
+                                        <p:strVal val="visible"/>
+                                      </p:to>
+                                    </p:set>
+                                    <p:animEffect transition="in" filter="fade">
+                                      <p:cBhvr>
+                                        <p:cTn id="7" dur="1000"/>
+                                        <p:tgtEl>
+                                          <p:spTgt spid="3">
+                                            <p:txEl>
+                                              <p:pRg st="1" end="1"/>
+                                            </p:txEl>
+                                          </p:spTgt>
+                                        </p:tgtEl>
+                                      </p:cBhvr>
+                                    </p:animEffect>
+                                    <p:anim calcmode="lin" valueType="num">
+                                      <p:cBhvr>
+                                        <p:cTn id="8" dur="1000" fill="hold"/>
+                                        <p:tgtEl>
+                                          <p:spTgt spid="3">
+                                            <p:txEl>
+                                              <p:pRg st="1" end="1"/>
+                                            </p:txEl>
+                                          </p:spTgt>
+                                        </p:tgtEl>
+                                        <p:attrNameLst>
+                                          <p:attrName>ppt_x</p:attrName>
+                                        </p:attrNameLst>
+                                      </p:cBhvr>
+                                      <p:tavLst>
+                                        <p:tav tm="0">
+                                          <p:val>
+                                            <p:strVal val="#ppt_x"/>
+                                          </p:val>
+                                        </p:tav>
+                                        <p:tav tm="100000">
+                                          <p:val>
+                                            <p:strVal val="#ppt_x"/>
+                                          </p:val>
+                                        </p:tav>
+                                      </p:tavLst>
+                                    </p:anim>
+                                    <p:anim calcmode="lin" valueType="num">
+                                      <p:cBhvr>
+                                        <p:cTn id="9" dur="1000" fill="hold"/>
+                                        <p:tgtEl>
+                                          <p:spTgt spid="3">
+                                            <p:txEl>
+                                              <p:pRg st="1" end="1"/>
+                                            </p:txEl>
+                                          </p:spTgt>
+                                        </p:tgtEl>
+                                        <p:attrNameLst>
+                                          <p:attrName>ppt_y</p:attrName>
+                                        </p:attrNameLst>
+                                      </p:cBhvr>
+                                      <p:tavLst>
+                                        <p:tav tm="0">
+                                          <p:val>
+                                            <p:strVal val="#ppt_y+.1"/>
+                                          </p:val>
+                                        </p:tav>
+                                        <p:tav tm="100000">
+                                          <p:val>
+                                            <p:strVal val="#ppt_y"/>
+                                          </p:val>
+                                        </p:tav>
+                                      </p:tavLst>
+                                    </p:anim>
+                                  </p:childTnLst>
+                                </p:cTn>
+                              </p:par>
+                            </p:childTnLst>
+                          </p:cTn>
+                        </p:par>
+                      </p:childTnLst>
+                    </p:cTn>
+                  </p:par>
+                  <p:par>
+                    <p:cTn id="10" fill="hold">
+                      <p:stCondLst>
+                        <p:cond delay="indefinite"/>
+                      </p:stCondLst>
+                      <p:childTnLst>
+                        <p:par>
+                          <p:cTn id="11" fill="hold">
+                            <p:stCondLst>
+                              <p:cond delay="0"/>
+                            </p:stCondLst>
+                            <p:childTnLst>
+                              <p:par>
+                                <p:cTn id="12" presetID="42" presetClass="entr" presetSubtype="0" fill="hold" nodeType="clickEffect">
+                                  <p:stCondLst>
+                                    <p:cond delay="0"/>
+                                  </p:stCondLst>
+                                  <p:childTnLst>
+                                    <p:set>
+                                      <p:cBhvr>
+                                        <p:cTn id="13" dur="1" fill="hold">
+                                          <p:stCondLst>
+                                            <p:cond delay="0"/>
+                                          </p:stCondLst>
+                                        </p:cTn>
+                                        <p:tgtEl>
+                                          <p:spTgt spid="3">
+                                            <p:txEl>
+                                              <p:pRg st="2" end="2"/>
+                                            </p:txEl>
+                                          </p:spTgt>
+                                        </p:tgtEl>
+                                        <p:attrNameLst>
+                                          <p:attrName>style.visibility</p:attrName>
+                                        </p:attrNameLst>
+                                      </p:cBhvr>
+                                      <p:to>
+                                        <p:strVal val="visible"/>
+                                      </p:to>
+                                    </p:set>
+                                    <p:animEffect transition="in" filter="fade">
+                                      <p:cBhvr>
+                                        <p:cTn id="14" dur="1000"/>
+                                        <p:tgtEl>
+                                          <p:spTgt spid="3">
+                                            <p:txEl>
+                                              <p:pRg st="2" end="2"/>
+                                            </p:txEl>
+                                          </p:spTgt>
+                                        </p:tgtEl>
+                                      </p:cBhvr>
+                                    </p:animEffect>
+                                    <p:anim calcmode="lin" valueType="num">
+                                      <p:cBhvr>
+                                        <p:cTn id="15" dur="1000" fill="hold"/>
+                                        <p:tgtEl>
+                                          <p:spTgt spid="3">
+                                            <p:txEl>
+                                              <p:pRg st="2" end="2"/>
+                                            </p:txEl>
+                                          </p:spTgt>
+                                        </p:tgtEl>
+                                        <p:attrNameLst>
+                                          <p:attrName>ppt_x</p:attrName>
+                                        </p:attrNameLst>
+                                      </p:cBhvr>
+                                      <p:tavLst>
+                                        <p:tav tm="0">
+                                          <p:val>
+                                            <p:strVal val="#ppt_x"/>
+                                          </p:val>
+                                        </p:tav>
+                                        <p:tav tm="100000">
+                                          <p:val>
+                                            <p:strVal val="#ppt_x"/>
+                                          </p:val>
+                                        </p:tav>
+                                      </p:tavLst>
+                                    </p:anim>
+                                    <p:anim calcmode="lin" valueType="num">
+                                      <p:cBhvr>
+                                        <p:cTn id="16" dur="1000" fill="hold"/>
+                                        <p:tgtEl>
+                                          <p:spTgt spid="3">
+                                            <p:txEl>
+                                              <p:pRg st="2" end="2"/>
+                                            </p:txEl>
+                                          </p:spTgt>
+                                        </p:tgtEl>
+                                        <p:attrNameLst>
+                                          <p:attrName>ppt_y</p:attrName>
+                                        </p:attrNameLst>
+                                      </p:cBhvr>
+                                      <p:tavLst>
+                                        <p:tav tm="0">
+                                          <p:val>
+                                            <p:strVal val="#ppt_y+.1"/>
+                                          </p:val>
+                                        </p:tav>
+                                        <p:tav tm="100000">
+                                          <p:val>
+                                            <p:strVal val="#ppt_y"/>
+                                          </p:val>
+                                        </p:tav>
+                                      </p:tavLst>
+                                    </p:anim>
+                                  </p:childTnLst>
+                                </p:cTn>
+                              </p:par>
+                            </p:childTnLst>
+                          </p:cTn>
+                        </p:par>
+                      </p:childTnLst>
+                    </p:cTn>
+                  </p:par>
+                  <p:par>
+                    <p:cTn id="17" fill="hold">
+                      <p:stCondLst>
+                        <p:cond delay="indefinite"/>
+                      </p:stCondLst>
+                      <p:childTnLst>
+                        <p:par>
+                          <p:cTn id="18" fill="hold">
+                            <p:stCondLst>
+                              <p:cond delay="0"/>
+                            </p:stCondLst>
+                            <p:childTnLst>
+                              <p:par>
+                                <p:cTn id="19" presetID="42" presetClass="entr" presetSubtype="0" fill="hold" nodeType="clickEffect">
+                                  <p:stCondLst>
+                                    <p:cond delay="0"/>
+                                  </p:stCondLst>
+                                  <p:childTnLst>
+                                    <p:set>
+                                      <p:cBhvr>
+                                        <p:cTn id="20" dur="1" fill="hold">
+                                          <p:stCondLst>
+                                            <p:cond delay="0"/>
+                                          </p:stCondLst>
+                                        </p:cTn>
+                                        <p:tgtEl>
+                                          <p:spTgt spid="3">
+                                            <p:txEl>
+                                              <p:pRg st="3" end="3"/>
+                                            </p:txEl>
+                                          </p:spTgt>
+                                        </p:tgtEl>
+                                        <p:attrNameLst>
+                                          <p:attrName>style.visibility</p:attrName>
+                                        </p:attrNameLst>
+                                      </p:cBhvr>
+                                      <p:to>
+                                        <p:strVal val="visible"/>
+                                      </p:to>
+                                    </p:set>
+                                    <p:animEffect transition="in" filter="fade">
+                                      <p:cBhvr>
+                                        <p:cTn id="21" dur="1000"/>
+                                        <p:tgtEl>
+                                          <p:spTgt spid="3">
+                                            <p:txEl>
+                                              <p:pRg st="3" end="3"/>
+                                            </p:txEl>
+                                          </p:spTgt>
+                                        </p:tgtEl>
+                                      </p:cBhvr>
+                                    </p:animEffect>
+                                    <p:anim calcmode="lin" valueType="num">
+                                      <p:cBhvr>
+                                        <p:cTn id="22" dur="1000" fill="hold"/>
+                                        <p:tgtEl>
+                                          <p:spTgt spid="3">
+                                            <p:txEl>
+                                              <p:pRg st="3" end="3"/>
+                                            </p:txEl>
+                                          </p:spTgt>
+                                        </p:tgtEl>
+                                        <p:attrNameLst>
+                                          <p:attrName>ppt_x</p:attrName>
+                                        </p:attrNameLst>
+                                      </p:cBhvr>
+                                      <p:tavLst>
+                                        <p:tav tm="0">
+                                          <p:val>
+                                            <p:strVal val="#ppt_x"/>
+                                          </p:val>
+                                        </p:tav>
+                                        <p:tav tm="100000">
+                                          <p:val>
+                                            <p:strVal val="#ppt_x"/>
+                                          </p:val>
+                                        </p:tav>
+                                      </p:tavLst>
+                                    </p:anim>
+                                    <p:anim calcmode="lin" valueType="num">
+                                      <p:cBhvr>
+                                        <p:cTn id="23" dur="1000" fill="hold"/>
+                                        <p:tgtEl>
+                                          <p:spTgt spid="3">
+                                            <p:txEl>
+                                              <p:pRg st="3" end="3"/>
+                                            </p:txEl>
+                                          </p:spTgt>
+                                        </p:tgtEl>
+                                        <p:attrNameLst>
+                                          <p:attrName>ppt_y</p:attrName>
+                                        </p:attrNameLst>
+                                      </p:cBhvr>
+                                      <p:tavLst>
+                                        <p:tav tm="0">
+                                          <p:val>
+                                            <p:strVal val="#ppt_y+.1"/>
+                                          </p:val>
+                                        </p:tav>
+                                        <p:tav tm="100000">
+                                          <p:val>
+                                            <p:strVal val="#ppt_y"/>
+                                          </p:val>
+                                        </p:tav>
+                                      </p:tavLst>
+                                    </p:anim>
+                                  </p:childTnLst>
+                                </p:cTn>
+                              </p:par>
+                            </p:childTnLst>
+                          </p:cTn>
+                        </p:par>
+                      </p:childTnLst>
+                    </p:cTn>
+                  </p:par>
+                  <p:par>
+                    <p:cTn id="24" fill="hold">
+                      <p:stCondLst>
+                        <p:cond delay="indefinite"/>
+                      </p:stCondLst>
+                      <p:childTnLst>
+                        <p:par>
+                          <p:cTn id="25" fill="hold">
+                            <p:stCondLst>
+                              <p:cond delay="0"/>
+                            </p:stCondLst>
+                            <p:childTnLst>
+                              <p:par>
+                                <p:cTn id="26" presetID="42" presetClass="entr" presetSubtype="0" fill="hold" nodeType="clickEffect">
+                                  <p:stCondLst>
+                                    <p:cond delay="0"/>
+                                  </p:stCondLst>
+                                  <p:childTnLst>
+                                    <p:set>
+                                      <p:cBhvr>
+                                        <p:cTn id="27" dur="1" fill="hold">
+                                          <p:stCondLst>
+                                            <p:cond delay="0"/>
+                                          </p:stCondLst>
+                                        </p:cTn>
+                                        <p:tgtEl>
+                                          <p:spTgt spid="3">
+                                            <p:txEl>
+                                              <p:pRg st="4" end="4"/>
+                                            </p:txEl>
+                                          </p:spTgt>
+                                        </p:tgtEl>
+                                        <p:attrNameLst>
+                                          <p:attrName>style.visibility</p:attrName>
+                                        </p:attrNameLst>
+                                      </p:cBhvr>
+                                      <p:to>
+                                        <p:strVal val="visible"/>
+                                      </p:to>
+                                    </p:set>
+                                    <p:animEffect transition="in" filter="fade">
+                                      <p:cBhvr>
+                                        <p:cTn id="28" dur="1000"/>
+                                        <p:tgtEl>
+                                          <p:spTgt spid="3">
+                                            <p:txEl>
+                                              <p:pRg st="4" end="4"/>
+                                            </p:txEl>
+                                          </p:spTgt>
+                                        </p:tgtEl>
+                                      </p:cBhvr>
+                                    </p:animEffect>
+                                    <p:anim calcmode="lin" valueType="num">
+                                      <p:cBhvr>
+                                        <p:cTn id="29" dur="1000" fill="hold"/>
+                                        <p:tgtEl>
+                                          <p:spTgt spid="3">
+                                            <p:txEl>
+                                              <p:pRg st="4" end="4"/>
+                                            </p:txEl>
+                                          </p:spTgt>
+                                        </p:tgtEl>
+                                        <p:attrNameLst>
+                                          <p:attrName>ppt_x</p:attrName>
+                                        </p:attrNameLst>
+                                      </p:cBhvr>
+                                      <p:tavLst>
+                                        <p:tav tm="0">
+                                          <p:val>
+                                            <p:strVal val="#ppt_x"/>
+                                          </p:val>
+                                        </p:tav>
+                                        <p:tav tm="100000">
+                                          <p:val>
+                                            <p:strVal val="#ppt_x"/>
+                                          </p:val>
+                                        </p:tav>
+                                      </p:tavLst>
+                                    </p:anim>
+                                    <p:anim calcmode="lin" valueType="num">
+                                      <p:cBhvr>
+                                        <p:cTn id="30" dur="1000" fill="hold"/>
+                                        <p:tgtEl>
+                                          <p:spTgt spid="3">
+                                            <p:txEl>
+                                              <p:pRg st="4" end="4"/>
+                                            </p:txEl>
+                                          </p:spTgt>
+                                        </p:tgtEl>
+                                        <p:attrNameLst>
+                                          <p:attrName>ppt_y</p:attrName>
+                                        </p:attrNameLst>
+                                      </p:cBhvr>
+                                      <p:tavLst>
+                                        <p:tav tm="0">
+                                          <p:val>
+                                            <p:strVal val="#ppt_y+.1"/>
+                                          </p:val>
+                                        </p:tav>
+                                        <p:tav tm="100000">
+                                          <p:val>
+                                            <p:strVal val="#ppt_y"/>
+                                          </p:val>
+                                        </p:tav>
+                                      </p:tavLst>
+                                    </p:anim>
+                                  </p:childTnLst>
+                                </p:cTn>
+                              </p:par>
+                            </p:childTnLst>
+                          </p:cTn>
+                        </p:par>
+                      </p:childTnLst>
+                    </p:cTn>
+                  </p:par>
+                  <p:par>
+                    <p:cTn id="31" fill="hold">
+                      <p:stCondLst>
+                        <p:cond delay="indefinite"/>
+                      </p:stCondLst>
+                      <p:childTnLst>
+                        <p:par>
+                          <p:cTn id="32" fill="hold">
+                            <p:stCondLst>
+                              <p:cond delay="0"/>
+                            </p:stCondLst>
+                            <p:childTnLst>
+                              <p:par>
+                                <p:cTn id="33" presetID="42" presetClass="entr" presetSubtype="0" fill="hold" nodeType="clickEffect">
+                                  <p:stCondLst>
+                                    <p:cond delay="0"/>
+                                  </p:stCondLst>
+                                  <p:childTnLst>
+                                    <p:set>
+                                      <p:cBhvr>
+                                        <p:cTn id="34" dur="1" fill="hold">
+                                          <p:stCondLst>
+                                            <p:cond delay="0"/>
+                                          </p:stCondLst>
+                                        </p:cTn>
+                                        <p:tgtEl>
+                                          <p:spTgt spid="3">
+                                            <p:txEl>
+                                              <p:pRg st="5" end="5"/>
+                                            </p:txEl>
+                                          </p:spTgt>
+                                        </p:tgtEl>
+                                        <p:attrNameLst>
+                                          <p:attrName>style.visibility</p:attrName>
+                                        </p:attrNameLst>
+                                      </p:cBhvr>
+                                      <p:to>
+                                        <p:strVal val="visible"/>
+                                      </p:to>
+                                    </p:set>
+                                    <p:animEffect transition="in" filter="fade">
+                                      <p:cBhvr>
+                                        <p:cTn id="35" dur="1000"/>
+                                        <p:tgtEl>
+                                          <p:spTgt spid="3">
+                                            <p:txEl>
+                                              <p:pRg st="5" end="5"/>
+                                            </p:txEl>
+                                          </p:spTgt>
+                                        </p:tgtEl>
+                                      </p:cBhvr>
+                                    </p:animEffect>
+                                    <p:anim calcmode="lin" valueType="num">
+                                      <p:cBhvr>
+                                        <p:cTn id="36" dur="1000" fill="hold"/>
+                                        <p:tgtEl>
+                                          <p:spTgt spid="3">
+                                            <p:txEl>
+                                              <p:pRg st="5" end="5"/>
+                                            </p:txEl>
+                                          </p:spTgt>
+                                        </p:tgtEl>
+                                        <p:attrNameLst>
+                                          <p:attrName>ppt_x</p:attrName>
+                                        </p:attrNameLst>
+                                      </p:cBhvr>
+                                      <p:tavLst>
+                                        <p:tav tm="0">
+                                          <p:val>
+                                            <p:strVal val="#ppt_x"/>
+                                          </p:val>
+                                        </p:tav>
+                                        <p:tav tm="100000">
+                                          <p:val>
+                                            <p:strVal val="#ppt_x"/>
+                                          </p:val>
+                                        </p:tav>
+                                      </p:tavLst>
+                                    </p:anim>
+                                    <p:anim calcmode="lin" valueType="num">
+                                      <p:cBhvr>
+                                        <p:cTn id="37" dur="1000" fill="hold"/>
+                                        <p:tgtEl>
+                                          <p:spTgt spid="3">
+                                            <p:txEl>
+                                              <p:pRg st="5" end="5"/>
+                                            </p:txEl>
+                                          </p:spTgt>
+                                        </p:tgtEl>
+                                        <p:attrNameLst>
+                                          <p:attrName>ppt_y</p:attrName>
+                                        </p:attrNameLst>
+                                      </p:cBhvr>
+                                      <p:tavLst>
+                                        <p:tav tm="0">
+                                          <p:val>
+                                            <p:strVal val="#ppt_y+.1"/>
+                                          </p:val>
+                                        </p:tav>
+                                        <p:tav tm="100000">
+                                          <p:val>
+                                            <p:strVal val="#ppt_y"/>
+                                          </p:val>
+                                        </p:tav>
+                                      </p:tavLst>
+                                    </p:anim>
+                                  </p:childTnLst>
+                                </p:cTn>
+                              </p:par>
+                            </p:childTnLst>
+                          </p:cTn>
+                        </p:par>
+                      </p:childTnLst>
+                    </p:cTn>
+                  </p:par>
+                  <p:par>
+                    <p:cTn id="38" fill="hold">
+                      <p:stCondLst>
+                        <p:cond delay="indefinite"/>
+                      </p:stCondLst>
+                      <p:childTnLst>
+                        <p:par>
+                          <p:cTn id="39" fill="hold">
+                            <p:stCondLst>
+                              <p:cond delay="0"/>
+                            </p:stCondLst>
+                            <p:childTnLst>
+                              <p:par>
+                                <p:cTn id="40" presetID="42" presetClass="entr" presetSubtype="0" fill="hold" nodeType="clickEffect">
+                                  <p:stCondLst>
+                                    <p:cond delay="0"/>
+                                  </p:stCondLst>
+                                  <p:childTnLst>
+                                    <p:set>
+                                      <p:cBhvr>
+                                        <p:cTn id="41" dur="1" fill="hold">
+                                          <p:stCondLst>
+                                            <p:cond delay="0"/>
+                                          </p:stCondLst>
+                                        </p:cTn>
+                                        <p:tgtEl>
+                                          <p:spTgt spid="3">
+                                            <p:txEl>
+                                              <p:pRg st="6" end="6"/>
+                                            </p:txEl>
+                                          </p:spTgt>
+                                        </p:tgtEl>
+                                        <p:attrNameLst>
+                                          <p:attrName>style.visibility</p:attrName>
+                                        </p:attrNameLst>
+                                      </p:cBhvr>
+                                      <p:to>
+                                        <p:strVal val="visible"/>
+                                      </p:to>
+                                    </p:set>
+                                    <p:animEffect transition="in" filter="fade">
+                                      <p:cBhvr>
+                                        <p:cTn id="42" dur="1000"/>
+                                        <p:tgtEl>
+                                          <p:spTgt spid="3">
+                                            <p:txEl>
+                                              <p:pRg st="6" end="6"/>
+                                            </p:txEl>
+                                          </p:spTgt>
+                                        </p:tgtEl>
+                                      </p:cBhvr>
+                                    </p:animEffect>
+                                    <p:anim calcmode="lin" valueType="num">
+                                      <p:cBhvr>
+                                        <p:cTn id="43" dur="1000" fill="hold"/>
+                                        <p:tgtEl>
+                                          <p:spTgt spid="3">
+                                            <p:txEl>
+                                              <p:pRg st="6" end="6"/>
+                                            </p:txEl>
+                                          </p:spTgt>
+                                        </p:tgtEl>
+                                        <p:attrNameLst>
+                                          <p:attrName>ppt_x</p:attrName>
+                                        </p:attrNameLst>
+                                      </p:cBhvr>
+                                      <p:tavLst>
+                                        <p:tav tm="0">
+                                          <p:val>
+                                            <p:strVal val="#ppt_x"/>
+                                          </p:val>
+                                        </p:tav>
+                                        <p:tav tm="100000">
+                                          <p:val>
+                                            <p:strVal val="#ppt_x"/>
+                                          </p:val>
+                                        </p:tav>
+                                      </p:tavLst>
+                                    </p:anim>
+                                    <p:anim calcmode="lin" valueType="num">
+                                      <p:cBhvr>
+                                        <p:cTn id="44" dur="1000" fill="hold"/>
+                                        <p:tgtEl>
+                                          <p:spTgt spid="3">
+                                            <p:txEl>
+                                              <p:pRg st="6" end="6"/>
+                                            </p:txEl>
+                                          </p:spTgt>
+                                        </p:tgtEl>
+                                        <p:attrNameLst>
+                                          <p:attrName>ppt_y</p:attrName>
+                                        </p:attrNameLst>
+                                      </p:cBhvr>
+                                      <p:tavLst>
+                                        <p:tav tm="0">
+                                          <p:val>
+                                            <p:strVal val="#ppt_y+.1"/>
+                                          </p:val>
+                                        </p:tav>
+                                        <p:tav tm="100000">
+                                          <p:val>
+                                            <p:strVal val="#ppt_y"/>
+                                          </p:val>
+                                        </p:tav>
+                                      </p:tavLst>
+                                    </p:anim>
+                                  </p:childTnLst>
+                                </p:cTn>
+                              </p:par>
+                            </p:childTnLst>
+                          </p:cTn>
+                        </p:par>
+                      </p:childTnLst>
+                    </p:cTn>
+                  </p:par>
+                </p:childTnLst>
+              </p:cTn>
+              <p:prevCondLst>
+                <p:cond evt="onPrev" delay="0">
+                  <p:tgtEl>
+                    <p:sldTgt/>
+                  </p:tgtEl>
+                </p:cond>
+              </p:prevCondLst>
+              <p:nextCondLst>
+                <p:cond evt="onNext" delay="0">
+                  <p:tgtEl>
+                    <p:sldTgt/>
+                  </p:tgtEl>
+                </p:cond>
+              </p:nextCondLst>
+            </p:seq>
+          </p:childTnLst>
+        </p:cTn>
+      </p:par>
+    </p:tnLst>
+  </p:timing>
+</p:sld>
+</file>
+
+<file path=ppt/slides/slide4.xml><?xml version="1.0" encoding="utf-8"?>
+<p:sld xmlns:a="http://schemas.openxmlformats.org/drawingml/2006/main" xmlns:r="http://schemas.openxmlformats.org/officeDocument/2006/relationships" xmlns:p="http://schemas.openxmlformats.org/presentationml/2006/main">
+  <p:cSld>
+    <p:spTree>
+      <p:nvGrpSpPr>
+        <p:cNvPr id="1" name=""/>
+        <p:cNvGrpSpPr/>
+        <p:nvPr/>
+      </p:nvGrpSpPr>
+      <p:grpSpPr>
+        <a:xfrm>
+          <a:off x="0" y="0"/>
+          <a:ext cx="0" cy="0"/>
+          <a:chOff x="0" y="0"/>
+          <a:chExt cx="0" cy="0"/>
+        </a:xfrm>
+      </p:grpSpPr>
+      <p:sp>
+        <p:nvSpPr>
+          <p:cNvPr id="2" name="Title 1"/>
+          <p:cNvSpPr>
+            <a:spLocks noGrp="1"/>
+          </p:cNvSpPr>
+          <p:nvPr>
+            <p:ph type="title"/>
+          </p:nvPr>
+        </p:nvSpPr>
+        <p:spPr/>
+        <p:txBody>
+          <a:bodyPr/>
+          <a:lstStyle/>
+          <a:p>
+            <a:r>
+              <a:rPr lang="en-US" dirty="0" smtClean="0"/>
+              <a:t>Systems Engineer</a:t>
+            </a:r>
+            <a:endParaRPr lang="en-US" dirty="0"/>
+          </a:p>
+        </p:txBody>
+      </p:sp>
+      <p:sp>
+        <p:nvSpPr>
+          <p:cNvPr id="3" name="Content Placeholder 2"/>
+          <p:cNvSpPr>
+            <a:spLocks noGrp="1"/>
+          </p:cNvSpPr>
+          <p:nvPr>
+            <p:ph idx="1"/>
+          </p:nvPr>
+        </p:nvSpPr>
+        <p:spPr/>
+        <p:txBody>
+          <a:bodyPr/>
+          <a:lstStyle/>
+          <a:p>
+            <a:r>
+              <a:rPr lang="en-US" dirty="0" smtClean="0"/>
+              <a:t>Maintain </a:t>
+            </a:r>
+            <a:r>
+              <a:rPr lang="en-US" dirty="0"/>
+              <a:t>networks</a:t>
+            </a:r>
+          </a:p>
+          <a:p>
+            <a:r>
+              <a:rPr lang="en-US" dirty="0"/>
+              <a:t>Maintain servers (e.g. email server)</a:t>
+            </a:r>
+          </a:p>
+          <a:p>
+            <a:r>
+              <a:rPr lang="en-US" dirty="0"/>
+              <a:t>Install new hardware (memory, hard drives, printers)</a:t>
+            </a:r>
+          </a:p>
+          <a:p>
+            <a:r>
+              <a:rPr lang="en-US" dirty="0"/>
+              <a:t>Troubleshoot hardware issues and general computer issues</a:t>
+            </a:r>
+          </a:p>
+          <a:p>
+            <a:r>
+              <a:rPr lang="en-US" dirty="0"/>
+              <a:t>Travel to client sites and setup networks and servers</a:t>
+            </a:r>
+          </a:p>
+        </p:txBody>
+      </p:sp>
+    </p:spTree>
+    <p:extLst>
+      <p:ext uri="{BB962C8B-B14F-4D97-AF65-F5344CB8AC3E}">
+        <p14:creationId xmlns:p14="http://schemas.microsoft.com/office/powerpoint/2010/main" val="1203755180"/>
+      </p:ext>
+    </p:extLst>
+  </p:cSld>
+  <p:clrMapOvr>
+    <a:masterClrMapping/>
+  </p:clrMapOvr>
+  <p:timing>
+    <p:tnLst>
+      <p:par>
+        <p:cTn id="1" dur="indefinite" restart="never" nodeType="tmRoot">
+          <p:childTnLst>
+            <p:seq concurrent="1" nextAc="seek">
+              <p:cTn id="2" dur="indefinite" nodeType="mainSeq">
+                <p:childTnLst>
+                  <p:par>
+                    <p:cTn id="3" fill="hold">
+                      <p:stCondLst>
+                        <p:cond delay="indefinite"/>
+                      </p:stCondLst>
+                      <p:childTnLst>
+                        <p:par>
+                          <p:cTn id="4" fill="hold">
+                            <p:stCondLst>
+                              <p:cond delay="0"/>
+                            </p:stCondLst>
+                            <p:childTnLst>
+                              <p:par>
+                                <p:cTn id="5" presetID="42" presetClass="entr" presetSubtype="0" fill="hold" nodeType="clickEffect">
+                                  <p:stCondLst>
+                                    <p:cond delay="0"/>
+                                  </p:stCondLst>
+                                  <p:childTnLst>
+                                    <p:set>
+                                      <p:cBhvr>
+                                        <p:cTn id="6" dur="1" fill="hold">
+                                          <p:stCondLst>
+                                            <p:cond delay="0"/>
+                                          </p:stCondLst>
+                                        </p:cTn>
+                                        <p:tgtEl>
+                                          <p:spTgt spid="3">
+                                            <p:txEl>
+                                              <p:pRg st="0" end="0"/>
+                                            </p:txEl>
+                                          </p:spTgt>
+                                        </p:tgtEl>
+                                        <p:attrNameLst>
+                                          <p:attrName>style.visibility</p:attrName>
+                                        </p:attrNameLst>
+                                      </p:cBhvr>
+                                      <p:to>
+                                        <p:strVal val="visible"/>
+                                      </p:to>
+                                    </p:set>
+                                    <p:animEffect transition="in" filter="fade">
+                                      <p:cBhvr>
+                                        <p:cTn id="7" dur="1000"/>
+                                        <p:tgtEl>
+                                          <p:spTgt spid="3">
+                                            <p:txEl>
+                                              <p:pRg st="0" end="0"/>
+                                            </p:txEl>
+                                          </p:spTgt>
+                                        </p:tgtEl>
+                                      </p:cBhvr>
+                                    </p:animEffect>
+                                    <p:anim calcmode="lin" valueType="num">
+                                      <p:cBhvr>
+                                        <p:cTn id="8" dur="1000" fill="hold"/>
+                                        <p:tgtEl>
+                                          <p:spTgt spid="3">
+                                            <p:txEl>
+                                              <p:pRg st="0" end="0"/>
+                                            </p:txEl>
+                                          </p:spTgt>
+                                        </p:tgtEl>
+                                        <p:attrNameLst>
+                                          <p:attrName>ppt_x</p:attrName>
+                                        </p:attrNameLst>
+                                      </p:cBhvr>
+                                      <p:tavLst>
+                                        <p:tav tm="0">
+                                          <p:val>
+                                            <p:strVal val="#ppt_x"/>
+                                          </p:val>
+                                        </p:tav>
+                                        <p:tav tm="100000">
+                                          <p:val>
+                                            <p:strVal val="#ppt_x"/>
+                                          </p:val>
+                                        </p:tav>
+                                      </p:tavLst>
+                                    </p:anim>
+                                    <p:anim calcmode="lin" valueType="num">
+                                      <p:cBhvr>
+                                        <p:cTn id="9" dur="1000" fill="hold"/>
+                                        <p:tgtEl>
+                                          <p:spTgt spid="3">
+                                            <p:txEl>
+                                              <p:pRg st="0" end="0"/>
+                                            </p:txEl>
+                                          </p:spTgt>
+                                        </p:tgtEl>
+                                        <p:attrNameLst>
+                                          <p:attrName>ppt_y</p:attrName>
+                                        </p:attrNameLst>
+                                      </p:cBhvr>
+                                      <p:tavLst>
+                                        <p:tav tm="0">
+                                          <p:val>
+                                            <p:strVal val="#ppt_y+.1"/>
+                                          </p:val>
+                                        </p:tav>
+                                        <p:tav tm="100000">
+                                          <p:val>
+                                            <p:strVal val="#ppt_y"/>
+                                          </p:val>
+                                        </p:tav>
+                                      </p:tavLst>
+                                    </p:anim>
+                                  </p:childTnLst>
+                                </p:cTn>
+                              </p:par>
+                            </p:childTnLst>
+                          </p:cTn>
+                        </p:par>
+                      </p:childTnLst>
+                    </p:cTn>
+                  </p:par>
+                  <p:par>
+                    <p:cTn id="10" fill="hold">
+                      <p:stCondLst>
+                        <p:cond delay="indefinite"/>
+                      </p:stCondLst>
+                      <p:childTnLst>
+                        <p:par>
+                          <p:cTn id="11" fill="hold">
+                            <p:stCondLst>
+                              <p:cond delay="0"/>
+                            </p:stCondLst>
+                            <p:childTnLst>
+                              <p:par>
+                                <p:cTn id="12" presetID="42" presetClass="entr" presetSubtype="0" fill="hold" nodeType="clickEffect">
+                                  <p:stCondLst>
+                                    <p:cond delay="0"/>
+                                  </p:stCondLst>
+                                  <p:childTnLst>
+                                    <p:set>
+                                      <p:cBhvr>
+                                        <p:cTn id="13" dur="1" fill="hold">
+                                          <p:stCondLst>
+                                            <p:cond delay="0"/>
+                                          </p:stCondLst>
+                                        </p:cTn>
+                                        <p:tgtEl>
+                                          <p:spTgt spid="3">
+                                            <p:txEl>
+                                              <p:pRg st="1" end="1"/>
+                                            </p:txEl>
+                                          </p:spTgt>
+                                        </p:tgtEl>
+                                        <p:attrNameLst>
+                                          <p:attrName>style.visibility</p:attrName>
+                                        </p:attrNameLst>
+                                      </p:cBhvr>
+                                      <p:to>
+                                        <p:strVal val="visible"/>
+                                      </p:to>
+                                    </p:set>
+                                    <p:animEffect transition="in" filter="fade">
+                                      <p:cBhvr>
+                                        <p:cTn id="14" dur="1000"/>
+                                        <p:tgtEl>
+                                          <p:spTgt spid="3">
+                                            <p:txEl>
+                                              <p:pRg st="1" end="1"/>
+                                            </p:txEl>
+                                          </p:spTgt>
+                                        </p:tgtEl>
+                                      </p:cBhvr>
+                                    </p:animEffect>
+                                    <p:anim calcmode="lin" valueType="num">
+                                      <p:cBhvr>
+                                        <p:cTn id="15" dur="1000" fill="hold"/>
+                                        <p:tgtEl>
+                                          <p:spTgt spid="3">
+                                            <p:txEl>
+                                              <p:pRg st="1" end="1"/>
+                                            </p:txEl>
+                                          </p:spTgt>
+                                        </p:tgtEl>
+                                        <p:attrNameLst>
+                                          <p:attrName>ppt_x</p:attrName>
+                                        </p:attrNameLst>
+                                      </p:cBhvr>
+                                      <p:tavLst>
+                                        <p:tav tm="0">
+                                          <p:val>
+                                            <p:strVal val="#ppt_x"/>
+                                          </p:val>
+                                        </p:tav>
+                                        <p:tav tm="100000">
+                                          <p:val>
+                                            <p:strVal val="#ppt_x"/>
+                                          </p:val>
+                                        </p:tav>
+                                      </p:tavLst>
+                                    </p:anim>
+                                    <p:anim calcmode="lin" valueType="num">
+                                      <p:cBhvr>
+                                        <p:cTn id="16" dur="1000" fill="hold"/>
+                                        <p:tgtEl>
+                                          <p:spTgt spid="3">
+                                            <p:txEl>
+                                              <p:pRg st="1" end="1"/>
+                                            </p:txEl>
+                                          </p:spTgt>
+                                        </p:tgtEl>
+                                        <p:attrNameLst>
+                                          <p:attrName>ppt_y</p:attrName>
+                                        </p:attrNameLst>
+                                      </p:cBhvr>
+                                      <p:tavLst>
+                                        <p:tav tm="0">
+                                          <p:val>
+                                            <p:strVal val="#ppt_y+.1"/>
+                                          </p:val>
+                                        </p:tav>
+                                        <p:tav tm="100000">
+                                          <p:val>
+                                            <p:strVal val="#ppt_y"/>
+                                          </p:val>
+                                        </p:tav>
+                                      </p:tavLst>
+                                    </p:anim>
+                                  </p:childTnLst>
+                                </p:cTn>
+                              </p:par>
+                            </p:childTnLst>
+                          </p:cTn>
+                        </p:par>
+                      </p:childTnLst>
+                    </p:cTn>
+                  </p:par>
+                  <p:par>
+                    <p:cTn id="17" fill="hold">
+                      <p:stCondLst>
+                        <p:cond delay="indefinite"/>
+                      </p:stCondLst>
+                      <p:childTnLst>
+                        <p:par>
+                          <p:cTn id="18" fill="hold">
+                            <p:stCondLst>
+                              <p:cond delay="0"/>
+                            </p:stCondLst>
+                            <p:childTnLst>
+                              <p:par>
+                                <p:cTn id="19" presetID="42" presetClass="entr" presetSubtype="0" fill="hold" nodeType="clickEffect">
+                                  <p:stCondLst>
+                                    <p:cond delay="0"/>
+                                  </p:stCondLst>
+                                  <p:childTnLst>
+                                    <p:set>
+                                      <p:cBhvr>
+                                        <p:cTn id="20" dur="1" fill="hold">
+                                          <p:stCondLst>
+                                            <p:cond delay="0"/>
+                                          </p:stCondLst>
+                                        </p:cTn>
+                                        <p:tgtEl>
+                                          <p:spTgt spid="3">
+                                            <p:txEl>
+                                              <p:pRg st="2" end="2"/>
+                                            </p:txEl>
+                                          </p:spTgt>
+                                        </p:tgtEl>
+                                        <p:attrNameLst>
+                                          <p:attrName>style.visibility</p:attrName>
+                                        </p:attrNameLst>
+                                      </p:cBhvr>
+                                      <p:to>
+                                        <p:strVal val="visible"/>
+                                      </p:to>
+                                    </p:set>
+                                    <p:animEffect transition="in" filter="fade">
+                                      <p:cBhvr>
+                                        <p:cTn id="21" dur="1000"/>
+                                        <p:tgtEl>
+                                          <p:spTgt spid="3">
+                                            <p:txEl>
+                                              <p:pRg st="2" end="2"/>
+                                            </p:txEl>
+                                          </p:spTgt>
+                                        </p:tgtEl>
+                                      </p:cBhvr>
+                                    </p:animEffect>
+                                    <p:anim calcmode="lin" valueType="num">
+                                      <p:cBhvr>
+                                        <p:cTn id="22" dur="1000" fill="hold"/>
+                                        <p:tgtEl>
+                                          <p:spTgt spid="3">
+                                            <p:txEl>
+                                              <p:pRg st="2" end="2"/>
+                                            </p:txEl>
+                                          </p:spTgt>
+                                        </p:tgtEl>
+                                        <p:attrNameLst>
+                                          <p:attrName>ppt_x</p:attrName>
+                                        </p:attrNameLst>
+                                      </p:cBhvr>
+                                      <p:tavLst>
+                                        <p:tav tm="0">
+                                          <p:val>
+                                            <p:strVal val="#ppt_x"/>
+                                          </p:val>
+                                        </p:tav>
+                                        <p:tav tm="100000">
+                                          <p:val>
+                                            <p:strVal val="#ppt_x"/>
+                                          </p:val>
+                                        </p:tav>
+                                      </p:tavLst>
+                                    </p:anim>
+                                    <p:anim calcmode="lin" valueType="num">
+                                      <p:cBhvr>
+                                        <p:cTn id="23" dur="1000" fill="hold"/>
+                                        <p:tgtEl>
+                                          <p:spTgt spid="3">
+                                            <p:txEl>
+                                              <p:pRg st="2" end="2"/>
+                                            </p:txEl>
+                                          </p:spTgt>
+                                        </p:tgtEl>
+                                        <p:attrNameLst>
+                                          <p:attrName>ppt_y</p:attrName>
+                                        </p:attrNameLst>
+                                      </p:cBhvr>
+                                      <p:tavLst>
+                                        <p:tav tm="0">
+                                          <p:val>
+                                            <p:strVal val="#ppt_y+.1"/>
+                                          </p:val>
+                                        </p:tav>
+                                        <p:tav tm="100000">
+                                          <p:val>
+                                            <p:strVal val="#ppt_y"/>
+                                          </p:val>
+                                        </p:tav>
+                                      </p:tavLst>
+                                    </p:anim>
+                                  </p:childTnLst>
+                                </p:cTn>
+                              </p:par>
+                            </p:childTnLst>
+                          </p:cTn>
+                        </p:par>
+                      </p:childTnLst>
+                    </p:cTn>
+                  </p:par>
+                  <p:par>
+                    <p:cTn id="24" fill="hold">
+                      <p:stCondLst>
+                        <p:cond delay="indefinite"/>
+                      </p:stCondLst>
+                      <p:childTnLst>
+                        <p:par>
+                          <p:cTn id="25" fill="hold">
+                            <p:stCondLst>
+                              <p:cond delay="0"/>
+                            </p:stCondLst>
+                            <p:childTnLst>
+                              <p:par>
+                                <p:cTn id="26" presetID="42" presetClass="entr" presetSubtype="0" fill="hold" nodeType="clickEffect">
+                                  <p:stCondLst>
+                                    <p:cond delay="0"/>
+                                  </p:stCondLst>
+                                  <p:childTnLst>
+                                    <p:set>
+                                      <p:cBhvr>
+                                        <p:cTn id="27" dur="1" fill="hold">
+                                          <p:stCondLst>
+                                            <p:cond delay="0"/>
+                                          </p:stCondLst>
+                                        </p:cTn>
+                                        <p:tgtEl>
+                                          <p:spTgt spid="3">
+                                            <p:txEl>
+                                              <p:pRg st="3" end="3"/>
+                                            </p:txEl>
+                                          </p:spTgt>
+                                        </p:tgtEl>
+                                        <p:attrNameLst>
+                                          <p:attrName>style.visibility</p:attrName>
+                                        </p:attrNameLst>
+                                      </p:cBhvr>
+                                      <p:to>
+                                        <p:strVal val="visible"/>
+                                      </p:to>
+                                    </p:set>
+                                    <p:animEffect transition="in" filter="fade">
+                                      <p:cBhvr>
+                                        <p:cTn id="28" dur="1000"/>
+                                        <p:tgtEl>
+                                          <p:spTgt spid="3">
+                                            <p:txEl>
+                                              <p:pRg st="3" end="3"/>
+                                            </p:txEl>
+                                          </p:spTgt>
+                                        </p:tgtEl>
+                                      </p:cBhvr>
+                                    </p:animEffect>
+                                    <p:anim calcmode="lin" valueType="num">
+                                      <p:cBhvr>
+                                        <p:cTn id="29" dur="1000" fill="hold"/>
+                                        <p:tgtEl>
+                                          <p:spTgt spid="3">
+                                            <p:txEl>
+                                              <p:pRg st="3" end="3"/>
+                                            </p:txEl>
+                                          </p:spTgt>
+                                        </p:tgtEl>
+                                        <p:attrNameLst>
+                                          <p:attrName>ppt_x</p:attrName>
+                                        </p:attrNameLst>
+                                      </p:cBhvr>
+                                      <p:tavLst>
+                                        <p:tav tm="0">
+                                          <p:val>
+                                            <p:strVal val="#ppt_x"/>
+                                          </p:val>
+                                        </p:tav>
+                                        <p:tav tm="100000">
+                                          <p:val>
+                                            <p:strVal val="#ppt_x"/>
+                                          </p:val>
+                                        </p:tav>
+                                      </p:tavLst>
+                                    </p:anim>
+                                    <p:anim calcmode="lin" valueType="num">
+                                      <p:cBhvr>
+                                        <p:cTn id="30" dur="1000" fill="hold"/>
+                                        <p:tgtEl>
+                                          <p:spTgt spid="3">
+                                            <p:txEl>
+                                              <p:pRg st="3" end="3"/>
+                                            </p:txEl>
+                                          </p:spTgt>
+                                        </p:tgtEl>
+                                        <p:attrNameLst>
+                                          <p:attrName>ppt_y</p:attrName>
+                                        </p:attrNameLst>
+                                      </p:cBhvr>
+                                      <p:tavLst>
+                                        <p:tav tm="0">
+                                          <p:val>
+                                            <p:strVal val="#ppt_y+.1"/>
+                                          </p:val>
+                                        </p:tav>
+                                        <p:tav tm="100000">
+                                          <p:val>
+                                            <p:strVal val="#ppt_y"/>
+                                          </p:val>
+                                        </p:tav>
+                                      </p:tavLst>
+                                    </p:anim>
+                                  </p:childTnLst>
+                                </p:cTn>
+                              </p:par>
+                            </p:childTnLst>
+                          </p:cTn>
+                        </p:par>
+                      </p:childTnLst>
+                    </p:cTn>
+                  </p:par>
+                  <p:par>
+                    <p:cTn id="31" fill="hold">
+                      <p:stCondLst>
+                        <p:cond delay="indefinite"/>
+                      </p:stCondLst>
+                      <p:childTnLst>
+                        <p:par>
+                          <p:cTn id="32" fill="hold">
+                            <p:stCondLst>
+                              <p:cond delay="0"/>
+                            </p:stCondLst>
+                            <p:childTnLst>
+                              <p:par>
+                                <p:cTn id="33" presetID="42" presetClass="entr" presetSubtype="0" fill="hold" nodeType="clickEffect">
+                                  <p:stCondLst>
+                                    <p:cond delay="0"/>
+                                  </p:stCondLst>
+                                  <p:childTnLst>
+                                    <p:set>
+                                      <p:cBhvr>
+                                        <p:cTn id="34" dur="1" fill="hold">
+                                          <p:stCondLst>
+                                            <p:cond delay="0"/>
+                                          </p:stCondLst>
+                                        </p:cTn>
+                                        <p:tgtEl>
+                                          <p:spTgt spid="3">
+                                            <p:txEl>
+                                              <p:pRg st="4" end="4"/>
+                                            </p:txEl>
+                                          </p:spTgt>
+                                        </p:tgtEl>
+                                        <p:attrNameLst>
+                                          <p:attrName>style.visibility</p:attrName>
+                                        </p:attrNameLst>
+                                      </p:cBhvr>
+                                      <p:to>
+                                        <p:strVal val="visible"/>
+                                      </p:to>
+                                    </p:set>
+                                    <p:animEffect transition="in" filter="fade">
+                                      <p:cBhvr>
+                                        <p:cTn id="35" dur="1000"/>
+                                        <p:tgtEl>
+                                          <p:spTgt spid="3">
+                                            <p:txEl>
+                                              <p:pRg st="4" end="4"/>
+                                            </p:txEl>
+                                          </p:spTgt>
+                                        </p:tgtEl>
+                                      </p:cBhvr>
+                                    </p:animEffect>
+                                    <p:anim calcmode="lin" valueType="num">
+                                      <p:cBhvr>
+                                        <p:cTn id="36" dur="1000" fill="hold"/>
+                                        <p:tgtEl>
+                                          <p:spTgt spid="3">
+                                            <p:txEl>
+                                              <p:pRg st="4" end="4"/>
+                                            </p:txEl>
+                                          </p:spTgt>
+                                        </p:tgtEl>
+                                        <p:attrNameLst>
+                                          <p:attrName>ppt_x</p:attrName>
+                                        </p:attrNameLst>
+                                      </p:cBhvr>
+                                      <p:tavLst>
+                                        <p:tav tm="0">
+                                          <p:val>
+                                            <p:strVal val="#ppt_x"/>
+                                          </p:val>
+                                        </p:tav>
+                                        <p:tav tm="100000">
+                                          <p:val>
+                                            <p:strVal val="#ppt_x"/>
+                                          </p:val>
+                                        </p:tav>
+                                      </p:tavLst>
+                                    </p:anim>
+                                    <p:anim calcmode="lin" valueType="num">
+                                      <p:cBhvr>
+                                        <p:cTn id="37" dur="1000" fill="hold"/>
+                                        <p:tgtEl>
+                                          <p:spTgt spid="3">
+                                            <p:txEl>
+                                              <p:pRg st="4" end="4"/>
+                                            </p:txEl>
+                                          </p:spTgt>
+                                        </p:tgtEl>
+                                        <p:attrNameLst>
+                                          <p:attrName>ppt_y</p:attrName>
+                                        </p:attrNameLst>
+                                      </p:cBhvr>
+                                      <p:tavLst>
+                                        <p:tav tm="0">
+                                          <p:val>
+                                            <p:strVal val="#ppt_y+.1"/>
+                                          </p:val>
+                                        </p:tav>
+                                        <p:tav tm="100000">
+                                          <p:val>
+                                            <p:strVal val="#ppt_y"/>
+                                          </p:val>
+                                        </p:tav>
+                                      </p:tavLst>
+                                    </p:anim>
+                                  </p:childTnLst>
+                                </p:cTn>
+                              </p:par>
+                            </p:childTnLst>
+                          </p:cTn>
+                        </p:par>
+                      </p:childTnLst>
+                    </p:cTn>
+                  </p:par>
+                </p:childTnLst>
+              </p:cTn>
+              <p:prevCondLst>
+                <p:cond evt="onPrev" delay="0">
+                  <p:tgtEl>
+                    <p:sldTgt/>
+                  </p:tgtEl>
+                </p:cond>
+              </p:prevCondLst>
+              <p:nextCondLst>
+                <p:cond evt="onNext" delay="0">
+                  <p:tgtEl>
+                    <p:sldTgt/>
+                  </p:tgtEl>
+                </p:cond>
+              </p:nextCondLst>
+            </p:seq>
+          </p:childTnLst>
+        </p:cTn>
+      </p:par>
+    </p:tnLst>
+  </p:timing>
+</p:sld>
+</file>
+
+<file path=ppt/slides/slide5.xml><?xml version="1.0" encoding="utf-8"?>
+<p:sld xmlns:a="http://schemas.openxmlformats.org/drawingml/2006/main" xmlns:r="http://schemas.openxmlformats.org/officeDocument/2006/relationships" xmlns:p="http://schemas.openxmlformats.org/presentationml/2006/main">
+  <p:cSld>
+    <p:spTree>
+      <p:nvGrpSpPr>
+        <p:cNvPr id="1" name=""/>
+        <p:cNvGrpSpPr/>
+        <p:nvPr/>
+      </p:nvGrpSpPr>
+      <p:grpSpPr>
+        <a:xfrm>
+          <a:off x="0" y="0"/>
+          <a:ext cx="0" cy="0"/>
+          <a:chOff x="0" y="0"/>
+          <a:chExt cx="0" cy="0"/>
+        </a:xfrm>
+      </p:grpSpPr>
+      <p:sp>
+        <p:nvSpPr>
+          <p:cNvPr id="2" name="Title 1"/>
+          <p:cNvSpPr>
+            <a:spLocks noGrp="1"/>
+          </p:cNvSpPr>
+          <p:nvPr>
+            <p:ph type="title"/>
+          </p:nvPr>
+        </p:nvSpPr>
+        <p:spPr/>
+        <p:txBody>
+          <a:bodyPr/>
+          <a:lstStyle/>
+          <a:p>
+            <a:r>
+              <a:rPr lang="en-US" dirty="0" smtClean="0"/>
+              <a:t>Client support analyst</a:t>
+            </a:r>
+            <a:endParaRPr lang="en-US" dirty="0"/>
+          </a:p>
+        </p:txBody>
+      </p:sp>
+      <p:sp>
+        <p:nvSpPr>
+          <p:cNvPr id="3" name="Content Placeholder 2"/>
+          <p:cNvSpPr>
+            <a:spLocks noGrp="1"/>
+          </p:cNvSpPr>
+          <p:nvPr>
+            <p:ph idx="1"/>
+          </p:nvPr>
+        </p:nvSpPr>
+        <p:spPr/>
+        <p:txBody>
+          <a:bodyPr/>
+          <a:lstStyle/>
+          <a:p>
+            <a:r>
+              <a:rPr lang="en-US" dirty="0" smtClean="0"/>
+              <a:t>Technical Support for an application or multiple applications</a:t>
+            </a:r>
+          </a:p>
+          <a:p>
+            <a:r>
+              <a:rPr lang="en-US" dirty="0" smtClean="0"/>
+              <a:t>Train clients on how to use the software</a:t>
+            </a:r>
+          </a:p>
+          <a:p>
+            <a:r>
+              <a:rPr lang="en-US" dirty="0" smtClean="0"/>
+              <a:t>Travel to client sites for installation and training</a:t>
+            </a:r>
+          </a:p>
+          <a:p>
+            <a:r>
+              <a:rPr lang="en-US" dirty="0" smtClean="0"/>
+              <a:t>Lead user group meetings</a:t>
+            </a:r>
+          </a:p>
+          <a:p>
+            <a:r>
+              <a:rPr lang="en-US" dirty="0" smtClean="0"/>
+              <a:t>Assist programmers in understanding software requirements</a:t>
+            </a:r>
+          </a:p>
+          <a:p>
+            <a:r>
+              <a:rPr lang="en-US" dirty="0" smtClean="0"/>
+              <a:t>Assist with testing new software or updates to existing software</a:t>
+            </a:r>
+          </a:p>
+          <a:p>
+            <a:endParaRPr lang="en-US" dirty="0"/>
+          </a:p>
+        </p:txBody>
+      </p:sp>
+    </p:spTree>
+    <p:extLst>
+      <p:ext uri="{BB962C8B-B14F-4D97-AF65-F5344CB8AC3E}">
+        <p14:creationId xmlns:p14="http://schemas.microsoft.com/office/powerpoint/2010/main" val="526716548"/>
+      </p:ext>
+    </p:extLst>
+  </p:cSld>
+  <p:clrMapOvr>
+    <a:masterClrMapping/>
+  </p:clrMapOvr>
+  <p:timing>
+    <p:tnLst>
+      <p:par>
+        <p:cTn id="1" dur="indefinite" restart="never" nodeType="tmRoot">
+          <p:childTnLst>
+            <p:seq concurrent="1" nextAc="seek">
+              <p:cTn id="2" dur="indefinite" nodeType="mainSeq">
+                <p:childTnLst>
+                  <p:par>
+                    <p:cTn id="3" fill="hold">
+                      <p:stCondLst>
+                        <p:cond delay="indefinite"/>
+                      </p:stCondLst>
+                      <p:childTnLst>
+                        <p:par>
+                          <p:cTn id="4" fill="hold">
+                            <p:stCondLst>
+                              <p:cond delay="0"/>
+                            </p:stCondLst>
+                            <p:childTnLst>
+                              <p:par>
+                                <p:cTn id="5" presetID="42" presetClass="entr" presetSubtype="0" fill="hold" nodeType="clickEffect">
+                                  <p:stCondLst>
+                                    <p:cond delay="0"/>
+                                  </p:stCondLst>
+                                  <p:childTnLst>
+                                    <p:set>
+                                      <p:cBhvr>
+                                        <p:cTn id="6" dur="1" fill="hold">
+                                          <p:stCondLst>
+                                            <p:cond delay="0"/>
+                                          </p:stCondLst>
+                                        </p:cTn>
+                                        <p:tgtEl>
+                                          <p:spTgt spid="3">
+                                            <p:txEl>
+                                              <p:pRg st="0" end="0"/>
+                                            </p:txEl>
+                                          </p:spTgt>
+                                        </p:tgtEl>
+                                        <p:attrNameLst>
+                                          <p:attrName>style.visibility</p:attrName>
+                                        </p:attrNameLst>
+                                      </p:cBhvr>
+                                      <p:to>
+                                        <p:strVal val="visible"/>
+                                      </p:to>
+                                    </p:set>
+                                    <p:animEffect transition="in" filter="fade">
+                                      <p:cBhvr>
+                                        <p:cTn id="7" dur="1000"/>
+                                        <p:tgtEl>
+                                          <p:spTgt spid="3">
+                                            <p:txEl>
+                                              <p:pRg st="0" end="0"/>
+                                            </p:txEl>
+                                          </p:spTgt>
+                                        </p:tgtEl>
+                                      </p:cBhvr>
+                                    </p:animEffect>
+                                    <p:anim calcmode="lin" valueType="num">
+                                      <p:cBhvr>
+                                        <p:cTn id="8" dur="1000" fill="hold"/>
+                                        <p:tgtEl>
+                                          <p:spTgt spid="3">
+                                            <p:txEl>
+                                              <p:pRg st="0" end="0"/>
+                                            </p:txEl>
+                                          </p:spTgt>
+                                        </p:tgtEl>
+                                        <p:attrNameLst>
+                                          <p:attrName>ppt_x</p:attrName>
+                                        </p:attrNameLst>
+                                      </p:cBhvr>
+                                      <p:tavLst>
+                                        <p:tav tm="0">
+                                          <p:val>
+                                            <p:strVal val="#ppt_x"/>
+                                          </p:val>
+                                        </p:tav>
+                                        <p:tav tm="100000">
+                                          <p:val>
+                                            <p:strVal val="#ppt_x"/>
+                                          </p:val>
+                                        </p:tav>
+                                      </p:tavLst>
+                                    </p:anim>
+                                    <p:anim calcmode="lin" valueType="num">
+                                      <p:cBhvr>
+                                        <p:cTn id="9" dur="1000" fill="hold"/>
+                                        <p:tgtEl>
+                                          <p:spTgt spid="3">
+                                            <p:txEl>
+                                              <p:pRg st="0" end="0"/>
+                                            </p:txEl>
+                                          </p:spTgt>
+                                        </p:tgtEl>
+                                        <p:attrNameLst>
+                                          <p:attrName>ppt_y</p:attrName>
+                                        </p:attrNameLst>
+                                      </p:cBhvr>
+                                      <p:tavLst>
+                                        <p:tav tm="0">
+                                          <p:val>
+                                            <p:strVal val="#ppt_y+.1"/>
+                                          </p:val>
+                                        </p:tav>
+                                        <p:tav tm="100000">
+                                          <p:val>
+                                            <p:strVal val="#ppt_y"/>
+                                          </p:val>
+                                        </p:tav>
+                                      </p:tavLst>
+                                    </p:anim>
+                                  </p:childTnLst>
+                                </p:cTn>
+                              </p:par>
+                            </p:childTnLst>
+                          </p:cTn>
+                        </p:par>
+                      </p:childTnLst>
+                    </p:cTn>
+                  </p:par>
+                  <p:par>
+                    <p:cTn id="10" fill="hold">
+                      <p:stCondLst>
+                        <p:cond delay="indefinite"/>
+                      </p:stCondLst>
+                      <p:childTnLst>
+                        <p:par>
+                          <p:cTn id="11" fill="hold">
+                            <p:stCondLst>
+                              <p:cond delay="0"/>
+                            </p:stCondLst>
+                            <p:childTnLst>
+                              <p:par>
+                                <p:cTn id="12" presetID="42" presetClass="entr" presetSubtype="0" fill="hold" nodeType="clickEffect">
+                                  <p:stCondLst>
+                                    <p:cond delay="0"/>
+                                  </p:stCondLst>
+                                  <p:childTnLst>
+                                    <p:set>
+                                      <p:cBhvr>
+                                        <p:cTn id="13" dur="1" fill="hold">
+                                          <p:stCondLst>
+                                            <p:cond delay="0"/>
+                                          </p:stCondLst>
+                                        </p:cTn>
+                                        <p:tgtEl>
+                                          <p:spTgt spid="3">
+                                            <p:txEl>
+                                              <p:pRg st="1" end="1"/>
+                                            </p:txEl>
+                                          </p:spTgt>
+                                        </p:tgtEl>
+                                        <p:attrNameLst>
+                                          <p:attrName>style.visibility</p:attrName>
+                                        </p:attrNameLst>
+                                      </p:cBhvr>
+                                      <p:to>
+                                        <p:strVal val="visible"/>
+                                      </p:to>
+                                    </p:set>
+                                    <p:animEffect transition="in" filter="fade">
+                                      <p:cBhvr>
+                                        <p:cTn id="14" dur="1000"/>
+                                        <p:tgtEl>
+                                          <p:spTgt spid="3">
+                                            <p:txEl>
+                                              <p:pRg st="1" end="1"/>
+                                            </p:txEl>
+                                          </p:spTgt>
+                                        </p:tgtEl>
+                                      </p:cBhvr>
+                                    </p:animEffect>
+                                    <p:anim calcmode="lin" valueType="num">
+                                      <p:cBhvr>
+                                        <p:cTn id="15" dur="1000" fill="hold"/>
+                                        <p:tgtEl>
+                                          <p:spTgt spid="3">
+                                            <p:txEl>
+                                              <p:pRg st="1" end="1"/>
+                                            </p:txEl>
+                                          </p:spTgt>
+                                        </p:tgtEl>
+                                        <p:attrNameLst>
+                                          <p:attrName>ppt_x</p:attrName>
+                                        </p:attrNameLst>
+                                      </p:cBhvr>
+                                      <p:tavLst>
+                                        <p:tav tm="0">
+                                          <p:val>
+                                            <p:strVal val="#ppt_x"/>
+                                          </p:val>
+                                        </p:tav>
+                                        <p:tav tm="100000">
+                                          <p:val>
+                                            <p:strVal val="#ppt_x"/>
+                                          </p:val>
+                                        </p:tav>
+                                      </p:tavLst>
+                                    </p:anim>
+                                    <p:anim calcmode="lin" valueType="num">
+                                      <p:cBhvr>
+                                        <p:cTn id="16" dur="1000" fill="hold"/>
+                                        <p:tgtEl>
+                                          <p:spTgt spid="3">
+                                            <p:txEl>
+                                              <p:pRg st="1" end="1"/>
+                                            </p:txEl>
+                                          </p:spTgt>
+                                        </p:tgtEl>
+                                        <p:attrNameLst>
+                                          <p:attrName>ppt_y</p:attrName>
+                                        </p:attrNameLst>
+                                      </p:cBhvr>
+                                      <p:tavLst>
+                                        <p:tav tm="0">
+                                          <p:val>
+                                            <p:strVal val="#ppt_y+.1"/>
+                                          </p:val>
+                                        </p:tav>
+                                        <p:tav tm="100000">
+                                          <p:val>
+                                            <p:strVal val="#ppt_y"/>
+                                          </p:val>
+                                        </p:tav>
+                                      </p:tavLst>
+                                    </p:anim>
+                                  </p:childTnLst>
+                                </p:cTn>
+                              </p:par>
+                            </p:childTnLst>
+                          </p:cTn>
+                        </p:par>
+                      </p:childTnLst>
+                    </p:cTn>
+                  </p:par>
+                  <p:par>
+                    <p:cTn id="17" fill="hold">
+                      <p:stCondLst>
+                        <p:cond delay="indefinite"/>
+                      </p:stCondLst>
+                      <p:childTnLst>
+                        <p:par>
+                          <p:cTn id="18" fill="hold">
+                            <p:stCondLst>
+                              <p:cond delay="0"/>
+                            </p:stCondLst>
+                            <p:childTnLst>
+                              <p:par>
+                                <p:cTn id="19" presetID="42" presetClass="entr" presetSubtype="0" fill="hold" nodeType="clickEffect">
+                                  <p:stCondLst>
+                                    <p:cond delay="0"/>
+                                  </p:stCondLst>
+                                  <p:childTnLst>
+                                    <p:set>
+                                      <p:cBhvr>
+                                        <p:cTn id="20" dur="1" fill="hold">
+                                          <p:stCondLst>
+                                            <p:cond delay="0"/>
+                                          </p:stCondLst>
+                                        </p:cTn>
+                                        <p:tgtEl>
+                                          <p:spTgt spid="3">
+                                            <p:txEl>
+                                              <p:pRg st="2" end="2"/>
+                                            </p:txEl>
+                                          </p:spTgt>
+                                        </p:tgtEl>
+                                        <p:attrNameLst>
+                                          <p:attrName>style.visibility</p:attrName>
+                                        </p:attrNameLst>
+                                      </p:cBhvr>
+                                      <p:to>
+                                        <p:strVal val="visible"/>
+                                      </p:to>
+                                    </p:set>
+                                    <p:animEffect transition="in" filter="fade">
+                                      <p:cBhvr>
+                                        <p:cTn id="21" dur="1000"/>
+                                        <p:tgtEl>
+                                          <p:spTgt spid="3">
+                                            <p:txEl>
+                                              <p:pRg st="2" end="2"/>
+                                            </p:txEl>
+                                          </p:spTgt>
+                                        </p:tgtEl>
+                                      </p:cBhvr>
+                                    </p:animEffect>
+                                    <p:anim calcmode="lin" valueType="num">
+                                      <p:cBhvr>
+                                        <p:cTn id="22" dur="1000" fill="hold"/>
+                                        <p:tgtEl>
+                                          <p:spTgt spid="3">
+                                            <p:txEl>
+                                              <p:pRg st="2" end="2"/>
+                                            </p:txEl>
+                                          </p:spTgt>
+                                        </p:tgtEl>
+                                        <p:attrNameLst>
+                                          <p:attrName>ppt_x</p:attrName>
+                                        </p:attrNameLst>
+                                      </p:cBhvr>
+                                      <p:tavLst>
+                                        <p:tav tm="0">
+                                          <p:val>
+                                            <p:strVal val="#ppt_x"/>
+                                          </p:val>
+                                        </p:tav>
+                                        <p:tav tm="100000">
+                                          <p:val>
+                                            <p:strVal val="#ppt_x"/>
+                                          </p:val>
+                                        </p:tav>
+                                      </p:tavLst>
+                                    </p:anim>
+                                    <p:anim calcmode="lin" valueType="num">
+                                      <p:cBhvr>
+                                        <p:cTn id="23" dur="1000" fill="hold"/>
+                                        <p:tgtEl>
+                                          <p:spTgt spid="3">
+                                            <p:txEl>
+                                              <p:pRg st="2" end="2"/>
+                                            </p:txEl>
+                                          </p:spTgt>
+                                        </p:tgtEl>
+                                        <p:attrNameLst>
+                                          <p:attrName>ppt_y</p:attrName>
+                                        </p:attrNameLst>
+                                      </p:cBhvr>
+                                      <p:tavLst>
+                                        <p:tav tm="0">
+                                          <p:val>
+                                            <p:strVal val="#ppt_y+.1"/>
+                                          </p:val>
+                                        </p:tav>
+                                        <p:tav tm="100000">
+                                          <p:val>
+                                            <p:strVal val="#ppt_y"/>
+                                          </p:val>
+                                        </p:tav>
+                                      </p:tavLst>
+                                    </p:anim>
+                                  </p:childTnLst>
+                                </p:cTn>
+                              </p:par>
+                            </p:childTnLst>
+                          </p:cTn>
+                        </p:par>
+                      </p:childTnLst>
+                    </p:cTn>
+                  </p:par>
+                  <p:par>
+                    <p:cTn id="24" fill="hold">
+                      <p:stCondLst>
+                        <p:cond delay="indefinite"/>
+                      </p:stCondLst>
+                      <p:childTnLst>
+                        <p:par>
+                          <p:cTn id="25" fill="hold">
+                            <p:stCondLst>
+                              <p:cond delay="0"/>
+                            </p:stCondLst>
+                            <p:childTnLst>
+                              <p:par>
+                                <p:cTn id="26" presetID="42" presetClass="entr" presetSubtype="0" fill="hold" nodeType="clickEffect">
+                                  <p:stCondLst>
+                                    <p:cond delay="0"/>
+                                  </p:stCondLst>
+                                  <p:childTnLst>
+                                    <p:set>
+                                      <p:cBhvr>
+                                        <p:cTn id="27" dur="1" fill="hold">
+                                          <p:stCondLst>
+                                            <p:cond delay="0"/>
+                                          </p:stCondLst>
+                                        </p:cTn>
+                                        <p:tgtEl>
+                                          <p:spTgt spid="3">
+                                            <p:txEl>
+                                              <p:pRg st="3" end="3"/>
+                                            </p:txEl>
+                                          </p:spTgt>
+                                        </p:tgtEl>
+                                        <p:attrNameLst>
+                                          <p:attrName>style.visibility</p:attrName>
+                                        </p:attrNameLst>
+                                      </p:cBhvr>
+                                      <p:to>
+                                        <p:strVal val="visible"/>
+                                      </p:to>
+                                    </p:set>
+                                    <p:animEffect transition="in" filter="fade">
+                                      <p:cBhvr>
+                                        <p:cTn id="28" dur="1000"/>
+                                        <p:tgtEl>
+                                          <p:spTgt spid="3">
+                                            <p:txEl>
+                                              <p:pRg st="3" end="3"/>
+                                            </p:txEl>
+                                          </p:spTgt>
+                                        </p:tgtEl>
+                                      </p:cBhvr>
+                                    </p:animEffect>
+                                    <p:anim calcmode="lin" valueType="num">
+                                      <p:cBhvr>
+                                        <p:cTn id="29" dur="1000" fill="hold"/>
+                                        <p:tgtEl>
+                                          <p:spTgt spid="3">
+                                            <p:txEl>
+                                              <p:pRg st="3" end="3"/>
+                                            </p:txEl>
+                                          </p:spTgt>
+                                        </p:tgtEl>
+                                        <p:attrNameLst>
+                                          <p:attrName>ppt_x</p:attrName>
+                                        </p:attrNameLst>
+                                      </p:cBhvr>
+                                      <p:tavLst>
+                                        <p:tav tm="0">
+                                          <p:val>
+                                            <p:strVal val="#ppt_x"/>
+                                          </p:val>
+                                        </p:tav>
+                                        <p:tav tm="100000">
+                                          <p:val>
+                                            <p:strVal val="#ppt_x"/>
+                                          </p:val>
+                                        </p:tav>
+                                      </p:tavLst>
+                                    </p:anim>
+                                    <p:anim calcmode="lin" valueType="num">
+                                      <p:cBhvr>
+                                        <p:cTn id="30" dur="1000" fill="hold"/>
+                                        <p:tgtEl>
+                                          <p:spTgt spid="3">
+                                            <p:txEl>
+                                              <p:pRg st="3" end="3"/>
+                                            </p:txEl>
+                                          </p:spTgt>
+                                        </p:tgtEl>
+                                        <p:attrNameLst>
+                                          <p:attrName>ppt_y</p:attrName>
+                                        </p:attrNameLst>
+                                      </p:cBhvr>
+                                      <p:tavLst>
+                                        <p:tav tm="0">
+                                          <p:val>
+                                            <p:strVal val="#ppt_y+.1"/>
+                                          </p:val>
+                                        </p:tav>
+                                        <p:tav tm="100000">
+                                          <p:val>
+                                            <p:strVal val="#ppt_y"/>
+                                          </p:val>
+                                        </p:tav>
+                                      </p:tavLst>
+                                    </p:anim>
+                                  </p:childTnLst>
+                                </p:cTn>
+                              </p:par>
+                            </p:childTnLst>
+                          </p:cTn>
+                        </p:par>
+                      </p:childTnLst>
+                    </p:cTn>
+                  </p:par>
+                  <p:par>
+                    <p:cTn id="31" fill="hold">
+                      <p:stCondLst>
+                        <p:cond delay="indefinite"/>
+                      </p:stCondLst>
+                      <p:childTnLst>
+                        <p:par>
+                          <p:cTn id="32" fill="hold">
+                            <p:stCondLst>
+                              <p:cond delay="0"/>
+                            </p:stCondLst>
+                            <p:childTnLst>
+                              <p:par>
+                                <p:cTn id="33" presetID="42" presetClass="entr" presetSubtype="0" fill="hold" nodeType="clickEffect">
+                                  <p:stCondLst>
+                                    <p:cond delay="0"/>
+                                  </p:stCondLst>
+                                  <p:childTnLst>
+                                    <p:set>
+                                      <p:cBhvr>
+                                        <p:cTn id="34" dur="1" fill="hold">
+                                          <p:stCondLst>
+                                            <p:cond delay="0"/>
+                                          </p:stCondLst>
+                                        </p:cTn>
+                                        <p:tgtEl>
+                                          <p:spTgt spid="3">
+                                            <p:txEl>
+                                              <p:pRg st="4" end="4"/>
+                                            </p:txEl>
+                                          </p:spTgt>
+                                        </p:tgtEl>
+                                        <p:attrNameLst>
+                                          <p:attrName>style.visibility</p:attrName>
+                                        </p:attrNameLst>
+                                      </p:cBhvr>
+                                      <p:to>
+                                        <p:strVal val="visible"/>
+                                      </p:to>
+                                    </p:set>
+                                    <p:animEffect transition="in" filter="fade">
+                                      <p:cBhvr>
+                                        <p:cTn id="35" dur="1000"/>
+                                        <p:tgtEl>
+                                          <p:spTgt spid="3">
+                                            <p:txEl>
+                                              <p:pRg st="4" end="4"/>
+                                            </p:txEl>
+                                          </p:spTgt>
+                                        </p:tgtEl>
+                                      </p:cBhvr>
+                                    </p:animEffect>
+                                    <p:anim calcmode="lin" valueType="num">
+                                      <p:cBhvr>
+                                        <p:cTn id="36" dur="1000" fill="hold"/>
+                                        <p:tgtEl>
+                                          <p:spTgt spid="3">
+                                            <p:txEl>
+                                              <p:pRg st="4" end="4"/>
+                                            </p:txEl>
+                                          </p:spTgt>
+                                        </p:tgtEl>
+                                        <p:attrNameLst>
+                                          <p:attrName>ppt_x</p:attrName>
+                                        </p:attrNameLst>
+                                      </p:cBhvr>
+                                      <p:tavLst>
+                                        <p:tav tm="0">
+                                          <p:val>
+                                            <p:strVal val="#ppt_x"/>
+                                          </p:val>
+                                        </p:tav>
+                                        <p:tav tm="100000">
+                                          <p:val>
+                                            <p:strVal val="#ppt_x"/>
+                                          </p:val>
+                                        </p:tav>
+                                      </p:tavLst>
+                                    </p:anim>
+                                    <p:anim calcmode="lin" valueType="num">
+                                      <p:cBhvr>
+                                        <p:cTn id="37" dur="1000" fill="hold"/>
+                                        <p:tgtEl>
+                                          <p:spTgt spid="3">
+                                            <p:txEl>
+                                              <p:pRg st="4" end="4"/>
+                                            </p:txEl>
+                                          </p:spTgt>
+                                        </p:tgtEl>
+                                        <p:attrNameLst>
+                                          <p:attrName>ppt_y</p:attrName>
+                                        </p:attrNameLst>
+                                      </p:cBhvr>
+                                      <p:tavLst>
+                                        <p:tav tm="0">
+                                          <p:val>
+                                            <p:strVal val="#ppt_y+.1"/>
+                                          </p:val>
+                                        </p:tav>
+                                        <p:tav tm="100000">
+                                          <p:val>
+                                            <p:strVal val="#ppt_y"/>
+                                          </p:val>
+                                        </p:tav>
+                                      </p:tavLst>
+                                    </p:anim>
+                                  </p:childTnLst>
+                                </p:cTn>
+                              </p:par>
+                            </p:childTnLst>
+                          </p:cTn>
+                        </p:par>
+                      </p:childTnLst>
+                    </p:cTn>
+                  </p:par>
+                  <p:par>
+                    <p:cTn id="38" fill="hold">
+                      <p:stCondLst>
+                        <p:cond delay="indefinite"/>
+                      </p:stCondLst>
+                      <p:childTnLst>
+                        <p:par>
+                          <p:cTn id="39" fill="hold">
+                            <p:stCondLst>
+                              <p:cond delay="0"/>
+                            </p:stCondLst>
+                            <p:childTnLst>
+                              <p:par>
+                                <p:cTn id="40" presetID="42" presetClass="entr" presetSubtype="0" fill="hold" nodeType="clickEffect">
+                                  <p:stCondLst>
+                                    <p:cond delay="0"/>
+                                  </p:stCondLst>
+                                  <p:childTnLst>
+                                    <p:set>
+                                      <p:cBhvr>
+                                        <p:cTn id="41" dur="1" fill="hold">
+                                          <p:stCondLst>
+                                            <p:cond delay="0"/>
+                                          </p:stCondLst>
+                                        </p:cTn>
+                                        <p:tgtEl>
+                                          <p:spTgt spid="3">
+                                            <p:txEl>
+                                              <p:pRg st="5" end="5"/>
+                                            </p:txEl>
+                                          </p:spTgt>
+                                        </p:tgtEl>
+                                        <p:attrNameLst>
+                                          <p:attrName>style.visibility</p:attrName>
+                                        </p:attrNameLst>
+                                      </p:cBhvr>
+                                      <p:to>
+                                        <p:strVal val="visible"/>
+                                      </p:to>
+                                    </p:set>
+                                    <p:animEffect transition="in" filter="fade">
+                                      <p:cBhvr>
+                                        <p:cTn id="42" dur="1000"/>
+                                        <p:tgtEl>
+                                          <p:spTgt spid="3">
+                                            <p:txEl>
+                                              <p:pRg st="5" end="5"/>
+                                            </p:txEl>
+                                          </p:spTgt>
+                                        </p:tgtEl>
+                                      </p:cBhvr>
+                                    </p:animEffect>
+                                    <p:anim calcmode="lin" valueType="num">
+                                      <p:cBhvr>
+                                        <p:cTn id="43" dur="1000" fill="hold"/>
+                                        <p:tgtEl>
+                                          <p:spTgt spid="3">
+                                            <p:txEl>
+                                              <p:pRg st="5" end="5"/>
+                                            </p:txEl>
+                                          </p:spTgt>
+                                        </p:tgtEl>
+                                        <p:attrNameLst>
+                                          <p:attrName>ppt_x</p:attrName>
+                                        </p:attrNameLst>
+                                      </p:cBhvr>
+                                      <p:tavLst>
+                                        <p:tav tm="0">
+                                          <p:val>
+                                            <p:strVal val="#ppt_x"/>
+                                          </p:val>
+                                        </p:tav>
+                                        <p:tav tm="100000">
+                                          <p:val>
+                                            <p:strVal val="#ppt_x"/>
+                                          </p:val>
+                                        </p:tav>
+                                      </p:tavLst>
+                                    </p:anim>
+                                    <p:anim calcmode="lin" valueType="num">
+                                      <p:cBhvr>
+                                        <p:cTn id="44" dur="1000" fill="hold"/>
+                                        <p:tgtEl>
+                                          <p:spTgt spid="3">
+                                            <p:txEl>
+                                              <p:pRg st="5" end="5"/>
+                                            </p:txEl>
+                                          </p:spTgt>
+                                        </p:tgtEl>
+                                        <p:attrNameLst>
+                                          <p:attrName>ppt_y</p:attrName>
+                                        </p:attrNameLst>
+                                      </p:cBhvr>
+                                      <p:tavLst>
+                                        <p:tav tm="0">
+                                          <p:val>
+                                            <p:strVal val="#ppt_y+.1"/>
+                                          </p:val>
+                                        </p:tav>
+                                        <p:tav tm="100000">
+                                          <p:val>
+                                            <p:strVal val="#ppt_y"/>
+                                          </p:val>
+                                        </p:tav>
+                                      </p:tavLst>
+                                    </p:anim>
+                                  </p:childTnLst>
+                                </p:cTn>
+                              </p:par>
+                            </p:childTnLst>
+                          </p:cTn>
+                        </p:par>
+                      </p:childTnLst>
+                    </p:cTn>
+                  </p:par>
+                </p:childTnLst>
+              </p:cTn>
+              <p:prevCondLst>
+                <p:cond evt="onPrev" delay="0">
+                  <p:tgtEl>
+                    <p:sldTgt/>
+                  </p:tgtEl>
+                </p:cond>
+              </p:prevCondLst>
+              <p:nextCondLst>
+                <p:cond evt="onNext" delay="0">
+                  <p:tgtEl>
+                    <p:sldTgt/>
+                  </p:tgtEl>
+                </p:cond>
+              </p:nextCondLst>
+            </p:seq>
+          </p:childTnLst>
+        </p:cTn>
+      </p:par>
+    </p:tnLst>
+  </p:timing>
+</p:sld>
+</file>
+
+<file path=ppt/slides/slide6.xml><?xml version="1.0" encoding="utf-8"?>
+<p:sld xmlns:a="http://schemas.openxmlformats.org/drawingml/2006/main" xmlns:r="http://schemas.openxmlformats.org/officeDocument/2006/relationships" xmlns:p="http://schemas.openxmlformats.org/presentationml/2006/main">
+  <p:cSld>
+    <p:spTree>
+      <p:nvGrpSpPr>
+        <p:cNvPr id="1" name=""/>
+        <p:cNvGrpSpPr/>
+        <p:nvPr/>
+      </p:nvGrpSpPr>
+      <p:grpSpPr>
+        <a:xfrm>
+          <a:off x="0" y="0"/>
+          <a:ext cx="0" cy="0"/>
+          <a:chOff x="0" y="0"/>
+          <a:chExt cx="0" cy="0"/>
+        </a:xfrm>
+      </p:grpSpPr>
+      <p:sp>
+        <p:nvSpPr>
+          <p:cNvPr id="2" name="Title 1"/>
+          <p:cNvSpPr>
+            <a:spLocks noGrp="1"/>
+          </p:cNvSpPr>
+          <p:nvPr>
+            <p:ph type="title"/>
+          </p:nvPr>
+        </p:nvSpPr>
+        <p:spPr/>
+        <p:txBody>
+          <a:bodyPr/>
+          <a:lstStyle/>
+          <a:p>
+            <a:r>
+              <a:rPr lang="en-US" dirty="0" smtClean="0"/>
+              <a:t>Market Manager</a:t>
+            </a:r>
+            <a:endParaRPr lang="en-US" dirty="0"/>
+          </a:p>
+        </p:txBody>
+      </p:sp>
+      <p:sp>
+        <p:nvSpPr>
+          <p:cNvPr id="3" name="Content Placeholder 2"/>
+          <p:cNvSpPr>
+            <a:spLocks noGrp="1"/>
+          </p:cNvSpPr>
+          <p:nvPr>
+            <p:ph idx="1"/>
+          </p:nvPr>
+        </p:nvSpPr>
+        <p:spPr/>
+        <p:txBody>
+          <a:bodyPr>
+            <a:normAutofit lnSpcReduction="10000"/>
+          </a:bodyPr>
+          <a:lstStyle/>
+          <a:p>
+            <a:r>
+              <a:rPr lang="en-US" dirty="0" smtClean="0"/>
+              <a:t>Manages the support and development of one or major applications</a:t>
+            </a:r>
+          </a:p>
+          <a:p>
+            <a:r>
+              <a:rPr lang="en-US" dirty="0" smtClean="0"/>
+              <a:t>Direct supervisory role over client support analysts </a:t>
+            </a:r>
+          </a:p>
+          <a:p>
+            <a:r>
+              <a:rPr lang="en-US" dirty="0" smtClean="0"/>
+              <a:t>Prepares budgets and responsible for the overall profitability of the market</a:t>
+            </a:r>
+          </a:p>
+          <a:p>
+            <a:r>
+              <a:rPr lang="en-US" dirty="0" smtClean="0"/>
+              <a:t>Assists with the design of new software or changes to existing software</a:t>
+            </a:r>
+          </a:p>
+          <a:p>
+            <a:r>
+              <a:rPr lang="en-US" dirty="0" smtClean="0"/>
+              <a:t>Many start out as support analysts and are promoted to this role</a:t>
+            </a:r>
+            <a:endParaRPr lang="en-US" dirty="0"/>
+          </a:p>
+        </p:txBody>
+      </p:sp>
+    </p:spTree>
+    <p:extLst>
+      <p:ext uri="{BB962C8B-B14F-4D97-AF65-F5344CB8AC3E}">
+        <p14:creationId xmlns:p14="http://schemas.microsoft.com/office/powerpoint/2010/main" val="3080512785"/>
+      </p:ext>
+    </p:extLst>
+  </p:cSld>
+  <p:clrMapOvr>
+    <a:masterClrMapping/>
+  </p:clrMapOvr>
+  <p:timing>
+    <p:tnLst>
+      <p:par>
+        <p:cTn id="1" dur="indefinite" restart="never" nodeType="tmRoot">
+          <p:childTnLst>
+            <p:seq concurrent="1" nextAc="seek">
+              <p:cTn id="2" dur="indefinite" nodeType="mainSeq">
+                <p:childTnLst>
+                  <p:par>
+                    <p:cTn id="3" fill="hold">
+                      <p:stCondLst>
+                        <p:cond delay="indefinite"/>
+                      </p:stCondLst>
+                      <p:childTnLst>
+                        <p:par>
+                          <p:cTn id="4" fill="hold">
+                            <p:stCondLst>
+                              <p:cond delay="0"/>
+                            </p:stCondLst>
+                            <p:childTnLst>
+                              <p:par>
+                                <p:cTn id="5" presetID="42" presetClass="entr" presetSubtype="0" fill="hold" nodeType="clickEffect">
+                                  <p:stCondLst>
+                                    <p:cond delay="0"/>
+                                  </p:stCondLst>
+                                  <p:childTnLst>
+                                    <p:set>
+                                      <p:cBhvr>
+                                        <p:cTn id="6" dur="1" fill="hold">
+                                          <p:stCondLst>
+                                            <p:cond delay="0"/>
+                                          </p:stCondLst>
+                                        </p:cTn>
+                                        <p:tgtEl>
+                                          <p:spTgt spid="3">
+                                            <p:txEl>
+                                              <p:pRg st="0" end="0"/>
+                                            </p:txEl>
+                                          </p:spTgt>
+                                        </p:tgtEl>
+                                        <p:attrNameLst>
+                                          <p:attrName>style.visibility</p:attrName>
+                                        </p:attrNameLst>
+                                      </p:cBhvr>
+                                      <p:to>
+                                        <p:strVal val="visible"/>
+                                      </p:to>
+                                    </p:set>
+                                    <p:animEffect transition="in" filter="fade">
+                                      <p:cBhvr>
+                                        <p:cTn id="7" dur="1000"/>
+                                        <p:tgtEl>
+                                          <p:spTgt spid="3">
+                                            <p:txEl>
+                                              <p:pRg st="0" end="0"/>
+                                            </p:txEl>
+                                          </p:spTgt>
+                                        </p:tgtEl>
+                                      </p:cBhvr>
+                                    </p:animEffect>
+                                    <p:anim calcmode="lin" valueType="num">
+                                      <p:cBhvr>
+                                        <p:cTn id="8" dur="1000" fill="hold"/>
+                                        <p:tgtEl>
+                                          <p:spTgt spid="3">
+                                            <p:txEl>
+                                              <p:pRg st="0" end="0"/>
+                                            </p:txEl>
+                                          </p:spTgt>
+                                        </p:tgtEl>
+                                        <p:attrNameLst>
+                                          <p:attrName>ppt_x</p:attrName>
+                                        </p:attrNameLst>
+                                      </p:cBhvr>
+                                      <p:tavLst>
+                                        <p:tav tm="0">
+                                          <p:val>
+                                            <p:strVal val="#ppt_x"/>
+                                          </p:val>
+                                        </p:tav>
+                                        <p:tav tm="100000">
+                                          <p:val>
+                                            <p:strVal val="#ppt_x"/>
+                                          </p:val>
+                                        </p:tav>
+                                      </p:tavLst>
+                                    </p:anim>
+                                    <p:anim calcmode="lin" valueType="num">
+                                      <p:cBhvr>
+                                        <p:cTn id="9" dur="1000" fill="hold"/>
+                                        <p:tgtEl>
+                                          <p:spTgt spid="3">
+                                            <p:txEl>
+                                              <p:pRg st="0" end="0"/>
+                                            </p:txEl>
+                                          </p:spTgt>
+                                        </p:tgtEl>
+                                        <p:attrNameLst>
+                                          <p:attrName>ppt_y</p:attrName>
+                                        </p:attrNameLst>
+                                      </p:cBhvr>
+                                      <p:tavLst>
+                                        <p:tav tm="0">
+                                          <p:val>
+                                            <p:strVal val="#ppt_y+.1"/>
+                                          </p:val>
+                                        </p:tav>
+                                        <p:tav tm="100000">
+                                          <p:val>
+                                            <p:strVal val="#ppt_y"/>
+                                          </p:val>
+                                        </p:tav>
+                                      </p:tavLst>
+                                    </p:anim>
+                                  </p:childTnLst>
+                                </p:cTn>
+                              </p:par>
+                            </p:childTnLst>
+                          </p:cTn>
+                        </p:par>
+                      </p:childTnLst>
+                    </p:cTn>
+                  </p:par>
+                  <p:par>
+                    <p:cTn id="10" fill="hold">
+                      <p:stCondLst>
+                        <p:cond delay="indefinite"/>
+                      </p:stCondLst>
+                      <p:childTnLst>
+                        <p:par>
+                          <p:cTn id="11" fill="hold">
+                            <p:stCondLst>
+                              <p:cond delay="0"/>
+                            </p:stCondLst>
+                            <p:childTnLst>
+                              <p:par>
+                                <p:cTn id="12" presetID="42" presetClass="entr" presetSubtype="0" fill="hold" nodeType="clickEffect">
+                                  <p:stCondLst>
+                                    <p:cond delay="0"/>
+                                  </p:stCondLst>
+                                  <p:childTnLst>
+                                    <p:set>
+                                      <p:cBhvr>
+                                        <p:cTn id="13" dur="1" fill="hold">
+                                          <p:stCondLst>
+                                            <p:cond delay="0"/>
+                                          </p:stCondLst>
+                                        </p:cTn>
+                                        <p:tgtEl>
+                                          <p:spTgt spid="3">
+                                            <p:txEl>
+                                              <p:pRg st="1" end="1"/>
+                                            </p:txEl>
+                                          </p:spTgt>
+                                        </p:tgtEl>
+                                        <p:attrNameLst>
+                                          <p:attrName>style.visibility</p:attrName>
+                                        </p:attrNameLst>
+                                      </p:cBhvr>
+                                      <p:to>
+                                        <p:strVal val="visible"/>
+                                      </p:to>
+                                    </p:set>
+                                    <p:animEffect transition="in" filter="fade">
+                                      <p:cBhvr>
+                                        <p:cTn id="14" dur="1000"/>
+                                        <p:tgtEl>
+                                          <p:spTgt spid="3">
+                                            <p:txEl>
+                                              <p:pRg st="1" end="1"/>
+                                            </p:txEl>
+                                          </p:spTgt>
+                                        </p:tgtEl>
+                                      </p:cBhvr>
+                                    </p:animEffect>
+                                    <p:anim calcmode="lin" valueType="num">
+                                      <p:cBhvr>
+                                        <p:cTn id="15" dur="1000" fill="hold"/>
+                                        <p:tgtEl>
+                                          <p:spTgt spid="3">
+                                            <p:txEl>
+                                              <p:pRg st="1" end="1"/>
+                                            </p:txEl>
+                                          </p:spTgt>
+                                        </p:tgtEl>
+                                        <p:attrNameLst>
+                                          <p:attrName>ppt_x</p:attrName>
+                                        </p:attrNameLst>
+                                      </p:cBhvr>
+                                      <p:tavLst>
+                                        <p:tav tm="0">
+                                          <p:val>
+                                            <p:strVal val="#ppt_x"/>
+                                          </p:val>
+                                        </p:tav>
+                                        <p:tav tm="100000">
+                                          <p:val>
+                                            <p:strVal val="#ppt_x"/>
+                                          </p:val>
+                                        </p:tav>
+                                      </p:tavLst>
+                                    </p:anim>
+                                    <p:anim calcmode="lin" valueType="num">
+                                      <p:cBhvr>
+                                        <p:cTn id="16" dur="1000" fill="hold"/>
+                                        <p:tgtEl>
+                                          <p:spTgt spid="3">
+                                            <p:txEl>
+                                              <p:pRg st="1" end="1"/>
+                                            </p:txEl>
+                                          </p:spTgt>
+                                        </p:tgtEl>
+                                        <p:attrNameLst>
+                                          <p:attrName>ppt_y</p:attrName>
+                                        </p:attrNameLst>
+                                      </p:cBhvr>
+                                      <p:tavLst>
+                                        <p:tav tm="0">
+                                          <p:val>
+                                            <p:strVal val="#ppt_y+.1"/>
+                                          </p:val>
+                                        </p:tav>
+                                        <p:tav tm="100000">
+                                          <p:val>
+                                            <p:strVal val="#ppt_y"/>
+                                          </p:val>
+                                        </p:tav>
+                                      </p:tavLst>
+                                    </p:anim>
+                                  </p:childTnLst>
+                                </p:cTn>
+                              </p:par>
+                            </p:childTnLst>
+                          </p:cTn>
+                        </p:par>
+                      </p:childTnLst>
+                    </p:cTn>
+                  </p:par>
+                  <p:par>
+                    <p:cTn id="17" fill="hold">
+                      <p:stCondLst>
+                        <p:cond delay="indefinite"/>
+                      </p:stCondLst>
+                      <p:childTnLst>
+                        <p:par>
+                          <p:cTn id="18" fill="hold">
+                            <p:stCondLst>
+                              <p:cond delay="0"/>
+                            </p:stCondLst>
+                            <p:childTnLst>
+                              <p:par>
+                                <p:cTn id="19" presetID="42" presetClass="entr" presetSubtype="0" fill="hold" nodeType="clickEffect">
+                                  <p:stCondLst>
+                                    <p:cond delay="0"/>
+                                  </p:stCondLst>
+                                  <p:childTnLst>
+                                    <p:set>
+                                      <p:cBhvr>
+                                        <p:cTn id="20" dur="1" fill="hold">
+                                          <p:stCondLst>
+                                            <p:cond delay="0"/>
+                                          </p:stCondLst>
+                                        </p:cTn>
+                                        <p:tgtEl>
+                                          <p:spTgt spid="3">
+                                            <p:txEl>
+                                              <p:pRg st="2" end="2"/>
+                                            </p:txEl>
+                                          </p:spTgt>
+                                        </p:tgtEl>
+                                        <p:attrNameLst>
+                                          <p:attrName>style.visibility</p:attrName>
+                                        </p:attrNameLst>
+                                      </p:cBhvr>
+                                      <p:to>
+                                        <p:strVal val="visible"/>
+                                      </p:to>
+                                    </p:set>
+                                    <p:animEffect transition="in" filter="fade">
+                                      <p:cBhvr>
+                                        <p:cTn id="21" dur="1000"/>
+                                        <p:tgtEl>
+                                          <p:spTgt spid="3">
+                                            <p:txEl>
+                                              <p:pRg st="2" end="2"/>
+                                            </p:txEl>
+                                          </p:spTgt>
+                                        </p:tgtEl>
+                                      </p:cBhvr>
+                                    </p:animEffect>
+                                    <p:anim calcmode="lin" valueType="num">
+                                      <p:cBhvr>
+                                        <p:cTn id="22" dur="1000" fill="hold"/>
+                                        <p:tgtEl>
+                                          <p:spTgt spid="3">
+                                            <p:txEl>
+                                              <p:pRg st="2" end="2"/>
+                                            </p:txEl>
+                                          </p:spTgt>
+                                        </p:tgtEl>
+                                        <p:attrNameLst>
+                                          <p:attrName>ppt_x</p:attrName>
+                                        </p:attrNameLst>
+                                      </p:cBhvr>
+                                      <p:tavLst>
+                                        <p:tav tm="0">
+                                          <p:val>
+                                            <p:strVal val="#ppt_x"/>
+                                          </p:val>
+                                        </p:tav>
+                                        <p:tav tm="100000">
+                                          <p:val>
+                                            <p:strVal val="#ppt_x"/>
+                                          </p:val>
+                                        </p:tav>
+                                      </p:tavLst>
+                                    </p:anim>
+                                    <p:anim calcmode="lin" valueType="num">
+                                      <p:cBhvr>
+                                        <p:cTn id="23" dur="1000" fill="hold"/>
+                                        <p:tgtEl>
+                                          <p:spTgt spid="3">
+                                            <p:txEl>
+                                              <p:pRg st="2" end="2"/>
+                                            </p:txEl>
+                                          </p:spTgt>
+                                        </p:tgtEl>
+                                        <p:attrNameLst>
+                                          <p:attrName>ppt_y</p:attrName>
+                                        </p:attrNameLst>
+                                      </p:cBhvr>
+                                      <p:tavLst>
+                                        <p:tav tm="0">
+                                          <p:val>
+                                            <p:strVal val="#ppt_y+.1"/>
+                                          </p:val>
+                                        </p:tav>
+                                        <p:tav tm="100000">
+                                          <p:val>
+                                            <p:strVal val="#ppt_y"/>
+                                          </p:val>
+                                        </p:tav>
+                                      </p:tavLst>
+                                    </p:anim>
+                                  </p:childTnLst>
+                                </p:cTn>
+                              </p:par>
+                            </p:childTnLst>
+                          </p:cTn>
+                        </p:par>
+                      </p:childTnLst>
+                    </p:cTn>
+                  </p:par>
+                  <p:par>
+                    <p:cTn id="24" fill="hold">
+                      <p:stCondLst>
+                        <p:cond delay="indefinite"/>
+                      </p:stCondLst>
+                      <p:childTnLst>
+                        <p:par>
+                          <p:cTn id="25" fill="hold">
+                            <p:stCondLst>
+                              <p:cond delay="0"/>
+                            </p:stCondLst>
+                            <p:childTnLst>
+                              <p:par>
+                                <p:cTn id="26" presetID="42" presetClass="entr" presetSubtype="0" fill="hold" nodeType="clickEffect">
+                                  <p:stCondLst>
+                                    <p:cond delay="0"/>
+                                  </p:stCondLst>
+                                  <p:childTnLst>
+                                    <p:set>
+                                      <p:cBhvr>
+                                        <p:cTn id="27" dur="1" fill="hold">
+                                          <p:stCondLst>
+                                            <p:cond delay="0"/>
+                                          </p:stCondLst>
+                                        </p:cTn>
+                                        <p:tgtEl>
+                                          <p:spTgt spid="3">
+                                            <p:txEl>
+                                              <p:pRg st="3" end="3"/>
+                                            </p:txEl>
+                                          </p:spTgt>
+                                        </p:tgtEl>
+                                        <p:attrNameLst>
+                                          <p:attrName>style.visibility</p:attrName>
+                                        </p:attrNameLst>
+                                      </p:cBhvr>
+                                      <p:to>
+                                        <p:strVal val="visible"/>
+                                      </p:to>
+                                    </p:set>
+                                    <p:animEffect transition="in" filter="fade">
+                                      <p:cBhvr>
+                                        <p:cTn id="28" dur="1000"/>
+                                        <p:tgtEl>
+                                          <p:spTgt spid="3">
+                                            <p:txEl>
+                                              <p:pRg st="3" end="3"/>
+                                            </p:txEl>
+                                          </p:spTgt>
+                                        </p:tgtEl>
+                                      </p:cBhvr>
+                                    </p:animEffect>
+                                    <p:anim calcmode="lin" valueType="num">
+                                      <p:cBhvr>
+                                        <p:cTn id="29" dur="1000" fill="hold"/>
+                                        <p:tgtEl>
+                                          <p:spTgt spid="3">
+                                            <p:txEl>
+                                              <p:pRg st="3" end="3"/>
+                                            </p:txEl>
+                                          </p:spTgt>
+                                        </p:tgtEl>
+                                        <p:attrNameLst>
+                                          <p:attrName>ppt_x</p:attrName>
+                                        </p:attrNameLst>
+                                      </p:cBhvr>
+                                      <p:tavLst>
+                                        <p:tav tm="0">
+                                          <p:val>
+                                            <p:strVal val="#ppt_x"/>
+                                          </p:val>
+                                        </p:tav>
+                                        <p:tav tm="100000">
+                                          <p:val>
+                                            <p:strVal val="#ppt_x"/>
+                                          </p:val>
+                                        </p:tav>
+                                      </p:tavLst>
+                                    </p:anim>
+                                    <p:anim calcmode="lin" valueType="num">
+                                      <p:cBhvr>
+                                        <p:cTn id="30" dur="1000" fill="hold"/>
+                                        <p:tgtEl>
+                                          <p:spTgt spid="3">
+                                            <p:txEl>
+                                              <p:pRg st="3" end="3"/>
+                                            </p:txEl>
+                                          </p:spTgt>
+                                        </p:tgtEl>
+                                        <p:attrNameLst>
+                                          <p:attrName>ppt_y</p:attrName>
+                                        </p:attrNameLst>
+                                      </p:cBhvr>
+                                      <p:tavLst>
+                                        <p:tav tm="0">
+                                          <p:val>
+                                            <p:strVal val="#ppt_y+.1"/>
+                                          </p:val>
+                                        </p:tav>
+                                        <p:tav tm="100000">
+                                          <p:val>
+                                            <p:strVal val="#ppt_y"/>
+                                          </p:val>
+                                        </p:tav>
+                                      </p:tavLst>
+                                    </p:anim>
+                                  </p:childTnLst>
+                                </p:cTn>
+                              </p:par>
+                            </p:childTnLst>
+                          </p:cTn>
+                        </p:par>
+                      </p:childTnLst>
+                    </p:cTn>
+                  </p:par>
+                  <p:par>
+                    <p:cTn id="31" fill="hold">
+                      <p:stCondLst>
+                        <p:cond delay="indefinite"/>
+                      </p:stCondLst>
+                      <p:childTnLst>
+                        <p:par>
+                          <p:cTn id="32" fill="hold">
+                            <p:stCondLst>
+                              <p:cond delay="0"/>
+                            </p:stCondLst>
+                            <p:childTnLst>
+                              <p:par>
+                                <p:cTn id="33" presetID="42" presetClass="entr" presetSubtype="0" fill="hold" nodeType="clickEffect">
+                                  <p:stCondLst>
+                                    <p:cond delay="0"/>
+                                  </p:stCondLst>
+                                  <p:childTnLst>
+                                    <p:set>
+                                      <p:cBhvr>
+                                        <p:cTn id="34" dur="1" fill="hold">
+                                          <p:stCondLst>
+                                            <p:cond delay="0"/>
+                                          </p:stCondLst>
+                                        </p:cTn>
+                                        <p:tgtEl>
+                                          <p:spTgt spid="3">
+                                            <p:txEl>
+                                              <p:pRg st="4" end="4"/>
+                                            </p:txEl>
+                                          </p:spTgt>
+                                        </p:tgtEl>
+                                        <p:attrNameLst>
+                                          <p:attrName>style.visibility</p:attrName>
+                                        </p:attrNameLst>
+                                      </p:cBhvr>
+                                      <p:to>
+                                        <p:strVal val="visible"/>
+                                      </p:to>
+                                    </p:set>
+                                    <p:animEffect transition="in" filter="fade">
+                                      <p:cBhvr>
+                                        <p:cTn id="35" dur="1000"/>
+                                        <p:tgtEl>
+                                          <p:spTgt spid="3">
+                                            <p:txEl>
+                                              <p:pRg st="4" end="4"/>
+                                            </p:txEl>
+                                          </p:spTgt>
+                                        </p:tgtEl>
+                                      </p:cBhvr>
+                                    </p:animEffect>
+                                    <p:anim calcmode="lin" valueType="num">
+                                      <p:cBhvr>
+                                        <p:cTn id="36" dur="1000" fill="hold"/>
+                                        <p:tgtEl>
+                                          <p:spTgt spid="3">
+                                            <p:txEl>
+                                              <p:pRg st="4" end="4"/>
+                                            </p:txEl>
+                                          </p:spTgt>
+                                        </p:tgtEl>
+                                        <p:attrNameLst>
+                                          <p:attrName>ppt_x</p:attrName>
+                                        </p:attrNameLst>
+                                      </p:cBhvr>
+                                      <p:tavLst>
+                                        <p:tav tm="0">
+                                          <p:val>
+                                            <p:strVal val="#ppt_x"/>
+                                          </p:val>
+                                        </p:tav>
+                                        <p:tav tm="100000">
+                                          <p:val>
+                                            <p:strVal val="#ppt_x"/>
+                                          </p:val>
+                                        </p:tav>
+                                      </p:tavLst>
+                                    </p:anim>
+                                    <p:anim calcmode="lin" valueType="num">
+                                      <p:cBhvr>
+                                        <p:cTn id="37" dur="1000" fill="hold"/>
+                                        <p:tgtEl>
+                                          <p:spTgt spid="3">
+                                            <p:txEl>
+                                              <p:pRg st="4" end="4"/>
+                                            </p:txEl>
+                                          </p:spTgt>
+                                        </p:tgtEl>
+                                        <p:attrNameLst>
+                                          <p:attrName>ppt_y</p:attrName>
+                                        </p:attrNameLst>
+                                      </p:cBhvr>
+                                      <p:tavLst>
+                                        <p:tav tm="0">
+                                          <p:val>
+                                            <p:strVal val="#ppt_y+.1"/>
+                                          </p:val>
+                                        </p:tav>
+                                        <p:tav tm="100000">
+                                          <p:val>
+                                            <p:strVal val="#ppt_y"/>
+                                          </p:val>
+                                        </p:tav>
+                                      </p:tavLst>
+                                    </p:anim>
+                                  </p:childTnLst>
+                                </p:cTn>
+                              </p:par>
+                            </p:childTnLst>
+                          </p:cTn>
+                        </p:par>
+                      </p:childTnLst>
+                    </p:cTn>
+                  </p:par>
+                </p:childTnLst>
+              </p:cTn>
+              <p:prevCondLst>
+                <p:cond evt="onPrev" delay="0">
+                  <p:tgtEl>
+                    <p:sldTgt/>
+                  </p:tgtEl>
+                </p:cond>
+              </p:prevCondLst>
+              <p:nextCondLst>
+                <p:cond evt="onNext" delay="0">
+                  <p:tgtEl>
+                    <p:sldTgt/>
+                  </p:tgtEl>
+                </p:cond>
+              </p:nextCondLst>
+            </p:seq>
+          </p:childTnLst>
+        </p:cTn>
+      </p:par>
+    </p:tnLst>
+  </p:timing>
+</p:sld>
+</file>
+
+<file path=ppt/slides/slide7.xml><?xml version="1.0" encoding="utf-8"?>
+<p:sld xmlns:a="http://schemas.openxmlformats.org/drawingml/2006/main" xmlns:r="http://schemas.openxmlformats.org/officeDocument/2006/relationships" xmlns:p="http://schemas.openxmlformats.org/presentationml/2006/main">
+  <p:cSld>
+    <p:spTree>
+      <p:nvGrpSpPr>
+        <p:cNvPr id="1" name=""/>
+        <p:cNvGrpSpPr/>
+        <p:nvPr/>
+      </p:nvGrpSpPr>
+      <p:grpSpPr>
+        <a:xfrm>
+          <a:off x="0" y="0"/>
+          <a:ext cx="0" cy="0"/>
+          <a:chOff x="0" y="0"/>
+          <a:chExt cx="0" cy="0"/>
+        </a:xfrm>
+      </p:grpSpPr>
+      <p:sp>
+        <p:nvSpPr>
+          <p:cNvPr id="2" name="Title 1"/>
+          <p:cNvSpPr>
+            <a:spLocks noGrp="1"/>
+          </p:cNvSpPr>
+          <p:nvPr>
+            <p:ph type="title"/>
+          </p:nvPr>
+        </p:nvSpPr>
+        <p:spPr/>
+        <p:txBody>
+          <a:bodyPr/>
+          <a:lstStyle/>
+          <a:p>
+            <a:r>
+              <a:rPr lang="en-US" dirty="0" smtClean="0"/>
+              <a:t>Other Supporting Careers</a:t>
+            </a:r>
+            <a:endParaRPr lang="en-US" dirty="0"/>
+          </a:p>
+        </p:txBody>
+      </p:sp>
+      <p:sp>
+        <p:nvSpPr>
+          <p:cNvPr id="3" name="Content Placeholder 2"/>
+          <p:cNvSpPr>
+            <a:spLocks noGrp="1"/>
+          </p:cNvSpPr>
+          <p:nvPr>
+            <p:ph idx="1"/>
+          </p:nvPr>
+        </p:nvSpPr>
+        <p:spPr/>
+        <p:txBody>
+          <a:bodyPr>
+            <a:normAutofit/>
+          </a:bodyPr>
+          <a:lstStyle/>
+          <a:p>
+            <a:r>
+              <a:rPr lang="en-US" dirty="0" smtClean="0"/>
+              <a:t>Accounting/Payroll</a:t>
+            </a:r>
+          </a:p>
+          <a:p>
+            <a:r>
+              <a:rPr lang="en-US" dirty="0" smtClean="0"/>
+              <a:t>Business Administration </a:t>
+            </a:r>
+          </a:p>
+          <a:p>
+            <a:pPr lvl="1"/>
+            <a:r>
+              <a:rPr lang="en-US" dirty="0" smtClean="0"/>
+              <a:t>CEO </a:t>
+            </a:r>
+          </a:p>
+          <a:p>
+            <a:pPr lvl="1"/>
+            <a:r>
+              <a:rPr lang="en-US" dirty="0" smtClean="0"/>
+              <a:t>Vice President</a:t>
+            </a:r>
+          </a:p>
+          <a:p>
+            <a:pPr lvl="1"/>
+            <a:r>
+              <a:rPr lang="en-US" dirty="0" smtClean="0"/>
+              <a:t>Executive Assistant/Human Resources</a:t>
+            </a:r>
+          </a:p>
+          <a:p>
+            <a:r>
+              <a:rPr lang="en-US" dirty="0" smtClean="0"/>
+              <a:t>Sales/Marketing</a:t>
+            </a:r>
+          </a:p>
+          <a:p>
+            <a:r>
+              <a:rPr lang="en-US" dirty="0" smtClean="0"/>
+              <a:t>Purchasing Agent</a:t>
+            </a:r>
+          </a:p>
+          <a:p>
+            <a:endParaRPr lang="en-US" dirty="0"/>
+          </a:p>
+        </p:txBody>
+      </p:sp>
+    </p:spTree>
+    <p:extLst>
+      <p:ext uri="{BB962C8B-B14F-4D97-AF65-F5344CB8AC3E}">
+        <p14:creationId xmlns:p14="http://schemas.microsoft.com/office/powerpoint/2010/main" val="1170821138"/>
+      </p:ext>
+    </p:extLst>
+  </p:cSld>
+  <p:clrMapOvr>
+    <a:masterClrMapping/>
+  </p:clrMapOvr>
+  <p:timing>
+    <p:tnLst>
+      <p:par>
+        <p:cTn id="1" dur="indefinite" restart="never" nodeType="tmRoot"/>
+      </p:par>
+    </p:tnLst>
+  </p:timing>
+</p:sld>
+</file>
+
+<file path=ppt/slides/slide8.xml><?xml version="1.0" encoding="utf-8"?>
+<p:sld xmlns:a="http://schemas.openxmlformats.org/drawingml/2006/main" xmlns:r="http://schemas.openxmlformats.org/officeDocument/2006/relationships" xmlns:p="http://schemas.openxmlformats.org/presentationml/2006/main">
+  <p:cSld>
+    <p:spTree>
+      <p:nvGrpSpPr>
+        <p:cNvPr id="1" name=""/>
+        <p:cNvGrpSpPr/>
+        <p:nvPr/>
+      </p:nvGrpSpPr>
+      <p:grpSpPr>
+        <a:xfrm>
+          <a:off x="0" y="0"/>
+          <a:ext cx="0" cy="0"/>
+          <a:chOff x="0" y="0"/>
+          <a:chExt cx="0" cy="0"/>
+        </a:xfrm>
+      </p:grpSpPr>
+      <p:sp>
+        <p:nvSpPr>
+          <p:cNvPr id="2" name="Title 1"/>
+          <p:cNvSpPr>
+            <a:spLocks noGrp="1"/>
+          </p:cNvSpPr>
+          <p:nvPr>
+            <p:ph type="ctrTitle"/>
+          </p:nvPr>
+        </p:nvSpPr>
+        <p:spPr/>
+        <p:txBody>
+          <a:bodyPr/>
+          <a:lstStyle/>
+          <a:p>
+            <a:r>
+              <a:rPr lang="en-US" dirty="0" smtClean="0"/>
+              <a:t>Software Developer</a:t>
+            </a:r>
+            <a:endParaRPr lang="en-US" dirty="0"/>
+          </a:p>
+        </p:txBody>
+      </p:sp>
+      <p:sp>
+        <p:nvSpPr>
+          <p:cNvPr id="3" name="Subtitle 2"/>
+          <p:cNvSpPr>
+            <a:spLocks noGrp="1"/>
+          </p:cNvSpPr>
+          <p:nvPr>
+            <p:ph type="subTitle" idx="1"/>
+          </p:nvPr>
+        </p:nvSpPr>
+        <p:spPr/>
+        <p:txBody>
+          <a:bodyPr/>
+          <a:lstStyle/>
+          <a:p>
+            <a:r>
+              <a:rPr lang="en-US" dirty="0" smtClean="0"/>
+              <a:t>a.k.a. Computer programmer</a:t>
+            </a:r>
+            <a:endParaRPr lang="en-US" dirty="0"/>
+          </a:p>
+        </p:txBody>
+      </p:sp>
+    </p:spTree>
+    <p:extLst>
+      <p:ext uri="{BB962C8B-B14F-4D97-AF65-F5344CB8AC3E}">
+        <p14:creationId xmlns:p14="http://schemas.microsoft.com/office/powerpoint/2010/main" val="4193971689"/>
+      </p:ext>
+    </p:extLst>
   </p:cSld>
   <p:clrMapOvr>
     <a:masterClrMapping/>
@@ -13781,13 +21263,14 @@
         </p:nvSpPr>
         <p:spPr/>
         <p:txBody>
-          <a:bodyPr/>
+          <a:bodyPr>
+            <a:normAutofit/>
+          </a:bodyPr>
           <a:lstStyle/>
           <a:p>
-            <a:pPr algn="ctr"/>
             <a:r>
               <a:rPr lang="en-US" dirty="0" smtClean="0"/>
-              <a:t>Computer Science Major</a:t>
+              <a:t>What does a programmer do?</a:t>
             </a:r>
             <a:endParaRPr lang="en-US" dirty="0"/>
           </a:p>
@@ -13803,106 +21286,12 @@
             <p:ph idx="1"/>
           </p:nvPr>
         </p:nvSpPr>
-        <p:spPr>
-          <a:xfrm>
-            <a:off x="894080" y="1747520"/>
-            <a:ext cx="10153331" cy="4043681"/>
-          </a:xfrm>
-        </p:spPr>
+        <p:spPr/>
         <p:txBody>
-          <a:bodyPr>
-            <a:noAutofit/>
-          </a:bodyPr>
+          <a:bodyPr/>
           <a:lstStyle/>
           <a:p>
-            <a:r>
-              <a:rPr lang="en-US" sz="1600" dirty="0" smtClean="0"/>
-              <a:t>Lots of Math</a:t>
-            </a:r>
-          </a:p>
-          <a:p>
-            <a:pPr lvl="1"/>
-            <a:r>
-              <a:rPr lang="en-US" sz="1600" dirty="0" smtClean="0"/>
-              <a:t>Algebra</a:t>
-            </a:r>
-          </a:p>
-          <a:p>
-            <a:pPr lvl="1"/>
-            <a:r>
-              <a:rPr lang="en-US" sz="1600" dirty="0" smtClean="0"/>
-              <a:t>Trigonometry</a:t>
-            </a:r>
-          </a:p>
-          <a:p>
-            <a:pPr lvl="1"/>
-            <a:r>
-              <a:rPr lang="en-US" sz="1600" dirty="0" smtClean="0"/>
-              <a:t>2 semesters of Calculus</a:t>
-            </a:r>
-          </a:p>
-          <a:p>
-            <a:pPr lvl="1"/>
-            <a:r>
-              <a:rPr lang="en-US" sz="1600" dirty="0" smtClean="0"/>
-              <a:t>Linear Algebra</a:t>
-            </a:r>
-          </a:p>
-          <a:p>
-            <a:pPr lvl="1"/>
-            <a:r>
-              <a:rPr lang="en-US" sz="1600" dirty="0" smtClean="0"/>
-              <a:t>Statistics</a:t>
-            </a:r>
-          </a:p>
-          <a:p>
-            <a:r>
-              <a:rPr lang="en-US" sz="1600" dirty="0" smtClean="0"/>
-              <a:t>Computer Science Courses</a:t>
-            </a:r>
-          </a:p>
-          <a:p>
-            <a:pPr lvl="1"/>
-            <a:r>
-              <a:rPr lang="en-US" sz="1600" dirty="0" smtClean="0"/>
-              <a:t>Basic Programming</a:t>
-            </a:r>
-          </a:p>
-          <a:p>
-            <a:pPr lvl="1"/>
-            <a:r>
-              <a:rPr lang="en-US" sz="1600" dirty="0" smtClean="0"/>
-              <a:t>Operating Systems</a:t>
-            </a:r>
-          </a:p>
-          <a:p>
-            <a:pPr lvl="1"/>
-            <a:r>
-              <a:rPr lang="en-US" sz="1600" dirty="0" smtClean="0"/>
-              <a:t>Computer Architecture</a:t>
-            </a:r>
-          </a:p>
-          <a:p>
-            <a:pPr lvl="1"/>
-            <a:r>
-              <a:rPr lang="en-US" sz="1600" dirty="0" smtClean="0"/>
-              <a:t>Computer Algorithms</a:t>
-            </a:r>
-          </a:p>
-          <a:p>
-            <a:pPr lvl="1"/>
-            <a:r>
-              <a:rPr lang="en-US" sz="1600" dirty="0" smtClean="0"/>
-              <a:t>Object Oriented Programming</a:t>
-            </a:r>
-          </a:p>
-          <a:p>
-            <a:pPr lvl="1"/>
-            <a:r>
-              <a:rPr lang="en-US" sz="1600" dirty="0" smtClean="0"/>
-              <a:t>Senior Project</a:t>
-            </a:r>
-            <a:endParaRPr lang="en-US" sz="1600" dirty="0"/>
+            <a:endParaRPr lang="en-US"/>
           </a:p>
         </p:txBody>
       </p:sp>
@@ -13911,6 +21300,13 @@
   <p:clrMapOvr>
     <a:masterClrMapping/>
   </p:clrMapOvr>
+  <p:timing>
+    <p:tnLst>
+      <p:par>
+        <p:cTn id="1" dur="indefinite" restart="never" nodeType="tmRoot"/>
+      </p:par>
+    </p:tnLst>
+  </p:timing>
 </p:sld>
 </file>
 
@@ -14159,7 +21555,7 @@
   <a:extraClrSchemeLst/>
   <a:extLst>
     <a:ext uri="{05A4C25C-085E-4340-85A3-A5531E510DB2}">
-      <thm15:themeFamily xmlns:thm15="http://schemas.microsoft.com/office/thememl/2012/main" xmlns="" name="Circuit" id="{0AC2F7E7-15F5-431C-B2A2-456FE929F56C}" vid="{0911B802-464C-4241-8DD9-B60FF88E379F}"/>
+      <thm15:themeFamily xmlns:thm15="http://schemas.microsoft.com/office/thememl/2012/main" name="Circuit" id="{0AC2F7E7-15F5-431C-B2A2-456FE929F56C}" vid="{0911B802-464C-4241-8DD9-B60FF88E379F}"/>
     </a:ext>
   </a:extLst>
 </a:theme>

--- a/PowerPointSlids.pptx
+++ b/PowerPointSlids.pptx
@@ -6,27 +6,29 @@
   </p:sldMasterIdLst>
   <p:sldIdLst>
     <p:sldId id="271" r:id="rId2"/>
-    <p:sldId id="272" r:id="rId3"/>
-    <p:sldId id="274" r:id="rId4"/>
-    <p:sldId id="273" r:id="rId5"/>
-    <p:sldId id="275" r:id="rId6"/>
-    <p:sldId id="277" r:id="rId7"/>
-    <p:sldId id="276" r:id="rId8"/>
-    <p:sldId id="256" r:id="rId9"/>
-    <p:sldId id="258" r:id="rId10"/>
-    <p:sldId id="259" r:id="rId11"/>
-    <p:sldId id="260" r:id="rId12"/>
-    <p:sldId id="261" r:id="rId13"/>
-    <p:sldId id="262" r:id="rId14"/>
-    <p:sldId id="263" r:id="rId15"/>
-    <p:sldId id="257" r:id="rId16"/>
-    <p:sldId id="264" r:id="rId17"/>
-    <p:sldId id="265" r:id="rId18"/>
-    <p:sldId id="266" r:id="rId19"/>
-    <p:sldId id="267" r:id="rId20"/>
-    <p:sldId id="268" r:id="rId21"/>
-    <p:sldId id="269" r:id="rId22"/>
-    <p:sldId id="270" r:id="rId23"/>
+    <p:sldId id="279" r:id="rId3"/>
+    <p:sldId id="272" r:id="rId4"/>
+    <p:sldId id="274" r:id="rId5"/>
+    <p:sldId id="273" r:id="rId6"/>
+    <p:sldId id="275" r:id="rId7"/>
+    <p:sldId id="277" r:id="rId8"/>
+    <p:sldId id="276" r:id="rId9"/>
+    <p:sldId id="278" r:id="rId10"/>
+    <p:sldId id="256" r:id="rId11"/>
+    <p:sldId id="258" r:id="rId12"/>
+    <p:sldId id="259" r:id="rId13"/>
+    <p:sldId id="260" r:id="rId14"/>
+    <p:sldId id="261" r:id="rId15"/>
+    <p:sldId id="262" r:id="rId16"/>
+    <p:sldId id="263" r:id="rId17"/>
+    <p:sldId id="257" r:id="rId18"/>
+    <p:sldId id="264" r:id="rId19"/>
+    <p:sldId id="265" r:id="rId20"/>
+    <p:sldId id="266" r:id="rId21"/>
+    <p:sldId id="267" r:id="rId22"/>
+    <p:sldId id="268" r:id="rId23"/>
+    <p:sldId id="269" r:id="rId24"/>
+    <p:sldId id="270" r:id="rId25"/>
   </p:sldIdLst>
   <p:sldSz cx="12192000" cy="6858000"/>
   <p:notesSz cx="6858000" cy="9144000"/>
@@ -194,7 +196,7 @@
           <a:noFill/>
           <a:extLst>
             <a:ext uri="{909E8E84-426E-40dd-AFC4-6F175D3DCCD1}">
-              <a14:hiddenFill xmlns:a14="http://schemas.microsoft.com/office/drawing/2010/main" xmlns="">
+              <a14:hiddenFill xmlns="" xmlns:a14="http://schemas.microsoft.com/office/drawing/2010/main">
                 <a:solidFill>
                   <a:srgbClr val="FFFFFF"/>
                 </a:solidFill>
@@ -254,7 +256,7 @@
             </a:ln>
             <a:extLst>
               <a:ext uri="{91240B29-F687-4f45-9708-019B960494DF}">
-                <a14:hiddenLine xmlns:a14="http://schemas.microsoft.com/office/drawing/2010/main" xmlns="" w="9525">
+                <a14:hiddenLine xmlns="" xmlns:a14="http://schemas.microsoft.com/office/drawing/2010/main" w="9525">
                   <a:solidFill>
                     <a:srgbClr val="000000"/>
                   </a:solidFill>
@@ -344,7 +346,7 @@
             </a:ln>
             <a:extLst>
               <a:ext uri="{91240B29-F687-4f45-9708-019B960494DF}">
-                <a14:hiddenLine xmlns:a14="http://schemas.microsoft.com/office/drawing/2010/main" xmlns="" w="9525">
+                <a14:hiddenLine xmlns="" xmlns:a14="http://schemas.microsoft.com/office/drawing/2010/main" w="9525">
                   <a:solidFill>
                     <a:srgbClr val="000000"/>
                   </a:solidFill>
@@ -434,7 +436,7 @@
             </a:ln>
             <a:extLst>
               <a:ext uri="{91240B29-F687-4f45-9708-019B960494DF}">
-                <a14:hiddenLine xmlns:a14="http://schemas.microsoft.com/office/drawing/2010/main" xmlns="" w="9525">
+                <a14:hiddenLine xmlns="" xmlns:a14="http://schemas.microsoft.com/office/drawing/2010/main" w="9525">
                   <a:solidFill>
                     <a:srgbClr val="000000"/>
                   </a:solidFill>
@@ -468,7 +470,7 @@
             </a:ln>
             <a:extLst>
               <a:ext uri="{91240B29-F687-4f45-9708-019B960494DF}">
-                <a14:hiddenLine xmlns:a14="http://schemas.microsoft.com/office/drawing/2010/main" xmlns="" w="9525">
+                <a14:hiddenLine xmlns="" xmlns:a14="http://schemas.microsoft.com/office/drawing/2010/main" w="9525">
                   <a:solidFill>
                     <a:srgbClr val="000000"/>
                   </a:solidFill>
@@ -558,7 +560,7 @@
             </a:ln>
             <a:extLst>
               <a:ext uri="{91240B29-F687-4f45-9708-019B960494DF}">
-                <a14:hiddenLine xmlns:a14="http://schemas.microsoft.com/office/drawing/2010/main" xmlns="" w="9525">
+                <a14:hiddenLine xmlns="" xmlns:a14="http://schemas.microsoft.com/office/drawing/2010/main" w="9525">
                   <a:solidFill>
                     <a:srgbClr val="000000"/>
                   </a:solidFill>
@@ -620,7 +622,7 @@
             </a:ln>
             <a:extLst>
               <a:ext uri="{91240B29-F687-4f45-9708-019B960494DF}">
-                <a14:hiddenLine xmlns:a14="http://schemas.microsoft.com/office/drawing/2010/main" xmlns="" w="9525">
+                <a14:hiddenLine xmlns="" xmlns:a14="http://schemas.microsoft.com/office/drawing/2010/main" w="9525">
                   <a:solidFill>
                     <a:srgbClr val="000000"/>
                   </a:solidFill>
@@ -682,7 +684,7 @@
             </a:ln>
             <a:extLst>
               <a:ext uri="{91240B29-F687-4f45-9708-019B960494DF}">
-                <a14:hiddenLine xmlns:a14="http://schemas.microsoft.com/office/drawing/2010/main" xmlns="" w="9525">
+                <a14:hiddenLine xmlns="" xmlns:a14="http://schemas.microsoft.com/office/drawing/2010/main" w="9525">
                   <a:solidFill>
                     <a:srgbClr val="000000"/>
                   </a:solidFill>
@@ -772,7 +774,7 @@
             </a:ln>
             <a:extLst>
               <a:ext uri="{91240B29-F687-4f45-9708-019B960494DF}">
-                <a14:hiddenLine xmlns:a14="http://schemas.microsoft.com/office/drawing/2010/main" xmlns="" w="9525">
+                <a14:hiddenLine xmlns="" xmlns:a14="http://schemas.microsoft.com/office/drawing/2010/main" w="9525">
                   <a:solidFill>
                     <a:srgbClr val="000000"/>
                   </a:solidFill>
@@ -834,7 +836,7 @@
             </a:ln>
             <a:extLst>
               <a:ext uri="{91240B29-F687-4f45-9708-019B960494DF}">
-                <a14:hiddenLine xmlns:a14="http://schemas.microsoft.com/office/drawing/2010/main" xmlns="" w="9525">
+                <a14:hiddenLine xmlns="" xmlns:a14="http://schemas.microsoft.com/office/drawing/2010/main" w="9525">
                   <a:solidFill>
                     <a:srgbClr val="000000"/>
                   </a:solidFill>
@@ -896,7 +898,7 @@
             </a:ln>
             <a:extLst>
               <a:ext uri="{91240B29-F687-4f45-9708-019B960494DF}">
-                <a14:hiddenLine xmlns:a14="http://schemas.microsoft.com/office/drawing/2010/main" xmlns="" w="9525">
+                <a14:hiddenLine xmlns="" xmlns:a14="http://schemas.microsoft.com/office/drawing/2010/main" w="9525">
                   <a:solidFill>
                     <a:srgbClr val="000000"/>
                   </a:solidFill>
@@ -986,7 +988,7 @@
             </a:ln>
             <a:extLst>
               <a:ext uri="{91240B29-F687-4f45-9708-019B960494DF}">
-                <a14:hiddenLine xmlns:a14="http://schemas.microsoft.com/office/drawing/2010/main" xmlns="" w="9525">
+                <a14:hiddenLine xmlns="" xmlns:a14="http://schemas.microsoft.com/office/drawing/2010/main" w="9525">
                   <a:solidFill>
                     <a:srgbClr val="000000"/>
                   </a:solidFill>
@@ -1076,7 +1078,7 @@
             </a:ln>
             <a:extLst>
               <a:ext uri="{91240B29-F687-4f45-9708-019B960494DF}">
-                <a14:hiddenLine xmlns:a14="http://schemas.microsoft.com/office/drawing/2010/main" xmlns="" w="9525">
+                <a14:hiddenLine xmlns="" xmlns:a14="http://schemas.microsoft.com/office/drawing/2010/main" w="9525">
                   <a:solidFill>
                     <a:srgbClr val="000000"/>
                   </a:solidFill>
@@ -1138,7 +1140,7 @@
             </a:ln>
             <a:extLst>
               <a:ext uri="{91240B29-F687-4f45-9708-019B960494DF}">
-                <a14:hiddenLine xmlns:a14="http://schemas.microsoft.com/office/drawing/2010/main" xmlns="" w="9525">
+                <a14:hiddenLine xmlns="" xmlns:a14="http://schemas.microsoft.com/office/drawing/2010/main" w="9525">
                   <a:solidFill>
                     <a:srgbClr val="000000"/>
                   </a:solidFill>
@@ -1248,7 +1250,7 @@
             </a:ln>
             <a:extLst>
               <a:ext uri="{91240B29-F687-4f45-9708-019B960494DF}">
-                <a14:hiddenLine xmlns:a14="http://schemas.microsoft.com/office/drawing/2010/main" xmlns="" w="9525">
+                <a14:hiddenLine xmlns="" xmlns:a14="http://schemas.microsoft.com/office/drawing/2010/main" w="9525">
                   <a:solidFill>
                     <a:srgbClr val="000000"/>
                   </a:solidFill>
@@ -1310,7 +1312,7 @@
             </a:ln>
             <a:extLst>
               <a:ext uri="{91240B29-F687-4f45-9708-019B960494DF}">
-                <a14:hiddenLine xmlns:a14="http://schemas.microsoft.com/office/drawing/2010/main" xmlns="" w="9525">
+                <a14:hiddenLine xmlns="" xmlns:a14="http://schemas.microsoft.com/office/drawing/2010/main" w="9525">
                   <a:solidFill>
                     <a:srgbClr val="000000"/>
                   </a:solidFill>
@@ -1400,7 +1402,7 @@
             </a:ln>
             <a:extLst>
               <a:ext uri="{91240B29-F687-4f45-9708-019B960494DF}">
-                <a14:hiddenLine xmlns:a14="http://schemas.microsoft.com/office/drawing/2010/main" xmlns="" w="9525">
+                <a14:hiddenLine xmlns="" xmlns:a14="http://schemas.microsoft.com/office/drawing/2010/main" w="9525">
                   <a:solidFill>
                     <a:srgbClr val="000000"/>
                   </a:solidFill>
@@ -1490,7 +1492,7 @@
             </a:ln>
             <a:extLst>
               <a:ext uri="{91240B29-F687-4f45-9708-019B960494DF}">
-                <a14:hiddenLine xmlns:a14="http://schemas.microsoft.com/office/drawing/2010/main" xmlns="" w="9525">
+                <a14:hiddenLine xmlns="" xmlns:a14="http://schemas.microsoft.com/office/drawing/2010/main" w="9525">
                   <a:solidFill>
                     <a:srgbClr val="000000"/>
                   </a:solidFill>
@@ -1552,7 +1554,7 @@
             </a:ln>
             <a:extLst>
               <a:ext uri="{91240B29-F687-4f45-9708-019B960494DF}">
-                <a14:hiddenLine xmlns:a14="http://schemas.microsoft.com/office/drawing/2010/main" xmlns="" w="9525">
+                <a14:hiddenLine xmlns="" xmlns:a14="http://schemas.microsoft.com/office/drawing/2010/main" w="9525">
                   <a:solidFill>
                     <a:srgbClr val="000000"/>
                   </a:solidFill>
@@ -1642,7 +1644,7 @@
             </a:ln>
             <a:extLst>
               <a:ext uri="{91240B29-F687-4f45-9708-019B960494DF}">
-                <a14:hiddenLine xmlns:a14="http://schemas.microsoft.com/office/drawing/2010/main" xmlns="" w="9525">
+                <a14:hiddenLine xmlns="" xmlns:a14="http://schemas.microsoft.com/office/drawing/2010/main" w="9525">
                   <a:solidFill>
                     <a:srgbClr val="000000"/>
                   </a:solidFill>
@@ -1732,7 +1734,7 @@
             </a:ln>
             <a:extLst>
               <a:ext uri="{91240B29-F687-4f45-9708-019B960494DF}">
-                <a14:hiddenLine xmlns:a14="http://schemas.microsoft.com/office/drawing/2010/main" xmlns="" w="9525">
+                <a14:hiddenLine xmlns="" xmlns:a14="http://schemas.microsoft.com/office/drawing/2010/main" w="9525">
                   <a:solidFill>
                     <a:srgbClr val="000000"/>
                   </a:solidFill>
@@ -1788,7 +1790,7 @@
             </a:ln>
             <a:extLst>
               <a:ext uri="{91240B29-F687-4f45-9708-019B960494DF}">
-                <a14:hiddenLine xmlns:a14="http://schemas.microsoft.com/office/drawing/2010/main" xmlns="" w="9525">
+                <a14:hiddenLine xmlns="" xmlns:a14="http://schemas.microsoft.com/office/drawing/2010/main" w="9525">
                   <a:solidFill>
                     <a:srgbClr val="000000"/>
                   </a:solidFill>
@@ -1878,7 +1880,7 @@
             </a:ln>
             <a:extLst>
               <a:ext uri="{91240B29-F687-4f45-9708-019B960494DF}">
-                <a14:hiddenLine xmlns:a14="http://schemas.microsoft.com/office/drawing/2010/main" xmlns="" w="9525">
+                <a14:hiddenLine xmlns="" xmlns:a14="http://schemas.microsoft.com/office/drawing/2010/main" w="9525">
                   <a:solidFill>
                     <a:srgbClr val="000000"/>
                   </a:solidFill>
@@ -1934,7 +1936,7 @@
             </a:ln>
             <a:extLst>
               <a:ext uri="{91240B29-F687-4f45-9708-019B960494DF}">
-                <a14:hiddenLine xmlns:a14="http://schemas.microsoft.com/office/drawing/2010/main" xmlns="" w="9525">
+                <a14:hiddenLine xmlns="" xmlns:a14="http://schemas.microsoft.com/office/drawing/2010/main" w="9525">
                   <a:solidFill>
                     <a:srgbClr val="000000"/>
                   </a:solidFill>
@@ -2024,7 +2026,7 @@
             </a:ln>
             <a:extLst>
               <a:ext uri="{91240B29-F687-4f45-9708-019B960494DF}">
-                <a14:hiddenLine xmlns:a14="http://schemas.microsoft.com/office/drawing/2010/main" xmlns="" w="9525">
+                <a14:hiddenLine xmlns="" xmlns:a14="http://schemas.microsoft.com/office/drawing/2010/main" w="9525">
                   <a:solidFill>
                     <a:srgbClr val="000000"/>
                   </a:solidFill>
@@ -2092,7 +2094,7 @@
             </a:ln>
             <a:extLst>
               <a:ext uri="{91240B29-F687-4f45-9708-019B960494DF}">
-                <a14:hiddenLine xmlns:a14="http://schemas.microsoft.com/office/drawing/2010/main" xmlns="" w="9525">
+                <a14:hiddenLine xmlns="" xmlns:a14="http://schemas.microsoft.com/office/drawing/2010/main" w="9525">
                   <a:solidFill>
                     <a:srgbClr val="000000"/>
                   </a:solidFill>
@@ -2182,7 +2184,7 @@
             </a:ln>
             <a:extLst>
               <a:ext uri="{91240B29-F687-4f45-9708-019B960494DF}">
-                <a14:hiddenLine xmlns:a14="http://schemas.microsoft.com/office/drawing/2010/main" xmlns="" w="9525">
+                <a14:hiddenLine xmlns="" xmlns:a14="http://schemas.microsoft.com/office/drawing/2010/main" w="9525">
                   <a:solidFill>
                     <a:srgbClr val="000000"/>
                   </a:solidFill>
@@ -2250,7 +2252,7 @@
             </a:ln>
             <a:extLst>
               <a:ext uri="{91240B29-F687-4f45-9708-019B960494DF}">
-                <a14:hiddenLine xmlns:a14="http://schemas.microsoft.com/office/drawing/2010/main" xmlns="" w="9525">
+                <a14:hiddenLine xmlns="" xmlns:a14="http://schemas.microsoft.com/office/drawing/2010/main" w="9525">
                   <a:solidFill>
                     <a:srgbClr val="000000"/>
                   </a:solidFill>
@@ -2340,7 +2342,7 @@
             </a:ln>
             <a:extLst>
               <a:ext uri="{91240B29-F687-4f45-9708-019B960494DF}">
-                <a14:hiddenLine xmlns:a14="http://schemas.microsoft.com/office/drawing/2010/main" xmlns="" w="9525">
+                <a14:hiddenLine xmlns="" xmlns:a14="http://schemas.microsoft.com/office/drawing/2010/main" w="9525">
                   <a:solidFill>
                     <a:srgbClr val="000000"/>
                   </a:solidFill>
@@ -2374,7 +2376,7 @@
             </a:ln>
             <a:extLst>
               <a:ext uri="{91240B29-F687-4f45-9708-019B960494DF}">
-                <a14:hiddenLine xmlns:a14="http://schemas.microsoft.com/office/drawing/2010/main" xmlns="" w="9525">
+                <a14:hiddenLine xmlns="" xmlns:a14="http://schemas.microsoft.com/office/drawing/2010/main" w="9525">
                   <a:solidFill>
                     <a:srgbClr val="000000"/>
                   </a:solidFill>
@@ -2464,7 +2466,7 @@
             </a:ln>
             <a:extLst>
               <a:ext uri="{91240B29-F687-4f45-9708-019B960494DF}">
-                <a14:hiddenLine xmlns:a14="http://schemas.microsoft.com/office/drawing/2010/main" xmlns="" w="9525">
+                <a14:hiddenLine xmlns="" xmlns:a14="http://schemas.microsoft.com/office/drawing/2010/main" w="9525">
                   <a:solidFill>
                     <a:srgbClr val="000000"/>
                   </a:solidFill>
@@ -2526,7 +2528,7 @@
             </a:ln>
             <a:extLst>
               <a:ext uri="{91240B29-F687-4f45-9708-019B960494DF}">
-                <a14:hiddenLine xmlns:a14="http://schemas.microsoft.com/office/drawing/2010/main" xmlns="" w="9525">
+                <a14:hiddenLine xmlns="" xmlns:a14="http://schemas.microsoft.com/office/drawing/2010/main" w="9525">
                   <a:solidFill>
                     <a:srgbClr val="000000"/>
                   </a:solidFill>
@@ -2588,7 +2590,7 @@
             </a:ln>
             <a:extLst>
               <a:ext uri="{91240B29-F687-4f45-9708-019B960494DF}">
-                <a14:hiddenLine xmlns:a14="http://schemas.microsoft.com/office/drawing/2010/main" xmlns="" w="9525">
+                <a14:hiddenLine xmlns="" xmlns:a14="http://schemas.microsoft.com/office/drawing/2010/main" w="9525">
                   <a:solidFill>
                     <a:srgbClr val="000000"/>
                   </a:solidFill>
@@ -2678,7 +2680,7 @@
             </a:ln>
             <a:extLst>
               <a:ext uri="{91240B29-F687-4f45-9708-019B960494DF}">
-                <a14:hiddenLine xmlns:a14="http://schemas.microsoft.com/office/drawing/2010/main" xmlns="" w="9525">
+                <a14:hiddenLine xmlns="" xmlns:a14="http://schemas.microsoft.com/office/drawing/2010/main" w="9525">
                   <a:solidFill>
                     <a:srgbClr val="000000"/>
                   </a:solidFill>
@@ -2746,7 +2748,7 @@
             </a:ln>
             <a:extLst>
               <a:ext uri="{91240B29-F687-4f45-9708-019B960494DF}">
-                <a14:hiddenLine xmlns:a14="http://schemas.microsoft.com/office/drawing/2010/main" xmlns="" w="9525">
+                <a14:hiddenLine xmlns="" xmlns:a14="http://schemas.microsoft.com/office/drawing/2010/main" w="9525">
                   <a:solidFill>
                     <a:srgbClr val="000000"/>
                   </a:solidFill>
@@ -2808,7 +2810,7 @@
             </a:ln>
             <a:extLst>
               <a:ext uri="{91240B29-F687-4f45-9708-019B960494DF}">
-                <a14:hiddenLine xmlns:a14="http://schemas.microsoft.com/office/drawing/2010/main" xmlns="" w="9525">
+                <a14:hiddenLine xmlns="" xmlns:a14="http://schemas.microsoft.com/office/drawing/2010/main" w="9525">
                   <a:solidFill>
                     <a:srgbClr val="000000"/>
                   </a:solidFill>
@@ -2898,7 +2900,7 @@
             </a:ln>
             <a:extLst>
               <a:ext uri="{91240B29-F687-4f45-9708-019B960494DF}">
-                <a14:hiddenLine xmlns:a14="http://schemas.microsoft.com/office/drawing/2010/main" xmlns="" w="9525">
+                <a14:hiddenLine xmlns="" xmlns:a14="http://schemas.microsoft.com/office/drawing/2010/main" w="9525">
                   <a:solidFill>
                     <a:srgbClr val="000000"/>
                   </a:solidFill>
@@ -2960,7 +2962,7 @@
             </a:ln>
             <a:extLst>
               <a:ext uri="{91240B29-F687-4f45-9708-019B960494DF}">
-                <a14:hiddenLine xmlns:a14="http://schemas.microsoft.com/office/drawing/2010/main" xmlns="" w="9525">
+                <a14:hiddenLine xmlns="" xmlns:a14="http://schemas.microsoft.com/office/drawing/2010/main" w="9525">
                   <a:solidFill>
                     <a:srgbClr val="000000"/>
                   </a:solidFill>
@@ -3050,7 +3052,7 @@
             </a:ln>
             <a:extLst>
               <a:ext uri="{91240B29-F687-4f45-9708-019B960494DF}">
-                <a14:hiddenLine xmlns:a14="http://schemas.microsoft.com/office/drawing/2010/main" xmlns="" w="9525">
+                <a14:hiddenLine xmlns="" xmlns:a14="http://schemas.microsoft.com/office/drawing/2010/main" w="9525">
                   <a:solidFill>
                     <a:srgbClr val="000000"/>
                   </a:solidFill>
@@ -3112,7 +3114,7 @@
             </a:ln>
             <a:extLst>
               <a:ext uri="{91240B29-F687-4f45-9708-019B960494DF}">
-                <a14:hiddenLine xmlns:a14="http://schemas.microsoft.com/office/drawing/2010/main" xmlns="" w="9525">
+                <a14:hiddenLine xmlns="" xmlns:a14="http://schemas.microsoft.com/office/drawing/2010/main" w="9525">
                   <a:solidFill>
                     <a:srgbClr val="000000"/>
                   </a:solidFill>
@@ -3202,7 +3204,7 @@
             </a:ln>
             <a:extLst>
               <a:ext uri="{91240B29-F687-4f45-9708-019B960494DF}">
-                <a14:hiddenLine xmlns:a14="http://schemas.microsoft.com/office/drawing/2010/main" xmlns="" w="9525">
+                <a14:hiddenLine xmlns="" xmlns:a14="http://schemas.microsoft.com/office/drawing/2010/main" w="9525">
                   <a:solidFill>
                     <a:srgbClr val="000000"/>
                   </a:solidFill>
@@ -3236,7 +3238,7 @@
             </a:ln>
             <a:extLst>
               <a:ext uri="{91240B29-F687-4f45-9708-019B960494DF}">
-                <a14:hiddenLine xmlns:a14="http://schemas.microsoft.com/office/drawing/2010/main" xmlns="" w="9525">
+                <a14:hiddenLine xmlns="" xmlns:a14="http://schemas.microsoft.com/office/drawing/2010/main" w="9525">
                   <a:solidFill>
                     <a:srgbClr val="000000"/>
                   </a:solidFill>
@@ -3301,7 +3303,7 @@
             </a:ln>
             <a:extLst>
               <a:ext uri="{91240B29-F687-4f45-9708-019B960494DF}">
-                <a14:hiddenLine xmlns:a14="http://schemas.microsoft.com/office/drawing/2010/main" xmlns="" w="9525">
+                <a14:hiddenLine xmlns="" xmlns:a14="http://schemas.microsoft.com/office/drawing/2010/main" w="9525">
                   <a:solidFill>
                     <a:srgbClr val="000000"/>
                   </a:solidFill>
@@ -3391,7 +3393,7 @@
             </a:ln>
             <a:extLst>
               <a:ext uri="{91240B29-F687-4f45-9708-019B960494DF}">
-                <a14:hiddenLine xmlns:a14="http://schemas.microsoft.com/office/drawing/2010/main" xmlns="" w="9525">
+                <a14:hiddenLine xmlns="" xmlns:a14="http://schemas.microsoft.com/office/drawing/2010/main" w="9525">
                   <a:solidFill>
                     <a:srgbClr val="000000"/>
                   </a:solidFill>
@@ -3453,7 +3455,7 @@
             </a:ln>
             <a:extLst>
               <a:ext uri="{91240B29-F687-4f45-9708-019B960494DF}">
-                <a14:hiddenLine xmlns:a14="http://schemas.microsoft.com/office/drawing/2010/main" xmlns="" w="9525">
+                <a14:hiddenLine xmlns="" xmlns:a14="http://schemas.microsoft.com/office/drawing/2010/main" w="9525">
                   <a:solidFill>
                     <a:srgbClr val="000000"/>
                   </a:solidFill>
@@ -3543,7 +3545,7 @@
             </a:ln>
             <a:extLst>
               <a:ext uri="{91240B29-F687-4f45-9708-019B960494DF}">
-                <a14:hiddenLine xmlns:a14="http://schemas.microsoft.com/office/drawing/2010/main" xmlns="" w="9525">
+                <a14:hiddenLine xmlns="" xmlns:a14="http://schemas.microsoft.com/office/drawing/2010/main" w="9525">
                   <a:solidFill>
                     <a:srgbClr val="000000"/>
                   </a:solidFill>
@@ -3633,7 +3635,7 @@
             </a:ln>
             <a:extLst>
               <a:ext uri="{91240B29-F687-4f45-9708-019B960494DF}">
-                <a14:hiddenLine xmlns:a14="http://schemas.microsoft.com/office/drawing/2010/main" xmlns="" w="9525">
+                <a14:hiddenLine xmlns="" xmlns:a14="http://schemas.microsoft.com/office/drawing/2010/main" w="9525">
                   <a:solidFill>
                     <a:srgbClr val="000000"/>
                   </a:solidFill>
@@ -3698,7 +3700,7 @@
             </a:ln>
             <a:extLst>
               <a:ext uri="{91240B29-F687-4f45-9708-019B960494DF}">
-                <a14:hiddenLine xmlns:a14="http://schemas.microsoft.com/office/drawing/2010/main" xmlns="" w="9525">
+                <a14:hiddenLine xmlns="" xmlns:a14="http://schemas.microsoft.com/office/drawing/2010/main" w="9525">
                   <a:solidFill>
                     <a:srgbClr val="000000"/>
                   </a:solidFill>
@@ -3760,7 +3762,7 @@
             </a:ln>
             <a:extLst>
               <a:ext uri="{91240B29-F687-4f45-9708-019B960494DF}">
-                <a14:hiddenLine xmlns:a14="http://schemas.microsoft.com/office/drawing/2010/main" xmlns="" w="9525">
+                <a14:hiddenLine xmlns="" xmlns:a14="http://schemas.microsoft.com/office/drawing/2010/main" w="9525">
                   <a:solidFill>
                     <a:srgbClr val="000000"/>
                   </a:solidFill>
@@ -3850,7 +3852,7 @@
             </a:ln>
             <a:extLst>
               <a:ext uri="{91240B29-F687-4f45-9708-019B960494DF}">
-                <a14:hiddenLine xmlns:a14="http://schemas.microsoft.com/office/drawing/2010/main" xmlns="" w="9525">
+                <a14:hiddenLine xmlns="" xmlns:a14="http://schemas.microsoft.com/office/drawing/2010/main" w="9525">
                   <a:solidFill>
                     <a:srgbClr val="000000"/>
                   </a:solidFill>
@@ -3940,7 +3942,7 @@
             </a:ln>
             <a:extLst>
               <a:ext uri="{91240B29-F687-4f45-9708-019B960494DF}">
-                <a14:hiddenLine xmlns:a14="http://schemas.microsoft.com/office/drawing/2010/main" xmlns="" w="9525">
+                <a14:hiddenLine xmlns="" xmlns:a14="http://schemas.microsoft.com/office/drawing/2010/main" w="9525">
                   <a:solidFill>
                     <a:srgbClr val="000000"/>
                   </a:solidFill>
@@ -4002,7 +4004,7 @@
             </a:ln>
             <a:extLst>
               <a:ext uri="{91240B29-F687-4f45-9708-019B960494DF}">
-                <a14:hiddenLine xmlns:a14="http://schemas.microsoft.com/office/drawing/2010/main" xmlns="" w="9525">
+                <a14:hiddenLine xmlns="" xmlns:a14="http://schemas.microsoft.com/office/drawing/2010/main" w="9525">
                   <a:solidFill>
                     <a:srgbClr val="000000"/>
                   </a:solidFill>
@@ -4122,7 +4124,7 @@
             </a:ln>
             <a:extLst>
               <a:ext uri="{91240B29-F687-4f45-9708-019B960494DF}">
-                <a14:hiddenLine xmlns:a14="http://schemas.microsoft.com/office/drawing/2010/main" xmlns="" w="9525">
+                <a14:hiddenLine xmlns="" xmlns:a14="http://schemas.microsoft.com/office/drawing/2010/main" w="9525">
                   <a:solidFill>
                     <a:srgbClr val="000000"/>
                   </a:solidFill>
@@ -4190,7 +4192,7 @@
             </a:ln>
             <a:extLst>
               <a:ext uri="{91240B29-F687-4f45-9708-019B960494DF}">
-                <a14:hiddenLine xmlns:a14="http://schemas.microsoft.com/office/drawing/2010/main" xmlns="" w="9525">
+                <a14:hiddenLine xmlns="" xmlns:a14="http://schemas.microsoft.com/office/drawing/2010/main" w="9525">
                   <a:solidFill>
                     <a:srgbClr val="000000"/>
                   </a:solidFill>
@@ -4280,7 +4282,7 @@
             </a:ln>
             <a:extLst>
               <a:ext uri="{91240B29-F687-4f45-9708-019B960494DF}">
-                <a14:hiddenLine xmlns:a14="http://schemas.microsoft.com/office/drawing/2010/main" xmlns="" w="9525">
+                <a14:hiddenLine xmlns="" xmlns:a14="http://schemas.microsoft.com/office/drawing/2010/main" w="9525">
                   <a:solidFill>
                     <a:srgbClr val="000000"/>
                   </a:solidFill>
@@ -4421,7 +4423,7 @@
             <a:fld id="{48A87A34-81AB-432B-8DAE-1953F412C126}" type="datetimeFigureOut">
               <a:rPr lang="en-US" dirty="0"/>
               <a:pPr/>
-              <a:t>7/9/2016</a:t>
+              <a:t>7/10/2016</a:t>
             </a:fld>
             <a:endParaRPr lang="en-US" dirty="0"/>
           </a:p>
@@ -4685,7 +4687,7 @@
             <a:fld id="{48A87A34-81AB-432B-8DAE-1953F412C126}" type="datetimeFigureOut">
               <a:rPr lang="en-US" dirty="0"/>
               <a:pPr/>
-              <a:t>7/9/2016</a:t>
+              <a:t>7/10/2016</a:t>
             </a:fld>
             <a:endParaRPr lang="en-US" dirty="0"/>
           </a:p>
@@ -4878,7 +4880,7 @@
             <a:fld id="{48A87A34-81AB-432B-8DAE-1953F412C126}" type="datetimeFigureOut">
               <a:rPr lang="en-US" dirty="0"/>
               <a:pPr/>
-              <a:t>7/9/2016</a:t>
+              <a:t>7/10/2016</a:t>
             </a:fld>
             <a:endParaRPr lang="en-US" dirty="0"/>
           </a:p>
@@ -5138,7 +5140,7 @@
             <a:fld id="{48A87A34-81AB-432B-8DAE-1953F412C126}" type="datetimeFigureOut">
               <a:rPr lang="en-US" dirty="0"/>
               <a:pPr/>
-              <a:t>7/9/2016</a:t>
+              <a:t>7/10/2016</a:t>
             </a:fld>
             <a:endParaRPr lang="en-US" dirty="0"/>
           </a:p>
@@ -5569,7 +5571,7 @@
             <a:fld id="{48A87A34-81AB-432B-8DAE-1953F412C126}" type="datetimeFigureOut">
               <a:rPr lang="en-US" dirty="0"/>
               <a:pPr/>
-              <a:t>7/9/2016</a:t>
+              <a:t>7/10/2016</a:t>
             </a:fld>
             <a:endParaRPr lang="en-US" dirty="0"/>
           </a:p>
@@ -6112,7 +6114,7 @@
             <a:fld id="{48A87A34-81AB-432B-8DAE-1953F412C126}" type="datetimeFigureOut">
               <a:rPr lang="en-US" dirty="0"/>
               <a:pPr/>
-              <a:t>7/9/2016</a:t>
+              <a:t>7/10/2016</a:t>
             </a:fld>
             <a:endParaRPr lang="en-US" dirty="0"/>
           </a:p>
@@ -6829,7 +6831,7 @@
             <a:fld id="{48A87A34-81AB-432B-8DAE-1953F412C126}" type="datetimeFigureOut">
               <a:rPr lang="en-US" dirty="0"/>
               <a:pPr/>
-              <a:t>7/9/2016</a:t>
+              <a:t>7/10/2016</a:t>
             </a:fld>
             <a:endParaRPr lang="en-US" dirty="0"/>
           </a:p>
@@ -6996,7 +6998,7 @@
             <a:fld id="{48A87A34-81AB-432B-8DAE-1953F412C126}" type="datetimeFigureOut">
               <a:rPr lang="en-US" dirty="0"/>
               <a:pPr/>
-              <a:t>7/9/2016</a:t>
+              <a:t>7/10/2016</a:t>
             </a:fld>
             <a:endParaRPr lang="en-US" dirty="0"/>
           </a:p>
@@ -7173,7 +7175,7 @@
             <a:fld id="{48A87A34-81AB-432B-8DAE-1953F412C126}" type="datetimeFigureOut">
               <a:rPr lang="en-US" dirty="0"/>
               <a:pPr/>
-              <a:t>7/9/2016</a:t>
+              <a:t>7/10/2016</a:t>
             </a:fld>
             <a:endParaRPr lang="en-US" dirty="0"/>
           </a:p>
@@ -7340,7 +7342,7 @@
             <a:fld id="{48A87A34-81AB-432B-8DAE-1953F412C126}" type="datetimeFigureOut">
               <a:rPr lang="en-US" dirty="0"/>
               <a:pPr/>
-              <a:t>7/9/2016</a:t>
+              <a:t>7/10/2016</a:t>
             </a:fld>
             <a:endParaRPr lang="en-US" dirty="0"/>
           </a:p>
@@ -7587,7 +7589,7 @@
             <a:fld id="{48A87A34-81AB-432B-8DAE-1953F412C126}" type="datetimeFigureOut">
               <a:rPr lang="en-US" dirty="0"/>
               <a:pPr/>
-              <a:t>7/9/2016</a:t>
+              <a:t>7/10/2016</a:t>
             </a:fld>
             <a:endParaRPr lang="en-US" dirty="0"/>
           </a:p>
@@ -7816,7 +7818,7 @@
             <a:fld id="{48A87A34-81AB-432B-8DAE-1953F412C126}" type="datetimeFigureOut">
               <a:rPr lang="en-US" dirty="0"/>
               <a:pPr/>
-              <a:t>7/9/2016</a:t>
+              <a:t>7/10/2016</a:t>
             </a:fld>
             <a:endParaRPr lang="en-US" dirty="0"/>
           </a:p>
@@ -8194,7 +8196,7 @@
             <a:fld id="{48A87A34-81AB-432B-8DAE-1953F412C126}" type="datetimeFigureOut">
               <a:rPr lang="en-US" dirty="0"/>
               <a:pPr/>
-              <a:t>7/9/2016</a:t>
+              <a:t>7/10/2016</a:t>
             </a:fld>
             <a:endParaRPr lang="en-US" dirty="0"/>
           </a:p>
@@ -8309,7 +8311,7 @@
             <a:fld id="{48A87A34-81AB-432B-8DAE-1953F412C126}" type="datetimeFigureOut">
               <a:rPr lang="en-US" dirty="0"/>
               <a:pPr/>
-              <a:t>7/9/2016</a:t>
+              <a:t>7/10/2016</a:t>
             </a:fld>
             <a:endParaRPr lang="en-US" dirty="0"/>
           </a:p>
@@ -8401,7 +8403,7 @@
             <a:fld id="{48A87A34-81AB-432B-8DAE-1953F412C126}" type="datetimeFigureOut">
               <a:rPr lang="en-US" dirty="0"/>
               <a:pPr/>
-              <a:t>7/9/2016</a:t>
+              <a:t>7/10/2016</a:t>
             </a:fld>
             <a:endParaRPr lang="en-US" dirty="0"/>
           </a:p>
@@ -8647,7 +8649,7 @@
             <a:fld id="{48A87A34-81AB-432B-8DAE-1953F412C126}" type="datetimeFigureOut">
               <a:rPr lang="en-US" dirty="0"/>
               <a:pPr/>
-              <a:t>7/9/2016</a:t>
+              <a:t>7/10/2016</a:t>
             </a:fld>
             <a:endParaRPr lang="en-US" dirty="0"/>
           </a:p>
@@ -8924,7 +8926,7 @@
             <a:fld id="{48A87A34-81AB-432B-8DAE-1953F412C126}" type="datetimeFigureOut">
               <a:rPr lang="en-US" dirty="0"/>
               <a:pPr/>
-              <a:t>7/9/2016</a:t>
+              <a:t>7/10/2016</a:t>
             </a:fld>
             <a:endParaRPr lang="en-US" dirty="0"/>
           </a:p>
@@ -9036,7 +9038,7 @@
           <a:noFill/>
           <a:extLst>
             <a:ext uri="{909E8E84-426E-40dd-AFC4-6F175D3DCCD1}">
-              <a14:hiddenFill xmlns:a14="http://schemas.microsoft.com/office/drawing/2010/main" xmlns="">
+              <a14:hiddenFill xmlns="" xmlns:a14="http://schemas.microsoft.com/office/drawing/2010/main">
                 <a:solidFill>
                   <a:srgbClr val="FFFFFF"/>
                 </a:solidFill>
@@ -9110,7 +9112,7 @@
               </a:ln>
               <a:extLst>
                 <a:ext uri="{91240B29-F687-4f45-9708-019B960494DF}">
-                  <a14:hiddenLine xmlns:a14="http://schemas.microsoft.com/office/drawing/2010/main" xmlns="" w="9525">
+                  <a14:hiddenLine xmlns="" xmlns:a14="http://schemas.microsoft.com/office/drawing/2010/main" w="9525">
                     <a:solidFill>
                       <a:srgbClr val="000000"/>
                     </a:solidFill>
@@ -9200,7 +9202,7 @@
               </a:ln>
               <a:extLst>
                 <a:ext uri="{91240B29-F687-4f45-9708-019B960494DF}">
-                  <a14:hiddenLine xmlns:a14="http://schemas.microsoft.com/office/drawing/2010/main" xmlns="" w="9525">
+                  <a14:hiddenLine xmlns="" xmlns:a14="http://schemas.microsoft.com/office/drawing/2010/main" w="9525">
                     <a:solidFill>
                       <a:srgbClr val="000000"/>
                     </a:solidFill>
@@ -9290,7 +9292,7 @@
               </a:ln>
               <a:extLst>
                 <a:ext uri="{91240B29-F687-4f45-9708-019B960494DF}">
-                  <a14:hiddenLine xmlns:a14="http://schemas.microsoft.com/office/drawing/2010/main" xmlns="" w="9525">
+                  <a14:hiddenLine xmlns="" xmlns:a14="http://schemas.microsoft.com/office/drawing/2010/main" w="9525">
                     <a:solidFill>
                       <a:srgbClr val="000000"/>
                     </a:solidFill>
@@ -9352,7 +9354,7 @@
               </a:ln>
               <a:extLst>
                 <a:ext uri="{91240B29-F687-4f45-9708-019B960494DF}">
-                  <a14:hiddenLine xmlns:a14="http://schemas.microsoft.com/office/drawing/2010/main" xmlns="" w="9525">
+                  <a14:hiddenLine xmlns="" xmlns:a14="http://schemas.microsoft.com/office/drawing/2010/main" w="9525">
                     <a:solidFill>
                       <a:srgbClr val="000000"/>
                     </a:solidFill>
@@ -9442,7 +9444,7 @@
               </a:ln>
               <a:extLst>
                 <a:ext uri="{91240B29-F687-4f45-9708-019B960494DF}">
-                  <a14:hiddenLine xmlns:a14="http://schemas.microsoft.com/office/drawing/2010/main" xmlns="" w="9525">
+                  <a14:hiddenLine xmlns="" xmlns:a14="http://schemas.microsoft.com/office/drawing/2010/main" w="9525">
                     <a:solidFill>
                       <a:srgbClr val="000000"/>
                     </a:solidFill>
@@ -9504,7 +9506,7 @@
               </a:ln>
               <a:extLst>
                 <a:ext uri="{91240B29-F687-4f45-9708-019B960494DF}">
-                  <a14:hiddenLine xmlns:a14="http://schemas.microsoft.com/office/drawing/2010/main" xmlns="" w="9525">
+                  <a14:hiddenLine xmlns="" xmlns:a14="http://schemas.microsoft.com/office/drawing/2010/main" w="9525">
                     <a:solidFill>
                       <a:srgbClr val="000000"/>
                     </a:solidFill>
@@ -9566,7 +9568,7 @@
               </a:ln>
               <a:extLst>
                 <a:ext uri="{91240B29-F687-4f45-9708-019B960494DF}">
-                  <a14:hiddenLine xmlns:a14="http://schemas.microsoft.com/office/drawing/2010/main" xmlns="" w="9525">
+                  <a14:hiddenLine xmlns="" xmlns:a14="http://schemas.microsoft.com/office/drawing/2010/main" w="9525">
                     <a:solidFill>
                       <a:srgbClr val="000000"/>
                     </a:solidFill>
@@ -9656,7 +9658,7 @@
               </a:ln>
               <a:extLst>
                 <a:ext uri="{91240B29-F687-4f45-9708-019B960494DF}">
-                  <a14:hiddenLine xmlns:a14="http://schemas.microsoft.com/office/drawing/2010/main" xmlns="" w="9525">
+                  <a14:hiddenLine xmlns="" xmlns:a14="http://schemas.microsoft.com/office/drawing/2010/main" w="9525">
                     <a:solidFill>
                       <a:srgbClr val="000000"/>
                     </a:solidFill>
@@ -9746,7 +9748,7 @@
               </a:ln>
               <a:extLst>
                 <a:ext uri="{91240B29-F687-4f45-9708-019B960494DF}">
-                  <a14:hiddenLine xmlns:a14="http://schemas.microsoft.com/office/drawing/2010/main" xmlns="" w="9525">
+                  <a14:hiddenLine xmlns="" xmlns:a14="http://schemas.microsoft.com/office/drawing/2010/main" w="9525">
                     <a:solidFill>
                       <a:srgbClr val="000000"/>
                     </a:solidFill>
@@ -9808,7 +9810,7 @@
               </a:ln>
               <a:extLst>
                 <a:ext uri="{91240B29-F687-4f45-9708-019B960494DF}">
-                  <a14:hiddenLine xmlns:a14="http://schemas.microsoft.com/office/drawing/2010/main" xmlns="" w="9525">
+                  <a14:hiddenLine xmlns="" xmlns:a14="http://schemas.microsoft.com/office/drawing/2010/main" w="9525">
                     <a:solidFill>
                       <a:srgbClr val="000000"/>
                     </a:solidFill>
@@ -9918,7 +9920,7 @@
               </a:ln>
               <a:extLst>
                 <a:ext uri="{91240B29-F687-4f45-9708-019B960494DF}">
-                  <a14:hiddenLine xmlns:a14="http://schemas.microsoft.com/office/drawing/2010/main" xmlns="" w="9525">
+                  <a14:hiddenLine xmlns="" xmlns:a14="http://schemas.microsoft.com/office/drawing/2010/main" w="9525">
                     <a:solidFill>
                       <a:srgbClr val="000000"/>
                     </a:solidFill>
@@ -10002,7 +10004,7 @@
               </a:ln>
               <a:extLst>
                 <a:ext uri="{91240B29-F687-4f45-9708-019B960494DF}">
-                  <a14:hiddenLine xmlns:a14="http://schemas.microsoft.com/office/drawing/2010/main" xmlns="" w="9525">
+                  <a14:hiddenLine xmlns="" xmlns:a14="http://schemas.microsoft.com/office/drawing/2010/main" w="9525">
                     <a:solidFill>
                       <a:srgbClr val="000000"/>
                     </a:solidFill>
@@ -10064,7 +10066,7 @@
               </a:ln>
               <a:extLst>
                 <a:ext uri="{91240B29-F687-4f45-9708-019B960494DF}">
-                  <a14:hiddenLine xmlns:a14="http://schemas.microsoft.com/office/drawing/2010/main" xmlns="" w="9525">
+                  <a14:hiddenLine xmlns="" xmlns:a14="http://schemas.microsoft.com/office/drawing/2010/main" w="9525">
                     <a:solidFill>
                       <a:srgbClr val="000000"/>
                     </a:solidFill>
@@ -10126,7 +10128,7 @@
               </a:ln>
               <a:extLst>
                 <a:ext uri="{91240B29-F687-4f45-9708-019B960494DF}">
-                  <a14:hiddenLine xmlns:a14="http://schemas.microsoft.com/office/drawing/2010/main" xmlns="" w="9525">
+                  <a14:hiddenLine xmlns="" xmlns:a14="http://schemas.microsoft.com/office/drawing/2010/main" w="9525">
                     <a:solidFill>
                       <a:srgbClr val="000000"/>
                     </a:solidFill>
@@ -10216,7 +10218,7 @@
               </a:ln>
               <a:extLst>
                 <a:ext uri="{91240B29-F687-4f45-9708-019B960494DF}">
-                  <a14:hiddenLine xmlns:a14="http://schemas.microsoft.com/office/drawing/2010/main" xmlns="" w="9525">
+                  <a14:hiddenLine xmlns="" xmlns:a14="http://schemas.microsoft.com/office/drawing/2010/main" w="9525">
                     <a:solidFill>
                       <a:srgbClr val="000000"/>
                     </a:solidFill>
@@ -10250,7 +10252,7 @@
               </a:ln>
               <a:extLst>
                 <a:ext uri="{91240B29-F687-4f45-9708-019B960494DF}">
-                  <a14:hiddenLine xmlns:a14="http://schemas.microsoft.com/office/drawing/2010/main" xmlns="" w="9525">
+                  <a14:hiddenLine xmlns="" xmlns:a14="http://schemas.microsoft.com/office/drawing/2010/main" w="9525">
                     <a:solidFill>
                       <a:srgbClr val="000000"/>
                     </a:solidFill>
@@ -10315,7 +10317,7 @@
               </a:ln>
               <a:extLst>
                 <a:ext uri="{91240B29-F687-4f45-9708-019B960494DF}">
-                  <a14:hiddenLine xmlns:a14="http://schemas.microsoft.com/office/drawing/2010/main" xmlns="" w="9525">
+                  <a14:hiddenLine xmlns="" xmlns:a14="http://schemas.microsoft.com/office/drawing/2010/main" w="9525">
                     <a:solidFill>
                       <a:srgbClr val="000000"/>
                     </a:solidFill>
@@ -10405,7 +10407,7 @@
               </a:ln>
               <a:extLst>
                 <a:ext uri="{91240B29-F687-4f45-9708-019B960494DF}">
-                  <a14:hiddenLine xmlns:a14="http://schemas.microsoft.com/office/drawing/2010/main" xmlns="" w="9525">
+                  <a14:hiddenLine xmlns="" xmlns:a14="http://schemas.microsoft.com/office/drawing/2010/main" w="9525">
                     <a:solidFill>
                       <a:srgbClr val="000000"/>
                     </a:solidFill>
@@ -10467,7 +10469,7 @@
               </a:ln>
               <a:extLst>
                 <a:ext uri="{91240B29-F687-4f45-9708-019B960494DF}">
-                  <a14:hiddenLine xmlns:a14="http://schemas.microsoft.com/office/drawing/2010/main" xmlns="" w="9525">
+                  <a14:hiddenLine xmlns="" xmlns:a14="http://schemas.microsoft.com/office/drawing/2010/main" w="9525">
                     <a:solidFill>
                       <a:srgbClr val="000000"/>
                     </a:solidFill>
@@ -10557,7 +10559,7 @@
               </a:ln>
               <a:extLst>
                 <a:ext uri="{91240B29-F687-4f45-9708-019B960494DF}">
-                  <a14:hiddenLine xmlns:a14="http://schemas.microsoft.com/office/drawing/2010/main" xmlns="" w="9525">
+                  <a14:hiddenLine xmlns="" xmlns:a14="http://schemas.microsoft.com/office/drawing/2010/main" w="9525">
                     <a:solidFill>
                       <a:srgbClr val="000000"/>
                     </a:solidFill>
@@ -10622,7 +10624,7 @@
               </a:ln>
               <a:extLst>
                 <a:ext uri="{91240B29-F687-4f45-9708-019B960494DF}">
-                  <a14:hiddenLine xmlns:a14="http://schemas.microsoft.com/office/drawing/2010/main" xmlns="" w="9525">
+                  <a14:hiddenLine xmlns="" xmlns:a14="http://schemas.microsoft.com/office/drawing/2010/main" w="9525">
                     <a:solidFill>
                       <a:srgbClr val="000000"/>
                     </a:solidFill>
@@ -10684,7 +10686,7 @@
               </a:ln>
               <a:extLst>
                 <a:ext uri="{91240B29-F687-4f45-9708-019B960494DF}">
-                  <a14:hiddenLine xmlns:a14="http://schemas.microsoft.com/office/drawing/2010/main" xmlns="" w="9525">
+                  <a14:hiddenLine xmlns="" xmlns:a14="http://schemas.microsoft.com/office/drawing/2010/main" w="9525">
                     <a:solidFill>
                       <a:srgbClr val="000000"/>
                     </a:solidFill>
@@ -10774,7 +10776,7 @@
               </a:ln>
               <a:extLst>
                 <a:ext uri="{91240B29-F687-4f45-9708-019B960494DF}">
-                  <a14:hiddenLine xmlns:a14="http://schemas.microsoft.com/office/drawing/2010/main" xmlns="" w="9525">
+                  <a14:hiddenLine xmlns="" xmlns:a14="http://schemas.microsoft.com/office/drawing/2010/main" w="9525">
                     <a:solidFill>
                       <a:srgbClr val="000000"/>
                     </a:solidFill>
@@ -10864,7 +10866,7 @@
               </a:ln>
               <a:extLst>
                 <a:ext uri="{91240B29-F687-4f45-9708-019B960494DF}">
-                  <a14:hiddenLine xmlns:a14="http://schemas.microsoft.com/office/drawing/2010/main" xmlns="" w="9525">
+                  <a14:hiddenLine xmlns="" xmlns:a14="http://schemas.microsoft.com/office/drawing/2010/main" w="9525">
                     <a:solidFill>
                       <a:srgbClr val="000000"/>
                     </a:solidFill>
@@ -10929,7 +10931,7 @@
               </a:ln>
               <a:extLst>
                 <a:ext uri="{91240B29-F687-4f45-9708-019B960494DF}">
-                  <a14:hiddenLine xmlns:a14="http://schemas.microsoft.com/office/drawing/2010/main" xmlns="" w="9525">
+                  <a14:hiddenLine xmlns="" xmlns:a14="http://schemas.microsoft.com/office/drawing/2010/main" w="9525">
                     <a:solidFill>
                       <a:srgbClr val="000000"/>
                     </a:solidFill>
@@ -11049,7 +11051,7 @@
               </a:ln>
               <a:extLst>
                 <a:ext uri="{91240B29-F687-4f45-9708-019B960494DF}">
-                  <a14:hiddenLine xmlns:a14="http://schemas.microsoft.com/office/drawing/2010/main" xmlns="" w="9525">
+                  <a14:hiddenLine xmlns="" xmlns:a14="http://schemas.microsoft.com/office/drawing/2010/main" w="9525">
                     <a:solidFill>
                       <a:srgbClr val="000000"/>
                     </a:solidFill>
@@ -11147,7 +11149,7 @@
               </a:ln>
               <a:extLst>
                 <a:ext uri="{91240B29-F687-4f45-9708-019B960494DF}">
-                  <a14:hiddenLine xmlns:a14="http://schemas.microsoft.com/office/drawing/2010/main" xmlns="" w="9525">
+                  <a14:hiddenLine xmlns="" xmlns:a14="http://schemas.microsoft.com/office/drawing/2010/main" w="9525">
                     <a:solidFill>
                       <a:srgbClr val="000000"/>
                     </a:solidFill>
@@ -11262,7 +11264,7 @@
               </a:ln>
               <a:extLst>
                 <a:ext uri="{91240B29-F687-4f45-9708-019B960494DF}">
-                  <a14:hiddenLine xmlns:a14="http://schemas.microsoft.com/office/drawing/2010/main" xmlns="" w="9525">
+                  <a14:hiddenLine xmlns="" xmlns:a14="http://schemas.microsoft.com/office/drawing/2010/main" w="9525">
                     <a:solidFill>
                       <a:srgbClr val="000000"/>
                     </a:solidFill>
@@ -11352,7 +11354,7 @@
               </a:ln>
               <a:extLst>
                 <a:ext uri="{91240B29-F687-4f45-9708-019B960494DF}">
-                  <a14:hiddenLine xmlns:a14="http://schemas.microsoft.com/office/drawing/2010/main" xmlns="" w="9525">
+                  <a14:hiddenLine xmlns="" xmlns:a14="http://schemas.microsoft.com/office/drawing/2010/main" w="9525">
                     <a:solidFill>
                       <a:srgbClr val="000000"/>
                     </a:solidFill>
@@ -11417,7 +11419,7 @@
               </a:ln>
               <a:extLst>
                 <a:ext uri="{91240B29-F687-4f45-9708-019B960494DF}">
-                  <a14:hiddenLine xmlns:a14="http://schemas.microsoft.com/office/drawing/2010/main" xmlns="" w="9525">
+                  <a14:hiddenLine xmlns="" xmlns:a14="http://schemas.microsoft.com/office/drawing/2010/main" w="9525">
                     <a:solidFill>
                       <a:srgbClr val="000000"/>
                     </a:solidFill>
@@ -11507,7 +11509,7 @@
               </a:ln>
               <a:extLst>
                 <a:ext uri="{91240B29-F687-4f45-9708-019B960494DF}">
-                  <a14:hiddenLine xmlns:a14="http://schemas.microsoft.com/office/drawing/2010/main" xmlns="" w="9525">
+                  <a14:hiddenLine xmlns="" xmlns:a14="http://schemas.microsoft.com/office/drawing/2010/main" w="9525">
                     <a:solidFill>
                       <a:srgbClr val="000000"/>
                     </a:solidFill>
@@ -11575,7 +11577,7 @@
               </a:ln>
               <a:extLst>
                 <a:ext uri="{91240B29-F687-4f45-9708-019B960494DF}">
-                  <a14:hiddenLine xmlns:a14="http://schemas.microsoft.com/office/drawing/2010/main" xmlns="" w="9525">
+                  <a14:hiddenLine xmlns="" xmlns:a14="http://schemas.microsoft.com/office/drawing/2010/main" w="9525">
                     <a:solidFill>
                       <a:srgbClr val="000000"/>
                     </a:solidFill>
@@ -11665,7 +11667,7 @@
               </a:ln>
               <a:extLst>
                 <a:ext uri="{91240B29-F687-4f45-9708-019B960494DF}">
-                  <a14:hiddenLine xmlns:a14="http://schemas.microsoft.com/office/drawing/2010/main" xmlns="" w="9525">
+                  <a14:hiddenLine xmlns="" xmlns:a14="http://schemas.microsoft.com/office/drawing/2010/main" w="9525">
                     <a:solidFill>
                       <a:srgbClr val="000000"/>
                     </a:solidFill>
@@ -11733,7 +11735,7 @@
               </a:ln>
               <a:extLst>
                 <a:ext uri="{91240B29-F687-4f45-9708-019B960494DF}">
-                  <a14:hiddenLine xmlns:a14="http://schemas.microsoft.com/office/drawing/2010/main" xmlns="" w="9525">
+                  <a14:hiddenLine xmlns="" xmlns:a14="http://schemas.microsoft.com/office/drawing/2010/main" w="9525">
                     <a:solidFill>
                       <a:srgbClr val="000000"/>
                     </a:solidFill>
@@ -11823,7 +11825,7 @@
               </a:ln>
               <a:extLst>
                 <a:ext uri="{91240B29-F687-4f45-9708-019B960494DF}">
-                  <a14:hiddenLine xmlns:a14="http://schemas.microsoft.com/office/drawing/2010/main" xmlns="" w="9525">
+                  <a14:hiddenLine xmlns="" xmlns:a14="http://schemas.microsoft.com/office/drawing/2010/main" w="9525">
                     <a:solidFill>
                       <a:srgbClr val="000000"/>
                     </a:solidFill>
@@ -11857,7 +11859,7 @@
               </a:ln>
               <a:extLst>
                 <a:ext uri="{91240B29-F687-4f45-9708-019B960494DF}">
-                  <a14:hiddenLine xmlns:a14="http://schemas.microsoft.com/office/drawing/2010/main" xmlns="" w="9525">
+                  <a14:hiddenLine xmlns="" xmlns:a14="http://schemas.microsoft.com/office/drawing/2010/main" w="9525">
                     <a:solidFill>
                       <a:srgbClr val="000000"/>
                     </a:solidFill>
@@ -11998,7 +12000,7 @@
             <a:fld id="{48A87A34-81AB-432B-8DAE-1953F412C126}" type="datetimeFigureOut">
               <a:rPr lang="en-US" dirty="0"/>
               <a:pPr/>
-              <a:t>7/9/2016</a:t>
+              <a:t>7/10/2016</a:t>
             </a:fld>
             <a:endParaRPr lang="en-US" dirty="0"/>
           </a:p>
@@ -12454,14 +12456,9 @@
           <a:p>
             <a:r>
               <a:rPr lang="en-US" dirty="0" smtClean="0"/>
-              <a:t>Introduction</a:t>
+              <a:t>Vice President Introduction</a:t>
             </a:r>
-          </a:p>
-          <a:p>
-            <a:r>
-              <a:rPr lang="en-US" dirty="0" smtClean="0"/>
-              <a:t>Vice President</a:t>
-            </a:r>
+            <a:endParaRPr lang="en-US" dirty="0" smtClean="0"/>
           </a:p>
           <a:p>
             <a:r>
@@ -12472,27 +12469,20 @@
           <a:p>
             <a:r>
               <a:rPr lang="en-US" dirty="0" smtClean="0"/>
-              <a:t>Speakers</a:t>
+              <a:t>Tech Talks</a:t>
             </a:r>
+            <a:endParaRPr lang="en-US" dirty="0" smtClean="0"/>
           </a:p>
           <a:p>
             <a:r>
               <a:rPr lang="en-US" dirty="0" smtClean="0"/>
-              <a:t>Lab - </a:t>
+              <a:t>Lab - Web Programming</a:t>
             </a:r>
+          </a:p>
+          <a:p>
             <a:r>
               <a:rPr lang="en-US" dirty="0" smtClean="0"/>
-              <a:t>Web Programming</a:t>
-            </a:r>
-          </a:p>
-          <a:p>
-            <a:r>
-              <a:rPr lang="en-US" smtClean="0"/>
-              <a:t>Lab - </a:t>
-            </a:r>
-            <a:r>
-              <a:rPr lang="en-US" dirty="0" smtClean="0"/>
-              <a:t>Windows Programming</a:t>
+              <a:t>Lab - Windows Programming</a:t>
             </a:r>
             <a:endParaRPr lang="en-US" dirty="0"/>
           </a:p>
@@ -12508,18 +12498,616 @@
   <p:clrMapOvr>
     <a:masterClrMapping/>
   </p:clrMapOvr>
-  <mc:AlternateContent xmlns:mc="http://schemas.openxmlformats.org/markup-compatibility/2006" xmlns:p14="http://schemas.microsoft.com/office/powerpoint/2010/main">
-    <mc:Choice Requires="p14">
-      <p:transition p14:dur="0"/>
+  <mc:AlternateContent xmlns:mc="http://schemas.openxmlformats.org/markup-compatibility/2006">
+    <mc:Choice xmlns:p14="http://schemas.microsoft.com/office/powerpoint/2010/main" Requires="p14">
+      <p:transition p14:dur="10"/>
     </mc:Choice>
-    <mc:Fallback xmlns="">
+    <mc:Fallback>
       <p:transition/>
     </mc:Fallback>
   </mc:AlternateContent>
   <p:timing>
     <p:tnLst>
       <p:par>
-        <p:cTn id="1" dur="indefinite" restart="never" nodeType="tmRoot"/>
+        <p:cTn id="1" dur="indefinite" restart="never" nodeType="tmRoot">
+          <p:childTnLst>
+            <p:seq concurrent="1" nextAc="seek">
+              <p:cTn id="2" dur="indefinite" nodeType="mainSeq">
+                <p:childTnLst>
+                  <p:par>
+                    <p:cTn id="3" fill="hold">
+                      <p:stCondLst>
+                        <p:cond delay="indefinite"/>
+                      </p:stCondLst>
+                      <p:childTnLst>
+                        <p:par>
+                          <p:cTn id="4" fill="hold">
+                            <p:stCondLst>
+                              <p:cond delay="0"/>
+                            </p:stCondLst>
+                            <p:childTnLst>
+                              <p:par>
+                                <p:cTn id="5" presetID="42" presetClass="entr" presetSubtype="0" fill="hold" nodeType="clickEffect">
+                                  <p:stCondLst>
+                                    <p:cond delay="0"/>
+                                  </p:stCondLst>
+                                  <p:childTnLst>
+                                    <p:set>
+                                      <p:cBhvr>
+                                        <p:cTn id="6" dur="1" fill="hold">
+                                          <p:stCondLst>
+                                            <p:cond delay="0"/>
+                                          </p:stCondLst>
+                                        </p:cTn>
+                                        <p:tgtEl>
+                                          <p:spTgt spid="3">
+                                            <p:txEl>
+                                              <p:pRg st="0" end="0"/>
+                                            </p:txEl>
+                                          </p:spTgt>
+                                        </p:tgtEl>
+                                        <p:attrNameLst>
+                                          <p:attrName>style.visibility</p:attrName>
+                                        </p:attrNameLst>
+                                      </p:cBhvr>
+                                      <p:to>
+                                        <p:strVal val="visible"/>
+                                      </p:to>
+                                    </p:set>
+                                    <p:animEffect transition="in" filter="fade">
+                                      <p:cBhvr>
+                                        <p:cTn id="7" dur="1000"/>
+                                        <p:tgtEl>
+                                          <p:spTgt spid="3">
+                                            <p:txEl>
+                                              <p:pRg st="0" end="0"/>
+                                            </p:txEl>
+                                          </p:spTgt>
+                                        </p:tgtEl>
+                                      </p:cBhvr>
+                                    </p:animEffect>
+                                    <p:anim calcmode="lin" valueType="num">
+                                      <p:cBhvr>
+                                        <p:cTn id="8" dur="1000" fill="hold"/>
+                                        <p:tgtEl>
+                                          <p:spTgt spid="3">
+                                            <p:txEl>
+                                              <p:pRg st="0" end="0"/>
+                                            </p:txEl>
+                                          </p:spTgt>
+                                        </p:tgtEl>
+                                        <p:attrNameLst>
+                                          <p:attrName>ppt_x</p:attrName>
+                                        </p:attrNameLst>
+                                      </p:cBhvr>
+                                      <p:tavLst>
+                                        <p:tav tm="0">
+                                          <p:val>
+                                            <p:strVal val="#ppt_x"/>
+                                          </p:val>
+                                        </p:tav>
+                                        <p:tav tm="100000">
+                                          <p:val>
+                                            <p:strVal val="#ppt_x"/>
+                                          </p:val>
+                                        </p:tav>
+                                      </p:tavLst>
+                                    </p:anim>
+                                    <p:anim calcmode="lin" valueType="num">
+                                      <p:cBhvr>
+                                        <p:cTn id="9" dur="1000" fill="hold"/>
+                                        <p:tgtEl>
+                                          <p:spTgt spid="3">
+                                            <p:txEl>
+                                              <p:pRg st="0" end="0"/>
+                                            </p:txEl>
+                                          </p:spTgt>
+                                        </p:tgtEl>
+                                        <p:attrNameLst>
+                                          <p:attrName>ppt_y</p:attrName>
+                                        </p:attrNameLst>
+                                      </p:cBhvr>
+                                      <p:tavLst>
+                                        <p:tav tm="0">
+                                          <p:val>
+                                            <p:strVal val="#ppt_y+.1"/>
+                                          </p:val>
+                                        </p:tav>
+                                        <p:tav tm="100000">
+                                          <p:val>
+                                            <p:strVal val="#ppt_y"/>
+                                          </p:val>
+                                        </p:tav>
+                                      </p:tavLst>
+                                    </p:anim>
+                                  </p:childTnLst>
+                                </p:cTn>
+                              </p:par>
+                            </p:childTnLst>
+                          </p:cTn>
+                        </p:par>
+                      </p:childTnLst>
+                    </p:cTn>
+                  </p:par>
+                  <p:par>
+                    <p:cTn id="10" fill="hold">
+                      <p:stCondLst>
+                        <p:cond delay="indefinite"/>
+                      </p:stCondLst>
+                      <p:childTnLst>
+                        <p:par>
+                          <p:cTn id="11" fill="hold">
+                            <p:stCondLst>
+                              <p:cond delay="0"/>
+                            </p:stCondLst>
+                            <p:childTnLst>
+                              <p:par>
+                                <p:cTn id="12" presetID="42" presetClass="entr" presetSubtype="0" fill="hold" nodeType="clickEffect">
+                                  <p:stCondLst>
+                                    <p:cond delay="0"/>
+                                  </p:stCondLst>
+                                  <p:childTnLst>
+                                    <p:set>
+                                      <p:cBhvr>
+                                        <p:cTn id="13" dur="1" fill="hold">
+                                          <p:stCondLst>
+                                            <p:cond delay="0"/>
+                                          </p:stCondLst>
+                                        </p:cTn>
+                                        <p:tgtEl>
+                                          <p:spTgt spid="3">
+                                            <p:txEl>
+                                              <p:pRg st="1" end="1"/>
+                                            </p:txEl>
+                                          </p:spTgt>
+                                        </p:tgtEl>
+                                        <p:attrNameLst>
+                                          <p:attrName>style.visibility</p:attrName>
+                                        </p:attrNameLst>
+                                      </p:cBhvr>
+                                      <p:to>
+                                        <p:strVal val="visible"/>
+                                      </p:to>
+                                    </p:set>
+                                    <p:animEffect transition="in" filter="fade">
+                                      <p:cBhvr>
+                                        <p:cTn id="14" dur="1000"/>
+                                        <p:tgtEl>
+                                          <p:spTgt spid="3">
+                                            <p:txEl>
+                                              <p:pRg st="1" end="1"/>
+                                            </p:txEl>
+                                          </p:spTgt>
+                                        </p:tgtEl>
+                                      </p:cBhvr>
+                                    </p:animEffect>
+                                    <p:anim calcmode="lin" valueType="num">
+                                      <p:cBhvr>
+                                        <p:cTn id="15" dur="1000" fill="hold"/>
+                                        <p:tgtEl>
+                                          <p:spTgt spid="3">
+                                            <p:txEl>
+                                              <p:pRg st="1" end="1"/>
+                                            </p:txEl>
+                                          </p:spTgt>
+                                        </p:tgtEl>
+                                        <p:attrNameLst>
+                                          <p:attrName>ppt_x</p:attrName>
+                                        </p:attrNameLst>
+                                      </p:cBhvr>
+                                      <p:tavLst>
+                                        <p:tav tm="0">
+                                          <p:val>
+                                            <p:strVal val="#ppt_x"/>
+                                          </p:val>
+                                        </p:tav>
+                                        <p:tav tm="100000">
+                                          <p:val>
+                                            <p:strVal val="#ppt_x"/>
+                                          </p:val>
+                                        </p:tav>
+                                      </p:tavLst>
+                                    </p:anim>
+                                    <p:anim calcmode="lin" valueType="num">
+                                      <p:cBhvr>
+                                        <p:cTn id="16" dur="1000" fill="hold"/>
+                                        <p:tgtEl>
+                                          <p:spTgt spid="3">
+                                            <p:txEl>
+                                              <p:pRg st="1" end="1"/>
+                                            </p:txEl>
+                                          </p:spTgt>
+                                        </p:tgtEl>
+                                        <p:attrNameLst>
+                                          <p:attrName>ppt_y</p:attrName>
+                                        </p:attrNameLst>
+                                      </p:cBhvr>
+                                      <p:tavLst>
+                                        <p:tav tm="0">
+                                          <p:val>
+                                            <p:strVal val="#ppt_y+.1"/>
+                                          </p:val>
+                                        </p:tav>
+                                        <p:tav tm="100000">
+                                          <p:val>
+                                            <p:strVal val="#ppt_y"/>
+                                          </p:val>
+                                        </p:tav>
+                                      </p:tavLst>
+                                    </p:anim>
+                                  </p:childTnLst>
+                                </p:cTn>
+                              </p:par>
+                            </p:childTnLst>
+                          </p:cTn>
+                        </p:par>
+                      </p:childTnLst>
+                    </p:cTn>
+                  </p:par>
+                  <p:par>
+                    <p:cTn id="17" fill="hold">
+                      <p:stCondLst>
+                        <p:cond delay="indefinite"/>
+                      </p:stCondLst>
+                      <p:childTnLst>
+                        <p:par>
+                          <p:cTn id="18" fill="hold">
+                            <p:stCondLst>
+                              <p:cond delay="0"/>
+                            </p:stCondLst>
+                            <p:childTnLst>
+                              <p:par>
+                                <p:cTn id="19" presetID="42" presetClass="entr" presetSubtype="0" fill="hold" nodeType="clickEffect">
+                                  <p:stCondLst>
+                                    <p:cond delay="0"/>
+                                  </p:stCondLst>
+                                  <p:childTnLst>
+                                    <p:set>
+                                      <p:cBhvr>
+                                        <p:cTn id="20" dur="1" fill="hold">
+                                          <p:stCondLst>
+                                            <p:cond delay="0"/>
+                                          </p:stCondLst>
+                                        </p:cTn>
+                                        <p:tgtEl>
+                                          <p:spTgt spid="3">
+                                            <p:txEl>
+                                              <p:pRg st="2" end="2"/>
+                                            </p:txEl>
+                                          </p:spTgt>
+                                        </p:tgtEl>
+                                        <p:attrNameLst>
+                                          <p:attrName>style.visibility</p:attrName>
+                                        </p:attrNameLst>
+                                      </p:cBhvr>
+                                      <p:to>
+                                        <p:strVal val="visible"/>
+                                      </p:to>
+                                    </p:set>
+                                    <p:animEffect transition="in" filter="fade">
+                                      <p:cBhvr>
+                                        <p:cTn id="21" dur="1000"/>
+                                        <p:tgtEl>
+                                          <p:spTgt spid="3">
+                                            <p:txEl>
+                                              <p:pRg st="2" end="2"/>
+                                            </p:txEl>
+                                          </p:spTgt>
+                                        </p:tgtEl>
+                                      </p:cBhvr>
+                                    </p:animEffect>
+                                    <p:anim calcmode="lin" valueType="num">
+                                      <p:cBhvr>
+                                        <p:cTn id="22" dur="1000" fill="hold"/>
+                                        <p:tgtEl>
+                                          <p:spTgt spid="3">
+                                            <p:txEl>
+                                              <p:pRg st="2" end="2"/>
+                                            </p:txEl>
+                                          </p:spTgt>
+                                        </p:tgtEl>
+                                        <p:attrNameLst>
+                                          <p:attrName>ppt_x</p:attrName>
+                                        </p:attrNameLst>
+                                      </p:cBhvr>
+                                      <p:tavLst>
+                                        <p:tav tm="0">
+                                          <p:val>
+                                            <p:strVal val="#ppt_x"/>
+                                          </p:val>
+                                        </p:tav>
+                                        <p:tav tm="100000">
+                                          <p:val>
+                                            <p:strVal val="#ppt_x"/>
+                                          </p:val>
+                                        </p:tav>
+                                      </p:tavLst>
+                                    </p:anim>
+                                    <p:anim calcmode="lin" valueType="num">
+                                      <p:cBhvr>
+                                        <p:cTn id="23" dur="1000" fill="hold"/>
+                                        <p:tgtEl>
+                                          <p:spTgt spid="3">
+                                            <p:txEl>
+                                              <p:pRg st="2" end="2"/>
+                                            </p:txEl>
+                                          </p:spTgt>
+                                        </p:tgtEl>
+                                        <p:attrNameLst>
+                                          <p:attrName>ppt_y</p:attrName>
+                                        </p:attrNameLst>
+                                      </p:cBhvr>
+                                      <p:tavLst>
+                                        <p:tav tm="0">
+                                          <p:val>
+                                            <p:strVal val="#ppt_y+.1"/>
+                                          </p:val>
+                                        </p:tav>
+                                        <p:tav tm="100000">
+                                          <p:val>
+                                            <p:strVal val="#ppt_y"/>
+                                          </p:val>
+                                        </p:tav>
+                                      </p:tavLst>
+                                    </p:anim>
+                                  </p:childTnLst>
+                                </p:cTn>
+                              </p:par>
+                            </p:childTnLst>
+                          </p:cTn>
+                        </p:par>
+                      </p:childTnLst>
+                    </p:cTn>
+                  </p:par>
+                  <p:par>
+                    <p:cTn id="24" fill="hold">
+                      <p:stCondLst>
+                        <p:cond delay="indefinite"/>
+                      </p:stCondLst>
+                      <p:childTnLst>
+                        <p:par>
+                          <p:cTn id="25" fill="hold">
+                            <p:stCondLst>
+                              <p:cond delay="0"/>
+                            </p:stCondLst>
+                            <p:childTnLst>
+                              <p:par>
+                                <p:cTn id="26" presetID="42" presetClass="entr" presetSubtype="0" fill="hold" nodeType="clickEffect">
+                                  <p:stCondLst>
+                                    <p:cond delay="0"/>
+                                  </p:stCondLst>
+                                  <p:childTnLst>
+                                    <p:set>
+                                      <p:cBhvr>
+                                        <p:cTn id="27" dur="1" fill="hold">
+                                          <p:stCondLst>
+                                            <p:cond delay="0"/>
+                                          </p:stCondLst>
+                                        </p:cTn>
+                                        <p:tgtEl>
+                                          <p:spTgt spid="3">
+                                            <p:txEl>
+                                              <p:pRg st="3" end="3"/>
+                                            </p:txEl>
+                                          </p:spTgt>
+                                        </p:tgtEl>
+                                        <p:attrNameLst>
+                                          <p:attrName>style.visibility</p:attrName>
+                                        </p:attrNameLst>
+                                      </p:cBhvr>
+                                      <p:to>
+                                        <p:strVal val="visible"/>
+                                      </p:to>
+                                    </p:set>
+                                    <p:animEffect transition="in" filter="fade">
+                                      <p:cBhvr>
+                                        <p:cTn id="28" dur="1000"/>
+                                        <p:tgtEl>
+                                          <p:spTgt spid="3">
+                                            <p:txEl>
+                                              <p:pRg st="3" end="3"/>
+                                            </p:txEl>
+                                          </p:spTgt>
+                                        </p:tgtEl>
+                                      </p:cBhvr>
+                                    </p:animEffect>
+                                    <p:anim calcmode="lin" valueType="num">
+                                      <p:cBhvr>
+                                        <p:cTn id="29" dur="1000" fill="hold"/>
+                                        <p:tgtEl>
+                                          <p:spTgt spid="3">
+                                            <p:txEl>
+                                              <p:pRg st="3" end="3"/>
+                                            </p:txEl>
+                                          </p:spTgt>
+                                        </p:tgtEl>
+                                        <p:attrNameLst>
+                                          <p:attrName>ppt_x</p:attrName>
+                                        </p:attrNameLst>
+                                      </p:cBhvr>
+                                      <p:tavLst>
+                                        <p:tav tm="0">
+                                          <p:val>
+                                            <p:strVal val="#ppt_x"/>
+                                          </p:val>
+                                        </p:tav>
+                                        <p:tav tm="100000">
+                                          <p:val>
+                                            <p:strVal val="#ppt_x"/>
+                                          </p:val>
+                                        </p:tav>
+                                      </p:tavLst>
+                                    </p:anim>
+                                    <p:anim calcmode="lin" valueType="num">
+                                      <p:cBhvr>
+                                        <p:cTn id="30" dur="1000" fill="hold"/>
+                                        <p:tgtEl>
+                                          <p:spTgt spid="3">
+                                            <p:txEl>
+                                              <p:pRg st="3" end="3"/>
+                                            </p:txEl>
+                                          </p:spTgt>
+                                        </p:tgtEl>
+                                        <p:attrNameLst>
+                                          <p:attrName>ppt_y</p:attrName>
+                                        </p:attrNameLst>
+                                      </p:cBhvr>
+                                      <p:tavLst>
+                                        <p:tav tm="0">
+                                          <p:val>
+                                            <p:strVal val="#ppt_y+.1"/>
+                                          </p:val>
+                                        </p:tav>
+                                        <p:tav tm="100000">
+                                          <p:val>
+                                            <p:strVal val="#ppt_y"/>
+                                          </p:val>
+                                        </p:tav>
+                                      </p:tavLst>
+                                    </p:anim>
+                                  </p:childTnLst>
+                                </p:cTn>
+                              </p:par>
+                            </p:childTnLst>
+                          </p:cTn>
+                        </p:par>
+                      </p:childTnLst>
+                    </p:cTn>
+                  </p:par>
+                  <p:par>
+                    <p:cTn id="31" fill="hold">
+                      <p:stCondLst>
+                        <p:cond delay="indefinite"/>
+                      </p:stCondLst>
+                      <p:childTnLst>
+                        <p:par>
+                          <p:cTn id="32" fill="hold">
+                            <p:stCondLst>
+                              <p:cond delay="0"/>
+                            </p:stCondLst>
+                            <p:childTnLst>
+                              <p:par>
+                                <p:cTn id="33" presetID="42" presetClass="entr" presetSubtype="0" fill="hold" nodeType="clickEffect">
+                                  <p:stCondLst>
+                                    <p:cond delay="0"/>
+                                  </p:stCondLst>
+                                  <p:childTnLst>
+                                    <p:set>
+                                      <p:cBhvr>
+                                        <p:cTn id="34" dur="1" fill="hold">
+                                          <p:stCondLst>
+                                            <p:cond delay="0"/>
+                                          </p:stCondLst>
+                                        </p:cTn>
+                                        <p:tgtEl>
+                                          <p:spTgt spid="3">
+                                            <p:txEl>
+                                              <p:pRg st="4" end="4"/>
+                                            </p:txEl>
+                                          </p:spTgt>
+                                        </p:tgtEl>
+                                        <p:attrNameLst>
+                                          <p:attrName>style.visibility</p:attrName>
+                                        </p:attrNameLst>
+                                      </p:cBhvr>
+                                      <p:to>
+                                        <p:strVal val="visible"/>
+                                      </p:to>
+                                    </p:set>
+                                    <p:animEffect transition="in" filter="fade">
+                                      <p:cBhvr>
+                                        <p:cTn id="35" dur="1000"/>
+                                        <p:tgtEl>
+                                          <p:spTgt spid="3">
+                                            <p:txEl>
+                                              <p:pRg st="4" end="4"/>
+                                            </p:txEl>
+                                          </p:spTgt>
+                                        </p:tgtEl>
+                                      </p:cBhvr>
+                                    </p:animEffect>
+                                    <p:anim calcmode="lin" valueType="num">
+                                      <p:cBhvr>
+                                        <p:cTn id="36" dur="1000" fill="hold"/>
+                                        <p:tgtEl>
+                                          <p:spTgt spid="3">
+                                            <p:txEl>
+                                              <p:pRg st="4" end="4"/>
+                                            </p:txEl>
+                                          </p:spTgt>
+                                        </p:tgtEl>
+                                        <p:attrNameLst>
+                                          <p:attrName>ppt_x</p:attrName>
+                                        </p:attrNameLst>
+                                      </p:cBhvr>
+                                      <p:tavLst>
+                                        <p:tav tm="0">
+                                          <p:val>
+                                            <p:strVal val="#ppt_x"/>
+                                          </p:val>
+                                        </p:tav>
+                                        <p:tav tm="100000">
+                                          <p:val>
+                                            <p:strVal val="#ppt_x"/>
+                                          </p:val>
+                                        </p:tav>
+                                      </p:tavLst>
+                                    </p:anim>
+                                    <p:anim calcmode="lin" valueType="num">
+                                      <p:cBhvr>
+                                        <p:cTn id="37" dur="1000" fill="hold"/>
+                                        <p:tgtEl>
+                                          <p:spTgt spid="3">
+                                            <p:txEl>
+                                              <p:pRg st="4" end="4"/>
+                                            </p:txEl>
+                                          </p:spTgt>
+                                        </p:tgtEl>
+                                        <p:attrNameLst>
+                                          <p:attrName>ppt_y</p:attrName>
+                                        </p:attrNameLst>
+                                      </p:cBhvr>
+                                      <p:tavLst>
+                                        <p:tav tm="0">
+                                          <p:val>
+                                            <p:strVal val="#ppt_y+.1"/>
+                                          </p:val>
+                                        </p:tav>
+                                        <p:tav tm="100000">
+                                          <p:val>
+                                            <p:strVal val="#ppt_y"/>
+                                          </p:val>
+                                        </p:tav>
+                                      </p:tavLst>
+                                    </p:anim>
+                                  </p:childTnLst>
+                                </p:cTn>
+                              </p:par>
+                            </p:childTnLst>
+                          </p:cTn>
+                        </p:par>
+                      </p:childTnLst>
+                    </p:cTn>
+                  </p:par>
+                </p:childTnLst>
+              </p:cTn>
+              <p:prevCondLst>
+                <p:cond evt="onPrev" delay="0">
+                  <p:tgtEl>
+                    <p:sldTgt/>
+                  </p:tgtEl>
+                </p:cond>
+              </p:prevCondLst>
+              <p:nextCondLst>
+                <p:cond evt="onNext" delay="0">
+                  <p:tgtEl>
+                    <p:sldTgt/>
+                  </p:tgtEl>
+                </p:cond>
+              </p:nextCondLst>
+            </p:seq>
+          </p:childTnLst>
+        </p:cTn>
       </p:par>
     </p:tnLst>
   </p:timing>
@@ -12550,7 +13138,7 @@
             <a:spLocks noGrp="1"/>
           </p:cNvSpPr>
           <p:nvPr>
-            <p:ph type="title"/>
+            <p:ph type="ctrTitle"/>
           </p:nvPr>
         </p:nvSpPr>
         <p:spPr/>
@@ -12558,39 +13146,43 @@
           <a:bodyPr/>
           <a:lstStyle/>
           <a:p>
-            <a:pPr algn="ctr"/>
             <a:r>
               <a:rPr lang="en-US" dirty="0" smtClean="0"/>
-              <a:t>What friends think I do</a:t>
+              <a:t>Software Developer</a:t>
             </a:r>
             <a:endParaRPr lang="en-US" dirty="0"/>
           </a:p>
         </p:txBody>
       </p:sp>
-      <p:pic>
-        <p:nvPicPr>
-          <p:cNvPr id="4" name="Content Placeholder 3" descr="programmerimage3.PNG"/>
-          <p:cNvPicPr>
-            <a:picLocks noGrp="1" noChangeAspect="1"/>
-          </p:cNvPicPr>
+      <p:sp>
+        <p:nvSpPr>
+          <p:cNvPr id="3" name="Subtitle 2"/>
+          <p:cNvSpPr>
+            <a:spLocks noGrp="1"/>
+          </p:cNvSpPr>
           <p:nvPr>
-            <p:ph idx="1"/>
+            <p:ph type="subTitle" idx="1"/>
           </p:nvPr>
-        </p:nvPicPr>
-        <p:blipFill>
-          <a:blip r:embed="rId2"/>
-          <a:stretch>
-            <a:fillRect/>
-          </a:stretch>
-        </p:blipFill>
-        <p:spPr>
-          <a:xfrm>
-            <a:off x="2847701" y="2533310"/>
-            <a:ext cx="6144725" cy="3462541"/>
-          </a:xfrm>
-        </p:spPr>
-      </p:pic>
+        </p:nvSpPr>
+        <p:spPr/>
+        <p:txBody>
+          <a:bodyPr/>
+          <a:lstStyle/>
+          <a:p>
+            <a:r>
+              <a:rPr lang="en-US" dirty="0" smtClean="0"/>
+              <a:t>a.k.a. Computer programmer</a:t>
+            </a:r>
+            <a:endParaRPr lang="en-US" dirty="0"/>
+          </a:p>
+        </p:txBody>
+      </p:sp>
     </p:spTree>
+    <p:extLst>
+      <p:ext uri="{BB962C8B-B14F-4D97-AF65-F5344CB8AC3E}">
+        <p14:creationId xmlns:p14="http://schemas.microsoft.com/office/powerpoint/2010/main" val="4193971689"/>
+      </p:ext>
+    </p:extLst>
   </p:cSld>
   <p:clrMapOvr>
     <a:masterClrMapping/>
@@ -12634,41 +13226,38 @@
         </p:nvSpPr>
         <p:spPr/>
         <p:txBody>
-          <a:bodyPr/>
+          <a:bodyPr>
+            <a:normAutofit/>
+          </a:bodyPr>
           <a:lstStyle/>
           <a:p>
-            <a:pPr algn="ctr"/>
             <a:r>
               <a:rPr lang="en-US" dirty="0" smtClean="0"/>
-              <a:t>What my family thinks I do</a:t>
+              <a:t>What does a programmer do?</a:t>
             </a:r>
             <a:endParaRPr lang="en-US" dirty="0"/>
           </a:p>
         </p:txBody>
       </p:sp>
-      <p:pic>
-        <p:nvPicPr>
-          <p:cNvPr id="6" name="Content Placeholder 5" descr="programmerimage10.PNG"/>
-          <p:cNvPicPr>
-            <a:picLocks noGrp="1" noChangeAspect="1"/>
-          </p:cNvPicPr>
+      <p:sp>
+        <p:nvSpPr>
+          <p:cNvPr id="3" name="Content Placeholder 2"/>
+          <p:cNvSpPr>
+            <a:spLocks noGrp="1"/>
+          </p:cNvSpPr>
           <p:nvPr>
             <p:ph idx="1"/>
           </p:nvPr>
-        </p:nvPicPr>
-        <p:blipFill>
-          <a:blip r:embed="rId2"/>
-          <a:stretch>
-            <a:fillRect/>
-          </a:stretch>
-        </p:blipFill>
-        <p:spPr>
-          <a:xfrm>
-            <a:off x="3872802" y="2776567"/>
-            <a:ext cx="4108604" cy="3144858"/>
-          </a:xfrm>
-        </p:spPr>
-      </p:pic>
+        </p:nvSpPr>
+        <p:spPr/>
+        <p:txBody>
+          <a:bodyPr/>
+          <a:lstStyle/>
+          <a:p>
+            <a:endParaRPr lang="en-US"/>
+          </a:p>
+        </p:txBody>
+      </p:sp>
     </p:spTree>
   </p:cSld>
   <p:clrMapOvr>
@@ -12719,7 +13308,7 @@
             <a:pPr algn="ctr"/>
             <a:r>
               <a:rPr lang="en-US" dirty="0" smtClean="0"/>
-              <a:t>What the boss thinks I do</a:t>
+              <a:t>What friends think I do</a:t>
             </a:r>
             <a:endParaRPr lang="en-US" dirty="0"/>
           </a:p>
@@ -12727,7 +13316,7 @@
       </p:sp>
       <p:pic>
         <p:nvPicPr>
-          <p:cNvPr id="6" name="Content Placeholder 5" descr="programmerimage5.PNG"/>
+          <p:cNvPr id="4" name="Content Placeholder 3" descr="programmerimage3.PNG"/>
           <p:cNvPicPr>
             <a:picLocks noGrp="1" noChangeAspect="1"/>
           </p:cNvPicPr>
@@ -12743,8 +13332,8 @@
         </p:blipFill>
         <p:spPr>
           <a:xfrm>
-            <a:off x="3853544" y="2414056"/>
-            <a:ext cx="4741816" cy="3814069"/>
+            <a:off x="2847701" y="2533310"/>
+            <a:ext cx="6144725" cy="3462541"/>
           </a:xfrm>
         </p:spPr>
       </p:pic>
@@ -12798,7 +13387,7 @@
             <a:pPr algn="ctr"/>
             <a:r>
               <a:rPr lang="en-US" dirty="0" smtClean="0"/>
-              <a:t>What I think I do</a:t>
+              <a:t>What my family thinks I do</a:t>
             </a:r>
             <a:endParaRPr lang="en-US" dirty="0"/>
           </a:p>
@@ -12806,7 +13395,7 @@
       </p:sp>
       <p:pic>
         <p:nvPicPr>
-          <p:cNvPr id="6" name="Content Placeholder 5" descr="programmerimage11.PNG"/>
+          <p:cNvPr id="6" name="Content Placeholder 5" descr="programmerimage10.PNG"/>
           <p:cNvPicPr>
             <a:picLocks noGrp="1" noChangeAspect="1"/>
           </p:cNvPicPr>
@@ -12822,8 +13411,8 @@
         </p:blipFill>
         <p:spPr>
           <a:xfrm>
-            <a:off x="3826063" y="2227742"/>
-            <a:ext cx="5031766" cy="3297847"/>
+            <a:off x="3872802" y="2776567"/>
+            <a:ext cx="4108604" cy="3144858"/>
           </a:xfrm>
         </p:spPr>
       </p:pic>
@@ -12877,7 +13466,7 @@
             <a:pPr algn="ctr"/>
             <a:r>
               <a:rPr lang="en-US" dirty="0" smtClean="0"/>
-              <a:t>What I really do</a:t>
+              <a:t>What the boss thinks I do</a:t>
             </a:r>
             <a:endParaRPr lang="en-US" dirty="0"/>
           </a:p>
@@ -12885,7 +13474,7 @@
       </p:sp>
       <p:pic>
         <p:nvPicPr>
-          <p:cNvPr id="6" name="Content Placeholder 5" descr="programmerimage9.PNG"/>
+          <p:cNvPr id="4" name="Content Placeholder 3"/>
           <p:cNvPicPr>
             <a:picLocks noGrp="1" noChangeAspect="1"/>
           </p:cNvPicPr>
@@ -12894,15 +13483,21 @@
           </p:nvPr>
         </p:nvPicPr>
         <p:blipFill>
-          <a:blip r:embed="rId2"/>
+          <a:blip r:embed="rId2">
+            <a:extLst>
+              <a:ext uri="{28A0092B-C50C-407E-A947-70E740481C1C}">
+                <a14:useLocalDpi xmlns:a14="http://schemas.microsoft.com/office/drawing/2010/main" val="0"/>
+              </a:ext>
+            </a:extLst>
+          </a:blip>
           <a:stretch>
             <a:fillRect/>
           </a:stretch>
         </p:blipFill>
         <p:spPr>
           <a:xfrm>
-            <a:off x="3905794" y="1951742"/>
-            <a:ext cx="4236954" cy="3808978"/>
+            <a:off x="4275788" y="2097088"/>
+            <a:ext cx="3266387" cy="3617140"/>
           </a:xfrm>
         </p:spPr>
       </p:pic>
@@ -12953,73 +13548,38 @@
           <a:bodyPr/>
           <a:lstStyle/>
           <a:p>
+            <a:pPr algn="ctr"/>
             <a:r>
               <a:rPr lang="en-US" dirty="0" smtClean="0"/>
-              <a:t>My background</a:t>
+              <a:t>What I think I do</a:t>
             </a:r>
             <a:endParaRPr lang="en-US" dirty="0"/>
           </a:p>
         </p:txBody>
       </p:sp>
-      <p:sp>
-        <p:nvSpPr>
-          <p:cNvPr id="3" name="Content Placeholder 2"/>
-          <p:cNvSpPr>
-            <a:spLocks noGrp="1"/>
-          </p:cNvSpPr>
+      <p:pic>
+        <p:nvPicPr>
+          <p:cNvPr id="6" name="Content Placeholder 5" descr="programmerimage11.PNG"/>
+          <p:cNvPicPr>
+            <a:picLocks noGrp="1" noChangeAspect="1"/>
+          </p:cNvPicPr>
           <p:nvPr>
             <p:ph idx="1"/>
           </p:nvPr>
-        </p:nvSpPr>
-        <p:spPr/>
-        <p:txBody>
-          <a:bodyPr>
-            <a:normAutofit fontScale="85000" lnSpcReduction="20000"/>
-          </a:bodyPr>
-          <a:lstStyle/>
-          <a:p>
-            <a:r>
-              <a:rPr lang="en-US" dirty="0" smtClean="0"/>
-              <a:t>4 years in US NAVY-  Communications (sending and receiving radio and electronic messages from ships and other navy stations)</a:t>
-            </a:r>
-          </a:p>
-          <a:p>
-            <a:r>
-              <a:rPr lang="en-US" dirty="0" smtClean="0"/>
-              <a:t>One correspondence  computer programming course while in the Navy and hated it</a:t>
-            </a:r>
-          </a:p>
-          <a:p>
-            <a:r>
-              <a:rPr lang="en-US" dirty="0" smtClean="0"/>
-              <a:t>Wanted to be a Medical Lab Tech when I started college at LSUS, spent first year taking chemistry and biology courses</a:t>
-            </a:r>
-          </a:p>
-          <a:p>
-            <a:r>
-              <a:rPr lang="en-US" dirty="0" smtClean="0"/>
-              <a:t>Summer prior to 2</a:t>
-            </a:r>
-            <a:r>
-              <a:rPr lang="en-US" baseline="30000" dirty="0" smtClean="0"/>
-              <a:t>nd</a:t>
-            </a:r>
-            <a:r>
-              <a:rPr lang="en-US" dirty="0" smtClean="0"/>
-              <a:t> year, took a introductory programming course and switched majors to computer science</a:t>
-            </a:r>
-          </a:p>
-          <a:p>
-            <a:r>
-              <a:rPr lang="en-US" dirty="0" smtClean="0"/>
-              <a:t>Started work at S&amp;S part-time my last year in college in 2000, went full-time in January 2001</a:t>
-            </a:r>
-          </a:p>
-          <a:p>
-            <a:endParaRPr lang="en-US" dirty="0"/>
-          </a:p>
-        </p:txBody>
-      </p:sp>
+        </p:nvPicPr>
+        <p:blipFill>
+          <a:blip r:embed="rId2"/>
+          <a:stretch>
+            <a:fillRect/>
+          </a:stretch>
+        </p:blipFill>
+        <p:spPr>
+          <a:xfrm>
+            <a:off x="3826063" y="2227742"/>
+            <a:ext cx="5031766" cy="3297847"/>
+          </a:xfrm>
+        </p:spPr>
+      </p:pic>
     </p:spTree>
   </p:cSld>
   <p:clrMapOvr>
@@ -13070,125 +13630,35 @@
             <a:pPr algn="ctr"/>
             <a:r>
               <a:rPr lang="en-US" dirty="0" smtClean="0"/>
-              <a:t>Computer Science Major</a:t>
+              <a:t>What I really do</a:t>
             </a:r>
             <a:endParaRPr lang="en-US" dirty="0"/>
           </a:p>
         </p:txBody>
       </p:sp>
-      <p:sp>
-        <p:nvSpPr>
-          <p:cNvPr id="3" name="Content Placeholder 2"/>
-          <p:cNvSpPr>
-            <a:spLocks noGrp="1"/>
-          </p:cNvSpPr>
+      <p:pic>
+        <p:nvPicPr>
+          <p:cNvPr id="6" name="Content Placeholder 5" descr="programmerimage9.PNG"/>
+          <p:cNvPicPr>
+            <a:picLocks noGrp="1" noChangeAspect="1"/>
+          </p:cNvPicPr>
           <p:nvPr>
             <p:ph idx="1"/>
           </p:nvPr>
-        </p:nvSpPr>
+        </p:nvPicPr>
+        <p:blipFill>
+          <a:blip r:embed="rId2"/>
+          <a:stretch>
+            <a:fillRect/>
+          </a:stretch>
+        </p:blipFill>
         <p:spPr>
           <a:xfrm>
-            <a:off x="894080" y="1747520"/>
-            <a:ext cx="10153331" cy="4043681"/>
+            <a:off x="3905794" y="1951742"/>
+            <a:ext cx="4236954" cy="3808978"/>
           </a:xfrm>
         </p:spPr>
-        <p:txBody>
-          <a:bodyPr>
-            <a:noAutofit/>
-          </a:bodyPr>
-          <a:lstStyle/>
-          <a:p>
-            <a:r>
-              <a:rPr lang="en-US" sz="1600" dirty="0" smtClean="0"/>
-              <a:t>Lots of Math</a:t>
-            </a:r>
-          </a:p>
-          <a:p>
-            <a:pPr lvl="1"/>
-            <a:r>
-              <a:rPr lang="en-US" sz="1600" dirty="0" smtClean="0"/>
-              <a:t>Algebra</a:t>
-            </a:r>
-          </a:p>
-          <a:p>
-            <a:pPr lvl="1"/>
-            <a:r>
-              <a:rPr lang="en-US" sz="1600" dirty="0" smtClean="0"/>
-              <a:t>Trigonometry</a:t>
-            </a:r>
-          </a:p>
-          <a:p>
-            <a:pPr lvl="1"/>
-            <a:r>
-              <a:rPr lang="en-US" sz="1600" dirty="0" smtClean="0"/>
-              <a:t>2 semesters of Calculus</a:t>
-            </a:r>
-          </a:p>
-          <a:p>
-            <a:pPr lvl="1"/>
-            <a:r>
-              <a:rPr lang="en-US" sz="1600" dirty="0" smtClean="0"/>
-              <a:t>Linear Algebra</a:t>
-            </a:r>
-          </a:p>
-          <a:p>
-            <a:pPr lvl="1"/>
-            <a:r>
-              <a:rPr lang="en-US" sz="1600" dirty="0" smtClean="0"/>
-              <a:t>Statistics</a:t>
-            </a:r>
-          </a:p>
-          <a:p>
-            <a:r>
-              <a:rPr lang="en-US" sz="1600" dirty="0" smtClean="0"/>
-              <a:t>Computer Science Courses</a:t>
-            </a:r>
-          </a:p>
-          <a:p>
-            <a:pPr lvl="1"/>
-            <a:r>
-              <a:rPr lang="en-US" sz="1600" dirty="0" smtClean="0"/>
-              <a:t>Basic Programming</a:t>
-            </a:r>
-          </a:p>
-          <a:p>
-            <a:pPr lvl="1"/>
-            <a:r>
-              <a:rPr lang="en-US" sz="1600" dirty="0" smtClean="0"/>
-              <a:t>Operating Systems</a:t>
-            </a:r>
-          </a:p>
-          <a:p>
-            <a:pPr lvl="1"/>
-            <a:r>
-              <a:rPr lang="en-US" sz="1600" dirty="0" smtClean="0"/>
-              <a:t>Computer Architecture</a:t>
-            </a:r>
-          </a:p>
-          <a:p>
-            <a:pPr lvl="1"/>
-            <a:r>
-              <a:rPr lang="en-US" sz="1600" dirty="0" smtClean="0"/>
-              <a:t>Computer Algorithms</a:t>
-            </a:r>
-          </a:p>
-          <a:p>
-            <a:pPr lvl="1"/>
-            <a:r>
-              <a:rPr lang="en-US" sz="1600" dirty="0" smtClean="0"/>
-              <a:t>Object Oriented Programming</a:t>
-            </a:r>
-          </a:p>
-          <a:p>
-            <a:pPr lvl="1"/>
-            <a:r>
-              <a:rPr lang="en-US" sz="1600" dirty="0" smtClean="0"/>
-              <a:t>Senior Project</a:t>
-            </a:r>
-            <a:endParaRPr lang="en-US" sz="1600" dirty="0"/>
-          </a:p>
-        </p:txBody>
-      </p:sp>
+      </p:pic>
     </p:spTree>
   </p:cSld>
   <p:clrMapOvr>
@@ -13238,7 +13708,7 @@
           <a:p>
             <a:r>
               <a:rPr lang="en-US" dirty="0" smtClean="0"/>
-              <a:t>Entry Level Jobs	</a:t>
+              <a:t>My background</a:t>
             </a:r>
             <a:endParaRPr lang="en-US" dirty="0"/>
           </a:p>
@@ -13256,46 +13726,49 @@
         </p:nvSpPr>
         <p:spPr/>
         <p:txBody>
-          <a:bodyPr/>
+          <a:bodyPr>
+            <a:normAutofit fontScale="85000" lnSpcReduction="20000"/>
+          </a:bodyPr>
           <a:lstStyle/>
           <a:p>
             <a:r>
               <a:rPr lang="en-US" dirty="0" smtClean="0"/>
-              <a:t>4 year CS degree is helpful but not required:</a:t>
+              <a:t>4 years in US NAVY-  Communications (sending and receiving radio and electronic messages from ships and other navy stations)</a:t>
             </a:r>
           </a:p>
           <a:p>
-            <a:pPr lvl="1"/>
             <a:r>
               <a:rPr lang="en-US" dirty="0" smtClean="0"/>
-              <a:t>Associates Degree</a:t>
+              <a:t>One correspondence  computer programming course while in the Navy and hated it</a:t>
             </a:r>
           </a:p>
           <a:p>
-            <a:pPr lvl="1"/>
             <a:r>
               <a:rPr lang="en-US" dirty="0" smtClean="0"/>
-              <a:t>Technical Training</a:t>
+              <a:t>Wanted to be a Medical Lab Tech when I started college at LSUS, spent first year taking chemistry and biology courses</a:t>
             </a:r>
           </a:p>
           <a:p>
-            <a:pPr lvl="1"/>
             <a:r>
               <a:rPr lang="en-US" dirty="0" smtClean="0"/>
-              <a:t>On-the-job training like the military</a:t>
+              <a:t>Summer prior to 2</a:t>
             </a:r>
-          </a:p>
-          <a:p>
+            <a:r>
+              <a:rPr lang="en-US" baseline="30000" dirty="0" smtClean="0"/>
+              <a:t>nd</a:t>
+            </a:r>
             <a:r>
               <a:rPr lang="en-US" dirty="0" smtClean="0"/>
-              <a:t>One of the highest starting salaries in United States</a:t>
+              <a:t> year, took a introductory programming course and switched majors to computer science</a:t>
             </a:r>
           </a:p>
           <a:p>
             <a:r>
               <a:rPr lang="en-US" dirty="0" smtClean="0"/>
-              <a:t>Plenty of opportunities all across the US</a:t>
+              <a:t>Started work at S&amp;S part-time my last year in college in 2000, went full-time in January 2001</a:t>
             </a:r>
+          </a:p>
+          <a:p>
             <a:endParaRPr lang="en-US" dirty="0"/>
           </a:p>
         </p:txBody>
@@ -13308,7 +13781,605 @@
   <p:timing>
     <p:tnLst>
       <p:par>
-        <p:cTn id="1" dur="indefinite" restart="never" nodeType="tmRoot"/>
+        <p:cTn id="1" dur="indefinite" restart="never" nodeType="tmRoot">
+          <p:childTnLst>
+            <p:seq concurrent="1" nextAc="seek">
+              <p:cTn id="2" dur="indefinite" nodeType="mainSeq">
+                <p:childTnLst>
+                  <p:par>
+                    <p:cTn id="3" fill="hold">
+                      <p:stCondLst>
+                        <p:cond delay="indefinite"/>
+                      </p:stCondLst>
+                      <p:childTnLst>
+                        <p:par>
+                          <p:cTn id="4" fill="hold">
+                            <p:stCondLst>
+                              <p:cond delay="0"/>
+                            </p:stCondLst>
+                            <p:childTnLst>
+                              <p:par>
+                                <p:cTn id="5" presetID="42" presetClass="entr" presetSubtype="0" fill="hold" nodeType="clickEffect">
+                                  <p:stCondLst>
+                                    <p:cond delay="0"/>
+                                  </p:stCondLst>
+                                  <p:childTnLst>
+                                    <p:set>
+                                      <p:cBhvr>
+                                        <p:cTn id="6" dur="1" fill="hold">
+                                          <p:stCondLst>
+                                            <p:cond delay="0"/>
+                                          </p:stCondLst>
+                                        </p:cTn>
+                                        <p:tgtEl>
+                                          <p:spTgt spid="3">
+                                            <p:txEl>
+                                              <p:pRg st="0" end="0"/>
+                                            </p:txEl>
+                                          </p:spTgt>
+                                        </p:tgtEl>
+                                        <p:attrNameLst>
+                                          <p:attrName>style.visibility</p:attrName>
+                                        </p:attrNameLst>
+                                      </p:cBhvr>
+                                      <p:to>
+                                        <p:strVal val="visible"/>
+                                      </p:to>
+                                    </p:set>
+                                    <p:animEffect transition="in" filter="fade">
+                                      <p:cBhvr>
+                                        <p:cTn id="7" dur="1000"/>
+                                        <p:tgtEl>
+                                          <p:spTgt spid="3">
+                                            <p:txEl>
+                                              <p:pRg st="0" end="0"/>
+                                            </p:txEl>
+                                          </p:spTgt>
+                                        </p:tgtEl>
+                                      </p:cBhvr>
+                                    </p:animEffect>
+                                    <p:anim calcmode="lin" valueType="num">
+                                      <p:cBhvr>
+                                        <p:cTn id="8" dur="1000" fill="hold"/>
+                                        <p:tgtEl>
+                                          <p:spTgt spid="3">
+                                            <p:txEl>
+                                              <p:pRg st="0" end="0"/>
+                                            </p:txEl>
+                                          </p:spTgt>
+                                        </p:tgtEl>
+                                        <p:attrNameLst>
+                                          <p:attrName>ppt_x</p:attrName>
+                                        </p:attrNameLst>
+                                      </p:cBhvr>
+                                      <p:tavLst>
+                                        <p:tav tm="0">
+                                          <p:val>
+                                            <p:strVal val="#ppt_x"/>
+                                          </p:val>
+                                        </p:tav>
+                                        <p:tav tm="100000">
+                                          <p:val>
+                                            <p:strVal val="#ppt_x"/>
+                                          </p:val>
+                                        </p:tav>
+                                      </p:tavLst>
+                                    </p:anim>
+                                    <p:anim calcmode="lin" valueType="num">
+                                      <p:cBhvr>
+                                        <p:cTn id="9" dur="1000" fill="hold"/>
+                                        <p:tgtEl>
+                                          <p:spTgt spid="3">
+                                            <p:txEl>
+                                              <p:pRg st="0" end="0"/>
+                                            </p:txEl>
+                                          </p:spTgt>
+                                        </p:tgtEl>
+                                        <p:attrNameLst>
+                                          <p:attrName>ppt_y</p:attrName>
+                                        </p:attrNameLst>
+                                      </p:cBhvr>
+                                      <p:tavLst>
+                                        <p:tav tm="0">
+                                          <p:val>
+                                            <p:strVal val="#ppt_y+.1"/>
+                                          </p:val>
+                                        </p:tav>
+                                        <p:tav tm="100000">
+                                          <p:val>
+                                            <p:strVal val="#ppt_y"/>
+                                          </p:val>
+                                        </p:tav>
+                                      </p:tavLst>
+                                    </p:anim>
+                                  </p:childTnLst>
+                                </p:cTn>
+                              </p:par>
+                            </p:childTnLst>
+                          </p:cTn>
+                        </p:par>
+                      </p:childTnLst>
+                    </p:cTn>
+                  </p:par>
+                  <p:par>
+                    <p:cTn id="10" fill="hold">
+                      <p:stCondLst>
+                        <p:cond delay="indefinite"/>
+                      </p:stCondLst>
+                      <p:childTnLst>
+                        <p:par>
+                          <p:cTn id="11" fill="hold">
+                            <p:stCondLst>
+                              <p:cond delay="0"/>
+                            </p:stCondLst>
+                            <p:childTnLst>
+                              <p:par>
+                                <p:cTn id="12" presetID="42" presetClass="entr" presetSubtype="0" fill="hold" nodeType="clickEffect">
+                                  <p:stCondLst>
+                                    <p:cond delay="0"/>
+                                  </p:stCondLst>
+                                  <p:childTnLst>
+                                    <p:set>
+                                      <p:cBhvr>
+                                        <p:cTn id="13" dur="1" fill="hold">
+                                          <p:stCondLst>
+                                            <p:cond delay="0"/>
+                                          </p:stCondLst>
+                                        </p:cTn>
+                                        <p:tgtEl>
+                                          <p:spTgt spid="3">
+                                            <p:txEl>
+                                              <p:pRg st="1" end="1"/>
+                                            </p:txEl>
+                                          </p:spTgt>
+                                        </p:tgtEl>
+                                        <p:attrNameLst>
+                                          <p:attrName>style.visibility</p:attrName>
+                                        </p:attrNameLst>
+                                      </p:cBhvr>
+                                      <p:to>
+                                        <p:strVal val="visible"/>
+                                      </p:to>
+                                    </p:set>
+                                    <p:animEffect transition="in" filter="fade">
+                                      <p:cBhvr>
+                                        <p:cTn id="14" dur="1000"/>
+                                        <p:tgtEl>
+                                          <p:spTgt spid="3">
+                                            <p:txEl>
+                                              <p:pRg st="1" end="1"/>
+                                            </p:txEl>
+                                          </p:spTgt>
+                                        </p:tgtEl>
+                                      </p:cBhvr>
+                                    </p:animEffect>
+                                    <p:anim calcmode="lin" valueType="num">
+                                      <p:cBhvr>
+                                        <p:cTn id="15" dur="1000" fill="hold"/>
+                                        <p:tgtEl>
+                                          <p:spTgt spid="3">
+                                            <p:txEl>
+                                              <p:pRg st="1" end="1"/>
+                                            </p:txEl>
+                                          </p:spTgt>
+                                        </p:tgtEl>
+                                        <p:attrNameLst>
+                                          <p:attrName>ppt_x</p:attrName>
+                                        </p:attrNameLst>
+                                      </p:cBhvr>
+                                      <p:tavLst>
+                                        <p:tav tm="0">
+                                          <p:val>
+                                            <p:strVal val="#ppt_x"/>
+                                          </p:val>
+                                        </p:tav>
+                                        <p:tav tm="100000">
+                                          <p:val>
+                                            <p:strVal val="#ppt_x"/>
+                                          </p:val>
+                                        </p:tav>
+                                      </p:tavLst>
+                                    </p:anim>
+                                    <p:anim calcmode="lin" valueType="num">
+                                      <p:cBhvr>
+                                        <p:cTn id="16" dur="1000" fill="hold"/>
+                                        <p:tgtEl>
+                                          <p:spTgt spid="3">
+                                            <p:txEl>
+                                              <p:pRg st="1" end="1"/>
+                                            </p:txEl>
+                                          </p:spTgt>
+                                        </p:tgtEl>
+                                        <p:attrNameLst>
+                                          <p:attrName>ppt_y</p:attrName>
+                                        </p:attrNameLst>
+                                      </p:cBhvr>
+                                      <p:tavLst>
+                                        <p:tav tm="0">
+                                          <p:val>
+                                            <p:strVal val="#ppt_y+.1"/>
+                                          </p:val>
+                                        </p:tav>
+                                        <p:tav tm="100000">
+                                          <p:val>
+                                            <p:strVal val="#ppt_y"/>
+                                          </p:val>
+                                        </p:tav>
+                                      </p:tavLst>
+                                    </p:anim>
+                                  </p:childTnLst>
+                                </p:cTn>
+                              </p:par>
+                            </p:childTnLst>
+                          </p:cTn>
+                        </p:par>
+                      </p:childTnLst>
+                    </p:cTn>
+                  </p:par>
+                  <p:par>
+                    <p:cTn id="17" fill="hold">
+                      <p:stCondLst>
+                        <p:cond delay="indefinite"/>
+                      </p:stCondLst>
+                      <p:childTnLst>
+                        <p:par>
+                          <p:cTn id="18" fill="hold">
+                            <p:stCondLst>
+                              <p:cond delay="0"/>
+                            </p:stCondLst>
+                            <p:childTnLst>
+                              <p:par>
+                                <p:cTn id="19" presetID="42" presetClass="entr" presetSubtype="0" fill="hold" nodeType="clickEffect">
+                                  <p:stCondLst>
+                                    <p:cond delay="0"/>
+                                  </p:stCondLst>
+                                  <p:childTnLst>
+                                    <p:set>
+                                      <p:cBhvr>
+                                        <p:cTn id="20" dur="1" fill="hold">
+                                          <p:stCondLst>
+                                            <p:cond delay="0"/>
+                                          </p:stCondLst>
+                                        </p:cTn>
+                                        <p:tgtEl>
+                                          <p:spTgt spid="3">
+                                            <p:txEl>
+                                              <p:pRg st="2" end="2"/>
+                                            </p:txEl>
+                                          </p:spTgt>
+                                        </p:tgtEl>
+                                        <p:attrNameLst>
+                                          <p:attrName>style.visibility</p:attrName>
+                                        </p:attrNameLst>
+                                      </p:cBhvr>
+                                      <p:to>
+                                        <p:strVal val="visible"/>
+                                      </p:to>
+                                    </p:set>
+                                    <p:animEffect transition="in" filter="fade">
+                                      <p:cBhvr>
+                                        <p:cTn id="21" dur="1000"/>
+                                        <p:tgtEl>
+                                          <p:spTgt spid="3">
+                                            <p:txEl>
+                                              <p:pRg st="2" end="2"/>
+                                            </p:txEl>
+                                          </p:spTgt>
+                                        </p:tgtEl>
+                                      </p:cBhvr>
+                                    </p:animEffect>
+                                    <p:anim calcmode="lin" valueType="num">
+                                      <p:cBhvr>
+                                        <p:cTn id="22" dur="1000" fill="hold"/>
+                                        <p:tgtEl>
+                                          <p:spTgt spid="3">
+                                            <p:txEl>
+                                              <p:pRg st="2" end="2"/>
+                                            </p:txEl>
+                                          </p:spTgt>
+                                        </p:tgtEl>
+                                        <p:attrNameLst>
+                                          <p:attrName>ppt_x</p:attrName>
+                                        </p:attrNameLst>
+                                      </p:cBhvr>
+                                      <p:tavLst>
+                                        <p:tav tm="0">
+                                          <p:val>
+                                            <p:strVal val="#ppt_x"/>
+                                          </p:val>
+                                        </p:tav>
+                                        <p:tav tm="100000">
+                                          <p:val>
+                                            <p:strVal val="#ppt_x"/>
+                                          </p:val>
+                                        </p:tav>
+                                      </p:tavLst>
+                                    </p:anim>
+                                    <p:anim calcmode="lin" valueType="num">
+                                      <p:cBhvr>
+                                        <p:cTn id="23" dur="1000" fill="hold"/>
+                                        <p:tgtEl>
+                                          <p:spTgt spid="3">
+                                            <p:txEl>
+                                              <p:pRg st="2" end="2"/>
+                                            </p:txEl>
+                                          </p:spTgt>
+                                        </p:tgtEl>
+                                        <p:attrNameLst>
+                                          <p:attrName>ppt_y</p:attrName>
+                                        </p:attrNameLst>
+                                      </p:cBhvr>
+                                      <p:tavLst>
+                                        <p:tav tm="0">
+                                          <p:val>
+                                            <p:strVal val="#ppt_y+.1"/>
+                                          </p:val>
+                                        </p:tav>
+                                        <p:tav tm="100000">
+                                          <p:val>
+                                            <p:strVal val="#ppt_y"/>
+                                          </p:val>
+                                        </p:tav>
+                                      </p:tavLst>
+                                    </p:anim>
+                                  </p:childTnLst>
+                                </p:cTn>
+                              </p:par>
+                            </p:childTnLst>
+                          </p:cTn>
+                        </p:par>
+                      </p:childTnLst>
+                    </p:cTn>
+                  </p:par>
+                  <p:par>
+                    <p:cTn id="24" fill="hold">
+                      <p:stCondLst>
+                        <p:cond delay="indefinite"/>
+                      </p:stCondLst>
+                      <p:childTnLst>
+                        <p:par>
+                          <p:cTn id="25" fill="hold">
+                            <p:stCondLst>
+                              <p:cond delay="0"/>
+                            </p:stCondLst>
+                            <p:childTnLst>
+                              <p:par>
+                                <p:cTn id="26" presetID="42" presetClass="entr" presetSubtype="0" fill="hold" nodeType="clickEffect">
+                                  <p:stCondLst>
+                                    <p:cond delay="0"/>
+                                  </p:stCondLst>
+                                  <p:childTnLst>
+                                    <p:set>
+                                      <p:cBhvr>
+                                        <p:cTn id="27" dur="1" fill="hold">
+                                          <p:stCondLst>
+                                            <p:cond delay="0"/>
+                                          </p:stCondLst>
+                                        </p:cTn>
+                                        <p:tgtEl>
+                                          <p:spTgt spid="3">
+                                            <p:txEl>
+                                              <p:pRg st="3" end="3"/>
+                                            </p:txEl>
+                                          </p:spTgt>
+                                        </p:tgtEl>
+                                        <p:attrNameLst>
+                                          <p:attrName>style.visibility</p:attrName>
+                                        </p:attrNameLst>
+                                      </p:cBhvr>
+                                      <p:to>
+                                        <p:strVal val="visible"/>
+                                      </p:to>
+                                    </p:set>
+                                    <p:animEffect transition="in" filter="fade">
+                                      <p:cBhvr>
+                                        <p:cTn id="28" dur="1000"/>
+                                        <p:tgtEl>
+                                          <p:spTgt spid="3">
+                                            <p:txEl>
+                                              <p:pRg st="3" end="3"/>
+                                            </p:txEl>
+                                          </p:spTgt>
+                                        </p:tgtEl>
+                                      </p:cBhvr>
+                                    </p:animEffect>
+                                    <p:anim calcmode="lin" valueType="num">
+                                      <p:cBhvr>
+                                        <p:cTn id="29" dur="1000" fill="hold"/>
+                                        <p:tgtEl>
+                                          <p:spTgt spid="3">
+                                            <p:txEl>
+                                              <p:pRg st="3" end="3"/>
+                                            </p:txEl>
+                                          </p:spTgt>
+                                        </p:tgtEl>
+                                        <p:attrNameLst>
+                                          <p:attrName>ppt_x</p:attrName>
+                                        </p:attrNameLst>
+                                      </p:cBhvr>
+                                      <p:tavLst>
+                                        <p:tav tm="0">
+                                          <p:val>
+                                            <p:strVal val="#ppt_x"/>
+                                          </p:val>
+                                        </p:tav>
+                                        <p:tav tm="100000">
+                                          <p:val>
+                                            <p:strVal val="#ppt_x"/>
+                                          </p:val>
+                                        </p:tav>
+                                      </p:tavLst>
+                                    </p:anim>
+                                    <p:anim calcmode="lin" valueType="num">
+                                      <p:cBhvr>
+                                        <p:cTn id="30" dur="1000" fill="hold"/>
+                                        <p:tgtEl>
+                                          <p:spTgt spid="3">
+                                            <p:txEl>
+                                              <p:pRg st="3" end="3"/>
+                                            </p:txEl>
+                                          </p:spTgt>
+                                        </p:tgtEl>
+                                        <p:attrNameLst>
+                                          <p:attrName>ppt_y</p:attrName>
+                                        </p:attrNameLst>
+                                      </p:cBhvr>
+                                      <p:tavLst>
+                                        <p:tav tm="0">
+                                          <p:val>
+                                            <p:strVal val="#ppt_y+.1"/>
+                                          </p:val>
+                                        </p:tav>
+                                        <p:tav tm="100000">
+                                          <p:val>
+                                            <p:strVal val="#ppt_y"/>
+                                          </p:val>
+                                        </p:tav>
+                                      </p:tavLst>
+                                    </p:anim>
+                                  </p:childTnLst>
+                                </p:cTn>
+                              </p:par>
+                            </p:childTnLst>
+                          </p:cTn>
+                        </p:par>
+                      </p:childTnLst>
+                    </p:cTn>
+                  </p:par>
+                  <p:par>
+                    <p:cTn id="31" fill="hold">
+                      <p:stCondLst>
+                        <p:cond delay="indefinite"/>
+                      </p:stCondLst>
+                      <p:childTnLst>
+                        <p:par>
+                          <p:cTn id="32" fill="hold">
+                            <p:stCondLst>
+                              <p:cond delay="0"/>
+                            </p:stCondLst>
+                            <p:childTnLst>
+                              <p:par>
+                                <p:cTn id="33" presetID="42" presetClass="entr" presetSubtype="0" fill="hold" nodeType="clickEffect">
+                                  <p:stCondLst>
+                                    <p:cond delay="0"/>
+                                  </p:stCondLst>
+                                  <p:childTnLst>
+                                    <p:set>
+                                      <p:cBhvr>
+                                        <p:cTn id="34" dur="1" fill="hold">
+                                          <p:stCondLst>
+                                            <p:cond delay="0"/>
+                                          </p:stCondLst>
+                                        </p:cTn>
+                                        <p:tgtEl>
+                                          <p:spTgt spid="3">
+                                            <p:txEl>
+                                              <p:pRg st="4" end="4"/>
+                                            </p:txEl>
+                                          </p:spTgt>
+                                        </p:tgtEl>
+                                        <p:attrNameLst>
+                                          <p:attrName>style.visibility</p:attrName>
+                                        </p:attrNameLst>
+                                      </p:cBhvr>
+                                      <p:to>
+                                        <p:strVal val="visible"/>
+                                      </p:to>
+                                    </p:set>
+                                    <p:animEffect transition="in" filter="fade">
+                                      <p:cBhvr>
+                                        <p:cTn id="35" dur="1000"/>
+                                        <p:tgtEl>
+                                          <p:spTgt spid="3">
+                                            <p:txEl>
+                                              <p:pRg st="4" end="4"/>
+                                            </p:txEl>
+                                          </p:spTgt>
+                                        </p:tgtEl>
+                                      </p:cBhvr>
+                                    </p:animEffect>
+                                    <p:anim calcmode="lin" valueType="num">
+                                      <p:cBhvr>
+                                        <p:cTn id="36" dur="1000" fill="hold"/>
+                                        <p:tgtEl>
+                                          <p:spTgt spid="3">
+                                            <p:txEl>
+                                              <p:pRg st="4" end="4"/>
+                                            </p:txEl>
+                                          </p:spTgt>
+                                        </p:tgtEl>
+                                        <p:attrNameLst>
+                                          <p:attrName>ppt_x</p:attrName>
+                                        </p:attrNameLst>
+                                      </p:cBhvr>
+                                      <p:tavLst>
+                                        <p:tav tm="0">
+                                          <p:val>
+                                            <p:strVal val="#ppt_x"/>
+                                          </p:val>
+                                        </p:tav>
+                                        <p:tav tm="100000">
+                                          <p:val>
+                                            <p:strVal val="#ppt_x"/>
+                                          </p:val>
+                                        </p:tav>
+                                      </p:tavLst>
+                                    </p:anim>
+                                    <p:anim calcmode="lin" valueType="num">
+                                      <p:cBhvr>
+                                        <p:cTn id="37" dur="1000" fill="hold"/>
+                                        <p:tgtEl>
+                                          <p:spTgt spid="3">
+                                            <p:txEl>
+                                              <p:pRg st="4" end="4"/>
+                                            </p:txEl>
+                                          </p:spTgt>
+                                        </p:tgtEl>
+                                        <p:attrNameLst>
+                                          <p:attrName>ppt_y</p:attrName>
+                                        </p:attrNameLst>
+                                      </p:cBhvr>
+                                      <p:tavLst>
+                                        <p:tav tm="0">
+                                          <p:val>
+                                            <p:strVal val="#ppt_y+.1"/>
+                                          </p:val>
+                                        </p:tav>
+                                        <p:tav tm="100000">
+                                          <p:val>
+                                            <p:strVal val="#ppt_y"/>
+                                          </p:val>
+                                        </p:tav>
+                                      </p:tavLst>
+                                    </p:anim>
+                                  </p:childTnLst>
+                                </p:cTn>
+                              </p:par>
+                            </p:childTnLst>
+                          </p:cTn>
+                        </p:par>
+                      </p:childTnLst>
+                    </p:cTn>
+                  </p:par>
+                </p:childTnLst>
+              </p:cTn>
+              <p:prevCondLst>
+                <p:cond evt="onPrev" delay="0">
+                  <p:tgtEl>
+                    <p:sldTgt/>
+                  </p:tgtEl>
+                </p:cond>
+              </p:prevCondLst>
+              <p:nextCondLst>
+                <p:cond evt="onNext" delay="0">
+                  <p:tgtEl>
+                    <p:sldTgt/>
+                  </p:tgtEl>
+                </p:cond>
+              </p:nextCondLst>
+            </p:seq>
+          </p:childTnLst>
+        </p:cTn>
       </p:par>
     </p:tnLst>
   </p:timing>
@@ -13344,16 +14415,15 @@
         </p:nvSpPr>
         <p:spPr/>
         <p:txBody>
-          <a:bodyPr>
-            <a:normAutofit/>
-          </a:bodyPr>
+          <a:bodyPr/>
           <a:lstStyle/>
           <a:p>
+            <a:pPr algn="ctr"/>
             <a:r>
-              <a:rPr lang="en-US" sz="3200" dirty="0" smtClean="0"/>
-              <a:t>Type of Jobs in Software Development</a:t>
+              <a:rPr lang="en-US" dirty="0" smtClean="0"/>
+              <a:t>Computer Science Major</a:t>
             </a:r>
-            <a:endParaRPr lang="en-US" sz="3200" dirty="0"/>
+            <a:endParaRPr lang="en-US" dirty="0"/>
           </a:p>
         </p:txBody>
       </p:sp>
@@ -13367,78 +14437,106 @@
             <p:ph idx="1"/>
           </p:nvPr>
         </p:nvSpPr>
-        <p:spPr/>
+        <p:spPr>
+          <a:xfrm>
+            <a:off x="894080" y="1747520"/>
+            <a:ext cx="10153331" cy="4043681"/>
+          </a:xfrm>
+        </p:spPr>
         <p:txBody>
           <a:bodyPr>
-            <a:normAutofit/>
+            <a:noAutofit/>
           </a:bodyPr>
           <a:lstStyle/>
           <a:p>
             <a:r>
-              <a:rPr lang="en-US" dirty="0" smtClean="0"/>
-              <a:t>Web Programming</a:t>
+              <a:rPr lang="en-US" sz="1600" dirty="0" smtClean="0"/>
+              <a:t>Lots of Math</a:t>
             </a:r>
           </a:p>
           <a:p>
             <a:pPr lvl="1"/>
             <a:r>
-              <a:rPr lang="en-US" dirty="0" smtClean="0"/>
-              <a:t>Web Sites-  cnn.com, yahoo.com</a:t>
+              <a:rPr lang="en-US" sz="1600" dirty="0" smtClean="0"/>
+              <a:t>Algebra</a:t>
             </a:r>
           </a:p>
           <a:p>
             <a:pPr lvl="1"/>
             <a:r>
-              <a:rPr lang="en-US" dirty="0" smtClean="0"/>
-              <a:t>Web Apps-  </a:t>
-            </a:r>
-            <a:r>
-              <a:rPr lang="en-US" dirty="0" err="1" smtClean="0"/>
-              <a:t>gmail</a:t>
-            </a:r>
-            <a:r>
-              <a:rPr lang="en-US" dirty="0" smtClean="0"/>
-              <a:t>, </a:t>
-            </a:r>
-            <a:r>
-              <a:rPr lang="en-US" dirty="0" err="1" smtClean="0"/>
-              <a:t>google</a:t>
-            </a:r>
-            <a:r>
-              <a:rPr lang="en-US" dirty="0" smtClean="0"/>
-              <a:t> spreadsheets</a:t>
-            </a:r>
-          </a:p>
-          <a:p>
-            <a:r>
-              <a:rPr lang="en-US" dirty="0" smtClean="0"/>
-              <a:t>Windows Desktop programming</a:t>
+              <a:rPr lang="en-US" sz="1600" dirty="0" smtClean="0"/>
+              <a:t>Trigonometry</a:t>
             </a:r>
           </a:p>
           <a:p>
             <a:pPr lvl="1"/>
             <a:r>
-              <a:rPr lang="en-US" dirty="0" smtClean="0"/>
-              <a:t>Apps that run on windows</a:t>
+              <a:rPr lang="en-US" sz="1600" dirty="0" smtClean="0"/>
+              <a:t>2 semesters of Calculus</a:t>
             </a:r>
           </a:p>
           <a:p>
             <a:pPr lvl="1"/>
             <a:r>
-              <a:rPr lang="en-US" dirty="0" smtClean="0"/>
-              <a:t>.NET -  </a:t>
+              <a:rPr lang="en-US" sz="1600" dirty="0" smtClean="0"/>
+              <a:t>Linear Algebra</a:t>
             </a:r>
+          </a:p>
+          <a:p>
+            <a:pPr lvl="1"/>
             <a:r>
-              <a:rPr lang="en-US" dirty="0" err="1" smtClean="0"/>
-              <a:t>vb</a:t>
+              <a:rPr lang="en-US" sz="1600" dirty="0" smtClean="0"/>
+              <a:t>Statistics</a:t>
             </a:r>
+          </a:p>
+          <a:p>
             <a:r>
-              <a:rPr lang="en-US" dirty="0" smtClean="0"/>
-              <a:t>, C#</a:t>
+              <a:rPr lang="en-US" sz="1600" dirty="0" smtClean="0"/>
+              <a:t>Computer Science Courses</a:t>
             </a:r>
           </a:p>
           <a:p>
-            <a:endParaRPr lang="en-US" dirty="0"/>
+            <a:pPr lvl="1"/>
+            <a:r>
+              <a:rPr lang="en-US" sz="1600" dirty="0" smtClean="0"/>
+              <a:t>Basic Programming</a:t>
+            </a:r>
+          </a:p>
+          <a:p>
+            <a:pPr lvl="1"/>
+            <a:r>
+              <a:rPr lang="en-US" sz="1600" dirty="0" smtClean="0"/>
+              <a:t>Operating Systems</a:t>
+            </a:r>
+          </a:p>
+          <a:p>
+            <a:pPr lvl="1"/>
+            <a:r>
+              <a:rPr lang="en-US" sz="1600" dirty="0" smtClean="0"/>
+              <a:t>Computer Architecture</a:t>
+            </a:r>
+          </a:p>
+          <a:p>
+            <a:pPr lvl="1"/>
+            <a:r>
+              <a:rPr lang="en-US" sz="1600" dirty="0" smtClean="0"/>
+              <a:t>Computer Algorithms</a:t>
+            </a:r>
+          </a:p>
+          <a:p>
+            <a:pPr lvl="1"/>
+            <a:r>
+              <a:rPr lang="en-US" sz="1600" dirty="0" smtClean="0"/>
+              <a:t>Object Oriented Programming</a:t>
+            </a:r>
+          </a:p>
+          <a:p>
+            <a:pPr lvl="1"/>
+            <a:r>
+              <a:rPr lang="en-US" sz="1600" dirty="0" smtClean="0"/>
+              <a:t>Senior Project</a:t>
+            </a:r>
+            <a:endParaRPr lang="en-US" sz="1600" dirty="0"/>
           </a:p>
         </p:txBody>
       </p:sp>
@@ -13450,648 +14548,7 @@
   <p:timing>
     <p:tnLst>
       <p:par>
-        <p:cTn id="1" dur="indefinite" restart="never" nodeType="tmRoot">
-          <p:childTnLst>
-            <p:seq concurrent="1" nextAc="seek">
-              <p:cTn id="2" dur="indefinite" nodeType="mainSeq">
-                <p:childTnLst>
-                  <p:par>
-                    <p:cTn id="3" fill="hold">
-                      <p:stCondLst>
-                        <p:cond delay="indefinite"/>
-                      </p:stCondLst>
-                      <p:childTnLst>
-                        <p:par>
-                          <p:cTn id="4" fill="hold">
-                            <p:stCondLst>
-                              <p:cond delay="0"/>
-                            </p:stCondLst>
-                            <p:childTnLst>
-                              <p:par>
-                                <p:cTn id="5" presetID="42" presetClass="entr" presetSubtype="0" fill="hold" nodeType="clickEffect">
-                                  <p:stCondLst>
-                                    <p:cond delay="0"/>
-                                  </p:stCondLst>
-                                  <p:childTnLst>
-                                    <p:set>
-                                      <p:cBhvr>
-                                        <p:cTn id="6" dur="1" fill="hold">
-                                          <p:stCondLst>
-                                            <p:cond delay="0"/>
-                                          </p:stCondLst>
-                                        </p:cTn>
-                                        <p:tgtEl>
-                                          <p:spTgt spid="3">
-                                            <p:txEl>
-                                              <p:pRg st="0" end="0"/>
-                                            </p:txEl>
-                                          </p:spTgt>
-                                        </p:tgtEl>
-                                        <p:attrNameLst>
-                                          <p:attrName>style.visibility</p:attrName>
-                                        </p:attrNameLst>
-                                      </p:cBhvr>
-                                      <p:to>
-                                        <p:strVal val="visible"/>
-                                      </p:to>
-                                    </p:set>
-                                    <p:animEffect transition="in" filter="fade">
-                                      <p:cBhvr>
-                                        <p:cTn id="7" dur="1000"/>
-                                        <p:tgtEl>
-                                          <p:spTgt spid="3">
-                                            <p:txEl>
-                                              <p:pRg st="0" end="0"/>
-                                            </p:txEl>
-                                          </p:spTgt>
-                                        </p:tgtEl>
-                                      </p:cBhvr>
-                                    </p:animEffect>
-                                    <p:anim calcmode="lin" valueType="num">
-                                      <p:cBhvr>
-                                        <p:cTn id="8" dur="1000" fill="hold"/>
-                                        <p:tgtEl>
-                                          <p:spTgt spid="3">
-                                            <p:txEl>
-                                              <p:pRg st="0" end="0"/>
-                                            </p:txEl>
-                                          </p:spTgt>
-                                        </p:tgtEl>
-                                        <p:attrNameLst>
-                                          <p:attrName>ppt_x</p:attrName>
-                                        </p:attrNameLst>
-                                      </p:cBhvr>
-                                      <p:tavLst>
-                                        <p:tav tm="0">
-                                          <p:val>
-                                            <p:strVal val="#ppt_x"/>
-                                          </p:val>
-                                        </p:tav>
-                                        <p:tav tm="100000">
-                                          <p:val>
-                                            <p:strVal val="#ppt_x"/>
-                                          </p:val>
-                                        </p:tav>
-                                      </p:tavLst>
-                                    </p:anim>
-                                    <p:anim calcmode="lin" valueType="num">
-                                      <p:cBhvr>
-                                        <p:cTn id="9" dur="1000" fill="hold"/>
-                                        <p:tgtEl>
-                                          <p:spTgt spid="3">
-                                            <p:txEl>
-                                              <p:pRg st="0" end="0"/>
-                                            </p:txEl>
-                                          </p:spTgt>
-                                        </p:tgtEl>
-                                        <p:attrNameLst>
-                                          <p:attrName>ppt_y</p:attrName>
-                                        </p:attrNameLst>
-                                      </p:cBhvr>
-                                      <p:tavLst>
-                                        <p:tav tm="0">
-                                          <p:val>
-                                            <p:strVal val="#ppt_y+.1"/>
-                                          </p:val>
-                                        </p:tav>
-                                        <p:tav tm="100000">
-                                          <p:val>
-                                            <p:strVal val="#ppt_y"/>
-                                          </p:val>
-                                        </p:tav>
-                                      </p:tavLst>
-                                    </p:anim>
-                                  </p:childTnLst>
-                                </p:cTn>
-                              </p:par>
-                              <p:par>
-                                <p:cTn id="10" presetID="42" presetClass="entr" presetSubtype="0" fill="hold" nodeType="withEffect">
-                                  <p:stCondLst>
-                                    <p:cond delay="0"/>
-                                  </p:stCondLst>
-                                  <p:childTnLst>
-                                    <p:set>
-                                      <p:cBhvr>
-                                        <p:cTn id="11" dur="1" fill="hold">
-                                          <p:stCondLst>
-                                            <p:cond delay="0"/>
-                                          </p:stCondLst>
-                                        </p:cTn>
-                                        <p:tgtEl>
-                                          <p:spTgt spid="3">
-                                            <p:txEl>
-                                              <p:pRg st="1" end="1"/>
-                                            </p:txEl>
-                                          </p:spTgt>
-                                        </p:tgtEl>
-                                        <p:attrNameLst>
-                                          <p:attrName>style.visibility</p:attrName>
-                                        </p:attrNameLst>
-                                      </p:cBhvr>
-                                      <p:to>
-                                        <p:strVal val="visible"/>
-                                      </p:to>
-                                    </p:set>
-                                    <p:animEffect transition="in" filter="fade">
-                                      <p:cBhvr>
-                                        <p:cTn id="12" dur="1000"/>
-                                        <p:tgtEl>
-                                          <p:spTgt spid="3">
-                                            <p:txEl>
-                                              <p:pRg st="1" end="1"/>
-                                            </p:txEl>
-                                          </p:spTgt>
-                                        </p:tgtEl>
-                                      </p:cBhvr>
-                                    </p:animEffect>
-                                    <p:anim calcmode="lin" valueType="num">
-                                      <p:cBhvr>
-                                        <p:cTn id="13" dur="1000" fill="hold"/>
-                                        <p:tgtEl>
-                                          <p:spTgt spid="3">
-                                            <p:txEl>
-                                              <p:pRg st="1" end="1"/>
-                                            </p:txEl>
-                                          </p:spTgt>
-                                        </p:tgtEl>
-                                        <p:attrNameLst>
-                                          <p:attrName>ppt_x</p:attrName>
-                                        </p:attrNameLst>
-                                      </p:cBhvr>
-                                      <p:tavLst>
-                                        <p:tav tm="0">
-                                          <p:val>
-                                            <p:strVal val="#ppt_x"/>
-                                          </p:val>
-                                        </p:tav>
-                                        <p:tav tm="100000">
-                                          <p:val>
-                                            <p:strVal val="#ppt_x"/>
-                                          </p:val>
-                                        </p:tav>
-                                      </p:tavLst>
-                                    </p:anim>
-                                    <p:anim calcmode="lin" valueType="num">
-                                      <p:cBhvr>
-                                        <p:cTn id="14" dur="1000" fill="hold"/>
-                                        <p:tgtEl>
-                                          <p:spTgt spid="3">
-                                            <p:txEl>
-                                              <p:pRg st="1" end="1"/>
-                                            </p:txEl>
-                                          </p:spTgt>
-                                        </p:tgtEl>
-                                        <p:attrNameLst>
-                                          <p:attrName>ppt_y</p:attrName>
-                                        </p:attrNameLst>
-                                      </p:cBhvr>
-                                      <p:tavLst>
-                                        <p:tav tm="0">
-                                          <p:val>
-                                            <p:strVal val="#ppt_y+.1"/>
-                                          </p:val>
-                                        </p:tav>
-                                        <p:tav tm="100000">
-                                          <p:val>
-                                            <p:strVal val="#ppt_y"/>
-                                          </p:val>
-                                        </p:tav>
-                                      </p:tavLst>
-                                    </p:anim>
-                                  </p:childTnLst>
-                                </p:cTn>
-                              </p:par>
-                              <p:par>
-                                <p:cTn id="15" presetID="42" presetClass="entr" presetSubtype="0" fill="hold" nodeType="withEffect">
-                                  <p:stCondLst>
-                                    <p:cond delay="0"/>
-                                  </p:stCondLst>
-                                  <p:childTnLst>
-                                    <p:set>
-                                      <p:cBhvr>
-                                        <p:cTn id="16" dur="1" fill="hold">
-                                          <p:stCondLst>
-                                            <p:cond delay="0"/>
-                                          </p:stCondLst>
-                                        </p:cTn>
-                                        <p:tgtEl>
-                                          <p:spTgt spid="3">
-                                            <p:txEl>
-                                              <p:pRg st="2" end="2"/>
-                                            </p:txEl>
-                                          </p:spTgt>
-                                        </p:tgtEl>
-                                        <p:attrNameLst>
-                                          <p:attrName>style.visibility</p:attrName>
-                                        </p:attrNameLst>
-                                      </p:cBhvr>
-                                      <p:to>
-                                        <p:strVal val="visible"/>
-                                      </p:to>
-                                    </p:set>
-                                    <p:animEffect transition="in" filter="fade">
-                                      <p:cBhvr>
-                                        <p:cTn id="17" dur="1000"/>
-                                        <p:tgtEl>
-                                          <p:spTgt spid="3">
-                                            <p:txEl>
-                                              <p:pRg st="2" end="2"/>
-                                            </p:txEl>
-                                          </p:spTgt>
-                                        </p:tgtEl>
-                                      </p:cBhvr>
-                                    </p:animEffect>
-                                    <p:anim calcmode="lin" valueType="num">
-                                      <p:cBhvr>
-                                        <p:cTn id="18" dur="1000" fill="hold"/>
-                                        <p:tgtEl>
-                                          <p:spTgt spid="3">
-                                            <p:txEl>
-                                              <p:pRg st="2" end="2"/>
-                                            </p:txEl>
-                                          </p:spTgt>
-                                        </p:tgtEl>
-                                        <p:attrNameLst>
-                                          <p:attrName>ppt_x</p:attrName>
-                                        </p:attrNameLst>
-                                      </p:cBhvr>
-                                      <p:tavLst>
-                                        <p:tav tm="0">
-                                          <p:val>
-                                            <p:strVal val="#ppt_x"/>
-                                          </p:val>
-                                        </p:tav>
-                                        <p:tav tm="100000">
-                                          <p:val>
-                                            <p:strVal val="#ppt_x"/>
-                                          </p:val>
-                                        </p:tav>
-                                      </p:tavLst>
-                                    </p:anim>
-                                    <p:anim calcmode="lin" valueType="num">
-                                      <p:cBhvr>
-                                        <p:cTn id="19" dur="1000" fill="hold"/>
-                                        <p:tgtEl>
-                                          <p:spTgt spid="3">
-                                            <p:txEl>
-                                              <p:pRg st="2" end="2"/>
-                                            </p:txEl>
-                                          </p:spTgt>
-                                        </p:tgtEl>
-                                        <p:attrNameLst>
-                                          <p:attrName>ppt_y</p:attrName>
-                                        </p:attrNameLst>
-                                      </p:cBhvr>
-                                      <p:tavLst>
-                                        <p:tav tm="0">
-                                          <p:val>
-                                            <p:strVal val="#ppt_y+.1"/>
-                                          </p:val>
-                                        </p:tav>
-                                        <p:tav tm="100000">
-                                          <p:val>
-                                            <p:strVal val="#ppt_y"/>
-                                          </p:val>
-                                        </p:tav>
-                                      </p:tavLst>
-                                    </p:anim>
-                                  </p:childTnLst>
-                                </p:cTn>
-                              </p:par>
-                            </p:childTnLst>
-                          </p:cTn>
-                        </p:par>
-                      </p:childTnLst>
-                    </p:cTn>
-                  </p:par>
-                  <p:par>
-                    <p:cTn id="20" fill="hold">
-                      <p:stCondLst>
-                        <p:cond delay="indefinite"/>
-                      </p:stCondLst>
-                      <p:childTnLst>
-                        <p:par>
-                          <p:cTn id="21" fill="hold">
-                            <p:stCondLst>
-                              <p:cond delay="0"/>
-                            </p:stCondLst>
-                            <p:childTnLst>
-                              <p:par>
-                                <p:cTn id="22" presetID="42" presetClass="entr" presetSubtype="0" fill="hold" nodeType="clickEffect">
-                                  <p:stCondLst>
-                                    <p:cond delay="0"/>
-                                  </p:stCondLst>
-                                  <p:childTnLst>
-                                    <p:set>
-                                      <p:cBhvr>
-                                        <p:cTn id="23" dur="1" fill="hold">
-                                          <p:stCondLst>
-                                            <p:cond delay="0"/>
-                                          </p:stCondLst>
-                                        </p:cTn>
-                                        <p:tgtEl>
-                                          <p:spTgt spid="3">
-                                            <p:txEl>
-                                              <p:pRg st="3" end="3"/>
-                                            </p:txEl>
-                                          </p:spTgt>
-                                        </p:tgtEl>
-                                        <p:attrNameLst>
-                                          <p:attrName>style.visibility</p:attrName>
-                                        </p:attrNameLst>
-                                      </p:cBhvr>
-                                      <p:to>
-                                        <p:strVal val="visible"/>
-                                      </p:to>
-                                    </p:set>
-                                    <p:animEffect transition="in" filter="fade">
-                                      <p:cBhvr>
-                                        <p:cTn id="24" dur="1000"/>
-                                        <p:tgtEl>
-                                          <p:spTgt spid="3">
-                                            <p:txEl>
-                                              <p:pRg st="3" end="3"/>
-                                            </p:txEl>
-                                          </p:spTgt>
-                                        </p:tgtEl>
-                                      </p:cBhvr>
-                                    </p:animEffect>
-                                    <p:anim calcmode="lin" valueType="num">
-                                      <p:cBhvr>
-                                        <p:cTn id="25" dur="1000" fill="hold"/>
-                                        <p:tgtEl>
-                                          <p:spTgt spid="3">
-                                            <p:txEl>
-                                              <p:pRg st="3" end="3"/>
-                                            </p:txEl>
-                                          </p:spTgt>
-                                        </p:tgtEl>
-                                        <p:attrNameLst>
-                                          <p:attrName>ppt_x</p:attrName>
-                                        </p:attrNameLst>
-                                      </p:cBhvr>
-                                      <p:tavLst>
-                                        <p:tav tm="0">
-                                          <p:val>
-                                            <p:strVal val="#ppt_x"/>
-                                          </p:val>
-                                        </p:tav>
-                                        <p:tav tm="100000">
-                                          <p:val>
-                                            <p:strVal val="#ppt_x"/>
-                                          </p:val>
-                                        </p:tav>
-                                      </p:tavLst>
-                                    </p:anim>
-                                    <p:anim calcmode="lin" valueType="num">
-                                      <p:cBhvr>
-                                        <p:cTn id="26" dur="1000" fill="hold"/>
-                                        <p:tgtEl>
-                                          <p:spTgt spid="3">
-                                            <p:txEl>
-                                              <p:pRg st="3" end="3"/>
-                                            </p:txEl>
-                                          </p:spTgt>
-                                        </p:tgtEl>
-                                        <p:attrNameLst>
-                                          <p:attrName>ppt_y</p:attrName>
-                                        </p:attrNameLst>
-                                      </p:cBhvr>
-                                      <p:tavLst>
-                                        <p:tav tm="0">
-                                          <p:val>
-                                            <p:strVal val="#ppt_y+.1"/>
-                                          </p:val>
-                                        </p:tav>
-                                        <p:tav tm="100000">
-                                          <p:val>
-                                            <p:strVal val="#ppt_y"/>
-                                          </p:val>
-                                        </p:tav>
-                                      </p:tavLst>
-                                    </p:anim>
-                                  </p:childTnLst>
-                                </p:cTn>
-                              </p:par>
-                              <p:par>
-                                <p:cTn id="27" presetID="42" presetClass="entr" presetSubtype="0" fill="hold" nodeType="withEffect">
-                                  <p:stCondLst>
-                                    <p:cond delay="0"/>
-                                  </p:stCondLst>
-                                  <p:childTnLst>
-                                    <p:set>
-                                      <p:cBhvr>
-                                        <p:cTn id="28" dur="1" fill="hold">
-                                          <p:stCondLst>
-                                            <p:cond delay="0"/>
-                                          </p:stCondLst>
-                                        </p:cTn>
-                                        <p:tgtEl>
-                                          <p:spTgt spid="3">
-                                            <p:txEl>
-                                              <p:pRg st="4" end="4"/>
-                                            </p:txEl>
-                                          </p:spTgt>
-                                        </p:tgtEl>
-                                        <p:attrNameLst>
-                                          <p:attrName>style.visibility</p:attrName>
-                                        </p:attrNameLst>
-                                      </p:cBhvr>
-                                      <p:to>
-                                        <p:strVal val="visible"/>
-                                      </p:to>
-                                    </p:set>
-                                    <p:animEffect transition="in" filter="fade">
-                                      <p:cBhvr>
-                                        <p:cTn id="29" dur="1000"/>
-                                        <p:tgtEl>
-                                          <p:spTgt spid="3">
-                                            <p:txEl>
-                                              <p:pRg st="4" end="4"/>
-                                            </p:txEl>
-                                          </p:spTgt>
-                                        </p:tgtEl>
-                                      </p:cBhvr>
-                                    </p:animEffect>
-                                    <p:anim calcmode="lin" valueType="num">
-                                      <p:cBhvr>
-                                        <p:cTn id="30" dur="1000" fill="hold"/>
-                                        <p:tgtEl>
-                                          <p:spTgt spid="3">
-                                            <p:txEl>
-                                              <p:pRg st="4" end="4"/>
-                                            </p:txEl>
-                                          </p:spTgt>
-                                        </p:tgtEl>
-                                        <p:attrNameLst>
-                                          <p:attrName>ppt_x</p:attrName>
-                                        </p:attrNameLst>
-                                      </p:cBhvr>
-                                      <p:tavLst>
-                                        <p:tav tm="0">
-                                          <p:val>
-                                            <p:strVal val="#ppt_x"/>
-                                          </p:val>
-                                        </p:tav>
-                                        <p:tav tm="100000">
-                                          <p:val>
-                                            <p:strVal val="#ppt_x"/>
-                                          </p:val>
-                                        </p:tav>
-                                      </p:tavLst>
-                                    </p:anim>
-                                    <p:anim calcmode="lin" valueType="num">
-                                      <p:cBhvr>
-                                        <p:cTn id="31" dur="1000" fill="hold"/>
-                                        <p:tgtEl>
-                                          <p:spTgt spid="3">
-                                            <p:txEl>
-                                              <p:pRg st="4" end="4"/>
-                                            </p:txEl>
-                                          </p:spTgt>
-                                        </p:tgtEl>
-                                        <p:attrNameLst>
-                                          <p:attrName>ppt_y</p:attrName>
-                                        </p:attrNameLst>
-                                      </p:cBhvr>
-                                      <p:tavLst>
-                                        <p:tav tm="0">
-                                          <p:val>
-                                            <p:strVal val="#ppt_y+.1"/>
-                                          </p:val>
-                                        </p:tav>
-                                        <p:tav tm="100000">
-                                          <p:val>
-                                            <p:strVal val="#ppt_y"/>
-                                          </p:val>
-                                        </p:tav>
-                                      </p:tavLst>
-                                    </p:anim>
-                                  </p:childTnLst>
-                                </p:cTn>
-                              </p:par>
-                              <p:par>
-                                <p:cTn id="32" presetID="42" presetClass="entr" presetSubtype="0" fill="hold" nodeType="withEffect">
-                                  <p:stCondLst>
-                                    <p:cond delay="0"/>
-                                  </p:stCondLst>
-                                  <p:childTnLst>
-                                    <p:set>
-                                      <p:cBhvr>
-                                        <p:cTn id="33" dur="1" fill="hold">
-                                          <p:stCondLst>
-                                            <p:cond delay="0"/>
-                                          </p:stCondLst>
-                                        </p:cTn>
-                                        <p:tgtEl>
-                                          <p:spTgt spid="3">
-                                            <p:txEl>
-                                              <p:pRg st="5" end="5"/>
-                                            </p:txEl>
-                                          </p:spTgt>
-                                        </p:tgtEl>
-                                        <p:attrNameLst>
-                                          <p:attrName>style.visibility</p:attrName>
-                                        </p:attrNameLst>
-                                      </p:cBhvr>
-                                      <p:to>
-                                        <p:strVal val="visible"/>
-                                      </p:to>
-                                    </p:set>
-                                    <p:animEffect transition="in" filter="fade">
-                                      <p:cBhvr>
-                                        <p:cTn id="34" dur="1000"/>
-                                        <p:tgtEl>
-                                          <p:spTgt spid="3">
-                                            <p:txEl>
-                                              <p:pRg st="5" end="5"/>
-                                            </p:txEl>
-                                          </p:spTgt>
-                                        </p:tgtEl>
-                                      </p:cBhvr>
-                                    </p:animEffect>
-                                    <p:anim calcmode="lin" valueType="num">
-                                      <p:cBhvr>
-                                        <p:cTn id="35" dur="1000" fill="hold"/>
-                                        <p:tgtEl>
-                                          <p:spTgt spid="3">
-                                            <p:txEl>
-                                              <p:pRg st="5" end="5"/>
-                                            </p:txEl>
-                                          </p:spTgt>
-                                        </p:tgtEl>
-                                        <p:attrNameLst>
-                                          <p:attrName>ppt_x</p:attrName>
-                                        </p:attrNameLst>
-                                      </p:cBhvr>
-                                      <p:tavLst>
-                                        <p:tav tm="0">
-                                          <p:val>
-                                            <p:strVal val="#ppt_x"/>
-                                          </p:val>
-                                        </p:tav>
-                                        <p:tav tm="100000">
-                                          <p:val>
-                                            <p:strVal val="#ppt_x"/>
-                                          </p:val>
-                                        </p:tav>
-                                      </p:tavLst>
-                                    </p:anim>
-                                    <p:anim calcmode="lin" valueType="num">
-                                      <p:cBhvr>
-                                        <p:cTn id="36" dur="1000" fill="hold"/>
-                                        <p:tgtEl>
-                                          <p:spTgt spid="3">
-                                            <p:txEl>
-                                              <p:pRg st="5" end="5"/>
-                                            </p:txEl>
-                                          </p:spTgt>
-                                        </p:tgtEl>
-                                        <p:attrNameLst>
-                                          <p:attrName>ppt_y</p:attrName>
-                                        </p:attrNameLst>
-                                      </p:cBhvr>
-                                      <p:tavLst>
-                                        <p:tav tm="0">
-                                          <p:val>
-                                            <p:strVal val="#ppt_y+.1"/>
-                                          </p:val>
-                                        </p:tav>
-                                        <p:tav tm="100000">
-                                          <p:val>
-                                            <p:strVal val="#ppt_y"/>
-                                          </p:val>
-                                        </p:tav>
-                                      </p:tavLst>
-                                    </p:anim>
-                                  </p:childTnLst>
-                                </p:cTn>
-                              </p:par>
-                            </p:childTnLst>
-                          </p:cTn>
-                        </p:par>
-                      </p:childTnLst>
-                    </p:cTn>
-                  </p:par>
-                </p:childTnLst>
-              </p:cTn>
-              <p:prevCondLst>
-                <p:cond evt="onPrev" delay="0">
-                  <p:tgtEl>
-                    <p:sldTgt/>
-                  </p:tgtEl>
-                </p:cond>
-              </p:prevCondLst>
-              <p:nextCondLst>
-                <p:cond evt="onNext" delay="0">
-                  <p:tgtEl>
-                    <p:sldTgt/>
-                  </p:tgtEl>
-                </p:cond>
-              </p:nextCondLst>
-            </p:seq>
-          </p:childTnLst>
-        </p:cTn>
+        <p:cTn id="1" dur="indefinite" restart="never" nodeType="tmRoot"/>
       </p:par>
     </p:tnLst>
   </p:timing>
@@ -14132,7 +14589,7 @@
           <a:p>
             <a:r>
               <a:rPr lang="en-US" dirty="0" smtClean="0"/>
-              <a:t>Software Development Jobs..</a:t>
+              <a:t>Entry Level Jobs	</a:t>
             </a:r>
             <a:endParaRPr lang="en-US" dirty="0"/>
           </a:p>
@@ -14155,61 +14612,40 @@
           <a:p>
             <a:r>
               <a:rPr lang="en-US" dirty="0" smtClean="0"/>
-              <a:t>Mobile Development</a:t>
+              <a:t>4 year CS degree is helpful but not required:</a:t>
             </a:r>
           </a:p>
           <a:p>
             <a:pPr lvl="1"/>
             <a:r>
               <a:rPr lang="en-US" dirty="0" smtClean="0"/>
-              <a:t>Android Apps</a:t>
+              <a:t>Associates Degree</a:t>
             </a:r>
-          </a:p>
-          <a:p>
-            <a:pPr lvl="1"/>
-            <a:r>
-              <a:rPr lang="en-US" dirty="0" err="1" smtClean="0"/>
-              <a:t>Iphone</a:t>
-            </a:r>
-            <a:r>
-              <a:rPr lang="en-US" dirty="0" smtClean="0"/>
-              <a:t> Apps</a:t>
-            </a:r>
-          </a:p>
-          <a:p>
-            <a:r>
-              <a:rPr lang="en-US" dirty="0" smtClean="0"/>
-              <a:t>Database Developer or Administrator</a:t>
-            </a:r>
-          </a:p>
-          <a:p>
-            <a:pPr lvl="1"/>
-            <a:r>
-              <a:rPr lang="en-US" dirty="0" err="1" smtClean="0"/>
-              <a:t>Sql</a:t>
-            </a:r>
-            <a:r>
-              <a:rPr lang="en-US" dirty="0" smtClean="0"/>
-              <a:t> Server</a:t>
-            </a:r>
-          </a:p>
-          <a:p>
-            <a:pPr lvl="1"/>
-            <a:r>
-              <a:rPr lang="en-US" dirty="0" err="1" smtClean="0"/>
-              <a:t>MongoDB</a:t>
-            </a:r>
-            <a:endParaRPr lang="en-US" dirty="0" smtClean="0"/>
           </a:p>
           <a:p>
             <a:pPr lvl="1"/>
             <a:r>
               <a:rPr lang="en-US" dirty="0" smtClean="0"/>
-              <a:t>Big Data- </a:t>
+              <a:t>Technical Training</a:t>
             </a:r>
+          </a:p>
+          <a:p>
+            <a:pPr lvl="1"/>
             <a:r>
-              <a:rPr lang="en-US" dirty="0" err="1" smtClean="0"/>
-              <a:t>Hadoop</a:t>
+              <a:rPr lang="en-US" dirty="0" smtClean="0"/>
+              <a:t>On-the-job training like the military</a:t>
+            </a:r>
+          </a:p>
+          <a:p>
+            <a:r>
+              <a:rPr lang="en-US" dirty="0" smtClean="0"/>
+              <a:t>One of the highest starting salaries in United States</a:t>
+            </a:r>
+          </a:p>
+          <a:p>
+            <a:r>
+              <a:rPr lang="en-US" dirty="0" smtClean="0"/>
+              <a:t>Plenty of opportunities all across the US</a:t>
             </a:r>
             <a:endParaRPr lang="en-US" dirty="0"/>
           </a:p>
@@ -14223,745 +14659,7 @@
   <p:timing>
     <p:tnLst>
       <p:par>
-        <p:cTn id="1" dur="indefinite" restart="never" nodeType="tmRoot">
-          <p:childTnLst>
-            <p:seq concurrent="1" nextAc="seek">
-              <p:cTn id="2" dur="indefinite" nodeType="mainSeq">
-                <p:childTnLst>
-                  <p:par>
-                    <p:cTn id="3" fill="hold">
-                      <p:stCondLst>
-                        <p:cond delay="indefinite"/>
-                      </p:stCondLst>
-                      <p:childTnLst>
-                        <p:par>
-                          <p:cTn id="4" fill="hold">
-                            <p:stCondLst>
-                              <p:cond delay="0"/>
-                            </p:stCondLst>
-                            <p:childTnLst>
-                              <p:par>
-                                <p:cTn id="5" presetID="42" presetClass="entr" presetSubtype="0" fill="hold" nodeType="clickEffect">
-                                  <p:stCondLst>
-                                    <p:cond delay="0"/>
-                                  </p:stCondLst>
-                                  <p:childTnLst>
-                                    <p:set>
-                                      <p:cBhvr>
-                                        <p:cTn id="6" dur="1" fill="hold">
-                                          <p:stCondLst>
-                                            <p:cond delay="0"/>
-                                          </p:stCondLst>
-                                        </p:cTn>
-                                        <p:tgtEl>
-                                          <p:spTgt spid="3">
-                                            <p:txEl>
-                                              <p:pRg st="0" end="0"/>
-                                            </p:txEl>
-                                          </p:spTgt>
-                                        </p:tgtEl>
-                                        <p:attrNameLst>
-                                          <p:attrName>style.visibility</p:attrName>
-                                        </p:attrNameLst>
-                                      </p:cBhvr>
-                                      <p:to>
-                                        <p:strVal val="visible"/>
-                                      </p:to>
-                                    </p:set>
-                                    <p:animEffect transition="in" filter="fade">
-                                      <p:cBhvr>
-                                        <p:cTn id="7" dur="1000"/>
-                                        <p:tgtEl>
-                                          <p:spTgt spid="3">
-                                            <p:txEl>
-                                              <p:pRg st="0" end="0"/>
-                                            </p:txEl>
-                                          </p:spTgt>
-                                        </p:tgtEl>
-                                      </p:cBhvr>
-                                    </p:animEffect>
-                                    <p:anim calcmode="lin" valueType="num">
-                                      <p:cBhvr>
-                                        <p:cTn id="8" dur="1000" fill="hold"/>
-                                        <p:tgtEl>
-                                          <p:spTgt spid="3">
-                                            <p:txEl>
-                                              <p:pRg st="0" end="0"/>
-                                            </p:txEl>
-                                          </p:spTgt>
-                                        </p:tgtEl>
-                                        <p:attrNameLst>
-                                          <p:attrName>ppt_x</p:attrName>
-                                        </p:attrNameLst>
-                                      </p:cBhvr>
-                                      <p:tavLst>
-                                        <p:tav tm="0">
-                                          <p:val>
-                                            <p:strVal val="#ppt_x"/>
-                                          </p:val>
-                                        </p:tav>
-                                        <p:tav tm="100000">
-                                          <p:val>
-                                            <p:strVal val="#ppt_x"/>
-                                          </p:val>
-                                        </p:tav>
-                                      </p:tavLst>
-                                    </p:anim>
-                                    <p:anim calcmode="lin" valueType="num">
-                                      <p:cBhvr>
-                                        <p:cTn id="9" dur="1000" fill="hold"/>
-                                        <p:tgtEl>
-                                          <p:spTgt spid="3">
-                                            <p:txEl>
-                                              <p:pRg st="0" end="0"/>
-                                            </p:txEl>
-                                          </p:spTgt>
-                                        </p:tgtEl>
-                                        <p:attrNameLst>
-                                          <p:attrName>ppt_y</p:attrName>
-                                        </p:attrNameLst>
-                                      </p:cBhvr>
-                                      <p:tavLst>
-                                        <p:tav tm="0">
-                                          <p:val>
-                                            <p:strVal val="#ppt_y+.1"/>
-                                          </p:val>
-                                        </p:tav>
-                                        <p:tav tm="100000">
-                                          <p:val>
-                                            <p:strVal val="#ppt_y"/>
-                                          </p:val>
-                                        </p:tav>
-                                      </p:tavLst>
-                                    </p:anim>
-                                  </p:childTnLst>
-                                </p:cTn>
-                              </p:par>
-                              <p:par>
-                                <p:cTn id="10" presetID="42" presetClass="entr" presetSubtype="0" fill="hold" nodeType="withEffect">
-                                  <p:stCondLst>
-                                    <p:cond delay="0"/>
-                                  </p:stCondLst>
-                                  <p:childTnLst>
-                                    <p:set>
-                                      <p:cBhvr>
-                                        <p:cTn id="11" dur="1" fill="hold">
-                                          <p:stCondLst>
-                                            <p:cond delay="0"/>
-                                          </p:stCondLst>
-                                        </p:cTn>
-                                        <p:tgtEl>
-                                          <p:spTgt spid="3">
-                                            <p:txEl>
-                                              <p:pRg st="1" end="1"/>
-                                            </p:txEl>
-                                          </p:spTgt>
-                                        </p:tgtEl>
-                                        <p:attrNameLst>
-                                          <p:attrName>style.visibility</p:attrName>
-                                        </p:attrNameLst>
-                                      </p:cBhvr>
-                                      <p:to>
-                                        <p:strVal val="visible"/>
-                                      </p:to>
-                                    </p:set>
-                                    <p:animEffect transition="in" filter="fade">
-                                      <p:cBhvr>
-                                        <p:cTn id="12" dur="1000"/>
-                                        <p:tgtEl>
-                                          <p:spTgt spid="3">
-                                            <p:txEl>
-                                              <p:pRg st="1" end="1"/>
-                                            </p:txEl>
-                                          </p:spTgt>
-                                        </p:tgtEl>
-                                      </p:cBhvr>
-                                    </p:animEffect>
-                                    <p:anim calcmode="lin" valueType="num">
-                                      <p:cBhvr>
-                                        <p:cTn id="13" dur="1000" fill="hold"/>
-                                        <p:tgtEl>
-                                          <p:spTgt spid="3">
-                                            <p:txEl>
-                                              <p:pRg st="1" end="1"/>
-                                            </p:txEl>
-                                          </p:spTgt>
-                                        </p:tgtEl>
-                                        <p:attrNameLst>
-                                          <p:attrName>ppt_x</p:attrName>
-                                        </p:attrNameLst>
-                                      </p:cBhvr>
-                                      <p:tavLst>
-                                        <p:tav tm="0">
-                                          <p:val>
-                                            <p:strVal val="#ppt_x"/>
-                                          </p:val>
-                                        </p:tav>
-                                        <p:tav tm="100000">
-                                          <p:val>
-                                            <p:strVal val="#ppt_x"/>
-                                          </p:val>
-                                        </p:tav>
-                                      </p:tavLst>
-                                    </p:anim>
-                                    <p:anim calcmode="lin" valueType="num">
-                                      <p:cBhvr>
-                                        <p:cTn id="14" dur="1000" fill="hold"/>
-                                        <p:tgtEl>
-                                          <p:spTgt spid="3">
-                                            <p:txEl>
-                                              <p:pRg st="1" end="1"/>
-                                            </p:txEl>
-                                          </p:spTgt>
-                                        </p:tgtEl>
-                                        <p:attrNameLst>
-                                          <p:attrName>ppt_y</p:attrName>
-                                        </p:attrNameLst>
-                                      </p:cBhvr>
-                                      <p:tavLst>
-                                        <p:tav tm="0">
-                                          <p:val>
-                                            <p:strVal val="#ppt_y+.1"/>
-                                          </p:val>
-                                        </p:tav>
-                                        <p:tav tm="100000">
-                                          <p:val>
-                                            <p:strVal val="#ppt_y"/>
-                                          </p:val>
-                                        </p:tav>
-                                      </p:tavLst>
-                                    </p:anim>
-                                  </p:childTnLst>
-                                </p:cTn>
-                              </p:par>
-                              <p:par>
-                                <p:cTn id="15" presetID="42" presetClass="entr" presetSubtype="0" fill="hold" nodeType="withEffect">
-                                  <p:stCondLst>
-                                    <p:cond delay="0"/>
-                                  </p:stCondLst>
-                                  <p:childTnLst>
-                                    <p:set>
-                                      <p:cBhvr>
-                                        <p:cTn id="16" dur="1" fill="hold">
-                                          <p:stCondLst>
-                                            <p:cond delay="0"/>
-                                          </p:stCondLst>
-                                        </p:cTn>
-                                        <p:tgtEl>
-                                          <p:spTgt spid="3">
-                                            <p:txEl>
-                                              <p:pRg st="2" end="2"/>
-                                            </p:txEl>
-                                          </p:spTgt>
-                                        </p:tgtEl>
-                                        <p:attrNameLst>
-                                          <p:attrName>style.visibility</p:attrName>
-                                        </p:attrNameLst>
-                                      </p:cBhvr>
-                                      <p:to>
-                                        <p:strVal val="visible"/>
-                                      </p:to>
-                                    </p:set>
-                                    <p:animEffect transition="in" filter="fade">
-                                      <p:cBhvr>
-                                        <p:cTn id="17" dur="1000"/>
-                                        <p:tgtEl>
-                                          <p:spTgt spid="3">
-                                            <p:txEl>
-                                              <p:pRg st="2" end="2"/>
-                                            </p:txEl>
-                                          </p:spTgt>
-                                        </p:tgtEl>
-                                      </p:cBhvr>
-                                    </p:animEffect>
-                                    <p:anim calcmode="lin" valueType="num">
-                                      <p:cBhvr>
-                                        <p:cTn id="18" dur="1000" fill="hold"/>
-                                        <p:tgtEl>
-                                          <p:spTgt spid="3">
-                                            <p:txEl>
-                                              <p:pRg st="2" end="2"/>
-                                            </p:txEl>
-                                          </p:spTgt>
-                                        </p:tgtEl>
-                                        <p:attrNameLst>
-                                          <p:attrName>ppt_x</p:attrName>
-                                        </p:attrNameLst>
-                                      </p:cBhvr>
-                                      <p:tavLst>
-                                        <p:tav tm="0">
-                                          <p:val>
-                                            <p:strVal val="#ppt_x"/>
-                                          </p:val>
-                                        </p:tav>
-                                        <p:tav tm="100000">
-                                          <p:val>
-                                            <p:strVal val="#ppt_x"/>
-                                          </p:val>
-                                        </p:tav>
-                                      </p:tavLst>
-                                    </p:anim>
-                                    <p:anim calcmode="lin" valueType="num">
-                                      <p:cBhvr>
-                                        <p:cTn id="19" dur="1000" fill="hold"/>
-                                        <p:tgtEl>
-                                          <p:spTgt spid="3">
-                                            <p:txEl>
-                                              <p:pRg st="2" end="2"/>
-                                            </p:txEl>
-                                          </p:spTgt>
-                                        </p:tgtEl>
-                                        <p:attrNameLst>
-                                          <p:attrName>ppt_y</p:attrName>
-                                        </p:attrNameLst>
-                                      </p:cBhvr>
-                                      <p:tavLst>
-                                        <p:tav tm="0">
-                                          <p:val>
-                                            <p:strVal val="#ppt_y+.1"/>
-                                          </p:val>
-                                        </p:tav>
-                                        <p:tav tm="100000">
-                                          <p:val>
-                                            <p:strVal val="#ppt_y"/>
-                                          </p:val>
-                                        </p:tav>
-                                      </p:tavLst>
-                                    </p:anim>
-                                  </p:childTnLst>
-                                </p:cTn>
-                              </p:par>
-                            </p:childTnLst>
-                          </p:cTn>
-                        </p:par>
-                      </p:childTnLst>
-                    </p:cTn>
-                  </p:par>
-                  <p:par>
-                    <p:cTn id="20" fill="hold">
-                      <p:stCondLst>
-                        <p:cond delay="indefinite"/>
-                      </p:stCondLst>
-                      <p:childTnLst>
-                        <p:par>
-                          <p:cTn id="21" fill="hold">
-                            <p:stCondLst>
-                              <p:cond delay="0"/>
-                            </p:stCondLst>
-                            <p:childTnLst>
-                              <p:par>
-                                <p:cTn id="22" presetID="42" presetClass="entr" presetSubtype="0" fill="hold" nodeType="clickEffect">
-                                  <p:stCondLst>
-                                    <p:cond delay="0"/>
-                                  </p:stCondLst>
-                                  <p:childTnLst>
-                                    <p:set>
-                                      <p:cBhvr>
-                                        <p:cTn id="23" dur="1" fill="hold">
-                                          <p:stCondLst>
-                                            <p:cond delay="0"/>
-                                          </p:stCondLst>
-                                        </p:cTn>
-                                        <p:tgtEl>
-                                          <p:spTgt spid="3">
-                                            <p:txEl>
-                                              <p:pRg st="3" end="3"/>
-                                            </p:txEl>
-                                          </p:spTgt>
-                                        </p:tgtEl>
-                                        <p:attrNameLst>
-                                          <p:attrName>style.visibility</p:attrName>
-                                        </p:attrNameLst>
-                                      </p:cBhvr>
-                                      <p:to>
-                                        <p:strVal val="visible"/>
-                                      </p:to>
-                                    </p:set>
-                                    <p:animEffect transition="in" filter="fade">
-                                      <p:cBhvr>
-                                        <p:cTn id="24" dur="1000"/>
-                                        <p:tgtEl>
-                                          <p:spTgt spid="3">
-                                            <p:txEl>
-                                              <p:pRg st="3" end="3"/>
-                                            </p:txEl>
-                                          </p:spTgt>
-                                        </p:tgtEl>
-                                      </p:cBhvr>
-                                    </p:animEffect>
-                                    <p:anim calcmode="lin" valueType="num">
-                                      <p:cBhvr>
-                                        <p:cTn id="25" dur="1000" fill="hold"/>
-                                        <p:tgtEl>
-                                          <p:spTgt spid="3">
-                                            <p:txEl>
-                                              <p:pRg st="3" end="3"/>
-                                            </p:txEl>
-                                          </p:spTgt>
-                                        </p:tgtEl>
-                                        <p:attrNameLst>
-                                          <p:attrName>ppt_x</p:attrName>
-                                        </p:attrNameLst>
-                                      </p:cBhvr>
-                                      <p:tavLst>
-                                        <p:tav tm="0">
-                                          <p:val>
-                                            <p:strVal val="#ppt_x"/>
-                                          </p:val>
-                                        </p:tav>
-                                        <p:tav tm="100000">
-                                          <p:val>
-                                            <p:strVal val="#ppt_x"/>
-                                          </p:val>
-                                        </p:tav>
-                                      </p:tavLst>
-                                    </p:anim>
-                                    <p:anim calcmode="lin" valueType="num">
-                                      <p:cBhvr>
-                                        <p:cTn id="26" dur="1000" fill="hold"/>
-                                        <p:tgtEl>
-                                          <p:spTgt spid="3">
-                                            <p:txEl>
-                                              <p:pRg st="3" end="3"/>
-                                            </p:txEl>
-                                          </p:spTgt>
-                                        </p:tgtEl>
-                                        <p:attrNameLst>
-                                          <p:attrName>ppt_y</p:attrName>
-                                        </p:attrNameLst>
-                                      </p:cBhvr>
-                                      <p:tavLst>
-                                        <p:tav tm="0">
-                                          <p:val>
-                                            <p:strVal val="#ppt_y+.1"/>
-                                          </p:val>
-                                        </p:tav>
-                                        <p:tav tm="100000">
-                                          <p:val>
-                                            <p:strVal val="#ppt_y"/>
-                                          </p:val>
-                                        </p:tav>
-                                      </p:tavLst>
-                                    </p:anim>
-                                  </p:childTnLst>
-                                </p:cTn>
-                              </p:par>
-                              <p:par>
-                                <p:cTn id="27" presetID="42" presetClass="entr" presetSubtype="0" fill="hold" nodeType="withEffect">
-                                  <p:stCondLst>
-                                    <p:cond delay="0"/>
-                                  </p:stCondLst>
-                                  <p:childTnLst>
-                                    <p:set>
-                                      <p:cBhvr>
-                                        <p:cTn id="28" dur="1" fill="hold">
-                                          <p:stCondLst>
-                                            <p:cond delay="0"/>
-                                          </p:stCondLst>
-                                        </p:cTn>
-                                        <p:tgtEl>
-                                          <p:spTgt spid="3">
-                                            <p:txEl>
-                                              <p:pRg st="4" end="4"/>
-                                            </p:txEl>
-                                          </p:spTgt>
-                                        </p:tgtEl>
-                                        <p:attrNameLst>
-                                          <p:attrName>style.visibility</p:attrName>
-                                        </p:attrNameLst>
-                                      </p:cBhvr>
-                                      <p:to>
-                                        <p:strVal val="visible"/>
-                                      </p:to>
-                                    </p:set>
-                                    <p:animEffect transition="in" filter="fade">
-                                      <p:cBhvr>
-                                        <p:cTn id="29" dur="1000"/>
-                                        <p:tgtEl>
-                                          <p:spTgt spid="3">
-                                            <p:txEl>
-                                              <p:pRg st="4" end="4"/>
-                                            </p:txEl>
-                                          </p:spTgt>
-                                        </p:tgtEl>
-                                      </p:cBhvr>
-                                    </p:animEffect>
-                                    <p:anim calcmode="lin" valueType="num">
-                                      <p:cBhvr>
-                                        <p:cTn id="30" dur="1000" fill="hold"/>
-                                        <p:tgtEl>
-                                          <p:spTgt spid="3">
-                                            <p:txEl>
-                                              <p:pRg st="4" end="4"/>
-                                            </p:txEl>
-                                          </p:spTgt>
-                                        </p:tgtEl>
-                                        <p:attrNameLst>
-                                          <p:attrName>ppt_x</p:attrName>
-                                        </p:attrNameLst>
-                                      </p:cBhvr>
-                                      <p:tavLst>
-                                        <p:tav tm="0">
-                                          <p:val>
-                                            <p:strVal val="#ppt_x"/>
-                                          </p:val>
-                                        </p:tav>
-                                        <p:tav tm="100000">
-                                          <p:val>
-                                            <p:strVal val="#ppt_x"/>
-                                          </p:val>
-                                        </p:tav>
-                                      </p:tavLst>
-                                    </p:anim>
-                                    <p:anim calcmode="lin" valueType="num">
-                                      <p:cBhvr>
-                                        <p:cTn id="31" dur="1000" fill="hold"/>
-                                        <p:tgtEl>
-                                          <p:spTgt spid="3">
-                                            <p:txEl>
-                                              <p:pRg st="4" end="4"/>
-                                            </p:txEl>
-                                          </p:spTgt>
-                                        </p:tgtEl>
-                                        <p:attrNameLst>
-                                          <p:attrName>ppt_y</p:attrName>
-                                        </p:attrNameLst>
-                                      </p:cBhvr>
-                                      <p:tavLst>
-                                        <p:tav tm="0">
-                                          <p:val>
-                                            <p:strVal val="#ppt_y+.1"/>
-                                          </p:val>
-                                        </p:tav>
-                                        <p:tav tm="100000">
-                                          <p:val>
-                                            <p:strVal val="#ppt_y"/>
-                                          </p:val>
-                                        </p:tav>
-                                      </p:tavLst>
-                                    </p:anim>
-                                  </p:childTnLst>
-                                </p:cTn>
-                              </p:par>
-                              <p:par>
-                                <p:cTn id="32" presetID="42" presetClass="entr" presetSubtype="0" fill="hold" nodeType="withEffect">
-                                  <p:stCondLst>
-                                    <p:cond delay="0"/>
-                                  </p:stCondLst>
-                                  <p:childTnLst>
-                                    <p:set>
-                                      <p:cBhvr>
-                                        <p:cTn id="33" dur="1" fill="hold">
-                                          <p:stCondLst>
-                                            <p:cond delay="0"/>
-                                          </p:stCondLst>
-                                        </p:cTn>
-                                        <p:tgtEl>
-                                          <p:spTgt spid="3">
-                                            <p:txEl>
-                                              <p:pRg st="5" end="5"/>
-                                            </p:txEl>
-                                          </p:spTgt>
-                                        </p:tgtEl>
-                                        <p:attrNameLst>
-                                          <p:attrName>style.visibility</p:attrName>
-                                        </p:attrNameLst>
-                                      </p:cBhvr>
-                                      <p:to>
-                                        <p:strVal val="visible"/>
-                                      </p:to>
-                                    </p:set>
-                                    <p:animEffect transition="in" filter="fade">
-                                      <p:cBhvr>
-                                        <p:cTn id="34" dur="1000"/>
-                                        <p:tgtEl>
-                                          <p:spTgt spid="3">
-                                            <p:txEl>
-                                              <p:pRg st="5" end="5"/>
-                                            </p:txEl>
-                                          </p:spTgt>
-                                        </p:tgtEl>
-                                      </p:cBhvr>
-                                    </p:animEffect>
-                                    <p:anim calcmode="lin" valueType="num">
-                                      <p:cBhvr>
-                                        <p:cTn id="35" dur="1000" fill="hold"/>
-                                        <p:tgtEl>
-                                          <p:spTgt spid="3">
-                                            <p:txEl>
-                                              <p:pRg st="5" end="5"/>
-                                            </p:txEl>
-                                          </p:spTgt>
-                                        </p:tgtEl>
-                                        <p:attrNameLst>
-                                          <p:attrName>ppt_x</p:attrName>
-                                        </p:attrNameLst>
-                                      </p:cBhvr>
-                                      <p:tavLst>
-                                        <p:tav tm="0">
-                                          <p:val>
-                                            <p:strVal val="#ppt_x"/>
-                                          </p:val>
-                                        </p:tav>
-                                        <p:tav tm="100000">
-                                          <p:val>
-                                            <p:strVal val="#ppt_x"/>
-                                          </p:val>
-                                        </p:tav>
-                                      </p:tavLst>
-                                    </p:anim>
-                                    <p:anim calcmode="lin" valueType="num">
-                                      <p:cBhvr>
-                                        <p:cTn id="36" dur="1000" fill="hold"/>
-                                        <p:tgtEl>
-                                          <p:spTgt spid="3">
-                                            <p:txEl>
-                                              <p:pRg st="5" end="5"/>
-                                            </p:txEl>
-                                          </p:spTgt>
-                                        </p:tgtEl>
-                                        <p:attrNameLst>
-                                          <p:attrName>ppt_y</p:attrName>
-                                        </p:attrNameLst>
-                                      </p:cBhvr>
-                                      <p:tavLst>
-                                        <p:tav tm="0">
-                                          <p:val>
-                                            <p:strVal val="#ppt_y+.1"/>
-                                          </p:val>
-                                        </p:tav>
-                                        <p:tav tm="100000">
-                                          <p:val>
-                                            <p:strVal val="#ppt_y"/>
-                                          </p:val>
-                                        </p:tav>
-                                      </p:tavLst>
-                                    </p:anim>
-                                  </p:childTnLst>
-                                </p:cTn>
-                              </p:par>
-                              <p:par>
-                                <p:cTn id="37" presetID="42" presetClass="entr" presetSubtype="0" fill="hold" nodeType="withEffect">
-                                  <p:stCondLst>
-                                    <p:cond delay="0"/>
-                                  </p:stCondLst>
-                                  <p:childTnLst>
-                                    <p:set>
-                                      <p:cBhvr>
-                                        <p:cTn id="38" dur="1" fill="hold">
-                                          <p:stCondLst>
-                                            <p:cond delay="0"/>
-                                          </p:stCondLst>
-                                        </p:cTn>
-                                        <p:tgtEl>
-                                          <p:spTgt spid="3">
-                                            <p:txEl>
-                                              <p:pRg st="6" end="6"/>
-                                            </p:txEl>
-                                          </p:spTgt>
-                                        </p:tgtEl>
-                                        <p:attrNameLst>
-                                          <p:attrName>style.visibility</p:attrName>
-                                        </p:attrNameLst>
-                                      </p:cBhvr>
-                                      <p:to>
-                                        <p:strVal val="visible"/>
-                                      </p:to>
-                                    </p:set>
-                                    <p:animEffect transition="in" filter="fade">
-                                      <p:cBhvr>
-                                        <p:cTn id="39" dur="1000"/>
-                                        <p:tgtEl>
-                                          <p:spTgt spid="3">
-                                            <p:txEl>
-                                              <p:pRg st="6" end="6"/>
-                                            </p:txEl>
-                                          </p:spTgt>
-                                        </p:tgtEl>
-                                      </p:cBhvr>
-                                    </p:animEffect>
-                                    <p:anim calcmode="lin" valueType="num">
-                                      <p:cBhvr>
-                                        <p:cTn id="40" dur="1000" fill="hold"/>
-                                        <p:tgtEl>
-                                          <p:spTgt spid="3">
-                                            <p:txEl>
-                                              <p:pRg st="6" end="6"/>
-                                            </p:txEl>
-                                          </p:spTgt>
-                                        </p:tgtEl>
-                                        <p:attrNameLst>
-                                          <p:attrName>ppt_x</p:attrName>
-                                        </p:attrNameLst>
-                                      </p:cBhvr>
-                                      <p:tavLst>
-                                        <p:tav tm="0">
-                                          <p:val>
-                                            <p:strVal val="#ppt_x"/>
-                                          </p:val>
-                                        </p:tav>
-                                        <p:tav tm="100000">
-                                          <p:val>
-                                            <p:strVal val="#ppt_x"/>
-                                          </p:val>
-                                        </p:tav>
-                                      </p:tavLst>
-                                    </p:anim>
-                                    <p:anim calcmode="lin" valueType="num">
-                                      <p:cBhvr>
-                                        <p:cTn id="41" dur="1000" fill="hold"/>
-                                        <p:tgtEl>
-                                          <p:spTgt spid="3">
-                                            <p:txEl>
-                                              <p:pRg st="6" end="6"/>
-                                            </p:txEl>
-                                          </p:spTgt>
-                                        </p:tgtEl>
-                                        <p:attrNameLst>
-                                          <p:attrName>ppt_y</p:attrName>
-                                        </p:attrNameLst>
-                                      </p:cBhvr>
-                                      <p:tavLst>
-                                        <p:tav tm="0">
-                                          <p:val>
-                                            <p:strVal val="#ppt_y+.1"/>
-                                          </p:val>
-                                        </p:tav>
-                                        <p:tav tm="100000">
-                                          <p:val>
-                                            <p:strVal val="#ppt_y"/>
-                                          </p:val>
-                                        </p:tav>
-                                      </p:tavLst>
-                                    </p:anim>
-                                  </p:childTnLst>
-                                </p:cTn>
-                              </p:par>
-                            </p:childTnLst>
-                          </p:cTn>
-                        </p:par>
-                      </p:childTnLst>
-                    </p:cTn>
-                  </p:par>
-                </p:childTnLst>
-              </p:cTn>
-              <p:prevCondLst>
-                <p:cond evt="onPrev" delay="0">
-                  <p:tgtEl>
-                    <p:sldTgt/>
-                  </p:tgtEl>
-                </p:cond>
-              </p:prevCondLst>
-              <p:nextCondLst>
-                <p:cond evt="onNext" delay="0">
-                  <p:tgtEl>
-                    <p:sldTgt/>
-                  </p:tgtEl>
-                </p:cond>
-              </p:nextCondLst>
-            </p:seq>
-          </p:childTnLst>
-        </p:cTn>
+        <p:cTn id="1" dur="indefinite" restart="never" nodeType="tmRoot"/>
       </p:par>
     </p:tnLst>
   </p:timing>
@@ -15002,7 +14700,7 @@
           <a:p>
             <a:r>
               <a:rPr lang="en-US" dirty="0" smtClean="0"/>
-              <a:t>Career Fields at S&amp;S</a:t>
+              <a:t>Vice President-  Deanna May</a:t>
             </a:r>
             <a:endParaRPr lang="en-US" dirty="0"/>
           </a:p>
@@ -15020,26 +14718,17 @@
         </p:nvSpPr>
         <p:spPr/>
         <p:txBody>
-          <a:bodyPr>
-            <a:normAutofit/>
-          </a:bodyPr>
+          <a:bodyPr/>
           <a:lstStyle/>
           <a:p>
-            <a:endParaRPr lang="en-US" dirty="0" smtClean="0"/>
-          </a:p>
-          <a:p>
-            <a:pPr lvl="1"/>
-            <a:endParaRPr lang="en-US" dirty="0" smtClean="0"/>
-          </a:p>
-          <a:p>
-            <a:endParaRPr lang="en-US" dirty="0"/>
+            <a:endParaRPr lang="en-US"/>
           </a:p>
         </p:txBody>
       </p:sp>
     </p:spTree>
     <p:extLst>
       <p:ext uri="{BB962C8B-B14F-4D97-AF65-F5344CB8AC3E}">
-        <p14:creationId xmlns:p14="http://schemas.microsoft.com/office/powerpoint/2010/main" val="1413761337"/>
+        <p14:creationId xmlns:p14="http://schemas.microsoft.com/office/powerpoint/2010/main" val="2177194635"/>
       </p:ext>
     </p:extLst>
   </p:cSld>
@@ -15085,14 +14774,16 @@
         </p:nvSpPr>
         <p:spPr/>
         <p:txBody>
-          <a:bodyPr/>
+          <a:bodyPr>
+            <a:normAutofit/>
+          </a:bodyPr>
           <a:lstStyle/>
           <a:p>
             <a:r>
-              <a:rPr lang="en-US" dirty="0" smtClean="0"/>
-              <a:t>Software Development Jobs</a:t>
+              <a:rPr lang="en-US" sz="3200" dirty="0" smtClean="0"/>
+              <a:t>Type of Jobs in Software Development</a:t>
             </a:r>
-            <a:endParaRPr lang="en-US" dirty="0"/>
+            <a:endParaRPr lang="en-US" sz="3200" dirty="0"/>
           </a:p>
         </p:txBody>
       </p:sp>
@@ -15109,72 +14800,74 @@
         <p:spPr/>
         <p:txBody>
           <a:bodyPr>
-            <a:normAutofit fontScale="92500" lnSpcReduction="10000"/>
+            <a:normAutofit/>
           </a:bodyPr>
           <a:lstStyle/>
           <a:p>
             <a:r>
               <a:rPr lang="en-US" dirty="0" smtClean="0"/>
-              <a:t>Systems Programmer </a:t>
+              <a:t>Web Programming</a:t>
             </a:r>
           </a:p>
           <a:p>
             <a:pPr lvl="1"/>
             <a:r>
               <a:rPr lang="en-US" dirty="0" smtClean="0"/>
-              <a:t>Printer Drivers</a:t>
+              <a:t>Web Sites-  cnn.com, yahoo.com</a:t>
             </a:r>
           </a:p>
           <a:p>
             <a:pPr lvl="1"/>
             <a:r>
               <a:rPr lang="en-US" dirty="0" smtClean="0"/>
-              <a:t>Operating systems</a:t>
+              <a:t>Web Apps-  </a:t>
+            </a:r>
+            <a:r>
+              <a:rPr lang="en-US" dirty="0" err="1" smtClean="0"/>
+              <a:t>gmail</a:t>
+            </a:r>
+            <a:r>
+              <a:rPr lang="en-US" dirty="0" smtClean="0"/>
+              <a:t>, </a:t>
+            </a:r>
+            <a:r>
+              <a:rPr lang="en-US" dirty="0" err="1" smtClean="0"/>
+              <a:t>google</a:t>
+            </a:r>
+            <a:r>
+              <a:rPr lang="en-US" dirty="0" smtClean="0"/>
+              <a:t> spreadsheets</a:t>
+            </a:r>
+          </a:p>
+          <a:p>
+            <a:r>
+              <a:rPr lang="en-US" dirty="0" smtClean="0"/>
+              <a:t>Windows Desktop programming</a:t>
             </a:r>
           </a:p>
           <a:p>
             <a:pPr lvl="1"/>
             <a:r>
               <a:rPr lang="en-US" dirty="0" smtClean="0"/>
-              <a:t>Robotics</a:t>
+              <a:t>Apps that run on windows</a:t>
             </a:r>
           </a:p>
           <a:p>
             <a:pPr lvl="1"/>
             <a:r>
               <a:rPr lang="en-US" dirty="0" smtClean="0"/>
-              <a:t>C/C++  </a:t>
-            </a:r>
-          </a:p>
-          <a:p>
-            <a:pPr lvl="1"/>
-            <a:r>
-              <a:rPr lang="en-US" dirty="0" smtClean="0"/>
-              <a:t>Rust</a:t>
-            </a:r>
-          </a:p>
-          <a:p>
-            <a:r>
-              <a:rPr lang="en-US" dirty="0" smtClean="0"/>
-              <a:t>Games Programmer</a:t>
-            </a:r>
-          </a:p>
-          <a:p>
-            <a:r>
-              <a:rPr lang="en-US" dirty="0" smtClean="0"/>
-              <a:t>Research (</a:t>
+              <a:t>.NET -  </a:t>
             </a:r>
             <a:r>
               <a:rPr lang="en-US" dirty="0" err="1" smtClean="0"/>
-              <a:t>Phd</a:t>
+              <a:t>vb</a:t>
             </a:r>
             <a:r>
               <a:rPr lang="en-US" dirty="0" smtClean="0"/>
-              <a:t>)</a:t>
+              <a:t>, C#</a:t>
             </a:r>
           </a:p>
           <a:p>
-            <a:pPr lvl="1"/>
             <a:endParaRPr lang="en-US" dirty="0"/>
           </a:p>
         </p:txBody>
@@ -15495,297 +15188,6 @@
                                   </p:childTnLst>
                                 </p:cTn>
                               </p:par>
-                              <p:par>
-                                <p:cTn id="20" presetID="42" presetClass="entr" presetSubtype="0" fill="hold" nodeType="withEffect">
-                                  <p:stCondLst>
-                                    <p:cond delay="0"/>
-                                  </p:stCondLst>
-                                  <p:childTnLst>
-                                    <p:set>
-                                      <p:cBhvr>
-                                        <p:cTn id="21" dur="1" fill="hold">
-                                          <p:stCondLst>
-                                            <p:cond delay="0"/>
-                                          </p:stCondLst>
-                                        </p:cTn>
-                                        <p:tgtEl>
-                                          <p:spTgt spid="3">
-                                            <p:txEl>
-                                              <p:pRg st="3" end="3"/>
-                                            </p:txEl>
-                                          </p:spTgt>
-                                        </p:tgtEl>
-                                        <p:attrNameLst>
-                                          <p:attrName>style.visibility</p:attrName>
-                                        </p:attrNameLst>
-                                      </p:cBhvr>
-                                      <p:to>
-                                        <p:strVal val="visible"/>
-                                      </p:to>
-                                    </p:set>
-                                    <p:animEffect transition="in" filter="fade">
-                                      <p:cBhvr>
-                                        <p:cTn id="22" dur="1000"/>
-                                        <p:tgtEl>
-                                          <p:spTgt spid="3">
-                                            <p:txEl>
-                                              <p:pRg st="3" end="3"/>
-                                            </p:txEl>
-                                          </p:spTgt>
-                                        </p:tgtEl>
-                                      </p:cBhvr>
-                                    </p:animEffect>
-                                    <p:anim calcmode="lin" valueType="num">
-                                      <p:cBhvr>
-                                        <p:cTn id="23" dur="1000" fill="hold"/>
-                                        <p:tgtEl>
-                                          <p:spTgt spid="3">
-                                            <p:txEl>
-                                              <p:pRg st="3" end="3"/>
-                                            </p:txEl>
-                                          </p:spTgt>
-                                        </p:tgtEl>
-                                        <p:attrNameLst>
-                                          <p:attrName>ppt_x</p:attrName>
-                                        </p:attrNameLst>
-                                      </p:cBhvr>
-                                      <p:tavLst>
-                                        <p:tav tm="0">
-                                          <p:val>
-                                            <p:strVal val="#ppt_x"/>
-                                          </p:val>
-                                        </p:tav>
-                                        <p:tav tm="100000">
-                                          <p:val>
-                                            <p:strVal val="#ppt_x"/>
-                                          </p:val>
-                                        </p:tav>
-                                      </p:tavLst>
-                                    </p:anim>
-                                    <p:anim calcmode="lin" valueType="num">
-                                      <p:cBhvr>
-                                        <p:cTn id="24" dur="1000" fill="hold"/>
-                                        <p:tgtEl>
-                                          <p:spTgt spid="3">
-                                            <p:txEl>
-                                              <p:pRg st="3" end="3"/>
-                                            </p:txEl>
-                                          </p:spTgt>
-                                        </p:tgtEl>
-                                        <p:attrNameLst>
-                                          <p:attrName>ppt_y</p:attrName>
-                                        </p:attrNameLst>
-                                      </p:cBhvr>
-                                      <p:tavLst>
-                                        <p:tav tm="0">
-                                          <p:val>
-                                            <p:strVal val="#ppt_y+.1"/>
-                                          </p:val>
-                                        </p:tav>
-                                        <p:tav tm="100000">
-                                          <p:val>
-                                            <p:strVal val="#ppt_y"/>
-                                          </p:val>
-                                        </p:tav>
-                                      </p:tavLst>
-                                    </p:anim>
-                                  </p:childTnLst>
-                                </p:cTn>
-                              </p:par>
-                              <p:par>
-                                <p:cTn id="25" presetID="42" presetClass="entr" presetSubtype="0" fill="hold" nodeType="withEffect">
-                                  <p:stCondLst>
-                                    <p:cond delay="0"/>
-                                  </p:stCondLst>
-                                  <p:childTnLst>
-                                    <p:set>
-                                      <p:cBhvr>
-                                        <p:cTn id="26" dur="1" fill="hold">
-                                          <p:stCondLst>
-                                            <p:cond delay="0"/>
-                                          </p:stCondLst>
-                                        </p:cTn>
-                                        <p:tgtEl>
-                                          <p:spTgt spid="3">
-                                            <p:txEl>
-                                              <p:pRg st="4" end="4"/>
-                                            </p:txEl>
-                                          </p:spTgt>
-                                        </p:tgtEl>
-                                        <p:attrNameLst>
-                                          <p:attrName>style.visibility</p:attrName>
-                                        </p:attrNameLst>
-                                      </p:cBhvr>
-                                      <p:to>
-                                        <p:strVal val="visible"/>
-                                      </p:to>
-                                    </p:set>
-                                    <p:animEffect transition="in" filter="fade">
-                                      <p:cBhvr>
-                                        <p:cTn id="27" dur="1000"/>
-                                        <p:tgtEl>
-                                          <p:spTgt spid="3">
-                                            <p:txEl>
-                                              <p:pRg st="4" end="4"/>
-                                            </p:txEl>
-                                          </p:spTgt>
-                                        </p:tgtEl>
-                                      </p:cBhvr>
-                                    </p:animEffect>
-                                    <p:anim calcmode="lin" valueType="num">
-                                      <p:cBhvr>
-                                        <p:cTn id="28" dur="1000" fill="hold"/>
-                                        <p:tgtEl>
-                                          <p:spTgt spid="3">
-                                            <p:txEl>
-                                              <p:pRg st="4" end="4"/>
-                                            </p:txEl>
-                                          </p:spTgt>
-                                        </p:tgtEl>
-                                        <p:attrNameLst>
-                                          <p:attrName>ppt_x</p:attrName>
-                                        </p:attrNameLst>
-                                      </p:cBhvr>
-                                      <p:tavLst>
-                                        <p:tav tm="0">
-                                          <p:val>
-                                            <p:strVal val="#ppt_x"/>
-                                          </p:val>
-                                        </p:tav>
-                                        <p:tav tm="100000">
-                                          <p:val>
-                                            <p:strVal val="#ppt_x"/>
-                                          </p:val>
-                                        </p:tav>
-                                      </p:tavLst>
-                                    </p:anim>
-                                    <p:anim calcmode="lin" valueType="num">
-                                      <p:cBhvr>
-                                        <p:cTn id="29" dur="1000" fill="hold"/>
-                                        <p:tgtEl>
-                                          <p:spTgt spid="3">
-                                            <p:txEl>
-                                              <p:pRg st="4" end="4"/>
-                                            </p:txEl>
-                                          </p:spTgt>
-                                        </p:tgtEl>
-                                        <p:attrNameLst>
-                                          <p:attrName>ppt_y</p:attrName>
-                                        </p:attrNameLst>
-                                      </p:cBhvr>
-                                      <p:tavLst>
-                                        <p:tav tm="0">
-                                          <p:val>
-                                            <p:strVal val="#ppt_y+.1"/>
-                                          </p:val>
-                                        </p:tav>
-                                        <p:tav tm="100000">
-                                          <p:val>
-                                            <p:strVal val="#ppt_y"/>
-                                          </p:val>
-                                        </p:tav>
-                                      </p:tavLst>
-                                    </p:anim>
-                                  </p:childTnLst>
-                                </p:cTn>
-                              </p:par>
-                              <p:par>
-                                <p:cTn id="30" presetID="42" presetClass="entr" presetSubtype="0" fill="hold" nodeType="withEffect">
-                                  <p:stCondLst>
-                                    <p:cond delay="0"/>
-                                  </p:stCondLst>
-                                  <p:childTnLst>
-                                    <p:set>
-                                      <p:cBhvr>
-                                        <p:cTn id="31" dur="1" fill="hold">
-                                          <p:stCondLst>
-                                            <p:cond delay="0"/>
-                                          </p:stCondLst>
-                                        </p:cTn>
-                                        <p:tgtEl>
-                                          <p:spTgt spid="3">
-                                            <p:txEl>
-                                              <p:pRg st="5" end="5"/>
-                                            </p:txEl>
-                                          </p:spTgt>
-                                        </p:tgtEl>
-                                        <p:attrNameLst>
-                                          <p:attrName>style.visibility</p:attrName>
-                                        </p:attrNameLst>
-                                      </p:cBhvr>
-                                      <p:to>
-                                        <p:strVal val="visible"/>
-                                      </p:to>
-                                    </p:set>
-                                    <p:animEffect transition="in" filter="fade">
-                                      <p:cBhvr>
-                                        <p:cTn id="32" dur="1000"/>
-                                        <p:tgtEl>
-                                          <p:spTgt spid="3">
-                                            <p:txEl>
-                                              <p:pRg st="5" end="5"/>
-                                            </p:txEl>
-                                          </p:spTgt>
-                                        </p:tgtEl>
-                                      </p:cBhvr>
-                                    </p:animEffect>
-                                    <p:anim calcmode="lin" valueType="num">
-                                      <p:cBhvr>
-                                        <p:cTn id="33" dur="1000" fill="hold"/>
-                                        <p:tgtEl>
-                                          <p:spTgt spid="3">
-                                            <p:txEl>
-                                              <p:pRg st="5" end="5"/>
-                                            </p:txEl>
-                                          </p:spTgt>
-                                        </p:tgtEl>
-                                        <p:attrNameLst>
-                                          <p:attrName>ppt_x</p:attrName>
-                                        </p:attrNameLst>
-                                      </p:cBhvr>
-                                      <p:tavLst>
-                                        <p:tav tm="0">
-                                          <p:val>
-                                            <p:strVal val="#ppt_x"/>
-                                          </p:val>
-                                        </p:tav>
-                                        <p:tav tm="100000">
-                                          <p:val>
-                                            <p:strVal val="#ppt_x"/>
-                                          </p:val>
-                                        </p:tav>
-                                      </p:tavLst>
-                                    </p:anim>
-                                    <p:anim calcmode="lin" valueType="num">
-                                      <p:cBhvr>
-                                        <p:cTn id="34" dur="1000" fill="hold"/>
-                                        <p:tgtEl>
-                                          <p:spTgt spid="3">
-                                            <p:txEl>
-                                              <p:pRg st="5" end="5"/>
-                                            </p:txEl>
-                                          </p:spTgt>
-                                        </p:tgtEl>
-                                        <p:attrNameLst>
-                                          <p:attrName>ppt_y</p:attrName>
-                                        </p:attrNameLst>
-                                      </p:cBhvr>
-                                      <p:tavLst>
-                                        <p:tav tm="0">
-                                          <p:val>
-                                            <p:strVal val="#ppt_y+.1"/>
-                                          </p:val>
-                                        </p:tav>
-                                        <p:tav tm="100000">
-                                          <p:val>
-                                            <p:strVal val="#ppt_y"/>
-                                          </p:val>
-                                        </p:tav>
-                                      </p:tavLst>
-                                    </p:anim>
-                                  </p:childTnLst>
-                                </p:cTn>
-                              </p:par>
                             </p:childTnLst>
                           </p:cTn>
                         </p:par>
@@ -15793,26 +15195,26 @@
                     </p:cTn>
                   </p:par>
                   <p:par>
-                    <p:cTn id="35" fill="hold">
+                    <p:cTn id="20" fill="hold">
                       <p:stCondLst>
                         <p:cond delay="indefinite"/>
                       </p:stCondLst>
                       <p:childTnLst>
                         <p:par>
-                          <p:cTn id="36" fill="hold">
+                          <p:cTn id="21" fill="hold">
                             <p:stCondLst>
                               <p:cond delay="0"/>
                             </p:stCondLst>
                             <p:childTnLst>
                               <p:par>
-                                <p:cTn id="37" presetID="42" presetClass="entr" presetSubtype="0" fill="hold" nodeType="clickEffect">
+                                <p:cTn id="22" presetID="42" presetClass="entr" presetSubtype="0" fill="hold" nodeType="clickEffect">
                                   <p:stCondLst>
                                     <p:cond delay="0"/>
                                   </p:stCondLst>
                                   <p:childTnLst>
                                     <p:set>
                                       <p:cBhvr>
-                                        <p:cTn id="38" dur="1" fill="hold">
+                                        <p:cTn id="23" dur="1" fill="hold">
                                           <p:stCondLst>
                                             <p:cond delay="0"/>
                                           </p:stCondLst>
@@ -15820,7 +15222,7 @@
                                         <p:tgtEl>
                                           <p:spTgt spid="3">
                                             <p:txEl>
-                                              <p:pRg st="6" end="6"/>
+                                              <p:pRg st="3" end="3"/>
                                             </p:txEl>
                                           </p:spTgt>
                                         </p:tgtEl>
@@ -15834,11 +15236,11 @@
                                     </p:set>
                                     <p:animEffect transition="in" filter="fade">
                                       <p:cBhvr>
-                                        <p:cTn id="39" dur="1000"/>
-                                        <p:tgtEl>
-                                          <p:spTgt spid="3">
-                                            <p:txEl>
-                                              <p:pRg st="6" end="6"/>
+                                        <p:cTn id="24" dur="1000"/>
+                                        <p:tgtEl>
+                                          <p:spTgt spid="3">
+                                            <p:txEl>
+                                              <p:pRg st="3" end="3"/>
                                             </p:txEl>
                                           </p:spTgt>
                                         </p:tgtEl>
@@ -15846,11 +15248,11 @@
                                     </p:animEffect>
                                     <p:anim calcmode="lin" valueType="num">
                                       <p:cBhvr>
-                                        <p:cTn id="40" dur="1000" fill="hold"/>
-                                        <p:tgtEl>
-                                          <p:spTgt spid="3">
-                                            <p:txEl>
-                                              <p:pRg st="6" end="6"/>
+                                        <p:cTn id="25" dur="1000" fill="hold"/>
+                                        <p:tgtEl>
+                                          <p:spTgt spid="3">
+                                            <p:txEl>
+                                              <p:pRg st="3" end="3"/>
                                             </p:txEl>
                                           </p:spTgt>
                                         </p:tgtEl>
@@ -15873,11 +15275,11 @@
                                     </p:anim>
                                     <p:anim calcmode="lin" valueType="num">
                                       <p:cBhvr>
-                                        <p:cTn id="41" dur="1000" fill="hold"/>
-                                        <p:tgtEl>
-                                          <p:spTgt spid="3">
-                                            <p:txEl>
-                                              <p:pRg st="6" end="6"/>
+                                        <p:cTn id="26" dur="1000" fill="hold"/>
+                                        <p:tgtEl>
+                                          <p:spTgt spid="3">
+                                            <p:txEl>
+                                              <p:pRg st="3" end="3"/>
                                             </p:txEl>
                                           </p:spTgt>
                                         </p:tgtEl>
@@ -15901,33 +15303,15 @@
                                   </p:childTnLst>
                                 </p:cTn>
                               </p:par>
-                            </p:childTnLst>
-                          </p:cTn>
-                        </p:par>
-                      </p:childTnLst>
-                    </p:cTn>
-                  </p:par>
-                  <p:par>
-                    <p:cTn id="42" fill="hold">
-                      <p:stCondLst>
-                        <p:cond delay="indefinite"/>
-                      </p:stCondLst>
-                      <p:childTnLst>
-                        <p:par>
-                          <p:cTn id="43" fill="hold">
-                            <p:stCondLst>
-                              <p:cond delay="0"/>
-                            </p:stCondLst>
-                            <p:childTnLst>
                               <p:par>
-                                <p:cTn id="44" presetID="42" presetClass="entr" presetSubtype="0" fill="hold" nodeType="clickEffect">
+                                <p:cTn id="27" presetID="42" presetClass="entr" presetSubtype="0" fill="hold" nodeType="withEffect">
                                   <p:stCondLst>
                                     <p:cond delay="0"/>
                                   </p:stCondLst>
                                   <p:childTnLst>
                                     <p:set>
                                       <p:cBhvr>
-                                        <p:cTn id="45" dur="1" fill="hold">
+                                        <p:cTn id="28" dur="1" fill="hold">
                                           <p:stCondLst>
                                             <p:cond delay="0"/>
                                           </p:stCondLst>
@@ -15935,7 +15319,7 @@
                                         <p:tgtEl>
                                           <p:spTgt spid="3">
                                             <p:txEl>
-                                              <p:pRg st="7" end="7"/>
+                                              <p:pRg st="4" end="4"/>
                                             </p:txEl>
                                           </p:spTgt>
                                         </p:tgtEl>
@@ -15949,11 +15333,11 @@
                                     </p:set>
                                     <p:animEffect transition="in" filter="fade">
                                       <p:cBhvr>
-                                        <p:cTn id="46" dur="1000"/>
-                                        <p:tgtEl>
-                                          <p:spTgt spid="3">
-                                            <p:txEl>
-                                              <p:pRg st="7" end="7"/>
+                                        <p:cTn id="29" dur="1000"/>
+                                        <p:tgtEl>
+                                          <p:spTgt spid="3">
+                                            <p:txEl>
+                                              <p:pRg st="4" end="4"/>
                                             </p:txEl>
                                           </p:spTgt>
                                         </p:tgtEl>
@@ -15961,11 +15345,11 @@
                                     </p:animEffect>
                                     <p:anim calcmode="lin" valueType="num">
                                       <p:cBhvr>
-                                        <p:cTn id="47" dur="1000" fill="hold"/>
-                                        <p:tgtEl>
-                                          <p:spTgt spid="3">
-                                            <p:txEl>
-                                              <p:pRg st="7" end="7"/>
+                                        <p:cTn id="30" dur="1000" fill="hold"/>
+                                        <p:tgtEl>
+                                          <p:spTgt spid="3">
+                                            <p:txEl>
+                                              <p:pRg st="4" end="4"/>
                                             </p:txEl>
                                           </p:spTgt>
                                         </p:tgtEl>
@@ -15988,11 +15372,108 @@
                                     </p:anim>
                                     <p:anim calcmode="lin" valueType="num">
                                       <p:cBhvr>
-                                        <p:cTn id="48" dur="1000" fill="hold"/>
-                                        <p:tgtEl>
-                                          <p:spTgt spid="3">
-                                            <p:txEl>
-                                              <p:pRg st="7" end="7"/>
+                                        <p:cTn id="31" dur="1000" fill="hold"/>
+                                        <p:tgtEl>
+                                          <p:spTgt spid="3">
+                                            <p:txEl>
+                                              <p:pRg st="4" end="4"/>
+                                            </p:txEl>
+                                          </p:spTgt>
+                                        </p:tgtEl>
+                                        <p:attrNameLst>
+                                          <p:attrName>ppt_y</p:attrName>
+                                        </p:attrNameLst>
+                                      </p:cBhvr>
+                                      <p:tavLst>
+                                        <p:tav tm="0">
+                                          <p:val>
+                                            <p:strVal val="#ppt_y+.1"/>
+                                          </p:val>
+                                        </p:tav>
+                                        <p:tav tm="100000">
+                                          <p:val>
+                                            <p:strVal val="#ppt_y"/>
+                                          </p:val>
+                                        </p:tav>
+                                      </p:tavLst>
+                                    </p:anim>
+                                  </p:childTnLst>
+                                </p:cTn>
+                              </p:par>
+                              <p:par>
+                                <p:cTn id="32" presetID="42" presetClass="entr" presetSubtype="0" fill="hold" nodeType="withEffect">
+                                  <p:stCondLst>
+                                    <p:cond delay="0"/>
+                                  </p:stCondLst>
+                                  <p:childTnLst>
+                                    <p:set>
+                                      <p:cBhvr>
+                                        <p:cTn id="33" dur="1" fill="hold">
+                                          <p:stCondLst>
+                                            <p:cond delay="0"/>
+                                          </p:stCondLst>
+                                        </p:cTn>
+                                        <p:tgtEl>
+                                          <p:spTgt spid="3">
+                                            <p:txEl>
+                                              <p:pRg st="5" end="5"/>
+                                            </p:txEl>
+                                          </p:spTgt>
+                                        </p:tgtEl>
+                                        <p:attrNameLst>
+                                          <p:attrName>style.visibility</p:attrName>
+                                        </p:attrNameLst>
+                                      </p:cBhvr>
+                                      <p:to>
+                                        <p:strVal val="visible"/>
+                                      </p:to>
+                                    </p:set>
+                                    <p:animEffect transition="in" filter="fade">
+                                      <p:cBhvr>
+                                        <p:cTn id="34" dur="1000"/>
+                                        <p:tgtEl>
+                                          <p:spTgt spid="3">
+                                            <p:txEl>
+                                              <p:pRg st="5" end="5"/>
+                                            </p:txEl>
+                                          </p:spTgt>
+                                        </p:tgtEl>
+                                      </p:cBhvr>
+                                    </p:animEffect>
+                                    <p:anim calcmode="lin" valueType="num">
+                                      <p:cBhvr>
+                                        <p:cTn id="35" dur="1000" fill="hold"/>
+                                        <p:tgtEl>
+                                          <p:spTgt spid="3">
+                                            <p:txEl>
+                                              <p:pRg st="5" end="5"/>
+                                            </p:txEl>
+                                          </p:spTgt>
+                                        </p:tgtEl>
+                                        <p:attrNameLst>
+                                          <p:attrName>ppt_x</p:attrName>
+                                        </p:attrNameLst>
+                                      </p:cBhvr>
+                                      <p:tavLst>
+                                        <p:tav tm="0">
+                                          <p:val>
+                                            <p:strVal val="#ppt_x"/>
+                                          </p:val>
+                                        </p:tav>
+                                        <p:tav tm="100000">
+                                          <p:val>
+                                            <p:strVal val="#ppt_x"/>
+                                          </p:val>
+                                        </p:tav>
+                                      </p:tavLst>
+                                    </p:anim>
+                                    <p:anim calcmode="lin" valueType="num">
+                                      <p:cBhvr>
+                                        <p:cTn id="36" dur="1000" fill="hold"/>
+                                        <p:tgtEl>
+                                          <p:spTgt spid="3">
+                                            <p:txEl>
+                                              <p:pRg st="5" end="5"/>
                                             </p:txEl>
                                           </p:spTgt>
                                         </p:tgtEl>
@@ -16081,7 +15562,7 @@
           <a:p>
             <a:r>
               <a:rPr lang="en-US" dirty="0" smtClean="0"/>
-              <a:t>Non-Programming Jobs</a:t>
+              <a:t>Software Development Jobs..</a:t>
             </a:r>
             <a:endParaRPr lang="en-US" dirty="0"/>
           </a:p>
@@ -16104,38 +15585,37 @@
           <a:p>
             <a:r>
               <a:rPr lang="en-US" dirty="0" smtClean="0"/>
-              <a:t>Tech Support</a:t>
+              <a:t>Mobile Development</a:t>
             </a:r>
           </a:p>
           <a:p>
+            <a:pPr lvl="1"/>
             <a:r>
               <a:rPr lang="en-US" dirty="0" smtClean="0"/>
-              <a:t>Network Administrator</a:t>
+              <a:t>Android Apps</a:t>
             </a:r>
           </a:p>
           <a:p>
+            <a:pPr lvl="1"/>
+            <a:r>
+              <a:rPr lang="en-US" dirty="0" err="1" smtClean="0"/>
+              <a:t>Iphone</a:t>
+            </a:r>
             <a:r>
               <a:rPr lang="en-US" dirty="0" smtClean="0"/>
-              <a:t>IT Manager</a:t>
+              <a:t> Apps</a:t>
             </a:r>
           </a:p>
           <a:p>
             <a:r>
               <a:rPr lang="en-US" dirty="0" smtClean="0"/>
-              <a:t>Computer Repair Technician</a:t>
+              <a:t>Database Developer or Administrator</a:t>
             </a:r>
           </a:p>
           <a:p>
-            <a:r>
-              <a:rPr lang="en-US" dirty="0" smtClean="0"/>
-              <a:t>Graphic Design</a:t>
-            </a:r>
-          </a:p>
-          <a:p>
-            <a:r>
-              <a:rPr lang="en-US" dirty="0" smtClean="0"/>
-              <a:t>Quality Assurance (Tester)</a:t>
-            </a:r>
+            <a:pPr marL="457200" lvl="1" indent="0">
+              <a:buNone/>
+            </a:pPr>
             <a:endParaRPr lang="en-US" dirty="0"/>
           </a:p>
         </p:txBody>
@@ -16262,33 +15742,15 @@
                                   </p:childTnLst>
                                 </p:cTn>
                               </p:par>
-                            </p:childTnLst>
-                          </p:cTn>
-                        </p:par>
-                      </p:childTnLst>
-                    </p:cTn>
-                  </p:par>
-                  <p:par>
-                    <p:cTn id="10" fill="hold">
-                      <p:stCondLst>
-                        <p:cond delay="indefinite"/>
-                      </p:stCondLst>
-                      <p:childTnLst>
-                        <p:par>
-                          <p:cTn id="11" fill="hold">
-                            <p:stCondLst>
-                              <p:cond delay="0"/>
-                            </p:stCondLst>
-                            <p:childTnLst>
                               <p:par>
-                                <p:cTn id="12" presetID="42" presetClass="entr" presetSubtype="0" fill="hold" nodeType="clickEffect">
+                                <p:cTn id="10" presetID="42" presetClass="entr" presetSubtype="0" fill="hold" nodeType="withEffect">
                                   <p:stCondLst>
                                     <p:cond delay="0"/>
                                   </p:stCondLst>
                                   <p:childTnLst>
                                     <p:set>
                                       <p:cBhvr>
-                                        <p:cTn id="13" dur="1" fill="hold">
+                                        <p:cTn id="11" dur="1" fill="hold">
                                           <p:stCondLst>
                                             <p:cond delay="0"/>
                                           </p:stCondLst>
@@ -16310,7 +15772,7 @@
                                     </p:set>
                                     <p:animEffect transition="in" filter="fade">
                                       <p:cBhvr>
-                                        <p:cTn id="14" dur="1000"/>
+                                        <p:cTn id="12" dur="1000"/>
                                         <p:tgtEl>
                                           <p:spTgt spid="3">
                                             <p:txEl>
@@ -16322,7 +15784,7 @@
                                     </p:animEffect>
                                     <p:anim calcmode="lin" valueType="num">
                                       <p:cBhvr>
-                                        <p:cTn id="15" dur="1000" fill="hold"/>
+                                        <p:cTn id="13" dur="1000" fill="hold"/>
                                         <p:tgtEl>
                                           <p:spTgt spid="3">
                                             <p:txEl>
@@ -16349,11 +15811,108 @@
                                     </p:anim>
                                     <p:anim calcmode="lin" valueType="num">
                                       <p:cBhvr>
-                                        <p:cTn id="16" dur="1000" fill="hold"/>
+                                        <p:cTn id="14" dur="1000" fill="hold"/>
                                         <p:tgtEl>
                                           <p:spTgt spid="3">
                                             <p:txEl>
                                               <p:pRg st="1" end="1"/>
+                                            </p:txEl>
+                                          </p:spTgt>
+                                        </p:tgtEl>
+                                        <p:attrNameLst>
+                                          <p:attrName>ppt_y</p:attrName>
+                                        </p:attrNameLst>
+                                      </p:cBhvr>
+                                      <p:tavLst>
+                                        <p:tav tm="0">
+                                          <p:val>
+                                            <p:strVal val="#ppt_y+.1"/>
+                                          </p:val>
+                                        </p:tav>
+                                        <p:tav tm="100000">
+                                          <p:val>
+                                            <p:strVal val="#ppt_y"/>
+                                          </p:val>
+                                        </p:tav>
+                                      </p:tavLst>
+                                    </p:anim>
+                                  </p:childTnLst>
+                                </p:cTn>
+                              </p:par>
+                              <p:par>
+                                <p:cTn id="15" presetID="42" presetClass="entr" presetSubtype="0" fill="hold" nodeType="withEffect">
+                                  <p:stCondLst>
+                                    <p:cond delay="0"/>
+                                  </p:stCondLst>
+                                  <p:childTnLst>
+                                    <p:set>
+                                      <p:cBhvr>
+                                        <p:cTn id="16" dur="1" fill="hold">
+                                          <p:stCondLst>
+                                            <p:cond delay="0"/>
+                                          </p:stCondLst>
+                                        </p:cTn>
+                                        <p:tgtEl>
+                                          <p:spTgt spid="3">
+                                            <p:txEl>
+                                              <p:pRg st="2" end="2"/>
+                                            </p:txEl>
+                                          </p:spTgt>
+                                        </p:tgtEl>
+                                        <p:attrNameLst>
+                                          <p:attrName>style.visibility</p:attrName>
+                                        </p:attrNameLst>
+                                      </p:cBhvr>
+                                      <p:to>
+                                        <p:strVal val="visible"/>
+                                      </p:to>
+                                    </p:set>
+                                    <p:animEffect transition="in" filter="fade">
+                                      <p:cBhvr>
+                                        <p:cTn id="17" dur="1000"/>
+                                        <p:tgtEl>
+                                          <p:spTgt spid="3">
+                                            <p:txEl>
+                                              <p:pRg st="2" end="2"/>
+                                            </p:txEl>
+                                          </p:spTgt>
+                                        </p:tgtEl>
+                                      </p:cBhvr>
+                                    </p:animEffect>
+                                    <p:anim calcmode="lin" valueType="num">
+                                      <p:cBhvr>
+                                        <p:cTn id="18" dur="1000" fill="hold"/>
+                                        <p:tgtEl>
+                                          <p:spTgt spid="3">
+                                            <p:txEl>
+                                              <p:pRg st="2" end="2"/>
+                                            </p:txEl>
+                                          </p:spTgt>
+                                        </p:tgtEl>
+                                        <p:attrNameLst>
+                                          <p:attrName>ppt_x</p:attrName>
+                                        </p:attrNameLst>
+                                      </p:cBhvr>
+                                      <p:tavLst>
+                                        <p:tav tm="0">
+                                          <p:val>
+                                            <p:strVal val="#ppt_x"/>
+                                          </p:val>
+                                        </p:tav>
+                                        <p:tav tm="100000">
+                                          <p:val>
+                                            <p:strVal val="#ppt_x"/>
+                                          </p:val>
+                                        </p:tav>
+                                      </p:tavLst>
+                                    </p:anim>
+                                    <p:anim calcmode="lin" valueType="num">
+                                      <p:cBhvr>
+                                        <p:cTn id="19" dur="1000" fill="hold"/>
+                                        <p:tgtEl>
+                                          <p:spTgt spid="3">
+                                            <p:txEl>
+                                              <p:pRg st="2" end="2"/>
                                             </p:txEl>
                                           </p:spTgt>
                                         </p:tgtEl>
@@ -16384,26 +15943,26 @@
                     </p:cTn>
                   </p:par>
                   <p:par>
-                    <p:cTn id="17" fill="hold">
+                    <p:cTn id="20" fill="hold">
                       <p:stCondLst>
                         <p:cond delay="indefinite"/>
                       </p:stCondLst>
                       <p:childTnLst>
                         <p:par>
-                          <p:cTn id="18" fill="hold">
+                          <p:cTn id="21" fill="hold">
                             <p:stCondLst>
                               <p:cond delay="0"/>
                             </p:stCondLst>
                             <p:childTnLst>
                               <p:par>
-                                <p:cTn id="19" presetID="42" presetClass="entr" presetSubtype="0" fill="hold" nodeType="clickEffect">
+                                <p:cTn id="22" presetID="42" presetClass="entr" presetSubtype="0" fill="hold" nodeType="clickEffect">
                                   <p:stCondLst>
                                     <p:cond delay="0"/>
                                   </p:stCondLst>
                                   <p:childTnLst>
                                     <p:set>
                                       <p:cBhvr>
-                                        <p:cTn id="20" dur="1" fill="hold">
+                                        <p:cTn id="23" dur="1" fill="hold">
                                           <p:stCondLst>
                                             <p:cond delay="0"/>
                                           </p:stCondLst>
@@ -16411,7 +15970,7 @@
                                         <p:tgtEl>
                                           <p:spTgt spid="3">
                                             <p:txEl>
-                                              <p:pRg st="2" end="2"/>
+                                              <p:pRg st="3" end="3"/>
                                             </p:txEl>
                                           </p:spTgt>
                                         </p:tgtEl>
@@ -16425,11 +15984,11 @@
                                     </p:set>
                                     <p:animEffect transition="in" filter="fade">
                                       <p:cBhvr>
-                                        <p:cTn id="21" dur="1000"/>
-                                        <p:tgtEl>
-                                          <p:spTgt spid="3">
-                                            <p:txEl>
-                                              <p:pRg st="2" end="2"/>
+                                        <p:cTn id="24" dur="1000"/>
+                                        <p:tgtEl>
+                                          <p:spTgt spid="3">
+                                            <p:txEl>
+                                              <p:pRg st="3" end="3"/>
                                             </p:txEl>
                                           </p:spTgt>
                                         </p:tgtEl>
@@ -16437,11 +15996,11 @@
                                     </p:animEffect>
                                     <p:anim calcmode="lin" valueType="num">
                                       <p:cBhvr>
-                                        <p:cTn id="22" dur="1000" fill="hold"/>
-                                        <p:tgtEl>
-                                          <p:spTgt spid="3">
-                                            <p:txEl>
-                                              <p:pRg st="2" end="2"/>
+                                        <p:cTn id="25" dur="1000" fill="hold"/>
+                                        <p:tgtEl>
+                                          <p:spTgt spid="3">
+                                            <p:txEl>
+                                              <p:pRg st="3" end="3"/>
                                             </p:txEl>
                                           </p:spTgt>
                                         </p:tgtEl>
@@ -16464,356 +16023,11 @@
                                     </p:anim>
                                     <p:anim calcmode="lin" valueType="num">
                                       <p:cBhvr>
-                                        <p:cTn id="23" dur="1000" fill="hold"/>
-                                        <p:tgtEl>
-                                          <p:spTgt spid="3">
-                                            <p:txEl>
-                                              <p:pRg st="2" end="2"/>
-                                            </p:txEl>
-                                          </p:spTgt>
-                                        </p:tgtEl>
-                                        <p:attrNameLst>
-                                          <p:attrName>ppt_y</p:attrName>
-                                        </p:attrNameLst>
-                                      </p:cBhvr>
-                                      <p:tavLst>
-                                        <p:tav tm="0">
-                                          <p:val>
-                                            <p:strVal val="#ppt_y+.1"/>
-                                          </p:val>
-                                        </p:tav>
-                                        <p:tav tm="100000">
-                                          <p:val>
-                                            <p:strVal val="#ppt_y"/>
-                                          </p:val>
-                                        </p:tav>
-                                      </p:tavLst>
-                                    </p:anim>
-                                  </p:childTnLst>
-                                </p:cTn>
-                              </p:par>
-                            </p:childTnLst>
-                          </p:cTn>
-                        </p:par>
-                      </p:childTnLst>
-                    </p:cTn>
-                  </p:par>
-                  <p:par>
-                    <p:cTn id="24" fill="hold">
-                      <p:stCondLst>
-                        <p:cond delay="indefinite"/>
-                      </p:stCondLst>
-                      <p:childTnLst>
-                        <p:par>
-                          <p:cTn id="25" fill="hold">
-                            <p:stCondLst>
-                              <p:cond delay="0"/>
-                            </p:stCondLst>
-                            <p:childTnLst>
-                              <p:par>
-                                <p:cTn id="26" presetID="42" presetClass="entr" presetSubtype="0" fill="hold" nodeType="clickEffect">
-                                  <p:stCondLst>
-                                    <p:cond delay="0"/>
-                                  </p:stCondLst>
-                                  <p:childTnLst>
-                                    <p:set>
-                                      <p:cBhvr>
-                                        <p:cTn id="27" dur="1" fill="hold">
-                                          <p:stCondLst>
-                                            <p:cond delay="0"/>
-                                          </p:stCondLst>
-                                        </p:cTn>
+                                        <p:cTn id="26" dur="1000" fill="hold"/>
                                         <p:tgtEl>
                                           <p:spTgt spid="3">
                                             <p:txEl>
                                               <p:pRg st="3" end="3"/>
-                                            </p:txEl>
-                                          </p:spTgt>
-                                        </p:tgtEl>
-                                        <p:attrNameLst>
-                                          <p:attrName>style.visibility</p:attrName>
-                                        </p:attrNameLst>
-                                      </p:cBhvr>
-                                      <p:to>
-                                        <p:strVal val="visible"/>
-                                      </p:to>
-                                    </p:set>
-                                    <p:animEffect transition="in" filter="fade">
-                                      <p:cBhvr>
-                                        <p:cTn id="28" dur="1000"/>
-                                        <p:tgtEl>
-                                          <p:spTgt spid="3">
-                                            <p:txEl>
-                                              <p:pRg st="3" end="3"/>
-                                            </p:txEl>
-                                          </p:spTgt>
-                                        </p:tgtEl>
-                                      </p:cBhvr>
-                                    </p:animEffect>
-                                    <p:anim calcmode="lin" valueType="num">
-                                      <p:cBhvr>
-                                        <p:cTn id="29" dur="1000" fill="hold"/>
-                                        <p:tgtEl>
-                                          <p:spTgt spid="3">
-                                            <p:txEl>
-                                              <p:pRg st="3" end="3"/>
-                                            </p:txEl>
-                                          </p:spTgt>
-                                        </p:tgtEl>
-                                        <p:attrNameLst>
-                                          <p:attrName>ppt_x</p:attrName>
-                                        </p:attrNameLst>
-                                      </p:cBhvr>
-                                      <p:tavLst>
-                                        <p:tav tm="0">
-                                          <p:val>
-                                            <p:strVal val="#ppt_x"/>
-                                          </p:val>
-                                        </p:tav>
-                                        <p:tav tm="100000">
-                                          <p:val>
-                                            <p:strVal val="#ppt_x"/>
-                                          </p:val>
-                                        </p:tav>
-                                      </p:tavLst>
-                                    </p:anim>
-                                    <p:anim calcmode="lin" valueType="num">
-                                      <p:cBhvr>
-                                        <p:cTn id="30" dur="1000" fill="hold"/>
-                                        <p:tgtEl>
-                                          <p:spTgt spid="3">
-                                            <p:txEl>
-                                              <p:pRg st="3" end="3"/>
-                                            </p:txEl>
-                                          </p:spTgt>
-                                        </p:tgtEl>
-                                        <p:attrNameLst>
-                                          <p:attrName>ppt_y</p:attrName>
-                                        </p:attrNameLst>
-                                      </p:cBhvr>
-                                      <p:tavLst>
-                                        <p:tav tm="0">
-                                          <p:val>
-                                            <p:strVal val="#ppt_y+.1"/>
-                                          </p:val>
-                                        </p:tav>
-                                        <p:tav tm="100000">
-                                          <p:val>
-                                            <p:strVal val="#ppt_y"/>
-                                          </p:val>
-                                        </p:tav>
-                                      </p:tavLst>
-                                    </p:anim>
-                                  </p:childTnLst>
-                                </p:cTn>
-                              </p:par>
-                            </p:childTnLst>
-                          </p:cTn>
-                        </p:par>
-                      </p:childTnLst>
-                    </p:cTn>
-                  </p:par>
-                  <p:par>
-                    <p:cTn id="31" fill="hold">
-                      <p:stCondLst>
-                        <p:cond delay="indefinite"/>
-                      </p:stCondLst>
-                      <p:childTnLst>
-                        <p:par>
-                          <p:cTn id="32" fill="hold">
-                            <p:stCondLst>
-                              <p:cond delay="0"/>
-                            </p:stCondLst>
-                            <p:childTnLst>
-                              <p:par>
-                                <p:cTn id="33" presetID="42" presetClass="entr" presetSubtype="0" fill="hold" nodeType="clickEffect">
-                                  <p:stCondLst>
-                                    <p:cond delay="0"/>
-                                  </p:stCondLst>
-                                  <p:childTnLst>
-                                    <p:set>
-                                      <p:cBhvr>
-                                        <p:cTn id="34" dur="1" fill="hold">
-                                          <p:stCondLst>
-                                            <p:cond delay="0"/>
-                                          </p:stCondLst>
-                                        </p:cTn>
-                                        <p:tgtEl>
-                                          <p:spTgt spid="3">
-                                            <p:txEl>
-                                              <p:pRg st="4" end="4"/>
-                                            </p:txEl>
-                                          </p:spTgt>
-                                        </p:tgtEl>
-                                        <p:attrNameLst>
-                                          <p:attrName>style.visibility</p:attrName>
-                                        </p:attrNameLst>
-                                      </p:cBhvr>
-                                      <p:to>
-                                        <p:strVal val="visible"/>
-                                      </p:to>
-                                    </p:set>
-                                    <p:animEffect transition="in" filter="fade">
-                                      <p:cBhvr>
-                                        <p:cTn id="35" dur="1000"/>
-                                        <p:tgtEl>
-                                          <p:spTgt spid="3">
-                                            <p:txEl>
-                                              <p:pRg st="4" end="4"/>
-                                            </p:txEl>
-                                          </p:spTgt>
-                                        </p:tgtEl>
-                                      </p:cBhvr>
-                                    </p:animEffect>
-                                    <p:anim calcmode="lin" valueType="num">
-                                      <p:cBhvr>
-                                        <p:cTn id="36" dur="1000" fill="hold"/>
-                                        <p:tgtEl>
-                                          <p:spTgt spid="3">
-                                            <p:txEl>
-                                              <p:pRg st="4" end="4"/>
-                                            </p:txEl>
-                                          </p:spTgt>
-                                        </p:tgtEl>
-                                        <p:attrNameLst>
-                                          <p:attrName>ppt_x</p:attrName>
-                                        </p:attrNameLst>
-                                      </p:cBhvr>
-                                      <p:tavLst>
-                                        <p:tav tm="0">
-                                          <p:val>
-                                            <p:strVal val="#ppt_x"/>
-                                          </p:val>
-                                        </p:tav>
-                                        <p:tav tm="100000">
-                                          <p:val>
-                                            <p:strVal val="#ppt_x"/>
-                                          </p:val>
-                                        </p:tav>
-                                      </p:tavLst>
-                                    </p:anim>
-                                    <p:anim calcmode="lin" valueType="num">
-                                      <p:cBhvr>
-                                        <p:cTn id="37" dur="1000" fill="hold"/>
-                                        <p:tgtEl>
-                                          <p:spTgt spid="3">
-                                            <p:txEl>
-                                              <p:pRg st="4" end="4"/>
-                                            </p:txEl>
-                                          </p:spTgt>
-                                        </p:tgtEl>
-                                        <p:attrNameLst>
-                                          <p:attrName>ppt_y</p:attrName>
-                                        </p:attrNameLst>
-                                      </p:cBhvr>
-                                      <p:tavLst>
-                                        <p:tav tm="0">
-                                          <p:val>
-                                            <p:strVal val="#ppt_y+.1"/>
-                                          </p:val>
-                                        </p:tav>
-                                        <p:tav tm="100000">
-                                          <p:val>
-                                            <p:strVal val="#ppt_y"/>
-                                          </p:val>
-                                        </p:tav>
-                                      </p:tavLst>
-                                    </p:anim>
-                                  </p:childTnLst>
-                                </p:cTn>
-                              </p:par>
-                            </p:childTnLst>
-                          </p:cTn>
-                        </p:par>
-                      </p:childTnLst>
-                    </p:cTn>
-                  </p:par>
-                  <p:par>
-                    <p:cTn id="38" fill="hold">
-                      <p:stCondLst>
-                        <p:cond delay="indefinite"/>
-                      </p:stCondLst>
-                      <p:childTnLst>
-                        <p:par>
-                          <p:cTn id="39" fill="hold">
-                            <p:stCondLst>
-                              <p:cond delay="0"/>
-                            </p:stCondLst>
-                            <p:childTnLst>
-                              <p:par>
-                                <p:cTn id="40" presetID="42" presetClass="entr" presetSubtype="0" fill="hold" nodeType="clickEffect">
-                                  <p:stCondLst>
-                                    <p:cond delay="0"/>
-                                  </p:stCondLst>
-                                  <p:childTnLst>
-                                    <p:set>
-                                      <p:cBhvr>
-                                        <p:cTn id="41" dur="1" fill="hold">
-                                          <p:stCondLst>
-                                            <p:cond delay="0"/>
-                                          </p:stCondLst>
-                                        </p:cTn>
-                                        <p:tgtEl>
-                                          <p:spTgt spid="3">
-                                            <p:txEl>
-                                              <p:pRg st="5" end="5"/>
-                                            </p:txEl>
-                                          </p:spTgt>
-                                        </p:tgtEl>
-                                        <p:attrNameLst>
-                                          <p:attrName>style.visibility</p:attrName>
-                                        </p:attrNameLst>
-                                      </p:cBhvr>
-                                      <p:to>
-                                        <p:strVal val="visible"/>
-                                      </p:to>
-                                    </p:set>
-                                    <p:animEffect transition="in" filter="fade">
-                                      <p:cBhvr>
-                                        <p:cTn id="42" dur="1000"/>
-                                        <p:tgtEl>
-                                          <p:spTgt spid="3">
-                                            <p:txEl>
-                                              <p:pRg st="5" end="5"/>
-                                            </p:txEl>
-                                          </p:spTgt>
-                                        </p:tgtEl>
-                                      </p:cBhvr>
-                                    </p:animEffect>
-                                    <p:anim calcmode="lin" valueType="num">
-                                      <p:cBhvr>
-                                        <p:cTn id="43" dur="1000" fill="hold"/>
-                                        <p:tgtEl>
-                                          <p:spTgt spid="3">
-                                            <p:txEl>
-                                              <p:pRg st="5" end="5"/>
-                                            </p:txEl>
-                                          </p:spTgt>
-                                        </p:tgtEl>
-                                        <p:attrNameLst>
-                                          <p:attrName>ppt_x</p:attrName>
-                                        </p:attrNameLst>
-                                      </p:cBhvr>
-                                      <p:tavLst>
-                                        <p:tav tm="0">
-                                          <p:val>
-                                            <p:strVal val="#ppt_x"/>
-                                          </p:val>
-                                        </p:tav>
-                                        <p:tav tm="100000">
-                                          <p:val>
-                                            <p:strVal val="#ppt_x"/>
-                                          </p:val>
-                                        </p:tav>
-                                      </p:tavLst>
-                                    </p:anim>
-                                    <p:anim calcmode="lin" valueType="num">
-                                      <p:cBhvr>
-                                        <p:cTn id="44" dur="1000" fill="hold"/>
-                                        <p:tgtEl>
-                                          <p:spTgt spid="3">
-                                            <p:txEl>
-                                              <p:pRg st="5" end="5"/>
                                             </p:txEl>
                                           </p:spTgt>
                                         </p:tgtEl>
@@ -16902,7 +16116,7 @@
           <a:p>
             <a:r>
               <a:rPr lang="en-US" dirty="0" smtClean="0"/>
-              <a:t>My Day at Software &amp; Services</a:t>
+              <a:t>Software Development Jobs</a:t>
             </a:r>
             <a:endParaRPr lang="en-US" dirty="0"/>
           </a:p>
@@ -16921,58 +16135,72 @@
         <p:spPr/>
         <p:txBody>
           <a:bodyPr>
-            <a:normAutofit fontScale="85000" lnSpcReduction="20000"/>
+            <a:normAutofit fontScale="92500" lnSpcReduction="10000"/>
           </a:bodyPr>
           <a:lstStyle/>
           <a:p>
             <a:r>
               <a:rPr lang="en-US" dirty="0" smtClean="0"/>
-              <a:t>In the office between 7:30-8:00am</a:t>
+              <a:t>Systems Programmer </a:t>
             </a:r>
           </a:p>
           <a:p>
+            <a:pPr lvl="1"/>
             <a:r>
               <a:rPr lang="en-US" dirty="0" smtClean="0"/>
-              <a:t>Start the coffee</a:t>
+              <a:t>Printer Drivers</a:t>
             </a:r>
           </a:p>
           <a:p>
+            <a:pPr lvl="1"/>
             <a:r>
               <a:rPr lang="en-US" dirty="0" smtClean="0"/>
-              <a:t>Log into my computer</a:t>
+              <a:t>Operating systems</a:t>
             </a:r>
           </a:p>
           <a:p>
+            <a:pPr lvl="1"/>
             <a:r>
               <a:rPr lang="en-US" dirty="0" smtClean="0"/>
-              <a:t>Check my work email</a:t>
+              <a:t>Robotics</a:t>
             </a:r>
           </a:p>
           <a:p>
+            <a:pPr lvl="1"/>
             <a:r>
               <a:rPr lang="en-US" dirty="0" smtClean="0"/>
-              <a:t>Review my task list</a:t>
+              <a:t>C/C++  </a:t>
             </a:r>
           </a:p>
           <a:p>
+            <a:pPr lvl="1"/>
             <a:r>
               <a:rPr lang="en-US" dirty="0" smtClean="0"/>
-              <a:t>If no support issues, continue work on major programming projects</a:t>
+              <a:t>Rust</a:t>
             </a:r>
           </a:p>
           <a:p>
             <a:r>
               <a:rPr lang="en-US" dirty="0" smtClean="0"/>
-              <a:t>Support Issues normally take priority (putting out fires)</a:t>
+              <a:t>Games Programmer</a:t>
             </a:r>
           </a:p>
           <a:p>
             <a:r>
               <a:rPr lang="en-US" dirty="0" smtClean="0"/>
-              <a:t>Not uncommon to Read/Send around 50 emails each day</a:t>
+              <a:t>Research (</a:t>
             </a:r>
-          </a:p>
-          <a:p>
+            <a:r>
+              <a:rPr lang="en-US" dirty="0" err="1" smtClean="0"/>
+              <a:t>Phd</a:t>
+            </a:r>
+            <a:r>
+              <a:rPr lang="en-US" dirty="0" smtClean="0"/>
+              <a:t>)</a:t>
+            </a:r>
+          </a:p>
+          <a:p>
+            <a:pPr lvl="1"/>
             <a:endParaRPr lang="en-US" dirty="0"/>
           </a:p>
         </p:txBody>
@@ -17099,6 +16327,967 @@
                                   </p:childTnLst>
                                 </p:cTn>
                               </p:par>
+                              <p:par>
+                                <p:cTn id="10" presetID="42" presetClass="entr" presetSubtype="0" fill="hold" nodeType="withEffect">
+                                  <p:stCondLst>
+                                    <p:cond delay="0"/>
+                                  </p:stCondLst>
+                                  <p:childTnLst>
+                                    <p:set>
+                                      <p:cBhvr>
+                                        <p:cTn id="11" dur="1" fill="hold">
+                                          <p:stCondLst>
+                                            <p:cond delay="0"/>
+                                          </p:stCondLst>
+                                        </p:cTn>
+                                        <p:tgtEl>
+                                          <p:spTgt spid="3">
+                                            <p:txEl>
+                                              <p:pRg st="1" end="1"/>
+                                            </p:txEl>
+                                          </p:spTgt>
+                                        </p:tgtEl>
+                                        <p:attrNameLst>
+                                          <p:attrName>style.visibility</p:attrName>
+                                        </p:attrNameLst>
+                                      </p:cBhvr>
+                                      <p:to>
+                                        <p:strVal val="visible"/>
+                                      </p:to>
+                                    </p:set>
+                                    <p:animEffect transition="in" filter="fade">
+                                      <p:cBhvr>
+                                        <p:cTn id="12" dur="1000"/>
+                                        <p:tgtEl>
+                                          <p:spTgt spid="3">
+                                            <p:txEl>
+                                              <p:pRg st="1" end="1"/>
+                                            </p:txEl>
+                                          </p:spTgt>
+                                        </p:tgtEl>
+                                      </p:cBhvr>
+                                    </p:animEffect>
+                                    <p:anim calcmode="lin" valueType="num">
+                                      <p:cBhvr>
+                                        <p:cTn id="13" dur="1000" fill="hold"/>
+                                        <p:tgtEl>
+                                          <p:spTgt spid="3">
+                                            <p:txEl>
+                                              <p:pRg st="1" end="1"/>
+                                            </p:txEl>
+                                          </p:spTgt>
+                                        </p:tgtEl>
+                                        <p:attrNameLst>
+                                          <p:attrName>ppt_x</p:attrName>
+                                        </p:attrNameLst>
+                                      </p:cBhvr>
+                                      <p:tavLst>
+                                        <p:tav tm="0">
+                                          <p:val>
+                                            <p:strVal val="#ppt_x"/>
+                                          </p:val>
+                                        </p:tav>
+                                        <p:tav tm="100000">
+                                          <p:val>
+                                            <p:strVal val="#ppt_x"/>
+                                          </p:val>
+                                        </p:tav>
+                                      </p:tavLst>
+                                    </p:anim>
+                                    <p:anim calcmode="lin" valueType="num">
+                                      <p:cBhvr>
+                                        <p:cTn id="14" dur="1000" fill="hold"/>
+                                        <p:tgtEl>
+                                          <p:spTgt spid="3">
+                                            <p:txEl>
+                                              <p:pRg st="1" end="1"/>
+                                            </p:txEl>
+                                          </p:spTgt>
+                                        </p:tgtEl>
+                                        <p:attrNameLst>
+                                          <p:attrName>ppt_y</p:attrName>
+                                        </p:attrNameLst>
+                                      </p:cBhvr>
+                                      <p:tavLst>
+                                        <p:tav tm="0">
+                                          <p:val>
+                                            <p:strVal val="#ppt_y+.1"/>
+                                          </p:val>
+                                        </p:tav>
+                                        <p:tav tm="100000">
+                                          <p:val>
+                                            <p:strVal val="#ppt_y"/>
+                                          </p:val>
+                                        </p:tav>
+                                      </p:tavLst>
+                                    </p:anim>
+                                  </p:childTnLst>
+                                </p:cTn>
+                              </p:par>
+                              <p:par>
+                                <p:cTn id="15" presetID="42" presetClass="entr" presetSubtype="0" fill="hold" nodeType="withEffect">
+                                  <p:stCondLst>
+                                    <p:cond delay="0"/>
+                                  </p:stCondLst>
+                                  <p:childTnLst>
+                                    <p:set>
+                                      <p:cBhvr>
+                                        <p:cTn id="16" dur="1" fill="hold">
+                                          <p:stCondLst>
+                                            <p:cond delay="0"/>
+                                          </p:stCondLst>
+                                        </p:cTn>
+                                        <p:tgtEl>
+                                          <p:spTgt spid="3">
+                                            <p:txEl>
+                                              <p:pRg st="2" end="2"/>
+                                            </p:txEl>
+                                          </p:spTgt>
+                                        </p:tgtEl>
+                                        <p:attrNameLst>
+                                          <p:attrName>style.visibility</p:attrName>
+                                        </p:attrNameLst>
+                                      </p:cBhvr>
+                                      <p:to>
+                                        <p:strVal val="visible"/>
+                                      </p:to>
+                                    </p:set>
+                                    <p:animEffect transition="in" filter="fade">
+                                      <p:cBhvr>
+                                        <p:cTn id="17" dur="1000"/>
+                                        <p:tgtEl>
+                                          <p:spTgt spid="3">
+                                            <p:txEl>
+                                              <p:pRg st="2" end="2"/>
+                                            </p:txEl>
+                                          </p:spTgt>
+                                        </p:tgtEl>
+                                      </p:cBhvr>
+                                    </p:animEffect>
+                                    <p:anim calcmode="lin" valueType="num">
+                                      <p:cBhvr>
+                                        <p:cTn id="18" dur="1000" fill="hold"/>
+                                        <p:tgtEl>
+                                          <p:spTgt spid="3">
+                                            <p:txEl>
+                                              <p:pRg st="2" end="2"/>
+                                            </p:txEl>
+                                          </p:spTgt>
+                                        </p:tgtEl>
+                                        <p:attrNameLst>
+                                          <p:attrName>ppt_x</p:attrName>
+                                        </p:attrNameLst>
+                                      </p:cBhvr>
+                                      <p:tavLst>
+                                        <p:tav tm="0">
+                                          <p:val>
+                                            <p:strVal val="#ppt_x"/>
+                                          </p:val>
+                                        </p:tav>
+                                        <p:tav tm="100000">
+                                          <p:val>
+                                            <p:strVal val="#ppt_x"/>
+                                          </p:val>
+                                        </p:tav>
+                                      </p:tavLst>
+                                    </p:anim>
+                                    <p:anim calcmode="lin" valueType="num">
+                                      <p:cBhvr>
+                                        <p:cTn id="19" dur="1000" fill="hold"/>
+                                        <p:tgtEl>
+                                          <p:spTgt spid="3">
+                                            <p:txEl>
+                                              <p:pRg st="2" end="2"/>
+                                            </p:txEl>
+                                          </p:spTgt>
+                                        </p:tgtEl>
+                                        <p:attrNameLst>
+                                          <p:attrName>ppt_y</p:attrName>
+                                        </p:attrNameLst>
+                                      </p:cBhvr>
+                                      <p:tavLst>
+                                        <p:tav tm="0">
+                                          <p:val>
+                                            <p:strVal val="#ppt_y+.1"/>
+                                          </p:val>
+                                        </p:tav>
+                                        <p:tav tm="100000">
+                                          <p:val>
+                                            <p:strVal val="#ppt_y"/>
+                                          </p:val>
+                                        </p:tav>
+                                      </p:tavLst>
+                                    </p:anim>
+                                  </p:childTnLst>
+                                </p:cTn>
+                              </p:par>
+                              <p:par>
+                                <p:cTn id="20" presetID="42" presetClass="entr" presetSubtype="0" fill="hold" nodeType="withEffect">
+                                  <p:stCondLst>
+                                    <p:cond delay="0"/>
+                                  </p:stCondLst>
+                                  <p:childTnLst>
+                                    <p:set>
+                                      <p:cBhvr>
+                                        <p:cTn id="21" dur="1" fill="hold">
+                                          <p:stCondLst>
+                                            <p:cond delay="0"/>
+                                          </p:stCondLst>
+                                        </p:cTn>
+                                        <p:tgtEl>
+                                          <p:spTgt spid="3">
+                                            <p:txEl>
+                                              <p:pRg st="3" end="3"/>
+                                            </p:txEl>
+                                          </p:spTgt>
+                                        </p:tgtEl>
+                                        <p:attrNameLst>
+                                          <p:attrName>style.visibility</p:attrName>
+                                        </p:attrNameLst>
+                                      </p:cBhvr>
+                                      <p:to>
+                                        <p:strVal val="visible"/>
+                                      </p:to>
+                                    </p:set>
+                                    <p:animEffect transition="in" filter="fade">
+                                      <p:cBhvr>
+                                        <p:cTn id="22" dur="1000"/>
+                                        <p:tgtEl>
+                                          <p:spTgt spid="3">
+                                            <p:txEl>
+                                              <p:pRg st="3" end="3"/>
+                                            </p:txEl>
+                                          </p:spTgt>
+                                        </p:tgtEl>
+                                      </p:cBhvr>
+                                    </p:animEffect>
+                                    <p:anim calcmode="lin" valueType="num">
+                                      <p:cBhvr>
+                                        <p:cTn id="23" dur="1000" fill="hold"/>
+                                        <p:tgtEl>
+                                          <p:spTgt spid="3">
+                                            <p:txEl>
+                                              <p:pRg st="3" end="3"/>
+                                            </p:txEl>
+                                          </p:spTgt>
+                                        </p:tgtEl>
+                                        <p:attrNameLst>
+                                          <p:attrName>ppt_x</p:attrName>
+                                        </p:attrNameLst>
+                                      </p:cBhvr>
+                                      <p:tavLst>
+                                        <p:tav tm="0">
+                                          <p:val>
+                                            <p:strVal val="#ppt_x"/>
+                                          </p:val>
+                                        </p:tav>
+                                        <p:tav tm="100000">
+                                          <p:val>
+                                            <p:strVal val="#ppt_x"/>
+                                          </p:val>
+                                        </p:tav>
+                                      </p:tavLst>
+                                    </p:anim>
+                                    <p:anim calcmode="lin" valueType="num">
+                                      <p:cBhvr>
+                                        <p:cTn id="24" dur="1000" fill="hold"/>
+                                        <p:tgtEl>
+                                          <p:spTgt spid="3">
+                                            <p:txEl>
+                                              <p:pRg st="3" end="3"/>
+                                            </p:txEl>
+                                          </p:spTgt>
+                                        </p:tgtEl>
+                                        <p:attrNameLst>
+                                          <p:attrName>ppt_y</p:attrName>
+                                        </p:attrNameLst>
+                                      </p:cBhvr>
+                                      <p:tavLst>
+                                        <p:tav tm="0">
+                                          <p:val>
+                                            <p:strVal val="#ppt_y+.1"/>
+                                          </p:val>
+                                        </p:tav>
+                                        <p:tav tm="100000">
+                                          <p:val>
+                                            <p:strVal val="#ppt_y"/>
+                                          </p:val>
+                                        </p:tav>
+                                      </p:tavLst>
+                                    </p:anim>
+                                  </p:childTnLst>
+                                </p:cTn>
+                              </p:par>
+                              <p:par>
+                                <p:cTn id="25" presetID="42" presetClass="entr" presetSubtype="0" fill="hold" nodeType="withEffect">
+                                  <p:stCondLst>
+                                    <p:cond delay="0"/>
+                                  </p:stCondLst>
+                                  <p:childTnLst>
+                                    <p:set>
+                                      <p:cBhvr>
+                                        <p:cTn id="26" dur="1" fill="hold">
+                                          <p:stCondLst>
+                                            <p:cond delay="0"/>
+                                          </p:stCondLst>
+                                        </p:cTn>
+                                        <p:tgtEl>
+                                          <p:spTgt spid="3">
+                                            <p:txEl>
+                                              <p:pRg st="4" end="4"/>
+                                            </p:txEl>
+                                          </p:spTgt>
+                                        </p:tgtEl>
+                                        <p:attrNameLst>
+                                          <p:attrName>style.visibility</p:attrName>
+                                        </p:attrNameLst>
+                                      </p:cBhvr>
+                                      <p:to>
+                                        <p:strVal val="visible"/>
+                                      </p:to>
+                                    </p:set>
+                                    <p:animEffect transition="in" filter="fade">
+                                      <p:cBhvr>
+                                        <p:cTn id="27" dur="1000"/>
+                                        <p:tgtEl>
+                                          <p:spTgt spid="3">
+                                            <p:txEl>
+                                              <p:pRg st="4" end="4"/>
+                                            </p:txEl>
+                                          </p:spTgt>
+                                        </p:tgtEl>
+                                      </p:cBhvr>
+                                    </p:animEffect>
+                                    <p:anim calcmode="lin" valueType="num">
+                                      <p:cBhvr>
+                                        <p:cTn id="28" dur="1000" fill="hold"/>
+                                        <p:tgtEl>
+                                          <p:spTgt spid="3">
+                                            <p:txEl>
+                                              <p:pRg st="4" end="4"/>
+                                            </p:txEl>
+                                          </p:spTgt>
+                                        </p:tgtEl>
+                                        <p:attrNameLst>
+                                          <p:attrName>ppt_x</p:attrName>
+                                        </p:attrNameLst>
+                                      </p:cBhvr>
+                                      <p:tavLst>
+                                        <p:tav tm="0">
+                                          <p:val>
+                                            <p:strVal val="#ppt_x"/>
+                                          </p:val>
+                                        </p:tav>
+                                        <p:tav tm="100000">
+                                          <p:val>
+                                            <p:strVal val="#ppt_x"/>
+                                          </p:val>
+                                        </p:tav>
+                                      </p:tavLst>
+                                    </p:anim>
+                                    <p:anim calcmode="lin" valueType="num">
+                                      <p:cBhvr>
+                                        <p:cTn id="29" dur="1000" fill="hold"/>
+                                        <p:tgtEl>
+                                          <p:spTgt spid="3">
+                                            <p:txEl>
+                                              <p:pRg st="4" end="4"/>
+                                            </p:txEl>
+                                          </p:spTgt>
+                                        </p:tgtEl>
+                                        <p:attrNameLst>
+                                          <p:attrName>ppt_y</p:attrName>
+                                        </p:attrNameLst>
+                                      </p:cBhvr>
+                                      <p:tavLst>
+                                        <p:tav tm="0">
+                                          <p:val>
+                                            <p:strVal val="#ppt_y+.1"/>
+                                          </p:val>
+                                        </p:tav>
+                                        <p:tav tm="100000">
+                                          <p:val>
+                                            <p:strVal val="#ppt_y"/>
+                                          </p:val>
+                                        </p:tav>
+                                      </p:tavLst>
+                                    </p:anim>
+                                  </p:childTnLst>
+                                </p:cTn>
+                              </p:par>
+                              <p:par>
+                                <p:cTn id="30" presetID="42" presetClass="entr" presetSubtype="0" fill="hold" nodeType="withEffect">
+                                  <p:stCondLst>
+                                    <p:cond delay="0"/>
+                                  </p:stCondLst>
+                                  <p:childTnLst>
+                                    <p:set>
+                                      <p:cBhvr>
+                                        <p:cTn id="31" dur="1" fill="hold">
+                                          <p:stCondLst>
+                                            <p:cond delay="0"/>
+                                          </p:stCondLst>
+                                        </p:cTn>
+                                        <p:tgtEl>
+                                          <p:spTgt spid="3">
+                                            <p:txEl>
+                                              <p:pRg st="5" end="5"/>
+                                            </p:txEl>
+                                          </p:spTgt>
+                                        </p:tgtEl>
+                                        <p:attrNameLst>
+                                          <p:attrName>style.visibility</p:attrName>
+                                        </p:attrNameLst>
+                                      </p:cBhvr>
+                                      <p:to>
+                                        <p:strVal val="visible"/>
+                                      </p:to>
+                                    </p:set>
+                                    <p:animEffect transition="in" filter="fade">
+                                      <p:cBhvr>
+                                        <p:cTn id="32" dur="1000"/>
+                                        <p:tgtEl>
+                                          <p:spTgt spid="3">
+                                            <p:txEl>
+                                              <p:pRg st="5" end="5"/>
+                                            </p:txEl>
+                                          </p:spTgt>
+                                        </p:tgtEl>
+                                      </p:cBhvr>
+                                    </p:animEffect>
+                                    <p:anim calcmode="lin" valueType="num">
+                                      <p:cBhvr>
+                                        <p:cTn id="33" dur="1000" fill="hold"/>
+                                        <p:tgtEl>
+                                          <p:spTgt spid="3">
+                                            <p:txEl>
+                                              <p:pRg st="5" end="5"/>
+                                            </p:txEl>
+                                          </p:spTgt>
+                                        </p:tgtEl>
+                                        <p:attrNameLst>
+                                          <p:attrName>ppt_x</p:attrName>
+                                        </p:attrNameLst>
+                                      </p:cBhvr>
+                                      <p:tavLst>
+                                        <p:tav tm="0">
+                                          <p:val>
+                                            <p:strVal val="#ppt_x"/>
+                                          </p:val>
+                                        </p:tav>
+                                        <p:tav tm="100000">
+                                          <p:val>
+                                            <p:strVal val="#ppt_x"/>
+                                          </p:val>
+                                        </p:tav>
+                                      </p:tavLst>
+                                    </p:anim>
+                                    <p:anim calcmode="lin" valueType="num">
+                                      <p:cBhvr>
+                                        <p:cTn id="34" dur="1000" fill="hold"/>
+                                        <p:tgtEl>
+                                          <p:spTgt spid="3">
+                                            <p:txEl>
+                                              <p:pRg st="5" end="5"/>
+                                            </p:txEl>
+                                          </p:spTgt>
+                                        </p:tgtEl>
+                                        <p:attrNameLst>
+                                          <p:attrName>ppt_y</p:attrName>
+                                        </p:attrNameLst>
+                                      </p:cBhvr>
+                                      <p:tavLst>
+                                        <p:tav tm="0">
+                                          <p:val>
+                                            <p:strVal val="#ppt_y+.1"/>
+                                          </p:val>
+                                        </p:tav>
+                                        <p:tav tm="100000">
+                                          <p:val>
+                                            <p:strVal val="#ppt_y"/>
+                                          </p:val>
+                                        </p:tav>
+                                      </p:tavLst>
+                                    </p:anim>
+                                  </p:childTnLst>
+                                </p:cTn>
+                              </p:par>
+                            </p:childTnLst>
+                          </p:cTn>
+                        </p:par>
+                      </p:childTnLst>
+                    </p:cTn>
+                  </p:par>
+                  <p:par>
+                    <p:cTn id="35" fill="hold">
+                      <p:stCondLst>
+                        <p:cond delay="indefinite"/>
+                      </p:stCondLst>
+                      <p:childTnLst>
+                        <p:par>
+                          <p:cTn id="36" fill="hold">
+                            <p:stCondLst>
+                              <p:cond delay="0"/>
+                            </p:stCondLst>
+                            <p:childTnLst>
+                              <p:par>
+                                <p:cTn id="37" presetID="42" presetClass="entr" presetSubtype="0" fill="hold" nodeType="clickEffect">
+                                  <p:stCondLst>
+                                    <p:cond delay="0"/>
+                                  </p:stCondLst>
+                                  <p:childTnLst>
+                                    <p:set>
+                                      <p:cBhvr>
+                                        <p:cTn id="38" dur="1" fill="hold">
+                                          <p:stCondLst>
+                                            <p:cond delay="0"/>
+                                          </p:stCondLst>
+                                        </p:cTn>
+                                        <p:tgtEl>
+                                          <p:spTgt spid="3">
+                                            <p:txEl>
+                                              <p:pRg st="6" end="6"/>
+                                            </p:txEl>
+                                          </p:spTgt>
+                                        </p:tgtEl>
+                                        <p:attrNameLst>
+                                          <p:attrName>style.visibility</p:attrName>
+                                        </p:attrNameLst>
+                                      </p:cBhvr>
+                                      <p:to>
+                                        <p:strVal val="visible"/>
+                                      </p:to>
+                                    </p:set>
+                                    <p:animEffect transition="in" filter="fade">
+                                      <p:cBhvr>
+                                        <p:cTn id="39" dur="1000"/>
+                                        <p:tgtEl>
+                                          <p:spTgt spid="3">
+                                            <p:txEl>
+                                              <p:pRg st="6" end="6"/>
+                                            </p:txEl>
+                                          </p:spTgt>
+                                        </p:tgtEl>
+                                      </p:cBhvr>
+                                    </p:animEffect>
+                                    <p:anim calcmode="lin" valueType="num">
+                                      <p:cBhvr>
+                                        <p:cTn id="40" dur="1000" fill="hold"/>
+                                        <p:tgtEl>
+                                          <p:spTgt spid="3">
+                                            <p:txEl>
+                                              <p:pRg st="6" end="6"/>
+                                            </p:txEl>
+                                          </p:spTgt>
+                                        </p:tgtEl>
+                                        <p:attrNameLst>
+                                          <p:attrName>ppt_x</p:attrName>
+                                        </p:attrNameLst>
+                                      </p:cBhvr>
+                                      <p:tavLst>
+                                        <p:tav tm="0">
+                                          <p:val>
+                                            <p:strVal val="#ppt_x"/>
+                                          </p:val>
+                                        </p:tav>
+                                        <p:tav tm="100000">
+                                          <p:val>
+                                            <p:strVal val="#ppt_x"/>
+                                          </p:val>
+                                        </p:tav>
+                                      </p:tavLst>
+                                    </p:anim>
+                                    <p:anim calcmode="lin" valueType="num">
+                                      <p:cBhvr>
+                                        <p:cTn id="41" dur="1000" fill="hold"/>
+                                        <p:tgtEl>
+                                          <p:spTgt spid="3">
+                                            <p:txEl>
+                                              <p:pRg st="6" end="6"/>
+                                            </p:txEl>
+                                          </p:spTgt>
+                                        </p:tgtEl>
+                                        <p:attrNameLst>
+                                          <p:attrName>ppt_y</p:attrName>
+                                        </p:attrNameLst>
+                                      </p:cBhvr>
+                                      <p:tavLst>
+                                        <p:tav tm="0">
+                                          <p:val>
+                                            <p:strVal val="#ppt_y+.1"/>
+                                          </p:val>
+                                        </p:tav>
+                                        <p:tav tm="100000">
+                                          <p:val>
+                                            <p:strVal val="#ppt_y"/>
+                                          </p:val>
+                                        </p:tav>
+                                      </p:tavLst>
+                                    </p:anim>
+                                  </p:childTnLst>
+                                </p:cTn>
+                              </p:par>
+                            </p:childTnLst>
+                          </p:cTn>
+                        </p:par>
+                      </p:childTnLst>
+                    </p:cTn>
+                  </p:par>
+                  <p:par>
+                    <p:cTn id="42" fill="hold">
+                      <p:stCondLst>
+                        <p:cond delay="indefinite"/>
+                      </p:stCondLst>
+                      <p:childTnLst>
+                        <p:par>
+                          <p:cTn id="43" fill="hold">
+                            <p:stCondLst>
+                              <p:cond delay="0"/>
+                            </p:stCondLst>
+                            <p:childTnLst>
+                              <p:par>
+                                <p:cTn id="44" presetID="42" presetClass="entr" presetSubtype="0" fill="hold" nodeType="clickEffect">
+                                  <p:stCondLst>
+                                    <p:cond delay="0"/>
+                                  </p:stCondLst>
+                                  <p:childTnLst>
+                                    <p:set>
+                                      <p:cBhvr>
+                                        <p:cTn id="45" dur="1" fill="hold">
+                                          <p:stCondLst>
+                                            <p:cond delay="0"/>
+                                          </p:stCondLst>
+                                        </p:cTn>
+                                        <p:tgtEl>
+                                          <p:spTgt spid="3">
+                                            <p:txEl>
+                                              <p:pRg st="7" end="7"/>
+                                            </p:txEl>
+                                          </p:spTgt>
+                                        </p:tgtEl>
+                                        <p:attrNameLst>
+                                          <p:attrName>style.visibility</p:attrName>
+                                        </p:attrNameLst>
+                                      </p:cBhvr>
+                                      <p:to>
+                                        <p:strVal val="visible"/>
+                                      </p:to>
+                                    </p:set>
+                                    <p:animEffect transition="in" filter="fade">
+                                      <p:cBhvr>
+                                        <p:cTn id="46" dur="1000"/>
+                                        <p:tgtEl>
+                                          <p:spTgt spid="3">
+                                            <p:txEl>
+                                              <p:pRg st="7" end="7"/>
+                                            </p:txEl>
+                                          </p:spTgt>
+                                        </p:tgtEl>
+                                      </p:cBhvr>
+                                    </p:animEffect>
+                                    <p:anim calcmode="lin" valueType="num">
+                                      <p:cBhvr>
+                                        <p:cTn id="47" dur="1000" fill="hold"/>
+                                        <p:tgtEl>
+                                          <p:spTgt spid="3">
+                                            <p:txEl>
+                                              <p:pRg st="7" end="7"/>
+                                            </p:txEl>
+                                          </p:spTgt>
+                                        </p:tgtEl>
+                                        <p:attrNameLst>
+                                          <p:attrName>ppt_x</p:attrName>
+                                        </p:attrNameLst>
+                                      </p:cBhvr>
+                                      <p:tavLst>
+                                        <p:tav tm="0">
+                                          <p:val>
+                                            <p:strVal val="#ppt_x"/>
+                                          </p:val>
+                                        </p:tav>
+                                        <p:tav tm="100000">
+                                          <p:val>
+                                            <p:strVal val="#ppt_x"/>
+                                          </p:val>
+                                        </p:tav>
+                                      </p:tavLst>
+                                    </p:anim>
+                                    <p:anim calcmode="lin" valueType="num">
+                                      <p:cBhvr>
+                                        <p:cTn id="48" dur="1000" fill="hold"/>
+                                        <p:tgtEl>
+                                          <p:spTgt spid="3">
+                                            <p:txEl>
+                                              <p:pRg st="7" end="7"/>
+                                            </p:txEl>
+                                          </p:spTgt>
+                                        </p:tgtEl>
+                                        <p:attrNameLst>
+                                          <p:attrName>ppt_y</p:attrName>
+                                        </p:attrNameLst>
+                                      </p:cBhvr>
+                                      <p:tavLst>
+                                        <p:tav tm="0">
+                                          <p:val>
+                                            <p:strVal val="#ppt_y+.1"/>
+                                          </p:val>
+                                        </p:tav>
+                                        <p:tav tm="100000">
+                                          <p:val>
+                                            <p:strVal val="#ppt_y"/>
+                                          </p:val>
+                                        </p:tav>
+                                      </p:tavLst>
+                                    </p:anim>
+                                  </p:childTnLst>
+                                </p:cTn>
+                              </p:par>
+                            </p:childTnLst>
+                          </p:cTn>
+                        </p:par>
+                      </p:childTnLst>
+                    </p:cTn>
+                  </p:par>
+                </p:childTnLst>
+              </p:cTn>
+              <p:prevCondLst>
+                <p:cond evt="onPrev" delay="0">
+                  <p:tgtEl>
+                    <p:sldTgt/>
+                  </p:tgtEl>
+                </p:cond>
+              </p:prevCondLst>
+              <p:nextCondLst>
+                <p:cond evt="onNext" delay="0">
+                  <p:tgtEl>
+                    <p:sldTgt/>
+                  </p:tgtEl>
+                </p:cond>
+              </p:nextCondLst>
+            </p:seq>
+          </p:childTnLst>
+        </p:cTn>
+      </p:par>
+    </p:tnLst>
+  </p:timing>
+</p:sld>
+</file>
+
+<file path=ppt/slides/slide23.xml><?xml version="1.0" encoding="utf-8"?>
+<p:sld xmlns:a="http://schemas.openxmlformats.org/drawingml/2006/main" xmlns:r="http://schemas.openxmlformats.org/officeDocument/2006/relationships" xmlns:p="http://schemas.openxmlformats.org/presentationml/2006/main">
+  <p:cSld>
+    <p:spTree>
+      <p:nvGrpSpPr>
+        <p:cNvPr id="1" name=""/>
+        <p:cNvGrpSpPr/>
+        <p:nvPr/>
+      </p:nvGrpSpPr>
+      <p:grpSpPr>
+        <a:xfrm>
+          <a:off x="0" y="0"/>
+          <a:ext cx="0" cy="0"/>
+          <a:chOff x="0" y="0"/>
+          <a:chExt cx="0" cy="0"/>
+        </a:xfrm>
+      </p:grpSpPr>
+      <p:sp>
+        <p:nvSpPr>
+          <p:cNvPr id="2" name="Title 1"/>
+          <p:cNvSpPr>
+            <a:spLocks noGrp="1"/>
+          </p:cNvSpPr>
+          <p:nvPr>
+            <p:ph type="title"/>
+          </p:nvPr>
+        </p:nvSpPr>
+        <p:spPr/>
+        <p:txBody>
+          <a:bodyPr/>
+          <a:lstStyle/>
+          <a:p>
+            <a:r>
+              <a:rPr lang="en-US" dirty="0" smtClean="0"/>
+              <a:t>Non-Programming Jobs</a:t>
+            </a:r>
+            <a:endParaRPr lang="en-US" dirty="0"/>
+          </a:p>
+        </p:txBody>
+      </p:sp>
+      <p:sp>
+        <p:nvSpPr>
+          <p:cNvPr id="3" name="Content Placeholder 2"/>
+          <p:cNvSpPr>
+            <a:spLocks noGrp="1"/>
+          </p:cNvSpPr>
+          <p:nvPr>
+            <p:ph idx="1"/>
+          </p:nvPr>
+        </p:nvSpPr>
+        <p:spPr/>
+        <p:txBody>
+          <a:bodyPr/>
+          <a:lstStyle/>
+          <a:p>
+            <a:r>
+              <a:rPr lang="en-US" dirty="0" smtClean="0"/>
+              <a:t>Tech Support</a:t>
+            </a:r>
+          </a:p>
+          <a:p>
+            <a:r>
+              <a:rPr lang="en-US" dirty="0" smtClean="0"/>
+              <a:t>Network Administrator</a:t>
+            </a:r>
+          </a:p>
+          <a:p>
+            <a:r>
+              <a:rPr lang="en-US" dirty="0" smtClean="0"/>
+              <a:t>IT Manager</a:t>
+            </a:r>
+          </a:p>
+          <a:p>
+            <a:r>
+              <a:rPr lang="en-US" dirty="0" smtClean="0"/>
+              <a:t>Computer Repair Technician</a:t>
+            </a:r>
+          </a:p>
+          <a:p>
+            <a:r>
+              <a:rPr lang="en-US" dirty="0" smtClean="0"/>
+              <a:t>Graphic Design</a:t>
+            </a:r>
+          </a:p>
+          <a:p>
+            <a:r>
+              <a:rPr lang="en-US" dirty="0" smtClean="0"/>
+              <a:t>Quality Assurance (Tester)</a:t>
+            </a:r>
+            <a:endParaRPr lang="en-US" dirty="0"/>
+          </a:p>
+        </p:txBody>
+      </p:sp>
+    </p:spTree>
+  </p:cSld>
+  <p:clrMapOvr>
+    <a:masterClrMapping/>
+  </p:clrMapOvr>
+  <p:timing>
+    <p:tnLst>
+      <p:par>
+        <p:cTn id="1" dur="indefinite" restart="never" nodeType="tmRoot">
+          <p:childTnLst>
+            <p:seq concurrent="1" nextAc="seek">
+              <p:cTn id="2" dur="indefinite" nodeType="mainSeq">
+                <p:childTnLst>
+                  <p:par>
+                    <p:cTn id="3" fill="hold">
+                      <p:stCondLst>
+                        <p:cond delay="indefinite"/>
+                      </p:stCondLst>
+                      <p:childTnLst>
+                        <p:par>
+                          <p:cTn id="4" fill="hold">
+                            <p:stCondLst>
+                              <p:cond delay="0"/>
+                            </p:stCondLst>
+                            <p:childTnLst>
+                              <p:par>
+                                <p:cTn id="5" presetID="42" presetClass="entr" presetSubtype="0" fill="hold" nodeType="clickEffect">
+                                  <p:stCondLst>
+                                    <p:cond delay="0"/>
+                                  </p:stCondLst>
+                                  <p:childTnLst>
+                                    <p:set>
+                                      <p:cBhvr>
+                                        <p:cTn id="6" dur="1" fill="hold">
+                                          <p:stCondLst>
+                                            <p:cond delay="0"/>
+                                          </p:stCondLst>
+                                        </p:cTn>
+                                        <p:tgtEl>
+                                          <p:spTgt spid="3">
+                                            <p:txEl>
+                                              <p:pRg st="0" end="0"/>
+                                            </p:txEl>
+                                          </p:spTgt>
+                                        </p:tgtEl>
+                                        <p:attrNameLst>
+                                          <p:attrName>style.visibility</p:attrName>
+                                        </p:attrNameLst>
+                                      </p:cBhvr>
+                                      <p:to>
+                                        <p:strVal val="visible"/>
+                                      </p:to>
+                                    </p:set>
+                                    <p:animEffect transition="in" filter="fade">
+                                      <p:cBhvr>
+                                        <p:cTn id="7" dur="1000"/>
+                                        <p:tgtEl>
+                                          <p:spTgt spid="3">
+                                            <p:txEl>
+                                              <p:pRg st="0" end="0"/>
+                                            </p:txEl>
+                                          </p:spTgt>
+                                        </p:tgtEl>
+                                      </p:cBhvr>
+                                    </p:animEffect>
+                                    <p:anim calcmode="lin" valueType="num">
+                                      <p:cBhvr>
+                                        <p:cTn id="8" dur="1000" fill="hold"/>
+                                        <p:tgtEl>
+                                          <p:spTgt spid="3">
+                                            <p:txEl>
+                                              <p:pRg st="0" end="0"/>
+                                            </p:txEl>
+                                          </p:spTgt>
+                                        </p:tgtEl>
+                                        <p:attrNameLst>
+                                          <p:attrName>ppt_x</p:attrName>
+                                        </p:attrNameLst>
+                                      </p:cBhvr>
+                                      <p:tavLst>
+                                        <p:tav tm="0">
+                                          <p:val>
+                                            <p:strVal val="#ppt_x"/>
+                                          </p:val>
+                                        </p:tav>
+                                        <p:tav tm="100000">
+                                          <p:val>
+                                            <p:strVal val="#ppt_x"/>
+                                          </p:val>
+                                        </p:tav>
+                                      </p:tavLst>
+                                    </p:anim>
+                                    <p:anim calcmode="lin" valueType="num">
+                                      <p:cBhvr>
+                                        <p:cTn id="9" dur="1000" fill="hold"/>
+                                        <p:tgtEl>
+                                          <p:spTgt spid="3">
+                                            <p:txEl>
+                                              <p:pRg st="0" end="0"/>
+                                            </p:txEl>
+                                          </p:spTgt>
+                                        </p:tgtEl>
+                                        <p:attrNameLst>
+                                          <p:attrName>ppt_y</p:attrName>
+                                        </p:attrNameLst>
+                                      </p:cBhvr>
+                                      <p:tavLst>
+                                        <p:tav tm="0">
+                                          <p:val>
+                                            <p:strVal val="#ppt_y+.1"/>
+                                          </p:val>
+                                        </p:tav>
+                                        <p:tav tm="100000">
+                                          <p:val>
+                                            <p:strVal val="#ppt_y"/>
+                                          </p:val>
+                                        </p:tav>
+                                      </p:tavLst>
+                                    </p:anim>
+                                  </p:childTnLst>
+                                </p:cTn>
+                              </p:par>
                             </p:childTnLst>
                           </p:cTn>
                         </p:par>
@@ -17680,6 +17869,842 @@
                       </p:childTnLst>
                     </p:cTn>
                   </p:par>
+                </p:childTnLst>
+              </p:cTn>
+              <p:prevCondLst>
+                <p:cond evt="onPrev" delay="0">
+                  <p:tgtEl>
+                    <p:sldTgt/>
+                  </p:tgtEl>
+                </p:cond>
+              </p:prevCondLst>
+              <p:nextCondLst>
+                <p:cond evt="onNext" delay="0">
+                  <p:tgtEl>
+                    <p:sldTgt/>
+                  </p:tgtEl>
+                </p:cond>
+              </p:nextCondLst>
+            </p:seq>
+          </p:childTnLst>
+        </p:cTn>
+      </p:par>
+    </p:tnLst>
+  </p:timing>
+</p:sld>
+</file>
+
+<file path=ppt/slides/slide24.xml><?xml version="1.0" encoding="utf-8"?>
+<p:sld xmlns:a="http://schemas.openxmlformats.org/drawingml/2006/main" xmlns:r="http://schemas.openxmlformats.org/officeDocument/2006/relationships" xmlns:p="http://schemas.openxmlformats.org/presentationml/2006/main">
+  <p:cSld>
+    <p:spTree>
+      <p:nvGrpSpPr>
+        <p:cNvPr id="1" name=""/>
+        <p:cNvGrpSpPr/>
+        <p:nvPr/>
+      </p:nvGrpSpPr>
+      <p:grpSpPr>
+        <a:xfrm>
+          <a:off x="0" y="0"/>
+          <a:ext cx="0" cy="0"/>
+          <a:chOff x="0" y="0"/>
+          <a:chExt cx="0" cy="0"/>
+        </a:xfrm>
+      </p:grpSpPr>
+      <p:sp>
+        <p:nvSpPr>
+          <p:cNvPr id="2" name="Title 1"/>
+          <p:cNvSpPr>
+            <a:spLocks noGrp="1"/>
+          </p:cNvSpPr>
+          <p:nvPr>
+            <p:ph type="title"/>
+          </p:nvPr>
+        </p:nvSpPr>
+        <p:spPr/>
+        <p:txBody>
+          <a:bodyPr/>
+          <a:lstStyle/>
+          <a:p>
+            <a:r>
+              <a:rPr lang="en-US" dirty="0" smtClean="0"/>
+              <a:t>My Day at Software &amp; Services</a:t>
+            </a:r>
+            <a:endParaRPr lang="en-US" dirty="0"/>
+          </a:p>
+        </p:txBody>
+      </p:sp>
+      <p:sp>
+        <p:nvSpPr>
+          <p:cNvPr id="3" name="Content Placeholder 2"/>
+          <p:cNvSpPr>
+            <a:spLocks noGrp="1"/>
+          </p:cNvSpPr>
+          <p:nvPr>
+            <p:ph idx="1"/>
+          </p:nvPr>
+        </p:nvSpPr>
+        <p:spPr/>
+        <p:txBody>
+          <a:bodyPr>
+            <a:normAutofit fontScale="92500" lnSpcReduction="10000"/>
+          </a:bodyPr>
+          <a:lstStyle/>
+          <a:p>
+            <a:r>
+              <a:rPr lang="en-US" dirty="0" smtClean="0"/>
+              <a:t>In the office between 7:30-8:00am</a:t>
+            </a:r>
+          </a:p>
+          <a:p>
+            <a:r>
+              <a:rPr lang="en-US" dirty="0" smtClean="0"/>
+              <a:t>Start the </a:t>
+            </a:r>
+            <a:r>
+              <a:rPr lang="en-US" dirty="0" smtClean="0"/>
+              <a:t>coffee</a:t>
+            </a:r>
+            <a:endParaRPr lang="en-US" dirty="0" smtClean="0"/>
+          </a:p>
+          <a:p>
+            <a:r>
+              <a:rPr lang="en-US" dirty="0" smtClean="0"/>
+              <a:t>Check my work email</a:t>
+            </a:r>
+          </a:p>
+          <a:p>
+            <a:r>
+              <a:rPr lang="en-US" dirty="0" smtClean="0"/>
+              <a:t>Review my task list</a:t>
+            </a:r>
+          </a:p>
+          <a:p>
+            <a:r>
+              <a:rPr lang="en-US" dirty="0" smtClean="0"/>
+              <a:t>If no support issues, continue work on major programming projects</a:t>
+            </a:r>
+          </a:p>
+          <a:p>
+            <a:r>
+              <a:rPr lang="en-US" dirty="0" smtClean="0"/>
+              <a:t>Support Issues normally take priority (putting out fires)</a:t>
+            </a:r>
+          </a:p>
+          <a:p>
+            <a:r>
+              <a:rPr lang="en-US" dirty="0" smtClean="0"/>
+              <a:t>Not uncommon to Read/Send around 50 emails each day</a:t>
+            </a:r>
+          </a:p>
+          <a:p>
+            <a:endParaRPr lang="en-US" dirty="0"/>
+          </a:p>
+        </p:txBody>
+      </p:sp>
+    </p:spTree>
+  </p:cSld>
+  <p:clrMapOvr>
+    <a:masterClrMapping/>
+  </p:clrMapOvr>
+  <p:timing>
+    <p:tnLst>
+      <p:par>
+        <p:cTn id="1" dur="indefinite" restart="never" nodeType="tmRoot">
+          <p:childTnLst>
+            <p:seq concurrent="1" nextAc="seek">
+              <p:cTn id="2" dur="indefinite" nodeType="mainSeq">
+                <p:childTnLst>
+                  <p:par>
+                    <p:cTn id="3" fill="hold">
+                      <p:stCondLst>
+                        <p:cond delay="indefinite"/>
+                      </p:stCondLst>
+                      <p:childTnLst>
+                        <p:par>
+                          <p:cTn id="4" fill="hold">
+                            <p:stCondLst>
+                              <p:cond delay="0"/>
+                            </p:stCondLst>
+                            <p:childTnLst>
+                              <p:par>
+                                <p:cTn id="5" presetID="42" presetClass="entr" presetSubtype="0" fill="hold" nodeType="clickEffect">
+                                  <p:stCondLst>
+                                    <p:cond delay="0"/>
+                                  </p:stCondLst>
+                                  <p:childTnLst>
+                                    <p:set>
+                                      <p:cBhvr>
+                                        <p:cTn id="6" dur="1" fill="hold">
+                                          <p:stCondLst>
+                                            <p:cond delay="0"/>
+                                          </p:stCondLst>
+                                        </p:cTn>
+                                        <p:tgtEl>
+                                          <p:spTgt spid="3">
+                                            <p:txEl>
+                                              <p:pRg st="0" end="0"/>
+                                            </p:txEl>
+                                          </p:spTgt>
+                                        </p:tgtEl>
+                                        <p:attrNameLst>
+                                          <p:attrName>style.visibility</p:attrName>
+                                        </p:attrNameLst>
+                                      </p:cBhvr>
+                                      <p:to>
+                                        <p:strVal val="visible"/>
+                                      </p:to>
+                                    </p:set>
+                                    <p:animEffect transition="in" filter="fade">
+                                      <p:cBhvr>
+                                        <p:cTn id="7" dur="1000"/>
+                                        <p:tgtEl>
+                                          <p:spTgt spid="3">
+                                            <p:txEl>
+                                              <p:pRg st="0" end="0"/>
+                                            </p:txEl>
+                                          </p:spTgt>
+                                        </p:tgtEl>
+                                      </p:cBhvr>
+                                    </p:animEffect>
+                                    <p:anim calcmode="lin" valueType="num">
+                                      <p:cBhvr>
+                                        <p:cTn id="8" dur="1000" fill="hold"/>
+                                        <p:tgtEl>
+                                          <p:spTgt spid="3">
+                                            <p:txEl>
+                                              <p:pRg st="0" end="0"/>
+                                            </p:txEl>
+                                          </p:spTgt>
+                                        </p:tgtEl>
+                                        <p:attrNameLst>
+                                          <p:attrName>ppt_x</p:attrName>
+                                        </p:attrNameLst>
+                                      </p:cBhvr>
+                                      <p:tavLst>
+                                        <p:tav tm="0">
+                                          <p:val>
+                                            <p:strVal val="#ppt_x"/>
+                                          </p:val>
+                                        </p:tav>
+                                        <p:tav tm="100000">
+                                          <p:val>
+                                            <p:strVal val="#ppt_x"/>
+                                          </p:val>
+                                        </p:tav>
+                                      </p:tavLst>
+                                    </p:anim>
+                                    <p:anim calcmode="lin" valueType="num">
+                                      <p:cBhvr>
+                                        <p:cTn id="9" dur="1000" fill="hold"/>
+                                        <p:tgtEl>
+                                          <p:spTgt spid="3">
+                                            <p:txEl>
+                                              <p:pRg st="0" end="0"/>
+                                            </p:txEl>
+                                          </p:spTgt>
+                                        </p:tgtEl>
+                                        <p:attrNameLst>
+                                          <p:attrName>ppt_y</p:attrName>
+                                        </p:attrNameLst>
+                                      </p:cBhvr>
+                                      <p:tavLst>
+                                        <p:tav tm="0">
+                                          <p:val>
+                                            <p:strVal val="#ppt_y+.1"/>
+                                          </p:val>
+                                        </p:tav>
+                                        <p:tav tm="100000">
+                                          <p:val>
+                                            <p:strVal val="#ppt_y"/>
+                                          </p:val>
+                                        </p:tav>
+                                      </p:tavLst>
+                                    </p:anim>
+                                  </p:childTnLst>
+                                </p:cTn>
+                              </p:par>
+                            </p:childTnLst>
+                          </p:cTn>
+                        </p:par>
+                      </p:childTnLst>
+                    </p:cTn>
+                  </p:par>
+                  <p:par>
+                    <p:cTn id="10" fill="hold">
+                      <p:stCondLst>
+                        <p:cond delay="indefinite"/>
+                      </p:stCondLst>
+                      <p:childTnLst>
+                        <p:par>
+                          <p:cTn id="11" fill="hold">
+                            <p:stCondLst>
+                              <p:cond delay="0"/>
+                            </p:stCondLst>
+                            <p:childTnLst>
+                              <p:par>
+                                <p:cTn id="12" presetID="42" presetClass="entr" presetSubtype="0" fill="hold" nodeType="clickEffect">
+                                  <p:stCondLst>
+                                    <p:cond delay="0"/>
+                                  </p:stCondLst>
+                                  <p:childTnLst>
+                                    <p:set>
+                                      <p:cBhvr>
+                                        <p:cTn id="13" dur="1" fill="hold">
+                                          <p:stCondLst>
+                                            <p:cond delay="0"/>
+                                          </p:stCondLst>
+                                        </p:cTn>
+                                        <p:tgtEl>
+                                          <p:spTgt spid="3">
+                                            <p:txEl>
+                                              <p:pRg st="1" end="1"/>
+                                            </p:txEl>
+                                          </p:spTgt>
+                                        </p:tgtEl>
+                                        <p:attrNameLst>
+                                          <p:attrName>style.visibility</p:attrName>
+                                        </p:attrNameLst>
+                                      </p:cBhvr>
+                                      <p:to>
+                                        <p:strVal val="visible"/>
+                                      </p:to>
+                                    </p:set>
+                                    <p:animEffect transition="in" filter="fade">
+                                      <p:cBhvr>
+                                        <p:cTn id="14" dur="1000"/>
+                                        <p:tgtEl>
+                                          <p:spTgt spid="3">
+                                            <p:txEl>
+                                              <p:pRg st="1" end="1"/>
+                                            </p:txEl>
+                                          </p:spTgt>
+                                        </p:tgtEl>
+                                      </p:cBhvr>
+                                    </p:animEffect>
+                                    <p:anim calcmode="lin" valueType="num">
+                                      <p:cBhvr>
+                                        <p:cTn id="15" dur="1000" fill="hold"/>
+                                        <p:tgtEl>
+                                          <p:spTgt spid="3">
+                                            <p:txEl>
+                                              <p:pRg st="1" end="1"/>
+                                            </p:txEl>
+                                          </p:spTgt>
+                                        </p:tgtEl>
+                                        <p:attrNameLst>
+                                          <p:attrName>ppt_x</p:attrName>
+                                        </p:attrNameLst>
+                                      </p:cBhvr>
+                                      <p:tavLst>
+                                        <p:tav tm="0">
+                                          <p:val>
+                                            <p:strVal val="#ppt_x"/>
+                                          </p:val>
+                                        </p:tav>
+                                        <p:tav tm="100000">
+                                          <p:val>
+                                            <p:strVal val="#ppt_x"/>
+                                          </p:val>
+                                        </p:tav>
+                                      </p:tavLst>
+                                    </p:anim>
+                                    <p:anim calcmode="lin" valueType="num">
+                                      <p:cBhvr>
+                                        <p:cTn id="16" dur="1000" fill="hold"/>
+                                        <p:tgtEl>
+                                          <p:spTgt spid="3">
+                                            <p:txEl>
+                                              <p:pRg st="1" end="1"/>
+                                            </p:txEl>
+                                          </p:spTgt>
+                                        </p:tgtEl>
+                                        <p:attrNameLst>
+                                          <p:attrName>ppt_y</p:attrName>
+                                        </p:attrNameLst>
+                                      </p:cBhvr>
+                                      <p:tavLst>
+                                        <p:tav tm="0">
+                                          <p:val>
+                                            <p:strVal val="#ppt_y+.1"/>
+                                          </p:val>
+                                        </p:tav>
+                                        <p:tav tm="100000">
+                                          <p:val>
+                                            <p:strVal val="#ppt_y"/>
+                                          </p:val>
+                                        </p:tav>
+                                      </p:tavLst>
+                                    </p:anim>
+                                  </p:childTnLst>
+                                </p:cTn>
+                              </p:par>
+                            </p:childTnLst>
+                          </p:cTn>
+                        </p:par>
+                      </p:childTnLst>
+                    </p:cTn>
+                  </p:par>
+                  <p:par>
+                    <p:cTn id="17" fill="hold">
+                      <p:stCondLst>
+                        <p:cond delay="indefinite"/>
+                      </p:stCondLst>
+                      <p:childTnLst>
+                        <p:par>
+                          <p:cTn id="18" fill="hold">
+                            <p:stCondLst>
+                              <p:cond delay="0"/>
+                            </p:stCondLst>
+                            <p:childTnLst>
+                              <p:par>
+                                <p:cTn id="19" presetID="42" presetClass="entr" presetSubtype="0" fill="hold" nodeType="clickEffect">
+                                  <p:stCondLst>
+                                    <p:cond delay="0"/>
+                                  </p:stCondLst>
+                                  <p:childTnLst>
+                                    <p:set>
+                                      <p:cBhvr>
+                                        <p:cTn id="20" dur="1" fill="hold">
+                                          <p:stCondLst>
+                                            <p:cond delay="0"/>
+                                          </p:stCondLst>
+                                        </p:cTn>
+                                        <p:tgtEl>
+                                          <p:spTgt spid="3">
+                                            <p:txEl>
+                                              <p:pRg st="2" end="2"/>
+                                            </p:txEl>
+                                          </p:spTgt>
+                                        </p:tgtEl>
+                                        <p:attrNameLst>
+                                          <p:attrName>style.visibility</p:attrName>
+                                        </p:attrNameLst>
+                                      </p:cBhvr>
+                                      <p:to>
+                                        <p:strVal val="visible"/>
+                                      </p:to>
+                                    </p:set>
+                                    <p:animEffect transition="in" filter="fade">
+                                      <p:cBhvr>
+                                        <p:cTn id="21" dur="1000"/>
+                                        <p:tgtEl>
+                                          <p:spTgt spid="3">
+                                            <p:txEl>
+                                              <p:pRg st="2" end="2"/>
+                                            </p:txEl>
+                                          </p:spTgt>
+                                        </p:tgtEl>
+                                      </p:cBhvr>
+                                    </p:animEffect>
+                                    <p:anim calcmode="lin" valueType="num">
+                                      <p:cBhvr>
+                                        <p:cTn id="22" dur="1000" fill="hold"/>
+                                        <p:tgtEl>
+                                          <p:spTgt spid="3">
+                                            <p:txEl>
+                                              <p:pRg st="2" end="2"/>
+                                            </p:txEl>
+                                          </p:spTgt>
+                                        </p:tgtEl>
+                                        <p:attrNameLst>
+                                          <p:attrName>ppt_x</p:attrName>
+                                        </p:attrNameLst>
+                                      </p:cBhvr>
+                                      <p:tavLst>
+                                        <p:tav tm="0">
+                                          <p:val>
+                                            <p:strVal val="#ppt_x"/>
+                                          </p:val>
+                                        </p:tav>
+                                        <p:tav tm="100000">
+                                          <p:val>
+                                            <p:strVal val="#ppt_x"/>
+                                          </p:val>
+                                        </p:tav>
+                                      </p:tavLst>
+                                    </p:anim>
+                                    <p:anim calcmode="lin" valueType="num">
+                                      <p:cBhvr>
+                                        <p:cTn id="23" dur="1000" fill="hold"/>
+                                        <p:tgtEl>
+                                          <p:spTgt spid="3">
+                                            <p:txEl>
+                                              <p:pRg st="2" end="2"/>
+                                            </p:txEl>
+                                          </p:spTgt>
+                                        </p:tgtEl>
+                                        <p:attrNameLst>
+                                          <p:attrName>ppt_y</p:attrName>
+                                        </p:attrNameLst>
+                                      </p:cBhvr>
+                                      <p:tavLst>
+                                        <p:tav tm="0">
+                                          <p:val>
+                                            <p:strVal val="#ppt_y+.1"/>
+                                          </p:val>
+                                        </p:tav>
+                                        <p:tav tm="100000">
+                                          <p:val>
+                                            <p:strVal val="#ppt_y"/>
+                                          </p:val>
+                                        </p:tav>
+                                      </p:tavLst>
+                                    </p:anim>
+                                  </p:childTnLst>
+                                </p:cTn>
+                              </p:par>
+                            </p:childTnLst>
+                          </p:cTn>
+                        </p:par>
+                      </p:childTnLst>
+                    </p:cTn>
+                  </p:par>
+                  <p:par>
+                    <p:cTn id="24" fill="hold">
+                      <p:stCondLst>
+                        <p:cond delay="indefinite"/>
+                      </p:stCondLst>
+                      <p:childTnLst>
+                        <p:par>
+                          <p:cTn id="25" fill="hold">
+                            <p:stCondLst>
+                              <p:cond delay="0"/>
+                            </p:stCondLst>
+                            <p:childTnLst>
+                              <p:par>
+                                <p:cTn id="26" presetID="42" presetClass="entr" presetSubtype="0" fill="hold" nodeType="clickEffect">
+                                  <p:stCondLst>
+                                    <p:cond delay="0"/>
+                                  </p:stCondLst>
+                                  <p:childTnLst>
+                                    <p:set>
+                                      <p:cBhvr>
+                                        <p:cTn id="27" dur="1" fill="hold">
+                                          <p:stCondLst>
+                                            <p:cond delay="0"/>
+                                          </p:stCondLst>
+                                        </p:cTn>
+                                        <p:tgtEl>
+                                          <p:spTgt spid="3">
+                                            <p:txEl>
+                                              <p:pRg st="3" end="3"/>
+                                            </p:txEl>
+                                          </p:spTgt>
+                                        </p:tgtEl>
+                                        <p:attrNameLst>
+                                          <p:attrName>style.visibility</p:attrName>
+                                        </p:attrNameLst>
+                                      </p:cBhvr>
+                                      <p:to>
+                                        <p:strVal val="visible"/>
+                                      </p:to>
+                                    </p:set>
+                                    <p:animEffect transition="in" filter="fade">
+                                      <p:cBhvr>
+                                        <p:cTn id="28" dur="1000"/>
+                                        <p:tgtEl>
+                                          <p:spTgt spid="3">
+                                            <p:txEl>
+                                              <p:pRg st="3" end="3"/>
+                                            </p:txEl>
+                                          </p:spTgt>
+                                        </p:tgtEl>
+                                      </p:cBhvr>
+                                    </p:animEffect>
+                                    <p:anim calcmode="lin" valueType="num">
+                                      <p:cBhvr>
+                                        <p:cTn id="29" dur="1000" fill="hold"/>
+                                        <p:tgtEl>
+                                          <p:spTgt spid="3">
+                                            <p:txEl>
+                                              <p:pRg st="3" end="3"/>
+                                            </p:txEl>
+                                          </p:spTgt>
+                                        </p:tgtEl>
+                                        <p:attrNameLst>
+                                          <p:attrName>ppt_x</p:attrName>
+                                        </p:attrNameLst>
+                                      </p:cBhvr>
+                                      <p:tavLst>
+                                        <p:tav tm="0">
+                                          <p:val>
+                                            <p:strVal val="#ppt_x"/>
+                                          </p:val>
+                                        </p:tav>
+                                        <p:tav tm="100000">
+                                          <p:val>
+                                            <p:strVal val="#ppt_x"/>
+                                          </p:val>
+                                        </p:tav>
+                                      </p:tavLst>
+                                    </p:anim>
+                                    <p:anim calcmode="lin" valueType="num">
+                                      <p:cBhvr>
+                                        <p:cTn id="30" dur="1000" fill="hold"/>
+                                        <p:tgtEl>
+                                          <p:spTgt spid="3">
+                                            <p:txEl>
+                                              <p:pRg st="3" end="3"/>
+                                            </p:txEl>
+                                          </p:spTgt>
+                                        </p:tgtEl>
+                                        <p:attrNameLst>
+                                          <p:attrName>ppt_y</p:attrName>
+                                        </p:attrNameLst>
+                                      </p:cBhvr>
+                                      <p:tavLst>
+                                        <p:tav tm="0">
+                                          <p:val>
+                                            <p:strVal val="#ppt_y+.1"/>
+                                          </p:val>
+                                        </p:tav>
+                                        <p:tav tm="100000">
+                                          <p:val>
+                                            <p:strVal val="#ppt_y"/>
+                                          </p:val>
+                                        </p:tav>
+                                      </p:tavLst>
+                                    </p:anim>
+                                  </p:childTnLst>
+                                </p:cTn>
+                              </p:par>
+                            </p:childTnLst>
+                          </p:cTn>
+                        </p:par>
+                      </p:childTnLst>
+                    </p:cTn>
+                  </p:par>
+                  <p:par>
+                    <p:cTn id="31" fill="hold">
+                      <p:stCondLst>
+                        <p:cond delay="indefinite"/>
+                      </p:stCondLst>
+                      <p:childTnLst>
+                        <p:par>
+                          <p:cTn id="32" fill="hold">
+                            <p:stCondLst>
+                              <p:cond delay="0"/>
+                            </p:stCondLst>
+                            <p:childTnLst>
+                              <p:par>
+                                <p:cTn id="33" presetID="42" presetClass="entr" presetSubtype="0" fill="hold" nodeType="clickEffect">
+                                  <p:stCondLst>
+                                    <p:cond delay="0"/>
+                                  </p:stCondLst>
+                                  <p:childTnLst>
+                                    <p:set>
+                                      <p:cBhvr>
+                                        <p:cTn id="34" dur="1" fill="hold">
+                                          <p:stCondLst>
+                                            <p:cond delay="0"/>
+                                          </p:stCondLst>
+                                        </p:cTn>
+                                        <p:tgtEl>
+                                          <p:spTgt spid="3">
+                                            <p:txEl>
+                                              <p:pRg st="4" end="4"/>
+                                            </p:txEl>
+                                          </p:spTgt>
+                                        </p:tgtEl>
+                                        <p:attrNameLst>
+                                          <p:attrName>style.visibility</p:attrName>
+                                        </p:attrNameLst>
+                                      </p:cBhvr>
+                                      <p:to>
+                                        <p:strVal val="visible"/>
+                                      </p:to>
+                                    </p:set>
+                                    <p:animEffect transition="in" filter="fade">
+                                      <p:cBhvr>
+                                        <p:cTn id="35" dur="1000"/>
+                                        <p:tgtEl>
+                                          <p:spTgt spid="3">
+                                            <p:txEl>
+                                              <p:pRg st="4" end="4"/>
+                                            </p:txEl>
+                                          </p:spTgt>
+                                        </p:tgtEl>
+                                      </p:cBhvr>
+                                    </p:animEffect>
+                                    <p:anim calcmode="lin" valueType="num">
+                                      <p:cBhvr>
+                                        <p:cTn id="36" dur="1000" fill="hold"/>
+                                        <p:tgtEl>
+                                          <p:spTgt spid="3">
+                                            <p:txEl>
+                                              <p:pRg st="4" end="4"/>
+                                            </p:txEl>
+                                          </p:spTgt>
+                                        </p:tgtEl>
+                                        <p:attrNameLst>
+                                          <p:attrName>ppt_x</p:attrName>
+                                        </p:attrNameLst>
+                                      </p:cBhvr>
+                                      <p:tavLst>
+                                        <p:tav tm="0">
+                                          <p:val>
+                                            <p:strVal val="#ppt_x"/>
+                                          </p:val>
+                                        </p:tav>
+                                        <p:tav tm="100000">
+                                          <p:val>
+                                            <p:strVal val="#ppt_x"/>
+                                          </p:val>
+                                        </p:tav>
+                                      </p:tavLst>
+                                    </p:anim>
+                                    <p:anim calcmode="lin" valueType="num">
+                                      <p:cBhvr>
+                                        <p:cTn id="37" dur="1000" fill="hold"/>
+                                        <p:tgtEl>
+                                          <p:spTgt spid="3">
+                                            <p:txEl>
+                                              <p:pRg st="4" end="4"/>
+                                            </p:txEl>
+                                          </p:spTgt>
+                                        </p:tgtEl>
+                                        <p:attrNameLst>
+                                          <p:attrName>ppt_y</p:attrName>
+                                        </p:attrNameLst>
+                                      </p:cBhvr>
+                                      <p:tavLst>
+                                        <p:tav tm="0">
+                                          <p:val>
+                                            <p:strVal val="#ppt_y+.1"/>
+                                          </p:val>
+                                        </p:tav>
+                                        <p:tav tm="100000">
+                                          <p:val>
+                                            <p:strVal val="#ppt_y"/>
+                                          </p:val>
+                                        </p:tav>
+                                      </p:tavLst>
+                                    </p:anim>
+                                  </p:childTnLst>
+                                </p:cTn>
+                              </p:par>
+                            </p:childTnLst>
+                          </p:cTn>
+                        </p:par>
+                      </p:childTnLst>
+                    </p:cTn>
+                  </p:par>
+                  <p:par>
+                    <p:cTn id="38" fill="hold">
+                      <p:stCondLst>
+                        <p:cond delay="indefinite"/>
+                      </p:stCondLst>
+                      <p:childTnLst>
+                        <p:par>
+                          <p:cTn id="39" fill="hold">
+                            <p:stCondLst>
+                              <p:cond delay="0"/>
+                            </p:stCondLst>
+                            <p:childTnLst>
+                              <p:par>
+                                <p:cTn id="40" presetID="42" presetClass="entr" presetSubtype="0" fill="hold" nodeType="clickEffect">
+                                  <p:stCondLst>
+                                    <p:cond delay="0"/>
+                                  </p:stCondLst>
+                                  <p:childTnLst>
+                                    <p:set>
+                                      <p:cBhvr>
+                                        <p:cTn id="41" dur="1" fill="hold">
+                                          <p:stCondLst>
+                                            <p:cond delay="0"/>
+                                          </p:stCondLst>
+                                        </p:cTn>
+                                        <p:tgtEl>
+                                          <p:spTgt spid="3">
+                                            <p:txEl>
+                                              <p:pRg st="5" end="5"/>
+                                            </p:txEl>
+                                          </p:spTgt>
+                                        </p:tgtEl>
+                                        <p:attrNameLst>
+                                          <p:attrName>style.visibility</p:attrName>
+                                        </p:attrNameLst>
+                                      </p:cBhvr>
+                                      <p:to>
+                                        <p:strVal val="visible"/>
+                                      </p:to>
+                                    </p:set>
+                                    <p:animEffect transition="in" filter="fade">
+                                      <p:cBhvr>
+                                        <p:cTn id="42" dur="1000"/>
+                                        <p:tgtEl>
+                                          <p:spTgt spid="3">
+                                            <p:txEl>
+                                              <p:pRg st="5" end="5"/>
+                                            </p:txEl>
+                                          </p:spTgt>
+                                        </p:tgtEl>
+                                      </p:cBhvr>
+                                    </p:animEffect>
+                                    <p:anim calcmode="lin" valueType="num">
+                                      <p:cBhvr>
+                                        <p:cTn id="43" dur="1000" fill="hold"/>
+                                        <p:tgtEl>
+                                          <p:spTgt spid="3">
+                                            <p:txEl>
+                                              <p:pRg st="5" end="5"/>
+                                            </p:txEl>
+                                          </p:spTgt>
+                                        </p:tgtEl>
+                                        <p:attrNameLst>
+                                          <p:attrName>ppt_x</p:attrName>
+                                        </p:attrNameLst>
+                                      </p:cBhvr>
+                                      <p:tavLst>
+                                        <p:tav tm="0">
+                                          <p:val>
+                                            <p:strVal val="#ppt_x"/>
+                                          </p:val>
+                                        </p:tav>
+                                        <p:tav tm="100000">
+                                          <p:val>
+                                            <p:strVal val="#ppt_x"/>
+                                          </p:val>
+                                        </p:tav>
+                                      </p:tavLst>
+                                    </p:anim>
+                                    <p:anim calcmode="lin" valueType="num">
+                                      <p:cBhvr>
+                                        <p:cTn id="44" dur="1000" fill="hold"/>
+                                        <p:tgtEl>
+                                          <p:spTgt spid="3">
+                                            <p:txEl>
+                                              <p:pRg st="5" end="5"/>
+                                            </p:txEl>
+                                          </p:spTgt>
+                                        </p:tgtEl>
+                                        <p:attrNameLst>
+                                          <p:attrName>ppt_y</p:attrName>
+                                        </p:attrNameLst>
+                                      </p:cBhvr>
+                                      <p:tavLst>
+                                        <p:tav tm="0">
+                                          <p:val>
+                                            <p:strVal val="#ppt_y+.1"/>
+                                          </p:val>
+                                        </p:tav>
+                                        <p:tav tm="100000">
+                                          <p:val>
+                                            <p:strVal val="#ppt_y"/>
+                                          </p:val>
+                                        </p:tav>
+                                      </p:tavLst>
+                                    </p:anim>
+                                  </p:childTnLst>
+                                </p:cTn>
+                              </p:par>
+                            </p:childTnLst>
+                          </p:cTn>
+                        </p:par>
+                      </p:childTnLst>
+                    </p:cTn>
+                  </p:par>
                   <p:par>
                     <p:cTn id="45" fill="hold">
                       <p:stCondLst>
@@ -17766,121 +18791,6 @@
                                           <p:spTgt spid="3">
                                             <p:txEl>
                                               <p:pRg st="6" end="6"/>
-                                            </p:txEl>
-                                          </p:spTgt>
-                                        </p:tgtEl>
-                                        <p:attrNameLst>
-                                          <p:attrName>ppt_y</p:attrName>
-                                        </p:attrNameLst>
-                                      </p:cBhvr>
-                                      <p:tavLst>
-                                        <p:tav tm="0">
-                                          <p:val>
-                                            <p:strVal val="#ppt_y+.1"/>
-                                          </p:val>
-                                        </p:tav>
-                                        <p:tav tm="100000">
-                                          <p:val>
-                                            <p:strVal val="#ppt_y"/>
-                                          </p:val>
-                                        </p:tav>
-                                      </p:tavLst>
-                                    </p:anim>
-                                  </p:childTnLst>
-                                </p:cTn>
-                              </p:par>
-                            </p:childTnLst>
-                          </p:cTn>
-                        </p:par>
-                      </p:childTnLst>
-                    </p:cTn>
-                  </p:par>
-                  <p:par>
-                    <p:cTn id="52" fill="hold">
-                      <p:stCondLst>
-                        <p:cond delay="indefinite"/>
-                      </p:stCondLst>
-                      <p:childTnLst>
-                        <p:par>
-                          <p:cTn id="53" fill="hold">
-                            <p:stCondLst>
-                              <p:cond delay="0"/>
-                            </p:stCondLst>
-                            <p:childTnLst>
-                              <p:par>
-                                <p:cTn id="54" presetID="42" presetClass="entr" presetSubtype="0" fill="hold" nodeType="clickEffect">
-                                  <p:stCondLst>
-                                    <p:cond delay="0"/>
-                                  </p:stCondLst>
-                                  <p:childTnLst>
-                                    <p:set>
-                                      <p:cBhvr>
-                                        <p:cTn id="55" dur="1" fill="hold">
-                                          <p:stCondLst>
-                                            <p:cond delay="0"/>
-                                          </p:stCondLst>
-                                        </p:cTn>
-                                        <p:tgtEl>
-                                          <p:spTgt spid="3">
-                                            <p:txEl>
-                                              <p:pRg st="7" end="7"/>
-                                            </p:txEl>
-                                          </p:spTgt>
-                                        </p:tgtEl>
-                                        <p:attrNameLst>
-                                          <p:attrName>style.visibility</p:attrName>
-                                        </p:attrNameLst>
-                                      </p:cBhvr>
-                                      <p:to>
-                                        <p:strVal val="visible"/>
-                                      </p:to>
-                                    </p:set>
-                                    <p:animEffect transition="in" filter="fade">
-                                      <p:cBhvr>
-                                        <p:cTn id="56" dur="1000"/>
-                                        <p:tgtEl>
-                                          <p:spTgt spid="3">
-                                            <p:txEl>
-                                              <p:pRg st="7" end="7"/>
-                                            </p:txEl>
-                                          </p:spTgt>
-                                        </p:tgtEl>
-                                      </p:cBhvr>
-                                    </p:animEffect>
-                                    <p:anim calcmode="lin" valueType="num">
-                                      <p:cBhvr>
-                                        <p:cTn id="57" dur="1000" fill="hold"/>
-                                        <p:tgtEl>
-                                          <p:spTgt spid="3">
-                                            <p:txEl>
-                                              <p:pRg st="7" end="7"/>
-                                            </p:txEl>
-                                          </p:spTgt>
-                                        </p:tgtEl>
-                                        <p:attrNameLst>
-                                          <p:attrName>ppt_x</p:attrName>
-                                        </p:attrNameLst>
-                                      </p:cBhvr>
-                                      <p:tavLst>
-                                        <p:tav tm="0">
-                                          <p:val>
-                                            <p:strVal val="#ppt_x"/>
-                                          </p:val>
-                                        </p:tav>
-                                        <p:tav tm="100000">
-                                          <p:val>
-                                            <p:strVal val="#ppt_x"/>
-                                          </p:val>
-                                        </p:tav>
-                                      </p:tavLst>
-                                    </p:anim>
-                                    <p:anim calcmode="lin" valueType="num">
-                                      <p:cBhvr>
-                                        <p:cTn id="58" dur="1000" fill="hold"/>
-                                        <p:tgtEl>
-                                          <p:spTgt spid="3">
-                                            <p:txEl>
-                                              <p:pRg st="7" end="7"/>
                                             </p:txEl>
                                           </p:spTgt>
                                         </p:tgtEl>
@@ -17969,6 +18879,94 @@
           <a:p>
             <a:r>
               <a:rPr lang="en-US" dirty="0" smtClean="0"/>
+              <a:t>Career Fields at S&amp;S</a:t>
+            </a:r>
+            <a:endParaRPr lang="en-US" dirty="0"/>
+          </a:p>
+        </p:txBody>
+      </p:sp>
+      <p:sp>
+        <p:nvSpPr>
+          <p:cNvPr id="3" name="Content Placeholder 2"/>
+          <p:cNvSpPr>
+            <a:spLocks noGrp="1"/>
+          </p:cNvSpPr>
+          <p:nvPr>
+            <p:ph idx="1"/>
+          </p:nvPr>
+        </p:nvSpPr>
+        <p:spPr/>
+        <p:txBody>
+          <a:bodyPr>
+            <a:normAutofit/>
+          </a:bodyPr>
+          <a:lstStyle/>
+          <a:p>
+            <a:endParaRPr lang="en-US" dirty="0" smtClean="0"/>
+          </a:p>
+          <a:p>
+            <a:pPr lvl="1"/>
+            <a:endParaRPr lang="en-US" dirty="0" smtClean="0"/>
+          </a:p>
+          <a:p>
+            <a:endParaRPr lang="en-US" dirty="0"/>
+          </a:p>
+        </p:txBody>
+      </p:sp>
+    </p:spTree>
+    <p:extLst>
+      <p:ext uri="{BB962C8B-B14F-4D97-AF65-F5344CB8AC3E}">
+        <p14:creationId xmlns:p14="http://schemas.microsoft.com/office/powerpoint/2010/main" val="1413761337"/>
+      </p:ext>
+    </p:extLst>
+  </p:cSld>
+  <p:clrMapOvr>
+    <a:masterClrMapping/>
+  </p:clrMapOvr>
+  <p:timing>
+    <p:tnLst>
+      <p:par>
+        <p:cTn id="1" dur="indefinite" restart="never" nodeType="tmRoot"/>
+      </p:par>
+    </p:tnLst>
+  </p:timing>
+</p:sld>
+</file>
+
+<file path=ppt/slides/slide4.xml><?xml version="1.0" encoding="utf-8"?>
+<p:sld xmlns:a="http://schemas.openxmlformats.org/drawingml/2006/main" xmlns:r="http://schemas.openxmlformats.org/officeDocument/2006/relationships" xmlns:p="http://schemas.openxmlformats.org/presentationml/2006/main">
+  <p:cSld>
+    <p:spTree>
+      <p:nvGrpSpPr>
+        <p:cNvPr id="1" name=""/>
+        <p:cNvGrpSpPr/>
+        <p:nvPr/>
+      </p:nvGrpSpPr>
+      <p:grpSpPr>
+        <a:xfrm>
+          <a:off x="0" y="0"/>
+          <a:ext cx="0" cy="0"/>
+          <a:chOff x="0" y="0"/>
+          <a:chExt cx="0" cy="0"/>
+        </a:xfrm>
+      </p:grpSpPr>
+      <p:sp>
+        <p:nvSpPr>
+          <p:cNvPr id="2" name="Title 1"/>
+          <p:cNvSpPr>
+            <a:spLocks noGrp="1"/>
+          </p:cNvSpPr>
+          <p:nvPr>
+            <p:ph type="title"/>
+          </p:nvPr>
+        </p:nvSpPr>
+        <p:spPr/>
+        <p:txBody>
+          <a:bodyPr/>
+          <a:lstStyle/>
+          <a:p>
+            <a:r>
+              <a:rPr lang="en-US" dirty="0" smtClean="0"/>
               <a:t>Software Developer</a:t>
             </a:r>
             <a:endParaRPr lang="en-US" dirty="0"/>
@@ -17990,10 +18988,10 @@
           <a:bodyPr/>
           <a:lstStyle/>
           <a:p>
-            <a:r>
-              <a:rPr lang="en-US" dirty="0"/>
-              <a:t>Software Developer</a:t>
-            </a:r>
+            <a:pPr marL="0" indent="0">
+              <a:buNone/>
+            </a:pPr>
+            <a:endParaRPr lang="en-US" dirty="0"/>
           </a:p>
           <a:p>
             <a:pPr lvl="1"/>
@@ -18728,714 +19726,6 @@
                                           <p:spTgt spid="3">
                                             <p:txEl>
                                               <p:pRg st="6" end="6"/>
-                                            </p:txEl>
-                                          </p:spTgt>
-                                        </p:tgtEl>
-                                        <p:attrNameLst>
-                                          <p:attrName>ppt_y</p:attrName>
-                                        </p:attrNameLst>
-                                      </p:cBhvr>
-                                      <p:tavLst>
-                                        <p:tav tm="0">
-                                          <p:val>
-                                            <p:strVal val="#ppt_y+.1"/>
-                                          </p:val>
-                                        </p:tav>
-                                        <p:tav tm="100000">
-                                          <p:val>
-                                            <p:strVal val="#ppt_y"/>
-                                          </p:val>
-                                        </p:tav>
-                                      </p:tavLst>
-                                    </p:anim>
-                                  </p:childTnLst>
-                                </p:cTn>
-                              </p:par>
-                            </p:childTnLst>
-                          </p:cTn>
-                        </p:par>
-                      </p:childTnLst>
-                    </p:cTn>
-                  </p:par>
-                </p:childTnLst>
-              </p:cTn>
-              <p:prevCondLst>
-                <p:cond evt="onPrev" delay="0">
-                  <p:tgtEl>
-                    <p:sldTgt/>
-                  </p:tgtEl>
-                </p:cond>
-              </p:prevCondLst>
-              <p:nextCondLst>
-                <p:cond evt="onNext" delay="0">
-                  <p:tgtEl>
-                    <p:sldTgt/>
-                  </p:tgtEl>
-                </p:cond>
-              </p:nextCondLst>
-            </p:seq>
-          </p:childTnLst>
-        </p:cTn>
-      </p:par>
-    </p:tnLst>
-  </p:timing>
-</p:sld>
-</file>
-
-<file path=ppt/slides/slide4.xml><?xml version="1.0" encoding="utf-8"?>
-<p:sld xmlns:a="http://schemas.openxmlformats.org/drawingml/2006/main" xmlns:r="http://schemas.openxmlformats.org/officeDocument/2006/relationships" xmlns:p="http://schemas.openxmlformats.org/presentationml/2006/main">
-  <p:cSld>
-    <p:spTree>
-      <p:nvGrpSpPr>
-        <p:cNvPr id="1" name=""/>
-        <p:cNvGrpSpPr/>
-        <p:nvPr/>
-      </p:nvGrpSpPr>
-      <p:grpSpPr>
-        <a:xfrm>
-          <a:off x="0" y="0"/>
-          <a:ext cx="0" cy="0"/>
-          <a:chOff x="0" y="0"/>
-          <a:chExt cx="0" cy="0"/>
-        </a:xfrm>
-      </p:grpSpPr>
-      <p:sp>
-        <p:nvSpPr>
-          <p:cNvPr id="2" name="Title 1"/>
-          <p:cNvSpPr>
-            <a:spLocks noGrp="1"/>
-          </p:cNvSpPr>
-          <p:nvPr>
-            <p:ph type="title"/>
-          </p:nvPr>
-        </p:nvSpPr>
-        <p:spPr/>
-        <p:txBody>
-          <a:bodyPr/>
-          <a:lstStyle/>
-          <a:p>
-            <a:r>
-              <a:rPr lang="en-US" dirty="0" smtClean="0"/>
-              <a:t>Systems Engineer</a:t>
-            </a:r>
-            <a:endParaRPr lang="en-US" dirty="0"/>
-          </a:p>
-        </p:txBody>
-      </p:sp>
-      <p:sp>
-        <p:nvSpPr>
-          <p:cNvPr id="3" name="Content Placeholder 2"/>
-          <p:cNvSpPr>
-            <a:spLocks noGrp="1"/>
-          </p:cNvSpPr>
-          <p:nvPr>
-            <p:ph idx="1"/>
-          </p:nvPr>
-        </p:nvSpPr>
-        <p:spPr/>
-        <p:txBody>
-          <a:bodyPr/>
-          <a:lstStyle/>
-          <a:p>
-            <a:r>
-              <a:rPr lang="en-US" dirty="0" smtClean="0"/>
-              <a:t>Maintain </a:t>
-            </a:r>
-            <a:r>
-              <a:rPr lang="en-US" dirty="0"/>
-              <a:t>networks</a:t>
-            </a:r>
-          </a:p>
-          <a:p>
-            <a:r>
-              <a:rPr lang="en-US" dirty="0"/>
-              <a:t>Maintain servers (e.g. email server)</a:t>
-            </a:r>
-          </a:p>
-          <a:p>
-            <a:r>
-              <a:rPr lang="en-US" dirty="0"/>
-              <a:t>Install new hardware (memory, hard drives, printers)</a:t>
-            </a:r>
-          </a:p>
-          <a:p>
-            <a:r>
-              <a:rPr lang="en-US" dirty="0"/>
-              <a:t>Troubleshoot hardware issues and general computer issues</a:t>
-            </a:r>
-          </a:p>
-          <a:p>
-            <a:r>
-              <a:rPr lang="en-US" dirty="0"/>
-              <a:t>Travel to client sites and setup networks and servers</a:t>
-            </a:r>
-          </a:p>
-        </p:txBody>
-      </p:sp>
-    </p:spTree>
-    <p:extLst>
-      <p:ext uri="{BB962C8B-B14F-4D97-AF65-F5344CB8AC3E}">
-        <p14:creationId xmlns:p14="http://schemas.microsoft.com/office/powerpoint/2010/main" val="1203755180"/>
-      </p:ext>
-    </p:extLst>
-  </p:cSld>
-  <p:clrMapOvr>
-    <a:masterClrMapping/>
-  </p:clrMapOvr>
-  <p:timing>
-    <p:tnLst>
-      <p:par>
-        <p:cTn id="1" dur="indefinite" restart="never" nodeType="tmRoot">
-          <p:childTnLst>
-            <p:seq concurrent="1" nextAc="seek">
-              <p:cTn id="2" dur="indefinite" nodeType="mainSeq">
-                <p:childTnLst>
-                  <p:par>
-                    <p:cTn id="3" fill="hold">
-                      <p:stCondLst>
-                        <p:cond delay="indefinite"/>
-                      </p:stCondLst>
-                      <p:childTnLst>
-                        <p:par>
-                          <p:cTn id="4" fill="hold">
-                            <p:stCondLst>
-                              <p:cond delay="0"/>
-                            </p:stCondLst>
-                            <p:childTnLst>
-                              <p:par>
-                                <p:cTn id="5" presetID="42" presetClass="entr" presetSubtype="0" fill="hold" nodeType="clickEffect">
-                                  <p:stCondLst>
-                                    <p:cond delay="0"/>
-                                  </p:stCondLst>
-                                  <p:childTnLst>
-                                    <p:set>
-                                      <p:cBhvr>
-                                        <p:cTn id="6" dur="1" fill="hold">
-                                          <p:stCondLst>
-                                            <p:cond delay="0"/>
-                                          </p:stCondLst>
-                                        </p:cTn>
-                                        <p:tgtEl>
-                                          <p:spTgt spid="3">
-                                            <p:txEl>
-                                              <p:pRg st="0" end="0"/>
-                                            </p:txEl>
-                                          </p:spTgt>
-                                        </p:tgtEl>
-                                        <p:attrNameLst>
-                                          <p:attrName>style.visibility</p:attrName>
-                                        </p:attrNameLst>
-                                      </p:cBhvr>
-                                      <p:to>
-                                        <p:strVal val="visible"/>
-                                      </p:to>
-                                    </p:set>
-                                    <p:animEffect transition="in" filter="fade">
-                                      <p:cBhvr>
-                                        <p:cTn id="7" dur="1000"/>
-                                        <p:tgtEl>
-                                          <p:spTgt spid="3">
-                                            <p:txEl>
-                                              <p:pRg st="0" end="0"/>
-                                            </p:txEl>
-                                          </p:spTgt>
-                                        </p:tgtEl>
-                                      </p:cBhvr>
-                                    </p:animEffect>
-                                    <p:anim calcmode="lin" valueType="num">
-                                      <p:cBhvr>
-                                        <p:cTn id="8" dur="1000" fill="hold"/>
-                                        <p:tgtEl>
-                                          <p:spTgt spid="3">
-                                            <p:txEl>
-                                              <p:pRg st="0" end="0"/>
-                                            </p:txEl>
-                                          </p:spTgt>
-                                        </p:tgtEl>
-                                        <p:attrNameLst>
-                                          <p:attrName>ppt_x</p:attrName>
-                                        </p:attrNameLst>
-                                      </p:cBhvr>
-                                      <p:tavLst>
-                                        <p:tav tm="0">
-                                          <p:val>
-                                            <p:strVal val="#ppt_x"/>
-                                          </p:val>
-                                        </p:tav>
-                                        <p:tav tm="100000">
-                                          <p:val>
-                                            <p:strVal val="#ppt_x"/>
-                                          </p:val>
-                                        </p:tav>
-                                      </p:tavLst>
-                                    </p:anim>
-                                    <p:anim calcmode="lin" valueType="num">
-                                      <p:cBhvr>
-                                        <p:cTn id="9" dur="1000" fill="hold"/>
-                                        <p:tgtEl>
-                                          <p:spTgt spid="3">
-                                            <p:txEl>
-                                              <p:pRg st="0" end="0"/>
-                                            </p:txEl>
-                                          </p:spTgt>
-                                        </p:tgtEl>
-                                        <p:attrNameLst>
-                                          <p:attrName>ppt_y</p:attrName>
-                                        </p:attrNameLst>
-                                      </p:cBhvr>
-                                      <p:tavLst>
-                                        <p:tav tm="0">
-                                          <p:val>
-                                            <p:strVal val="#ppt_y+.1"/>
-                                          </p:val>
-                                        </p:tav>
-                                        <p:tav tm="100000">
-                                          <p:val>
-                                            <p:strVal val="#ppt_y"/>
-                                          </p:val>
-                                        </p:tav>
-                                      </p:tavLst>
-                                    </p:anim>
-                                  </p:childTnLst>
-                                </p:cTn>
-                              </p:par>
-                            </p:childTnLst>
-                          </p:cTn>
-                        </p:par>
-                      </p:childTnLst>
-                    </p:cTn>
-                  </p:par>
-                  <p:par>
-                    <p:cTn id="10" fill="hold">
-                      <p:stCondLst>
-                        <p:cond delay="indefinite"/>
-                      </p:stCondLst>
-                      <p:childTnLst>
-                        <p:par>
-                          <p:cTn id="11" fill="hold">
-                            <p:stCondLst>
-                              <p:cond delay="0"/>
-                            </p:stCondLst>
-                            <p:childTnLst>
-                              <p:par>
-                                <p:cTn id="12" presetID="42" presetClass="entr" presetSubtype="0" fill="hold" nodeType="clickEffect">
-                                  <p:stCondLst>
-                                    <p:cond delay="0"/>
-                                  </p:stCondLst>
-                                  <p:childTnLst>
-                                    <p:set>
-                                      <p:cBhvr>
-                                        <p:cTn id="13" dur="1" fill="hold">
-                                          <p:stCondLst>
-                                            <p:cond delay="0"/>
-                                          </p:stCondLst>
-                                        </p:cTn>
-                                        <p:tgtEl>
-                                          <p:spTgt spid="3">
-                                            <p:txEl>
-                                              <p:pRg st="1" end="1"/>
-                                            </p:txEl>
-                                          </p:spTgt>
-                                        </p:tgtEl>
-                                        <p:attrNameLst>
-                                          <p:attrName>style.visibility</p:attrName>
-                                        </p:attrNameLst>
-                                      </p:cBhvr>
-                                      <p:to>
-                                        <p:strVal val="visible"/>
-                                      </p:to>
-                                    </p:set>
-                                    <p:animEffect transition="in" filter="fade">
-                                      <p:cBhvr>
-                                        <p:cTn id="14" dur="1000"/>
-                                        <p:tgtEl>
-                                          <p:spTgt spid="3">
-                                            <p:txEl>
-                                              <p:pRg st="1" end="1"/>
-                                            </p:txEl>
-                                          </p:spTgt>
-                                        </p:tgtEl>
-                                      </p:cBhvr>
-                                    </p:animEffect>
-                                    <p:anim calcmode="lin" valueType="num">
-                                      <p:cBhvr>
-                                        <p:cTn id="15" dur="1000" fill="hold"/>
-                                        <p:tgtEl>
-                                          <p:spTgt spid="3">
-                                            <p:txEl>
-                                              <p:pRg st="1" end="1"/>
-                                            </p:txEl>
-                                          </p:spTgt>
-                                        </p:tgtEl>
-                                        <p:attrNameLst>
-                                          <p:attrName>ppt_x</p:attrName>
-                                        </p:attrNameLst>
-                                      </p:cBhvr>
-                                      <p:tavLst>
-                                        <p:tav tm="0">
-                                          <p:val>
-                                            <p:strVal val="#ppt_x"/>
-                                          </p:val>
-                                        </p:tav>
-                                        <p:tav tm="100000">
-                                          <p:val>
-                                            <p:strVal val="#ppt_x"/>
-                                          </p:val>
-                                        </p:tav>
-                                      </p:tavLst>
-                                    </p:anim>
-                                    <p:anim calcmode="lin" valueType="num">
-                                      <p:cBhvr>
-                                        <p:cTn id="16" dur="1000" fill="hold"/>
-                                        <p:tgtEl>
-                                          <p:spTgt spid="3">
-                                            <p:txEl>
-                                              <p:pRg st="1" end="1"/>
-                                            </p:txEl>
-                                          </p:spTgt>
-                                        </p:tgtEl>
-                                        <p:attrNameLst>
-                                          <p:attrName>ppt_y</p:attrName>
-                                        </p:attrNameLst>
-                                      </p:cBhvr>
-                                      <p:tavLst>
-                                        <p:tav tm="0">
-                                          <p:val>
-                                            <p:strVal val="#ppt_y+.1"/>
-                                          </p:val>
-                                        </p:tav>
-                                        <p:tav tm="100000">
-                                          <p:val>
-                                            <p:strVal val="#ppt_y"/>
-                                          </p:val>
-                                        </p:tav>
-                                      </p:tavLst>
-                                    </p:anim>
-                                  </p:childTnLst>
-                                </p:cTn>
-                              </p:par>
-                            </p:childTnLst>
-                          </p:cTn>
-                        </p:par>
-                      </p:childTnLst>
-                    </p:cTn>
-                  </p:par>
-                  <p:par>
-                    <p:cTn id="17" fill="hold">
-                      <p:stCondLst>
-                        <p:cond delay="indefinite"/>
-                      </p:stCondLst>
-                      <p:childTnLst>
-                        <p:par>
-                          <p:cTn id="18" fill="hold">
-                            <p:stCondLst>
-                              <p:cond delay="0"/>
-                            </p:stCondLst>
-                            <p:childTnLst>
-                              <p:par>
-                                <p:cTn id="19" presetID="42" presetClass="entr" presetSubtype="0" fill="hold" nodeType="clickEffect">
-                                  <p:stCondLst>
-                                    <p:cond delay="0"/>
-                                  </p:stCondLst>
-                                  <p:childTnLst>
-                                    <p:set>
-                                      <p:cBhvr>
-                                        <p:cTn id="20" dur="1" fill="hold">
-                                          <p:stCondLst>
-                                            <p:cond delay="0"/>
-                                          </p:stCondLst>
-                                        </p:cTn>
-                                        <p:tgtEl>
-                                          <p:spTgt spid="3">
-                                            <p:txEl>
-                                              <p:pRg st="2" end="2"/>
-                                            </p:txEl>
-                                          </p:spTgt>
-                                        </p:tgtEl>
-                                        <p:attrNameLst>
-                                          <p:attrName>style.visibility</p:attrName>
-                                        </p:attrNameLst>
-                                      </p:cBhvr>
-                                      <p:to>
-                                        <p:strVal val="visible"/>
-                                      </p:to>
-                                    </p:set>
-                                    <p:animEffect transition="in" filter="fade">
-                                      <p:cBhvr>
-                                        <p:cTn id="21" dur="1000"/>
-                                        <p:tgtEl>
-                                          <p:spTgt spid="3">
-                                            <p:txEl>
-                                              <p:pRg st="2" end="2"/>
-                                            </p:txEl>
-                                          </p:spTgt>
-                                        </p:tgtEl>
-                                      </p:cBhvr>
-                                    </p:animEffect>
-                                    <p:anim calcmode="lin" valueType="num">
-                                      <p:cBhvr>
-                                        <p:cTn id="22" dur="1000" fill="hold"/>
-                                        <p:tgtEl>
-                                          <p:spTgt spid="3">
-                                            <p:txEl>
-                                              <p:pRg st="2" end="2"/>
-                                            </p:txEl>
-                                          </p:spTgt>
-                                        </p:tgtEl>
-                                        <p:attrNameLst>
-                                          <p:attrName>ppt_x</p:attrName>
-                                        </p:attrNameLst>
-                                      </p:cBhvr>
-                                      <p:tavLst>
-                                        <p:tav tm="0">
-                                          <p:val>
-                                            <p:strVal val="#ppt_x"/>
-                                          </p:val>
-                                        </p:tav>
-                                        <p:tav tm="100000">
-                                          <p:val>
-                                            <p:strVal val="#ppt_x"/>
-                                          </p:val>
-                                        </p:tav>
-                                      </p:tavLst>
-                                    </p:anim>
-                                    <p:anim calcmode="lin" valueType="num">
-                                      <p:cBhvr>
-                                        <p:cTn id="23" dur="1000" fill="hold"/>
-                                        <p:tgtEl>
-                                          <p:spTgt spid="3">
-                                            <p:txEl>
-                                              <p:pRg st="2" end="2"/>
-                                            </p:txEl>
-                                          </p:spTgt>
-                                        </p:tgtEl>
-                                        <p:attrNameLst>
-                                          <p:attrName>ppt_y</p:attrName>
-                                        </p:attrNameLst>
-                                      </p:cBhvr>
-                                      <p:tavLst>
-                                        <p:tav tm="0">
-                                          <p:val>
-                                            <p:strVal val="#ppt_y+.1"/>
-                                          </p:val>
-                                        </p:tav>
-                                        <p:tav tm="100000">
-                                          <p:val>
-                                            <p:strVal val="#ppt_y"/>
-                                          </p:val>
-                                        </p:tav>
-                                      </p:tavLst>
-                                    </p:anim>
-                                  </p:childTnLst>
-                                </p:cTn>
-                              </p:par>
-                            </p:childTnLst>
-                          </p:cTn>
-                        </p:par>
-                      </p:childTnLst>
-                    </p:cTn>
-                  </p:par>
-                  <p:par>
-                    <p:cTn id="24" fill="hold">
-                      <p:stCondLst>
-                        <p:cond delay="indefinite"/>
-                      </p:stCondLst>
-                      <p:childTnLst>
-                        <p:par>
-                          <p:cTn id="25" fill="hold">
-                            <p:stCondLst>
-                              <p:cond delay="0"/>
-                            </p:stCondLst>
-                            <p:childTnLst>
-                              <p:par>
-                                <p:cTn id="26" presetID="42" presetClass="entr" presetSubtype="0" fill="hold" nodeType="clickEffect">
-                                  <p:stCondLst>
-                                    <p:cond delay="0"/>
-                                  </p:stCondLst>
-                                  <p:childTnLst>
-                                    <p:set>
-                                      <p:cBhvr>
-                                        <p:cTn id="27" dur="1" fill="hold">
-                                          <p:stCondLst>
-                                            <p:cond delay="0"/>
-                                          </p:stCondLst>
-                                        </p:cTn>
-                                        <p:tgtEl>
-                                          <p:spTgt spid="3">
-                                            <p:txEl>
-                                              <p:pRg st="3" end="3"/>
-                                            </p:txEl>
-                                          </p:spTgt>
-                                        </p:tgtEl>
-                                        <p:attrNameLst>
-                                          <p:attrName>style.visibility</p:attrName>
-                                        </p:attrNameLst>
-                                      </p:cBhvr>
-                                      <p:to>
-                                        <p:strVal val="visible"/>
-                                      </p:to>
-                                    </p:set>
-                                    <p:animEffect transition="in" filter="fade">
-                                      <p:cBhvr>
-                                        <p:cTn id="28" dur="1000"/>
-                                        <p:tgtEl>
-                                          <p:spTgt spid="3">
-                                            <p:txEl>
-                                              <p:pRg st="3" end="3"/>
-                                            </p:txEl>
-                                          </p:spTgt>
-                                        </p:tgtEl>
-                                      </p:cBhvr>
-                                    </p:animEffect>
-                                    <p:anim calcmode="lin" valueType="num">
-                                      <p:cBhvr>
-                                        <p:cTn id="29" dur="1000" fill="hold"/>
-                                        <p:tgtEl>
-                                          <p:spTgt spid="3">
-                                            <p:txEl>
-                                              <p:pRg st="3" end="3"/>
-                                            </p:txEl>
-                                          </p:spTgt>
-                                        </p:tgtEl>
-                                        <p:attrNameLst>
-                                          <p:attrName>ppt_x</p:attrName>
-                                        </p:attrNameLst>
-                                      </p:cBhvr>
-                                      <p:tavLst>
-                                        <p:tav tm="0">
-                                          <p:val>
-                                            <p:strVal val="#ppt_x"/>
-                                          </p:val>
-                                        </p:tav>
-                                        <p:tav tm="100000">
-                                          <p:val>
-                                            <p:strVal val="#ppt_x"/>
-                                          </p:val>
-                                        </p:tav>
-                                      </p:tavLst>
-                                    </p:anim>
-                                    <p:anim calcmode="lin" valueType="num">
-                                      <p:cBhvr>
-                                        <p:cTn id="30" dur="1000" fill="hold"/>
-                                        <p:tgtEl>
-                                          <p:spTgt spid="3">
-                                            <p:txEl>
-                                              <p:pRg st="3" end="3"/>
-                                            </p:txEl>
-                                          </p:spTgt>
-                                        </p:tgtEl>
-                                        <p:attrNameLst>
-                                          <p:attrName>ppt_y</p:attrName>
-                                        </p:attrNameLst>
-                                      </p:cBhvr>
-                                      <p:tavLst>
-                                        <p:tav tm="0">
-                                          <p:val>
-                                            <p:strVal val="#ppt_y+.1"/>
-                                          </p:val>
-                                        </p:tav>
-                                        <p:tav tm="100000">
-                                          <p:val>
-                                            <p:strVal val="#ppt_y"/>
-                                          </p:val>
-                                        </p:tav>
-                                      </p:tavLst>
-                                    </p:anim>
-                                  </p:childTnLst>
-                                </p:cTn>
-                              </p:par>
-                            </p:childTnLst>
-                          </p:cTn>
-                        </p:par>
-                      </p:childTnLst>
-                    </p:cTn>
-                  </p:par>
-                  <p:par>
-                    <p:cTn id="31" fill="hold">
-                      <p:stCondLst>
-                        <p:cond delay="indefinite"/>
-                      </p:stCondLst>
-                      <p:childTnLst>
-                        <p:par>
-                          <p:cTn id="32" fill="hold">
-                            <p:stCondLst>
-                              <p:cond delay="0"/>
-                            </p:stCondLst>
-                            <p:childTnLst>
-                              <p:par>
-                                <p:cTn id="33" presetID="42" presetClass="entr" presetSubtype="0" fill="hold" nodeType="clickEffect">
-                                  <p:stCondLst>
-                                    <p:cond delay="0"/>
-                                  </p:stCondLst>
-                                  <p:childTnLst>
-                                    <p:set>
-                                      <p:cBhvr>
-                                        <p:cTn id="34" dur="1" fill="hold">
-                                          <p:stCondLst>
-                                            <p:cond delay="0"/>
-                                          </p:stCondLst>
-                                        </p:cTn>
-                                        <p:tgtEl>
-                                          <p:spTgt spid="3">
-                                            <p:txEl>
-                                              <p:pRg st="4" end="4"/>
-                                            </p:txEl>
-                                          </p:spTgt>
-                                        </p:tgtEl>
-                                        <p:attrNameLst>
-                                          <p:attrName>style.visibility</p:attrName>
-                                        </p:attrNameLst>
-                                      </p:cBhvr>
-                                      <p:to>
-                                        <p:strVal val="visible"/>
-                                      </p:to>
-                                    </p:set>
-                                    <p:animEffect transition="in" filter="fade">
-                                      <p:cBhvr>
-                                        <p:cTn id="35" dur="1000"/>
-                                        <p:tgtEl>
-                                          <p:spTgt spid="3">
-                                            <p:txEl>
-                                              <p:pRg st="4" end="4"/>
-                                            </p:txEl>
-                                          </p:spTgt>
-                                        </p:tgtEl>
-                                      </p:cBhvr>
-                                    </p:animEffect>
-                                    <p:anim calcmode="lin" valueType="num">
-                                      <p:cBhvr>
-                                        <p:cTn id="36" dur="1000" fill="hold"/>
-                                        <p:tgtEl>
-                                          <p:spTgt spid="3">
-                                            <p:txEl>
-                                              <p:pRg st="4" end="4"/>
-                                            </p:txEl>
-                                          </p:spTgt>
-                                        </p:tgtEl>
-                                        <p:attrNameLst>
-                                          <p:attrName>ppt_x</p:attrName>
-                                        </p:attrNameLst>
-                                      </p:cBhvr>
-                                      <p:tavLst>
-                                        <p:tav tm="0">
-                                          <p:val>
-                                            <p:strVal val="#ppt_x"/>
-                                          </p:val>
-                                        </p:tav>
-                                        <p:tav tm="100000">
-                                          <p:val>
-                                            <p:strVal val="#ppt_x"/>
-                                          </p:val>
-                                        </p:tav>
-                                      </p:tavLst>
-                                    </p:anim>
-                                    <p:anim calcmode="lin" valueType="num">
-                                      <p:cBhvr>
-                                        <p:cTn id="37" dur="1000" fill="hold"/>
-                                        <p:tgtEl>
-                                          <p:spTgt spid="3">
-                                            <p:txEl>
-                                              <p:pRg st="4" end="4"/>
                                             </p:txEl>
                                           </p:spTgt>
                                         </p:tgtEl>
@@ -19524,7 +19814,7 @@
           <a:p>
             <a:r>
               <a:rPr lang="en-US" dirty="0" smtClean="0"/>
-              <a:t>Client support analyst</a:t>
+              <a:t>Systems Engineer</a:t>
             </a:r>
             <a:endParaRPr lang="en-US" dirty="0"/>
           </a:p>
@@ -19547,48 +19837,43 @@
           <a:p>
             <a:r>
               <a:rPr lang="en-US" dirty="0" smtClean="0"/>
-              <a:t>Technical Support for an application or multiple applications</a:t>
+              <a:t>Maintain </a:t>
             </a:r>
-          </a:p>
-          <a:p>
             <a:r>
-              <a:rPr lang="en-US" dirty="0" smtClean="0"/>
-              <a:t>Train clients on how to use the software</a:t>
+              <a:rPr lang="en-US" dirty="0"/>
+              <a:t>networks</a:t>
             </a:r>
           </a:p>
           <a:p>
             <a:r>
-              <a:rPr lang="en-US" dirty="0" smtClean="0"/>
-              <a:t>Travel to client sites for installation and training</a:t>
+              <a:rPr lang="en-US" dirty="0"/>
+              <a:t>Maintain servers (e.g. email server)</a:t>
             </a:r>
           </a:p>
           <a:p>
             <a:r>
-              <a:rPr lang="en-US" dirty="0" smtClean="0"/>
-              <a:t>Lead user group meetings</a:t>
+              <a:rPr lang="en-US" dirty="0"/>
+              <a:t>Install new hardware (memory, hard drives, printers)</a:t>
             </a:r>
           </a:p>
           <a:p>
             <a:r>
-              <a:rPr lang="en-US" dirty="0" smtClean="0"/>
-              <a:t>Assist programmers in understanding software requirements</a:t>
+              <a:rPr lang="en-US" dirty="0"/>
+              <a:t>Troubleshoot hardware issues and general computer issues</a:t>
             </a:r>
           </a:p>
           <a:p>
             <a:r>
-              <a:rPr lang="en-US" dirty="0" smtClean="0"/>
-              <a:t>Assist with testing new software or updates to existing software</a:t>
+              <a:rPr lang="en-US" dirty="0"/>
+              <a:t>Travel to client sites and setup networks and servers</a:t>
             </a:r>
-          </a:p>
-          <a:p>
-            <a:endParaRPr lang="en-US" dirty="0"/>
           </a:p>
         </p:txBody>
       </p:sp>
     </p:spTree>
     <p:extLst>
       <p:ext uri="{BB962C8B-B14F-4D97-AF65-F5344CB8AC3E}">
-        <p14:creationId xmlns:p14="http://schemas.microsoft.com/office/powerpoint/2010/main" val="526716548"/>
+        <p14:creationId xmlns:p14="http://schemas.microsoft.com/office/powerpoint/2010/main" val="1203755180"/>
       </p:ext>
     </p:extLst>
   </p:cSld>
@@ -20149,121 +20434,6 @@
                                           <p:spTgt spid="3">
                                             <p:txEl>
                                               <p:pRg st="4" end="4"/>
-                                            </p:txEl>
-                                          </p:spTgt>
-                                        </p:tgtEl>
-                                        <p:attrNameLst>
-                                          <p:attrName>ppt_y</p:attrName>
-                                        </p:attrNameLst>
-                                      </p:cBhvr>
-                                      <p:tavLst>
-                                        <p:tav tm="0">
-                                          <p:val>
-                                            <p:strVal val="#ppt_y+.1"/>
-                                          </p:val>
-                                        </p:tav>
-                                        <p:tav tm="100000">
-                                          <p:val>
-                                            <p:strVal val="#ppt_y"/>
-                                          </p:val>
-                                        </p:tav>
-                                      </p:tavLst>
-                                    </p:anim>
-                                  </p:childTnLst>
-                                </p:cTn>
-                              </p:par>
-                            </p:childTnLst>
-                          </p:cTn>
-                        </p:par>
-                      </p:childTnLst>
-                    </p:cTn>
-                  </p:par>
-                  <p:par>
-                    <p:cTn id="38" fill="hold">
-                      <p:stCondLst>
-                        <p:cond delay="indefinite"/>
-                      </p:stCondLst>
-                      <p:childTnLst>
-                        <p:par>
-                          <p:cTn id="39" fill="hold">
-                            <p:stCondLst>
-                              <p:cond delay="0"/>
-                            </p:stCondLst>
-                            <p:childTnLst>
-                              <p:par>
-                                <p:cTn id="40" presetID="42" presetClass="entr" presetSubtype="0" fill="hold" nodeType="clickEffect">
-                                  <p:stCondLst>
-                                    <p:cond delay="0"/>
-                                  </p:stCondLst>
-                                  <p:childTnLst>
-                                    <p:set>
-                                      <p:cBhvr>
-                                        <p:cTn id="41" dur="1" fill="hold">
-                                          <p:stCondLst>
-                                            <p:cond delay="0"/>
-                                          </p:stCondLst>
-                                        </p:cTn>
-                                        <p:tgtEl>
-                                          <p:spTgt spid="3">
-                                            <p:txEl>
-                                              <p:pRg st="5" end="5"/>
-                                            </p:txEl>
-                                          </p:spTgt>
-                                        </p:tgtEl>
-                                        <p:attrNameLst>
-                                          <p:attrName>style.visibility</p:attrName>
-                                        </p:attrNameLst>
-                                      </p:cBhvr>
-                                      <p:to>
-                                        <p:strVal val="visible"/>
-                                      </p:to>
-                                    </p:set>
-                                    <p:animEffect transition="in" filter="fade">
-                                      <p:cBhvr>
-                                        <p:cTn id="42" dur="1000"/>
-                                        <p:tgtEl>
-                                          <p:spTgt spid="3">
-                                            <p:txEl>
-                                              <p:pRg st="5" end="5"/>
-                                            </p:txEl>
-                                          </p:spTgt>
-                                        </p:tgtEl>
-                                      </p:cBhvr>
-                                    </p:animEffect>
-                                    <p:anim calcmode="lin" valueType="num">
-                                      <p:cBhvr>
-                                        <p:cTn id="43" dur="1000" fill="hold"/>
-                                        <p:tgtEl>
-                                          <p:spTgt spid="3">
-                                            <p:txEl>
-                                              <p:pRg st="5" end="5"/>
-                                            </p:txEl>
-                                          </p:spTgt>
-                                        </p:tgtEl>
-                                        <p:attrNameLst>
-                                          <p:attrName>ppt_x</p:attrName>
-                                        </p:attrNameLst>
-                                      </p:cBhvr>
-                                      <p:tavLst>
-                                        <p:tav tm="0">
-                                          <p:val>
-                                            <p:strVal val="#ppt_x"/>
-                                          </p:val>
-                                        </p:tav>
-                                        <p:tav tm="100000">
-                                          <p:val>
-                                            <p:strVal val="#ppt_x"/>
-                                          </p:val>
-                                        </p:tav>
-                                      </p:tavLst>
-                                    </p:anim>
-                                    <p:anim calcmode="lin" valueType="num">
-                                      <p:cBhvr>
-                                        <p:cTn id="44" dur="1000" fill="hold"/>
-                                        <p:tgtEl>
-                                          <p:spTgt spid="3">
-                                            <p:txEl>
-                                              <p:pRg st="5" end="5"/>
                                             </p:txEl>
                                           </p:spTgt>
                                         </p:tgtEl>
@@ -20352,7 +20522,7 @@
           <a:p>
             <a:r>
               <a:rPr lang="en-US" dirty="0" smtClean="0"/>
-              <a:t>Market Manager</a:t>
+              <a:t>Client support analyst</a:t>
             </a:r>
             <a:endParaRPr lang="en-US" dirty="0"/>
           </a:p>
@@ -20370,39 +20540,45 @@
         </p:nvSpPr>
         <p:spPr/>
         <p:txBody>
-          <a:bodyPr>
-            <a:normAutofit lnSpcReduction="10000"/>
-          </a:bodyPr>
+          <a:bodyPr/>
           <a:lstStyle/>
           <a:p>
             <a:r>
               <a:rPr lang="en-US" dirty="0" smtClean="0"/>
-              <a:t>Manages the support and development of one or major applications</a:t>
+              <a:t>Technical Support for an application or multiple applications</a:t>
             </a:r>
           </a:p>
           <a:p>
             <a:r>
               <a:rPr lang="en-US" dirty="0" smtClean="0"/>
-              <a:t>Direct supervisory role over client support analysts </a:t>
+              <a:t>Train clients on how to use the software</a:t>
             </a:r>
           </a:p>
           <a:p>
             <a:r>
               <a:rPr lang="en-US" dirty="0" smtClean="0"/>
-              <a:t>Prepares budgets and responsible for the overall profitability of the market</a:t>
+              <a:t>Travel to client sites for installation and training</a:t>
             </a:r>
           </a:p>
           <a:p>
             <a:r>
               <a:rPr lang="en-US" dirty="0" smtClean="0"/>
-              <a:t>Assists with the design of new software or changes to existing software</a:t>
+              <a:t>Lead user group meetings</a:t>
             </a:r>
           </a:p>
           <a:p>
             <a:r>
               <a:rPr lang="en-US" dirty="0" smtClean="0"/>
-              <a:t>Many start out as support analysts and are promoted to this role</a:t>
+              <a:t>Assist programmers in understanding software requirements</a:t>
             </a:r>
+          </a:p>
+          <a:p>
+            <a:r>
+              <a:rPr lang="en-US" dirty="0" smtClean="0"/>
+              <a:t>Assist with testing new software or updates to existing software</a:t>
+            </a:r>
+          </a:p>
+          <a:p>
             <a:endParaRPr lang="en-US" dirty="0"/>
           </a:p>
         </p:txBody>
@@ -20410,7 +20586,7 @@
     </p:spTree>
     <p:extLst>
       <p:ext uri="{BB962C8B-B14F-4D97-AF65-F5344CB8AC3E}">
-        <p14:creationId xmlns:p14="http://schemas.microsoft.com/office/powerpoint/2010/main" val="3080512785"/>
+        <p14:creationId xmlns:p14="http://schemas.microsoft.com/office/powerpoint/2010/main" val="526716548"/>
       </p:ext>
     </p:extLst>
   </p:cSld>
@@ -20971,6 +21147,121 @@
                                           <p:spTgt spid="3">
                                             <p:txEl>
                                               <p:pRg st="4" end="4"/>
+                                            </p:txEl>
+                                          </p:spTgt>
+                                        </p:tgtEl>
+                                        <p:attrNameLst>
+                                          <p:attrName>ppt_y</p:attrName>
+                                        </p:attrNameLst>
+                                      </p:cBhvr>
+                                      <p:tavLst>
+                                        <p:tav tm="0">
+                                          <p:val>
+                                            <p:strVal val="#ppt_y+.1"/>
+                                          </p:val>
+                                        </p:tav>
+                                        <p:tav tm="100000">
+                                          <p:val>
+                                            <p:strVal val="#ppt_y"/>
+                                          </p:val>
+                                        </p:tav>
+                                      </p:tavLst>
+                                    </p:anim>
+                                  </p:childTnLst>
+                                </p:cTn>
+                              </p:par>
+                            </p:childTnLst>
+                          </p:cTn>
+                        </p:par>
+                      </p:childTnLst>
+                    </p:cTn>
+                  </p:par>
+                  <p:par>
+                    <p:cTn id="38" fill="hold">
+                      <p:stCondLst>
+                        <p:cond delay="indefinite"/>
+                      </p:stCondLst>
+                      <p:childTnLst>
+                        <p:par>
+                          <p:cTn id="39" fill="hold">
+                            <p:stCondLst>
+                              <p:cond delay="0"/>
+                            </p:stCondLst>
+                            <p:childTnLst>
+                              <p:par>
+                                <p:cTn id="40" presetID="42" presetClass="entr" presetSubtype="0" fill="hold" nodeType="clickEffect">
+                                  <p:stCondLst>
+                                    <p:cond delay="0"/>
+                                  </p:stCondLst>
+                                  <p:childTnLst>
+                                    <p:set>
+                                      <p:cBhvr>
+                                        <p:cTn id="41" dur="1" fill="hold">
+                                          <p:stCondLst>
+                                            <p:cond delay="0"/>
+                                          </p:stCondLst>
+                                        </p:cTn>
+                                        <p:tgtEl>
+                                          <p:spTgt spid="3">
+                                            <p:txEl>
+                                              <p:pRg st="5" end="5"/>
+                                            </p:txEl>
+                                          </p:spTgt>
+                                        </p:tgtEl>
+                                        <p:attrNameLst>
+                                          <p:attrName>style.visibility</p:attrName>
+                                        </p:attrNameLst>
+                                      </p:cBhvr>
+                                      <p:to>
+                                        <p:strVal val="visible"/>
+                                      </p:to>
+                                    </p:set>
+                                    <p:animEffect transition="in" filter="fade">
+                                      <p:cBhvr>
+                                        <p:cTn id="42" dur="1000"/>
+                                        <p:tgtEl>
+                                          <p:spTgt spid="3">
+                                            <p:txEl>
+                                              <p:pRg st="5" end="5"/>
+                                            </p:txEl>
+                                          </p:spTgt>
+                                        </p:tgtEl>
+                                      </p:cBhvr>
+                                    </p:animEffect>
+                                    <p:anim calcmode="lin" valueType="num">
+                                      <p:cBhvr>
+                                        <p:cTn id="43" dur="1000" fill="hold"/>
+                                        <p:tgtEl>
+                                          <p:spTgt spid="3">
+                                            <p:txEl>
+                                              <p:pRg st="5" end="5"/>
+                                            </p:txEl>
+                                          </p:spTgt>
+                                        </p:tgtEl>
+                                        <p:attrNameLst>
+                                          <p:attrName>ppt_x</p:attrName>
+                                        </p:attrNameLst>
+                                      </p:cBhvr>
+                                      <p:tavLst>
+                                        <p:tav tm="0">
+                                          <p:val>
+                                            <p:strVal val="#ppt_x"/>
+                                          </p:val>
+                                        </p:tav>
+                                        <p:tav tm="100000">
+                                          <p:val>
+                                            <p:strVal val="#ppt_x"/>
+                                          </p:val>
+                                        </p:tav>
+                                      </p:tavLst>
+                                    </p:anim>
+                                    <p:anim calcmode="lin" valueType="num">
+                                      <p:cBhvr>
+                                        <p:cTn id="44" dur="1000" fill="hold"/>
+                                        <p:tgtEl>
+                                          <p:spTgt spid="3">
+                                            <p:txEl>
+                                              <p:pRg st="5" end="5"/>
                                             </p:txEl>
                                           </p:spTgt>
                                         </p:tgtEl>
@@ -21059,7 +21350,7 @@
           <a:p>
             <a:r>
               <a:rPr lang="en-US" dirty="0" smtClean="0"/>
-              <a:t>Other Supporting Careers</a:t>
+              <a:t>Market Manager</a:t>
             </a:r>
             <a:endParaRPr lang="en-US" dirty="0"/>
           </a:p>
@@ -21078,55 +21369,43 @@
         <p:spPr/>
         <p:txBody>
           <a:bodyPr>
-            <a:normAutofit/>
+            <a:normAutofit fontScale="92500"/>
           </a:bodyPr>
           <a:lstStyle/>
           <a:p>
             <a:r>
               <a:rPr lang="en-US" dirty="0" smtClean="0"/>
-              <a:t>Accounting/Payroll</a:t>
+              <a:t>Manages the support and development of one or </a:t>
             </a:r>
-          </a:p>
-          <a:p>
             <a:r>
               <a:rPr lang="en-US" dirty="0" smtClean="0"/>
-              <a:t>Business Administration </a:t>
+              <a:t>more major applications</a:t>
             </a:r>
-          </a:p>
-          <a:p>
-            <a:pPr lvl="1"/>
+            <a:endParaRPr lang="en-US" dirty="0" smtClean="0"/>
+          </a:p>
+          <a:p>
             <a:r>
               <a:rPr lang="en-US" dirty="0" smtClean="0"/>
-              <a:t>CEO </a:t>
+              <a:t>Direct supervisory role over client support analysts </a:t>
             </a:r>
           </a:p>
           <a:p>
-            <a:pPr lvl="1"/>
             <a:r>
               <a:rPr lang="en-US" dirty="0" smtClean="0"/>
-              <a:t>Vice President</a:t>
+              <a:t>Prepares budgets and responsible for the overall profitability of the market</a:t>
             </a:r>
           </a:p>
           <a:p>
-            <a:pPr lvl="1"/>
             <a:r>
               <a:rPr lang="en-US" dirty="0" smtClean="0"/>
-              <a:t>Executive Assistant/Human Resources</a:t>
+              <a:t>Assists with the design of new software or changes to existing software</a:t>
             </a:r>
           </a:p>
           <a:p>
             <a:r>
               <a:rPr lang="en-US" dirty="0" smtClean="0"/>
-              <a:t>Sales/Marketing</a:t>
+              <a:t>Many start out as support analysts and are promoted to this role</a:t>
             </a:r>
-          </a:p>
-          <a:p>
-            <a:r>
-              <a:rPr lang="en-US" dirty="0" smtClean="0"/>
-              <a:t>Purchasing Agent</a:t>
-            </a:r>
-          </a:p>
-          <a:p>
             <a:endParaRPr lang="en-US" dirty="0"/>
           </a:p>
         </p:txBody>
@@ -21134,7 +21413,7 @@
     </p:spTree>
     <p:extLst>
       <p:ext uri="{BB962C8B-B14F-4D97-AF65-F5344CB8AC3E}">
-        <p14:creationId xmlns:p14="http://schemas.microsoft.com/office/powerpoint/2010/main" val="1170821138"/>
+        <p14:creationId xmlns:p14="http://schemas.microsoft.com/office/powerpoint/2010/main" val="3080512785"/>
       </p:ext>
     </p:extLst>
   </p:cSld>
@@ -21144,7 +21423,605 @@
   <p:timing>
     <p:tnLst>
       <p:par>
-        <p:cTn id="1" dur="indefinite" restart="never" nodeType="tmRoot"/>
+        <p:cTn id="1" dur="indefinite" restart="never" nodeType="tmRoot">
+          <p:childTnLst>
+            <p:seq concurrent="1" nextAc="seek">
+              <p:cTn id="2" dur="indefinite" nodeType="mainSeq">
+                <p:childTnLst>
+                  <p:par>
+                    <p:cTn id="3" fill="hold">
+                      <p:stCondLst>
+                        <p:cond delay="indefinite"/>
+                      </p:stCondLst>
+                      <p:childTnLst>
+                        <p:par>
+                          <p:cTn id="4" fill="hold">
+                            <p:stCondLst>
+                              <p:cond delay="0"/>
+                            </p:stCondLst>
+                            <p:childTnLst>
+                              <p:par>
+                                <p:cTn id="5" presetID="42" presetClass="entr" presetSubtype="0" fill="hold" nodeType="clickEffect">
+                                  <p:stCondLst>
+                                    <p:cond delay="0"/>
+                                  </p:stCondLst>
+                                  <p:childTnLst>
+                                    <p:set>
+                                      <p:cBhvr>
+                                        <p:cTn id="6" dur="1" fill="hold">
+                                          <p:stCondLst>
+                                            <p:cond delay="0"/>
+                                          </p:stCondLst>
+                                        </p:cTn>
+                                        <p:tgtEl>
+                                          <p:spTgt spid="3">
+                                            <p:txEl>
+                                              <p:pRg st="0" end="0"/>
+                                            </p:txEl>
+                                          </p:spTgt>
+                                        </p:tgtEl>
+                                        <p:attrNameLst>
+                                          <p:attrName>style.visibility</p:attrName>
+                                        </p:attrNameLst>
+                                      </p:cBhvr>
+                                      <p:to>
+                                        <p:strVal val="visible"/>
+                                      </p:to>
+                                    </p:set>
+                                    <p:animEffect transition="in" filter="fade">
+                                      <p:cBhvr>
+                                        <p:cTn id="7" dur="1000"/>
+                                        <p:tgtEl>
+                                          <p:spTgt spid="3">
+                                            <p:txEl>
+                                              <p:pRg st="0" end="0"/>
+                                            </p:txEl>
+                                          </p:spTgt>
+                                        </p:tgtEl>
+                                      </p:cBhvr>
+                                    </p:animEffect>
+                                    <p:anim calcmode="lin" valueType="num">
+                                      <p:cBhvr>
+                                        <p:cTn id="8" dur="1000" fill="hold"/>
+                                        <p:tgtEl>
+                                          <p:spTgt spid="3">
+                                            <p:txEl>
+                                              <p:pRg st="0" end="0"/>
+                                            </p:txEl>
+                                          </p:spTgt>
+                                        </p:tgtEl>
+                                        <p:attrNameLst>
+                                          <p:attrName>ppt_x</p:attrName>
+                                        </p:attrNameLst>
+                                      </p:cBhvr>
+                                      <p:tavLst>
+                                        <p:tav tm="0">
+                                          <p:val>
+                                            <p:strVal val="#ppt_x"/>
+                                          </p:val>
+                                        </p:tav>
+                                        <p:tav tm="100000">
+                                          <p:val>
+                                            <p:strVal val="#ppt_x"/>
+                                          </p:val>
+                                        </p:tav>
+                                      </p:tavLst>
+                                    </p:anim>
+                                    <p:anim calcmode="lin" valueType="num">
+                                      <p:cBhvr>
+                                        <p:cTn id="9" dur="1000" fill="hold"/>
+                                        <p:tgtEl>
+                                          <p:spTgt spid="3">
+                                            <p:txEl>
+                                              <p:pRg st="0" end="0"/>
+                                            </p:txEl>
+                                          </p:spTgt>
+                                        </p:tgtEl>
+                                        <p:attrNameLst>
+                                          <p:attrName>ppt_y</p:attrName>
+                                        </p:attrNameLst>
+                                      </p:cBhvr>
+                                      <p:tavLst>
+                                        <p:tav tm="0">
+                                          <p:val>
+                                            <p:strVal val="#ppt_y+.1"/>
+                                          </p:val>
+                                        </p:tav>
+                                        <p:tav tm="100000">
+                                          <p:val>
+                                            <p:strVal val="#ppt_y"/>
+                                          </p:val>
+                                        </p:tav>
+                                      </p:tavLst>
+                                    </p:anim>
+                                  </p:childTnLst>
+                                </p:cTn>
+                              </p:par>
+                            </p:childTnLst>
+                          </p:cTn>
+                        </p:par>
+                      </p:childTnLst>
+                    </p:cTn>
+                  </p:par>
+                  <p:par>
+                    <p:cTn id="10" fill="hold">
+                      <p:stCondLst>
+                        <p:cond delay="indefinite"/>
+                      </p:stCondLst>
+                      <p:childTnLst>
+                        <p:par>
+                          <p:cTn id="11" fill="hold">
+                            <p:stCondLst>
+                              <p:cond delay="0"/>
+                            </p:stCondLst>
+                            <p:childTnLst>
+                              <p:par>
+                                <p:cTn id="12" presetID="42" presetClass="entr" presetSubtype="0" fill="hold" nodeType="clickEffect">
+                                  <p:stCondLst>
+                                    <p:cond delay="0"/>
+                                  </p:stCondLst>
+                                  <p:childTnLst>
+                                    <p:set>
+                                      <p:cBhvr>
+                                        <p:cTn id="13" dur="1" fill="hold">
+                                          <p:stCondLst>
+                                            <p:cond delay="0"/>
+                                          </p:stCondLst>
+                                        </p:cTn>
+                                        <p:tgtEl>
+                                          <p:spTgt spid="3">
+                                            <p:txEl>
+                                              <p:pRg st="1" end="1"/>
+                                            </p:txEl>
+                                          </p:spTgt>
+                                        </p:tgtEl>
+                                        <p:attrNameLst>
+                                          <p:attrName>style.visibility</p:attrName>
+                                        </p:attrNameLst>
+                                      </p:cBhvr>
+                                      <p:to>
+                                        <p:strVal val="visible"/>
+                                      </p:to>
+                                    </p:set>
+                                    <p:animEffect transition="in" filter="fade">
+                                      <p:cBhvr>
+                                        <p:cTn id="14" dur="1000"/>
+                                        <p:tgtEl>
+                                          <p:spTgt spid="3">
+                                            <p:txEl>
+                                              <p:pRg st="1" end="1"/>
+                                            </p:txEl>
+                                          </p:spTgt>
+                                        </p:tgtEl>
+                                      </p:cBhvr>
+                                    </p:animEffect>
+                                    <p:anim calcmode="lin" valueType="num">
+                                      <p:cBhvr>
+                                        <p:cTn id="15" dur="1000" fill="hold"/>
+                                        <p:tgtEl>
+                                          <p:spTgt spid="3">
+                                            <p:txEl>
+                                              <p:pRg st="1" end="1"/>
+                                            </p:txEl>
+                                          </p:spTgt>
+                                        </p:tgtEl>
+                                        <p:attrNameLst>
+                                          <p:attrName>ppt_x</p:attrName>
+                                        </p:attrNameLst>
+                                      </p:cBhvr>
+                                      <p:tavLst>
+                                        <p:tav tm="0">
+                                          <p:val>
+                                            <p:strVal val="#ppt_x"/>
+                                          </p:val>
+                                        </p:tav>
+                                        <p:tav tm="100000">
+                                          <p:val>
+                                            <p:strVal val="#ppt_x"/>
+                                          </p:val>
+                                        </p:tav>
+                                      </p:tavLst>
+                                    </p:anim>
+                                    <p:anim calcmode="lin" valueType="num">
+                                      <p:cBhvr>
+                                        <p:cTn id="16" dur="1000" fill="hold"/>
+                                        <p:tgtEl>
+                                          <p:spTgt spid="3">
+                                            <p:txEl>
+                                              <p:pRg st="1" end="1"/>
+                                            </p:txEl>
+                                          </p:spTgt>
+                                        </p:tgtEl>
+                                        <p:attrNameLst>
+                                          <p:attrName>ppt_y</p:attrName>
+                                        </p:attrNameLst>
+                                      </p:cBhvr>
+                                      <p:tavLst>
+                                        <p:tav tm="0">
+                                          <p:val>
+                                            <p:strVal val="#ppt_y+.1"/>
+                                          </p:val>
+                                        </p:tav>
+                                        <p:tav tm="100000">
+                                          <p:val>
+                                            <p:strVal val="#ppt_y"/>
+                                          </p:val>
+                                        </p:tav>
+                                      </p:tavLst>
+                                    </p:anim>
+                                  </p:childTnLst>
+                                </p:cTn>
+                              </p:par>
+                            </p:childTnLst>
+                          </p:cTn>
+                        </p:par>
+                      </p:childTnLst>
+                    </p:cTn>
+                  </p:par>
+                  <p:par>
+                    <p:cTn id="17" fill="hold">
+                      <p:stCondLst>
+                        <p:cond delay="indefinite"/>
+                      </p:stCondLst>
+                      <p:childTnLst>
+                        <p:par>
+                          <p:cTn id="18" fill="hold">
+                            <p:stCondLst>
+                              <p:cond delay="0"/>
+                            </p:stCondLst>
+                            <p:childTnLst>
+                              <p:par>
+                                <p:cTn id="19" presetID="42" presetClass="entr" presetSubtype="0" fill="hold" nodeType="clickEffect">
+                                  <p:stCondLst>
+                                    <p:cond delay="0"/>
+                                  </p:stCondLst>
+                                  <p:childTnLst>
+                                    <p:set>
+                                      <p:cBhvr>
+                                        <p:cTn id="20" dur="1" fill="hold">
+                                          <p:stCondLst>
+                                            <p:cond delay="0"/>
+                                          </p:stCondLst>
+                                        </p:cTn>
+                                        <p:tgtEl>
+                                          <p:spTgt spid="3">
+                                            <p:txEl>
+                                              <p:pRg st="2" end="2"/>
+                                            </p:txEl>
+                                          </p:spTgt>
+                                        </p:tgtEl>
+                                        <p:attrNameLst>
+                                          <p:attrName>style.visibility</p:attrName>
+                                        </p:attrNameLst>
+                                      </p:cBhvr>
+                                      <p:to>
+                                        <p:strVal val="visible"/>
+                                      </p:to>
+                                    </p:set>
+                                    <p:animEffect transition="in" filter="fade">
+                                      <p:cBhvr>
+                                        <p:cTn id="21" dur="1000"/>
+                                        <p:tgtEl>
+                                          <p:spTgt spid="3">
+                                            <p:txEl>
+                                              <p:pRg st="2" end="2"/>
+                                            </p:txEl>
+                                          </p:spTgt>
+                                        </p:tgtEl>
+                                      </p:cBhvr>
+                                    </p:animEffect>
+                                    <p:anim calcmode="lin" valueType="num">
+                                      <p:cBhvr>
+                                        <p:cTn id="22" dur="1000" fill="hold"/>
+                                        <p:tgtEl>
+                                          <p:spTgt spid="3">
+                                            <p:txEl>
+                                              <p:pRg st="2" end="2"/>
+                                            </p:txEl>
+                                          </p:spTgt>
+                                        </p:tgtEl>
+                                        <p:attrNameLst>
+                                          <p:attrName>ppt_x</p:attrName>
+                                        </p:attrNameLst>
+                                      </p:cBhvr>
+                                      <p:tavLst>
+                                        <p:tav tm="0">
+                                          <p:val>
+                                            <p:strVal val="#ppt_x"/>
+                                          </p:val>
+                                        </p:tav>
+                                        <p:tav tm="100000">
+                                          <p:val>
+                                            <p:strVal val="#ppt_x"/>
+                                          </p:val>
+                                        </p:tav>
+                                      </p:tavLst>
+                                    </p:anim>
+                                    <p:anim calcmode="lin" valueType="num">
+                                      <p:cBhvr>
+                                        <p:cTn id="23" dur="1000" fill="hold"/>
+                                        <p:tgtEl>
+                                          <p:spTgt spid="3">
+                                            <p:txEl>
+                                              <p:pRg st="2" end="2"/>
+                                            </p:txEl>
+                                          </p:spTgt>
+                                        </p:tgtEl>
+                                        <p:attrNameLst>
+                                          <p:attrName>ppt_y</p:attrName>
+                                        </p:attrNameLst>
+                                      </p:cBhvr>
+                                      <p:tavLst>
+                                        <p:tav tm="0">
+                                          <p:val>
+                                            <p:strVal val="#ppt_y+.1"/>
+                                          </p:val>
+                                        </p:tav>
+                                        <p:tav tm="100000">
+                                          <p:val>
+                                            <p:strVal val="#ppt_y"/>
+                                          </p:val>
+                                        </p:tav>
+                                      </p:tavLst>
+                                    </p:anim>
+                                  </p:childTnLst>
+                                </p:cTn>
+                              </p:par>
+                            </p:childTnLst>
+                          </p:cTn>
+                        </p:par>
+                      </p:childTnLst>
+                    </p:cTn>
+                  </p:par>
+                  <p:par>
+                    <p:cTn id="24" fill="hold">
+                      <p:stCondLst>
+                        <p:cond delay="indefinite"/>
+                      </p:stCondLst>
+                      <p:childTnLst>
+                        <p:par>
+                          <p:cTn id="25" fill="hold">
+                            <p:stCondLst>
+                              <p:cond delay="0"/>
+                            </p:stCondLst>
+                            <p:childTnLst>
+                              <p:par>
+                                <p:cTn id="26" presetID="42" presetClass="entr" presetSubtype="0" fill="hold" nodeType="clickEffect">
+                                  <p:stCondLst>
+                                    <p:cond delay="0"/>
+                                  </p:stCondLst>
+                                  <p:childTnLst>
+                                    <p:set>
+                                      <p:cBhvr>
+                                        <p:cTn id="27" dur="1" fill="hold">
+                                          <p:stCondLst>
+                                            <p:cond delay="0"/>
+                                          </p:stCondLst>
+                                        </p:cTn>
+                                        <p:tgtEl>
+                                          <p:spTgt spid="3">
+                                            <p:txEl>
+                                              <p:pRg st="3" end="3"/>
+                                            </p:txEl>
+                                          </p:spTgt>
+                                        </p:tgtEl>
+                                        <p:attrNameLst>
+                                          <p:attrName>style.visibility</p:attrName>
+                                        </p:attrNameLst>
+                                      </p:cBhvr>
+                                      <p:to>
+                                        <p:strVal val="visible"/>
+                                      </p:to>
+                                    </p:set>
+                                    <p:animEffect transition="in" filter="fade">
+                                      <p:cBhvr>
+                                        <p:cTn id="28" dur="1000"/>
+                                        <p:tgtEl>
+                                          <p:spTgt spid="3">
+                                            <p:txEl>
+                                              <p:pRg st="3" end="3"/>
+                                            </p:txEl>
+                                          </p:spTgt>
+                                        </p:tgtEl>
+                                      </p:cBhvr>
+                                    </p:animEffect>
+                                    <p:anim calcmode="lin" valueType="num">
+                                      <p:cBhvr>
+                                        <p:cTn id="29" dur="1000" fill="hold"/>
+                                        <p:tgtEl>
+                                          <p:spTgt spid="3">
+                                            <p:txEl>
+                                              <p:pRg st="3" end="3"/>
+                                            </p:txEl>
+                                          </p:spTgt>
+                                        </p:tgtEl>
+                                        <p:attrNameLst>
+                                          <p:attrName>ppt_x</p:attrName>
+                                        </p:attrNameLst>
+                                      </p:cBhvr>
+                                      <p:tavLst>
+                                        <p:tav tm="0">
+                                          <p:val>
+                                            <p:strVal val="#ppt_x"/>
+                                          </p:val>
+                                        </p:tav>
+                                        <p:tav tm="100000">
+                                          <p:val>
+                                            <p:strVal val="#ppt_x"/>
+                                          </p:val>
+                                        </p:tav>
+                                      </p:tavLst>
+                                    </p:anim>
+                                    <p:anim calcmode="lin" valueType="num">
+                                      <p:cBhvr>
+                                        <p:cTn id="30" dur="1000" fill="hold"/>
+                                        <p:tgtEl>
+                                          <p:spTgt spid="3">
+                                            <p:txEl>
+                                              <p:pRg st="3" end="3"/>
+                                            </p:txEl>
+                                          </p:spTgt>
+                                        </p:tgtEl>
+                                        <p:attrNameLst>
+                                          <p:attrName>ppt_y</p:attrName>
+                                        </p:attrNameLst>
+                                      </p:cBhvr>
+                                      <p:tavLst>
+                                        <p:tav tm="0">
+                                          <p:val>
+                                            <p:strVal val="#ppt_y+.1"/>
+                                          </p:val>
+                                        </p:tav>
+                                        <p:tav tm="100000">
+                                          <p:val>
+                                            <p:strVal val="#ppt_y"/>
+                                          </p:val>
+                                        </p:tav>
+                                      </p:tavLst>
+                                    </p:anim>
+                                  </p:childTnLst>
+                                </p:cTn>
+                              </p:par>
+                            </p:childTnLst>
+                          </p:cTn>
+                        </p:par>
+                      </p:childTnLst>
+                    </p:cTn>
+                  </p:par>
+                  <p:par>
+                    <p:cTn id="31" fill="hold">
+                      <p:stCondLst>
+                        <p:cond delay="indefinite"/>
+                      </p:stCondLst>
+                      <p:childTnLst>
+                        <p:par>
+                          <p:cTn id="32" fill="hold">
+                            <p:stCondLst>
+                              <p:cond delay="0"/>
+                            </p:stCondLst>
+                            <p:childTnLst>
+                              <p:par>
+                                <p:cTn id="33" presetID="42" presetClass="entr" presetSubtype="0" fill="hold" nodeType="clickEffect">
+                                  <p:stCondLst>
+                                    <p:cond delay="0"/>
+                                  </p:stCondLst>
+                                  <p:childTnLst>
+                                    <p:set>
+                                      <p:cBhvr>
+                                        <p:cTn id="34" dur="1" fill="hold">
+                                          <p:stCondLst>
+                                            <p:cond delay="0"/>
+                                          </p:stCondLst>
+                                        </p:cTn>
+                                        <p:tgtEl>
+                                          <p:spTgt spid="3">
+                                            <p:txEl>
+                                              <p:pRg st="4" end="4"/>
+                                            </p:txEl>
+                                          </p:spTgt>
+                                        </p:tgtEl>
+                                        <p:attrNameLst>
+                                          <p:attrName>style.visibility</p:attrName>
+                                        </p:attrNameLst>
+                                      </p:cBhvr>
+                                      <p:to>
+                                        <p:strVal val="visible"/>
+                                      </p:to>
+                                    </p:set>
+                                    <p:animEffect transition="in" filter="fade">
+                                      <p:cBhvr>
+                                        <p:cTn id="35" dur="1000"/>
+                                        <p:tgtEl>
+                                          <p:spTgt spid="3">
+                                            <p:txEl>
+                                              <p:pRg st="4" end="4"/>
+                                            </p:txEl>
+                                          </p:spTgt>
+                                        </p:tgtEl>
+                                      </p:cBhvr>
+                                    </p:animEffect>
+                                    <p:anim calcmode="lin" valueType="num">
+                                      <p:cBhvr>
+                                        <p:cTn id="36" dur="1000" fill="hold"/>
+                                        <p:tgtEl>
+                                          <p:spTgt spid="3">
+                                            <p:txEl>
+                                              <p:pRg st="4" end="4"/>
+                                            </p:txEl>
+                                          </p:spTgt>
+                                        </p:tgtEl>
+                                        <p:attrNameLst>
+                                          <p:attrName>ppt_x</p:attrName>
+                                        </p:attrNameLst>
+                                      </p:cBhvr>
+                                      <p:tavLst>
+                                        <p:tav tm="0">
+                                          <p:val>
+                                            <p:strVal val="#ppt_x"/>
+                                          </p:val>
+                                        </p:tav>
+                                        <p:tav tm="100000">
+                                          <p:val>
+                                            <p:strVal val="#ppt_x"/>
+                                          </p:val>
+                                        </p:tav>
+                                      </p:tavLst>
+                                    </p:anim>
+                                    <p:anim calcmode="lin" valueType="num">
+                                      <p:cBhvr>
+                                        <p:cTn id="37" dur="1000" fill="hold"/>
+                                        <p:tgtEl>
+                                          <p:spTgt spid="3">
+                                            <p:txEl>
+                                              <p:pRg st="4" end="4"/>
+                                            </p:txEl>
+                                          </p:spTgt>
+                                        </p:tgtEl>
+                                        <p:attrNameLst>
+                                          <p:attrName>ppt_y</p:attrName>
+                                        </p:attrNameLst>
+                                      </p:cBhvr>
+                                      <p:tavLst>
+                                        <p:tav tm="0">
+                                          <p:val>
+                                            <p:strVal val="#ppt_y+.1"/>
+                                          </p:val>
+                                        </p:tav>
+                                        <p:tav tm="100000">
+                                          <p:val>
+                                            <p:strVal val="#ppt_y"/>
+                                          </p:val>
+                                        </p:tav>
+                                      </p:tavLst>
+                                    </p:anim>
+                                  </p:childTnLst>
+                                </p:cTn>
+                              </p:par>
+                            </p:childTnLst>
+                          </p:cTn>
+                        </p:par>
+                      </p:childTnLst>
+                    </p:cTn>
+                  </p:par>
+                </p:childTnLst>
+              </p:cTn>
+              <p:prevCondLst>
+                <p:cond evt="onPrev" delay="0">
+                  <p:tgtEl>
+                    <p:sldTgt/>
+                  </p:tgtEl>
+                </p:cond>
+              </p:prevCondLst>
+              <p:nextCondLst>
+                <p:cond evt="onNext" delay="0">
+                  <p:tgtEl>
+                    <p:sldTgt/>
+                  </p:tgtEl>
+                </p:cond>
+              </p:nextCondLst>
+            </p:seq>
+          </p:childTnLst>
+        </p:cTn>
       </p:par>
     </p:tnLst>
   </p:timing>
@@ -21175,7 +22052,7 @@
             <a:spLocks noGrp="1"/>
           </p:cNvSpPr>
           <p:nvPr>
-            <p:ph type="ctrTitle"/>
+            <p:ph type="title"/>
           </p:nvPr>
         </p:nvSpPr>
         <p:spPr/>
@@ -21185,7 +22062,7 @@
           <a:p>
             <a:r>
               <a:rPr lang="en-US" dirty="0" smtClean="0"/>
-              <a:t>Software Developer</a:t>
+              <a:t>Other Supporting Careers</a:t>
             </a:r>
             <a:endParaRPr lang="en-US" dirty="0"/>
           </a:p>
@@ -21193,23 +22070,66 @@
       </p:sp>
       <p:sp>
         <p:nvSpPr>
-          <p:cNvPr id="3" name="Subtitle 2"/>
+          <p:cNvPr id="3" name="Content Placeholder 2"/>
           <p:cNvSpPr>
             <a:spLocks noGrp="1"/>
           </p:cNvSpPr>
           <p:nvPr>
-            <p:ph type="subTitle" idx="1"/>
+            <p:ph idx="1"/>
           </p:nvPr>
         </p:nvSpPr>
         <p:spPr/>
         <p:txBody>
-          <a:bodyPr/>
+          <a:bodyPr>
+            <a:normAutofit/>
+          </a:bodyPr>
           <a:lstStyle/>
           <a:p>
             <a:r>
               <a:rPr lang="en-US" dirty="0" smtClean="0"/>
-              <a:t>a.k.a. Computer programmer</a:t>
+              <a:t>Accounting/Payroll</a:t>
             </a:r>
+          </a:p>
+          <a:p>
+            <a:r>
+              <a:rPr lang="en-US" dirty="0" smtClean="0"/>
+              <a:t>Business Administration </a:t>
+            </a:r>
+          </a:p>
+          <a:p>
+            <a:pPr lvl="1"/>
+            <a:r>
+              <a:rPr lang="en-US" dirty="0" smtClean="0"/>
+              <a:t>CEO </a:t>
+            </a:r>
+          </a:p>
+          <a:p>
+            <a:pPr lvl="1"/>
+            <a:r>
+              <a:rPr lang="en-US" dirty="0" smtClean="0"/>
+              <a:t>Vice President</a:t>
+            </a:r>
+          </a:p>
+          <a:p>
+            <a:pPr lvl="1"/>
+            <a:r>
+              <a:rPr lang="en-US" dirty="0" smtClean="0"/>
+              <a:t>Executive Assistant/Human Resources</a:t>
+            </a:r>
+          </a:p>
+          <a:p>
+            <a:r>
+              <a:rPr lang="en-US" dirty="0" smtClean="0"/>
+              <a:t>Sales/Marketing</a:t>
+            </a:r>
+          </a:p>
+          <a:p>
+            <a:r>
+              <a:rPr lang="en-US" dirty="0" smtClean="0"/>
+              <a:t>Purchasing Agent</a:t>
+            </a:r>
+          </a:p>
+          <a:p>
             <a:endParaRPr lang="en-US" dirty="0"/>
           </a:p>
         </p:txBody>
@@ -21217,7 +22137,7 @@
     </p:spTree>
     <p:extLst>
       <p:ext uri="{BB962C8B-B14F-4D97-AF65-F5344CB8AC3E}">
-        <p14:creationId xmlns:p14="http://schemas.microsoft.com/office/powerpoint/2010/main" val="4193971689"/>
+        <p14:creationId xmlns:p14="http://schemas.microsoft.com/office/powerpoint/2010/main" val="1170821138"/>
       </p:ext>
     </p:extLst>
   </p:cSld>
@@ -21263,14 +22183,12 @@
         </p:nvSpPr>
         <p:spPr/>
         <p:txBody>
-          <a:bodyPr>
-            <a:normAutofit/>
-          </a:bodyPr>
+          <a:bodyPr/>
           <a:lstStyle/>
           <a:p>
             <a:r>
               <a:rPr lang="en-US" dirty="0" smtClean="0"/>
-              <a:t>What does a programmer do?</a:t>
+              <a:t>Todd Nichols-  RCS Market Manager</a:t>
             </a:r>
             <a:endParaRPr lang="en-US" dirty="0"/>
           </a:p>
@@ -21296,6 +22214,11 @@
         </p:txBody>
       </p:sp>
     </p:spTree>
+    <p:extLst>
+      <p:ext uri="{BB962C8B-B14F-4D97-AF65-F5344CB8AC3E}">
+        <p14:creationId xmlns:p14="http://schemas.microsoft.com/office/powerpoint/2010/main" val="3082745468"/>
+      </p:ext>
+    </p:extLst>
   </p:cSld>
   <p:clrMapOvr>
     <a:masterClrMapping/>

--- a/PowerPointSlids.pptx
+++ b/PowerPointSlids.pptx
@@ -28,7 +28,8 @@
     <p:sldId id="267" r:id="rId22"/>
     <p:sldId id="268" r:id="rId23"/>
     <p:sldId id="269" r:id="rId24"/>
-    <p:sldId id="270" r:id="rId25"/>
+    <p:sldId id="280" r:id="rId25"/>
+    <p:sldId id="270" r:id="rId26"/>
   </p:sldIdLst>
   <p:sldSz cx="12192000" cy="6858000"/>
   <p:notesSz cx="6858000" cy="9144000"/>
@@ -196,7 +197,7 @@
           <a:noFill/>
           <a:extLst>
             <a:ext uri="{909E8E84-426E-40dd-AFC4-6F175D3DCCD1}">
-              <a14:hiddenFill xmlns="" xmlns:a14="http://schemas.microsoft.com/office/drawing/2010/main">
+              <a14:hiddenFill xmlns:a14="http://schemas.microsoft.com/office/drawing/2010/main" xmlns="">
                 <a:solidFill>
                   <a:srgbClr val="FFFFFF"/>
                 </a:solidFill>
@@ -256,7 +257,7 @@
             </a:ln>
             <a:extLst>
               <a:ext uri="{91240B29-F687-4f45-9708-019B960494DF}">
-                <a14:hiddenLine xmlns="" xmlns:a14="http://schemas.microsoft.com/office/drawing/2010/main" w="9525">
+                <a14:hiddenLine xmlns:a14="http://schemas.microsoft.com/office/drawing/2010/main" xmlns="" w="9525">
                   <a:solidFill>
                     <a:srgbClr val="000000"/>
                   </a:solidFill>
@@ -346,7 +347,7 @@
             </a:ln>
             <a:extLst>
               <a:ext uri="{91240B29-F687-4f45-9708-019B960494DF}">
-                <a14:hiddenLine xmlns="" xmlns:a14="http://schemas.microsoft.com/office/drawing/2010/main" w="9525">
+                <a14:hiddenLine xmlns:a14="http://schemas.microsoft.com/office/drawing/2010/main" xmlns="" w="9525">
                   <a:solidFill>
                     <a:srgbClr val="000000"/>
                   </a:solidFill>
@@ -436,7 +437,7 @@
             </a:ln>
             <a:extLst>
               <a:ext uri="{91240B29-F687-4f45-9708-019B960494DF}">
-                <a14:hiddenLine xmlns="" xmlns:a14="http://schemas.microsoft.com/office/drawing/2010/main" w="9525">
+                <a14:hiddenLine xmlns:a14="http://schemas.microsoft.com/office/drawing/2010/main" xmlns="" w="9525">
                   <a:solidFill>
                     <a:srgbClr val="000000"/>
                   </a:solidFill>
@@ -470,7 +471,7 @@
             </a:ln>
             <a:extLst>
               <a:ext uri="{91240B29-F687-4f45-9708-019B960494DF}">
-                <a14:hiddenLine xmlns="" xmlns:a14="http://schemas.microsoft.com/office/drawing/2010/main" w="9525">
+                <a14:hiddenLine xmlns:a14="http://schemas.microsoft.com/office/drawing/2010/main" xmlns="" w="9525">
                   <a:solidFill>
                     <a:srgbClr val="000000"/>
                   </a:solidFill>
@@ -560,7 +561,7 @@
             </a:ln>
             <a:extLst>
               <a:ext uri="{91240B29-F687-4f45-9708-019B960494DF}">
-                <a14:hiddenLine xmlns="" xmlns:a14="http://schemas.microsoft.com/office/drawing/2010/main" w="9525">
+                <a14:hiddenLine xmlns:a14="http://schemas.microsoft.com/office/drawing/2010/main" xmlns="" w="9525">
                   <a:solidFill>
                     <a:srgbClr val="000000"/>
                   </a:solidFill>
@@ -622,7 +623,7 @@
             </a:ln>
             <a:extLst>
               <a:ext uri="{91240B29-F687-4f45-9708-019B960494DF}">
-                <a14:hiddenLine xmlns="" xmlns:a14="http://schemas.microsoft.com/office/drawing/2010/main" w="9525">
+                <a14:hiddenLine xmlns:a14="http://schemas.microsoft.com/office/drawing/2010/main" xmlns="" w="9525">
                   <a:solidFill>
                     <a:srgbClr val="000000"/>
                   </a:solidFill>
@@ -684,7 +685,7 @@
             </a:ln>
             <a:extLst>
               <a:ext uri="{91240B29-F687-4f45-9708-019B960494DF}">
-                <a14:hiddenLine xmlns="" xmlns:a14="http://schemas.microsoft.com/office/drawing/2010/main" w="9525">
+                <a14:hiddenLine xmlns:a14="http://schemas.microsoft.com/office/drawing/2010/main" xmlns="" w="9525">
                   <a:solidFill>
                     <a:srgbClr val="000000"/>
                   </a:solidFill>
@@ -774,7 +775,7 @@
             </a:ln>
             <a:extLst>
               <a:ext uri="{91240B29-F687-4f45-9708-019B960494DF}">
-                <a14:hiddenLine xmlns="" xmlns:a14="http://schemas.microsoft.com/office/drawing/2010/main" w="9525">
+                <a14:hiddenLine xmlns:a14="http://schemas.microsoft.com/office/drawing/2010/main" xmlns="" w="9525">
                   <a:solidFill>
                     <a:srgbClr val="000000"/>
                   </a:solidFill>
@@ -836,7 +837,7 @@
             </a:ln>
             <a:extLst>
               <a:ext uri="{91240B29-F687-4f45-9708-019B960494DF}">
-                <a14:hiddenLine xmlns="" xmlns:a14="http://schemas.microsoft.com/office/drawing/2010/main" w="9525">
+                <a14:hiddenLine xmlns:a14="http://schemas.microsoft.com/office/drawing/2010/main" xmlns="" w="9525">
                   <a:solidFill>
                     <a:srgbClr val="000000"/>
                   </a:solidFill>
@@ -898,7 +899,7 @@
             </a:ln>
             <a:extLst>
               <a:ext uri="{91240B29-F687-4f45-9708-019B960494DF}">
-                <a14:hiddenLine xmlns="" xmlns:a14="http://schemas.microsoft.com/office/drawing/2010/main" w="9525">
+                <a14:hiddenLine xmlns:a14="http://schemas.microsoft.com/office/drawing/2010/main" xmlns="" w="9525">
                   <a:solidFill>
                     <a:srgbClr val="000000"/>
                   </a:solidFill>
@@ -988,7 +989,7 @@
             </a:ln>
             <a:extLst>
               <a:ext uri="{91240B29-F687-4f45-9708-019B960494DF}">
-                <a14:hiddenLine xmlns="" xmlns:a14="http://schemas.microsoft.com/office/drawing/2010/main" w="9525">
+                <a14:hiddenLine xmlns:a14="http://schemas.microsoft.com/office/drawing/2010/main" xmlns="" w="9525">
                   <a:solidFill>
                     <a:srgbClr val="000000"/>
                   </a:solidFill>
@@ -1078,7 +1079,7 @@
             </a:ln>
             <a:extLst>
               <a:ext uri="{91240B29-F687-4f45-9708-019B960494DF}">
-                <a14:hiddenLine xmlns="" xmlns:a14="http://schemas.microsoft.com/office/drawing/2010/main" w="9525">
+                <a14:hiddenLine xmlns:a14="http://schemas.microsoft.com/office/drawing/2010/main" xmlns="" w="9525">
                   <a:solidFill>
                     <a:srgbClr val="000000"/>
                   </a:solidFill>
@@ -1140,7 +1141,7 @@
             </a:ln>
             <a:extLst>
               <a:ext uri="{91240B29-F687-4f45-9708-019B960494DF}">
-                <a14:hiddenLine xmlns="" xmlns:a14="http://schemas.microsoft.com/office/drawing/2010/main" w="9525">
+                <a14:hiddenLine xmlns:a14="http://schemas.microsoft.com/office/drawing/2010/main" xmlns="" w="9525">
                   <a:solidFill>
                     <a:srgbClr val="000000"/>
                   </a:solidFill>
@@ -1250,7 +1251,7 @@
             </a:ln>
             <a:extLst>
               <a:ext uri="{91240B29-F687-4f45-9708-019B960494DF}">
-                <a14:hiddenLine xmlns="" xmlns:a14="http://schemas.microsoft.com/office/drawing/2010/main" w="9525">
+                <a14:hiddenLine xmlns:a14="http://schemas.microsoft.com/office/drawing/2010/main" xmlns="" w="9525">
                   <a:solidFill>
                     <a:srgbClr val="000000"/>
                   </a:solidFill>
@@ -1312,7 +1313,7 @@
             </a:ln>
             <a:extLst>
               <a:ext uri="{91240B29-F687-4f45-9708-019B960494DF}">
-                <a14:hiddenLine xmlns="" xmlns:a14="http://schemas.microsoft.com/office/drawing/2010/main" w="9525">
+                <a14:hiddenLine xmlns:a14="http://schemas.microsoft.com/office/drawing/2010/main" xmlns="" w="9525">
                   <a:solidFill>
                     <a:srgbClr val="000000"/>
                   </a:solidFill>
@@ -1402,7 +1403,7 @@
             </a:ln>
             <a:extLst>
               <a:ext uri="{91240B29-F687-4f45-9708-019B960494DF}">
-                <a14:hiddenLine xmlns="" xmlns:a14="http://schemas.microsoft.com/office/drawing/2010/main" w="9525">
+                <a14:hiddenLine xmlns:a14="http://schemas.microsoft.com/office/drawing/2010/main" xmlns="" w="9525">
                   <a:solidFill>
                     <a:srgbClr val="000000"/>
                   </a:solidFill>
@@ -1492,7 +1493,7 @@
             </a:ln>
             <a:extLst>
               <a:ext uri="{91240B29-F687-4f45-9708-019B960494DF}">
-                <a14:hiddenLine xmlns="" xmlns:a14="http://schemas.microsoft.com/office/drawing/2010/main" w="9525">
+                <a14:hiddenLine xmlns:a14="http://schemas.microsoft.com/office/drawing/2010/main" xmlns="" w="9525">
                   <a:solidFill>
                     <a:srgbClr val="000000"/>
                   </a:solidFill>
@@ -1554,7 +1555,7 @@
             </a:ln>
             <a:extLst>
               <a:ext uri="{91240B29-F687-4f45-9708-019B960494DF}">
-                <a14:hiddenLine xmlns="" xmlns:a14="http://schemas.microsoft.com/office/drawing/2010/main" w="9525">
+                <a14:hiddenLine xmlns:a14="http://schemas.microsoft.com/office/drawing/2010/main" xmlns="" w="9525">
                   <a:solidFill>
                     <a:srgbClr val="000000"/>
                   </a:solidFill>
@@ -1644,7 +1645,7 @@
             </a:ln>
             <a:extLst>
               <a:ext uri="{91240B29-F687-4f45-9708-019B960494DF}">
-                <a14:hiddenLine xmlns="" xmlns:a14="http://schemas.microsoft.com/office/drawing/2010/main" w="9525">
+                <a14:hiddenLine xmlns:a14="http://schemas.microsoft.com/office/drawing/2010/main" xmlns="" w="9525">
                   <a:solidFill>
                     <a:srgbClr val="000000"/>
                   </a:solidFill>
@@ -1734,7 +1735,7 @@
             </a:ln>
             <a:extLst>
               <a:ext uri="{91240B29-F687-4f45-9708-019B960494DF}">
-                <a14:hiddenLine xmlns="" xmlns:a14="http://schemas.microsoft.com/office/drawing/2010/main" w="9525">
+                <a14:hiddenLine xmlns:a14="http://schemas.microsoft.com/office/drawing/2010/main" xmlns="" w="9525">
                   <a:solidFill>
                     <a:srgbClr val="000000"/>
                   </a:solidFill>
@@ -1790,7 +1791,7 @@
             </a:ln>
             <a:extLst>
               <a:ext uri="{91240B29-F687-4f45-9708-019B960494DF}">
-                <a14:hiddenLine xmlns="" xmlns:a14="http://schemas.microsoft.com/office/drawing/2010/main" w="9525">
+                <a14:hiddenLine xmlns:a14="http://schemas.microsoft.com/office/drawing/2010/main" xmlns="" w="9525">
                   <a:solidFill>
                     <a:srgbClr val="000000"/>
                   </a:solidFill>
@@ -1880,7 +1881,7 @@
             </a:ln>
             <a:extLst>
               <a:ext uri="{91240B29-F687-4f45-9708-019B960494DF}">
-                <a14:hiddenLine xmlns="" xmlns:a14="http://schemas.microsoft.com/office/drawing/2010/main" w="9525">
+                <a14:hiddenLine xmlns:a14="http://schemas.microsoft.com/office/drawing/2010/main" xmlns="" w="9525">
                   <a:solidFill>
                     <a:srgbClr val="000000"/>
                   </a:solidFill>
@@ -1936,7 +1937,7 @@
             </a:ln>
             <a:extLst>
               <a:ext uri="{91240B29-F687-4f45-9708-019B960494DF}">
-                <a14:hiddenLine xmlns="" xmlns:a14="http://schemas.microsoft.com/office/drawing/2010/main" w="9525">
+                <a14:hiddenLine xmlns:a14="http://schemas.microsoft.com/office/drawing/2010/main" xmlns="" w="9525">
                   <a:solidFill>
                     <a:srgbClr val="000000"/>
                   </a:solidFill>
@@ -2026,7 +2027,7 @@
             </a:ln>
             <a:extLst>
               <a:ext uri="{91240B29-F687-4f45-9708-019B960494DF}">
-                <a14:hiddenLine xmlns="" xmlns:a14="http://schemas.microsoft.com/office/drawing/2010/main" w="9525">
+                <a14:hiddenLine xmlns:a14="http://schemas.microsoft.com/office/drawing/2010/main" xmlns="" w="9525">
                   <a:solidFill>
                     <a:srgbClr val="000000"/>
                   </a:solidFill>
@@ -2094,7 +2095,7 @@
             </a:ln>
             <a:extLst>
               <a:ext uri="{91240B29-F687-4f45-9708-019B960494DF}">
-                <a14:hiddenLine xmlns="" xmlns:a14="http://schemas.microsoft.com/office/drawing/2010/main" w="9525">
+                <a14:hiddenLine xmlns:a14="http://schemas.microsoft.com/office/drawing/2010/main" xmlns="" w="9525">
                   <a:solidFill>
                     <a:srgbClr val="000000"/>
                   </a:solidFill>
@@ -2184,7 +2185,7 @@
             </a:ln>
             <a:extLst>
               <a:ext uri="{91240B29-F687-4f45-9708-019B960494DF}">
-                <a14:hiddenLine xmlns="" xmlns:a14="http://schemas.microsoft.com/office/drawing/2010/main" w="9525">
+                <a14:hiddenLine xmlns:a14="http://schemas.microsoft.com/office/drawing/2010/main" xmlns="" w="9525">
                   <a:solidFill>
                     <a:srgbClr val="000000"/>
                   </a:solidFill>
@@ -2252,7 +2253,7 @@
             </a:ln>
             <a:extLst>
               <a:ext uri="{91240B29-F687-4f45-9708-019B960494DF}">
-                <a14:hiddenLine xmlns="" xmlns:a14="http://schemas.microsoft.com/office/drawing/2010/main" w="9525">
+                <a14:hiddenLine xmlns:a14="http://schemas.microsoft.com/office/drawing/2010/main" xmlns="" w="9525">
                   <a:solidFill>
                     <a:srgbClr val="000000"/>
                   </a:solidFill>
@@ -2342,7 +2343,7 @@
             </a:ln>
             <a:extLst>
               <a:ext uri="{91240B29-F687-4f45-9708-019B960494DF}">
-                <a14:hiddenLine xmlns="" xmlns:a14="http://schemas.microsoft.com/office/drawing/2010/main" w="9525">
+                <a14:hiddenLine xmlns:a14="http://schemas.microsoft.com/office/drawing/2010/main" xmlns="" w="9525">
                   <a:solidFill>
                     <a:srgbClr val="000000"/>
                   </a:solidFill>
@@ -2376,7 +2377,7 @@
             </a:ln>
             <a:extLst>
               <a:ext uri="{91240B29-F687-4f45-9708-019B960494DF}">
-                <a14:hiddenLine xmlns="" xmlns:a14="http://schemas.microsoft.com/office/drawing/2010/main" w="9525">
+                <a14:hiddenLine xmlns:a14="http://schemas.microsoft.com/office/drawing/2010/main" xmlns="" w="9525">
                   <a:solidFill>
                     <a:srgbClr val="000000"/>
                   </a:solidFill>
@@ -2466,7 +2467,7 @@
             </a:ln>
             <a:extLst>
               <a:ext uri="{91240B29-F687-4f45-9708-019B960494DF}">
-                <a14:hiddenLine xmlns="" xmlns:a14="http://schemas.microsoft.com/office/drawing/2010/main" w="9525">
+                <a14:hiddenLine xmlns:a14="http://schemas.microsoft.com/office/drawing/2010/main" xmlns="" w="9525">
                   <a:solidFill>
                     <a:srgbClr val="000000"/>
                   </a:solidFill>
@@ -2528,7 +2529,7 @@
             </a:ln>
             <a:extLst>
               <a:ext uri="{91240B29-F687-4f45-9708-019B960494DF}">
-                <a14:hiddenLine xmlns="" xmlns:a14="http://schemas.microsoft.com/office/drawing/2010/main" w="9525">
+                <a14:hiddenLine xmlns:a14="http://schemas.microsoft.com/office/drawing/2010/main" xmlns="" w="9525">
                   <a:solidFill>
                     <a:srgbClr val="000000"/>
                   </a:solidFill>
@@ -2590,7 +2591,7 @@
             </a:ln>
             <a:extLst>
               <a:ext uri="{91240B29-F687-4f45-9708-019B960494DF}">
-                <a14:hiddenLine xmlns="" xmlns:a14="http://schemas.microsoft.com/office/drawing/2010/main" w="9525">
+                <a14:hiddenLine xmlns:a14="http://schemas.microsoft.com/office/drawing/2010/main" xmlns="" w="9525">
                   <a:solidFill>
                     <a:srgbClr val="000000"/>
                   </a:solidFill>
@@ -2680,7 +2681,7 @@
             </a:ln>
             <a:extLst>
               <a:ext uri="{91240B29-F687-4f45-9708-019B960494DF}">
-                <a14:hiddenLine xmlns="" xmlns:a14="http://schemas.microsoft.com/office/drawing/2010/main" w="9525">
+                <a14:hiddenLine xmlns:a14="http://schemas.microsoft.com/office/drawing/2010/main" xmlns="" w="9525">
                   <a:solidFill>
                     <a:srgbClr val="000000"/>
                   </a:solidFill>
@@ -2748,7 +2749,7 @@
             </a:ln>
             <a:extLst>
               <a:ext uri="{91240B29-F687-4f45-9708-019B960494DF}">
-                <a14:hiddenLine xmlns="" xmlns:a14="http://schemas.microsoft.com/office/drawing/2010/main" w="9525">
+                <a14:hiddenLine xmlns:a14="http://schemas.microsoft.com/office/drawing/2010/main" xmlns="" w="9525">
                   <a:solidFill>
                     <a:srgbClr val="000000"/>
                   </a:solidFill>
@@ -2810,7 +2811,7 @@
             </a:ln>
             <a:extLst>
               <a:ext uri="{91240B29-F687-4f45-9708-019B960494DF}">
-                <a14:hiddenLine xmlns="" xmlns:a14="http://schemas.microsoft.com/office/drawing/2010/main" w="9525">
+                <a14:hiddenLine xmlns:a14="http://schemas.microsoft.com/office/drawing/2010/main" xmlns="" w="9525">
                   <a:solidFill>
                     <a:srgbClr val="000000"/>
                   </a:solidFill>
@@ -2900,7 +2901,7 @@
             </a:ln>
             <a:extLst>
               <a:ext uri="{91240B29-F687-4f45-9708-019B960494DF}">
-                <a14:hiddenLine xmlns="" xmlns:a14="http://schemas.microsoft.com/office/drawing/2010/main" w="9525">
+                <a14:hiddenLine xmlns:a14="http://schemas.microsoft.com/office/drawing/2010/main" xmlns="" w="9525">
                   <a:solidFill>
                     <a:srgbClr val="000000"/>
                   </a:solidFill>
@@ -2962,7 +2963,7 @@
             </a:ln>
             <a:extLst>
               <a:ext uri="{91240B29-F687-4f45-9708-019B960494DF}">
-                <a14:hiddenLine xmlns="" xmlns:a14="http://schemas.microsoft.com/office/drawing/2010/main" w="9525">
+                <a14:hiddenLine xmlns:a14="http://schemas.microsoft.com/office/drawing/2010/main" xmlns="" w="9525">
                   <a:solidFill>
                     <a:srgbClr val="000000"/>
                   </a:solidFill>
@@ -3052,7 +3053,7 @@
             </a:ln>
             <a:extLst>
               <a:ext uri="{91240B29-F687-4f45-9708-019B960494DF}">
-                <a14:hiddenLine xmlns="" xmlns:a14="http://schemas.microsoft.com/office/drawing/2010/main" w="9525">
+                <a14:hiddenLine xmlns:a14="http://schemas.microsoft.com/office/drawing/2010/main" xmlns="" w="9525">
                   <a:solidFill>
                     <a:srgbClr val="000000"/>
                   </a:solidFill>
@@ -3114,7 +3115,7 @@
             </a:ln>
             <a:extLst>
               <a:ext uri="{91240B29-F687-4f45-9708-019B960494DF}">
-                <a14:hiddenLine xmlns="" xmlns:a14="http://schemas.microsoft.com/office/drawing/2010/main" w="9525">
+                <a14:hiddenLine xmlns:a14="http://schemas.microsoft.com/office/drawing/2010/main" xmlns="" w="9525">
                   <a:solidFill>
                     <a:srgbClr val="000000"/>
                   </a:solidFill>
@@ -3204,7 +3205,7 @@
             </a:ln>
             <a:extLst>
               <a:ext uri="{91240B29-F687-4f45-9708-019B960494DF}">
-                <a14:hiddenLine xmlns="" xmlns:a14="http://schemas.microsoft.com/office/drawing/2010/main" w="9525">
+                <a14:hiddenLine xmlns:a14="http://schemas.microsoft.com/office/drawing/2010/main" xmlns="" w="9525">
                   <a:solidFill>
                     <a:srgbClr val="000000"/>
                   </a:solidFill>
@@ -3238,7 +3239,7 @@
             </a:ln>
             <a:extLst>
               <a:ext uri="{91240B29-F687-4f45-9708-019B960494DF}">
-                <a14:hiddenLine xmlns="" xmlns:a14="http://schemas.microsoft.com/office/drawing/2010/main" w="9525">
+                <a14:hiddenLine xmlns:a14="http://schemas.microsoft.com/office/drawing/2010/main" xmlns="" w="9525">
                   <a:solidFill>
                     <a:srgbClr val="000000"/>
                   </a:solidFill>
@@ -3303,7 +3304,7 @@
             </a:ln>
             <a:extLst>
               <a:ext uri="{91240B29-F687-4f45-9708-019B960494DF}">
-                <a14:hiddenLine xmlns="" xmlns:a14="http://schemas.microsoft.com/office/drawing/2010/main" w="9525">
+                <a14:hiddenLine xmlns:a14="http://schemas.microsoft.com/office/drawing/2010/main" xmlns="" w="9525">
                   <a:solidFill>
                     <a:srgbClr val="000000"/>
                   </a:solidFill>
@@ -3393,7 +3394,7 @@
             </a:ln>
             <a:extLst>
               <a:ext uri="{91240B29-F687-4f45-9708-019B960494DF}">
-                <a14:hiddenLine xmlns="" xmlns:a14="http://schemas.microsoft.com/office/drawing/2010/main" w="9525">
+                <a14:hiddenLine xmlns:a14="http://schemas.microsoft.com/office/drawing/2010/main" xmlns="" w="9525">
                   <a:solidFill>
                     <a:srgbClr val="000000"/>
                   </a:solidFill>
@@ -3455,7 +3456,7 @@
             </a:ln>
             <a:extLst>
               <a:ext uri="{91240B29-F687-4f45-9708-019B960494DF}">
-                <a14:hiddenLine xmlns="" xmlns:a14="http://schemas.microsoft.com/office/drawing/2010/main" w="9525">
+                <a14:hiddenLine xmlns:a14="http://schemas.microsoft.com/office/drawing/2010/main" xmlns="" w="9525">
                   <a:solidFill>
                     <a:srgbClr val="000000"/>
                   </a:solidFill>
@@ -3545,7 +3546,7 @@
             </a:ln>
             <a:extLst>
               <a:ext uri="{91240B29-F687-4f45-9708-019B960494DF}">
-                <a14:hiddenLine xmlns="" xmlns:a14="http://schemas.microsoft.com/office/drawing/2010/main" w="9525">
+                <a14:hiddenLine xmlns:a14="http://schemas.microsoft.com/office/drawing/2010/main" xmlns="" w="9525">
                   <a:solidFill>
                     <a:srgbClr val="000000"/>
                   </a:solidFill>
@@ -3635,7 +3636,7 @@
             </a:ln>
             <a:extLst>
               <a:ext uri="{91240B29-F687-4f45-9708-019B960494DF}">
-                <a14:hiddenLine xmlns="" xmlns:a14="http://schemas.microsoft.com/office/drawing/2010/main" w="9525">
+                <a14:hiddenLine xmlns:a14="http://schemas.microsoft.com/office/drawing/2010/main" xmlns="" w="9525">
                   <a:solidFill>
                     <a:srgbClr val="000000"/>
                   </a:solidFill>
@@ -3700,7 +3701,7 @@
             </a:ln>
             <a:extLst>
               <a:ext uri="{91240B29-F687-4f45-9708-019B960494DF}">
-                <a14:hiddenLine xmlns="" xmlns:a14="http://schemas.microsoft.com/office/drawing/2010/main" w="9525">
+                <a14:hiddenLine xmlns:a14="http://schemas.microsoft.com/office/drawing/2010/main" xmlns="" w="9525">
                   <a:solidFill>
                     <a:srgbClr val="000000"/>
                   </a:solidFill>
@@ -3762,7 +3763,7 @@
             </a:ln>
             <a:extLst>
               <a:ext uri="{91240B29-F687-4f45-9708-019B960494DF}">
-                <a14:hiddenLine xmlns="" xmlns:a14="http://schemas.microsoft.com/office/drawing/2010/main" w="9525">
+                <a14:hiddenLine xmlns:a14="http://schemas.microsoft.com/office/drawing/2010/main" xmlns="" w="9525">
                   <a:solidFill>
                     <a:srgbClr val="000000"/>
                   </a:solidFill>
@@ -3852,7 +3853,7 @@
             </a:ln>
             <a:extLst>
               <a:ext uri="{91240B29-F687-4f45-9708-019B960494DF}">
-                <a14:hiddenLine xmlns="" xmlns:a14="http://schemas.microsoft.com/office/drawing/2010/main" w="9525">
+                <a14:hiddenLine xmlns:a14="http://schemas.microsoft.com/office/drawing/2010/main" xmlns="" w="9525">
                   <a:solidFill>
                     <a:srgbClr val="000000"/>
                   </a:solidFill>
@@ -3942,7 +3943,7 @@
             </a:ln>
             <a:extLst>
               <a:ext uri="{91240B29-F687-4f45-9708-019B960494DF}">
-                <a14:hiddenLine xmlns="" xmlns:a14="http://schemas.microsoft.com/office/drawing/2010/main" w="9525">
+                <a14:hiddenLine xmlns:a14="http://schemas.microsoft.com/office/drawing/2010/main" xmlns="" w="9525">
                   <a:solidFill>
                     <a:srgbClr val="000000"/>
                   </a:solidFill>
@@ -4004,7 +4005,7 @@
             </a:ln>
             <a:extLst>
               <a:ext uri="{91240B29-F687-4f45-9708-019B960494DF}">
-                <a14:hiddenLine xmlns="" xmlns:a14="http://schemas.microsoft.com/office/drawing/2010/main" w="9525">
+                <a14:hiddenLine xmlns:a14="http://schemas.microsoft.com/office/drawing/2010/main" xmlns="" w="9525">
                   <a:solidFill>
                     <a:srgbClr val="000000"/>
                   </a:solidFill>
@@ -4124,7 +4125,7 @@
             </a:ln>
             <a:extLst>
               <a:ext uri="{91240B29-F687-4f45-9708-019B960494DF}">
-                <a14:hiddenLine xmlns="" xmlns:a14="http://schemas.microsoft.com/office/drawing/2010/main" w="9525">
+                <a14:hiddenLine xmlns:a14="http://schemas.microsoft.com/office/drawing/2010/main" xmlns="" w="9525">
                   <a:solidFill>
                     <a:srgbClr val="000000"/>
                   </a:solidFill>
@@ -4192,7 +4193,7 @@
             </a:ln>
             <a:extLst>
               <a:ext uri="{91240B29-F687-4f45-9708-019B960494DF}">
-                <a14:hiddenLine xmlns="" xmlns:a14="http://schemas.microsoft.com/office/drawing/2010/main" w="9525">
+                <a14:hiddenLine xmlns:a14="http://schemas.microsoft.com/office/drawing/2010/main" xmlns="" w="9525">
                   <a:solidFill>
                     <a:srgbClr val="000000"/>
                   </a:solidFill>
@@ -4282,7 +4283,7 @@
             </a:ln>
             <a:extLst>
               <a:ext uri="{91240B29-F687-4f45-9708-019B960494DF}">
-                <a14:hiddenLine xmlns="" xmlns:a14="http://schemas.microsoft.com/office/drawing/2010/main" w="9525">
+                <a14:hiddenLine xmlns:a14="http://schemas.microsoft.com/office/drawing/2010/main" xmlns="" w="9525">
                   <a:solidFill>
                     <a:srgbClr val="000000"/>
                   </a:solidFill>
@@ -4423,7 +4424,7 @@
             <a:fld id="{48A87A34-81AB-432B-8DAE-1953F412C126}" type="datetimeFigureOut">
               <a:rPr lang="en-US" dirty="0"/>
               <a:pPr/>
-              <a:t>7/10/2016</a:t>
+              <a:t>7/22/2016</a:t>
             </a:fld>
             <a:endParaRPr lang="en-US" dirty="0"/>
           </a:p>
@@ -4687,7 +4688,7 @@
             <a:fld id="{48A87A34-81AB-432B-8DAE-1953F412C126}" type="datetimeFigureOut">
               <a:rPr lang="en-US" dirty="0"/>
               <a:pPr/>
-              <a:t>7/10/2016</a:t>
+              <a:t>7/22/2016</a:t>
             </a:fld>
             <a:endParaRPr lang="en-US" dirty="0"/>
           </a:p>
@@ -4880,7 +4881,7 @@
             <a:fld id="{48A87A34-81AB-432B-8DAE-1953F412C126}" type="datetimeFigureOut">
               <a:rPr lang="en-US" dirty="0"/>
               <a:pPr/>
-              <a:t>7/10/2016</a:t>
+              <a:t>7/22/2016</a:t>
             </a:fld>
             <a:endParaRPr lang="en-US" dirty="0"/>
           </a:p>
@@ -5140,7 +5141,7 @@
             <a:fld id="{48A87A34-81AB-432B-8DAE-1953F412C126}" type="datetimeFigureOut">
               <a:rPr lang="en-US" dirty="0"/>
               <a:pPr/>
-              <a:t>7/10/2016</a:t>
+              <a:t>7/22/2016</a:t>
             </a:fld>
             <a:endParaRPr lang="en-US" dirty="0"/>
           </a:p>
@@ -5571,7 +5572,7 @@
             <a:fld id="{48A87A34-81AB-432B-8DAE-1953F412C126}" type="datetimeFigureOut">
               <a:rPr lang="en-US" dirty="0"/>
               <a:pPr/>
-              <a:t>7/10/2016</a:t>
+              <a:t>7/22/2016</a:t>
             </a:fld>
             <a:endParaRPr lang="en-US" dirty="0"/>
           </a:p>
@@ -6114,7 +6115,7 @@
             <a:fld id="{48A87A34-81AB-432B-8DAE-1953F412C126}" type="datetimeFigureOut">
               <a:rPr lang="en-US" dirty="0"/>
               <a:pPr/>
-              <a:t>7/10/2016</a:t>
+              <a:t>7/22/2016</a:t>
             </a:fld>
             <a:endParaRPr lang="en-US" dirty="0"/>
           </a:p>
@@ -6831,7 +6832,7 @@
             <a:fld id="{48A87A34-81AB-432B-8DAE-1953F412C126}" type="datetimeFigureOut">
               <a:rPr lang="en-US" dirty="0"/>
               <a:pPr/>
-              <a:t>7/10/2016</a:t>
+              <a:t>7/22/2016</a:t>
             </a:fld>
             <a:endParaRPr lang="en-US" dirty="0"/>
           </a:p>
@@ -6998,7 +6999,7 @@
             <a:fld id="{48A87A34-81AB-432B-8DAE-1953F412C126}" type="datetimeFigureOut">
               <a:rPr lang="en-US" dirty="0"/>
               <a:pPr/>
-              <a:t>7/10/2016</a:t>
+              <a:t>7/22/2016</a:t>
             </a:fld>
             <a:endParaRPr lang="en-US" dirty="0"/>
           </a:p>
@@ -7175,7 +7176,7 @@
             <a:fld id="{48A87A34-81AB-432B-8DAE-1953F412C126}" type="datetimeFigureOut">
               <a:rPr lang="en-US" dirty="0"/>
               <a:pPr/>
-              <a:t>7/10/2016</a:t>
+              <a:t>7/22/2016</a:t>
             </a:fld>
             <a:endParaRPr lang="en-US" dirty="0"/>
           </a:p>
@@ -7342,7 +7343,7 @@
             <a:fld id="{48A87A34-81AB-432B-8DAE-1953F412C126}" type="datetimeFigureOut">
               <a:rPr lang="en-US" dirty="0"/>
               <a:pPr/>
-              <a:t>7/10/2016</a:t>
+              <a:t>7/22/2016</a:t>
             </a:fld>
             <a:endParaRPr lang="en-US" dirty="0"/>
           </a:p>
@@ -7589,7 +7590,7 @@
             <a:fld id="{48A87A34-81AB-432B-8DAE-1953F412C126}" type="datetimeFigureOut">
               <a:rPr lang="en-US" dirty="0"/>
               <a:pPr/>
-              <a:t>7/10/2016</a:t>
+              <a:t>7/22/2016</a:t>
             </a:fld>
             <a:endParaRPr lang="en-US" dirty="0"/>
           </a:p>
@@ -7818,7 +7819,7 @@
             <a:fld id="{48A87A34-81AB-432B-8DAE-1953F412C126}" type="datetimeFigureOut">
               <a:rPr lang="en-US" dirty="0"/>
               <a:pPr/>
-              <a:t>7/10/2016</a:t>
+              <a:t>7/22/2016</a:t>
             </a:fld>
             <a:endParaRPr lang="en-US" dirty="0"/>
           </a:p>
@@ -8196,7 +8197,7 @@
             <a:fld id="{48A87A34-81AB-432B-8DAE-1953F412C126}" type="datetimeFigureOut">
               <a:rPr lang="en-US" dirty="0"/>
               <a:pPr/>
-              <a:t>7/10/2016</a:t>
+              <a:t>7/22/2016</a:t>
             </a:fld>
             <a:endParaRPr lang="en-US" dirty="0"/>
           </a:p>
@@ -8311,7 +8312,7 @@
             <a:fld id="{48A87A34-81AB-432B-8DAE-1953F412C126}" type="datetimeFigureOut">
               <a:rPr lang="en-US" dirty="0"/>
               <a:pPr/>
-              <a:t>7/10/2016</a:t>
+              <a:t>7/22/2016</a:t>
             </a:fld>
             <a:endParaRPr lang="en-US" dirty="0"/>
           </a:p>
@@ -8403,7 +8404,7 @@
             <a:fld id="{48A87A34-81AB-432B-8DAE-1953F412C126}" type="datetimeFigureOut">
               <a:rPr lang="en-US" dirty="0"/>
               <a:pPr/>
-              <a:t>7/10/2016</a:t>
+              <a:t>7/22/2016</a:t>
             </a:fld>
             <a:endParaRPr lang="en-US" dirty="0"/>
           </a:p>
@@ -8649,7 +8650,7 @@
             <a:fld id="{48A87A34-81AB-432B-8DAE-1953F412C126}" type="datetimeFigureOut">
               <a:rPr lang="en-US" dirty="0"/>
               <a:pPr/>
-              <a:t>7/10/2016</a:t>
+              <a:t>7/22/2016</a:t>
             </a:fld>
             <a:endParaRPr lang="en-US" dirty="0"/>
           </a:p>
@@ -8926,7 +8927,7 @@
             <a:fld id="{48A87A34-81AB-432B-8DAE-1953F412C126}" type="datetimeFigureOut">
               <a:rPr lang="en-US" dirty="0"/>
               <a:pPr/>
-              <a:t>7/10/2016</a:t>
+              <a:t>7/22/2016</a:t>
             </a:fld>
             <a:endParaRPr lang="en-US" dirty="0"/>
           </a:p>
@@ -9038,7 +9039,7 @@
           <a:noFill/>
           <a:extLst>
             <a:ext uri="{909E8E84-426E-40dd-AFC4-6F175D3DCCD1}">
-              <a14:hiddenFill xmlns="" xmlns:a14="http://schemas.microsoft.com/office/drawing/2010/main">
+              <a14:hiddenFill xmlns:a14="http://schemas.microsoft.com/office/drawing/2010/main" xmlns="">
                 <a:solidFill>
                   <a:srgbClr val="FFFFFF"/>
                 </a:solidFill>
@@ -9112,7 +9113,7 @@
               </a:ln>
               <a:extLst>
                 <a:ext uri="{91240B29-F687-4f45-9708-019B960494DF}">
-                  <a14:hiddenLine xmlns="" xmlns:a14="http://schemas.microsoft.com/office/drawing/2010/main" w="9525">
+                  <a14:hiddenLine xmlns:a14="http://schemas.microsoft.com/office/drawing/2010/main" xmlns="" w="9525">
                     <a:solidFill>
                       <a:srgbClr val="000000"/>
                     </a:solidFill>
@@ -9202,7 +9203,7 @@
               </a:ln>
               <a:extLst>
                 <a:ext uri="{91240B29-F687-4f45-9708-019B960494DF}">
-                  <a14:hiddenLine xmlns="" xmlns:a14="http://schemas.microsoft.com/office/drawing/2010/main" w="9525">
+                  <a14:hiddenLine xmlns:a14="http://schemas.microsoft.com/office/drawing/2010/main" xmlns="" w="9525">
                     <a:solidFill>
                       <a:srgbClr val="000000"/>
                     </a:solidFill>
@@ -9292,7 +9293,7 @@
               </a:ln>
               <a:extLst>
                 <a:ext uri="{91240B29-F687-4f45-9708-019B960494DF}">
-                  <a14:hiddenLine xmlns="" xmlns:a14="http://schemas.microsoft.com/office/drawing/2010/main" w="9525">
+                  <a14:hiddenLine xmlns:a14="http://schemas.microsoft.com/office/drawing/2010/main" xmlns="" w="9525">
                     <a:solidFill>
                       <a:srgbClr val="000000"/>
                     </a:solidFill>
@@ -9354,7 +9355,7 @@
               </a:ln>
               <a:extLst>
                 <a:ext uri="{91240B29-F687-4f45-9708-019B960494DF}">
-                  <a14:hiddenLine xmlns="" xmlns:a14="http://schemas.microsoft.com/office/drawing/2010/main" w="9525">
+                  <a14:hiddenLine xmlns:a14="http://schemas.microsoft.com/office/drawing/2010/main" xmlns="" w="9525">
                     <a:solidFill>
                       <a:srgbClr val="000000"/>
                     </a:solidFill>
@@ -9444,7 +9445,7 @@
               </a:ln>
               <a:extLst>
                 <a:ext uri="{91240B29-F687-4f45-9708-019B960494DF}">
-                  <a14:hiddenLine xmlns="" xmlns:a14="http://schemas.microsoft.com/office/drawing/2010/main" w="9525">
+                  <a14:hiddenLine xmlns:a14="http://schemas.microsoft.com/office/drawing/2010/main" xmlns="" w="9525">
                     <a:solidFill>
                       <a:srgbClr val="000000"/>
                     </a:solidFill>
@@ -9506,7 +9507,7 @@
               </a:ln>
               <a:extLst>
                 <a:ext uri="{91240B29-F687-4f45-9708-019B960494DF}">
-                  <a14:hiddenLine xmlns="" xmlns:a14="http://schemas.microsoft.com/office/drawing/2010/main" w="9525">
+                  <a14:hiddenLine xmlns:a14="http://schemas.microsoft.com/office/drawing/2010/main" xmlns="" w="9525">
                     <a:solidFill>
                       <a:srgbClr val="000000"/>
                     </a:solidFill>
@@ -9568,7 +9569,7 @@
               </a:ln>
               <a:extLst>
                 <a:ext uri="{91240B29-F687-4f45-9708-019B960494DF}">
-                  <a14:hiddenLine xmlns="" xmlns:a14="http://schemas.microsoft.com/office/drawing/2010/main" w="9525">
+                  <a14:hiddenLine xmlns:a14="http://schemas.microsoft.com/office/drawing/2010/main" xmlns="" w="9525">
                     <a:solidFill>
                       <a:srgbClr val="000000"/>
                     </a:solidFill>
@@ -9658,7 +9659,7 @@
               </a:ln>
               <a:extLst>
                 <a:ext uri="{91240B29-F687-4f45-9708-019B960494DF}">
-                  <a14:hiddenLine xmlns="" xmlns:a14="http://schemas.microsoft.com/office/drawing/2010/main" w="9525">
+                  <a14:hiddenLine xmlns:a14="http://schemas.microsoft.com/office/drawing/2010/main" xmlns="" w="9525">
                     <a:solidFill>
                       <a:srgbClr val="000000"/>
                     </a:solidFill>
@@ -9748,7 +9749,7 @@
               </a:ln>
               <a:extLst>
                 <a:ext uri="{91240B29-F687-4f45-9708-019B960494DF}">
-                  <a14:hiddenLine xmlns="" xmlns:a14="http://schemas.microsoft.com/office/drawing/2010/main" w="9525">
+                  <a14:hiddenLine xmlns:a14="http://schemas.microsoft.com/office/drawing/2010/main" xmlns="" w="9525">
                     <a:solidFill>
                       <a:srgbClr val="000000"/>
                     </a:solidFill>
@@ -9810,7 +9811,7 @@
               </a:ln>
               <a:extLst>
                 <a:ext uri="{91240B29-F687-4f45-9708-019B960494DF}">
-                  <a14:hiddenLine xmlns="" xmlns:a14="http://schemas.microsoft.com/office/drawing/2010/main" w="9525">
+                  <a14:hiddenLine xmlns:a14="http://schemas.microsoft.com/office/drawing/2010/main" xmlns="" w="9525">
                     <a:solidFill>
                       <a:srgbClr val="000000"/>
                     </a:solidFill>
@@ -9920,7 +9921,7 @@
               </a:ln>
               <a:extLst>
                 <a:ext uri="{91240B29-F687-4f45-9708-019B960494DF}">
-                  <a14:hiddenLine xmlns="" xmlns:a14="http://schemas.microsoft.com/office/drawing/2010/main" w="9525">
+                  <a14:hiddenLine xmlns:a14="http://schemas.microsoft.com/office/drawing/2010/main" xmlns="" w="9525">
                     <a:solidFill>
                       <a:srgbClr val="000000"/>
                     </a:solidFill>
@@ -10004,7 +10005,7 @@
               </a:ln>
               <a:extLst>
                 <a:ext uri="{91240B29-F687-4f45-9708-019B960494DF}">
-                  <a14:hiddenLine xmlns="" xmlns:a14="http://schemas.microsoft.com/office/drawing/2010/main" w="9525">
+                  <a14:hiddenLine xmlns:a14="http://schemas.microsoft.com/office/drawing/2010/main" xmlns="" w="9525">
                     <a:solidFill>
                       <a:srgbClr val="000000"/>
                     </a:solidFill>
@@ -10066,7 +10067,7 @@
               </a:ln>
               <a:extLst>
                 <a:ext uri="{91240B29-F687-4f45-9708-019B960494DF}">
-                  <a14:hiddenLine xmlns="" xmlns:a14="http://schemas.microsoft.com/office/drawing/2010/main" w="9525">
+                  <a14:hiddenLine xmlns:a14="http://schemas.microsoft.com/office/drawing/2010/main" xmlns="" w="9525">
                     <a:solidFill>
                       <a:srgbClr val="000000"/>
                     </a:solidFill>
@@ -10128,7 +10129,7 @@
               </a:ln>
               <a:extLst>
                 <a:ext uri="{91240B29-F687-4f45-9708-019B960494DF}">
-                  <a14:hiddenLine xmlns="" xmlns:a14="http://schemas.microsoft.com/office/drawing/2010/main" w="9525">
+                  <a14:hiddenLine xmlns:a14="http://schemas.microsoft.com/office/drawing/2010/main" xmlns="" w="9525">
                     <a:solidFill>
                       <a:srgbClr val="000000"/>
                     </a:solidFill>
@@ -10218,7 +10219,7 @@
               </a:ln>
               <a:extLst>
                 <a:ext uri="{91240B29-F687-4f45-9708-019B960494DF}">
-                  <a14:hiddenLine xmlns="" xmlns:a14="http://schemas.microsoft.com/office/drawing/2010/main" w="9525">
+                  <a14:hiddenLine xmlns:a14="http://schemas.microsoft.com/office/drawing/2010/main" xmlns="" w="9525">
                     <a:solidFill>
                       <a:srgbClr val="000000"/>
                     </a:solidFill>
@@ -10252,7 +10253,7 @@
               </a:ln>
               <a:extLst>
                 <a:ext uri="{91240B29-F687-4f45-9708-019B960494DF}">
-                  <a14:hiddenLine xmlns="" xmlns:a14="http://schemas.microsoft.com/office/drawing/2010/main" w="9525">
+                  <a14:hiddenLine xmlns:a14="http://schemas.microsoft.com/office/drawing/2010/main" xmlns="" w="9525">
                     <a:solidFill>
                       <a:srgbClr val="000000"/>
                     </a:solidFill>
@@ -10317,7 +10318,7 @@
               </a:ln>
               <a:extLst>
                 <a:ext uri="{91240B29-F687-4f45-9708-019B960494DF}">
-                  <a14:hiddenLine xmlns="" xmlns:a14="http://schemas.microsoft.com/office/drawing/2010/main" w="9525">
+                  <a14:hiddenLine xmlns:a14="http://schemas.microsoft.com/office/drawing/2010/main" xmlns="" w="9525">
                     <a:solidFill>
                       <a:srgbClr val="000000"/>
                     </a:solidFill>
@@ -10407,7 +10408,7 @@
               </a:ln>
               <a:extLst>
                 <a:ext uri="{91240B29-F687-4f45-9708-019B960494DF}">
-                  <a14:hiddenLine xmlns="" xmlns:a14="http://schemas.microsoft.com/office/drawing/2010/main" w="9525">
+                  <a14:hiddenLine xmlns:a14="http://schemas.microsoft.com/office/drawing/2010/main" xmlns="" w="9525">
                     <a:solidFill>
                       <a:srgbClr val="000000"/>
                     </a:solidFill>
@@ -10469,7 +10470,7 @@
               </a:ln>
               <a:extLst>
                 <a:ext uri="{91240B29-F687-4f45-9708-019B960494DF}">
-                  <a14:hiddenLine xmlns="" xmlns:a14="http://schemas.microsoft.com/office/drawing/2010/main" w="9525">
+                  <a14:hiddenLine xmlns:a14="http://schemas.microsoft.com/office/drawing/2010/main" xmlns="" w="9525">
                     <a:solidFill>
                       <a:srgbClr val="000000"/>
                     </a:solidFill>
@@ -10559,7 +10560,7 @@
               </a:ln>
               <a:extLst>
                 <a:ext uri="{91240B29-F687-4f45-9708-019B960494DF}">
-                  <a14:hiddenLine xmlns="" xmlns:a14="http://schemas.microsoft.com/office/drawing/2010/main" w="9525">
+                  <a14:hiddenLine xmlns:a14="http://schemas.microsoft.com/office/drawing/2010/main" xmlns="" w="9525">
                     <a:solidFill>
                       <a:srgbClr val="000000"/>
                     </a:solidFill>
@@ -10624,7 +10625,7 @@
               </a:ln>
               <a:extLst>
                 <a:ext uri="{91240B29-F687-4f45-9708-019B960494DF}">
-                  <a14:hiddenLine xmlns="" xmlns:a14="http://schemas.microsoft.com/office/drawing/2010/main" w="9525">
+                  <a14:hiddenLine xmlns:a14="http://schemas.microsoft.com/office/drawing/2010/main" xmlns="" w="9525">
                     <a:solidFill>
                       <a:srgbClr val="000000"/>
                     </a:solidFill>
@@ -10686,7 +10687,7 @@
               </a:ln>
               <a:extLst>
                 <a:ext uri="{91240B29-F687-4f45-9708-019B960494DF}">
-                  <a14:hiddenLine xmlns="" xmlns:a14="http://schemas.microsoft.com/office/drawing/2010/main" w="9525">
+                  <a14:hiddenLine xmlns:a14="http://schemas.microsoft.com/office/drawing/2010/main" xmlns="" w="9525">
                     <a:solidFill>
                       <a:srgbClr val="000000"/>
                     </a:solidFill>
@@ -10776,7 +10777,7 @@
               </a:ln>
               <a:extLst>
                 <a:ext uri="{91240B29-F687-4f45-9708-019B960494DF}">
-                  <a14:hiddenLine xmlns="" xmlns:a14="http://schemas.microsoft.com/office/drawing/2010/main" w="9525">
+                  <a14:hiddenLine xmlns:a14="http://schemas.microsoft.com/office/drawing/2010/main" xmlns="" w="9525">
                     <a:solidFill>
                       <a:srgbClr val="000000"/>
                     </a:solidFill>
@@ -10866,7 +10867,7 @@
               </a:ln>
               <a:extLst>
                 <a:ext uri="{91240B29-F687-4f45-9708-019B960494DF}">
-                  <a14:hiddenLine xmlns="" xmlns:a14="http://schemas.microsoft.com/office/drawing/2010/main" w="9525">
+                  <a14:hiddenLine xmlns:a14="http://schemas.microsoft.com/office/drawing/2010/main" xmlns="" w="9525">
                     <a:solidFill>
                       <a:srgbClr val="000000"/>
                     </a:solidFill>
@@ -10931,7 +10932,7 @@
               </a:ln>
               <a:extLst>
                 <a:ext uri="{91240B29-F687-4f45-9708-019B960494DF}">
-                  <a14:hiddenLine xmlns="" xmlns:a14="http://schemas.microsoft.com/office/drawing/2010/main" w="9525">
+                  <a14:hiddenLine xmlns:a14="http://schemas.microsoft.com/office/drawing/2010/main" xmlns="" w="9525">
                     <a:solidFill>
                       <a:srgbClr val="000000"/>
                     </a:solidFill>
@@ -11051,7 +11052,7 @@
               </a:ln>
               <a:extLst>
                 <a:ext uri="{91240B29-F687-4f45-9708-019B960494DF}">
-                  <a14:hiddenLine xmlns="" xmlns:a14="http://schemas.microsoft.com/office/drawing/2010/main" w="9525">
+                  <a14:hiddenLine xmlns:a14="http://schemas.microsoft.com/office/drawing/2010/main" xmlns="" w="9525">
                     <a:solidFill>
                       <a:srgbClr val="000000"/>
                     </a:solidFill>
@@ -11149,7 +11150,7 @@
               </a:ln>
               <a:extLst>
                 <a:ext uri="{91240B29-F687-4f45-9708-019B960494DF}">
-                  <a14:hiddenLine xmlns="" xmlns:a14="http://schemas.microsoft.com/office/drawing/2010/main" w="9525">
+                  <a14:hiddenLine xmlns:a14="http://schemas.microsoft.com/office/drawing/2010/main" xmlns="" w="9525">
                     <a:solidFill>
                       <a:srgbClr val="000000"/>
                     </a:solidFill>
@@ -11264,7 +11265,7 @@
               </a:ln>
               <a:extLst>
                 <a:ext uri="{91240B29-F687-4f45-9708-019B960494DF}">
-                  <a14:hiddenLine xmlns="" xmlns:a14="http://schemas.microsoft.com/office/drawing/2010/main" w="9525">
+                  <a14:hiddenLine xmlns:a14="http://schemas.microsoft.com/office/drawing/2010/main" xmlns="" w="9525">
                     <a:solidFill>
                       <a:srgbClr val="000000"/>
                     </a:solidFill>
@@ -11354,7 +11355,7 @@
               </a:ln>
               <a:extLst>
                 <a:ext uri="{91240B29-F687-4f45-9708-019B960494DF}">
-                  <a14:hiddenLine xmlns="" xmlns:a14="http://schemas.microsoft.com/office/drawing/2010/main" w="9525">
+                  <a14:hiddenLine xmlns:a14="http://schemas.microsoft.com/office/drawing/2010/main" xmlns="" w="9525">
                     <a:solidFill>
                       <a:srgbClr val="000000"/>
                     </a:solidFill>
@@ -11419,7 +11420,7 @@
               </a:ln>
               <a:extLst>
                 <a:ext uri="{91240B29-F687-4f45-9708-019B960494DF}">
-                  <a14:hiddenLine xmlns="" xmlns:a14="http://schemas.microsoft.com/office/drawing/2010/main" w="9525">
+                  <a14:hiddenLine xmlns:a14="http://schemas.microsoft.com/office/drawing/2010/main" xmlns="" w="9525">
                     <a:solidFill>
                       <a:srgbClr val="000000"/>
                     </a:solidFill>
@@ -11509,7 +11510,7 @@
               </a:ln>
               <a:extLst>
                 <a:ext uri="{91240B29-F687-4f45-9708-019B960494DF}">
-                  <a14:hiddenLine xmlns="" xmlns:a14="http://schemas.microsoft.com/office/drawing/2010/main" w="9525">
+                  <a14:hiddenLine xmlns:a14="http://schemas.microsoft.com/office/drawing/2010/main" xmlns="" w="9525">
                     <a:solidFill>
                       <a:srgbClr val="000000"/>
                     </a:solidFill>
@@ -11577,7 +11578,7 @@
               </a:ln>
               <a:extLst>
                 <a:ext uri="{91240B29-F687-4f45-9708-019B960494DF}">
-                  <a14:hiddenLine xmlns="" xmlns:a14="http://schemas.microsoft.com/office/drawing/2010/main" w="9525">
+                  <a14:hiddenLine xmlns:a14="http://schemas.microsoft.com/office/drawing/2010/main" xmlns="" w="9525">
                     <a:solidFill>
                       <a:srgbClr val="000000"/>
                     </a:solidFill>
@@ -11667,7 +11668,7 @@
               </a:ln>
               <a:extLst>
                 <a:ext uri="{91240B29-F687-4f45-9708-019B960494DF}">
-                  <a14:hiddenLine xmlns="" xmlns:a14="http://schemas.microsoft.com/office/drawing/2010/main" w="9525">
+                  <a14:hiddenLine xmlns:a14="http://schemas.microsoft.com/office/drawing/2010/main" xmlns="" w="9525">
                     <a:solidFill>
                       <a:srgbClr val="000000"/>
                     </a:solidFill>
@@ -11735,7 +11736,7 @@
               </a:ln>
               <a:extLst>
                 <a:ext uri="{91240B29-F687-4f45-9708-019B960494DF}">
-                  <a14:hiddenLine xmlns="" xmlns:a14="http://schemas.microsoft.com/office/drawing/2010/main" w="9525">
+                  <a14:hiddenLine xmlns:a14="http://schemas.microsoft.com/office/drawing/2010/main" xmlns="" w="9525">
                     <a:solidFill>
                       <a:srgbClr val="000000"/>
                     </a:solidFill>
@@ -11825,7 +11826,7 @@
               </a:ln>
               <a:extLst>
                 <a:ext uri="{91240B29-F687-4f45-9708-019B960494DF}">
-                  <a14:hiddenLine xmlns="" xmlns:a14="http://schemas.microsoft.com/office/drawing/2010/main" w="9525">
+                  <a14:hiddenLine xmlns:a14="http://schemas.microsoft.com/office/drawing/2010/main" xmlns="" w="9525">
                     <a:solidFill>
                       <a:srgbClr val="000000"/>
                     </a:solidFill>
@@ -11859,7 +11860,7 @@
               </a:ln>
               <a:extLst>
                 <a:ext uri="{91240B29-F687-4f45-9708-019B960494DF}">
-                  <a14:hiddenLine xmlns="" xmlns:a14="http://schemas.microsoft.com/office/drawing/2010/main" w="9525">
+                  <a14:hiddenLine xmlns:a14="http://schemas.microsoft.com/office/drawing/2010/main" xmlns="" w="9525">
                     <a:solidFill>
                       <a:srgbClr val="000000"/>
                     </a:solidFill>
@@ -12000,7 +12001,7 @@
             <a:fld id="{48A87A34-81AB-432B-8DAE-1953F412C126}" type="datetimeFigureOut">
               <a:rPr lang="en-US" dirty="0"/>
               <a:pPr/>
-              <a:t>7/10/2016</a:t>
+              <a:t>7/22/2016</a:t>
             </a:fld>
             <a:endParaRPr lang="en-US" dirty="0"/>
           </a:p>
@@ -12458,7 +12459,6 @@
               <a:rPr lang="en-US" dirty="0" smtClean="0"/>
               <a:t>Vice President Introduction</a:t>
             </a:r>
-            <a:endParaRPr lang="en-US" dirty="0" smtClean="0"/>
           </a:p>
           <a:p>
             <a:r>
@@ -12471,7 +12471,6 @@
               <a:rPr lang="en-US" dirty="0" smtClean="0"/>
               <a:t>Tech Talks</a:t>
             </a:r>
-            <a:endParaRPr lang="en-US" dirty="0" smtClean="0"/>
           </a:p>
           <a:p>
             <a:r>
@@ -12498,11 +12497,11 @@
   <p:clrMapOvr>
     <a:masterClrMapping/>
   </p:clrMapOvr>
-  <mc:AlternateContent xmlns:mc="http://schemas.openxmlformats.org/markup-compatibility/2006">
-    <mc:Choice xmlns:p14="http://schemas.microsoft.com/office/powerpoint/2010/main" Requires="p14">
+  <mc:AlternateContent xmlns:mc="http://schemas.openxmlformats.org/markup-compatibility/2006" xmlns:p14="http://schemas.microsoft.com/office/powerpoint/2010/main">
+    <mc:Choice Requires="p14">
       <p:transition p14:dur="10"/>
     </mc:Choice>
-    <mc:Fallback>
+    <mc:Fallback xmlns="">
       <p:transition/>
     </mc:Fallback>
   </mc:AlternateContent>
@@ -17928,6 +17927,108 @@
           <a:p>
             <a:r>
               <a:rPr lang="en-US" dirty="0" smtClean="0"/>
+              <a:t>Is PROGRAMMING right for you?	</a:t>
+            </a:r>
+            <a:endParaRPr lang="en-US" dirty="0"/>
+          </a:p>
+        </p:txBody>
+      </p:sp>
+      <p:sp>
+        <p:nvSpPr>
+          <p:cNvPr id="3" name="Content Placeholder 2"/>
+          <p:cNvSpPr>
+            <a:spLocks noGrp="1"/>
+          </p:cNvSpPr>
+          <p:nvPr>
+            <p:ph idx="1"/>
+          </p:nvPr>
+        </p:nvSpPr>
+        <p:spPr/>
+        <p:txBody>
+          <a:bodyPr/>
+          <a:lstStyle/>
+          <a:p>
+            <a:r>
+              <a:rPr lang="en-US" dirty="0" smtClean="0"/>
+              <a:t>Ability to focus and solve complex problems</a:t>
+            </a:r>
+          </a:p>
+          <a:p>
+            <a:r>
+              <a:rPr lang="en-US" dirty="0" smtClean="0"/>
+              <a:t>Doesn’t mind being isolated most of the day</a:t>
+            </a:r>
+          </a:p>
+          <a:p>
+            <a:r>
+              <a:rPr lang="en-US" dirty="0" smtClean="0"/>
+              <a:t>Good written communication skills</a:t>
+            </a:r>
+          </a:p>
+          <a:p>
+            <a:r>
+              <a:rPr lang="en-US" dirty="0" smtClean="0"/>
+              <a:t>Patience</a:t>
+            </a:r>
+          </a:p>
+          <a:p>
+            <a:r>
+              <a:rPr lang="en-US" dirty="0" smtClean="0"/>
+              <a:t>Loves to learn new technologies</a:t>
+            </a:r>
+          </a:p>
+          <a:p>
+            <a:endParaRPr lang="en-US" dirty="0"/>
+          </a:p>
+        </p:txBody>
+      </p:sp>
+    </p:spTree>
+    <p:extLst>
+      <p:ext uri="{BB962C8B-B14F-4D97-AF65-F5344CB8AC3E}">
+        <p14:creationId xmlns:p14="http://schemas.microsoft.com/office/powerpoint/2010/main" val="1150422618"/>
+      </p:ext>
+    </p:extLst>
+  </p:cSld>
+  <p:clrMapOvr>
+    <a:masterClrMapping/>
+  </p:clrMapOvr>
+</p:sld>
+</file>
+
+<file path=ppt/slides/slide25.xml><?xml version="1.0" encoding="utf-8"?>
+<p:sld xmlns:a="http://schemas.openxmlformats.org/drawingml/2006/main" xmlns:r="http://schemas.openxmlformats.org/officeDocument/2006/relationships" xmlns:p="http://schemas.openxmlformats.org/presentationml/2006/main">
+  <p:cSld>
+    <p:spTree>
+      <p:nvGrpSpPr>
+        <p:cNvPr id="1" name=""/>
+        <p:cNvGrpSpPr/>
+        <p:nvPr/>
+      </p:nvGrpSpPr>
+      <p:grpSpPr>
+        <a:xfrm>
+          <a:off x="0" y="0"/>
+          <a:ext cx="0" cy="0"/>
+          <a:chOff x="0" y="0"/>
+          <a:chExt cx="0" cy="0"/>
+        </a:xfrm>
+      </p:grpSpPr>
+      <p:sp>
+        <p:nvSpPr>
+          <p:cNvPr id="2" name="Title 1"/>
+          <p:cNvSpPr>
+            <a:spLocks noGrp="1"/>
+          </p:cNvSpPr>
+          <p:nvPr>
+            <p:ph type="title"/>
+          </p:nvPr>
+        </p:nvSpPr>
+        <p:spPr/>
+        <p:txBody>
+          <a:bodyPr/>
+          <a:lstStyle/>
+          <a:p>
+            <a:r>
+              <a:rPr lang="en-US" dirty="0" smtClean="0"/>
               <a:t>My Day at Software &amp; Services</a:t>
             </a:r>
             <a:endParaRPr lang="en-US" dirty="0"/>
@@ -17959,13 +18060,8 @@
           <a:p>
             <a:r>
               <a:rPr lang="en-US" dirty="0" smtClean="0"/>
-              <a:t>Start the </a:t>
+              <a:t>Start the coffee</a:t>
             </a:r>
-            <a:r>
-              <a:rPr lang="en-US" dirty="0" smtClean="0"/>
-              <a:t>coffee</a:t>
-            </a:r>
-            <a:endParaRPr lang="en-US" dirty="0" smtClean="0"/>
           </a:p>
           <a:p>
             <a:r>
@@ -21375,13 +21471,8 @@
           <a:p>
             <a:r>
               <a:rPr lang="en-US" dirty="0" smtClean="0"/>
-              <a:t>Manages the support and development of one or </a:t>
+              <a:t>Manages the support and development of one or more major applications</a:t>
             </a:r>
-            <a:r>
-              <a:rPr lang="en-US" dirty="0" smtClean="0"/>
-              <a:t>more major applications</a:t>
-            </a:r>
-            <a:endParaRPr lang="en-US" dirty="0" smtClean="0"/>
           </a:p>
           <a:p>
             <a:r>

--- a/PowerPointSlids.pptx
+++ b/PowerPointSlids.pptx
@@ -197,7 +197,7 @@
           <a:noFill/>
           <a:extLst>
             <a:ext uri="{909E8E84-426E-40dd-AFC4-6F175D3DCCD1}">
-              <a14:hiddenFill xmlns:a14="http://schemas.microsoft.com/office/drawing/2010/main" xmlns="">
+              <a14:hiddenFill xmlns="" xmlns:a14="http://schemas.microsoft.com/office/drawing/2010/main">
                 <a:solidFill>
                   <a:srgbClr val="FFFFFF"/>
                 </a:solidFill>
@@ -257,7 +257,7 @@
             </a:ln>
             <a:extLst>
               <a:ext uri="{91240B29-F687-4f45-9708-019B960494DF}">
-                <a14:hiddenLine xmlns:a14="http://schemas.microsoft.com/office/drawing/2010/main" xmlns="" w="9525">
+                <a14:hiddenLine xmlns="" xmlns:a14="http://schemas.microsoft.com/office/drawing/2010/main" w="9525">
                   <a:solidFill>
                     <a:srgbClr val="000000"/>
                   </a:solidFill>
@@ -347,7 +347,7 @@
             </a:ln>
             <a:extLst>
               <a:ext uri="{91240B29-F687-4f45-9708-019B960494DF}">
-                <a14:hiddenLine xmlns:a14="http://schemas.microsoft.com/office/drawing/2010/main" xmlns="" w="9525">
+                <a14:hiddenLine xmlns="" xmlns:a14="http://schemas.microsoft.com/office/drawing/2010/main" w="9525">
                   <a:solidFill>
                     <a:srgbClr val="000000"/>
                   </a:solidFill>
@@ -437,7 +437,7 @@
             </a:ln>
             <a:extLst>
               <a:ext uri="{91240B29-F687-4f45-9708-019B960494DF}">
-                <a14:hiddenLine xmlns:a14="http://schemas.microsoft.com/office/drawing/2010/main" xmlns="" w="9525">
+                <a14:hiddenLine xmlns="" xmlns:a14="http://schemas.microsoft.com/office/drawing/2010/main" w="9525">
                   <a:solidFill>
                     <a:srgbClr val="000000"/>
                   </a:solidFill>
@@ -471,7 +471,7 @@
             </a:ln>
             <a:extLst>
               <a:ext uri="{91240B29-F687-4f45-9708-019B960494DF}">
-                <a14:hiddenLine xmlns:a14="http://schemas.microsoft.com/office/drawing/2010/main" xmlns="" w="9525">
+                <a14:hiddenLine xmlns="" xmlns:a14="http://schemas.microsoft.com/office/drawing/2010/main" w="9525">
                   <a:solidFill>
                     <a:srgbClr val="000000"/>
                   </a:solidFill>
@@ -561,7 +561,7 @@
             </a:ln>
             <a:extLst>
               <a:ext uri="{91240B29-F687-4f45-9708-019B960494DF}">
-                <a14:hiddenLine xmlns:a14="http://schemas.microsoft.com/office/drawing/2010/main" xmlns="" w="9525">
+                <a14:hiddenLine xmlns="" xmlns:a14="http://schemas.microsoft.com/office/drawing/2010/main" w="9525">
                   <a:solidFill>
                     <a:srgbClr val="000000"/>
                   </a:solidFill>
@@ -623,7 +623,7 @@
             </a:ln>
             <a:extLst>
               <a:ext uri="{91240B29-F687-4f45-9708-019B960494DF}">
-                <a14:hiddenLine xmlns:a14="http://schemas.microsoft.com/office/drawing/2010/main" xmlns="" w="9525">
+                <a14:hiddenLine xmlns="" xmlns:a14="http://schemas.microsoft.com/office/drawing/2010/main" w="9525">
                   <a:solidFill>
                     <a:srgbClr val="000000"/>
                   </a:solidFill>
@@ -685,7 +685,7 @@
             </a:ln>
             <a:extLst>
               <a:ext uri="{91240B29-F687-4f45-9708-019B960494DF}">
-                <a14:hiddenLine xmlns:a14="http://schemas.microsoft.com/office/drawing/2010/main" xmlns="" w="9525">
+                <a14:hiddenLine xmlns="" xmlns:a14="http://schemas.microsoft.com/office/drawing/2010/main" w="9525">
                   <a:solidFill>
                     <a:srgbClr val="000000"/>
                   </a:solidFill>
@@ -775,7 +775,7 @@
             </a:ln>
             <a:extLst>
               <a:ext uri="{91240B29-F687-4f45-9708-019B960494DF}">
-                <a14:hiddenLine xmlns:a14="http://schemas.microsoft.com/office/drawing/2010/main" xmlns="" w="9525">
+                <a14:hiddenLine xmlns="" xmlns:a14="http://schemas.microsoft.com/office/drawing/2010/main" w="9525">
                   <a:solidFill>
                     <a:srgbClr val="000000"/>
                   </a:solidFill>
@@ -837,7 +837,7 @@
             </a:ln>
             <a:extLst>
               <a:ext uri="{91240B29-F687-4f45-9708-019B960494DF}">
-                <a14:hiddenLine xmlns:a14="http://schemas.microsoft.com/office/drawing/2010/main" xmlns="" w="9525">
+                <a14:hiddenLine xmlns="" xmlns:a14="http://schemas.microsoft.com/office/drawing/2010/main" w="9525">
                   <a:solidFill>
                     <a:srgbClr val="000000"/>
                   </a:solidFill>
@@ -899,7 +899,7 @@
             </a:ln>
             <a:extLst>
               <a:ext uri="{91240B29-F687-4f45-9708-019B960494DF}">
-                <a14:hiddenLine xmlns:a14="http://schemas.microsoft.com/office/drawing/2010/main" xmlns="" w="9525">
+                <a14:hiddenLine xmlns="" xmlns:a14="http://schemas.microsoft.com/office/drawing/2010/main" w="9525">
                   <a:solidFill>
                     <a:srgbClr val="000000"/>
                   </a:solidFill>
@@ -989,7 +989,7 @@
             </a:ln>
             <a:extLst>
               <a:ext uri="{91240B29-F687-4f45-9708-019B960494DF}">
-                <a14:hiddenLine xmlns:a14="http://schemas.microsoft.com/office/drawing/2010/main" xmlns="" w="9525">
+                <a14:hiddenLine xmlns="" xmlns:a14="http://schemas.microsoft.com/office/drawing/2010/main" w="9525">
                   <a:solidFill>
                     <a:srgbClr val="000000"/>
                   </a:solidFill>
@@ -1079,7 +1079,7 @@
             </a:ln>
             <a:extLst>
               <a:ext uri="{91240B29-F687-4f45-9708-019B960494DF}">
-                <a14:hiddenLine xmlns:a14="http://schemas.microsoft.com/office/drawing/2010/main" xmlns="" w="9525">
+                <a14:hiddenLine xmlns="" xmlns:a14="http://schemas.microsoft.com/office/drawing/2010/main" w="9525">
                   <a:solidFill>
                     <a:srgbClr val="000000"/>
                   </a:solidFill>
@@ -1141,7 +1141,7 @@
             </a:ln>
             <a:extLst>
               <a:ext uri="{91240B29-F687-4f45-9708-019B960494DF}">
-                <a14:hiddenLine xmlns:a14="http://schemas.microsoft.com/office/drawing/2010/main" xmlns="" w="9525">
+                <a14:hiddenLine xmlns="" xmlns:a14="http://schemas.microsoft.com/office/drawing/2010/main" w="9525">
                   <a:solidFill>
                     <a:srgbClr val="000000"/>
                   </a:solidFill>
@@ -1251,7 +1251,7 @@
             </a:ln>
             <a:extLst>
               <a:ext uri="{91240B29-F687-4f45-9708-019B960494DF}">
-                <a14:hiddenLine xmlns:a14="http://schemas.microsoft.com/office/drawing/2010/main" xmlns="" w="9525">
+                <a14:hiddenLine xmlns="" xmlns:a14="http://schemas.microsoft.com/office/drawing/2010/main" w="9525">
                   <a:solidFill>
                     <a:srgbClr val="000000"/>
                   </a:solidFill>
@@ -1313,7 +1313,7 @@
             </a:ln>
             <a:extLst>
               <a:ext uri="{91240B29-F687-4f45-9708-019B960494DF}">
-                <a14:hiddenLine xmlns:a14="http://schemas.microsoft.com/office/drawing/2010/main" xmlns="" w="9525">
+                <a14:hiddenLine xmlns="" xmlns:a14="http://schemas.microsoft.com/office/drawing/2010/main" w="9525">
                   <a:solidFill>
                     <a:srgbClr val="000000"/>
                   </a:solidFill>
@@ -1403,7 +1403,7 @@
             </a:ln>
             <a:extLst>
               <a:ext uri="{91240B29-F687-4f45-9708-019B960494DF}">
-                <a14:hiddenLine xmlns:a14="http://schemas.microsoft.com/office/drawing/2010/main" xmlns="" w="9525">
+                <a14:hiddenLine xmlns="" xmlns:a14="http://schemas.microsoft.com/office/drawing/2010/main" w="9525">
                   <a:solidFill>
                     <a:srgbClr val="000000"/>
                   </a:solidFill>
@@ -1493,7 +1493,7 @@
             </a:ln>
             <a:extLst>
               <a:ext uri="{91240B29-F687-4f45-9708-019B960494DF}">
-                <a14:hiddenLine xmlns:a14="http://schemas.microsoft.com/office/drawing/2010/main" xmlns="" w="9525">
+                <a14:hiddenLine xmlns="" xmlns:a14="http://schemas.microsoft.com/office/drawing/2010/main" w="9525">
                   <a:solidFill>
                     <a:srgbClr val="000000"/>
                   </a:solidFill>
@@ -1555,7 +1555,7 @@
             </a:ln>
             <a:extLst>
               <a:ext uri="{91240B29-F687-4f45-9708-019B960494DF}">
-                <a14:hiddenLine xmlns:a14="http://schemas.microsoft.com/office/drawing/2010/main" xmlns="" w="9525">
+                <a14:hiddenLine xmlns="" xmlns:a14="http://schemas.microsoft.com/office/drawing/2010/main" w="9525">
                   <a:solidFill>
                     <a:srgbClr val="000000"/>
                   </a:solidFill>
@@ -1645,7 +1645,7 @@
             </a:ln>
             <a:extLst>
               <a:ext uri="{91240B29-F687-4f45-9708-019B960494DF}">
-                <a14:hiddenLine xmlns:a14="http://schemas.microsoft.com/office/drawing/2010/main" xmlns="" w="9525">
+                <a14:hiddenLine xmlns="" xmlns:a14="http://schemas.microsoft.com/office/drawing/2010/main" w="9525">
                   <a:solidFill>
                     <a:srgbClr val="000000"/>
                   </a:solidFill>
@@ -1735,7 +1735,7 @@
             </a:ln>
             <a:extLst>
               <a:ext uri="{91240B29-F687-4f45-9708-019B960494DF}">
-                <a14:hiddenLine xmlns:a14="http://schemas.microsoft.com/office/drawing/2010/main" xmlns="" w="9525">
+                <a14:hiddenLine xmlns="" xmlns:a14="http://schemas.microsoft.com/office/drawing/2010/main" w="9525">
                   <a:solidFill>
                     <a:srgbClr val="000000"/>
                   </a:solidFill>
@@ -1791,7 +1791,7 @@
             </a:ln>
             <a:extLst>
               <a:ext uri="{91240B29-F687-4f45-9708-019B960494DF}">
-                <a14:hiddenLine xmlns:a14="http://schemas.microsoft.com/office/drawing/2010/main" xmlns="" w="9525">
+                <a14:hiddenLine xmlns="" xmlns:a14="http://schemas.microsoft.com/office/drawing/2010/main" w="9525">
                   <a:solidFill>
                     <a:srgbClr val="000000"/>
                   </a:solidFill>
@@ -1881,7 +1881,7 @@
             </a:ln>
             <a:extLst>
               <a:ext uri="{91240B29-F687-4f45-9708-019B960494DF}">
-                <a14:hiddenLine xmlns:a14="http://schemas.microsoft.com/office/drawing/2010/main" xmlns="" w="9525">
+                <a14:hiddenLine xmlns="" xmlns:a14="http://schemas.microsoft.com/office/drawing/2010/main" w="9525">
                   <a:solidFill>
                     <a:srgbClr val="000000"/>
                   </a:solidFill>
@@ -1937,7 +1937,7 @@
             </a:ln>
             <a:extLst>
               <a:ext uri="{91240B29-F687-4f45-9708-019B960494DF}">
-                <a14:hiddenLine xmlns:a14="http://schemas.microsoft.com/office/drawing/2010/main" xmlns="" w="9525">
+                <a14:hiddenLine xmlns="" xmlns:a14="http://schemas.microsoft.com/office/drawing/2010/main" w="9525">
                   <a:solidFill>
                     <a:srgbClr val="000000"/>
                   </a:solidFill>
@@ -2027,7 +2027,7 @@
             </a:ln>
             <a:extLst>
               <a:ext uri="{91240B29-F687-4f45-9708-019B960494DF}">
-                <a14:hiddenLine xmlns:a14="http://schemas.microsoft.com/office/drawing/2010/main" xmlns="" w="9525">
+                <a14:hiddenLine xmlns="" xmlns:a14="http://schemas.microsoft.com/office/drawing/2010/main" w="9525">
                   <a:solidFill>
                     <a:srgbClr val="000000"/>
                   </a:solidFill>
@@ -2095,7 +2095,7 @@
             </a:ln>
             <a:extLst>
               <a:ext uri="{91240B29-F687-4f45-9708-019B960494DF}">
-                <a14:hiddenLine xmlns:a14="http://schemas.microsoft.com/office/drawing/2010/main" xmlns="" w="9525">
+                <a14:hiddenLine xmlns="" xmlns:a14="http://schemas.microsoft.com/office/drawing/2010/main" w="9525">
                   <a:solidFill>
                     <a:srgbClr val="000000"/>
                   </a:solidFill>
@@ -2185,7 +2185,7 @@
             </a:ln>
             <a:extLst>
               <a:ext uri="{91240B29-F687-4f45-9708-019B960494DF}">
-                <a14:hiddenLine xmlns:a14="http://schemas.microsoft.com/office/drawing/2010/main" xmlns="" w="9525">
+                <a14:hiddenLine xmlns="" xmlns:a14="http://schemas.microsoft.com/office/drawing/2010/main" w="9525">
                   <a:solidFill>
                     <a:srgbClr val="000000"/>
                   </a:solidFill>
@@ -2253,7 +2253,7 @@
             </a:ln>
             <a:extLst>
               <a:ext uri="{91240B29-F687-4f45-9708-019B960494DF}">
-                <a14:hiddenLine xmlns:a14="http://schemas.microsoft.com/office/drawing/2010/main" xmlns="" w="9525">
+                <a14:hiddenLine xmlns="" xmlns:a14="http://schemas.microsoft.com/office/drawing/2010/main" w="9525">
                   <a:solidFill>
                     <a:srgbClr val="000000"/>
                   </a:solidFill>
@@ -2343,7 +2343,7 @@
             </a:ln>
             <a:extLst>
               <a:ext uri="{91240B29-F687-4f45-9708-019B960494DF}">
-                <a14:hiddenLine xmlns:a14="http://schemas.microsoft.com/office/drawing/2010/main" xmlns="" w="9525">
+                <a14:hiddenLine xmlns="" xmlns:a14="http://schemas.microsoft.com/office/drawing/2010/main" w="9525">
                   <a:solidFill>
                     <a:srgbClr val="000000"/>
                   </a:solidFill>
@@ -2377,7 +2377,7 @@
             </a:ln>
             <a:extLst>
               <a:ext uri="{91240B29-F687-4f45-9708-019B960494DF}">
-                <a14:hiddenLine xmlns:a14="http://schemas.microsoft.com/office/drawing/2010/main" xmlns="" w="9525">
+                <a14:hiddenLine xmlns="" xmlns:a14="http://schemas.microsoft.com/office/drawing/2010/main" w="9525">
                   <a:solidFill>
                     <a:srgbClr val="000000"/>
                   </a:solidFill>
@@ -2467,7 +2467,7 @@
             </a:ln>
             <a:extLst>
               <a:ext uri="{91240B29-F687-4f45-9708-019B960494DF}">
-                <a14:hiddenLine xmlns:a14="http://schemas.microsoft.com/office/drawing/2010/main" xmlns="" w="9525">
+                <a14:hiddenLine xmlns="" xmlns:a14="http://schemas.microsoft.com/office/drawing/2010/main" w="9525">
                   <a:solidFill>
                     <a:srgbClr val="000000"/>
                   </a:solidFill>
@@ -2529,7 +2529,7 @@
             </a:ln>
             <a:extLst>
               <a:ext uri="{91240B29-F687-4f45-9708-019B960494DF}">
-                <a14:hiddenLine xmlns:a14="http://schemas.microsoft.com/office/drawing/2010/main" xmlns="" w="9525">
+                <a14:hiddenLine xmlns="" xmlns:a14="http://schemas.microsoft.com/office/drawing/2010/main" w="9525">
                   <a:solidFill>
                     <a:srgbClr val="000000"/>
                   </a:solidFill>
@@ -2591,7 +2591,7 @@
             </a:ln>
             <a:extLst>
               <a:ext uri="{91240B29-F687-4f45-9708-019B960494DF}">
-                <a14:hiddenLine xmlns:a14="http://schemas.microsoft.com/office/drawing/2010/main" xmlns="" w="9525">
+                <a14:hiddenLine xmlns="" xmlns:a14="http://schemas.microsoft.com/office/drawing/2010/main" w="9525">
                   <a:solidFill>
                     <a:srgbClr val="000000"/>
                   </a:solidFill>
@@ -2681,7 +2681,7 @@
             </a:ln>
             <a:extLst>
               <a:ext uri="{91240B29-F687-4f45-9708-019B960494DF}">
-                <a14:hiddenLine xmlns:a14="http://schemas.microsoft.com/office/drawing/2010/main" xmlns="" w="9525">
+                <a14:hiddenLine xmlns="" xmlns:a14="http://schemas.microsoft.com/office/drawing/2010/main" w="9525">
                   <a:solidFill>
                     <a:srgbClr val="000000"/>
                   </a:solidFill>
@@ -2749,7 +2749,7 @@
             </a:ln>
             <a:extLst>
               <a:ext uri="{91240B29-F687-4f45-9708-019B960494DF}">
-                <a14:hiddenLine xmlns:a14="http://schemas.microsoft.com/office/drawing/2010/main" xmlns="" w="9525">
+                <a14:hiddenLine xmlns="" xmlns:a14="http://schemas.microsoft.com/office/drawing/2010/main" w="9525">
                   <a:solidFill>
                     <a:srgbClr val="000000"/>
                   </a:solidFill>
@@ -2811,7 +2811,7 @@
             </a:ln>
             <a:extLst>
               <a:ext uri="{91240B29-F687-4f45-9708-019B960494DF}">
-                <a14:hiddenLine xmlns:a14="http://schemas.microsoft.com/office/drawing/2010/main" xmlns="" w="9525">
+                <a14:hiddenLine xmlns="" xmlns:a14="http://schemas.microsoft.com/office/drawing/2010/main" w="9525">
                   <a:solidFill>
                     <a:srgbClr val="000000"/>
                   </a:solidFill>
@@ -2901,7 +2901,7 @@
             </a:ln>
             <a:extLst>
               <a:ext uri="{91240B29-F687-4f45-9708-019B960494DF}">
-                <a14:hiddenLine xmlns:a14="http://schemas.microsoft.com/office/drawing/2010/main" xmlns="" w="9525">
+                <a14:hiddenLine xmlns="" xmlns:a14="http://schemas.microsoft.com/office/drawing/2010/main" w="9525">
                   <a:solidFill>
                     <a:srgbClr val="000000"/>
                   </a:solidFill>
@@ -2963,7 +2963,7 @@
             </a:ln>
             <a:extLst>
               <a:ext uri="{91240B29-F687-4f45-9708-019B960494DF}">
-                <a14:hiddenLine xmlns:a14="http://schemas.microsoft.com/office/drawing/2010/main" xmlns="" w="9525">
+                <a14:hiddenLine xmlns="" xmlns:a14="http://schemas.microsoft.com/office/drawing/2010/main" w="9525">
                   <a:solidFill>
                     <a:srgbClr val="000000"/>
                   </a:solidFill>
@@ -3053,7 +3053,7 @@
             </a:ln>
             <a:extLst>
               <a:ext uri="{91240B29-F687-4f45-9708-019B960494DF}">
-                <a14:hiddenLine xmlns:a14="http://schemas.microsoft.com/office/drawing/2010/main" xmlns="" w="9525">
+                <a14:hiddenLine xmlns="" xmlns:a14="http://schemas.microsoft.com/office/drawing/2010/main" w="9525">
                   <a:solidFill>
                     <a:srgbClr val="000000"/>
                   </a:solidFill>
@@ -3115,7 +3115,7 @@
             </a:ln>
             <a:extLst>
               <a:ext uri="{91240B29-F687-4f45-9708-019B960494DF}">
-                <a14:hiddenLine xmlns:a14="http://schemas.microsoft.com/office/drawing/2010/main" xmlns="" w="9525">
+                <a14:hiddenLine xmlns="" xmlns:a14="http://schemas.microsoft.com/office/drawing/2010/main" w="9525">
                   <a:solidFill>
                     <a:srgbClr val="000000"/>
                   </a:solidFill>
@@ -3205,7 +3205,7 @@
             </a:ln>
             <a:extLst>
               <a:ext uri="{91240B29-F687-4f45-9708-019B960494DF}">
-                <a14:hiddenLine xmlns:a14="http://schemas.microsoft.com/office/drawing/2010/main" xmlns="" w="9525">
+                <a14:hiddenLine xmlns="" xmlns:a14="http://schemas.microsoft.com/office/drawing/2010/main" w="9525">
                   <a:solidFill>
                     <a:srgbClr val="000000"/>
                   </a:solidFill>
@@ -3239,7 +3239,7 @@
             </a:ln>
             <a:extLst>
               <a:ext uri="{91240B29-F687-4f45-9708-019B960494DF}">
-                <a14:hiddenLine xmlns:a14="http://schemas.microsoft.com/office/drawing/2010/main" xmlns="" w="9525">
+                <a14:hiddenLine xmlns="" xmlns:a14="http://schemas.microsoft.com/office/drawing/2010/main" w="9525">
                   <a:solidFill>
                     <a:srgbClr val="000000"/>
                   </a:solidFill>
@@ -3304,7 +3304,7 @@
             </a:ln>
             <a:extLst>
               <a:ext uri="{91240B29-F687-4f45-9708-019B960494DF}">
-                <a14:hiddenLine xmlns:a14="http://schemas.microsoft.com/office/drawing/2010/main" xmlns="" w="9525">
+                <a14:hiddenLine xmlns="" xmlns:a14="http://schemas.microsoft.com/office/drawing/2010/main" w="9525">
                   <a:solidFill>
                     <a:srgbClr val="000000"/>
                   </a:solidFill>
@@ -3394,7 +3394,7 @@
             </a:ln>
             <a:extLst>
               <a:ext uri="{91240B29-F687-4f45-9708-019B960494DF}">
-                <a14:hiddenLine xmlns:a14="http://schemas.microsoft.com/office/drawing/2010/main" xmlns="" w="9525">
+                <a14:hiddenLine xmlns="" xmlns:a14="http://schemas.microsoft.com/office/drawing/2010/main" w="9525">
                   <a:solidFill>
                     <a:srgbClr val="000000"/>
                   </a:solidFill>
@@ -3456,7 +3456,7 @@
             </a:ln>
             <a:extLst>
               <a:ext uri="{91240B29-F687-4f45-9708-019B960494DF}">
-                <a14:hiddenLine xmlns:a14="http://schemas.microsoft.com/office/drawing/2010/main" xmlns="" w="9525">
+                <a14:hiddenLine xmlns="" xmlns:a14="http://schemas.microsoft.com/office/drawing/2010/main" w="9525">
                   <a:solidFill>
                     <a:srgbClr val="000000"/>
                   </a:solidFill>
@@ -3546,7 +3546,7 @@
             </a:ln>
             <a:extLst>
               <a:ext uri="{91240B29-F687-4f45-9708-019B960494DF}">
-                <a14:hiddenLine xmlns:a14="http://schemas.microsoft.com/office/drawing/2010/main" xmlns="" w="9525">
+                <a14:hiddenLine xmlns="" xmlns:a14="http://schemas.microsoft.com/office/drawing/2010/main" w="9525">
                   <a:solidFill>
                     <a:srgbClr val="000000"/>
                   </a:solidFill>
@@ -3636,7 +3636,7 @@
             </a:ln>
             <a:extLst>
               <a:ext uri="{91240B29-F687-4f45-9708-019B960494DF}">
-                <a14:hiddenLine xmlns:a14="http://schemas.microsoft.com/office/drawing/2010/main" xmlns="" w="9525">
+                <a14:hiddenLine xmlns="" xmlns:a14="http://schemas.microsoft.com/office/drawing/2010/main" w="9525">
                   <a:solidFill>
                     <a:srgbClr val="000000"/>
                   </a:solidFill>
@@ -3701,7 +3701,7 @@
             </a:ln>
             <a:extLst>
               <a:ext uri="{91240B29-F687-4f45-9708-019B960494DF}">
-                <a14:hiddenLine xmlns:a14="http://schemas.microsoft.com/office/drawing/2010/main" xmlns="" w="9525">
+                <a14:hiddenLine xmlns="" xmlns:a14="http://schemas.microsoft.com/office/drawing/2010/main" w="9525">
                   <a:solidFill>
                     <a:srgbClr val="000000"/>
                   </a:solidFill>
@@ -3763,7 +3763,7 @@
             </a:ln>
             <a:extLst>
               <a:ext uri="{91240B29-F687-4f45-9708-019B960494DF}">
-                <a14:hiddenLine xmlns:a14="http://schemas.microsoft.com/office/drawing/2010/main" xmlns="" w="9525">
+                <a14:hiddenLine xmlns="" xmlns:a14="http://schemas.microsoft.com/office/drawing/2010/main" w="9525">
                   <a:solidFill>
                     <a:srgbClr val="000000"/>
                   </a:solidFill>
@@ -3853,7 +3853,7 @@
             </a:ln>
             <a:extLst>
               <a:ext uri="{91240B29-F687-4f45-9708-019B960494DF}">
-                <a14:hiddenLine xmlns:a14="http://schemas.microsoft.com/office/drawing/2010/main" xmlns="" w="9525">
+                <a14:hiddenLine xmlns="" xmlns:a14="http://schemas.microsoft.com/office/drawing/2010/main" w="9525">
                   <a:solidFill>
                     <a:srgbClr val="000000"/>
                   </a:solidFill>
@@ -3943,7 +3943,7 @@
             </a:ln>
             <a:extLst>
               <a:ext uri="{91240B29-F687-4f45-9708-019B960494DF}">
-                <a14:hiddenLine xmlns:a14="http://schemas.microsoft.com/office/drawing/2010/main" xmlns="" w="9525">
+                <a14:hiddenLine xmlns="" xmlns:a14="http://schemas.microsoft.com/office/drawing/2010/main" w="9525">
                   <a:solidFill>
                     <a:srgbClr val="000000"/>
                   </a:solidFill>
@@ -4005,7 +4005,7 @@
             </a:ln>
             <a:extLst>
               <a:ext uri="{91240B29-F687-4f45-9708-019B960494DF}">
-                <a14:hiddenLine xmlns:a14="http://schemas.microsoft.com/office/drawing/2010/main" xmlns="" w="9525">
+                <a14:hiddenLine xmlns="" xmlns:a14="http://schemas.microsoft.com/office/drawing/2010/main" w="9525">
                   <a:solidFill>
                     <a:srgbClr val="000000"/>
                   </a:solidFill>
@@ -4125,7 +4125,7 @@
             </a:ln>
             <a:extLst>
               <a:ext uri="{91240B29-F687-4f45-9708-019B960494DF}">
-                <a14:hiddenLine xmlns:a14="http://schemas.microsoft.com/office/drawing/2010/main" xmlns="" w="9525">
+                <a14:hiddenLine xmlns="" xmlns:a14="http://schemas.microsoft.com/office/drawing/2010/main" w="9525">
                   <a:solidFill>
                     <a:srgbClr val="000000"/>
                   </a:solidFill>
@@ -4193,7 +4193,7 @@
             </a:ln>
             <a:extLst>
               <a:ext uri="{91240B29-F687-4f45-9708-019B960494DF}">
-                <a14:hiddenLine xmlns:a14="http://schemas.microsoft.com/office/drawing/2010/main" xmlns="" w="9525">
+                <a14:hiddenLine xmlns="" xmlns:a14="http://schemas.microsoft.com/office/drawing/2010/main" w="9525">
                   <a:solidFill>
                     <a:srgbClr val="000000"/>
                   </a:solidFill>
@@ -4283,7 +4283,7 @@
             </a:ln>
             <a:extLst>
               <a:ext uri="{91240B29-F687-4f45-9708-019B960494DF}">
-                <a14:hiddenLine xmlns:a14="http://schemas.microsoft.com/office/drawing/2010/main" xmlns="" w="9525">
+                <a14:hiddenLine xmlns="" xmlns:a14="http://schemas.microsoft.com/office/drawing/2010/main" w="9525">
                   <a:solidFill>
                     <a:srgbClr val="000000"/>
                   </a:solidFill>
@@ -4424,7 +4424,7 @@
             <a:fld id="{48A87A34-81AB-432B-8DAE-1953F412C126}" type="datetimeFigureOut">
               <a:rPr lang="en-US" dirty="0"/>
               <a:pPr/>
-              <a:t>7/22/2016</a:t>
+              <a:t>7/24/2016</a:t>
             </a:fld>
             <a:endParaRPr lang="en-US" dirty="0"/>
           </a:p>
@@ -4688,7 +4688,7 @@
             <a:fld id="{48A87A34-81AB-432B-8DAE-1953F412C126}" type="datetimeFigureOut">
               <a:rPr lang="en-US" dirty="0"/>
               <a:pPr/>
-              <a:t>7/22/2016</a:t>
+              <a:t>7/24/2016</a:t>
             </a:fld>
             <a:endParaRPr lang="en-US" dirty="0"/>
           </a:p>
@@ -4881,7 +4881,7 @@
             <a:fld id="{48A87A34-81AB-432B-8DAE-1953F412C126}" type="datetimeFigureOut">
               <a:rPr lang="en-US" dirty="0"/>
               <a:pPr/>
-              <a:t>7/22/2016</a:t>
+              <a:t>7/24/2016</a:t>
             </a:fld>
             <a:endParaRPr lang="en-US" dirty="0"/>
           </a:p>
@@ -5141,7 +5141,7 @@
             <a:fld id="{48A87A34-81AB-432B-8DAE-1953F412C126}" type="datetimeFigureOut">
               <a:rPr lang="en-US" dirty="0"/>
               <a:pPr/>
-              <a:t>7/22/2016</a:t>
+              <a:t>7/24/2016</a:t>
             </a:fld>
             <a:endParaRPr lang="en-US" dirty="0"/>
           </a:p>
@@ -5572,7 +5572,7 @@
             <a:fld id="{48A87A34-81AB-432B-8DAE-1953F412C126}" type="datetimeFigureOut">
               <a:rPr lang="en-US" dirty="0"/>
               <a:pPr/>
-              <a:t>7/22/2016</a:t>
+              <a:t>7/24/2016</a:t>
             </a:fld>
             <a:endParaRPr lang="en-US" dirty="0"/>
           </a:p>
@@ -6115,7 +6115,7 @@
             <a:fld id="{48A87A34-81AB-432B-8DAE-1953F412C126}" type="datetimeFigureOut">
               <a:rPr lang="en-US" dirty="0"/>
               <a:pPr/>
-              <a:t>7/22/2016</a:t>
+              <a:t>7/24/2016</a:t>
             </a:fld>
             <a:endParaRPr lang="en-US" dirty="0"/>
           </a:p>
@@ -6832,7 +6832,7 @@
             <a:fld id="{48A87A34-81AB-432B-8DAE-1953F412C126}" type="datetimeFigureOut">
               <a:rPr lang="en-US" dirty="0"/>
               <a:pPr/>
-              <a:t>7/22/2016</a:t>
+              <a:t>7/24/2016</a:t>
             </a:fld>
             <a:endParaRPr lang="en-US" dirty="0"/>
           </a:p>
@@ -6999,7 +6999,7 @@
             <a:fld id="{48A87A34-81AB-432B-8DAE-1953F412C126}" type="datetimeFigureOut">
               <a:rPr lang="en-US" dirty="0"/>
               <a:pPr/>
-              <a:t>7/22/2016</a:t>
+              <a:t>7/24/2016</a:t>
             </a:fld>
             <a:endParaRPr lang="en-US" dirty="0"/>
           </a:p>
@@ -7176,7 +7176,7 @@
             <a:fld id="{48A87A34-81AB-432B-8DAE-1953F412C126}" type="datetimeFigureOut">
               <a:rPr lang="en-US" dirty="0"/>
               <a:pPr/>
-              <a:t>7/22/2016</a:t>
+              <a:t>7/24/2016</a:t>
             </a:fld>
             <a:endParaRPr lang="en-US" dirty="0"/>
           </a:p>
@@ -7343,7 +7343,7 @@
             <a:fld id="{48A87A34-81AB-432B-8DAE-1953F412C126}" type="datetimeFigureOut">
               <a:rPr lang="en-US" dirty="0"/>
               <a:pPr/>
-              <a:t>7/22/2016</a:t>
+              <a:t>7/24/2016</a:t>
             </a:fld>
             <a:endParaRPr lang="en-US" dirty="0"/>
           </a:p>
@@ -7590,7 +7590,7 @@
             <a:fld id="{48A87A34-81AB-432B-8DAE-1953F412C126}" type="datetimeFigureOut">
               <a:rPr lang="en-US" dirty="0"/>
               <a:pPr/>
-              <a:t>7/22/2016</a:t>
+              <a:t>7/24/2016</a:t>
             </a:fld>
             <a:endParaRPr lang="en-US" dirty="0"/>
           </a:p>
@@ -7819,7 +7819,7 @@
             <a:fld id="{48A87A34-81AB-432B-8DAE-1953F412C126}" type="datetimeFigureOut">
               <a:rPr lang="en-US" dirty="0"/>
               <a:pPr/>
-              <a:t>7/22/2016</a:t>
+              <a:t>7/24/2016</a:t>
             </a:fld>
             <a:endParaRPr lang="en-US" dirty="0"/>
           </a:p>
@@ -8197,7 +8197,7 @@
             <a:fld id="{48A87A34-81AB-432B-8DAE-1953F412C126}" type="datetimeFigureOut">
               <a:rPr lang="en-US" dirty="0"/>
               <a:pPr/>
-              <a:t>7/22/2016</a:t>
+              <a:t>7/24/2016</a:t>
             </a:fld>
             <a:endParaRPr lang="en-US" dirty="0"/>
           </a:p>
@@ -8312,7 +8312,7 @@
             <a:fld id="{48A87A34-81AB-432B-8DAE-1953F412C126}" type="datetimeFigureOut">
               <a:rPr lang="en-US" dirty="0"/>
               <a:pPr/>
-              <a:t>7/22/2016</a:t>
+              <a:t>7/24/2016</a:t>
             </a:fld>
             <a:endParaRPr lang="en-US" dirty="0"/>
           </a:p>
@@ -8404,7 +8404,7 @@
             <a:fld id="{48A87A34-81AB-432B-8DAE-1953F412C126}" type="datetimeFigureOut">
               <a:rPr lang="en-US" dirty="0"/>
               <a:pPr/>
-              <a:t>7/22/2016</a:t>
+              <a:t>7/24/2016</a:t>
             </a:fld>
             <a:endParaRPr lang="en-US" dirty="0"/>
           </a:p>
@@ -8650,7 +8650,7 @@
             <a:fld id="{48A87A34-81AB-432B-8DAE-1953F412C126}" type="datetimeFigureOut">
               <a:rPr lang="en-US" dirty="0"/>
               <a:pPr/>
-              <a:t>7/22/2016</a:t>
+              <a:t>7/24/2016</a:t>
             </a:fld>
             <a:endParaRPr lang="en-US" dirty="0"/>
           </a:p>
@@ -8927,7 +8927,7 @@
             <a:fld id="{48A87A34-81AB-432B-8DAE-1953F412C126}" type="datetimeFigureOut">
               <a:rPr lang="en-US" dirty="0"/>
               <a:pPr/>
-              <a:t>7/22/2016</a:t>
+              <a:t>7/24/2016</a:t>
             </a:fld>
             <a:endParaRPr lang="en-US" dirty="0"/>
           </a:p>
@@ -9039,7 +9039,7 @@
           <a:noFill/>
           <a:extLst>
             <a:ext uri="{909E8E84-426E-40dd-AFC4-6F175D3DCCD1}">
-              <a14:hiddenFill xmlns:a14="http://schemas.microsoft.com/office/drawing/2010/main" xmlns="">
+              <a14:hiddenFill xmlns="" xmlns:a14="http://schemas.microsoft.com/office/drawing/2010/main">
                 <a:solidFill>
                   <a:srgbClr val="FFFFFF"/>
                 </a:solidFill>
@@ -9113,7 +9113,7 @@
               </a:ln>
               <a:extLst>
                 <a:ext uri="{91240B29-F687-4f45-9708-019B960494DF}">
-                  <a14:hiddenLine xmlns:a14="http://schemas.microsoft.com/office/drawing/2010/main" xmlns="" w="9525">
+                  <a14:hiddenLine xmlns="" xmlns:a14="http://schemas.microsoft.com/office/drawing/2010/main" w="9525">
                     <a:solidFill>
                       <a:srgbClr val="000000"/>
                     </a:solidFill>
@@ -9203,7 +9203,7 @@
               </a:ln>
               <a:extLst>
                 <a:ext uri="{91240B29-F687-4f45-9708-019B960494DF}">
-                  <a14:hiddenLine xmlns:a14="http://schemas.microsoft.com/office/drawing/2010/main" xmlns="" w="9525">
+                  <a14:hiddenLine xmlns="" xmlns:a14="http://schemas.microsoft.com/office/drawing/2010/main" w="9525">
                     <a:solidFill>
                       <a:srgbClr val="000000"/>
                     </a:solidFill>
@@ -9293,7 +9293,7 @@
               </a:ln>
               <a:extLst>
                 <a:ext uri="{91240B29-F687-4f45-9708-019B960494DF}">
-                  <a14:hiddenLine xmlns:a14="http://schemas.microsoft.com/office/drawing/2010/main" xmlns="" w="9525">
+                  <a14:hiddenLine xmlns="" xmlns:a14="http://schemas.microsoft.com/office/drawing/2010/main" w="9525">
                     <a:solidFill>
                       <a:srgbClr val="000000"/>
                     </a:solidFill>
@@ -9355,7 +9355,7 @@
               </a:ln>
               <a:extLst>
                 <a:ext uri="{91240B29-F687-4f45-9708-019B960494DF}">
-                  <a14:hiddenLine xmlns:a14="http://schemas.microsoft.com/office/drawing/2010/main" xmlns="" w="9525">
+                  <a14:hiddenLine xmlns="" xmlns:a14="http://schemas.microsoft.com/office/drawing/2010/main" w="9525">
                     <a:solidFill>
                       <a:srgbClr val="000000"/>
                     </a:solidFill>
@@ -9445,7 +9445,7 @@
               </a:ln>
               <a:extLst>
                 <a:ext uri="{91240B29-F687-4f45-9708-019B960494DF}">
-                  <a14:hiddenLine xmlns:a14="http://schemas.microsoft.com/office/drawing/2010/main" xmlns="" w="9525">
+                  <a14:hiddenLine xmlns="" xmlns:a14="http://schemas.microsoft.com/office/drawing/2010/main" w="9525">
                     <a:solidFill>
                       <a:srgbClr val="000000"/>
                     </a:solidFill>
@@ -9507,7 +9507,7 @@
               </a:ln>
               <a:extLst>
                 <a:ext uri="{91240B29-F687-4f45-9708-019B960494DF}">
-                  <a14:hiddenLine xmlns:a14="http://schemas.microsoft.com/office/drawing/2010/main" xmlns="" w="9525">
+                  <a14:hiddenLine xmlns="" xmlns:a14="http://schemas.microsoft.com/office/drawing/2010/main" w="9525">
                     <a:solidFill>
                       <a:srgbClr val="000000"/>
                     </a:solidFill>
@@ -9569,7 +9569,7 @@
               </a:ln>
               <a:extLst>
                 <a:ext uri="{91240B29-F687-4f45-9708-019B960494DF}">
-                  <a14:hiddenLine xmlns:a14="http://schemas.microsoft.com/office/drawing/2010/main" xmlns="" w="9525">
+                  <a14:hiddenLine xmlns="" xmlns:a14="http://schemas.microsoft.com/office/drawing/2010/main" w="9525">
                     <a:solidFill>
                       <a:srgbClr val="000000"/>
                     </a:solidFill>
@@ -9659,7 +9659,7 @@
               </a:ln>
               <a:extLst>
                 <a:ext uri="{91240B29-F687-4f45-9708-019B960494DF}">
-                  <a14:hiddenLine xmlns:a14="http://schemas.microsoft.com/office/drawing/2010/main" xmlns="" w="9525">
+                  <a14:hiddenLine xmlns="" xmlns:a14="http://schemas.microsoft.com/office/drawing/2010/main" w="9525">
                     <a:solidFill>
                       <a:srgbClr val="000000"/>
                     </a:solidFill>
@@ -9749,7 +9749,7 @@
               </a:ln>
               <a:extLst>
                 <a:ext uri="{91240B29-F687-4f45-9708-019B960494DF}">
-                  <a14:hiddenLine xmlns:a14="http://schemas.microsoft.com/office/drawing/2010/main" xmlns="" w="9525">
+                  <a14:hiddenLine xmlns="" xmlns:a14="http://schemas.microsoft.com/office/drawing/2010/main" w="9525">
                     <a:solidFill>
                       <a:srgbClr val="000000"/>
                     </a:solidFill>
@@ -9811,7 +9811,7 @@
               </a:ln>
               <a:extLst>
                 <a:ext uri="{91240B29-F687-4f45-9708-019B960494DF}">
-                  <a14:hiddenLine xmlns:a14="http://schemas.microsoft.com/office/drawing/2010/main" xmlns="" w="9525">
+                  <a14:hiddenLine xmlns="" xmlns:a14="http://schemas.microsoft.com/office/drawing/2010/main" w="9525">
                     <a:solidFill>
                       <a:srgbClr val="000000"/>
                     </a:solidFill>
@@ -9921,7 +9921,7 @@
               </a:ln>
               <a:extLst>
                 <a:ext uri="{91240B29-F687-4f45-9708-019B960494DF}">
-                  <a14:hiddenLine xmlns:a14="http://schemas.microsoft.com/office/drawing/2010/main" xmlns="" w="9525">
+                  <a14:hiddenLine xmlns="" xmlns:a14="http://schemas.microsoft.com/office/drawing/2010/main" w="9525">
                     <a:solidFill>
                       <a:srgbClr val="000000"/>
                     </a:solidFill>
@@ -10005,7 +10005,7 @@
               </a:ln>
               <a:extLst>
                 <a:ext uri="{91240B29-F687-4f45-9708-019B960494DF}">
-                  <a14:hiddenLine xmlns:a14="http://schemas.microsoft.com/office/drawing/2010/main" xmlns="" w="9525">
+                  <a14:hiddenLine xmlns="" xmlns:a14="http://schemas.microsoft.com/office/drawing/2010/main" w="9525">
                     <a:solidFill>
                       <a:srgbClr val="000000"/>
                     </a:solidFill>
@@ -10067,7 +10067,7 @@
               </a:ln>
               <a:extLst>
                 <a:ext uri="{91240B29-F687-4f45-9708-019B960494DF}">
-                  <a14:hiddenLine xmlns:a14="http://schemas.microsoft.com/office/drawing/2010/main" xmlns="" w="9525">
+                  <a14:hiddenLine xmlns="" xmlns:a14="http://schemas.microsoft.com/office/drawing/2010/main" w="9525">
                     <a:solidFill>
                       <a:srgbClr val="000000"/>
                     </a:solidFill>
@@ -10129,7 +10129,7 @@
               </a:ln>
               <a:extLst>
                 <a:ext uri="{91240B29-F687-4f45-9708-019B960494DF}">
-                  <a14:hiddenLine xmlns:a14="http://schemas.microsoft.com/office/drawing/2010/main" xmlns="" w="9525">
+                  <a14:hiddenLine xmlns="" xmlns:a14="http://schemas.microsoft.com/office/drawing/2010/main" w="9525">
                     <a:solidFill>
                       <a:srgbClr val="000000"/>
                     </a:solidFill>
@@ -10219,7 +10219,7 @@
               </a:ln>
               <a:extLst>
                 <a:ext uri="{91240B29-F687-4f45-9708-019B960494DF}">
-                  <a14:hiddenLine xmlns:a14="http://schemas.microsoft.com/office/drawing/2010/main" xmlns="" w="9525">
+                  <a14:hiddenLine xmlns="" xmlns:a14="http://schemas.microsoft.com/office/drawing/2010/main" w="9525">
                     <a:solidFill>
                       <a:srgbClr val="000000"/>
                     </a:solidFill>
@@ -10253,7 +10253,7 @@
               </a:ln>
               <a:extLst>
                 <a:ext uri="{91240B29-F687-4f45-9708-019B960494DF}">
-                  <a14:hiddenLine xmlns:a14="http://schemas.microsoft.com/office/drawing/2010/main" xmlns="" w="9525">
+                  <a14:hiddenLine xmlns="" xmlns:a14="http://schemas.microsoft.com/office/drawing/2010/main" w="9525">
                     <a:solidFill>
                       <a:srgbClr val="000000"/>
                     </a:solidFill>
@@ -10318,7 +10318,7 @@
               </a:ln>
               <a:extLst>
                 <a:ext uri="{91240B29-F687-4f45-9708-019B960494DF}">
-                  <a14:hiddenLine xmlns:a14="http://schemas.microsoft.com/office/drawing/2010/main" xmlns="" w="9525">
+                  <a14:hiddenLine xmlns="" xmlns:a14="http://schemas.microsoft.com/office/drawing/2010/main" w="9525">
                     <a:solidFill>
                       <a:srgbClr val="000000"/>
                     </a:solidFill>
@@ -10408,7 +10408,7 @@
               </a:ln>
               <a:extLst>
                 <a:ext uri="{91240B29-F687-4f45-9708-019B960494DF}">
-                  <a14:hiddenLine xmlns:a14="http://schemas.microsoft.com/office/drawing/2010/main" xmlns="" w="9525">
+                  <a14:hiddenLine xmlns="" xmlns:a14="http://schemas.microsoft.com/office/drawing/2010/main" w="9525">
                     <a:solidFill>
                       <a:srgbClr val="000000"/>
                     </a:solidFill>
@@ -10470,7 +10470,7 @@
               </a:ln>
               <a:extLst>
                 <a:ext uri="{91240B29-F687-4f45-9708-019B960494DF}">
-                  <a14:hiddenLine xmlns:a14="http://schemas.microsoft.com/office/drawing/2010/main" xmlns="" w="9525">
+                  <a14:hiddenLine xmlns="" xmlns:a14="http://schemas.microsoft.com/office/drawing/2010/main" w="9525">
                     <a:solidFill>
                       <a:srgbClr val="000000"/>
                     </a:solidFill>
@@ -10560,7 +10560,7 @@
               </a:ln>
               <a:extLst>
                 <a:ext uri="{91240B29-F687-4f45-9708-019B960494DF}">
-                  <a14:hiddenLine xmlns:a14="http://schemas.microsoft.com/office/drawing/2010/main" xmlns="" w="9525">
+                  <a14:hiddenLine xmlns="" xmlns:a14="http://schemas.microsoft.com/office/drawing/2010/main" w="9525">
                     <a:solidFill>
                       <a:srgbClr val="000000"/>
                     </a:solidFill>
@@ -10625,7 +10625,7 @@
               </a:ln>
               <a:extLst>
                 <a:ext uri="{91240B29-F687-4f45-9708-019B960494DF}">
-                  <a14:hiddenLine xmlns:a14="http://schemas.microsoft.com/office/drawing/2010/main" xmlns="" w="9525">
+                  <a14:hiddenLine xmlns="" xmlns:a14="http://schemas.microsoft.com/office/drawing/2010/main" w="9525">
                     <a:solidFill>
                       <a:srgbClr val="000000"/>
                     </a:solidFill>
@@ -10687,7 +10687,7 @@
               </a:ln>
               <a:extLst>
                 <a:ext uri="{91240B29-F687-4f45-9708-019B960494DF}">
-                  <a14:hiddenLine xmlns:a14="http://schemas.microsoft.com/office/drawing/2010/main" xmlns="" w="9525">
+                  <a14:hiddenLine xmlns="" xmlns:a14="http://schemas.microsoft.com/office/drawing/2010/main" w="9525">
                     <a:solidFill>
                       <a:srgbClr val="000000"/>
                     </a:solidFill>
@@ -10777,7 +10777,7 @@
               </a:ln>
               <a:extLst>
                 <a:ext uri="{91240B29-F687-4f45-9708-019B960494DF}">
-                  <a14:hiddenLine xmlns:a14="http://schemas.microsoft.com/office/drawing/2010/main" xmlns="" w="9525">
+                  <a14:hiddenLine xmlns="" xmlns:a14="http://schemas.microsoft.com/office/drawing/2010/main" w="9525">
                     <a:solidFill>
                       <a:srgbClr val="000000"/>
                     </a:solidFill>
@@ -10867,7 +10867,7 @@
               </a:ln>
               <a:extLst>
                 <a:ext uri="{91240B29-F687-4f45-9708-019B960494DF}">
-                  <a14:hiddenLine xmlns:a14="http://schemas.microsoft.com/office/drawing/2010/main" xmlns="" w="9525">
+                  <a14:hiddenLine xmlns="" xmlns:a14="http://schemas.microsoft.com/office/drawing/2010/main" w="9525">
                     <a:solidFill>
                       <a:srgbClr val="000000"/>
                     </a:solidFill>
@@ -10932,7 +10932,7 @@
               </a:ln>
               <a:extLst>
                 <a:ext uri="{91240B29-F687-4f45-9708-019B960494DF}">
-                  <a14:hiddenLine xmlns:a14="http://schemas.microsoft.com/office/drawing/2010/main" xmlns="" w="9525">
+                  <a14:hiddenLine xmlns="" xmlns:a14="http://schemas.microsoft.com/office/drawing/2010/main" w="9525">
                     <a:solidFill>
                       <a:srgbClr val="000000"/>
                     </a:solidFill>
@@ -11052,7 +11052,7 @@
               </a:ln>
               <a:extLst>
                 <a:ext uri="{91240B29-F687-4f45-9708-019B960494DF}">
-                  <a14:hiddenLine xmlns:a14="http://schemas.microsoft.com/office/drawing/2010/main" xmlns="" w="9525">
+                  <a14:hiddenLine xmlns="" xmlns:a14="http://schemas.microsoft.com/office/drawing/2010/main" w="9525">
                     <a:solidFill>
                       <a:srgbClr val="000000"/>
                     </a:solidFill>
@@ -11150,7 +11150,7 @@
               </a:ln>
               <a:extLst>
                 <a:ext uri="{91240B29-F687-4f45-9708-019B960494DF}">
-                  <a14:hiddenLine xmlns:a14="http://schemas.microsoft.com/office/drawing/2010/main" xmlns="" w="9525">
+                  <a14:hiddenLine xmlns="" xmlns:a14="http://schemas.microsoft.com/office/drawing/2010/main" w="9525">
                     <a:solidFill>
                       <a:srgbClr val="000000"/>
                     </a:solidFill>
@@ -11265,7 +11265,7 @@
               </a:ln>
               <a:extLst>
                 <a:ext uri="{91240B29-F687-4f45-9708-019B960494DF}">
-                  <a14:hiddenLine xmlns:a14="http://schemas.microsoft.com/office/drawing/2010/main" xmlns="" w="9525">
+                  <a14:hiddenLine xmlns="" xmlns:a14="http://schemas.microsoft.com/office/drawing/2010/main" w="9525">
                     <a:solidFill>
                       <a:srgbClr val="000000"/>
                     </a:solidFill>
@@ -11355,7 +11355,7 @@
               </a:ln>
               <a:extLst>
                 <a:ext uri="{91240B29-F687-4f45-9708-019B960494DF}">
-                  <a14:hiddenLine xmlns:a14="http://schemas.microsoft.com/office/drawing/2010/main" xmlns="" w="9525">
+                  <a14:hiddenLine xmlns="" xmlns:a14="http://schemas.microsoft.com/office/drawing/2010/main" w="9525">
                     <a:solidFill>
                       <a:srgbClr val="000000"/>
                     </a:solidFill>
@@ -11420,7 +11420,7 @@
               </a:ln>
               <a:extLst>
                 <a:ext uri="{91240B29-F687-4f45-9708-019B960494DF}">
-                  <a14:hiddenLine xmlns:a14="http://schemas.microsoft.com/office/drawing/2010/main" xmlns="" w="9525">
+                  <a14:hiddenLine xmlns="" xmlns:a14="http://schemas.microsoft.com/office/drawing/2010/main" w="9525">
                     <a:solidFill>
                       <a:srgbClr val="000000"/>
                     </a:solidFill>
@@ -11510,7 +11510,7 @@
               </a:ln>
               <a:extLst>
                 <a:ext uri="{91240B29-F687-4f45-9708-019B960494DF}">
-                  <a14:hiddenLine xmlns:a14="http://schemas.microsoft.com/office/drawing/2010/main" xmlns="" w="9525">
+                  <a14:hiddenLine xmlns="" xmlns:a14="http://schemas.microsoft.com/office/drawing/2010/main" w="9525">
                     <a:solidFill>
                       <a:srgbClr val="000000"/>
                     </a:solidFill>
@@ -11578,7 +11578,7 @@
               </a:ln>
               <a:extLst>
                 <a:ext uri="{91240B29-F687-4f45-9708-019B960494DF}">
-                  <a14:hiddenLine xmlns:a14="http://schemas.microsoft.com/office/drawing/2010/main" xmlns="" w="9525">
+                  <a14:hiddenLine xmlns="" xmlns:a14="http://schemas.microsoft.com/office/drawing/2010/main" w="9525">
                     <a:solidFill>
                       <a:srgbClr val="000000"/>
                     </a:solidFill>
@@ -11668,7 +11668,7 @@
               </a:ln>
               <a:extLst>
                 <a:ext uri="{91240B29-F687-4f45-9708-019B960494DF}">
-                  <a14:hiddenLine xmlns:a14="http://schemas.microsoft.com/office/drawing/2010/main" xmlns="" w="9525">
+                  <a14:hiddenLine xmlns="" xmlns:a14="http://schemas.microsoft.com/office/drawing/2010/main" w="9525">
                     <a:solidFill>
                       <a:srgbClr val="000000"/>
                     </a:solidFill>
@@ -11736,7 +11736,7 @@
               </a:ln>
               <a:extLst>
                 <a:ext uri="{91240B29-F687-4f45-9708-019B960494DF}">
-                  <a14:hiddenLine xmlns:a14="http://schemas.microsoft.com/office/drawing/2010/main" xmlns="" w="9525">
+                  <a14:hiddenLine xmlns="" xmlns:a14="http://schemas.microsoft.com/office/drawing/2010/main" w="9525">
                     <a:solidFill>
                       <a:srgbClr val="000000"/>
                     </a:solidFill>
@@ -11826,7 +11826,7 @@
               </a:ln>
               <a:extLst>
                 <a:ext uri="{91240B29-F687-4f45-9708-019B960494DF}">
-                  <a14:hiddenLine xmlns:a14="http://schemas.microsoft.com/office/drawing/2010/main" xmlns="" w="9525">
+                  <a14:hiddenLine xmlns="" xmlns:a14="http://schemas.microsoft.com/office/drawing/2010/main" w="9525">
                     <a:solidFill>
                       <a:srgbClr val="000000"/>
                     </a:solidFill>
@@ -11860,7 +11860,7 @@
               </a:ln>
               <a:extLst>
                 <a:ext uri="{91240B29-F687-4f45-9708-019B960494DF}">
-                  <a14:hiddenLine xmlns:a14="http://schemas.microsoft.com/office/drawing/2010/main" xmlns="" w="9525">
+                  <a14:hiddenLine xmlns="" xmlns:a14="http://schemas.microsoft.com/office/drawing/2010/main" w="9525">
                     <a:solidFill>
                       <a:srgbClr val="000000"/>
                     </a:solidFill>
@@ -12001,7 +12001,7 @@
             <a:fld id="{48A87A34-81AB-432B-8DAE-1953F412C126}" type="datetimeFigureOut">
               <a:rPr lang="en-US" dirty="0"/>
               <a:pPr/>
-              <a:t>7/22/2016</a:t>
+              <a:t>7/24/2016</a:t>
             </a:fld>
             <a:endParaRPr lang="en-US" dirty="0"/>
           </a:p>
@@ -14638,7 +14638,15 @@
           <a:p>
             <a:r>
               <a:rPr lang="en-US" dirty="0" smtClean="0"/>
-              <a:t>One of the highest starting salaries in United States</a:t>
+              <a:t>One of the highest </a:t>
+            </a:r>
+            <a:r>
+              <a:rPr lang="en-US" b="1" i="1" dirty="0" smtClean="0"/>
+              <a:t>starting</a:t>
+            </a:r>
+            <a:r>
+              <a:rPr lang="en-US" dirty="0" smtClean="0"/>
+              <a:t> salaries in United States</a:t>
             </a:r>
           </a:p>
           <a:p>

--- a/PowerPointSlids.pptx
+++ b/PowerPointSlids.pptx
@@ -16142,7 +16142,7 @@
         <p:spPr/>
         <p:txBody>
           <a:bodyPr>
-            <a:normAutofit fontScale="92500" lnSpcReduction="10000"/>
+            <a:normAutofit/>
           </a:bodyPr>
           <a:lstStyle/>
           <a:p>
@@ -16176,15 +16176,13 @@
             <a:pPr lvl="1"/>
             <a:r>
               <a:rPr lang="en-US" dirty="0" smtClean="0"/>
-              <a:t>C/C++  </a:t>
-            </a:r>
-          </a:p>
-          <a:p>
-            <a:pPr lvl="1"/>
-            <a:r>
-              <a:rPr lang="en-US" dirty="0" smtClean="0"/>
-              <a:t>Rust</a:t>
-            </a:r>
+              <a:t>C/C</a:t>
+            </a:r>
+            <a:r>
+              <a:rPr lang="en-US" smtClean="0"/>
+              <a:t>++  </a:t>
+            </a:r>
+            <a:endParaRPr lang="en-US" dirty="0" smtClean="0"/>
           </a:p>
           <a:p>
             <a:r>
@@ -16722,15 +16720,33 @@
                                   </p:childTnLst>
                                 </p:cTn>
                               </p:par>
+                            </p:childTnLst>
+                          </p:cTn>
+                        </p:par>
+                      </p:childTnLst>
+                    </p:cTn>
+                  </p:par>
+                  <p:par>
+                    <p:cTn id="30" fill="hold">
+                      <p:stCondLst>
+                        <p:cond delay="indefinite"/>
+                      </p:stCondLst>
+                      <p:childTnLst>
+                        <p:par>
+                          <p:cTn id="31" fill="hold">
+                            <p:stCondLst>
+                              <p:cond delay="0"/>
+                            </p:stCondLst>
+                            <p:childTnLst>
                               <p:par>
-                                <p:cTn id="30" presetID="42" presetClass="entr" presetSubtype="0" fill="hold" nodeType="withEffect">
+                                <p:cTn id="32" presetID="42" presetClass="entr" presetSubtype="0" fill="hold" nodeType="clickEffect">
                                   <p:stCondLst>
                                     <p:cond delay="0"/>
                                   </p:stCondLst>
                                   <p:childTnLst>
                                     <p:set>
                                       <p:cBhvr>
-                                        <p:cTn id="31" dur="1" fill="hold">
+                                        <p:cTn id="33" dur="1" fill="hold">
                                           <p:stCondLst>
                                             <p:cond delay="0"/>
                                           </p:stCondLst>
@@ -16752,7 +16768,7 @@
                                     </p:set>
                                     <p:animEffect transition="in" filter="fade">
                                       <p:cBhvr>
-                                        <p:cTn id="32" dur="1000"/>
+                                        <p:cTn id="34" dur="1000"/>
                                         <p:tgtEl>
                                           <p:spTgt spid="3">
                                             <p:txEl>
@@ -16764,7 +16780,7 @@
                                     </p:animEffect>
                                     <p:anim calcmode="lin" valueType="num">
                                       <p:cBhvr>
-                                        <p:cTn id="33" dur="1000" fill="hold"/>
+                                        <p:cTn id="35" dur="1000" fill="hold"/>
                                         <p:tgtEl>
                                           <p:spTgt spid="3">
                                             <p:txEl>
@@ -16791,7 +16807,7 @@
                                     </p:anim>
                                     <p:anim calcmode="lin" valueType="num">
                                       <p:cBhvr>
-                                        <p:cTn id="34" dur="1000" fill="hold"/>
+                                        <p:cTn id="36" dur="1000" fill="hold"/>
                                         <p:tgtEl>
                                           <p:spTgt spid="3">
                                             <p:txEl>
@@ -16826,26 +16842,26 @@
                     </p:cTn>
                   </p:par>
                   <p:par>
-                    <p:cTn id="35" fill="hold">
+                    <p:cTn id="37" fill="hold">
                       <p:stCondLst>
                         <p:cond delay="indefinite"/>
                       </p:stCondLst>
                       <p:childTnLst>
                         <p:par>
-                          <p:cTn id="36" fill="hold">
+                          <p:cTn id="38" fill="hold">
                             <p:stCondLst>
                               <p:cond delay="0"/>
                             </p:stCondLst>
                             <p:childTnLst>
                               <p:par>
-                                <p:cTn id="37" presetID="42" presetClass="entr" presetSubtype="0" fill="hold" nodeType="clickEffect">
+                                <p:cTn id="39" presetID="42" presetClass="entr" presetSubtype="0" fill="hold" nodeType="clickEffect">
                                   <p:stCondLst>
                                     <p:cond delay="0"/>
                                   </p:stCondLst>
                                   <p:childTnLst>
                                     <p:set>
                                       <p:cBhvr>
-                                        <p:cTn id="38" dur="1" fill="hold">
+                                        <p:cTn id="40" dur="1" fill="hold">
                                           <p:stCondLst>
                                             <p:cond delay="0"/>
                                           </p:stCondLst>
@@ -16867,7 +16883,7 @@
                                     </p:set>
                                     <p:animEffect transition="in" filter="fade">
                                       <p:cBhvr>
-                                        <p:cTn id="39" dur="1000"/>
+                                        <p:cTn id="41" dur="1000"/>
                                         <p:tgtEl>
                                           <p:spTgt spid="3">
                                             <p:txEl>
@@ -16879,7 +16895,7 @@
                                     </p:animEffect>
                                     <p:anim calcmode="lin" valueType="num">
                                       <p:cBhvr>
-                                        <p:cTn id="40" dur="1000" fill="hold"/>
+                                        <p:cTn id="42" dur="1000" fill="hold"/>
                                         <p:tgtEl>
                                           <p:spTgt spid="3">
                                             <p:txEl>
@@ -16906,126 +16922,11 @@
                                     </p:anim>
                                     <p:anim calcmode="lin" valueType="num">
                                       <p:cBhvr>
-                                        <p:cTn id="41" dur="1000" fill="hold"/>
+                                        <p:cTn id="43" dur="1000" fill="hold"/>
                                         <p:tgtEl>
                                           <p:spTgt spid="3">
                                             <p:txEl>
                                               <p:pRg st="6" end="6"/>
-                                            </p:txEl>
-                                          </p:spTgt>
-                                        </p:tgtEl>
-                                        <p:attrNameLst>
-                                          <p:attrName>ppt_y</p:attrName>
-                                        </p:attrNameLst>
-                                      </p:cBhvr>
-                                      <p:tavLst>
-                                        <p:tav tm="0">
-                                          <p:val>
-                                            <p:strVal val="#ppt_y+.1"/>
-                                          </p:val>
-                                        </p:tav>
-                                        <p:tav tm="100000">
-                                          <p:val>
-                                            <p:strVal val="#ppt_y"/>
-                                          </p:val>
-                                        </p:tav>
-                                      </p:tavLst>
-                                    </p:anim>
-                                  </p:childTnLst>
-                                </p:cTn>
-                              </p:par>
-                            </p:childTnLst>
-                          </p:cTn>
-                        </p:par>
-                      </p:childTnLst>
-                    </p:cTn>
-                  </p:par>
-                  <p:par>
-                    <p:cTn id="42" fill="hold">
-                      <p:stCondLst>
-                        <p:cond delay="indefinite"/>
-                      </p:stCondLst>
-                      <p:childTnLst>
-                        <p:par>
-                          <p:cTn id="43" fill="hold">
-                            <p:stCondLst>
-                              <p:cond delay="0"/>
-                            </p:stCondLst>
-                            <p:childTnLst>
-                              <p:par>
-                                <p:cTn id="44" presetID="42" presetClass="entr" presetSubtype="0" fill="hold" nodeType="clickEffect">
-                                  <p:stCondLst>
-                                    <p:cond delay="0"/>
-                                  </p:stCondLst>
-                                  <p:childTnLst>
-                                    <p:set>
-                                      <p:cBhvr>
-                                        <p:cTn id="45" dur="1" fill="hold">
-                                          <p:stCondLst>
-                                            <p:cond delay="0"/>
-                                          </p:stCondLst>
-                                        </p:cTn>
-                                        <p:tgtEl>
-                                          <p:spTgt spid="3">
-                                            <p:txEl>
-                                              <p:pRg st="7" end="7"/>
-                                            </p:txEl>
-                                          </p:spTgt>
-                                        </p:tgtEl>
-                                        <p:attrNameLst>
-                                          <p:attrName>style.visibility</p:attrName>
-                                        </p:attrNameLst>
-                                      </p:cBhvr>
-                                      <p:to>
-                                        <p:strVal val="visible"/>
-                                      </p:to>
-                                    </p:set>
-                                    <p:animEffect transition="in" filter="fade">
-                                      <p:cBhvr>
-                                        <p:cTn id="46" dur="1000"/>
-                                        <p:tgtEl>
-                                          <p:spTgt spid="3">
-                                            <p:txEl>
-                                              <p:pRg st="7" end="7"/>
-                                            </p:txEl>
-                                          </p:spTgt>
-                                        </p:tgtEl>
-                                      </p:cBhvr>
-                                    </p:animEffect>
-                                    <p:anim calcmode="lin" valueType="num">
-                                      <p:cBhvr>
-                                        <p:cTn id="47" dur="1000" fill="hold"/>
-                                        <p:tgtEl>
-                                          <p:spTgt spid="3">
-                                            <p:txEl>
-                                              <p:pRg st="7" end="7"/>
-                                            </p:txEl>
-                                          </p:spTgt>
-                                        </p:tgtEl>
-                                        <p:attrNameLst>
-                                          <p:attrName>ppt_x</p:attrName>
-                                        </p:attrNameLst>
-                                      </p:cBhvr>
-                                      <p:tavLst>
-                                        <p:tav tm="0">
-                                          <p:val>
-                                            <p:strVal val="#ppt_x"/>
-                                          </p:val>
-                                        </p:tav>
-                                        <p:tav tm="100000">
-                                          <p:val>
-                                            <p:strVal val="#ppt_x"/>
-                                          </p:val>
-                                        </p:tav>
-                                      </p:tavLst>
-                                    </p:anim>
-                                    <p:anim calcmode="lin" valueType="num">
-                                      <p:cBhvr>
-                                        <p:cTn id="48" dur="1000" fill="hold"/>
-                                        <p:tgtEl>
-                                          <p:spTgt spid="3">
-                                            <p:txEl>
-                                              <p:pRg st="7" end="7"/>
                                             </p:txEl>
                                           </p:spTgt>
                                         </p:tgtEl>

--- a/PowerPointSlids.pptx
+++ b/PowerPointSlids.pptx
@@ -16176,13 +16176,8 @@
             <a:pPr lvl="1"/>
             <a:r>
               <a:rPr lang="en-US" dirty="0" smtClean="0"/>
-              <a:t>C/C</a:t>
-            </a:r>
-            <a:r>
-              <a:rPr lang="en-US" smtClean="0"/>
-              <a:t>++  </a:t>
-            </a:r>
-            <a:endParaRPr lang="en-US" dirty="0" smtClean="0"/>
+              <a:t>C/C++  </a:t>
+            </a:r>
           </a:p>
           <a:p>
             <a:r>
@@ -17957,7 +17952,7 @@
         <p:spPr/>
         <p:txBody>
           <a:bodyPr>
-            <a:normAutofit fontScale="92500" lnSpcReduction="10000"/>
+            <a:normAutofit fontScale="70000" lnSpcReduction="20000"/>
           </a:bodyPr>
           <a:lstStyle/>
           <a:p>
@@ -17975,20 +17970,35 @@
           <a:p>
             <a:r>
               <a:rPr lang="en-US" dirty="0" smtClean="0"/>
-              <a:t>Check my work email</a:t>
-            </a:r>
-          </a:p>
-          <a:p>
+              <a:t>Check my work </a:t>
+            </a:r>
             <a:r>
               <a:rPr lang="en-US" dirty="0" smtClean="0"/>
-              <a:t>Review my task list</a:t>
-            </a:r>
+              <a:t>email (while drinking coffee)</a:t>
+            </a:r>
+            <a:endParaRPr lang="en-US" dirty="0" smtClean="0"/>
           </a:p>
           <a:p>
             <a:r>
               <a:rPr lang="en-US" dirty="0" smtClean="0"/>
-              <a:t>If no support issues, continue work on major programming projects</a:t>
-            </a:r>
+              <a:t>Review my task </a:t>
+            </a:r>
+            <a:r>
+              <a:rPr lang="en-US" dirty="0" smtClean="0"/>
+              <a:t>list (while drinking coffee)</a:t>
+            </a:r>
+            <a:endParaRPr lang="en-US" dirty="0" smtClean="0"/>
+          </a:p>
+          <a:p>
+            <a:r>
+              <a:rPr lang="en-US" dirty="0" smtClean="0"/>
+              <a:t>If no support issues, continue work on major programming </a:t>
+            </a:r>
+            <a:r>
+              <a:rPr lang="en-US" dirty="0" smtClean="0"/>
+              <a:t>projects (while drinking coffee)</a:t>
+            </a:r>
+            <a:endParaRPr lang="en-US" dirty="0" smtClean="0"/>
           </a:p>
           <a:p>
             <a:r>
@@ -17999,8 +18009,19 @@
           <a:p>
             <a:r>
               <a:rPr lang="en-US" dirty="0" smtClean="0"/>
-              <a:t>Not uncommon to Read/Send around 50 emails each day</a:t>
-            </a:r>
+              <a:t>Not uncommon to Read/Send around 50 emails each </a:t>
+            </a:r>
+            <a:r>
+              <a:rPr lang="en-US" dirty="0" smtClean="0"/>
+              <a:t>day</a:t>
+            </a:r>
+          </a:p>
+          <a:p>
+            <a:r>
+              <a:rPr lang="en-US" dirty="0" smtClean="0"/>
+              <a:t>10% troubleshooting/support, 60% design/analysis (thinking), 30% coding</a:t>
+            </a:r>
+            <a:endParaRPr lang="en-US" dirty="0" smtClean="0"/>
           </a:p>
           <a:p>
             <a:endParaRPr lang="en-US" dirty="0"/>
@@ -18796,6 +18817,121 @@
                                           <p:spTgt spid="3">
                                             <p:txEl>
                                               <p:pRg st="6" end="6"/>
+                                            </p:txEl>
+                                          </p:spTgt>
+                                        </p:tgtEl>
+                                        <p:attrNameLst>
+                                          <p:attrName>ppt_y</p:attrName>
+                                        </p:attrNameLst>
+                                      </p:cBhvr>
+                                      <p:tavLst>
+                                        <p:tav tm="0">
+                                          <p:val>
+                                            <p:strVal val="#ppt_y+.1"/>
+                                          </p:val>
+                                        </p:tav>
+                                        <p:tav tm="100000">
+                                          <p:val>
+                                            <p:strVal val="#ppt_y"/>
+                                          </p:val>
+                                        </p:tav>
+                                      </p:tavLst>
+                                    </p:anim>
+                                  </p:childTnLst>
+                                </p:cTn>
+                              </p:par>
+                            </p:childTnLst>
+                          </p:cTn>
+                        </p:par>
+                      </p:childTnLst>
+                    </p:cTn>
+                  </p:par>
+                  <p:par>
+                    <p:cTn id="52" fill="hold">
+                      <p:stCondLst>
+                        <p:cond delay="indefinite"/>
+                      </p:stCondLst>
+                      <p:childTnLst>
+                        <p:par>
+                          <p:cTn id="53" fill="hold">
+                            <p:stCondLst>
+                              <p:cond delay="0"/>
+                            </p:stCondLst>
+                            <p:childTnLst>
+                              <p:par>
+                                <p:cTn id="54" presetID="42" presetClass="entr" presetSubtype="0" fill="hold" nodeType="clickEffect">
+                                  <p:stCondLst>
+                                    <p:cond delay="0"/>
+                                  </p:stCondLst>
+                                  <p:childTnLst>
+                                    <p:set>
+                                      <p:cBhvr>
+                                        <p:cTn id="55" dur="1" fill="hold">
+                                          <p:stCondLst>
+                                            <p:cond delay="0"/>
+                                          </p:stCondLst>
+                                        </p:cTn>
+                                        <p:tgtEl>
+                                          <p:spTgt spid="3">
+                                            <p:txEl>
+                                              <p:pRg st="7" end="7"/>
+                                            </p:txEl>
+                                          </p:spTgt>
+                                        </p:tgtEl>
+                                        <p:attrNameLst>
+                                          <p:attrName>style.visibility</p:attrName>
+                                        </p:attrNameLst>
+                                      </p:cBhvr>
+                                      <p:to>
+                                        <p:strVal val="visible"/>
+                                      </p:to>
+                                    </p:set>
+                                    <p:animEffect transition="in" filter="fade">
+                                      <p:cBhvr>
+                                        <p:cTn id="56" dur="1000"/>
+                                        <p:tgtEl>
+                                          <p:spTgt spid="3">
+                                            <p:txEl>
+                                              <p:pRg st="7" end="7"/>
+                                            </p:txEl>
+                                          </p:spTgt>
+                                        </p:tgtEl>
+                                      </p:cBhvr>
+                                    </p:animEffect>
+                                    <p:anim calcmode="lin" valueType="num">
+                                      <p:cBhvr>
+                                        <p:cTn id="57" dur="1000" fill="hold"/>
+                                        <p:tgtEl>
+                                          <p:spTgt spid="3">
+                                            <p:txEl>
+                                              <p:pRg st="7" end="7"/>
+                                            </p:txEl>
+                                          </p:spTgt>
+                                        </p:tgtEl>
+                                        <p:attrNameLst>
+                                          <p:attrName>ppt_x</p:attrName>
+                                        </p:attrNameLst>
+                                      </p:cBhvr>
+                                      <p:tavLst>
+                                        <p:tav tm="0">
+                                          <p:val>
+                                            <p:strVal val="#ppt_x"/>
+                                          </p:val>
+                                        </p:tav>
+                                        <p:tav tm="100000">
+                                          <p:val>
+                                            <p:strVal val="#ppt_x"/>
+                                          </p:val>
+                                        </p:tav>
+                                      </p:tavLst>
+                                    </p:anim>
+                                    <p:anim calcmode="lin" valueType="num">
+                                      <p:cBhvr>
+                                        <p:cTn id="58" dur="1000" fill="hold"/>
+                                        <p:tgtEl>
+                                          <p:spTgt spid="3">
+                                            <p:txEl>
+                                              <p:pRg st="7" end="7"/>
                                             </p:txEl>
                                           </p:spTgt>
                                         </p:tgtEl>

--- a/PowerPointSlids.pptx
+++ b/PowerPointSlids.pptx
@@ -11,30 +11,30 @@
     <p:sldId id="283" r:id="rId5"/>
     <p:sldId id="284" r:id="rId6"/>
     <p:sldId id="279" r:id="rId7"/>
-    <p:sldId id="272" r:id="rId8"/>
-    <p:sldId id="274" r:id="rId9"/>
-    <p:sldId id="285" r:id="rId10"/>
-    <p:sldId id="286" r:id="rId11"/>
-    <p:sldId id="287" r:id="rId12"/>
-    <p:sldId id="288" r:id="rId13"/>
-    <p:sldId id="273" r:id="rId14"/>
-    <p:sldId id="289" r:id="rId15"/>
-    <p:sldId id="290" r:id="rId16"/>
-    <p:sldId id="291" r:id="rId17"/>
-    <p:sldId id="292" r:id="rId18"/>
-    <p:sldId id="275" r:id="rId19"/>
-    <p:sldId id="293" r:id="rId20"/>
-    <p:sldId id="294" r:id="rId21"/>
-    <p:sldId id="295" r:id="rId22"/>
-    <p:sldId id="296" r:id="rId23"/>
-    <p:sldId id="297" r:id="rId24"/>
-    <p:sldId id="277" r:id="rId25"/>
-    <p:sldId id="298" r:id="rId26"/>
-    <p:sldId id="299" r:id="rId27"/>
-    <p:sldId id="300" r:id="rId28"/>
-    <p:sldId id="301" r:id="rId29"/>
-    <p:sldId id="276" r:id="rId30"/>
-    <p:sldId id="278" r:id="rId31"/>
+    <p:sldId id="278" r:id="rId8"/>
+    <p:sldId id="272" r:id="rId9"/>
+    <p:sldId id="274" r:id="rId10"/>
+    <p:sldId id="285" r:id="rId11"/>
+    <p:sldId id="286" r:id="rId12"/>
+    <p:sldId id="287" r:id="rId13"/>
+    <p:sldId id="288" r:id="rId14"/>
+    <p:sldId id="273" r:id="rId15"/>
+    <p:sldId id="289" r:id="rId16"/>
+    <p:sldId id="290" r:id="rId17"/>
+    <p:sldId id="291" r:id="rId18"/>
+    <p:sldId id="292" r:id="rId19"/>
+    <p:sldId id="275" r:id="rId20"/>
+    <p:sldId id="293" r:id="rId21"/>
+    <p:sldId id="294" r:id="rId22"/>
+    <p:sldId id="295" r:id="rId23"/>
+    <p:sldId id="296" r:id="rId24"/>
+    <p:sldId id="297" r:id="rId25"/>
+    <p:sldId id="277" r:id="rId26"/>
+    <p:sldId id="298" r:id="rId27"/>
+    <p:sldId id="299" r:id="rId28"/>
+    <p:sldId id="300" r:id="rId29"/>
+    <p:sldId id="301" r:id="rId30"/>
+    <p:sldId id="276" r:id="rId31"/>
     <p:sldId id="256" r:id="rId32"/>
     <p:sldId id="258" r:id="rId33"/>
     <p:sldId id="259" r:id="rId34"/>
@@ -168,7 +168,7 @@
   </p:defaultTextStyle>
   <p:extLst>
     <p:ext uri="{EFAFB233-063F-42B5-8137-9DF3F51BA10A}">
-      <p15:sldGuideLst xmlns:p15="http://schemas.microsoft.com/office/powerpoint/2012/main">
+      <p15:sldGuideLst xmlns:p15="http://schemas.microsoft.com/office/powerpoint/2012/main" xmlns="">
         <p15:guide id="1" orient="horz" pos="2160">
           <p15:clr>
             <a:srgbClr val="A4A3A4"/>
@@ -215,7 +215,7 @@
             <a:alphaModFix amt="30000"/>
             <a:extLst>
               <a:ext uri="{28A0092B-C50C-407E-A947-70E740481C1C}">
-                <a14:useLocalDpi xmlns:a14="http://schemas.microsoft.com/office/drawing/2010/main" val="0"/>
+                <a14:useLocalDpi xmlns:a14="http://schemas.microsoft.com/office/drawing/2010/main" xmlns="" val="0"/>
               </a:ext>
             </a:extLst>
           </a:blip>
@@ -235,7 +235,7 @@
           <a:noFill/>
           <a:extLst>
             <a:ext uri="{909E8E84-426E-40dd-AFC4-6F175D3DCCD1}">
-              <a14:hiddenFill xmlns:a14="http://schemas.microsoft.com/office/drawing/2010/main" xmlns="">
+              <a14:hiddenFill xmlns="" xmlns:a14="http://schemas.microsoft.com/office/drawing/2010/main">
                 <a:solidFill>
                   <a:srgbClr val="FFFFFF"/>
                 </a:solidFill>
@@ -295,7 +295,7 @@
             </a:ln>
             <a:extLst>
               <a:ext uri="{91240B29-F687-4f45-9708-019B960494DF}">
-                <a14:hiddenLine xmlns:a14="http://schemas.microsoft.com/office/drawing/2010/main" xmlns="" w="9525">
+                <a14:hiddenLine xmlns="" xmlns:a14="http://schemas.microsoft.com/office/drawing/2010/main" w="9525">
                   <a:solidFill>
                     <a:srgbClr val="000000"/>
                   </a:solidFill>
@@ -385,7 +385,7 @@
             </a:ln>
             <a:extLst>
               <a:ext uri="{91240B29-F687-4f45-9708-019B960494DF}">
-                <a14:hiddenLine xmlns:a14="http://schemas.microsoft.com/office/drawing/2010/main" xmlns="" w="9525">
+                <a14:hiddenLine xmlns="" xmlns:a14="http://schemas.microsoft.com/office/drawing/2010/main" w="9525">
                   <a:solidFill>
                     <a:srgbClr val="000000"/>
                   </a:solidFill>
@@ -475,7 +475,7 @@
             </a:ln>
             <a:extLst>
               <a:ext uri="{91240B29-F687-4f45-9708-019B960494DF}">
-                <a14:hiddenLine xmlns:a14="http://schemas.microsoft.com/office/drawing/2010/main" xmlns="" w="9525">
+                <a14:hiddenLine xmlns="" xmlns:a14="http://schemas.microsoft.com/office/drawing/2010/main" w="9525">
                   <a:solidFill>
                     <a:srgbClr val="000000"/>
                   </a:solidFill>
@@ -509,7 +509,7 @@
             </a:ln>
             <a:extLst>
               <a:ext uri="{91240B29-F687-4f45-9708-019B960494DF}">
-                <a14:hiddenLine xmlns:a14="http://schemas.microsoft.com/office/drawing/2010/main" xmlns="" w="9525">
+                <a14:hiddenLine xmlns="" xmlns:a14="http://schemas.microsoft.com/office/drawing/2010/main" w="9525">
                   <a:solidFill>
                     <a:srgbClr val="000000"/>
                   </a:solidFill>
@@ -599,7 +599,7 @@
             </a:ln>
             <a:extLst>
               <a:ext uri="{91240B29-F687-4f45-9708-019B960494DF}">
-                <a14:hiddenLine xmlns:a14="http://schemas.microsoft.com/office/drawing/2010/main" xmlns="" w="9525">
+                <a14:hiddenLine xmlns="" xmlns:a14="http://schemas.microsoft.com/office/drawing/2010/main" w="9525">
                   <a:solidFill>
                     <a:srgbClr val="000000"/>
                   </a:solidFill>
@@ -661,7 +661,7 @@
             </a:ln>
             <a:extLst>
               <a:ext uri="{91240B29-F687-4f45-9708-019B960494DF}">
-                <a14:hiddenLine xmlns:a14="http://schemas.microsoft.com/office/drawing/2010/main" xmlns="" w="9525">
+                <a14:hiddenLine xmlns="" xmlns:a14="http://schemas.microsoft.com/office/drawing/2010/main" w="9525">
                   <a:solidFill>
                     <a:srgbClr val="000000"/>
                   </a:solidFill>
@@ -723,7 +723,7 @@
             </a:ln>
             <a:extLst>
               <a:ext uri="{91240B29-F687-4f45-9708-019B960494DF}">
-                <a14:hiddenLine xmlns:a14="http://schemas.microsoft.com/office/drawing/2010/main" xmlns="" w="9525">
+                <a14:hiddenLine xmlns="" xmlns:a14="http://schemas.microsoft.com/office/drawing/2010/main" w="9525">
                   <a:solidFill>
                     <a:srgbClr val="000000"/>
                   </a:solidFill>
@@ -813,7 +813,7 @@
             </a:ln>
             <a:extLst>
               <a:ext uri="{91240B29-F687-4f45-9708-019B960494DF}">
-                <a14:hiddenLine xmlns:a14="http://schemas.microsoft.com/office/drawing/2010/main" xmlns="" w="9525">
+                <a14:hiddenLine xmlns="" xmlns:a14="http://schemas.microsoft.com/office/drawing/2010/main" w="9525">
                   <a:solidFill>
                     <a:srgbClr val="000000"/>
                   </a:solidFill>
@@ -875,7 +875,7 @@
             </a:ln>
             <a:extLst>
               <a:ext uri="{91240B29-F687-4f45-9708-019B960494DF}">
-                <a14:hiddenLine xmlns:a14="http://schemas.microsoft.com/office/drawing/2010/main" xmlns="" w="9525">
+                <a14:hiddenLine xmlns="" xmlns:a14="http://schemas.microsoft.com/office/drawing/2010/main" w="9525">
                   <a:solidFill>
                     <a:srgbClr val="000000"/>
                   </a:solidFill>
@@ -937,7 +937,7 @@
             </a:ln>
             <a:extLst>
               <a:ext uri="{91240B29-F687-4f45-9708-019B960494DF}">
-                <a14:hiddenLine xmlns:a14="http://schemas.microsoft.com/office/drawing/2010/main" xmlns="" w="9525">
+                <a14:hiddenLine xmlns="" xmlns:a14="http://schemas.microsoft.com/office/drawing/2010/main" w="9525">
                   <a:solidFill>
                     <a:srgbClr val="000000"/>
                   </a:solidFill>
@@ -1027,7 +1027,7 @@
             </a:ln>
             <a:extLst>
               <a:ext uri="{91240B29-F687-4f45-9708-019B960494DF}">
-                <a14:hiddenLine xmlns:a14="http://schemas.microsoft.com/office/drawing/2010/main" xmlns="" w="9525">
+                <a14:hiddenLine xmlns="" xmlns:a14="http://schemas.microsoft.com/office/drawing/2010/main" w="9525">
                   <a:solidFill>
                     <a:srgbClr val="000000"/>
                   </a:solidFill>
@@ -1117,7 +1117,7 @@
             </a:ln>
             <a:extLst>
               <a:ext uri="{91240B29-F687-4f45-9708-019B960494DF}">
-                <a14:hiddenLine xmlns:a14="http://schemas.microsoft.com/office/drawing/2010/main" xmlns="" w="9525">
+                <a14:hiddenLine xmlns="" xmlns:a14="http://schemas.microsoft.com/office/drawing/2010/main" w="9525">
                   <a:solidFill>
                     <a:srgbClr val="000000"/>
                   </a:solidFill>
@@ -1179,7 +1179,7 @@
             </a:ln>
             <a:extLst>
               <a:ext uri="{91240B29-F687-4f45-9708-019B960494DF}">
-                <a14:hiddenLine xmlns:a14="http://schemas.microsoft.com/office/drawing/2010/main" xmlns="" w="9525">
+                <a14:hiddenLine xmlns="" xmlns:a14="http://schemas.microsoft.com/office/drawing/2010/main" w="9525">
                   <a:solidFill>
                     <a:srgbClr val="000000"/>
                   </a:solidFill>
@@ -1289,7 +1289,7 @@
             </a:ln>
             <a:extLst>
               <a:ext uri="{91240B29-F687-4f45-9708-019B960494DF}">
-                <a14:hiddenLine xmlns:a14="http://schemas.microsoft.com/office/drawing/2010/main" xmlns="" w="9525">
+                <a14:hiddenLine xmlns="" xmlns:a14="http://schemas.microsoft.com/office/drawing/2010/main" w="9525">
                   <a:solidFill>
                     <a:srgbClr val="000000"/>
                   </a:solidFill>
@@ -1351,7 +1351,7 @@
             </a:ln>
             <a:extLst>
               <a:ext uri="{91240B29-F687-4f45-9708-019B960494DF}">
-                <a14:hiddenLine xmlns:a14="http://schemas.microsoft.com/office/drawing/2010/main" xmlns="" w="9525">
+                <a14:hiddenLine xmlns="" xmlns:a14="http://schemas.microsoft.com/office/drawing/2010/main" w="9525">
                   <a:solidFill>
                     <a:srgbClr val="000000"/>
                   </a:solidFill>
@@ -1441,7 +1441,7 @@
             </a:ln>
             <a:extLst>
               <a:ext uri="{91240B29-F687-4f45-9708-019B960494DF}">
-                <a14:hiddenLine xmlns:a14="http://schemas.microsoft.com/office/drawing/2010/main" xmlns="" w="9525">
+                <a14:hiddenLine xmlns="" xmlns:a14="http://schemas.microsoft.com/office/drawing/2010/main" w="9525">
                   <a:solidFill>
                     <a:srgbClr val="000000"/>
                   </a:solidFill>
@@ -1531,7 +1531,7 @@
             </a:ln>
             <a:extLst>
               <a:ext uri="{91240B29-F687-4f45-9708-019B960494DF}">
-                <a14:hiddenLine xmlns:a14="http://schemas.microsoft.com/office/drawing/2010/main" xmlns="" w="9525">
+                <a14:hiddenLine xmlns="" xmlns:a14="http://schemas.microsoft.com/office/drawing/2010/main" w="9525">
                   <a:solidFill>
                     <a:srgbClr val="000000"/>
                   </a:solidFill>
@@ -1593,7 +1593,7 @@
             </a:ln>
             <a:extLst>
               <a:ext uri="{91240B29-F687-4f45-9708-019B960494DF}">
-                <a14:hiddenLine xmlns:a14="http://schemas.microsoft.com/office/drawing/2010/main" xmlns="" w="9525">
+                <a14:hiddenLine xmlns="" xmlns:a14="http://schemas.microsoft.com/office/drawing/2010/main" w="9525">
                   <a:solidFill>
                     <a:srgbClr val="000000"/>
                   </a:solidFill>
@@ -1683,7 +1683,7 @@
             </a:ln>
             <a:extLst>
               <a:ext uri="{91240B29-F687-4f45-9708-019B960494DF}">
-                <a14:hiddenLine xmlns:a14="http://schemas.microsoft.com/office/drawing/2010/main" xmlns="" w="9525">
+                <a14:hiddenLine xmlns="" xmlns:a14="http://schemas.microsoft.com/office/drawing/2010/main" w="9525">
                   <a:solidFill>
                     <a:srgbClr val="000000"/>
                   </a:solidFill>
@@ -1773,7 +1773,7 @@
             </a:ln>
             <a:extLst>
               <a:ext uri="{91240B29-F687-4f45-9708-019B960494DF}">
-                <a14:hiddenLine xmlns:a14="http://schemas.microsoft.com/office/drawing/2010/main" xmlns="" w="9525">
+                <a14:hiddenLine xmlns="" xmlns:a14="http://schemas.microsoft.com/office/drawing/2010/main" w="9525">
                   <a:solidFill>
                     <a:srgbClr val="000000"/>
                   </a:solidFill>
@@ -1829,7 +1829,7 @@
             </a:ln>
             <a:extLst>
               <a:ext uri="{91240B29-F687-4f45-9708-019B960494DF}">
-                <a14:hiddenLine xmlns:a14="http://schemas.microsoft.com/office/drawing/2010/main" xmlns="" w="9525">
+                <a14:hiddenLine xmlns="" xmlns:a14="http://schemas.microsoft.com/office/drawing/2010/main" w="9525">
                   <a:solidFill>
                     <a:srgbClr val="000000"/>
                   </a:solidFill>
@@ -1919,7 +1919,7 @@
             </a:ln>
             <a:extLst>
               <a:ext uri="{91240B29-F687-4f45-9708-019B960494DF}">
-                <a14:hiddenLine xmlns:a14="http://schemas.microsoft.com/office/drawing/2010/main" xmlns="" w="9525">
+                <a14:hiddenLine xmlns="" xmlns:a14="http://schemas.microsoft.com/office/drawing/2010/main" w="9525">
                   <a:solidFill>
                     <a:srgbClr val="000000"/>
                   </a:solidFill>
@@ -1975,7 +1975,7 @@
             </a:ln>
             <a:extLst>
               <a:ext uri="{91240B29-F687-4f45-9708-019B960494DF}">
-                <a14:hiddenLine xmlns:a14="http://schemas.microsoft.com/office/drawing/2010/main" xmlns="" w="9525">
+                <a14:hiddenLine xmlns="" xmlns:a14="http://schemas.microsoft.com/office/drawing/2010/main" w="9525">
                   <a:solidFill>
                     <a:srgbClr val="000000"/>
                   </a:solidFill>
@@ -2065,7 +2065,7 @@
             </a:ln>
             <a:extLst>
               <a:ext uri="{91240B29-F687-4f45-9708-019B960494DF}">
-                <a14:hiddenLine xmlns:a14="http://schemas.microsoft.com/office/drawing/2010/main" xmlns="" w="9525">
+                <a14:hiddenLine xmlns="" xmlns:a14="http://schemas.microsoft.com/office/drawing/2010/main" w="9525">
                   <a:solidFill>
                     <a:srgbClr val="000000"/>
                   </a:solidFill>
@@ -2133,7 +2133,7 @@
             </a:ln>
             <a:extLst>
               <a:ext uri="{91240B29-F687-4f45-9708-019B960494DF}">
-                <a14:hiddenLine xmlns:a14="http://schemas.microsoft.com/office/drawing/2010/main" xmlns="" w="9525">
+                <a14:hiddenLine xmlns="" xmlns:a14="http://schemas.microsoft.com/office/drawing/2010/main" w="9525">
                   <a:solidFill>
                     <a:srgbClr val="000000"/>
                   </a:solidFill>
@@ -2223,7 +2223,7 @@
             </a:ln>
             <a:extLst>
               <a:ext uri="{91240B29-F687-4f45-9708-019B960494DF}">
-                <a14:hiddenLine xmlns:a14="http://schemas.microsoft.com/office/drawing/2010/main" xmlns="" w="9525">
+                <a14:hiddenLine xmlns="" xmlns:a14="http://schemas.microsoft.com/office/drawing/2010/main" w="9525">
                   <a:solidFill>
                     <a:srgbClr val="000000"/>
                   </a:solidFill>
@@ -2291,7 +2291,7 @@
             </a:ln>
             <a:extLst>
               <a:ext uri="{91240B29-F687-4f45-9708-019B960494DF}">
-                <a14:hiddenLine xmlns:a14="http://schemas.microsoft.com/office/drawing/2010/main" xmlns="" w="9525">
+                <a14:hiddenLine xmlns="" xmlns:a14="http://schemas.microsoft.com/office/drawing/2010/main" w="9525">
                   <a:solidFill>
                     <a:srgbClr val="000000"/>
                   </a:solidFill>
@@ -2381,7 +2381,7 @@
             </a:ln>
             <a:extLst>
               <a:ext uri="{91240B29-F687-4f45-9708-019B960494DF}">
-                <a14:hiddenLine xmlns:a14="http://schemas.microsoft.com/office/drawing/2010/main" xmlns="" w="9525">
+                <a14:hiddenLine xmlns="" xmlns:a14="http://schemas.microsoft.com/office/drawing/2010/main" w="9525">
                   <a:solidFill>
                     <a:srgbClr val="000000"/>
                   </a:solidFill>
@@ -2415,7 +2415,7 @@
             </a:ln>
             <a:extLst>
               <a:ext uri="{91240B29-F687-4f45-9708-019B960494DF}">
-                <a14:hiddenLine xmlns:a14="http://schemas.microsoft.com/office/drawing/2010/main" xmlns="" w="9525">
+                <a14:hiddenLine xmlns="" xmlns:a14="http://schemas.microsoft.com/office/drawing/2010/main" w="9525">
                   <a:solidFill>
                     <a:srgbClr val="000000"/>
                   </a:solidFill>
@@ -2505,7 +2505,7 @@
             </a:ln>
             <a:extLst>
               <a:ext uri="{91240B29-F687-4f45-9708-019B960494DF}">
-                <a14:hiddenLine xmlns:a14="http://schemas.microsoft.com/office/drawing/2010/main" xmlns="" w="9525">
+                <a14:hiddenLine xmlns="" xmlns:a14="http://schemas.microsoft.com/office/drawing/2010/main" w="9525">
                   <a:solidFill>
                     <a:srgbClr val="000000"/>
                   </a:solidFill>
@@ -2567,7 +2567,7 @@
             </a:ln>
             <a:extLst>
               <a:ext uri="{91240B29-F687-4f45-9708-019B960494DF}">
-                <a14:hiddenLine xmlns:a14="http://schemas.microsoft.com/office/drawing/2010/main" xmlns="" w="9525">
+                <a14:hiddenLine xmlns="" xmlns:a14="http://schemas.microsoft.com/office/drawing/2010/main" w="9525">
                   <a:solidFill>
                     <a:srgbClr val="000000"/>
                   </a:solidFill>
@@ -2629,7 +2629,7 @@
             </a:ln>
             <a:extLst>
               <a:ext uri="{91240B29-F687-4f45-9708-019B960494DF}">
-                <a14:hiddenLine xmlns:a14="http://schemas.microsoft.com/office/drawing/2010/main" xmlns="" w="9525">
+                <a14:hiddenLine xmlns="" xmlns:a14="http://schemas.microsoft.com/office/drawing/2010/main" w="9525">
                   <a:solidFill>
                     <a:srgbClr val="000000"/>
                   </a:solidFill>
@@ -2719,7 +2719,7 @@
             </a:ln>
             <a:extLst>
               <a:ext uri="{91240B29-F687-4f45-9708-019B960494DF}">
-                <a14:hiddenLine xmlns:a14="http://schemas.microsoft.com/office/drawing/2010/main" xmlns="" w="9525">
+                <a14:hiddenLine xmlns="" xmlns:a14="http://schemas.microsoft.com/office/drawing/2010/main" w="9525">
                   <a:solidFill>
                     <a:srgbClr val="000000"/>
                   </a:solidFill>
@@ -2787,7 +2787,7 @@
             </a:ln>
             <a:extLst>
               <a:ext uri="{91240B29-F687-4f45-9708-019B960494DF}">
-                <a14:hiddenLine xmlns:a14="http://schemas.microsoft.com/office/drawing/2010/main" xmlns="" w="9525">
+                <a14:hiddenLine xmlns="" xmlns:a14="http://schemas.microsoft.com/office/drawing/2010/main" w="9525">
                   <a:solidFill>
                     <a:srgbClr val="000000"/>
                   </a:solidFill>
@@ -2849,7 +2849,7 @@
             </a:ln>
             <a:extLst>
               <a:ext uri="{91240B29-F687-4f45-9708-019B960494DF}">
-                <a14:hiddenLine xmlns:a14="http://schemas.microsoft.com/office/drawing/2010/main" xmlns="" w="9525">
+                <a14:hiddenLine xmlns="" xmlns:a14="http://schemas.microsoft.com/office/drawing/2010/main" w="9525">
                   <a:solidFill>
                     <a:srgbClr val="000000"/>
                   </a:solidFill>
@@ -2939,7 +2939,7 @@
             </a:ln>
             <a:extLst>
               <a:ext uri="{91240B29-F687-4f45-9708-019B960494DF}">
-                <a14:hiddenLine xmlns:a14="http://schemas.microsoft.com/office/drawing/2010/main" xmlns="" w="9525">
+                <a14:hiddenLine xmlns="" xmlns:a14="http://schemas.microsoft.com/office/drawing/2010/main" w="9525">
                   <a:solidFill>
                     <a:srgbClr val="000000"/>
                   </a:solidFill>
@@ -3001,7 +3001,7 @@
             </a:ln>
             <a:extLst>
               <a:ext uri="{91240B29-F687-4f45-9708-019B960494DF}">
-                <a14:hiddenLine xmlns:a14="http://schemas.microsoft.com/office/drawing/2010/main" xmlns="" w="9525">
+                <a14:hiddenLine xmlns="" xmlns:a14="http://schemas.microsoft.com/office/drawing/2010/main" w="9525">
                   <a:solidFill>
                     <a:srgbClr val="000000"/>
                   </a:solidFill>
@@ -3091,7 +3091,7 @@
             </a:ln>
             <a:extLst>
               <a:ext uri="{91240B29-F687-4f45-9708-019B960494DF}">
-                <a14:hiddenLine xmlns:a14="http://schemas.microsoft.com/office/drawing/2010/main" xmlns="" w="9525">
+                <a14:hiddenLine xmlns="" xmlns:a14="http://schemas.microsoft.com/office/drawing/2010/main" w="9525">
                   <a:solidFill>
                     <a:srgbClr val="000000"/>
                   </a:solidFill>
@@ -3153,7 +3153,7 @@
             </a:ln>
             <a:extLst>
               <a:ext uri="{91240B29-F687-4f45-9708-019B960494DF}">
-                <a14:hiddenLine xmlns:a14="http://schemas.microsoft.com/office/drawing/2010/main" xmlns="" w="9525">
+                <a14:hiddenLine xmlns="" xmlns:a14="http://schemas.microsoft.com/office/drawing/2010/main" w="9525">
                   <a:solidFill>
                     <a:srgbClr val="000000"/>
                   </a:solidFill>
@@ -3243,7 +3243,7 @@
             </a:ln>
             <a:extLst>
               <a:ext uri="{91240B29-F687-4f45-9708-019B960494DF}">
-                <a14:hiddenLine xmlns:a14="http://schemas.microsoft.com/office/drawing/2010/main" xmlns="" w="9525">
+                <a14:hiddenLine xmlns="" xmlns:a14="http://schemas.microsoft.com/office/drawing/2010/main" w="9525">
                   <a:solidFill>
                     <a:srgbClr val="000000"/>
                   </a:solidFill>
@@ -3277,7 +3277,7 @@
             </a:ln>
             <a:extLst>
               <a:ext uri="{91240B29-F687-4f45-9708-019B960494DF}">
-                <a14:hiddenLine xmlns:a14="http://schemas.microsoft.com/office/drawing/2010/main" xmlns="" w="9525">
+                <a14:hiddenLine xmlns="" xmlns:a14="http://schemas.microsoft.com/office/drawing/2010/main" w="9525">
                   <a:solidFill>
                     <a:srgbClr val="000000"/>
                   </a:solidFill>
@@ -3342,7 +3342,7 @@
             </a:ln>
             <a:extLst>
               <a:ext uri="{91240B29-F687-4f45-9708-019B960494DF}">
-                <a14:hiddenLine xmlns:a14="http://schemas.microsoft.com/office/drawing/2010/main" xmlns="" w="9525">
+                <a14:hiddenLine xmlns="" xmlns:a14="http://schemas.microsoft.com/office/drawing/2010/main" w="9525">
                   <a:solidFill>
                     <a:srgbClr val="000000"/>
                   </a:solidFill>
@@ -3432,7 +3432,7 @@
             </a:ln>
             <a:extLst>
               <a:ext uri="{91240B29-F687-4f45-9708-019B960494DF}">
-                <a14:hiddenLine xmlns:a14="http://schemas.microsoft.com/office/drawing/2010/main" xmlns="" w="9525">
+                <a14:hiddenLine xmlns="" xmlns:a14="http://schemas.microsoft.com/office/drawing/2010/main" w="9525">
                   <a:solidFill>
                     <a:srgbClr val="000000"/>
                   </a:solidFill>
@@ -3494,7 +3494,7 @@
             </a:ln>
             <a:extLst>
               <a:ext uri="{91240B29-F687-4f45-9708-019B960494DF}">
-                <a14:hiddenLine xmlns:a14="http://schemas.microsoft.com/office/drawing/2010/main" xmlns="" w="9525">
+                <a14:hiddenLine xmlns="" xmlns:a14="http://schemas.microsoft.com/office/drawing/2010/main" w="9525">
                   <a:solidFill>
                     <a:srgbClr val="000000"/>
                   </a:solidFill>
@@ -3584,7 +3584,7 @@
             </a:ln>
             <a:extLst>
               <a:ext uri="{91240B29-F687-4f45-9708-019B960494DF}">
-                <a14:hiddenLine xmlns:a14="http://schemas.microsoft.com/office/drawing/2010/main" xmlns="" w="9525">
+                <a14:hiddenLine xmlns="" xmlns:a14="http://schemas.microsoft.com/office/drawing/2010/main" w="9525">
                   <a:solidFill>
                     <a:srgbClr val="000000"/>
                   </a:solidFill>
@@ -3674,7 +3674,7 @@
             </a:ln>
             <a:extLst>
               <a:ext uri="{91240B29-F687-4f45-9708-019B960494DF}">
-                <a14:hiddenLine xmlns:a14="http://schemas.microsoft.com/office/drawing/2010/main" xmlns="" w="9525">
+                <a14:hiddenLine xmlns="" xmlns:a14="http://schemas.microsoft.com/office/drawing/2010/main" w="9525">
                   <a:solidFill>
                     <a:srgbClr val="000000"/>
                   </a:solidFill>
@@ -3739,7 +3739,7 @@
             </a:ln>
             <a:extLst>
               <a:ext uri="{91240B29-F687-4f45-9708-019B960494DF}">
-                <a14:hiddenLine xmlns:a14="http://schemas.microsoft.com/office/drawing/2010/main" xmlns="" w="9525">
+                <a14:hiddenLine xmlns="" xmlns:a14="http://schemas.microsoft.com/office/drawing/2010/main" w="9525">
                   <a:solidFill>
                     <a:srgbClr val="000000"/>
                   </a:solidFill>
@@ -3801,7 +3801,7 @@
             </a:ln>
             <a:extLst>
               <a:ext uri="{91240B29-F687-4f45-9708-019B960494DF}">
-                <a14:hiddenLine xmlns:a14="http://schemas.microsoft.com/office/drawing/2010/main" xmlns="" w="9525">
+                <a14:hiddenLine xmlns="" xmlns:a14="http://schemas.microsoft.com/office/drawing/2010/main" w="9525">
                   <a:solidFill>
                     <a:srgbClr val="000000"/>
                   </a:solidFill>
@@ -3891,7 +3891,7 @@
             </a:ln>
             <a:extLst>
               <a:ext uri="{91240B29-F687-4f45-9708-019B960494DF}">
-                <a14:hiddenLine xmlns:a14="http://schemas.microsoft.com/office/drawing/2010/main" xmlns="" w="9525">
+                <a14:hiddenLine xmlns="" xmlns:a14="http://schemas.microsoft.com/office/drawing/2010/main" w="9525">
                   <a:solidFill>
                     <a:srgbClr val="000000"/>
                   </a:solidFill>
@@ -3981,7 +3981,7 @@
             </a:ln>
             <a:extLst>
               <a:ext uri="{91240B29-F687-4f45-9708-019B960494DF}">
-                <a14:hiddenLine xmlns:a14="http://schemas.microsoft.com/office/drawing/2010/main" xmlns="" w="9525">
+                <a14:hiddenLine xmlns="" xmlns:a14="http://schemas.microsoft.com/office/drawing/2010/main" w="9525">
                   <a:solidFill>
                     <a:srgbClr val="000000"/>
                   </a:solidFill>
@@ -4043,7 +4043,7 @@
             </a:ln>
             <a:extLst>
               <a:ext uri="{91240B29-F687-4f45-9708-019B960494DF}">
-                <a14:hiddenLine xmlns:a14="http://schemas.microsoft.com/office/drawing/2010/main" xmlns="" w="9525">
+                <a14:hiddenLine xmlns="" xmlns:a14="http://schemas.microsoft.com/office/drawing/2010/main" w="9525">
                   <a:solidFill>
                     <a:srgbClr val="000000"/>
                   </a:solidFill>
@@ -4163,7 +4163,7 @@
             </a:ln>
             <a:extLst>
               <a:ext uri="{91240B29-F687-4f45-9708-019B960494DF}">
-                <a14:hiddenLine xmlns:a14="http://schemas.microsoft.com/office/drawing/2010/main" xmlns="" w="9525">
+                <a14:hiddenLine xmlns="" xmlns:a14="http://schemas.microsoft.com/office/drawing/2010/main" w="9525">
                   <a:solidFill>
                     <a:srgbClr val="000000"/>
                   </a:solidFill>
@@ -4231,7 +4231,7 @@
             </a:ln>
             <a:extLst>
               <a:ext uri="{91240B29-F687-4f45-9708-019B960494DF}">
-                <a14:hiddenLine xmlns:a14="http://schemas.microsoft.com/office/drawing/2010/main" xmlns="" w="9525">
+                <a14:hiddenLine xmlns="" xmlns:a14="http://schemas.microsoft.com/office/drawing/2010/main" w="9525">
                   <a:solidFill>
                     <a:srgbClr val="000000"/>
                   </a:solidFill>
@@ -4321,7 +4321,7 @@
             </a:ln>
             <a:extLst>
               <a:ext uri="{91240B29-F687-4f45-9708-019B960494DF}">
-                <a14:hiddenLine xmlns:a14="http://schemas.microsoft.com/office/drawing/2010/main" xmlns="" w="9525">
+                <a14:hiddenLine xmlns="" xmlns:a14="http://schemas.microsoft.com/office/drawing/2010/main" w="9525">
                   <a:solidFill>
                     <a:srgbClr val="000000"/>
                   </a:solidFill>
@@ -4462,7 +4462,7 @@
             <a:fld id="{48A87A34-81AB-432B-8DAE-1953F412C126}" type="datetimeFigureOut">
               <a:rPr lang="en-US" dirty="0"/>
               <a:pPr/>
-              <a:t>7/26/2016</a:t>
+              <a:t>7/27/2016</a:t>
             </a:fld>
             <a:endParaRPr lang="en-US" dirty="0"/>
           </a:p>
@@ -4726,7 +4726,7 @@
             <a:fld id="{48A87A34-81AB-432B-8DAE-1953F412C126}" type="datetimeFigureOut">
               <a:rPr lang="en-US" dirty="0"/>
               <a:pPr/>
-              <a:t>7/26/2016</a:t>
+              <a:t>7/27/2016</a:t>
             </a:fld>
             <a:endParaRPr lang="en-US" dirty="0"/>
           </a:p>
@@ -4919,7 +4919,7 @@
             <a:fld id="{48A87A34-81AB-432B-8DAE-1953F412C126}" type="datetimeFigureOut">
               <a:rPr lang="en-US" dirty="0"/>
               <a:pPr/>
-              <a:t>7/26/2016</a:t>
+              <a:t>7/27/2016</a:t>
             </a:fld>
             <a:endParaRPr lang="en-US" dirty="0"/>
           </a:p>
@@ -5179,7 +5179,7 @@
             <a:fld id="{48A87A34-81AB-432B-8DAE-1953F412C126}" type="datetimeFigureOut">
               <a:rPr lang="en-US" dirty="0"/>
               <a:pPr/>
-              <a:t>7/26/2016</a:t>
+              <a:t>7/27/2016</a:t>
             </a:fld>
             <a:endParaRPr lang="en-US" dirty="0"/>
           </a:p>
@@ -5610,7 +5610,7 @@
             <a:fld id="{48A87A34-81AB-432B-8DAE-1953F412C126}" type="datetimeFigureOut">
               <a:rPr lang="en-US" dirty="0"/>
               <a:pPr/>
-              <a:t>7/26/2016</a:t>
+              <a:t>7/27/2016</a:t>
             </a:fld>
             <a:endParaRPr lang="en-US" dirty="0"/>
           </a:p>
@@ -6153,7 +6153,7 @@
             <a:fld id="{48A87A34-81AB-432B-8DAE-1953F412C126}" type="datetimeFigureOut">
               <a:rPr lang="en-US" dirty="0"/>
               <a:pPr/>
-              <a:t>7/26/2016</a:t>
+              <a:t>7/27/2016</a:t>
             </a:fld>
             <a:endParaRPr lang="en-US" dirty="0"/>
           </a:p>
@@ -6870,7 +6870,7 @@
             <a:fld id="{48A87A34-81AB-432B-8DAE-1953F412C126}" type="datetimeFigureOut">
               <a:rPr lang="en-US" dirty="0"/>
               <a:pPr/>
-              <a:t>7/26/2016</a:t>
+              <a:t>7/27/2016</a:t>
             </a:fld>
             <a:endParaRPr lang="en-US" dirty="0"/>
           </a:p>
@@ -7037,7 +7037,7 @@
             <a:fld id="{48A87A34-81AB-432B-8DAE-1953F412C126}" type="datetimeFigureOut">
               <a:rPr lang="en-US" dirty="0"/>
               <a:pPr/>
-              <a:t>7/26/2016</a:t>
+              <a:t>7/27/2016</a:t>
             </a:fld>
             <a:endParaRPr lang="en-US" dirty="0"/>
           </a:p>
@@ -7214,7 +7214,7 @@
             <a:fld id="{48A87A34-81AB-432B-8DAE-1953F412C126}" type="datetimeFigureOut">
               <a:rPr lang="en-US" dirty="0"/>
               <a:pPr/>
-              <a:t>7/26/2016</a:t>
+              <a:t>7/27/2016</a:t>
             </a:fld>
             <a:endParaRPr lang="en-US" dirty="0"/>
           </a:p>
@@ -7381,7 +7381,7 @@
             <a:fld id="{48A87A34-81AB-432B-8DAE-1953F412C126}" type="datetimeFigureOut">
               <a:rPr lang="en-US" dirty="0"/>
               <a:pPr/>
-              <a:t>7/26/2016</a:t>
+              <a:t>7/27/2016</a:t>
             </a:fld>
             <a:endParaRPr lang="en-US" dirty="0"/>
           </a:p>
@@ -7628,7 +7628,7 @@
             <a:fld id="{48A87A34-81AB-432B-8DAE-1953F412C126}" type="datetimeFigureOut">
               <a:rPr lang="en-US" dirty="0"/>
               <a:pPr/>
-              <a:t>7/26/2016</a:t>
+              <a:t>7/27/2016</a:t>
             </a:fld>
             <a:endParaRPr lang="en-US" dirty="0"/>
           </a:p>
@@ -7857,7 +7857,7 @@
             <a:fld id="{48A87A34-81AB-432B-8DAE-1953F412C126}" type="datetimeFigureOut">
               <a:rPr lang="en-US" dirty="0"/>
               <a:pPr/>
-              <a:t>7/26/2016</a:t>
+              <a:t>7/27/2016</a:t>
             </a:fld>
             <a:endParaRPr lang="en-US" dirty="0"/>
           </a:p>
@@ -8235,7 +8235,7 @@
             <a:fld id="{48A87A34-81AB-432B-8DAE-1953F412C126}" type="datetimeFigureOut">
               <a:rPr lang="en-US" dirty="0"/>
               <a:pPr/>
-              <a:t>7/26/2016</a:t>
+              <a:t>7/27/2016</a:t>
             </a:fld>
             <a:endParaRPr lang="en-US" dirty="0"/>
           </a:p>
@@ -8350,7 +8350,7 @@
             <a:fld id="{48A87A34-81AB-432B-8DAE-1953F412C126}" type="datetimeFigureOut">
               <a:rPr lang="en-US" dirty="0"/>
               <a:pPr/>
-              <a:t>7/26/2016</a:t>
+              <a:t>7/27/2016</a:t>
             </a:fld>
             <a:endParaRPr lang="en-US" dirty="0"/>
           </a:p>
@@ -8442,7 +8442,7 @@
             <a:fld id="{48A87A34-81AB-432B-8DAE-1953F412C126}" type="datetimeFigureOut">
               <a:rPr lang="en-US" dirty="0"/>
               <a:pPr/>
-              <a:t>7/26/2016</a:t>
+              <a:t>7/27/2016</a:t>
             </a:fld>
             <a:endParaRPr lang="en-US" dirty="0"/>
           </a:p>
@@ -8688,7 +8688,7 @@
             <a:fld id="{48A87A34-81AB-432B-8DAE-1953F412C126}" type="datetimeFigureOut">
               <a:rPr lang="en-US" dirty="0"/>
               <a:pPr/>
-              <a:t>7/26/2016</a:t>
+              <a:t>7/27/2016</a:t>
             </a:fld>
             <a:endParaRPr lang="en-US" dirty="0"/>
           </a:p>
@@ -8965,7 +8965,7 @@
             <a:fld id="{48A87A34-81AB-432B-8DAE-1953F412C126}" type="datetimeFigureOut">
               <a:rPr lang="en-US" dirty="0"/>
               <a:pPr/>
-              <a:t>7/26/2016</a:t>
+              <a:t>7/27/2016</a:t>
             </a:fld>
             <a:endParaRPr lang="en-US" dirty="0"/>
           </a:p>
@@ -9057,7 +9057,7 @@
             <a:alphaModFix amt="30000"/>
             <a:extLst>
               <a:ext uri="{28A0092B-C50C-407E-A947-70E740481C1C}">
-                <a14:useLocalDpi xmlns:a14="http://schemas.microsoft.com/office/drawing/2010/main" val="0"/>
+                <a14:useLocalDpi xmlns:a14="http://schemas.microsoft.com/office/drawing/2010/main" xmlns="" val="0"/>
               </a:ext>
             </a:extLst>
           </a:blip>
@@ -9077,7 +9077,7 @@
           <a:noFill/>
           <a:extLst>
             <a:ext uri="{909E8E84-426E-40dd-AFC4-6F175D3DCCD1}">
-              <a14:hiddenFill xmlns:a14="http://schemas.microsoft.com/office/drawing/2010/main" xmlns="">
+              <a14:hiddenFill xmlns="" xmlns:a14="http://schemas.microsoft.com/office/drawing/2010/main">
                 <a:solidFill>
                   <a:srgbClr val="FFFFFF"/>
                 </a:solidFill>
@@ -9151,7 +9151,7 @@
               </a:ln>
               <a:extLst>
                 <a:ext uri="{91240B29-F687-4f45-9708-019B960494DF}">
-                  <a14:hiddenLine xmlns:a14="http://schemas.microsoft.com/office/drawing/2010/main" xmlns="" w="9525">
+                  <a14:hiddenLine xmlns="" xmlns:a14="http://schemas.microsoft.com/office/drawing/2010/main" w="9525">
                     <a:solidFill>
                       <a:srgbClr val="000000"/>
                     </a:solidFill>
@@ -9241,7 +9241,7 @@
               </a:ln>
               <a:extLst>
                 <a:ext uri="{91240B29-F687-4f45-9708-019B960494DF}">
-                  <a14:hiddenLine xmlns:a14="http://schemas.microsoft.com/office/drawing/2010/main" xmlns="" w="9525">
+                  <a14:hiddenLine xmlns="" xmlns:a14="http://schemas.microsoft.com/office/drawing/2010/main" w="9525">
                     <a:solidFill>
                       <a:srgbClr val="000000"/>
                     </a:solidFill>
@@ -9331,7 +9331,7 @@
               </a:ln>
               <a:extLst>
                 <a:ext uri="{91240B29-F687-4f45-9708-019B960494DF}">
-                  <a14:hiddenLine xmlns:a14="http://schemas.microsoft.com/office/drawing/2010/main" xmlns="" w="9525">
+                  <a14:hiddenLine xmlns="" xmlns:a14="http://schemas.microsoft.com/office/drawing/2010/main" w="9525">
                     <a:solidFill>
                       <a:srgbClr val="000000"/>
                     </a:solidFill>
@@ -9393,7 +9393,7 @@
               </a:ln>
               <a:extLst>
                 <a:ext uri="{91240B29-F687-4f45-9708-019B960494DF}">
-                  <a14:hiddenLine xmlns:a14="http://schemas.microsoft.com/office/drawing/2010/main" xmlns="" w="9525">
+                  <a14:hiddenLine xmlns="" xmlns:a14="http://schemas.microsoft.com/office/drawing/2010/main" w="9525">
                     <a:solidFill>
                       <a:srgbClr val="000000"/>
                     </a:solidFill>
@@ -9483,7 +9483,7 @@
               </a:ln>
               <a:extLst>
                 <a:ext uri="{91240B29-F687-4f45-9708-019B960494DF}">
-                  <a14:hiddenLine xmlns:a14="http://schemas.microsoft.com/office/drawing/2010/main" xmlns="" w="9525">
+                  <a14:hiddenLine xmlns="" xmlns:a14="http://schemas.microsoft.com/office/drawing/2010/main" w="9525">
                     <a:solidFill>
                       <a:srgbClr val="000000"/>
                     </a:solidFill>
@@ -9545,7 +9545,7 @@
               </a:ln>
               <a:extLst>
                 <a:ext uri="{91240B29-F687-4f45-9708-019B960494DF}">
-                  <a14:hiddenLine xmlns:a14="http://schemas.microsoft.com/office/drawing/2010/main" xmlns="" w="9525">
+                  <a14:hiddenLine xmlns="" xmlns:a14="http://schemas.microsoft.com/office/drawing/2010/main" w="9525">
                     <a:solidFill>
                       <a:srgbClr val="000000"/>
                     </a:solidFill>
@@ -9607,7 +9607,7 @@
               </a:ln>
               <a:extLst>
                 <a:ext uri="{91240B29-F687-4f45-9708-019B960494DF}">
-                  <a14:hiddenLine xmlns:a14="http://schemas.microsoft.com/office/drawing/2010/main" xmlns="" w="9525">
+                  <a14:hiddenLine xmlns="" xmlns:a14="http://schemas.microsoft.com/office/drawing/2010/main" w="9525">
                     <a:solidFill>
                       <a:srgbClr val="000000"/>
                     </a:solidFill>
@@ -9697,7 +9697,7 @@
               </a:ln>
               <a:extLst>
                 <a:ext uri="{91240B29-F687-4f45-9708-019B960494DF}">
-                  <a14:hiddenLine xmlns:a14="http://schemas.microsoft.com/office/drawing/2010/main" xmlns="" w="9525">
+                  <a14:hiddenLine xmlns="" xmlns:a14="http://schemas.microsoft.com/office/drawing/2010/main" w="9525">
                     <a:solidFill>
                       <a:srgbClr val="000000"/>
                     </a:solidFill>
@@ -9787,7 +9787,7 @@
               </a:ln>
               <a:extLst>
                 <a:ext uri="{91240B29-F687-4f45-9708-019B960494DF}">
-                  <a14:hiddenLine xmlns:a14="http://schemas.microsoft.com/office/drawing/2010/main" xmlns="" w="9525">
+                  <a14:hiddenLine xmlns="" xmlns:a14="http://schemas.microsoft.com/office/drawing/2010/main" w="9525">
                     <a:solidFill>
                       <a:srgbClr val="000000"/>
                     </a:solidFill>
@@ -9849,7 +9849,7 @@
               </a:ln>
               <a:extLst>
                 <a:ext uri="{91240B29-F687-4f45-9708-019B960494DF}">
-                  <a14:hiddenLine xmlns:a14="http://schemas.microsoft.com/office/drawing/2010/main" xmlns="" w="9525">
+                  <a14:hiddenLine xmlns="" xmlns:a14="http://schemas.microsoft.com/office/drawing/2010/main" w="9525">
                     <a:solidFill>
                       <a:srgbClr val="000000"/>
                     </a:solidFill>
@@ -9959,7 +9959,7 @@
               </a:ln>
               <a:extLst>
                 <a:ext uri="{91240B29-F687-4f45-9708-019B960494DF}">
-                  <a14:hiddenLine xmlns:a14="http://schemas.microsoft.com/office/drawing/2010/main" xmlns="" w="9525">
+                  <a14:hiddenLine xmlns="" xmlns:a14="http://schemas.microsoft.com/office/drawing/2010/main" w="9525">
                     <a:solidFill>
                       <a:srgbClr val="000000"/>
                     </a:solidFill>
@@ -10043,7 +10043,7 @@
               </a:ln>
               <a:extLst>
                 <a:ext uri="{91240B29-F687-4f45-9708-019B960494DF}">
-                  <a14:hiddenLine xmlns:a14="http://schemas.microsoft.com/office/drawing/2010/main" xmlns="" w="9525">
+                  <a14:hiddenLine xmlns="" xmlns:a14="http://schemas.microsoft.com/office/drawing/2010/main" w="9525">
                     <a:solidFill>
                       <a:srgbClr val="000000"/>
                     </a:solidFill>
@@ -10105,7 +10105,7 @@
               </a:ln>
               <a:extLst>
                 <a:ext uri="{91240B29-F687-4f45-9708-019B960494DF}">
-                  <a14:hiddenLine xmlns:a14="http://schemas.microsoft.com/office/drawing/2010/main" xmlns="" w="9525">
+                  <a14:hiddenLine xmlns="" xmlns:a14="http://schemas.microsoft.com/office/drawing/2010/main" w="9525">
                     <a:solidFill>
                       <a:srgbClr val="000000"/>
                     </a:solidFill>
@@ -10167,7 +10167,7 @@
               </a:ln>
               <a:extLst>
                 <a:ext uri="{91240B29-F687-4f45-9708-019B960494DF}">
-                  <a14:hiddenLine xmlns:a14="http://schemas.microsoft.com/office/drawing/2010/main" xmlns="" w="9525">
+                  <a14:hiddenLine xmlns="" xmlns:a14="http://schemas.microsoft.com/office/drawing/2010/main" w="9525">
                     <a:solidFill>
                       <a:srgbClr val="000000"/>
                     </a:solidFill>
@@ -10257,7 +10257,7 @@
               </a:ln>
               <a:extLst>
                 <a:ext uri="{91240B29-F687-4f45-9708-019B960494DF}">
-                  <a14:hiddenLine xmlns:a14="http://schemas.microsoft.com/office/drawing/2010/main" xmlns="" w="9525">
+                  <a14:hiddenLine xmlns="" xmlns:a14="http://schemas.microsoft.com/office/drawing/2010/main" w="9525">
                     <a:solidFill>
                       <a:srgbClr val="000000"/>
                     </a:solidFill>
@@ -10291,7 +10291,7 @@
               </a:ln>
               <a:extLst>
                 <a:ext uri="{91240B29-F687-4f45-9708-019B960494DF}">
-                  <a14:hiddenLine xmlns:a14="http://schemas.microsoft.com/office/drawing/2010/main" xmlns="" w="9525">
+                  <a14:hiddenLine xmlns="" xmlns:a14="http://schemas.microsoft.com/office/drawing/2010/main" w="9525">
                     <a:solidFill>
                       <a:srgbClr val="000000"/>
                     </a:solidFill>
@@ -10356,7 +10356,7 @@
               </a:ln>
               <a:extLst>
                 <a:ext uri="{91240B29-F687-4f45-9708-019B960494DF}">
-                  <a14:hiddenLine xmlns:a14="http://schemas.microsoft.com/office/drawing/2010/main" xmlns="" w="9525">
+                  <a14:hiddenLine xmlns="" xmlns:a14="http://schemas.microsoft.com/office/drawing/2010/main" w="9525">
                     <a:solidFill>
                       <a:srgbClr val="000000"/>
                     </a:solidFill>
@@ -10446,7 +10446,7 @@
               </a:ln>
               <a:extLst>
                 <a:ext uri="{91240B29-F687-4f45-9708-019B960494DF}">
-                  <a14:hiddenLine xmlns:a14="http://schemas.microsoft.com/office/drawing/2010/main" xmlns="" w="9525">
+                  <a14:hiddenLine xmlns="" xmlns:a14="http://schemas.microsoft.com/office/drawing/2010/main" w="9525">
                     <a:solidFill>
                       <a:srgbClr val="000000"/>
                     </a:solidFill>
@@ -10508,7 +10508,7 @@
               </a:ln>
               <a:extLst>
                 <a:ext uri="{91240B29-F687-4f45-9708-019B960494DF}">
-                  <a14:hiddenLine xmlns:a14="http://schemas.microsoft.com/office/drawing/2010/main" xmlns="" w="9525">
+                  <a14:hiddenLine xmlns="" xmlns:a14="http://schemas.microsoft.com/office/drawing/2010/main" w="9525">
                     <a:solidFill>
                       <a:srgbClr val="000000"/>
                     </a:solidFill>
@@ -10598,7 +10598,7 @@
               </a:ln>
               <a:extLst>
                 <a:ext uri="{91240B29-F687-4f45-9708-019B960494DF}">
-                  <a14:hiddenLine xmlns:a14="http://schemas.microsoft.com/office/drawing/2010/main" xmlns="" w="9525">
+                  <a14:hiddenLine xmlns="" xmlns:a14="http://schemas.microsoft.com/office/drawing/2010/main" w="9525">
                     <a:solidFill>
                       <a:srgbClr val="000000"/>
                     </a:solidFill>
@@ -10663,7 +10663,7 @@
               </a:ln>
               <a:extLst>
                 <a:ext uri="{91240B29-F687-4f45-9708-019B960494DF}">
-                  <a14:hiddenLine xmlns:a14="http://schemas.microsoft.com/office/drawing/2010/main" xmlns="" w="9525">
+                  <a14:hiddenLine xmlns="" xmlns:a14="http://schemas.microsoft.com/office/drawing/2010/main" w="9525">
                     <a:solidFill>
                       <a:srgbClr val="000000"/>
                     </a:solidFill>
@@ -10725,7 +10725,7 @@
               </a:ln>
               <a:extLst>
                 <a:ext uri="{91240B29-F687-4f45-9708-019B960494DF}">
-                  <a14:hiddenLine xmlns:a14="http://schemas.microsoft.com/office/drawing/2010/main" xmlns="" w="9525">
+                  <a14:hiddenLine xmlns="" xmlns:a14="http://schemas.microsoft.com/office/drawing/2010/main" w="9525">
                     <a:solidFill>
                       <a:srgbClr val="000000"/>
                     </a:solidFill>
@@ -10815,7 +10815,7 @@
               </a:ln>
               <a:extLst>
                 <a:ext uri="{91240B29-F687-4f45-9708-019B960494DF}">
-                  <a14:hiddenLine xmlns:a14="http://schemas.microsoft.com/office/drawing/2010/main" xmlns="" w="9525">
+                  <a14:hiddenLine xmlns="" xmlns:a14="http://schemas.microsoft.com/office/drawing/2010/main" w="9525">
                     <a:solidFill>
                       <a:srgbClr val="000000"/>
                     </a:solidFill>
@@ -10905,7 +10905,7 @@
               </a:ln>
               <a:extLst>
                 <a:ext uri="{91240B29-F687-4f45-9708-019B960494DF}">
-                  <a14:hiddenLine xmlns:a14="http://schemas.microsoft.com/office/drawing/2010/main" xmlns="" w="9525">
+                  <a14:hiddenLine xmlns="" xmlns:a14="http://schemas.microsoft.com/office/drawing/2010/main" w="9525">
                     <a:solidFill>
                       <a:srgbClr val="000000"/>
                     </a:solidFill>
@@ -10970,7 +10970,7 @@
               </a:ln>
               <a:extLst>
                 <a:ext uri="{91240B29-F687-4f45-9708-019B960494DF}">
-                  <a14:hiddenLine xmlns:a14="http://schemas.microsoft.com/office/drawing/2010/main" xmlns="" w="9525">
+                  <a14:hiddenLine xmlns="" xmlns:a14="http://schemas.microsoft.com/office/drawing/2010/main" w="9525">
                     <a:solidFill>
                       <a:srgbClr val="000000"/>
                     </a:solidFill>
@@ -11090,7 +11090,7 @@
               </a:ln>
               <a:extLst>
                 <a:ext uri="{91240B29-F687-4f45-9708-019B960494DF}">
-                  <a14:hiddenLine xmlns:a14="http://schemas.microsoft.com/office/drawing/2010/main" xmlns="" w="9525">
+                  <a14:hiddenLine xmlns="" xmlns:a14="http://schemas.microsoft.com/office/drawing/2010/main" w="9525">
                     <a:solidFill>
                       <a:srgbClr val="000000"/>
                     </a:solidFill>
@@ -11188,7 +11188,7 @@
               </a:ln>
               <a:extLst>
                 <a:ext uri="{91240B29-F687-4f45-9708-019B960494DF}">
-                  <a14:hiddenLine xmlns:a14="http://schemas.microsoft.com/office/drawing/2010/main" xmlns="" w="9525">
+                  <a14:hiddenLine xmlns="" xmlns:a14="http://schemas.microsoft.com/office/drawing/2010/main" w="9525">
                     <a:solidFill>
                       <a:srgbClr val="000000"/>
                     </a:solidFill>
@@ -11303,7 +11303,7 @@
               </a:ln>
               <a:extLst>
                 <a:ext uri="{91240B29-F687-4f45-9708-019B960494DF}">
-                  <a14:hiddenLine xmlns:a14="http://schemas.microsoft.com/office/drawing/2010/main" xmlns="" w="9525">
+                  <a14:hiddenLine xmlns="" xmlns:a14="http://schemas.microsoft.com/office/drawing/2010/main" w="9525">
                     <a:solidFill>
                       <a:srgbClr val="000000"/>
                     </a:solidFill>
@@ -11393,7 +11393,7 @@
               </a:ln>
               <a:extLst>
                 <a:ext uri="{91240B29-F687-4f45-9708-019B960494DF}">
-                  <a14:hiddenLine xmlns:a14="http://schemas.microsoft.com/office/drawing/2010/main" xmlns="" w="9525">
+                  <a14:hiddenLine xmlns="" xmlns:a14="http://schemas.microsoft.com/office/drawing/2010/main" w="9525">
                     <a:solidFill>
                       <a:srgbClr val="000000"/>
                     </a:solidFill>
@@ -11458,7 +11458,7 @@
               </a:ln>
               <a:extLst>
                 <a:ext uri="{91240B29-F687-4f45-9708-019B960494DF}">
-                  <a14:hiddenLine xmlns:a14="http://schemas.microsoft.com/office/drawing/2010/main" xmlns="" w="9525">
+                  <a14:hiddenLine xmlns="" xmlns:a14="http://schemas.microsoft.com/office/drawing/2010/main" w="9525">
                     <a:solidFill>
                       <a:srgbClr val="000000"/>
                     </a:solidFill>
@@ -11548,7 +11548,7 @@
               </a:ln>
               <a:extLst>
                 <a:ext uri="{91240B29-F687-4f45-9708-019B960494DF}">
-                  <a14:hiddenLine xmlns:a14="http://schemas.microsoft.com/office/drawing/2010/main" xmlns="" w="9525">
+                  <a14:hiddenLine xmlns="" xmlns:a14="http://schemas.microsoft.com/office/drawing/2010/main" w="9525">
                     <a:solidFill>
                       <a:srgbClr val="000000"/>
                     </a:solidFill>
@@ -11616,7 +11616,7 @@
               </a:ln>
               <a:extLst>
                 <a:ext uri="{91240B29-F687-4f45-9708-019B960494DF}">
-                  <a14:hiddenLine xmlns:a14="http://schemas.microsoft.com/office/drawing/2010/main" xmlns="" w="9525">
+                  <a14:hiddenLine xmlns="" xmlns:a14="http://schemas.microsoft.com/office/drawing/2010/main" w="9525">
                     <a:solidFill>
                       <a:srgbClr val="000000"/>
                     </a:solidFill>
@@ -11706,7 +11706,7 @@
               </a:ln>
               <a:extLst>
                 <a:ext uri="{91240B29-F687-4f45-9708-019B960494DF}">
-                  <a14:hiddenLine xmlns:a14="http://schemas.microsoft.com/office/drawing/2010/main" xmlns="" w="9525">
+                  <a14:hiddenLine xmlns="" xmlns:a14="http://schemas.microsoft.com/office/drawing/2010/main" w="9525">
                     <a:solidFill>
                       <a:srgbClr val="000000"/>
                     </a:solidFill>
@@ -11774,7 +11774,7 @@
               </a:ln>
               <a:extLst>
                 <a:ext uri="{91240B29-F687-4f45-9708-019B960494DF}">
-                  <a14:hiddenLine xmlns:a14="http://schemas.microsoft.com/office/drawing/2010/main" xmlns="" w="9525">
+                  <a14:hiddenLine xmlns="" xmlns:a14="http://schemas.microsoft.com/office/drawing/2010/main" w="9525">
                     <a:solidFill>
                       <a:srgbClr val="000000"/>
                     </a:solidFill>
@@ -11864,7 +11864,7 @@
               </a:ln>
               <a:extLst>
                 <a:ext uri="{91240B29-F687-4f45-9708-019B960494DF}">
-                  <a14:hiddenLine xmlns:a14="http://schemas.microsoft.com/office/drawing/2010/main" xmlns="" w="9525">
+                  <a14:hiddenLine xmlns="" xmlns:a14="http://schemas.microsoft.com/office/drawing/2010/main" w="9525">
                     <a:solidFill>
                       <a:srgbClr val="000000"/>
                     </a:solidFill>
@@ -11898,7 +11898,7 @@
               </a:ln>
               <a:extLst>
                 <a:ext uri="{91240B29-F687-4f45-9708-019B960494DF}">
-                  <a14:hiddenLine xmlns:a14="http://schemas.microsoft.com/office/drawing/2010/main" xmlns="" w="9525">
+                  <a14:hiddenLine xmlns="" xmlns:a14="http://schemas.microsoft.com/office/drawing/2010/main" w="9525">
                     <a:solidFill>
                       <a:srgbClr val="000000"/>
                     </a:solidFill>
@@ -12039,7 +12039,7 @@
             <a:fld id="{48A87A34-81AB-432B-8DAE-1953F412C126}" type="datetimeFigureOut">
               <a:rPr lang="en-US" dirty="0"/>
               <a:pPr/>
-              <a:t>7/26/2016</a:t>
+              <a:t>7/27/2016</a:t>
             </a:fld>
             <a:endParaRPr lang="en-US" dirty="0"/>
           </a:p>
@@ -12500,18 +12500,18 @@
     </p:spTree>
     <p:extLst>
       <p:ext uri="{BB962C8B-B14F-4D97-AF65-F5344CB8AC3E}">
-        <p14:creationId xmlns:p14="http://schemas.microsoft.com/office/powerpoint/2010/main" val="1932957581"/>
+        <p14:creationId xmlns:p14="http://schemas.microsoft.com/office/powerpoint/2010/main" xmlns="" val="1932957581"/>
       </p:ext>
     </p:extLst>
   </p:cSld>
   <p:clrMapOvr>
     <a:masterClrMapping/>
   </p:clrMapOvr>
-  <mc:AlternateContent xmlns:mc="http://schemas.openxmlformats.org/markup-compatibility/2006" xmlns:p14="http://schemas.microsoft.com/office/powerpoint/2010/main">
-    <mc:Choice Requires="p14">
+  <mc:AlternateContent xmlns:mc="http://schemas.openxmlformats.org/markup-compatibility/2006">
+    <mc:Choice xmlns:p14="http://schemas.microsoft.com/office/powerpoint/2010/main" xmlns="" Requires="p14">
       <p:transition p14:dur="10"/>
     </mc:Choice>
-    <mc:Fallback xmlns="">
+    <mc:Fallback>
       <p:transition/>
     </mc:Fallback>
   </mc:AlternateContent>
@@ -12754,13 +12754,6 @@
           </a:p>
           <a:p>
             <a:pPr lvl="1"/>
-            <a:r>
-              <a:rPr lang="en-US" dirty="0"/>
-              <a:t>Design applications and databases</a:t>
-            </a:r>
-          </a:p>
-          <a:p>
-            <a:pPr lvl="1"/>
             <a:endParaRPr lang="en-US" dirty="0"/>
           </a:p>
         </p:txBody>
@@ -12768,7 +12761,7 @@
     </p:spTree>
     <p:extLst>
       <p:ext uri="{BB962C8B-B14F-4D97-AF65-F5344CB8AC3E}">
-        <p14:creationId xmlns:p14="http://schemas.microsoft.com/office/powerpoint/2010/main" val="2980462209"/>
+        <p14:creationId xmlns:p14="http://schemas.microsoft.com/office/powerpoint/2010/main" xmlns="" val="3658684172"/>
       </p:ext>
     </p:extLst>
   </p:cSld>
@@ -12878,13 +12871,6 @@
           </a:p>
           <a:p>
             <a:pPr lvl="1"/>
-            <a:r>
-              <a:rPr lang="en-US" dirty="0"/>
-              <a:t>Little interaction with clients</a:t>
-            </a:r>
-          </a:p>
-          <a:p>
-            <a:pPr lvl="1"/>
             <a:endParaRPr lang="en-US" dirty="0"/>
           </a:p>
         </p:txBody>
@@ -12892,7 +12878,7 @@
     </p:spTree>
     <p:extLst>
       <p:ext uri="{BB962C8B-B14F-4D97-AF65-F5344CB8AC3E}">
-        <p14:creationId xmlns:p14="http://schemas.microsoft.com/office/powerpoint/2010/main" val="2985205535"/>
+        <p14:creationId xmlns:p14="http://schemas.microsoft.com/office/powerpoint/2010/main" xmlns="" val="2980462209"/>
       </p:ext>
     </p:extLst>
   </p:cSld>
@@ -13009,10 +12995,6 @@
           </a:p>
           <a:p>
             <a:pPr lvl="1"/>
-            <a:r>
-              <a:rPr lang="en-US" dirty="0" smtClean="0"/>
-              <a:t>Work on team projects (3-4) and also individual projects (more independent work)</a:t>
-            </a:r>
             <a:endParaRPr lang="en-US" dirty="0"/>
           </a:p>
         </p:txBody>
@@ -13020,7 +13002,7 @@
     </p:spTree>
     <p:extLst>
       <p:ext uri="{BB962C8B-B14F-4D97-AF65-F5344CB8AC3E}">
-        <p14:creationId xmlns:p14="http://schemas.microsoft.com/office/powerpoint/2010/main" val="2924548077"/>
+        <p14:creationId xmlns:p14="http://schemas.microsoft.com/office/powerpoint/2010/main" xmlns="" val="2985205535"/>
       </p:ext>
     </p:extLst>
   </p:cSld>
@@ -13071,7 +13053,7 @@
           <a:p>
             <a:r>
               <a:rPr lang="en-US" dirty="0" smtClean="0"/>
-              <a:t>Systems Engineer</a:t>
+              <a:t>Software Developer</a:t>
             </a:r>
             <a:endParaRPr lang="en-US" dirty="0"/>
           </a:p>
@@ -13092,16 +13074,55 @@
           <a:bodyPr/>
           <a:lstStyle/>
           <a:p>
-            <a:r>
-              <a:rPr lang="en-US" dirty="0" smtClean="0"/>
-              <a:t>Maintain </a:t>
-            </a:r>
+            <a:pPr marL="0" indent="0">
+              <a:buNone/>
+            </a:pPr>
+            <a:endParaRPr lang="en-US" dirty="0"/>
+          </a:p>
+          <a:p>
+            <a:pPr lvl="1"/>
             <a:r>
               <a:rPr lang="en-US" dirty="0"/>
-              <a:t>networks</a:t>
-            </a:r>
-          </a:p>
-          <a:p>
+              <a:t>Write </a:t>
+            </a:r>
+            <a:r>
+              <a:rPr lang="en-US" dirty="0" smtClean="0"/>
+              <a:t>code (build software applications)</a:t>
+            </a:r>
+            <a:endParaRPr lang="en-US" dirty="0"/>
+          </a:p>
+          <a:p>
+            <a:pPr lvl="1"/>
+            <a:r>
+              <a:rPr lang="en-US" dirty="0"/>
+              <a:t>Troubleshoot </a:t>
+            </a:r>
+            <a:r>
+              <a:rPr lang="en-US" dirty="0" smtClean="0"/>
+              <a:t>issues and fix bugs</a:t>
+            </a:r>
+            <a:endParaRPr lang="en-US" dirty="0"/>
+          </a:p>
+          <a:p>
+            <a:pPr lvl="1"/>
+            <a:r>
+              <a:rPr lang="en-US" dirty="0"/>
+              <a:t>Design applications and databases</a:t>
+            </a:r>
+          </a:p>
+          <a:p>
+            <a:pPr lvl="1"/>
+            <a:r>
+              <a:rPr lang="en-US" dirty="0"/>
+              <a:t>Little interaction with clients</a:t>
+            </a:r>
+          </a:p>
+          <a:p>
+            <a:pPr lvl="1"/>
+            <a:r>
+              <a:rPr lang="en-US" dirty="0" smtClean="0"/>
+              <a:t>Work on team projects (3-4) and also individual projects (more independent work)</a:t>
+            </a:r>
             <a:endParaRPr lang="en-US" dirty="0"/>
           </a:p>
         </p:txBody>
@@ -13109,7 +13130,7 @@
     </p:spTree>
     <p:extLst>
       <p:ext uri="{BB962C8B-B14F-4D97-AF65-F5344CB8AC3E}">
-        <p14:creationId xmlns:p14="http://schemas.microsoft.com/office/powerpoint/2010/main" val="1203755180"/>
+        <p14:creationId xmlns:p14="http://schemas.microsoft.com/office/powerpoint/2010/main" xmlns="" val="2924548077"/>
       </p:ext>
     </p:extLst>
   </p:cSld>
@@ -13191,12 +13212,6 @@
             </a:r>
           </a:p>
           <a:p>
-            <a:r>
-              <a:rPr lang="en-US" dirty="0"/>
-              <a:t>Maintain servers (e.g. email server)</a:t>
-            </a:r>
-          </a:p>
-          <a:p>
             <a:endParaRPr lang="en-US" dirty="0"/>
           </a:p>
         </p:txBody>
@@ -13204,7 +13219,7 @@
     </p:spTree>
     <p:extLst>
       <p:ext uri="{BB962C8B-B14F-4D97-AF65-F5344CB8AC3E}">
-        <p14:creationId xmlns:p14="http://schemas.microsoft.com/office/powerpoint/2010/main" val="1081503646"/>
+        <p14:creationId xmlns:p14="http://schemas.microsoft.com/office/powerpoint/2010/main" xmlns="" val="1203755180"/>
       </p:ext>
     </p:extLst>
   </p:cSld>
@@ -13292,12 +13307,6 @@
             </a:r>
           </a:p>
           <a:p>
-            <a:r>
-              <a:rPr lang="en-US" dirty="0"/>
-              <a:t>Install new hardware (memory, hard drives, printers)</a:t>
-            </a:r>
-          </a:p>
-          <a:p>
             <a:endParaRPr lang="en-US" dirty="0"/>
           </a:p>
         </p:txBody>
@@ -13305,7 +13314,7 @@
     </p:spTree>
     <p:extLst>
       <p:ext uri="{BB962C8B-B14F-4D97-AF65-F5344CB8AC3E}">
-        <p14:creationId xmlns:p14="http://schemas.microsoft.com/office/powerpoint/2010/main" val="3764125084"/>
+        <p14:creationId xmlns:p14="http://schemas.microsoft.com/office/powerpoint/2010/main" xmlns="" val="1081503646"/>
       </p:ext>
     </p:extLst>
   </p:cSld>
@@ -13399,12 +13408,6 @@
             </a:r>
           </a:p>
           <a:p>
-            <a:r>
-              <a:rPr lang="en-US" dirty="0"/>
-              <a:t>Troubleshoot hardware issues and general computer issues</a:t>
-            </a:r>
-          </a:p>
-          <a:p>
             <a:endParaRPr lang="en-US" dirty="0"/>
           </a:p>
         </p:txBody>
@@ -13412,7 +13415,7 @@
     </p:spTree>
     <p:extLst>
       <p:ext uri="{BB962C8B-B14F-4D97-AF65-F5344CB8AC3E}">
-        <p14:creationId xmlns:p14="http://schemas.microsoft.com/office/powerpoint/2010/main" val="2007126848"/>
+        <p14:creationId xmlns:p14="http://schemas.microsoft.com/office/powerpoint/2010/main" xmlns="" val="3764125084"/>
       </p:ext>
     </p:extLst>
   </p:cSld>
@@ -13512,17 +13515,14 @@
             </a:r>
           </a:p>
           <a:p>
-            <a:r>
-              <a:rPr lang="en-US" dirty="0"/>
-              <a:t>Travel to client sites and setup networks and servers</a:t>
-            </a:r>
+            <a:endParaRPr lang="en-US" dirty="0"/>
           </a:p>
         </p:txBody>
       </p:sp>
     </p:spTree>
     <p:extLst>
       <p:ext uri="{BB962C8B-B14F-4D97-AF65-F5344CB8AC3E}">
-        <p14:creationId xmlns:p14="http://schemas.microsoft.com/office/powerpoint/2010/main" val="1972427357"/>
+        <p14:creationId xmlns:p14="http://schemas.microsoft.com/office/powerpoint/2010/main" xmlns="" val="2007126848"/>
       </p:ext>
     </p:extLst>
   </p:cSld>
@@ -13573,7 +13573,7 @@
           <a:p>
             <a:r>
               <a:rPr lang="en-US" dirty="0" smtClean="0"/>
-              <a:t>Client support analyst</a:t>
+              <a:t>Systems Engineer</a:t>
             </a:r>
             <a:endParaRPr lang="en-US" dirty="0"/>
           </a:p>
@@ -13596,26 +13596,43 @@
           <a:p>
             <a:r>
               <a:rPr lang="en-US" dirty="0" smtClean="0"/>
-              <a:t>Technical Support for </a:t>
-            </a:r>
-            <a:r>
-              <a:rPr lang="en-US" dirty="0" smtClean="0"/>
-              <a:t>or more applications</a:t>
-            </a:r>
-            <a:endParaRPr lang="en-US" dirty="0" smtClean="0"/>
-          </a:p>
-          <a:p>
-            <a:endParaRPr lang="en-US" dirty="0" smtClean="0"/>
-          </a:p>
-          <a:p>
-            <a:endParaRPr lang="en-US" dirty="0"/>
+              <a:t>Maintain </a:t>
+            </a:r>
+            <a:r>
+              <a:rPr lang="en-US" dirty="0"/>
+              <a:t>networks</a:t>
+            </a:r>
+          </a:p>
+          <a:p>
+            <a:r>
+              <a:rPr lang="en-US" dirty="0"/>
+              <a:t>Maintain servers (e.g. email server)</a:t>
+            </a:r>
+          </a:p>
+          <a:p>
+            <a:r>
+              <a:rPr lang="en-US" dirty="0"/>
+              <a:t>Install new hardware (memory, hard drives, printers)</a:t>
+            </a:r>
+          </a:p>
+          <a:p>
+            <a:r>
+              <a:rPr lang="en-US" dirty="0"/>
+              <a:t>Troubleshoot hardware issues and general computer issues</a:t>
+            </a:r>
+          </a:p>
+          <a:p>
+            <a:r>
+              <a:rPr lang="en-US" dirty="0"/>
+              <a:t>Travel to client sites and setup networks and servers</a:t>
+            </a:r>
           </a:p>
         </p:txBody>
       </p:sp>
     </p:spTree>
     <p:extLst>
       <p:ext uri="{BB962C8B-B14F-4D97-AF65-F5344CB8AC3E}">
-        <p14:creationId xmlns:p14="http://schemas.microsoft.com/office/powerpoint/2010/main" val="526716548"/>
+        <p14:creationId xmlns:p14="http://schemas.microsoft.com/office/powerpoint/2010/main" xmlns="" val="1972427357"/>
       </p:ext>
     </p:extLst>
   </p:cSld>
@@ -13688,27 +13705,12 @@
           <a:lstStyle/>
           <a:p>
             <a:r>
-              <a:rPr lang="en-US" dirty="0"/>
-              <a:t>Technical Support for </a:t>
-            </a:r>
-            <a:r>
-              <a:rPr lang="en-US" dirty="0" smtClean="0"/>
-              <a:t>one or </a:t>
-            </a:r>
-            <a:r>
-              <a:rPr lang="en-US" dirty="0"/>
-              <a:t>more applications</a:t>
-            </a:r>
-          </a:p>
-          <a:p>
-            <a:r>
-              <a:rPr lang="en-US" dirty="0" smtClean="0"/>
-              <a:t>Train </a:t>
-            </a:r>
-            <a:r>
-              <a:rPr lang="en-US" dirty="0" smtClean="0"/>
-              <a:t>clients on how to use the software</a:t>
-            </a:r>
+              <a:rPr lang="en-US" dirty="0" smtClean="0"/>
+              <a:t>Technical Support for or more applications</a:t>
+            </a:r>
+          </a:p>
+          <a:p>
+            <a:endParaRPr lang="en-US" dirty="0" smtClean="0"/>
           </a:p>
           <a:p>
             <a:endParaRPr lang="en-US" dirty="0"/>
@@ -13718,7 +13720,7 @@
     </p:spTree>
     <p:extLst>
       <p:ext uri="{BB962C8B-B14F-4D97-AF65-F5344CB8AC3E}">
-        <p14:creationId xmlns:p14="http://schemas.microsoft.com/office/powerpoint/2010/main" val="3760832754"/>
+        <p14:creationId xmlns:p14="http://schemas.microsoft.com/office/powerpoint/2010/main" xmlns="" val="526716548"/>
       </p:ext>
     </p:extLst>
   </p:cSld>
@@ -13803,18 +13805,18 @@
     </p:spTree>
     <p:extLst>
       <p:ext uri="{BB962C8B-B14F-4D97-AF65-F5344CB8AC3E}">
-        <p14:creationId xmlns:p14="http://schemas.microsoft.com/office/powerpoint/2010/main" val="2970112683"/>
+        <p14:creationId xmlns:p14="http://schemas.microsoft.com/office/powerpoint/2010/main" xmlns="" val="2970112683"/>
       </p:ext>
     </p:extLst>
   </p:cSld>
   <p:clrMapOvr>
     <a:masterClrMapping/>
   </p:clrMapOvr>
-  <mc:AlternateContent xmlns:mc="http://schemas.openxmlformats.org/markup-compatibility/2006" xmlns:p14="http://schemas.microsoft.com/office/powerpoint/2010/main">
-    <mc:Choice Requires="p14">
+  <mc:AlternateContent xmlns:mc="http://schemas.openxmlformats.org/markup-compatibility/2006">
+    <mc:Choice xmlns:p14="http://schemas.microsoft.com/office/powerpoint/2010/main" xmlns="" Requires="p14">
       <p:transition p14:dur="10"/>
     </mc:Choice>
-    <mc:Fallback xmlns="">
+    <mc:Fallback>
       <p:transition/>
     </mc:Fallback>
   </mc:AlternateContent>
@@ -13885,23 +13887,21 @@
           <a:p>
             <a:r>
               <a:rPr lang="en-US" dirty="0"/>
-              <a:t>Technical Support for one or more applications</a:t>
-            </a:r>
-          </a:p>
-          <a:p>
-            <a:r>
-              <a:rPr lang="en-US" dirty="0" smtClean="0"/>
-              <a:t>Train </a:t>
-            </a:r>
-            <a:r>
-              <a:rPr lang="en-US" dirty="0" smtClean="0"/>
-              <a:t>clients on how to use the software</a:t>
-            </a:r>
-          </a:p>
-          <a:p>
-            <a:r>
-              <a:rPr lang="en-US" dirty="0" smtClean="0"/>
-              <a:t>Travel to client sites for installation and training</a:t>
+              <a:t>Technical Support for </a:t>
+            </a:r>
+            <a:r>
+              <a:rPr lang="en-US" dirty="0" smtClean="0"/>
+              <a:t>one or </a:t>
+            </a:r>
+            <a:r>
+              <a:rPr lang="en-US" dirty="0"/>
+              <a:t>more applications</a:t>
+            </a:r>
+          </a:p>
+          <a:p>
+            <a:r>
+              <a:rPr lang="en-US" dirty="0" smtClean="0"/>
+              <a:t>Train clients on how to use the software</a:t>
             </a:r>
           </a:p>
           <a:p>
@@ -13912,7 +13912,7 @@
     </p:spTree>
     <p:extLst>
       <p:ext uri="{BB962C8B-B14F-4D97-AF65-F5344CB8AC3E}">
-        <p14:creationId xmlns:p14="http://schemas.microsoft.com/office/powerpoint/2010/main" val="4245804214"/>
+        <p14:creationId xmlns:p14="http://schemas.microsoft.com/office/powerpoint/2010/main" xmlns="" val="3760832754"/>
       </p:ext>
     </p:extLst>
   </p:cSld>
@@ -13992,23 +13992,13 @@
           <a:p>
             <a:r>
               <a:rPr lang="en-US" dirty="0" smtClean="0"/>
-              <a:t>Train </a:t>
-            </a:r>
-            <a:r>
-              <a:rPr lang="en-US" dirty="0" smtClean="0"/>
-              <a:t>clients on how to use the software</a:t>
+              <a:t>Train clients on how to use the software</a:t>
             </a:r>
           </a:p>
           <a:p>
             <a:r>
               <a:rPr lang="en-US" dirty="0" smtClean="0"/>
               <a:t>Travel to client sites for installation and training</a:t>
-            </a:r>
-          </a:p>
-          <a:p>
-            <a:r>
-              <a:rPr lang="en-US" dirty="0" smtClean="0"/>
-              <a:t>Lead user group meetings</a:t>
             </a:r>
           </a:p>
           <a:p>
@@ -14019,7 +14009,7 @@
     </p:spTree>
     <p:extLst>
       <p:ext uri="{BB962C8B-B14F-4D97-AF65-F5344CB8AC3E}">
-        <p14:creationId xmlns:p14="http://schemas.microsoft.com/office/powerpoint/2010/main" val="1168846699"/>
+        <p14:creationId xmlns:p14="http://schemas.microsoft.com/office/powerpoint/2010/main" xmlns="" val="4245804214"/>
       </p:ext>
     </p:extLst>
   </p:cSld>
@@ -14099,11 +14089,7 @@
           <a:p>
             <a:r>
               <a:rPr lang="en-US" dirty="0" smtClean="0"/>
-              <a:t>Train </a:t>
-            </a:r>
-            <a:r>
-              <a:rPr lang="en-US" dirty="0" smtClean="0"/>
-              <a:t>clients on how to use the software</a:t>
+              <a:t>Train clients on how to use the software</a:t>
             </a:r>
           </a:p>
           <a:p>
@@ -14116,12 +14102,6 @@
             <a:r>
               <a:rPr lang="en-US" dirty="0" smtClean="0"/>
               <a:t>Lead user group meetings</a:t>
-            </a:r>
-          </a:p>
-          <a:p>
-            <a:r>
-              <a:rPr lang="en-US" dirty="0" smtClean="0"/>
-              <a:t>Assist programmers in understanding software requirements</a:t>
             </a:r>
           </a:p>
           <a:p>
@@ -14132,7 +14112,7 @@
     </p:spTree>
     <p:extLst>
       <p:ext uri="{BB962C8B-B14F-4D97-AF65-F5344CB8AC3E}">
-        <p14:creationId xmlns:p14="http://schemas.microsoft.com/office/powerpoint/2010/main" val="2314976816"/>
+        <p14:creationId xmlns:p14="http://schemas.microsoft.com/office/powerpoint/2010/main" xmlns="" val="1168846699"/>
       </p:ext>
     </p:extLst>
   </p:cSld>
@@ -14212,11 +14192,7 @@
           <a:p>
             <a:r>
               <a:rPr lang="en-US" dirty="0" smtClean="0"/>
-              <a:t>Train </a:t>
-            </a:r>
-            <a:r>
-              <a:rPr lang="en-US" dirty="0" smtClean="0"/>
-              <a:t>clients on how to use the software</a:t>
+              <a:t>Train clients on how to use the software</a:t>
             </a:r>
           </a:p>
           <a:p>
@@ -14235,12 +14211,6 @@
             <a:r>
               <a:rPr lang="en-US" dirty="0" smtClean="0"/>
               <a:t>Assist programmers in understanding software requirements</a:t>
-            </a:r>
-          </a:p>
-          <a:p>
-            <a:r>
-              <a:rPr lang="en-US" dirty="0" smtClean="0"/>
-              <a:t>Assist with testing new software or updates to existing software</a:t>
             </a:r>
           </a:p>
           <a:p>
@@ -14251,7 +14221,7 @@
     </p:spTree>
     <p:extLst>
       <p:ext uri="{BB962C8B-B14F-4D97-AF65-F5344CB8AC3E}">
-        <p14:creationId xmlns:p14="http://schemas.microsoft.com/office/powerpoint/2010/main" val="3363042717"/>
+        <p14:creationId xmlns:p14="http://schemas.microsoft.com/office/powerpoint/2010/main" xmlns="" val="2314976816"/>
       </p:ext>
     </p:extLst>
   </p:cSld>
@@ -14302,7 +14272,7 @@
           <a:p>
             <a:r>
               <a:rPr lang="en-US" dirty="0" smtClean="0"/>
-              <a:t>Market Manager</a:t>
+              <a:t>Client support analyst</a:t>
             </a:r>
             <a:endParaRPr lang="en-US" dirty="0"/>
           </a:p>
@@ -14320,14 +14290,42 @@
         </p:nvSpPr>
         <p:spPr/>
         <p:txBody>
-          <a:bodyPr>
-            <a:normAutofit/>
-          </a:bodyPr>
+          <a:bodyPr/>
           <a:lstStyle/>
           <a:p>
             <a:r>
-              <a:rPr lang="en-US" dirty="0" smtClean="0"/>
-              <a:t>Manages the support and development of one or more major applications</a:t>
+              <a:rPr lang="en-US" dirty="0"/>
+              <a:t>Technical Support for one or more applications</a:t>
+            </a:r>
+          </a:p>
+          <a:p>
+            <a:r>
+              <a:rPr lang="en-US" dirty="0" smtClean="0"/>
+              <a:t>Train clients on how to use the software</a:t>
+            </a:r>
+          </a:p>
+          <a:p>
+            <a:r>
+              <a:rPr lang="en-US" dirty="0" smtClean="0"/>
+              <a:t>Travel to client sites for installation and training</a:t>
+            </a:r>
+          </a:p>
+          <a:p>
+            <a:r>
+              <a:rPr lang="en-US" dirty="0" smtClean="0"/>
+              <a:t>Lead user group meetings</a:t>
+            </a:r>
+          </a:p>
+          <a:p>
+            <a:r>
+              <a:rPr lang="en-US" dirty="0" smtClean="0"/>
+              <a:t>Assist programmers in understanding software requirements</a:t>
+            </a:r>
+          </a:p>
+          <a:p>
+            <a:r>
+              <a:rPr lang="en-US" dirty="0" smtClean="0"/>
+              <a:t>Assist with testing new software or updates to existing software</a:t>
             </a:r>
           </a:p>
           <a:p>
@@ -14338,7 +14336,7 @@
     </p:spTree>
     <p:extLst>
       <p:ext uri="{BB962C8B-B14F-4D97-AF65-F5344CB8AC3E}">
-        <p14:creationId xmlns:p14="http://schemas.microsoft.com/office/powerpoint/2010/main" val="3080512785"/>
+        <p14:creationId xmlns:p14="http://schemas.microsoft.com/office/powerpoint/2010/main" xmlns="" val="3363042717"/>
       </p:ext>
     </p:extLst>
   </p:cSld>
@@ -14418,17 +14416,14 @@
             </a:r>
           </a:p>
           <a:p>
-            <a:r>
-              <a:rPr lang="en-US" dirty="0" smtClean="0"/>
-              <a:t>Direct supervisory role over client support analysts </a:t>
-            </a:r>
+            <a:endParaRPr lang="en-US" dirty="0"/>
           </a:p>
         </p:txBody>
       </p:sp>
     </p:spTree>
     <p:extLst>
       <p:ext uri="{BB962C8B-B14F-4D97-AF65-F5344CB8AC3E}">
-        <p14:creationId xmlns:p14="http://schemas.microsoft.com/office/powerpoint/2010/main" val="392738374"/>
+        <p14:creationId xmlns:p14="http://schemas.microsoft.com/office/powerpoint/2010/main" xmlns="" val="3080512785"/>
       </p:ext>
     </p:extLst>
   </p:cSld>
@@ -14513,23 +14508,12 @@
               <a:t>Direct supervisory role over client support analysts </a:t>
             </a:r>
           </a:p>
-          <a:p>
-            <a:r>
-              <a:rPr lang="en-US" dirty="0" smtClean="0"/>
-              <a:t>Prepares budgets and responsible for the overall profitability of the </a:t>
-            </a:r>
-            <a:r>
-              <a:rPr lang="en-US" dirty="0" smtClean="0"/>
-              <a:t>market</a:t>
-            </a:r>
-            <a:endParaRPr lang="en-US" dirty="0" smtClean="0"/>
-          </a:p>
         </p:txBody>
       </p:sp>
     </p:spTree>
     <p:extLst>
       <p:ext uri="{BB962C8B-B14F-4D97-AF65-F5344CB8AC3E}">
-        <p14:creationId xmlns:p14="http://schemas.microsoft.com/office/powerpoint/2010/main" val="3102955475"/>
+        <p14:creationId xmlns:p14="http://schemas.microsoft.com/office/powerpoint/2010/main" xmlns="" val="392738374"/>
       </p:ext>
     </p:extLst>
   </p:cSld>
@@ -14599,7 +14583,7 @@
         <p:spPr/>
         <p:txBody>
           <a:bodyPr>
-            <a:normAutofit lnSpcReduction="10000"/>
+            <a:normAutofit/>
           </a:bodyPr>
           <a:lstStyle/>
           <a:p>
@@ -14619,24 +14603,13 @@
               <a:rPr lang="en-US" dirty="0" smtClean="0"/>
               <a:t>Prepares budgets and responsible for the overall profitability of the market</a:t>
             </a:r>
-          </a:p>
-          <a:p>
-            <a:r>
-              <a:rPr lang="en-US" dirty="0" smtClean="0"/>
-              <a:t>Assists with the design of new software or changes to existing </a:t>
-            </a:r>
-            <a:r>
-              <a:rPr lang="en-US" dirty="0" smtClean="0"/>
-              <a:t>software</a:t>
-            </a:r>
-            <a:endParaRPr lang="en-US" dirty="0"/>
           </a:p>
         </p:txBody>
       </p:sp>
     </p:spTree>
     <p:extLst>
       <p:ext uri="{BB962C8B-B14F-4D97-AF65-F5344CB8AC3E}">
-        <p14:creationId xmlns:p14="http://schemas.microsoft.com/office/powerpoint/2010/main" val="915853242"/>
+        <p14:creationId xmlns:p14="http://schemas.microsoft.com/office/powerpoint/2010/main" xmlns="" val="3102955475"/>
       </p:ext>
     </p:extLst>
   </p:cSld>
@@ -14706,7 +14679,7 @@
         <p:spPr/>
         <p:txBody>
           <a:bodyPr>
-            <a:normAutofit fontScale="92500"/>
+            <a:normAutofit lnSpcReduction="10000"/>
           </a:bodyPr>
           <a:lstStyle/>
           <a:p>
@@ -14731,12 +14704,6 @@
             <a:r>
               <a:rPr lang="en-US" dirty="0" smtClean="0"/>
               <a:t>Assists with the design of new software or changes to existing software</a:t>
-            </a:r>
-          </a:p>
-          <a:p>
-            <a:r>
-              <a:rPr lang="en-US" dirty="0" smtClean="0"/>
-              <a:t>Many start out as support analysts and are promoted to this role</a:t>
             </a:r>
             <a:endParaRPr lang="en-US" dirty="0"/>
           </a:p>
@@ -14745,7 +14712,7 @@
     </p:spTree>
     <p:extLst>
       <p:ext uri="{BB962C8B-B14F-4D97-AF65-F5344CB8AC3E}">
-        <p14:creationId xmlns:p14="http://schemas.microsoft.com/office/powerpoint/2010/main" val="237076739"/>
+        <p14:creationId xmlns:p14="http://schemas.microsoft.com/office/powerpoint/2010/main" xmlns="" val="915853242"/>
       </p:ext>
     </p:extLst>
   </p:cSld>
@@ -14796,7 +14763,7 @@
           <a:p>
             <a:r>
               <a:rPr lang="en-US" dirty="0" smtClean="0"/>
-              <a:t>Other Supporting Careers</a:t>
+              <a:t>Market Manager</a:t>
             </a:r>
             <a:endParaRPr lang="en-US" dirty="0"/>
           </a:p>
@@ -14815,55 +14782,38 @@
         <p:spPr/>
         <p:txBody>
           <a:bodyPr>
-            <a:normAutofit/>
+            <a:normAutofit fontScale="92500"/>
           </a:bodyPr>
           <a:lstStyle/>
           <a:p>
             <a:r>
               <a:rPr lang="en-US" dirty="0" smtClean="0"/>
-              <a:t>Accounting/Payroll</a:t>
-            </a:r>
-          </a:p>
-          <a:p>
-            <a:r>
-              <a:rPr lang="en-US" dirty="0" smtClean="0"/>
-              <a:t>Business Administration </a:t>
-            </a:r>
-          </a:p>
-          <a:p>
-            <a:pPr lvl="1"/>
-            <a:r>
-              <a:rPr lang="en-US" dirty="0" smtClean="0"/>
-              <a:t>CEO </a:t>
-            </a:r>
-          </a:p>
-          <a:p>
-            <a:pPr lvl="1"/>
-            <a:r>
-              <a:rPr lang="en-US" dirty="0" smtClean="0"/>
-              <a:t>Vice President</a:t>
-            </a:r>
-          </a:p>
-          <a:p>
-            <a:pPr lvl="1"/>
-            <a:r>
-              <a:rPr lang="en-US" dirty="0" smtClean="0"/>
-              <a:t>Executive Assistant/Human Resources</a:t>
-            </a:r>
-          </a:p>
-          <a:p>
-            <a:r>
-              <a:rPr lang="en-US" dirty="0" smtClean="0"/>
-              <a:t>Sales/Marketing</a:t>
-            </a:r>
-          </a:p>
-          <a:p>
-            <a:r>
-              <a:rPr lang="en-US" dirty="0" smtClean="0"/>
-              <a:t>Purchasing Agent</a:t>
-            </a:r>
-          </a:p>
-          <a:p>
+              <a:t>Manages the support and development of one or more major applications</a:t>
+            </a:r>
+          </a:p>
+          <a:p>
+            <a:r>
+              <a:rPr lang="en-US" dirty="0" smtClean="0"/>
+              <a:t>Direct supervisory role over client support analysts </a:t>
+            </a:r>
+          </a:p>
+          <a:p>
+            <a:r>
+              <a:rPr lang="en-US" dirty="0" smtClean="0"/>
+              <a:t>Prepares budgets and responsible for the overall profitability of the market</a:t>
+            </a:r>
+          </a:p>
+          <a:p>
+            <a:r>
+              <a:rPr lang="en-US" dirty="0" smtClean="0"/>
+              <a:t>Assists with the design of new software or changes to existing software</a:t>
+            </a:r>
+          </a:p>
+          <a:p>
+            <a:r>
+              <a:rPr lang="en-US" dirty="0" smtClean="0"/>
+              <a:t>Many start out as support analysts and are promoted to this role</a:t>
+            </a:r>
             <a:endParaRPr lang="en-US" dirty="0"/>
           </a:p>
         </p:txBody>
@@ -14871,7 +14821,7 @@
     </p:spTree>
     <p:extLst>
       <p:ext uri="{BB962C8B-B14F-4D97-AF65-F5344CB8AC3E}">
-        <p14:creationId xmlns:p14="http://schemas.microsoft.com/office/powerpoint/2010/main" val="1170821138"/>
+        <p14:creationId xmlns:p14="http://schemas.microsoft.com/office/powerpoint/2010/main" xmlns="" val="237076739"/>
       </p:ext>
     </p:extLst>
   </p:cSld>
@@ -14951,10 +14901,24 @@
           <a:p>
             <a:r>
               <a:rPr lang="en-US" dirty="0" smtClean="0"/>
-              <a:t>Career Fields Overview</a:t>
-            </a:r>
-          </a:p>
-          <a:p>
+              <a:t>Todd</a:t>
+            </a:r>
+            <a:r>
+              <a:rPr lang="en-US" dirty="0" smtClean="0"/>
+              <a:t> </a:t>
+            </a:r>
+            <a:r>
+              <a:rPr lang="en-US" dirty="0" smtClean="0"/>
+              <a:t>Nichols- </a:t>
+            </a:r>
+            <a:r>
+              <a:rPr lang="en-US" dirty="0" err="1" smtClean="0"/>
+              <a:t>RCS</a:t>
+            </a:r>
+            <a:r>
+              <a:rPr lang="en-US" dirty="0" smtClean="0"/>
+              <a:t> Manager</a:t>
+            </a:r>
             <a:endParaRPr lang="en-US" dirty="0"/>
           </a:p>
         </p:txBody>
@@ -14962,18 +14926,18 @@
     </p:spTree>
     <p:extLst>
       <p:ext uri="{BB962C8B-B14F-4D97-AF65-F5344CB8AC3E}">
-        <p14:creationId xmlns:p14="http://schemas.microsoft.com/office/powerpoint/2010/main" val="1036230593"/>
+        <p14:creationId xmlns:p14="http://schemas.microsoft.com/office/powerpoint/2010/main" xmlns="" val="1036230593"/>
       </p:ext>
     </p:extLst>
   </p:cSld>
   <p:clrMapOvr>
     <a:masterClrMapping/>
   </p:clrMapOvr>
-  <mc:AlternateContent xmlns:mc="http://schemas.openxmlformats.org/markup-compatibility/2006" xmlns:p14="http://schemas.microsoft.com/office/powerpoint/2010/main">
-    <mc:Choice Requires="p14">
+  <mc:AlternateContent xmlns:mc="http://schemas.openxmlformats.org/markup-compatibility/2006">
+    <mc:Choice xmlns:p14="http://schemas.microsoft.com/office/powerpoint/2010/main" xmlns="" Requires="p14">
       <p:transition p14:dur="10"/>
     </mc:Choice>
-    <mc:Fallback xmlns="">
+    <mc:Fallback>
       <p:transition/>
     </mc:Fallback>
   </mc:AlternateContent>
@@ -15021,45 +14985,82 @@
           <a:p>
             <a:r>
               <a:rPr lang="en-US" dirty="0" smtClean="0"/>
-              <a:t>Todd Nichols-  RCS Market Manager</a:t>
-            </a:r>
-            <a:endParaRPr lang="en-US" dirty="0"/>
-          </a:p>
-        </p:txBody>
-      </p:sp>
-      <p:pic>
-        <p:nvPicPr>
-          <p:cNvPr id="4" name="Content Placeholder 3"/>
-          <p:cNvPicPr>
-            <a:picLocks noGrp="1" noChangeAspect="1"/>
-          </p:cNvPicPr>
+              <a:t>Other Supporting Careers</a:t>
+            </a:r>
+            <a:endParaRPr lang="en-US" dirty="0"/>
+          </a:p>
+        </p:txBody>
+      </p:sp>
+      <p:sp>
+        <p:nvSpPr>
+          <p:cNvPr id="3" name="Content Placeholder 2"/>
+          <p:cNvSpPr>
+            <a:spLocks noGrp="1"/>
+          </p:cNvSpPr>
           <p:nvPr>
             <p:ph idx="1"/>
           </p:nvPr>
-        </p:nvPicPr>
-        <p:blipFill>
-          <a:blip r:embed="rId2">
-            <a:extLst>
-              <a:ext uri="{28A0092B-C50C-407E-A947-70E740481C1C}">
-                <a14:useLocalDpi xmlns:a14="http://schemas.microsoft.com/office/drawing/2010/main" val="0"/>
-              </a:ext>
-            </a:extLst>
-          </a:blip>
-          <a:stretch>
-            <a:fillRect/>
-          </a:stretch>
-        </p:blipFill>
-        <p:spPr>
-          <a:xfrm>
-            <a:off x="4665663" y="3072606"/>
-            <a:ext cx="2857500" cy="1895475"/>
-          </a:xfrm>
-        </p:spPr>
-      </p:pic>
+        </p:nvSpPr>
+        <p:spPr/>
+        <p:txBody>
+          <a:bodyPr>
+            <a:normAutofit/>
+          </a:bodyPr>
+          <a:lstStyle/>
+          <a:p>
+            <a:r>
+              <a:rPr lang="en-US" dirty="0" smtClean="0"/>
+              <a:t>Accounting/Payroll</a:t>
+            </a:r>
+          </a:p>
+          <a:p>
+            <a:r>
+              <a:rPr lang="en-US" dirty="0" smtClean="0"/>
+              <a:t>Business Administration </a:t>
+            </a:r>
+          </a:p>
+          <a:p>
+            <a:pPr lvl="1"/>
+            <a:r>
+              <a:rPr lang="en-US" dirty="0" smtClean="0"/>
+              <a:t>CEO </a:t>
+            </a:r>
+          </a:p>
+          <a:p>
+            <a:pPr lvl="1"/>
+            <a:r>
+              <a:rPr lang="en-US" dirty="0" smtClean="0"/>
+              <a:t>Vice President</a:t>
+            </a:r>
+          </a:p>
+          <a:p>
+            <a:pPr lvl="1"/>
+            <a:r>
+              <a:rPr lang="en-US" dirty="0" smtClean="0"/>
+              <a:t>Executive Assistant/Human Resources</a:t>
+            </a:r>
+          </a:p>
+          <a:p>
+            <a:r>
+              <a:rPr lang="en-US" dirty="0" smtClean="0"/>
+              <a:t>Sales/Marketing</a:t>
+            </a:r>
+          </a:p>
+          <a:p>
+            <a:r>
+              <a:rPr lang="en-US" dirty="0" smtClean="0"/>
+              <a:t>Purchasing Agent</a:t>
+            </a:r>
+          </a:p>
+          <a:p>
+            <a:endParaRPr lang="en-US" dirty="0"/>
+          </a:p>
+        </p:txBody>
+      </p:sp>
     </p:spTree>
     <p:extLst>
       <p:ext uri="{BB962C8B-B14F-4D97-AF65-F5344CB8AC3E}">
-        <p14:creationId xmlns:p14="http://schemas.microsoft.com/office/powerpoint/2010/main" val="3082745468"/>
+        <p14:creationId xmlns:p14="http://schemas.microsoft.com/office/powerpoint/2010/main" xmlns="" val="1170821138"/>
       </p:ext>
     </p:extLst>
   </p:cSld>
@@ -15133,11 +15134,7 @@
           <a:p>
             <a:r>
               <a:rPr lang="en-US" dirty="0" smtClean="0"/>
-              <a:t>a.k.a. Computer </a:t>
-            </a:r>
-            <a:r>
-              <a:rPr lang="en-US" dirty="0" smtClean="0"/>
-              <a:t>programmer</a:t>
+              <a:t>a.k.a. Computer programmer</a:t>
             </a:r>
           </a:p>
           <a:p>
@@ -15160,7 +15157,7 @@
           <a:blip r:embed="rId2">
             <a:extLst>
               <a:ext uri="{28A0092B-C50C-407E-A947-70E740481C1C}">
-                <a14:useLocalDpi xmlns:a14="http://schemas.microsoft.com/office/drawing/2010/main" val="0"/>
+                <a14:useLocalDpi xmlns:a14="http://schemas.microsoft.com/office/drawing/2010/main" xmlns="" val="0"/>
               </a:ext>
             </a:extLst>
           </a:blip>
@@ -15181,7 +15178,7 @@
     </p:spTree>
     <p:extLst>
       <p:ext uri="{BB962C8B-B14F-4D97-AF65-F5344CB8AC3E}">
-        <p14:creationId xmlns:p14="http://schemas.microsoft.com/office/powerpoint/2010/main" val="4193971689"/>
+        <p14:creationId xmlns:p14="http://schemas.microsoft.com/office/powerpoint/2010/main" xmlns="" val="4193971689"/>
       </p:ext>
     </p:extLst>
   </p:cSld>
@@ -15333,8 +15330,8 @@
         </p:blipFill>
         <p:spPr>
           <a:xfrm>
-            <a:off x="2847701" y="2533310"/>
-            <a:ext cx="6144725" cy="3462541"/>
+            <a:off x="3432588" y="2566262"/>
+            <a:ext cx="5240639" cy="2953090"/>
           </a:xfrm>
         </p:spPr>
       </p:pic>
@@ -15412,8 +15409,8 @@
         </p:blipFill>
         <p:spPr>
           <a:xfrm>
-            <a:off x="3872802" y="2776567"/>
-            <a:ext cx="4108604" cy="3144858"/>
+            <a:off x="4243505" y="2768329"/>
+            <a:ext cx="3327068" cy="2546645"/>
           </a:xfrm>
         </p:spPr>
       </p:pic>
@@ -15487,7 +15484,7 @@
           <a:blip r:embed="rId2">
             <a:extLst>
               <a:ext uri="{28A0092B-C50C-407E-A947-70E740481C1C}">
-                <a14:useLocalDpi xmlns:a14="http://schemas.microsoft.com/office/drawing/2010/main" val="0"/>
+                <a14:useLocalDpi xmlns:a14="http://schemas.microsoft.com/office/drawing/2010/main" xmlns="" val="0"/>
               </a:ext>
             </a:extLst>
           </a:blip>
@@ -15497,8 +15494,8 @@
         </p:blipFill>
         <p:spPr>
           <a:xfrm>
-            <a:off x="4275788" y="2097088"/>
-            <a:ext cx="3266387" cy="3617140"/>
+            <a:off x="4704156" y="2352461"/>
+            <a:ext cx="2347434" cy="2599507"/>
           </a:xfrm>
         </p:spPr>
       </p:pic>
@@ -15576,8 +15573,8 @@
         </p:blipFill>
         <p:spPr>
           <a:xfrm>
-            <a:off x="3826063" y="2227742"/>
-            <a:ext cx="5031766" cy="3297847"/>
+            <a:off x="3974344" y="2310121"/>
+            <a:ext cx="4004153" cy="2624344"/>
           </a:xfrm>
         </p:spPr>
       </p:pic>
@@ -15655,8 +15652,8 @@
         </p:blipFill>
         <p:spPr>
           <a:xfrm>
-            <a:off x="3905794" y="1951742"/>
-            <a:ext cx="4236954" cy="3808978"/>
+            <a:off x="4128215" y="2050596"/>
+            <a:ext cx="3556111" cy="3196907"/>
           </a:xfrm>
         </p:spPr>
       </p:pic>
@@ -15839,7 +15836,7 @@
     </p:spTree>
     <p:extLst>
       <p:ext uri="{BB962C8B-B14F-4D97-AF65-F5344CB8AC3E}">
-        <p14:creationId xmlns:p14="http://schemas.microsoft.com/office/powerpoint/2010/main" val="1769917714"/>
+        <p14:creationId xmlns:p14="http://schemas.microsoft.com/office/powerpoint/2010/main" xmlns="" val="1769917714"/>
       </p:ext>
     </p:extLst>
   </p:cSld>
@@ -15919,14 +15916,28 @@
           <a:p>
             <a:r>
               <a:rPr lang="en-US" dirty="0" smtClean="0"/>
-              <a:t>Career Fields Overview</a:t>
-            </a:r>
-          </a:p>
-          <a:p>
-            <a:r>
-              <a:rPr lang="en-US" dirty="0" smtClean="0"/>
-              <a:t>Todd/David-  Tech Discussions</a:t>
-            </a:r>
+              <a:t>Todd Nichols- </a:t>
+            </a:r>
+            <a:r>
+              <a:rPr lang="en-US" dirty="0" err="1" smtClean="0"/>
+              <a:t>RCS</a:t>
+            </a:r>
+            <a:r>
+              <a:rPr lang="en-US" dirty="0" smtClean="0"/>
+              <a:t> Manager</a:t>
+            </a:r>
+          </a:p>
+          <a:p>
+            <a:r>
+              <a:rPr lang="en-US" dirty="0" smtClean="0"/>
+              <a:t>Career </a:t>
+            </a:r>
+            <a:r>
+              <a:rPr lang="en-US" dirty="0" smtClean="0"/>
+              <a:t>Fields Overview</a:t>
+            </a:r>
+          </a:p>
+          <a:p>
             <a:endParaRPr lang="en-US" dirty="0" smtClean="0"/>
           </a:p>
           <a:p>
@@ -15937,18 +15948,18 @@
     </p:spTree>
     <p:extLst>
       <p:ext uri="{BB962C8B-B14F-4D97-AF65-F5344CB8AC3E}">
-        <p14:creationId xmlns:p14="http://schemas.microsoft.com/office/powerpoint/2010/main" val="3500050594"/>
+        <p14:creationId xmlns:p14="http://schemas.microsoft.com/office/powerpoint/2010/main" xmlns="" val="3500050594"/>
       </p:ext>
     </p:extLst>
   </p:cSld>
   <p:clrMapOvr>
     <a:masterClrMapping/>
   </p:clrMapOvr>
-  <mc:AlternateContent xmlns:mc="http://schemas.openxmlformats.org/markup-compatibility/2006" xmlns:p14="http://schemas.microsoft.com/office/powerpoint/2010/main">
-    <mc:Choice Requires="p14">
+  <mc:AlternateContent xmlns:mc="http://schemas.openxmlformats.org/markup-compatibility/2006">
+    <mc:Choice xmlns:p14="http://schemas.microsoft.com/office/powerpoint/2010/main" xmlns="" Requires="p14">
       <p:transition p14:dur="10"/>
     </mc:Choice>
-    <mc:Fallback xmlns="">
+    <mc:Fallback>
       <p:transition/>
     </mc:Fallback>
   </mc:AlternateContent>
@@ -16044,7 +16055,7 @@
     </p:spTree>
     <p:extLst>
       <p:ext uri="{BB962C8B-B14F-4D97-AF65-F5344CB8AC3E}">
-        <p14:creationId xmlns:p14="http://schemas.microsoft.com/office/powerpoint/2010/main" val="921013771"/>
+        <p14:creationId xmlns:p14="http://schemas.microsoft.com/office/powerpoint/2010/main" xmlns="" val="921013771"/>
       </p:ext>
     </p:extLst>
   </p:cSld>
@@ -16157,7 +16168,7 @@
     </p:spTree>
     <p:extLst>
       <p:ext uri="{BB962C8B-B14F-4D97-AF65-F5344CB8AC3E}">
-        <p14:creationId xmlns:p14="http://schemas.microsoft.com/office/powerpoint/2010/main" val="1186189647"/>
+        <p14:creationId xmlns:p14="http://schemas.microsoft.com/office/powerpoint/2010/main" xmlns="" val="1186189647"/>
       </p:ext>
     </p:extLst>
   </p:cSld>
@@ -16276,7 +16287,7 @@
     </p:spTree>
     <p:extLst>
       <p:ext uri="{BB962C8B-B14F-4D97-AF65-F5344CB8AC3E}">
-        <p14:creationId xmlns:p14="http://schemas.microsoft.com/office/powerpoint/2010/main" val="3440801735"/>
+        <p14:creationId xmlns:p14="http://schemas.microsoft.com/office/powerpoint/2010/main" xmlns="" val="3440801735"/>
       </p:ext>
     </p:extLst>
   </p:cSld>
@@ -16540,13 +16551,8 @@
             <a:pPr lvl="1"/>
             <a:r>
               <a:rPr lang="en-US" dirty="0" smtClean="0"/>
-              <a:t>On-the-job training like the </a:t>
-            </a:r>
-            <a:r>
-              <a:rPr lang="en-US" dirty="0" smtClean="0"/>
-              <a:t>military</a:t>
-            </a:r>
-            <a:endParaRPr lang="en-US" dirty="0" smtClean="0"/>
+              <a:t>On-the-job training like the military</a:t>
+            </a:r>
           </a:p>
         </p:txBody>
       </p:sp>
@@ -16668,7 +16674,7 @@
     </p:spTree>
     <p:extLst>
       <p:ext uri="{BB962C8B-B14F-4D97-AF65-F5344CB8AC3E}">
-        <p14:creationId xmlns:p14="http://schemas.microsoft.com/office/powerpoint/2010/main" val="2856753798"/>
+        <p14:creationId xmlns:p14="http://schemas.microsoft.com/office/powerpoint/2010/main" xmlns="" val="2856753798"/>
       </p:ext>
     </p:extLst>
   </p:cSld>
@@ -16792,7 +16798,7 @@
     </p:spTree>
     <p:extLst>
       <p:ext uri="{BB962C8B-B14F-4D97-AF65-F5344CB8AC3E}">
-        <p14:creationId xmlns:p14="http://schemas.microsoft.com/office/powerpoint/2010/main" val="589803983"/>
+        <p14:creationId xmlns:p14="http://schemas.microsoft.com/office/powerpoint/2010/main" xmlns="" val="589803983"/>
       </p:ext>
     </p:extLst>
   </p:cSld>
@@ -17245,20 +17251,46 @@
           <a:p>
             <a:r>
               <a:rPr lang="en-US" dirty="0" smtClean="0"/>
-              <a:t>Career Fields Overview</a:t>
-            </a:r>
-          </a:p>
-          <a:p>
-            <a:r>
-              <a:rPr lang="en-US" dirty="0" smtClean="0"/>
-              <a:t>Todd/David-  Tech Discussions</a:t>
+              <a:t>Todd Nichols- </a:t>
+            </a:r>
+            <a:r>
+              <a:rPr lang="en-US" dirty="0" err="1" smtClean="0"/>
+              <a:t>RCS</a:t>
+            </a:r>
+            <a:r>
+              <a:rPr lang="en-US" dirty="0" smtClean="0"/>
+              <a:t> Manager</a:t>
+            </a:r>
+          </a:p>
+          <a:p>
+            <a:r>
+              <a:rPr lang="en-US" dirty="0" smtClean="0"/>
+              <a:t>Career </a:t>
+            </a:r>
+            <a:r>
+              <a:rPr lang="en-US" dirty="0" smtClean="0"/>
+              <a:t>Fields </a:t>
+            </a:r>
+            <a:r>
+              <a:rPr lang="en-US" dirty="0" smtClean="0"/>
+              <a:t>Overview</a:t>
+            </a:r>
+          </a:p>
+          <a:p>
+            <a:r>
+              <a:rPr lang="en-US" dirty="0" smtClean="0"/>
+              <a:t>David – Software Development Discussion</a:t>
             </a:r>
             <a:endParaRPr lang="en-US" dirty="0" smtClean="0"/>
           </a:p>
           <a:p>
             <a:r>
               <a:rPr lang="en-US" dirty="0" smtClean="0"/>
-              <a:t>Lab- Web Programming</a:t>
+              <a:t>Lab- </a:t>
+            </a:r>
+            <a:r>
+              <a:rPr lang="en-US" dirty="0" smtClean="0"/>
+              <a:t>Web Programming</a:t>
             </a:r>
           </a:p>
           <a:p>
@@ -17273,18 +17305,18 @@
     </p:spTree>
     <p:extLst>
       <p:ext uri="{BB962C8B-B14F-4D97-AF65-F5344CB8AC3E}">
-        <p14:creationId xmlns:p14="http://schemas.microsoft.com/office/powerpoint/2010/main" val="973597047"/>
+        <p14:creationId xmlns:p14="http://schemas.microsoft.com/office/powerpoint/2010/main" xmlns="" val="973597047"/>
       </p:ext>
     </p:extLst>
   </p:cSld>
   <p:clrMapOvr>
     <a:masterClrMapping/>
   </p:clrMapOvr>
-  <mc:AlternateContent xmlns:mc="http://schemas.openxmlformats.org/markup-compatibility/2006" xmlns:p14="http://schemas.microsoft.com/office/powerpoint/2010/main">
-    <mc:Choice Requires="p14">
+  <mc:AlternateContent xmlns:mc="http://schemas.openxmlformats.org/markup-compatibility/2006">
+    <mc:Choice xmlns:p14="http://schemas.microsoft.com/office/powerpoint/2010/main" xmlns="" Requires="p14">
       <p:transition p14:dur="10"/>
     </mc:Choice>
-    <mc:Fallback xmlns="">
+    <mc:Fallback>
       <p:transition/>
     </mc:Fallback>
   </mc:AlternateContent>
@@ -17474,7 +17506,7 @@
     </p:spTree>
     <p:extLst>
       <p:ext uri="{BB962C8B-B14F-4D97-AF65-F5344CB8AC3E}">
-        <p14:creationId xmlns:p14="http://schemas.microsoft.com/office/powerpoint/2010/main" val="1150422618"/>
+        <p14:creationId xmlns:p14="http://schemas.microsoft.com/office/powerpoint/2010/main" xmlns="" val="1150422618"/>
       </p:ext>
     </p:extLst>
   </p:cSld>
@@ -17565,7 +17597,7 @@
     </p:spTree>
     <p:extLst>
       <p:ext uri="{BB962C8B-B14F-4D97-AF65-F5344CB8AC3E}">
-        <p14:creationId xmlns:p14="http://schemas.microsoft.com/office/powerpoint/2010/main" val="1905665193"/>
+        <p14:creationId xmlns:p14="http://schemas.microsoft.com/office/powerpoint/2010/main" xmlns="" val="1905665193"/>
       </p:ext>
     </p:extLst>
   </p:cSld>
@@ -17665,7 +17697,7 @@
     </p:spTree>
     <p:extLst>
       <p:ext uri="{BB962C8B-B14F-4D97-AF65-F5344CB8AC3E}">
-        <p14:creationId xmlns:p14="http://schemas.microsoft.com/office/powerpoint/2010/main" val="577611851"/>
+        <p14:creationId xmlns:p14="http://schemas.microsoft.com/office/powerpoint/2010/main" xmlns="" val="577611851"/>
       </p:ext>
     </p:extLst>
   </p:cSld>
@@ -17771,7 +17803,7 @@
     </p:spTree>
     <p:extLst>
       <p:ext uri="{BB962C8B-B14F-4D97-AF65-F5344CB8AC3E}">
-        <p14:creationId xmlns:p14="http://schemas.microsoft.com/office/powerpoint/2010/main" val="3441114870"/>
+        <p14:creationId xmlns:p14="http://schemas.microsoft.com/office/powerpoint/2010/main" xmlns="" val="3441114870"/>
       </p:ext>
     </p:extLst>
   </p:cSld>
@@ -17880,7 +17912,7 @@
     </p:spTree>
     <p:extLst>
       <p:ext uri="{BB962C8B-B14F-4D97-AF65-F5344CB8AC3E}">
-        <p14:creationId xmlns:p14="http://schemas.microsoft.com/office/powerpoint/2010/main" val="1277618501"/>
+        <p14:creationId xmlns:p14="http://schemas.microsoft.com/office/powerpoint/2010/main" xmlns="" val="1277618501"/>
       </p:ext>
     </p:extLst>
   </p:cSld>
@@ -17956,13 +17988,8 @@
           <a:p>
             <a:r>
               <a:rPr lang="en-US" dirty="0" smtClean="0"/>
-              <a:t>In the office between </a:t>
-            </a:r>
-            <a:r>
-              <a:rPr lang="en-US" dirty="0" smtClean="0"/>
-              <a:t>7:30-8:00am (I am also work a little from home in the mornings remotely)</a:t>
-            </a:r>
-            <a:endParaRPr lang="en-US" dirty="0" smtClean="0"/>
+              <a:t>In the office between 7:30-8:00am (I am also work a little from home in the mornings remotely)</a:t>
+            </a:r>
           </a:p>
         </p:txBody>
       </p:sp>
@@ -18040,24 +18067,14 @@
           <a:p>
             <a:r>
               <a:rPr lang="en-US" dirty="0" smtClean="0"/>
-              <a:t>In the office between </a:t>
-            </a:r>
-            <a:r>
-              <a:rPr lang="en-US" dirty="0" smtClean="0"/>
-              <a:t>7:30-8:00am (I am also work a little from home in the mornings remotely)</a:t>
-            </a:r>
-            <a:endParaRPr lang="en-US" dirty="0" smtClean="0"/>
-          </a:p>
-          <a:p>
-            <a:r>
-              <a:rPr lang="en-US" dirty="0" smtClean="0"/>
-              <a:t>Start the </a:t>
-            </a:r>
-            <a:r>
-              <a:rPr lang="en-US" dirty="0" smtClean="0"/>
-              <a:t>coffee as soon as I walk into the building</a:t>
-            </a:r>
-            <a:endParaRPr lang="en-US" dirty="0" smtClean="0"/>
+              <a:t>In the office between 7:30-8:00am (I am also work a little from home in the mornings remotely)</a:t>
+            </a:r>
+          </a:p>
+          <a:p>
+            <a:r>
+              <a:rPr lang="en-US" dirty="0" smtClean="0"/>
+              <a:t>Start the coffee as soon as I walk into the building</a:t>
+            </a:r>
           </a:p>
           <a:p>
             <a:endParaRPr lang="en-US" dirty="0"/>
@@ -18067,7 +18084,7 @@
     </p:spTree>
     <p:extLst>
       <p:ext uri="{BB962C8B-B14F-4D97-AF65-F5344CB8AC3E}">
-        <p14:creationId xmlns:p14="http://schemas.microsoft.com/office/powerpoint/2010/main" val="2034210974"/>
+        <p14:creationId xmlns:p14="http://schemas.microsoft.com/office/powerpoint/2010/main" xmlns="" val="2034210974"/>
       </p:ext>
     </p:extLst>
   </p:cSld>
@@ -18143,33 +18160,19 @@
           <a:p>
             <a:r>
               <a:rPr lang="en-US" dirty="0" smtClean="0"/>
-              <a:t>In the office between </a:t>
-            </a:r>
-            <a:r>
-              <a:rPr lang="en-US" dirty="0" smtClean="0"/>
-              <a:t>7:30-8:00am (I am also work a little from home in the mornings remotely)</a:t>
-            </a:r>
-            <a:endParaRPr lang="en-US" dirty="0" smtClean="0"/>
-          </a:p>
-          <a:p>
-            <a:r>
-              <a:rPr lang="en-US" dirty="0" smtClean="0"/>
-              <a:t>Start the </a:t>
-            </a:r>
-            <a:r>
-              <a:rPr lang="en-US" dirty="0" smtClean="0"/>
-              <a:t>coffee as soon as I walk into the building</a:t>
-            </a:r>
-            <a:endParaRPr lang="en-US" dirty="0" smtClean="0"/>
-          </a:p>
-          <a:p>
-            <a:r>
-              <a:rPr lang="en-US" dirty="0" smtClean="0"/>
-              <a:t>Get caught up on </a:t>
-            </a:r>
-            <a:r>
-              <a:rPr lang="en-US" dirty="0" smtClean="0"/>
-              <a:t>email (while drinking coffee)</a:t>
+              <a:t>In the office between 7:30-8:00am (I am also work a little from home in the mornings remotely)</a:t>
+            </a:r>
+          </a:p>
+          <a:p>
+            <a:r>
+              <a:rPr lang="en-US" dirty="0" smtClean="0"/>
+              <a:t>Start the coffee as soon as I walk into the building</a:t>
+            </a:r>
+          </a:p>
+          <a:p>
+            <a:r>
+              <a:rPr lang="en-US" dirty="0" smtClean="0"/>
+              <a:t>Get caught up on email (while drinking coffee)</a:t>
             </a:r>
           </a:p>
           <a:p>
@@ -18180,7 +18183,7 @@
     </p:spTree>
     <p:extLst>
       <p:ext uri="{BB962C8B-B14F-4D97-AF65-F5344CB8AC3E}">
-        <p14:creationId xmlns:p14="http://schemas.microsoft.com/office/powerpoint/2010/main" val="76378812"/>
+        <p14:creationId xmlns:p14="http://schemas.microsoft.com/office/powerpoint/2010/main" xmlns="" val="76378812"/>
       </p:ext>
     </p:extLst>
   </p:cSld>
@@ -18256,60 +18259,33 @@
           <a:p>
             <a:r>
               <a:rPr lang="en-US" dirty="0" smtClean="0"/>
-              <a:t>In the office between </a:t>
-            </a:r>
-            <a:r>
-              <a:rPr lang="en-US" dirty="0" smtClean="0"/>
-              <a:t>7:30-8:00am (I am also work a little from home in the mornings remotely)</a:t>
-            </a:r>
-            <a:endParaRPr lang="en-US" dirty="0" smtClean="0"/>
-          </a:p>
-          <a:p>
-            <a:r>
-              <a:rPr lang="en-US" dirty="0" smtClean="0"/>
-              <a:t>Start the </a:t>
-            </a:r>
-            <a:r>
-              <a:rPr lang="en-US" dirty="0" smtClean="0"/>
-              <a:t>coffee as soon as I walk into the building</a:t>
-            </a:r>
-            <a:endParaRPr lang="en-US" dirty="0" smtClean="0"/>
-          </a:p>
-          <a:p>
-            <a:r>
-              <a:rPr lang="en-US" dirty="0" smtClean="0"/>
-              <a:t>Get caught up on </a:t>
-            </a:r>
-            <a:r>
-              <a:rPr lang="en-US" dirty="0" smtClean="0"/>
-              <a:t>email (while drinking coffee)</a:t>
-            </a:r>
-          </a:p>
-          <a:p>
-            <a:r>
-              <a:rPr lang="en-US" dirty="0" smtClean="0"/>
-              <a:t>Review my </a:t>
-            </a:r>
-            <a:r>
-              <a:rPr lang="en-US" dirty="0" smtClean="0"/>
-              <a:t>task/work </a:t>
-            </a:r>
-            <a:r>
-              <a:rPr lang="en-US" dirty="0" smtClean="0"/>
-              <a:t>list (while drinking coffee</a:t>
-            </a:r>
-            <a:r>
-              <a:rPr lang="en-US" dirty="0" smtClean="0"/>
-              <a:t>)</a:t>
-            </a:r>
-            <a:endParaRPr lang="en-US" dirty="0" smtClean="0"/>
+              <a:t>In the office between 7:30-8:00am (I am also work a little from home in the mornings remotely)</a:t>
+            </a:r>
+          </a:p>
+          <a:p>
+            <a:r>
+              <a:rPr lang="en-US" dirty="0" smtClean="0"/>
+              <a:t>Start the coffee as soon as I walk into the building</a:t>
+            </a:r>
+          </a:p>
+          <a:p>
+            <a:r>
+              <a:rPr lang="en-US" dirty="0" smtClean="0"/>
+              <a:t>Get caught up on email (while drinking coffee)</a:t>
+            </a:r>
+          </a:p>
+          <a:p>
+            <a:r>
+              <a:rPr lang="en-US" dirty="0" smtClean="0"/>
+              <a:t>Review my task/work list (while drinking coffee)</a:t>
+            </a:r>
           </a:p>
         </p:txBody>
       </p:sp>
     </p:spTree>
     <p:extLst>
       <p:ext uri="{BB962C8B-B14F-4D97-AF65-F5344CB8AC3E}">
-        <p14:creationId xmlns:p14="http://schemas.microsoft.com/office/powerpoint/2010/main" val="2890051408"/>
+        <p14:creationId xmlns:p14="http://schemas.microsoft.com/office/powerpoint/2010/main" xmlns="" val="2890051408"/>
       </p:ext>
     </p:extLst>
   </p:cSld>
@@ -18388,7 +18364,7 @@
     </p:spTree>
     <p:extLst>
       <p:ext uri="{BB962C8B-B14F-4D97-AF65-F5344CB8AC3E}">
-        <p14:creationId xmlns:p14="http://schemas.microsoft.com/office/powerpoint/2010/main" val="2177194635"/>
+        <p14:creationId xmlns:p14="http://schemas.microsoft.com/office/powerpoint/2010/main" xmlns="" val="2177194635"/>
       </p:ext>
     </p:extLst>
   </p:cSld>
@@ -18464,61 +18440,31 @@
           <a:p>
             <a:r>
               <a:rPr lang="en-US" dirty="0" smtClean="0"/>
-              <a:t>In the office between </a:t>
-            </a:r>
-            <a:r>
-              <a:rPr lang="en-US" dirty="0" smtClean="0"/>
-              <a:t>7:30-8:00am (I am also work a little from home in the mornings remotely)</a:t>
-            </a:r>
-            <a:endParaRPr lang="en-US" dirty="0" smtClean="0"/>
-          </a:p>
-          <a:p>
-            <a:r>
-              <a:rPr lang="en-US" dirty="0" smtClean="0"/>
-              <a:t>Start the </a:t>
-            </a:r>
-            <a:r>
-              <a:rPr lang="en-US" dirty="0" smtClean="0"/>
-              <a:t>coffee as soon as I walk into the building</a:t>
-            </a:r>
-            <a:endParaRPr lang="en-US" dirty="0" smtClean="0"/>
-          </a:p>
-          <a:p>
-            <a:r>
-              <a:rPr lang="en-US" dirty="0" smtClean="0"/>
-              <a:t>Get caught up on </a:t>
-            </a:r>
-            <a:r>
-              <a:rPr lang="en-US" dirty="0" smtClean="0"/>
-              <a:t>email (while drinking coffee)</a:t>
-            </a:r>
-          </a:p>
-          <a:p>
-            <a:r>
-              <a:rPr lang="en-US" dirty="0" smtClean="0"/>
-              <a:t>Review my </a:t>
-            </a:r>
-            <a:r>
-              <a:rPr lang="en-US" dirty="0" smtClean="0"/>
-              <a:t>task/work </a:t>
-            </a:r>
-            <a:r>
-              <a:rPr lang="en-US" dirty="0" smtClean="0"/>
-              <a:t>list (while drinking coffee)</a:t>
-            </a:r>
-          </a:p>
-          <a:p>
-            <a:r>
-              <a:rPr lang="en-US" dirty="0" smtClean="0"/>
-              <a:t>If no support issues, continue </a:t>
-            </a:r>
-            <a:r>
-              <a:rPr lang="en-US" dirty="0" smtClean="0"/>
-              <a:t>working on </a:t>
-            </a:r>
-            <a:r>
-              <a:rPr lang="en-US" dirty="0" smtClean="0"/>
-              <a:t>major programming projects (while drinking coffee)</a:t>
+              <a:t>In the office between 7:30-8:00am (I am also work a little from home in the mornings remotely)</a:t>
+            </a:r>
+          </a:p>
+          <a:p>
+            <a:r>
+              <a:rPr lang="en-US" dirty="0" smtClean="0"/>
+              <a:t>Start the coffee as soon as I walk into the building</a:t>
+            </a:r>
+          </a:p>
+          <a:p>
+            <a:r>
+              <a:rPr lang="en-US" dirty="0" smtClean="0"/>
+              <a:t>Get caught up on email (while drinking coffee)</a:t>
+            </a:r>
+          </a:p>
+          <a:p>
+            <a:r>
+              <a:rPr lang="en-US" dirty="0" smtClean="0"/>
+              <a:t>Review my task/work list (while drinking coffee)</a:t>
+            </a:r>
+          </a:p>
+          <a:p>
+            <a:r>
+              <a:rPr lang="en-US" dirty="0" smtClean="0"/>
+              <a:t>If no support issues, continue working on major programming projects (while drinking coffee)</a:t>
             </a:r>
           </a:p>
           <a:p>
@@ -18529,7 +18475,7 @@
     </p:spTree>
     <p:extLst>
       <p:ext uri="{BB962C8B-B14F-4D97-AF65-F5344CB8AC3E}">
-        <p14:creationId xmlns:p14="http://schemas.microsoft.com/office/powerpoint/2010/main" val="4021104652"/>
+        <p14:creationId xmlns:p14="http://schemas.microsoft.com/office/powerpoint/2010/main" xmlns="" val="4021104652"/>
       </p:ext>
     </p:extLst>
   </p:cSld>
@@ -18605,75 +18551,37 @@
           <a:p>
             <a:r>
               <a:rPr lang="en-US" dirty="0" smtClean="0"/>
-              <a:t>In the office between </a:t>
-            </a:r>
-            <a:r>
-              <a:rPr lang="en-US" dirty="0" smtClean="0"/>
-              <a:t>7:30-8:00am (I am also work a little from home in the mornings remotely)</a:t>
-            </a:r>
-            <a:endParaRPr lang="en-US" dirty="0" smtClean="0"/>
-          </a:p>
-          <a:p>
-            <a:r>
-              <a:rPr lang="en-US" dirty="0" smtClean="0"/>
-              <a:t>Start the </a:t>
-            </a:r>
-            <a:r>
-              <a:rPr lang="en-US" dirty="0" smtClean="0"/>
-              <a:t>coffee as soon as I walk into the building</a:t>
-            </a:r>
-            <a:endParaRPr lang="en-US" dirty="0" smtClean="0"/>
-          </a:p>
-          <a:p>
-            <a:r>
-              <a:rPr lang="en-US" dirty="0" smtClean="0"/>
-              <a:t>Get caught up on </a:t>
-            </a:r>
-            <a:r>
-              <a:rPr lang="en-US" dirty="0" smtClean="0"/>
-              <a:t>email (while drinking coffee)</a:t>
-            </a:r>
-          </a:p>
-          <a:p>
-            <a:r>
-              <a:rPr lang="en-US" dirty="0" smtClean="0"/>
-              <a:t>Review my </a:t>
-            </a:r>
-            <a:r>
-              <a:rPr lang="en-US" dirty="0" smtClean="0"/>
-              <a:t>task/work </a:t>
-            </a:r>
-            <a:r>
-              <a:rPr lang="en-US" dirty="0" smtClean="0"/>
-              <a:t>list (while drinking coffee)</a:t>
-            </a:r>
-          </a:p>
-          <a:p>
-            <a:r>
-              <a:rPr lang="en-US" dirty="0" smtClean="0"/>
-              <a:t>If no support issues, continue </a:t>
-            </a:r>
-            <a:r>
-              <a:rPr lang="en-US" dirty="0" smtClean="0"/>
-              <a:t>working on </a:t>
-            </a:r>
-            <a:r>
-              <a:rPr lang="en-US" dirty="0" smtClean="0"/>
-              <a:t>major programming projects (while drinking coffee)</a:t>
-            </a:r>
-          </a:p>
-          <a:p>
-            <a:r>
-              <a:rPr lang="en-US" dirty="0" smtClean="0"/>
-              <a:t>Support Issues normally take priority </a:t>
-            </a:r>
-            <a:r>
-              <a:rPr lang="en-US" dirty="0" smtClean="0"/>
-              <a:t>(we call it putting </a:t>
-            </a:r>
-            <a:r>
-              <a:rPr lang="en-US" dirty="0" smtClean="0"/>
-              <a:t>out fires)</a:t>
+              <a:t>In the office between 7:30-8:00am (I am also work a little from home in the mornings remotely)</a:t>
+            </a:r>
+          </a:p>
+          <a:p>
+            <a:r>
+              <a:rPr lang="en-US" dirty="0" smtClean="0"/>
+              <a:t>Start the coffee as soon as I walk into the building</a:t>
+            </a:r>
+          </a:p>
+          <a:p>
+            <a:r>
+              <a:rPr lang="en-US" dirty="0" smtClean="0"/>
+              <a:t>Get caught up on email (while drinking coffee)</a:t>
+            </a:r>
+          </a:p>
+          <a:p>
+            <a:r>
+              <a:rPr lang="en-US" dirty="0" smtClean="0"/>
+              <a:t>Review my task/work list (while drinking coffee)</a:t>
+            </a:r>
+          </a:p>
+          <a:p>
+            <a:r>
+              <a:rPr lang="en-US" dirty="0" smtClean="0"/>
+              <a:t>If no support issues, continue working on major programming projects (while drinking coffee)</a:t>
+            </a:r>
+          </a:p>
+          <a:p>
+            <a:r>
+              <a:rPr lang="en-US" dirty="0" smtClean="0"/>
+              <a:t>Support Issues normally take priority (we call it putting out fires)</a:t>
             </a:r>
           </a:p>
           <a:p>
@@ -18684,7 +18592,7 @@
     </p:spTree>
     <p:extLst>
       <p:ext uri="{BB962C8B-B14F-4D97-AF65-F5344CB8AC3E}">
-        <p14:creationId xmlns:p14="http://schemas.microsoft.com/office/powerpoint/2010/main" val="1165990124"/>
+        <p14:creationId xmlns:p14="http://schemas.microsoft.com/office/powerpoint/2010/main" xmlns="" val="1165990124"/>
       </p:ext>
     </p:extLst>
   </p:cSld>
@@ -18760,75 +18668,37 @@
           <a:p>
             <a:r>
               <a:rPr lang="en-US" dirty="0" smtClean="0"/>
-              <a:t>In the office between </a:t>
-            </a:r>
-            <a:r>
-              <a:rPr lang="en-US" dirty="0" smtClean="0"/>
-              <a:t>7:30-8:00am (I am also work a little from home in the mornings remotely)</a:t>
-            </a:r>
-            <a:endParaRPr lang="en-US" dirty="0" smtClean="0"/>
-          </a:p>
-          <a:p>
-            <a:r>
-              <a:rPr lang="en-US" dirty="0" smtClean="0"/>
-              <a:t>Start the </a:t>
-            </a:r>
-            <a:r>
-              <a:rPr lang="en-US" dirty="0" smtClean="0"/>
-              <a:t>coffee as soon as I walk into the building</a:t>
-            </a:r>
-            <a:endParaRPr lang="en-US" dirty="0" smtClean="0"/>
-          </a:p>
-          <a:p>
-            <a:r>
-              <a:rPr lang="en-US" dirty="0" smtClean="0"/>
-              <a:t>Get caught up on </a:t>
-            </a:r>
-            <a:r>
-              <a:rPr lang="en-US" dirty="0" smtClean="0"/>
-              <a:t>email (while drinking coffee)</a:t>
-            </a:r>
-          </a:p>
-          <a:p>
-            <a:r>
-              <a:rPr lang="en-US" dirty="0" smtClean="0"/>
-              <a:t>Review my </a:t>
-            </a:r>
-            <a:r>
-              <a:rPr lang="en-US" dirty="0" smtClean="0"/>
-              <a:t>task/work </a:t>
-            </a:r>
-            <a:r>
-              <a:rPr lang="en-US" dirty="0" smtClean="0"/>
-              <a:t>list (while drinking coffee)</a:t>
-            </a:r>
-          </a:p>
-          <a:p>
-            <a:r>
-              <a:rPr lang="en-US" dirty="0" smtClean="0"/>
-              <a:t>If no support issues, continue </a:t>
-            </a:r>
-            <a:r>
-              <a:rPr lang="en-US" dirty="0" smtClean="0"/>
-              <a:t>working on </a:t>
-            </a:r>
-            <a:r>
-              <a:rPr lang="en-US" dirty="0" smtClean="0"/>
-              <a:t>major programming projects (while drinking coffee)</a:t>
-            </a:r>
-          </a:p>
-          <a:p>
-            <a:r>
-              <a:rPr lang="en-US" dirty="0" smtClean="0"/>
-              <a:t>Support Issues normally take priority </a:t>
-            </a:r>
-            <a:r>
-              <a:rPr lang="en-US" dirty="0" smtClean="0"/>
-              <a:t>(we call it putting </a:t>
-            </a:r>
-            <a:r>
-              <a:rPr lang="en-US" dirty="0" smtClean="0"/>
-              <a:t>out fires)</a:t>
+              <a:t>In the office between 7:30-8:00am (I am also work a little from home in the mornings remotely)</a:t>
+            </a:r>
+          </a:p>
+          <a:p>
+            <a:r>
+              <a:rPr lang="en-US" dirty="0" smtClean="0"/>
+              <a:t>Start the coffee as soon as I walk into the building</a:t>
+            </a:r>
+          </a:p>
+          <a:p>
+            <a:r>
+              <a:rPr lang="en-US" dirty="0" smtClean="0"/>
+              <a:t>Get caught up on email (while drinking coffee)</a:t>
+            </a:r>
+          </a:p>
+          <a:p>
+            <a:r>
+              <a:rPr lang="en-US" dirty="0" smtClean="0"/>
+              <a:t>Review my task/work list (while drinking coffee)</a:t>
+            </a:r>
+          </a:p>
+          <a:p>
+            <a:r>
+              <a:rPr lang="en-US" dirty="0" smtClean="0"/>
+              <a:t>If no support issues, continue working on major programming projects (while drinking coffee)</a:t>
+            </a:r>
+          </a:p>
+          <a:p>
+            <a:r>
+              <a:rPr lang="en-US" dirty="0" smtClean="0"/>
+              <a:t>Support Issues normally take priority (we call it putting out fires)</a:t>
             </a:r>
           </a:p>
           <a:p>
@@ -18845,7 +18715,7 @@
     </p:spTree>
     <p:extLst>
       <p:ext uri="{BB962C8B-B14F-4D97-AF65-F5344CB8AC3E}">
-        <p14:creationId xmlns:p14="http://schemas.microsoft.com/office/powerpoint/2010/main" val="1379460417"/>
+        <p14:creationId xmlns:p14="http://schemas.microsoft.com/office/powerpoint/2010/main" xmlns="" val="1379460417"/>
       </p:ext>
     </p:extLst>
   </p:cSld>
@@ -18921,75 +18791,37 @@
           <a:p>
             <a:r>
               <a:rPr lang="en-US" dirty="0" smtClean="0"/>
-              <a:t>In the office between </a:t>
-            </a:r>
-            <a:r>
-              <a:rPr lang="en-US" dirty="0" smtClean="0"/>
-              <a:t>7:30-8:00am (I am also work a little from home in the mornings remotely)</a:t>
-            </a:r>
-            <a:endParaRPr lang="en-US" dirty="0" smtClean="0"/>
-          </a:p>
-          <a:p>
-            <a:r>
-              <a:rPr lang="en-US" dirty="0" smtClean="0"/>
-              <a:t>Start the </a:t>
-            </a:r>
-            <a:r>
-              <a:rPr lang="en-US" dirty="0" smtClean="0"/>
-              <a:t>coffee as soon as I walk into the building</a:t>
-            </a:r>
-            <a:endParaRPr lang="en-US" dirty="0" smtClean="0"/>
-          </a:p>
-          <a:p>
-            <a:r>
-              <a:rPr lang="en-US" dirty="0" smtClean="0"/>
-              <a:t>Get caught up on </a:t>
-            </a:r>
-            <a:r>
-              <a:rPr lang="en-US" dirty="0" smtClean="0"/>
-              <a:t>email (while drinking coffee)</a:t>
-            </a:r>
-          </a:p>
-          <a:p>
-            <a:r>
-              <a:rPr lang="en-US" dirty="0" smtClean="0"/>
-              <a:t>Review my </a:t>
-            </a:r>
-            <a:r>
-              <a:rPr lang="en-US" dirty="0" smtClean="0"/>
-              <a:t>task/work </a:t>
-            </a:r>
-            <a:r>
-              <a:rPr lang="en-US" dirty="0" smtClean="0"/>
-              <a:t>list (while drinking coffee)</a:t>
-            </a:r>
-          </a:p>
-          <a:p>
-            <a:r>
-              <a:rPr lang="en-US" dirty="0" smtClean="0"/>
-              <a:t>If no support issues, continue </a:t>
-            </a:r>
-            <a:r>
-              <a:rPr lang="en-US" dirty="0" smtClean="0"/>
-              <a:t>working on </a:t>
-            </a:r>
-            <a:r>
-              <a:rPr lang="en-US" dirty="0" smtClean="0"/>
-              <a:t>major programming projects (while drinking coffee)</a:t>
-            </a:r>
-          </a:p>
-          <a:p>
-            <a:r>
-              <a:rPr lang="en-US" dirty="0" smtClean="0"/>
-              <a:t>Support Issues normally take priority </a:t>
-            </a:r>
-            <a:r>
-              <a:rPr lang="en-US" dirty="0" smtClean="0"/>
-              <a:t>(we call it putting </a:t>
-            </a:r>
-            <a:r>
-              <a:rPr lang="en-US" dirty="0" smtClean="0"/>
-              <a:t>out fires)</a:t>
+              <a:t>In the office between 7:30-8:00am (I am also work a little from home in the mornings remotely)</a:t>
+            </a:r>
+          </a:p>
+          <a:p>
+            <a:r>
+              <a:rPr lang="en-US" dirty="0" smtClean="0"/>
+              <a:t>Start the coffee as soon as I walk into the building</a:t>
+            </a:r>
+          </a:p>
+          <a:p>
+            <a:r>
+              <a:rPr lang="en-US" dirty="0" smtClean="0"/>
+              <a:t>Get caught up on email (while drinking coffee)</a:t>
+            </a:r>
+          </a:p>
+          <a:p>
+            <a:r>
+              <a:rPr lang="en-US" dirty="0" smtClean="0"/>
+              <a:t>Review my task/work list (while drinking coffee)</a:t>
+            </a:r>
+          </a:p>
+          <a:p>
+            <a:r>
+              <a:rPr lang="en-US" dirty="0" smtClean="0"/>
+              <a:t>If no support issues, continue working on major programming projects (while drinking coffee)</a:t>
+            </a:r>
+          </a:p>
+          <a:p>
+            <a:r>
+              <a:rPr lang="en-US" dirty="0" smtClean="0"/>
+              <a:t>Support Issues normally take priority (we call it putting out fires)</a:t>
             </a:r>
           </a:p>
           <a:p>
@@ -19001,13 +18833,8 @@
           <a:p>
             <a:r>
               <a:rPr lang="en-US" dirty="0" smtClean="0"/>
-              <a:t>10% troubleshooting/support, 60% design/analysis (thinking), 30% </a:t>
-            </a:r>
-            <a:r>
-              <a:rPr lang="en-US" dirty="0" smtClean="0"/>
-              <a:t>coding</a:t>
-            </a:r>
-            <a:endParaRPr lang="en-US" dirty="0" smtClean="0"/>
+              <a:t>10% troubleshooting/support, 60% design/analysis (thinking), 30% coding</a:t>
+            </a:r>
           </a:p>
           <a:p>
             <a:endParaRPr lang="en-US" dirty="0"/>
@@ -19017,7 +18844,7 @@
     </p:spTree>
     <p:extLst>
       <p:ext uri="{BB962C8B-B14F-4D97-AF65-F5344CB8AC3E}">
-        <p14:creationId xmlns:p14="http://schemas.microsoft.com/office/powerpoint/2010/main" val="2885056626"/>
+        <p14:creationId xmlns:p14="http://schemas.microsoft.com/office/powerpoint/2010/main" xmlns="" val="2885056626"/>
       </p:ext>
     </p:extLst>
   </p:cSld>
@@ -19068,44 +18895,45 @@
           <a:p>
             <a:r>
               <a:rPr lang="en-US" dirty="0" smtClean="0"/>
-              <a:t>Career Fields at S&amp;S</a:t>
-            </a:r>
-            <a:endParaRPr lang="en-US" dirty="0"/>
-          </a:p>
-        </p:txBody>
-      </p:sp>
-      <p:sp>
-        <p:nvSpPr>
-          <p:cNvPr id="3" name="Content Placeholder 2"/>
-          <p:cNvSpPr>
-            <a:spLocks noGrp="1"/>
-          </p:cNvSpPr>
+              <a:t>Todd Nichols-  RCS Market Manager</a:t>
+            </a:r>
+            <a:endParaRPr lang="en-US" dirty="0"/>
+          </a:p>
+        </p:txBody>
+      </p:sp>
+      <p:pic>
+        <p:nvPicPr>
+          <p:cNvPr id="4" name="Content Placeholder 3"/>
+          <p:cNvPicPr>
+            <a:picLocks noGrp="1" noChangeAspect="1"/>
+          </p:cNvPicPr>
           <p:nvPr>
             <p:ph idx="1"/>
           </p:nvPr>
-        </p:nvSpPr>
-        <p:spPr/>
-        <p:txBody>
-          <a:bodyPr>
-            <a:normAutofit/>
-          </a:bodyPr>
-          <a:lstStyle/>
-          <a:p>
-            <a:endParaRPr lang="en-US" dirty="0" smtClean="0"/>
-          </a:p>
-          <a:p>
-            <a:pPr lvl="1"/>
-            <a:endParaRPr lang="en-US" dirty="0" smtClean="0"/>
-          </a:p>
-          <a:p>
-            <a:endParaRPr lang="en-US" dirty="0"/>
-          </a:p>
-        </p:txBody>
-      </p:sp>
+        </p:nvPicPr>
+        <p:blipFill>
+          <a:blip r:embed="rId2">
+            <a:extLst>
+              <a:ext uri="{28A0092B-C50C-407E-A947-70E740481C1C}">
+                <a14:useLocalDpi xmlns:a14="http://schemas.microsoft.com/office/drawing/2010/main" xmlns="" val="0"/>
+              </a:ext>
+            </a:extLst>
+          </a:blip>
+          <a:stretch>
+            <a:fillRect/>
+          </a:stretch>
+        </p:blipFill>
+        <p:spPr>
+          <a:xfrm>
+            <a:off x="4665663" y="3072606"/>
+            <a:ext cx="2857500" cy="1895475"/>
+          </a:xfrm>
+        </p:spPr>
+      </p:pic>
     </p:spTree>
     <p:extLst>
       <p:ext uri="{BB962C8B-B14F-4D97-AF65-F5344CB8AC3E}">
-        <p14:creationId xmlns:p14="http://schemas.microsoft.com/office/powerpoint/2010/main" val="1413761337"/>
+        <p14:creationId xmlns:p14="http://schemas.microsoft.com/office/powerpoint/2010/main" xmlns="" val="3082745468"/>
       </p:ext>
     </p:extLst>
   </p:cSld>
@@ -19156,7 +18984,7 @@
           <a:p>
             <a:r>
               <a:rPr lang="en-US" dirty="0" smtClean="0"/>
-              <a:t>Software Developer</a:t>
+              <a:t>Career Fields at S&amp;S</a:t>
             </a:r>
             <a:endParaRPr lang="en-US" dirty="0"/>
           </a:p>
@@ -19174,28 +19002,18 @@
         </p:nvSpPr>
         <p:spPr/>
         <p:txBody>
-          <a:bodyPr/>
+          <a:bodyPr>
+            <a:normAutofit/>
+          </a:bodyPr>
           <a:lstStyle/>
           <a:p>
-            <a:pPr marL="0" indent="0">
-              <a:buNone/>
-            </a:pPr>
-            <a:endParaRPr lang="en-US" dirty="0"/>
+            <a:endParaRPr lang="en-US" dirty="0" smtClean="0"/>
           </a:p>
           <a:p>
             <a:pPr lvl="1"/>
-            <a:r>
-              <a:rPr lang="en-US" dirty="0"/>
-              <a:t>Write </a:t>
-            </a:r>
-            <a:r>
-              <a:rPr lang="en-US" dirty="0" smtClean="0"/>
-              <a:t>code (build software applications)</a:t>
-            </a:r>
-            <a:endParaRPr lang="en-US" dirty="0"/>
-          </a:p>
-          <a:p>
-            <a:pPr lvl="1"/>
+            <a:endParaRPr lang="en-US" dirty="0" smtClean="0"/>
+          </a:p>
+          <a:p>
             <a:endParaRPr lang="en-US" dirty="0"/>
           </a:p>
         </p:txBody>
@@ -19203,7 +19021,7 @@
     </p:spTree>
     <p:extLst>
       <p:ext uri="{BB962C8B-B14F-4D97-AF65-F5344CB8AC3E}">
-        <p14:creationId xmlns:p14="http://schemas.microsoft.com/office/powerpoint/2010/main" val="1722998285"/>
+        <p14:creationId xmlns:p14="http://schemas.microsoft.com/office/powerpoint/2010/main" xmlns="" val="1413761337"/>
       </p:ext>
     </p:extLst>
   </p:cSld>
@@ -19294,18 +19112,6 @@
           </a:p>
           <a:p>
             <a:pPr lvl="1"/>
-            <a:r>
-              <a:rPr lang="en-US" dirty="0"/>
-              <a:t>Troubleshoot </a:t>
-            </a:r>
-            <a:r>
-              <a:rPr lang="en-US" dirty="0" smtClean="0"/>
-              <a:t>issues and fix bugs</a:t>
-            </a:r>
-            <a:endParaRPr lang="en-US" dirty="0"/>
-          </a:p>
-          <a:p>
-            <a:pPr lvl="1"/>
             <a:endParaRPr lang="en-US" dirty="0"/>
           </a:p>
         </p:txBody>
@@ -19313,7 +19119,7 @@
     </p:spTree>
     <p:extLst>
       <p:ext uri="{BB962C8B-B14F-4D97-AF65-F5344CB8AC3E}">
-        <p14:creationId xmlns:p14="http://schemas.microsoft.com/office/powerpoint/2010/main" val="3658684172"/>
+        <p14:creationId xmlns:p14="http://schemas.microsoft.com/office/powerpoint/2010/main" xmlns="" val="1722998285"/>
       </p:ext>
     </p:extLst>
   </p:cSld>
@@ -19575,7 +19381,7 @@
   <a:extraClrSchemeLst/>
   <a:extLst>
     <a:ext uri="{05A4C25C-085E-4340-85A3-A5531E510DB2}">
-      <thm15:themeFamily xmlns:thm15="http://schemas.microsoft.com/office/thememl/2012/main" name="Circuit" id="{0AC2F7E7-15F5-431C-B2A2-456FE929F56C}" vid="{0911B802-464C-4241-8DD9-B60FF88E379F}"/>
+      <thm15:themeFamily xmlns:thm15="http://schemas.microsoft.com/office/thememl/2012/main" xmlns="" name="Circuit" id="{0AC2F7E7-15F5-431C-B2A2-456FE929F56C}" vid="{0911B802-464C-4241-8DD9-B60FF88E379F}"/>
     </a:ext>
   </a:extLst>
 </a:theme>

--- a/PowerPointSlids.pptx
+++ b/PowerPointSlids.pptx
@@ -168,7 +168,7 @@
   </p:defaultTextStyle>
   <p:extLst>
     <p:ext uri="{EFAFB233-063F-42B5-8137-9DF3F51BA10A}">
-      <p15:sldGuideLst xmlns:p15="http://schemas.microsoft.com/office/powerpoint/2012/main" xmlns="">
+      <p15:sldGuideLst xmlns="" xmlns:p15="http://schemas.microsoft.com/office/powerpoint/2012/main">
         <p15:guide id="1" orient="horz" pos="2160">
           <p15:clr>
             <a:srgbClr val="A4A3A4"/>
@@ -215,7 +215,7 @@
             <a:alphaModFix amt="30000"/>
             <a:extLst>
               <a:ext uri="{28A0092B-C50C-407E-A947-70E740481C1C}">
-                <a14:useLocalDpi xmlns:a14="http://schemas.microsoft.com/office/drawing/2010/main" xmlns="" val="0"/>
+                <a14:useLocalDpi xmlns="" xmlns:a14="http://schemas.microsoft.com/office/drawing/2010/main" val="0"/>
               </a:ext>
             </a:extLst>
           </a:blip>
@@ -235,7 +235,7 @@
           <a:noFill/>
           <a:extLst>
             <a:ext uri="{909E8E84-426E-40dd-AFC4-6F175D3DCCD1}">
-              <a14:hiddenFill xmlns="" xmlns:a14="http://schemas.microsoft.com/office/drawing/2010/main">
+              <a14:hiddenFill xmlns:a14="http://schemas.microsoft.com/office/drawing/2010/main" xmlns="">
                 <a:solidFill>
                   <a:srgbClr val="FFFFFF"/>
                 </a:solidFill>
@@ -295,7 +295,7 @@
             </a:ln>
             <a:extLst>
               <a:ext uri="{91240B29-F687-4f45-9708-019B960494DF}">
-                <a14:hiddenLine xmlns="" xmlns:a14="http://schemas.microsoft.com/office/drawing/2010/main" w="9525">
+                <a14:hiddenLine xmlns:a14="http://schemas.microsoft.com/office/drawing/2010/main" xmlns="" w="9525">
                   <a:solidFill>
                     <a:srgbClr val="000000"/>
                   </a:solidFill>
@@ -385,7 +385,7 @@
             </a:ln>
             <a:extLst>
               <a:ext uri="{91240B29-F687-4f45-9708-019B960494DF}">
-                <a14:hiddenLine xmlns="" xmlns:a14="http://schemas.microsoft.com/office/drawing/2010/main" w="9525">
+                <a14:hiddenLine xmlns:a14="http://schemas.microsoft.com/office/drawing/2010/main" xmlns="" w="9525">
                   <a:solidFill>
                     <a:srgbClr val="000000"/>
                   </a:solidFill>
@@ -475,7 +475,7 @@
             </a:ln>
             <a:extLst>
               <a:ext uri="{91240B29-F687-4f45-9708-019B960494DF}">
-                <a14:hiddenLine xmlns="" xmlns:a14="http://schemas.microsoft.com/office/drawing/2010/main" w="9525">
+                <a14:hiddenLine xmlns:a14="http://schemas.microsoft.com/office/drawing/2010/main" xmlns="" w="9525">
                   <a:solidFill>
                     <a:srgbClr val="000000"/>
                   </a:solidFill>
@@ -509,7 +509,7 @@
             </a:ln>
             <a:extLst>
               <a:ext uri="{91240B29-F687-4f45-9708-019B960494DF}">
-                <a14:hiddenLine xmlns="" xmlns:a14="http://schemas.microsoft.com/office/drawing/2010/main" w="9525">
+                <a14:hiddenLine xmlns:a14="http://schemas.microsoft.com/office/drawing/2010/main" xmlns="" w="9525">
                   <a:solidFill>
                     <a:srgbClr val="000000"/>
                   </a:solidFill>
@@ -599,7 +599,7 @@
             </a:ln>
             <a:extLst>
               <a:ext uri="{91240B29-F687-4f45-9708-019B960494DF}">
-                <a14:hiddenLine xmlns="" xmlns:a14="http://schemas.microsoft.com/office/drawing/2010/main" w="9525">
+                <a14:hiddenLine xmlns:a14="http://schemas.microsoft.com/office/drawing/2010/main" xmlns="" w="9525">
                   <a:solidFill>
                     <a:srgbClr val="000000"/>
                   </a:solidFill>
@@ -661,7 +661,7 @@
             </a:ln>
             <a:extLst>
               <a:ext uri="{91240B29-F687-4f45-9708-019B960494DF}">
-                <a14:hiddenLine xmlns="" xmlns:a14="http://schemas.microsoft.com/office/drawing/2010/main" w="9525">
+                <a14:hiddenLine xmlns:a14="http://schemas.microsoft.com/office/drawing/2010/main" xmlns="" w="9525">
                   <a:solidFill>
                     <a:srgbClr val="000000"/>
                   </a:solidFill>
@@ -723,7 +723,7 @@
             </a:ln>
             <a:extLst>
               <a:ext uri="{91240B29-F687-4f45-9708-019B960494DF}">
-                <a14:hiddenLine xmlns="" xmlns:a14="http://schemas.microsoft.com/office/drawing/2010/main" w="9525">
+                <a14:hiddenLine xmlns:a14="http://schemas.microsoft.com/office/drawing/2010/main" xmlns="" w="9525">
                   <a:solidFill>
                     <a:srgbClr val="000000"/>
                   </a:solidFill>
@@ -813,7 +813,7 @@
             </a:ln>
             <a:extLst>
               <a:ext uri="{91240B29-F687-4f45-9708-019B960494DF}">
-                <a14:hiddenLine xmlns="" xmlns:a14="http://schemas.microsoft.com/office/drawing/2010/main" w="9525">
+                <a14:hiddenLine xmlns:a14="http://schemas.microsoft.com/office/drawing/2010/main" xmlns="" w="9525">
                   <a:solidFill>
                     <a:srgbClr val="000000"/>
                   </a:solidFill>
@@ -875,7 +875,7 @@
             </a:ln>
             <a:extLst>
               <a:ext uri="{91240B29-F687-4f45-9708-019B960494DF}">
-                <a14:hiddenLine xmlns="" xmlns:a14="http://schemas.microsoft.com/office/drawing/2010/main" w="9525">
+                <a14:hiddenLine xmlns:a14="http://schemas.microsoft.com/office/drawing/2010/main" xmlns="" w="9525">
                   <a:solidFill>
                     <a:srgbClr val="000000"/>
                   </a:solidFill>
@@ -937,7 +937,7 @@
             </a:ln>
             <a:extLst>
               <a:ext uri="{91240B29-F687-4f45-9708-019B960494DF}">
-                <a14:hiddenLine xmlns="" xmlns:a14="http://schemas.microsoft.com/office/drawing/2010/main" w="9525">
+                <a14:hiddenLine xmlns:a14="http://schemas.microsoft.com/office/drawing/2010/main" xmlns="" w="9525">
                   <a:solidFill>
                     <a:srgbClr val="000000"/>
                   </a:solidFill>
@@ -1027,7 +1027,7 @@
             </a:ln>
             <a:extLst>
               <a:ext uri="{91240B29-F687-4f45-9708-019B960494DF}">
-                <a14:hiddenLine xmlns="" xmlns:a14="http://schemas.microsoft.com/office/drawing/2010/main" w="9525">
+                <a14:hiddenLine xmlns:a14="http://schemas.microsoft.com/office/drawing/2010/main" xmlns="" w="9525">
                   <a:solidFill>
                     <a:srgbClr val="000000"/>
                   </a:solidFill>
@@ -1117,7 +1117,7 @@
             </a:ln>
             <a:extLst>
               <a:ext uri="{91240B29-F687-4f45-9708-019B960494DF}">
-                <a14:hiddenLine xmlns="" xmlns:a14="http://schemas.microsoft.com/office/drawing/2010/main" w="9525">
+                <a14:hiddenLine xmlns:a14="http://schemas.microsoft.com/office/drawing/2010/main" xmlns="" w="9525">
                   <a:solidFill>
                     <a:srgbClr val="000000"/>
                   </a:solidFill>
@@ -1179,7 +1179,7 @@
             </a:ln>
             <a:extLst>
               <a:ext uri="{91240B29-F687-4f45-9708-019B960494DF}">
-                <a14:hiddenLine xmlns="" xmlns:a14="http://schemas.microsoft.com/office/drawing/2010/main" w="9525">
+                <a14:hiddenLine xmlns:a14="http://schemas.microsoft.com/office/drawing/2010/main" xmlns="" w="9525">
                   <a:solidFill>
                     <a:srgbClr val="000000"/>
                   </a:solidFill>
@@ -1289,7 +1289,7 @@
             </a:ln>
             <a:extLst>
               <a:ext uri="{91240B29-F687-4f45-9708-019B960494DF}">
-                <a14:hiddenLine xmlns="" xmlns:a14="http://schemas.microsoft.com/office/drawing/2010/main" w="9525">
+                <a14:hiddenLine xmlns:a14="http://schemas.microsoft.com/office/drawing/2010/main" xmlns="" w="9525">
                   <a:solidFill>
                     <a:srgbClr val="000000"/>
                   </a:solidFill>
@@ -1351,7 +1351,7 @@
             </a:ln>
             <a:extLst>
               <a:ext uri="{91240B29-F687-4f45-9708-019B960494DF}">
-                <a14:hiddenLine xmlns="" xmlns:a14="http://schemas.microsoft.com/office/drawing/2010/main" w="9525">
+                <a14:hiddenLine xmlns:a14="http://schemas.microsoft.com/office/drawing/2010/main" xmlns="" w="9525">
                   <a:solidFill>
                     <a:srgbClr val="000000"/>
                   </a:solidFill>
@@ -1441,7 +1441,7 @@
             </a:ln>
             <a:extLst>
               <a:ext uri="{91240B29-F687-4f45-9708-019B960494DF}">
-                <a14:hiddenLine xmlns="" xmlns:a14="http://schemas.microsoft.com/office/drawing/2010/main" w="9525">
+                <a14:hiddenLine xmlns:a14="http://schemas.microsoft.com/office/drawing/2010/main" xmlns="" w="9525">
                   <a:solidFill>
                     <a:srgbClr val="000000"/>
                   </a:solidFill>
@@ -1531,7 +1531,7 @@
             </a:ln>
             <a:extLst>
               <a:ext uri="{91240B29-F687-4f45-9708-019B960494DF}">
-                <a14:hiddenLine xmlns="" xmlns:a14="http://schemas.microsoft.com/office/drawing/2010/main" w="9525">
+                <a14:hiddenLine xmlns:a14="http://schemas.microsoft.com/office/drawing/2010/main" xmlns="" w="9525">
                   <a:solidFill>
                     <a:srgbClr val="000000"/>
                   </a:solidFill>
@@ -1593,7 +1593,7 @@
             </a:ln>
             <a:extLst>
               <a:ext uri="{91240B29-F687-4f45-9708-019B960494DF}">
-                <a14:hiddenLine xmlns="" xmlns:a14="http://schemas.microsoft.com/office/drawing/2010/main" w="9525">
+                <a14:hiddenLine xmlns:a14="http://schemas.microsoft.com/office/drawing/2010/main" xmlns="" w="9525">
                   <a:solidFill>
                     <a:srgbClr val="000000"/>
                   </a:solidFill>
@@ -1683,7 +1683,7 @@
             </a:ln>
             <a:extLst>
               <a:ext uri="{91240B29-F687-4f45-9708-019B960494DF}">
-                <a14:hiddenLine xmlns="" xmlns:a14="http://schemas.microsoft.com/office/drawing/2010/main" w="9525">
+                <a14:hiddenLine xmlns:a14="http://schemas.microsoft.com/office/drawing/2010/main" xmlns="" w="9525">
                   <a:solidFill>
                     <a:srgbClr val="000000"/>
                   </a:solidFill>
@@ -1773,7 +1773,7 @@
             </a:ln>
             <a:extLst>
               <a:ext uri="{91240B29-F687-4f45-9708-019B960494DF}">
-                <a14:hiddenLine xmlns="" xmlns:a14="http://schemas.microsoft.com/office/drawing/2010/main" w="9525">
+                <a14:hiddenLine xmlns:a14="http://schemas.microsoft.com/office/drawing/2010/main" xmlns="" w="9525">
                   <a:solidFill>
                     <a:srgbClr val="000000"/>
                   </a:solidFill>
@@ -1829,7 +1829,7 @@
             </a:ln>
             <a:extLst>
               <a:ext uri="{91240B29-F687-4f45-9708-019B960494DF}">
-                <a14:hiddenLine xmlns="" xmlns:a14="http://schemas.microsoft.com/office/drawing/2010/main" w="9525">
+                <a14:hiddenLine xmlns:a14="http://schemas.microsoft.com/office/drawing/2010/main" xmlns="" w="9525">
                   <a:solidFill>
                     <a:srgbClr val="000000"/>
                   </a:solidFill>
@@ -1919,7 +1919,7 @@
             </a:ln>
             <a:extLst>
               <a:ext uri="{91240B29-F687-4f45-9708-019B960494DF}">
-                <a14:hiddenLine xmlns="" xmlns:a14="http://schemas.microsoft.com/office/drawing/2010/main" w="9525">
+                <a14:hiddenLine xmlns:a14="http://schemas.microsoft.com/office/drawing/2010/main" xmlns="" w="9525">
                   <a:solidFill>
                     <a:srgbClr val="000000"/>
                   </a:solidFill>
@@ -1975,7 +1975,7 @@
             </a:ln>
             <a:extLst>
               <a:ext uri="{91240B29-F687-4f45-9708-019B960494DF}">
-                <a14:hiddenLine xmlns="" xmlns:a14="http://schemas.microsoft.com/office/drawing/2010/main" w="9525">
+                <a14:hiddenLine xmlns:a14="http://schemas.microsoft.com/office/drawing/2010/main" xmlns="" w="9525">
                   <a:solidFill>
                     <a:srgbClr val="000000"/>
                   </a:solidFill>
@@ -2065,7 +2065,7 @@
             </a:ln>
             <a:extLst>
               <a:ext uri="{91240B29-F687-4f45-9708-019B960494DF}">
-                <a14:hiddenLine xmlns="" xmlns:a14="http://schemas.microsoft.com/office/drawing/2010/main" w="9525">
+                <a14:hiddenLine xmlns:a14="http://schemas.microsoft.com/office/drawing/2010/main" xmlns="" w="9525">
                   <a:solidFill>
                     <a:srgbClr val="000000"/>
                   </a:solidFill>
@@ -2133,7 +2133,7 @@
             </a:ln>
             <a:extLst>
               <a:ext uri="{91240B29-F687-4f45-9708-019B960494DF}">
-                <a14:hiddenLine xmlns="" xmlns:a14="http://schemas.microsoft.com/office/drawing/2010/main" w="9525">
+                <a14:hiddenLine xmlns:a14="http://schemas.microsoft.com/office/drawing/2010/main" xmlns="" w="9525">
                   <a:solidFill>
                     <a:srgbClr val="000000"/>
                   </a:solidFill>
@@ -2223,7 +2223,7 @@
             </a:ln>
             <a:extLst>
               <a:ext uri="{91240B29-F687-4f45-9708-019B960494DF}">
-                <a14:hiddenLine xmlns="" xmlns:a14="http://schemas.microsoft.com/office/drawing/2010/main" w="9525">
+                <a14:hiddenLine xmlns:a14="http://schemas.microsoft.com/office/drawing/2010/main" xmlns="" w="9525">
                   <a:solidFill>
                     <a:srgbClr val="000000"/>
                   </a:solidFill>
@@ -2291,7 +2291,7 @@
             </a:ln>
             <a:extLst>
               <a:ext uri="{91240B29-F687-4f45-9708-019B960494DF}">
-                <a14:hiddenLine xmlns="" xmlns:a14="http://schemas.microsoft.com/office/drawing/2010/main" w="9525">
+                <a14:hiddenLine xmlns:a14="http://schemas.microsoft.com/office/drawing/2010/main" xmlns="" w="9525">
                   <a:solidFill>
                     <a:srgbClr val="000000"/>
                   </a:solidFill>
@@ -2381,7 +2381,7 @@
             </a:ln>
             <a:extLst>
               <a:ext uri="{91240B29-F687-4f45-9708-019B960494DF}">
-                <a14:hiddenLine xmlns="" xmlns:a14="http://schemas.microsoft.com/office/drawing/2010/main" w="9525">
+                <a14:hiddenLine xmlns:a14="http://schemas.microsoft.com/office/drawing/2010/main" xmlns="" w="9525">
                   <a:solidFill>
                     <a:srgbClr val="000000"/>
                   </a:solidFill>
@@ -2415,7 +2415,7 @@
             </a:ln>
             <a:extLst>
               <a:ext uri="{91240B29-F687-4f45-9708-019B960494DF}">
-                <a14:hiddenLine xmlns="" xmlns:a14="http://schemas.microsoft.com/office/drawing/2010/main" w="9525">
+                <a14:hiddenLine xmlns:a14="http://schemas.microsoft.com/office/drawing/2010/main" xmlns="" w="9525">
                   <a:solidFill>
                     <a:srgbClr val="000000"/>
                   </a:solidFill>
@@ -2505,7 +2505,7 @@
             </a:ln>
             <a:extLst>
               <a:ext uri="{91240B29-F687-4f45-9708-019B960494DF}">
-                <a14:hiddenLine xmlns="" xmlns:a14="http://schemas.microsoft.com/office/drawing/2010/main" w="9525">
+                <a14:hiddenLine xmlns:a14="http://schemas.microsoft.com/office/drawing/2010/main" xmlns="" w="9525">
                   <a:solidFill>
                     <a:srgbClr val="000000"/>
                   </a:solidFill>
@@ -2567,7 +2567,7 @@
             </a:ln>
             <a:extLst>
               <a:ext uri="{91240B29-F687-4f45-9708-019B960494DF}">
-                <a14:hiddenLine xmlns="" xmlns:a14="http://schemas.microsoft.com/office/drawing/2010/main" w="9525">
+                <a14:hiddenLine xmlns:a14="http://schemas.microsoft.com/office/drawing/2010/main" xmlns="" w="9525">
                   <a:solidFill>
                     <a:srgbClr val="000000"/>
                   </a:solidFill>
@@ -2629,7 +2629,7 @@
             </a:ln>
             <a:extLst>
               <a:ext uri="{91240B29-F687-4f45-9708-019B960494DF}">
-                <a14:hiddenLine xmlns="" xmlns:a14="http://schemas.microsoft.com/office/drawing/2010/main" w="9525">
+                <a14:hiddenLine xmlns:a14="http://schemas.microsoft.com/office/drawing/2010/main" xmlns="" w="9525">
                   <a:solidFill>
                     <a:srgbClr val="000000"/>
                   </a:solidFill>
@@ -2719,7 +2719,7 @@
             </a:ln>
             <a:extLst>
               <a:ext uri="{91240B29-F687-4f45-9708-019B960494DF}">
-                <a14:hiddenLine xmlns="" xmlns:a14="http://schemas.microsoft.com/office/drawing/2010/main" w="9525">
+                <a14:hiddenLine xmlns:a14="http://schemas.microsoft.com/office/drawing/2010/main" xmlns="" w="9525">
                   <a:solidFill>
                     <a:srgbClr val="000000"/>
                   </a:solidFill>
@@ -2787,7 +2787,7 @@
             </a:ln>
             <a:extLst>
               <a:ext uri="{91240B29-F687-4f45-9708-019B960494DF}">
-                <a14:hiddenLine xmlns="" xmlns:a14="http://schemas.microsoft.com/office/drawing/2010/main" w="9525">
+                <a14:hiddenLine xmlns:a14="http://schemas.microsoft.com/office/drawing/2010/main" xmlns="" w="9525">
                   <a:solidFill>
                     <a:srgbClr val="000000"/>
                   </a:solidFill>
@@ -2849,7 +2849,7 @@
             </a:ln>
             <a:extLst>
               <a:ext uri="{91240B29-F687-4f45-9708-019B960494DF}">
-                <a14:hiddenLine xmlns="" xmlns:a14="http://schemas.microsoft.com/office/drawing/2010/main" w="9525">
+                <a14:hiddenLine xmlns:a14="http://schemas.microsoft.com/office/drawing/2010/main" xmlns="" w="9525">
                   <a:solidFill>
                     <a:srgbClr val="000000"/>
                   </a:solidFill>
@@ -2939,7 +2939,7 @@
             </a:ln>
             <a:extLst>
               <a:ext uri="{91240B29-F687-4f45-9708-019B960494DF}">
-                <a14:hiddenLine xmlns="" xmlns:a14="http://schemas.microsoft.com/office/drawing/2010/main" w="9525">
+                <a14:hiddenLine xmlns:a14="http://schemas.microsoft.com/office/drawing/2010/main" xmlns="" w="9525">
                   <a:solidFill>
                     <a:srgbClr val="000000"/>
                   </a:solidFill>
@@ -3001,7 +3001,7 @@
             </a:ln>
             <a:extLst>
               <a:ext uri="{91240B29-F687-4f45-9708-019B960494DF}">
-                <a14:hiddenLine xmlns="" xmlns:a14="http://schemas.microsoft.com/office/drawing/2010/main" w="9525">
+                <a14:hiddenLine xmlns:a14="http://schemas.microsoft.com/office/drawing/2010/main" xmlns="" w="9525">
                   <a:solidFill>
                     <a:srgbClr val="000000"/>
                   </a:solidFill>
@@ -3091,7 +3091,7 @@
             </a:ln>
             <a:extLst>
               <a:ext uri="{91240B29-F687-4f45-9708-019B960494DF}">
-                <a14:hiddenLine xmlns="" xmlns:a14="http://schemas.microsoft.com/office/drawing/2010/main" w="9525">
+                <a14:hiddenLine xmlns:a14="http://schemas.microsoft.com/office/drawing/2010/main" xmlns="" w="9525">
                   <a:solidFill>
                     <a:srgbClr val="000000"/>
                   </a:solidFill>
@@ -3153,7 +3153,7 @@
             </a:ln>
             <a:extLst>
               <a:ext uri="{91240B29-F687-4f45-9708-019B960494DF}">
-                <a14:hiddenLine xmlns="" xmlns:a14="http://schemas.microsoft.com/office/drawing/2010/main" w="9525">
+                <a14:hiddenLine xmlns:a14="http://schemas.microsoft.com/office/drawing/2010/main" xmlns="" w="9525">
                   <a:solidFill>
                     <a:srgbClr val="000000"/>
                   </a:solidFill>
@@ -3243,7 +3243,7 @@
             </a:ln>
             <a:extLst>
               <a:ext uri="{91240B29-F687-4f45-9708-019B960494DF}">
-                <a14:hiddenLine xmlns="" xmlns:a14="http://schemas.microsoft.com/office/drawing/2010/main" w="9525">
+                <a14:hiddenLine xmlns:a14="http://schemas.microsoft.com/office/drawing/2010/main" xmlns="" w="9525">
                   <a:solidFill>
                     <a:srgbClr val="000000"/>
                   </a:solidFill>
@@ -3277,7 +3277,7 @@
             </a:ln>
             <a:extLst>
               <a:ext uri="{91240B29-F687-4f45-9708-019B960494DF}">
-                <a14:hiddenLine xmlns="" xmlns:a14="http://schemas.microsoft.com/office/drawing/2010/main" w="9525">
+                <a14:hiddenLine xmlns:a14="http://schemas.microsoft.com/office/drawing/2010/main" xmlns="" w="9525">
                   <a:solidFill>
                     <a:srgbClr val="000000"/>
                   </a:solidFill>
@@ -3342,7 +3342,7 @@
             </a:ln>
             <a:extLst>
               <a:ext uri="{91240B29-F687-4f45-9708-019B960494DF}">
-                <a14:hiddenLine xmlns="" xmlns:a14="http://schemas.microsoft.com/office/drawing/2010/main" w="9525">
+                <a14:hiddenLine xmlns:a14="http://schemas.microsoft.com/office/drawing/2010/main" xmlns="" w="9525">
                   <a:solidFill>
                     <a:srgbClr val="000000"/>
                   </a:solidFill>
@@ -3432,7 +3432,7 @@
             </a:ln>
             <a:extLst>
               <a:ext uri="{91240B29-F687-4f45-9708-019B960494DF}">
-                <a14:hiddenLine xmlns="" xmlns:a14="http://schemas.microsoft.com/office/drawing/2010/main" w="9525">
+                <a14:hiddenLine xmlns:a14="http://schemas.microsoft.com/office/drawing/2010/main" xmlns="" w="9525">
                   <a:solidFill>
                     <a:srgbClr val="000000"/>
                   </a:solidFill>
@@ -3494,7 +3494,7 @@
             </a:ln>
             <a:extLst>
               <a:ext uri="{91240B29-F687-4f45-9708-019B960494DF}">
-                <a14:hiddenLine xmlns="" xmlns:a14="http://schemas.microsoft.com/office/drawing/2010/main" w="9525">
+                <a14:hiddenLine xmlns:a14="http://schemas.microsoft.com/office/drawing/2010/main" xmlns="" w="9525">
                   <a:solidFill>
                     <a:srgbClr val="000000"/>
                   </a:solidFill>
@@ -3584,7 +3584,7 @@
             </a:ln>
             <a:extLst>
               <a:ext uri="{91240B29-F687-4f45-9708-019B960494DF}">
-                <a14:hiddenLine xmlns="" xmlns:a14="http://schemas.microsoft.com/office/drawing/2010/main" w="9525">
+                <a14:hiddenLine xmlns:a14="http://schemas.microsoft.com/office/drawing/2010/main" xmlns="" w="9525">
                   <a:solidFill>
                     <a:srgbClr val="000000"/>
                   </a:solidFill>
@@ -3674,7 +3674,7 @@
             </a:ln>
             <a:extLst>
               <a:ext uri="{91240B29-F687-4f45-9708-019B960494DF}">
-                <a14:hiddenLine xmlns="" xmlns:a14="http://schemas.microsoft.com/office/drawing/2010/main" w="9525">
+                <a14:hiddenLine xmlns:a14="http://schemas.microsoft.com/office/drawing/2010/main" xmlns="" w="9525">
                   <a:solidFill>
                     <a:srgbClr val="000000"/>
                   </a:solidFill>
@@ -3739,7 +3739,7 @@
             </a:ln>
             <a:extLst>
               <a:ext uri="{91240B29-F687-4f45-9708-019B960494DF}">
-                <a14:hiddenLine xmlns="" xmlns:a14="http://schemas.microsoft.com/office/drawing/2010/main" w="9525">
+                <a14:hiddenLine xmlns:a14="http://schemas.microsoft.com/office/drawing/2010/main" xmlns="" w="9525">
                   <a:solidFill>
                     <a:srgbClr val="000000"/>
                   </a:solidFill>
@@ -3801,7 +3801,7 @@
             </a:ln>
             <a:extLst>
               <a:ext uri="{91240B29-F687-4f45-9708-019B960494DF}">
-                <a14:hiddenLine xmlns="" xmlns:a14="http://schemas.microsoft.com/office/drawing/2010/main" w="9525">
+                <a14:hiddenLine xmlns:a14="http://schemas.microsoft.com/office/drawing/2010/main" xmlns="" w="9525">
                   <a:solidFill>
                     <a:srgbClr val="000000"/>
                   </a:solidFill>
@@ -3891,7 +3891,7 @@
             </a:ln>
             <a:extLst>
               <a:ext uri="{91240B29-F687-4f45-9708-019B960494DF}">
-                <a14:hiddenLine xmlns="" xmlns:a14="http://schemas.microsoft.com/office/drawing/2010/main" w="9525">
+                <a14:hiddenLine xmlns:a14="http://schemas.microsoft.com/office/drawing/2010/main" xmlns="" w="9525">
                   <a:solidFill>
                     <a:srgbClr val="000000"/>
                   </a:solidFill>
@@ -3981,7 +3981,7 @@
             </a:ln>
             <a:extLst>
               <a:ext uri="{91240B29-F687-4f45-9708-019B960494DF}">
-                <a14:hiddenLine xmlns="" xmlns:a14="http://schemas.microsoft.com/office/drawing/2010/main" w="9525">
+                <a14:hiddenLine xmlns:a14="http://schemas.microsoft.com/office/drawing/2010/main" xmlns="" w="9525">
                   <a:solidFill>
                     <a:srgbClr val="000000"/>
                   </a:solidFill>
@@ -4043,7 +4043,7 @@
             </a:ln>
             <a:extLst>
               <a:ext uri="{91240B29-F687-4f45-9708-019B960494DF}">
-                <a14:hiddenLine xmlns="" xmlns:a14="http://schemas.microsoft.com/office/drawing/2010/main" w="9525">
+                <a14:hiddenLine xmlns:a14="http://schemas.microsoft.com/office/drawing/2010/main" xmlns="" w="9525">
                   <a:solidFill>
                     <a:srgbClr val="000000"/>
                   </a:solidFill>
@@ -4163,7 +4163,7 @@
             </a:ln>
             <a:extLst>
               <a:ext uri="{91240B29-F687-4f45-9708-019B960494DF}">
-                <a14:hiddenLine xmlns="" xmlns:a14="http://schemas.microsoft.com/office/drawing/2010/main" w="9525">
+                <a14:hiddenLine xmlns:a14="http://schemas.microsoft.com/office/drawing/2010/main" xmlns="" w="9525">
                   <a:solidFill>
                     <a:srgbClr val="000000"/>
                   </a:solidFill>
@@ -4231,7 +4231,7 @@
             </a:ln>
             <a:extLst>
               <a:ext uri="{91240B29-F687-4f45-9708-019B960494DF}">
-                <a14:hiddenLine xmlns="" xmlns:a14="http://schemas.microsoft.com/office/drawing/2010/main" w="9525">
+                <a14:hiddenLine xmlns:a14="http://schemas.microsoft.com/office/drawing/2010/main" xmlns="" w="9525">
                   <a:solidFill>
                     <a:srgbClr val="000000"/>
                   </a:solidFill>
@@ -4321,7 +4321,7 @@
             </a:ln>
             <a:extLst>
               <a:ext uri="{91240B29-F687-4f45-9708-019B960494DF}">
-                <a14:hiddenLine xmlns="" xmlns:a14="http://schemas.microsoft.com/office/drawing/2010/main" w="9525">
+                <a14:hiddenLine xmlns:a14="http://schemas.microsoft.com/office/drawing/2010/main" xmlns="" w="9525">
                   <a:solidFill>
                     <a:srgbClr val="000000"/>
                   </a:solidFill>
@@ -9057,7 +9057,7 @@
             <a:alphaModFix amt="30000"/>
             <a:extLst>
               <a:ext uri="{28A0092B-C50C-407E-A947-70E740481C1C}">
-                <a14:useLocalDpi xmlns:a14="http://schemas.microsoft.com/office/drawing/2010/main" xmlns="" val="0"/>
+                <a14:useLocalDpi xmlns="" xmlns:a14="http://schemas.microsoft.com/office/drawing/2010/main" val="0"/>
               </a:ext>
             </a:extLst>
           </a:blip>
@@ -9077,7 +9077,7 @@
           <a:noFill/>
           <a:extLst>
             <a:ext uri="{909E8E84-426E-40dd-AFC4-6F175D3DCCD1}">
-              <a14:hiddenFill xmlns="" xmlns:a14="http://schemas.microsoft.com/office/drawing/2010/main">
+              <a14:hiddenFill xmlns:a14="http://schemas.microsoft.com/office/drawing/2010/main" xmlns="">
                 <a:solidFill>
                   <a:srgbClr val="FFFFFF"/>
                 </a:solidFill>
@@ -9151,7 +9151,7 @@
               </a:ln>
               <a:extLst>
                 <a:ext uri="{91240B29-F687-4f45-9708-019B960494DF}">
-                  <a14:hiddenLine xmlns="" xmlns:a14="http://schemas.microsoft.com/office/drawing/2010/main" w="9525">
+                  <a14:hiddenLine xmlns:a14="http://schemas.microsoft.com/office/drawing/2010/main" xmlns="" w="9525">
                     <a:solidFill>
                       <a:srgbClr val="000000"/>
                     </a:solidFill>
@@ -9241,7 +9241,7 @@
               </a:ln>
               <a:extLst>
                 <a:ext uri="{91240B29-F687-4f45-9708-019B960494DF}">
-                  <a14:hiddenLine xmlns="" xmlns:a14="http://schemas.microsoft.com/office/drawing/2010/main" w="9525">
+                  <a14:hiddenLine xmlns:a14="http://schemas.microsoft.com/office/drawing/2010/main" xmlns="" w="9525">
                     <a:solidFill>
                       <a:srgbClr val="000000"/>
                     </a:solidFill>
@@ -9331,7 +9331,7 @@
               </a:ln>
               <a:extLst>
                 <a:ext uri="{91240B29-F687-4f45-9708-019B960494DF}">
-                  <a14:hiddenLine xmlns="" xmlns:a14="http://schemas.microsoft.com/office/drawing/2010/main" w="9525">
+                  <a14:hiddenLine xmlns:a14="http://schemas.microsoft.com/office/drawing/2010/main" xmlns="" w="9525">
                     <a:solidFill>
                       <a:srgbClr val="000000"/>
                     </a:solidFill>
@@ -9393,7 +9393,7 @@
               </a:ln>
               <a:extLst>
                 <a:ext uri="{91240B29-F687-4f45-9708-019B960494DF}">
-                  <a14:hiddenLine xmlns="" xmlns:a14="http://schemas.microsoft.com/office/drawing/2010/main" w="9525">
+                  <a14:hiddenLine xmlns:a14="http://schemas.microsoft.com/office/drawing/2010/main" xmlns="" w="9525">
                     <a:solidFill>
                       <a:srgbClr val="000000"/>
                     </a:solidFill>
@@ -9483,7 +9483,7 @@
               </a:ln>
               <a:extLst>
                 <a:ext uri="{91240B29-F687-4f45-9708-019B960494DF}">
-                  <a14:hiddenLine xmlns="" xmlns:a14="http://schemas.microsoft.com/office/drawing/2010/main" w="9525">
+                  <a14:hiddenLine xmlns:a14="http://schemas.microsoft.com/office/drawing/2010/main" xmlns="" w="9525">
                     <a:solidFill>
                       <a:srgbClr val="000000"/>
                     </a:solidFill>
@@ -9545,7 +9545,7 @@
               </a:ln>
               <a:extLst>
                 <a:ext uri="{91240B29-F687-4f45-9708-019B960494DF}">
-                  <a14:hiddenLine xmlns="" xmlns:a14="http://schemas.microsoft.com/office/drawing/2010/main" w="9525">
+                  <a14:hiddenLine xmlns:a14="http://schemas.microsoft.com/office/drawing/2010/main" xmlns="" w="9525">
                     <a:solidFill>
                       <a:srgbClr val="000000"/>
                     </a:solidFill>
@@ -9607,7 +9607,7 @@
               </a:ln>
               <a:extLst>
                 <a:ext uri="{91240B29-F687-4f45-9708-019B960494DF}">
-                  <a14:hiddenLine xmlns="" xmlns:a14="http://schemas.microsoft.com/office/drawing/2010/main" w="9525">
+                  <a14:hiddenLine xmlns:a14="http://schemas.microsoft.com/office/drawing/2010/main" xmlns="" w="9525">
                     <a:solidFill>
                       <a:srgbClr val="000000"/>
                     </a:solidFill>
@@ -9697,7 +9697,7 @@
               </a:ln>
               <a:extLst>
                 <a:ext uri="{91240B29-F687-4f45-9708-019B960494DF}">
-                  <a14:hiddenLine xmlns="" xmlns:a14="http://schemas.microsoft.com/office/drawing/2010/main" w="9525">
+                  <a14:hiddenLine xmlns:a14="http://schemas.microsoft.com/office/drawing/2010/main" xmlns="" w="9525">
                     <a:solidFill>
                       <a:srgbClr val="000000"/>
                     </a:solidFill>
@@ -9787,7 +9787,7 @@
               </a:ln>
               <a:extLst>
                 <a:ext uri="{91240B29-F687-4f45-9708-019B960494DF}">
-                  <a14:hiddenLine xmlns="" xmlns:a14="http://schemas.microsoft.com/office/drawing/2010/main" w="9525">
+                  <a14:hiddenLine xmlns:a14="http://schemas.microsoft.com/office/drawing/2010/main" xmlns="" w="9525">
                     <a:solidFill>
                       <a:srgbClr val="000000"/>
                     </a:solidFill>
@@ -9849,7 +9849,7 @@
               </a:ln>
               <a:extLst>
                 <a:ext uri="{91240B29-F687-4f45-9708-019B960494DF}">
-                  <a14:hiddenLine xmlns="" xmlns:a14="http://schemas.microsoft.com/office/drawing/2010/main" w="9525">
+                  <a14:hiddenLine xmlns:a14="http://schemas.microsoft.com/office/drawing/2010/main" xmlns="" w="9525">
                     <a:solidFill>
                       <a:srgbClr val="000000"/>
                     </a:solidFill>
@@ -9959,7 +9959,7 @@
               </a:ln>
               <a:extLst>
                 <a:ext uri="{91240B29-F687-4f45-9708-019B960494DF}">
-                  <a14:hiddenLine xmlns="" xmlns:a14="http://schemas.microsoft.com/office/drawing/2010/main" w="9525">
+                  <a14:hiddenLine xmlns:a14="http://schemas.microsoft.com/office/drawing/2010/main" xmlns="" w="9525">
                     <a:solidFill>
                       <a:srgbClr val="000000"/>
                     </a:solidFill>
@@ -10043,7 +10043,7 @@
               </a:ln>
               <a:extLst>
                 <a:ext uri="{91240B29-F687-4f45-9708-019B960494DF}">
-                  <a14:hiddenLine xmlns="" xmlns:a14="http://schemas.microsoft.com/office/drawing/2010/main" w="9525">
+                  <a14:hiddenLine xmlns:a14="http://schemas.microsoft.com/office/drawing/2010/main" xmlns="" w="9525">
                     <a:solidFill>
                       <a:srgbClr val="000000"/>
                     </a:solidFill>
@@ -10105,7 +10105,7 @@
               </a:ln>
               <a:extLst>
                 <a:ext uri="{91240B29-F687-4f45-9708-019B960494DF}">
-                  <a14:hiddenLine xmlns="" xmlns:a14="http://schemas.microsoft.com/office/drawing/2010/main" w="9525">
+                  <a14:hiddenLine xmlns:a14="http://schemas.microsoft.com/office/drawing/2010/main" xmlns="" w="9525">
                     <a:solidFill>
                       <a:srgbClr val="000000"/>
                     </a:solidFill>
@@ -10167,7 +10167,7 @@
               </a:ln>
               <a:extLst>
                 <a:ext uri="{91240B29-F687-4f45-9708-019B960494DF}">
-                  <a14:hiddenLine xmlns="" xmlns:a14="http://schemas.microsoft.com/office/drawing/2010/main" w="9525">
+                  <a14:hiddenLine xmlns:a14="http://schemas.microsoft.com/office/drawing/2010/main" xmlns="" w="9525">
                     <a:solidFill>
                       <a:srgbClr val="000000"/>
                     </a:solidFill>
@@ -10257,7 +10257,7 @@
               </a:ln>
               <a:extLst>
                 <a:ext uri="{91240B29-F687-4f45-9708-019B960494DF}">
-                  <a14:hiddenLine xmlns="" xmlns:a14="http://schemas.microsoft.com/office/drawing/2010/main" w="9525">
+                  <a14:hiddenLine xmlns:a14="http://schemas.microsoft.com/office/drawing/2010/main" xmlns="" w="9525">
                     <a:solidFill>
                       <a:srgbClr val="000000"/>
                     </a:solidFill>
@@ -10291,7 +10291,7 @@
               </a:ln>
               <a:extLst>
                 <a:ext uri="{91240B29-F687-4f45-9708-019B960494DF}">
-                  <a14:hiddenLine xmlns="" xmlns:a14="http://schemas.microsoft.com/office/drawing/2010/main" w="9525">
+                  <a14:hiddenLine xmlns:a14="http://schemas.microsoft.com/office/drawing/2010/main" xmlns="" w="9525">
                     <a:solidFill>
                       <a:srgbClr val="000000"/>
                     </a:solidFill>
@@ -10356,7 +10356,7 @@
               </a:ln>
               <a:extLst>
                 <a:ext uri="{91240B29-F687-4f45-9708-019B960494DF}">
-                  <a14:hiddenLine xmlns="" xmlns:a14="http://schemas.microsoft.com/office/drawing/2010/main" w="9525">
+                  <a14:hiddenLine xmlns:a14="http://schemas.microsoft.com/office/drawing/2010/main" xmlns="" w="9525">
                     <a:solidFill>
                       <a:srgbClr val="000000"/>
                     </a:solidFill>
@@ -10446,7 +10446,7 @@
               </a:ln>
               <a:extLst>
                 <a:ext uri="{91240B29-F687-4f45-9708-019B960494DF}">
-                  <a14:hiddenLine xmlns="" xmlns:a14="http://schemas.microsoft.com/office/drawing/2010/main" w="9525">
+                  <a14:hiddenLine xmlns:a14="http://schemas.microsoft.com/office/drawing/2010/main" xmlns="" w="9525">
                     <a:solidFill>
                       <a:srgbClr val="000000"/>
                     </a:solidFill>
@@ -10508,7 +10508,7 @@
               </a:ln>
               <a:extLst>
                 <a:ext uri="{91240B29-F687-4f45-9708-019B960494DF}">
-                  <a14:hiddenLine xmlns="" xmlns:a14="http://schemas.microsoft.com/office/drawing/2010/main" w="9525">
+                  <a14:hiddenLine xmlns:a14="http://schemas.microsoft.com/office/drawing/2010/main" xmlns="" w="9525">
                     <a:solidFill>
                       <a:srgbClr val="000000"/>
                     </a:solidFill>
@@ -10598,7 +10598,7 @@
               </a:ln>
               <a:extLst>
                 <a:ext uri="{91240B29-F687-4f45-9708-019B960494DF}">
-                  <a14:hiddenLine xmlns="" xmlns:a14="http://schemas.microsoft.com/office/drawing/2010/main" w="9525">
+                  <a14:hiddenLine xmlns:a14="http://schemas.microsoft.com/office/drawing/2010/main" xmlns="" w="9525">
                     <a:solidFill>
                       <a:srgbClr val="000000"/>
                     </a:solidFill>
@@ -10663,7 +10663,7 @@
               </a:ln>
               <a:extLst>
                 <a:ext uri="{91240B29-F687-4f45-9708-019B960494DF}">
-                  <a14:hiddenLine xmlns="" xmlns:a14="http://schemas.microsoft.com/office/drawing/2010/main" w="9525">
+                  <a14:hiddenLine xmlns:a14="http://schemas.microsoft.com/office/drawing/2010/main" xmlns="" w="9525">
                     <a:solidFill>
                       <a:srgbClr val="000000"/>
                     </a:solidFill>
@@ -10725,7 +10725,7 @@
               </a:ln>
               <a:extLst>
                 <a:ext uri="{91240B29-F687-4f45-9708-019B960494DF}">
-                  <a14:hiddenLine xmlns="" xmlns:a14="http://schemas.microsoft.com/office/drawing/2010/main" w="9525">
+                  <a14:hiddenLine xmlns:a14="http://schemas.microsoft.com/office/drawing/2010/main" xmlns="" w="9525">
                     <a:solidFill>
                       <a:srgbClr val="000000"/>
                     </a:solidFill>
@@ -10815,7 +10815,7 @@
               </a:ln>
               <a:extLst>
                 <a:ext uri="{91240B29-F687-4f45-9708-019B960494DF}">
-                  <a14:hiddenLine xmlns="" xmlns:a14="http://schemas.microsoft.com/office/drawing/2010/main" w="9525">
+                  <a14:hiddenLine xmlns:a14="http://schemas.microsoft.com/office/drawing/2010/main" xmlns="" w="9525">
                     <a:solidFill>
                       <a:srgbClr val="000000"/>
                     </a:solidFill>
@@ -10905,7 +10905,7 @@
               </a:ln>
               <a:extLst>
                 <a:ext uri="{91240B29-F687-4f45-9708-019B960494DF}">
-                  <a14:hiddenLine xmlns="" xmlns:a14="http://schemas.microsoft.com/office/drawing/2010/main" w="9525">
+                  <a14:hiddenLine xmlns:a14="http://schemas.microsoft.com/office/drawing/2010/main" xmlns="" w="9525">
                     <a:solidFill>
                       <a:srgbClr val="000000"/>
                     </a:solidFill>
@@ -10970,7 +10970,7 @@
               </a:ln>
               <a:extLst>
                 <a:ext uri="{91240B29-F687-4f45-9708-019B960494DF}">
-                  <a14:hiddenLine xmlns="" xmlns:a14="http://schemas.microsoft.com/office/drawing/2010/main" w="9525">
+                  <a14:hiddenLine xmlns:a14="http://schemas.microsoft.com/office/drawing/2010/main" xmlns="" w="9525">
                     <a:solidFill>
                       <a:srgbClr val="000000"/>
                     </a:solidFill>
@@ -11090,7 +11090,7 @@
               </a:ln>
               <a:extLst>
                 <a:ext uri="{91240B29-F687-4f45-9708-019B960494DF}">
-                  <a14:hiddenLine xmlns="" xmlns:a14="http://schemas.microsoft.com/office/drawing/2010/main" w="9525">
+                  <a14:hiddenLine xmlns:a14="http://schemas.microsoft.com/office/drawing/2010/main" xmlns="" w="9525">
                     <a:solidFill>
                       <a:srgbClr val="000000"/>
                     </a:solidFill>
@@ -11188,7 +11188,7 @@
               </a:ln>
               <a:extLst>
                 <a:ext uri="{91240B29-F687-4f45-9708-019B960494DF}">
-                  <a14:hiddenLine xmlns="" xmlns:a14="http://schemas.microsoft.com/office/drawing/2010/main" w="9525">
+                  <a14:hiddenLine xmlns:a14="http://schemas.microsoft.com/office/drawing/2010/main" xmlns="" w="9525">
                     <a:solidFill>
                       <a:srgbClr val="000000"/>
                     </a:solidFill>
@@ -11303,7 +11303,7 @@
               </a:ln>
               <a:extLst>
                 <a:ext uri="{91240B29-F687-4f45-9708-019B960494DF}">
-                  <a14:hiddenLine xmlns="" xmlns:a14="http://schemas.microsoft.com/office/drawing/2010/main" w="9525">
+                  <a14:hiddenLine xmlns:a14="http://schemas.microsoft.com/office/drawing/2010/main" xmlns="" w="9525">
                     <a:solidFill>
                       <a:srgbClr val="000000"/>
                     </a:solidFill>
@@ -11393,7 +11393,7 @@
               </a:ln>
               <a:extLst>
                 <a:ext uri="{91240B29-F687-4f45-9708-019B960494DF}">
-                  <a14:hiddenLine xmlns="" xmlns:a14="http://schemas.microsoft.com/office/drawing/2010/main" w="9525">
+                  <a14:hiddenLine xmlns:a14="http://schemas.microsoft.com/office/drawing/2010/main" xmlns="" w="9525">
                     <a:solidFill>
                       <a:srgbClr val="000000"/>
                     </a:solidFill>
@@ -11458,7 +11458,7 @@
               </a:ln>
               <a:extLst>
                 <a:ext uri="{91240B29-F687-4f45-9708-019B960494DF}">
-                  <a14:hiddenLine xmlns="" xmlns:a14="http://schemas.microsoft.com/office/drawing/2010/main" w="9525">
+                  <a14:hiddenLine xmlns:a14="http://schemas.microsoft.com/office/drawing/2010/main" xmlns="" w="9525">
                     <a:solidFill>
                       <a:srgbClr val="000000"/>
                     </a:solidFill>
@@ -11548,7 +11548,7 @@
               </a:ln>
               <a:extLst>
                 <a:ext uri="{91240B29-F687-4f45-9708-019B960494DF}">
-                  <a14:hiddenLine xmlns="" xmlns:a14="http://schemas.microsoft.com/office/drawing/2010/main" w="9525">
+                  <a14:hiddenLine xmlns:a14="http://schemas.microsoft.com/office/drawing/2010/main" xmlns="" w="9525">
                     <a:solidFill>
                       <a:srgbClr val="000000"/>
                     </a:solidFill>
@@ -11616,7 +11616,7 @@
               </a:ln>
               <a:extLst>
                 <a:ext uri="{91240B29-F687-4f45-9708-019B960494DF}">
-                  <a14:hiddenLine xmlns="" xmlns:a14="http://schemas.microsoft.com/office/drawing/2010/main" w="9525">
+                  <a14:hiddenLine xmlns:a14="http://schemas.microsoft.com/office/drawing/2010/main" xmlns="" w="9525">
                     <a:solidFill>
                       <a:srgbClr val="000000"/>
                     </a:solidFill>
@@ -11706,7 +11706,7 @@
               </a:ln>
               <a:extLst>
                 <a:ext uri="{91240B29-F687-4f45-9708-019B960494DF}">
-                  <a14:hiddenLine xmlns="" xmlns:a14="http://schemas.microsoft.com/office/drawing/2010/main" w="9525">
+                  <a14:hiddenLine xmlns:a14="http://schemas.microsoft.com/office/drawing/2010/main" xmlns="" w="9525">
                     <a:solidFill>
                       <a:srgbClr val="000000"/>
                     </a:solidFill>
@@ -11774,7 +11774,7 @@
               </a:ln>
               <a:extLst>
                 <a:ext uri="{91240B29-F687-4f45-9708-019B960494DF}">
-                  <a14:hiddenLine xmlns="" xmlns:a14="http://schemas.microsoft.com/office/drawing/2010/main" w="9525">
+                  <a14:hiddenLine xmlns:a14="http://schemas.microsoft.com/office/drawing/2010/main" xmlns="" w="9525">
                     <a:solidFill>
                       <a:srgbClr val="000000"/>
                     </a:solidFill>
@@ -11864,7 +11864,7 @@
               </a:ln>
               <a:extLst>
                 <a:ext uri="{91240B29-F687-4f45-9708-019B960494DF}">
-                  <a14:hiddenLine xmlns="" xmlns:a14="http://schemas.microsoft.com/office/drawing/2010/main" w="9525">
+                  <a14:hiddenLine xmlns:a14="http://schemas.microsoft.com/office/drawing/2010/main" xmlns="" w="9525">
                     <a:solidFill>
                       <a:srgbClr val="000000"/>
                     </a:solidFill>
@@ -11898,7 +11898,7 @@
               </a:ln>
               <a:extLst>
                 <a:ext uri="{91240B29-F687-4f45-9708-019B960494DF}">
-                  <a14:hiddenLine xmlns="" xmlns:a14="http://schemas.microsoft.com/office/drawing/2010/main" w="9525">
+                  <a14:hiddenLine xmlns:a14="http://schemas.microsoft.com/office/drawing/2010/main" xmlns="" w="9525">
                     <a:solidFill>
                       <a:srgbClr val="000000"/>
                     </a:solidFill>
@@ -12500,7 +12500,7 @@
     </p:spTree>
     <p:extLst>
       <p:ext uri="{BB962C8B-B14F-4D97-AF65-F5344CB8AC3E}">
-        <p14:creationId xmlns:p14="http://schemas.microsoft.com/office/powerpoint/2010/main" xmlns="" val="1932957581"/>
+        <p14:creationId xmlns="" xmlns:p14="http://schemas.microsoft.com/office/powerpoint/2010/main" val="1932957581"/>
       </p:ext>
     </p:extLst>
   </p:cSld>
@@ -12508,7 +12508,7 @@
     <a:masterClrMapping/>
   </p:clrMapOvr>
   <mc:AlternateContent xmlns:mc="http://schemas.openxmlformats.org/markup-compatibility/2006">
-    <mc:Choice xmlns:p14="http://schemas.microsoft.com/office/powerpoint/2010/main" xmlns="" Requires="p14">
+    <mc:Choice xmlns="" xmlns:p14="http://schemas.microsoft.com/office/powerpoint/2010/main" Requires="p14">
       <p:transition p14:dur="10"/>
     </mc:Choice>
     <mc:Fallback>
@@ -12761,7 +12761,7 @@
     </p:spTree>
     <p:extLst>
       <p:ext uri="{BB962C8B-B14F-4D97-AF65-F5344CB8AC3E}">
-        <p14:creationId xmlns:p14="http://schemas.microsoft.com/office/powerpoint/2010/main" xmlns="" val="3658684172"/>
+        <p14:creationId xmlns="" xmlns:p14="http://schemas.microsoft.com/office/powerpoint/2010/main" val="3658684172"/>
       </p:ext>
     </p:extLst>
   </p:cSld>
@@ -12878,7 +12878,7 @@
     </p:spTree>
     <p:extLst>
       <p:ext uri="{BB962C8B-B14F-4D97-AF65-F5344CB8AC3E}">
-        <p14:creationId xmlns:p14="http://schemas.microsoft.com/office/powerpoint/2010/main" xmlns="" val="2980462209"/>
+        <p14:creationId xmlns="" xmlns:p14="http://schemas.microsoft.com/office/powerpoint/2010/main" val="2980462209"/>
       </p:ext>
     </p:extLst>
   </p:cSld>
@@ -13002,7 +13002,7 @@
     </p:spTree>
     <p:extLst>
       <p:ext uri="{BB962C8B-B14F-4D97-AF65-F5344CB8AC3E}">
-        <p14:creationId xmlns:p14="http://schemas.microsoft.com/office/powerpoint/2010/main" xmlns="" val="2985205535"/>
+        <p14:creationId xmlns="" xmlns:p14="http://schemas.microsoft.com/office/powerpoint/2010/main" val="2985205535"/>
       </p:ext>
     </p:extLst>
   </p:cSld>
@@ -13130,7 +13130,7 @@
     </p:spTree>
     <p:extLst>
       <p:ext uri="{BB962C8B-B14F-4D97-AF65-F5344CB8AC3E}">
-        <p14:creationId xmlns:p14="http://schemas.microsoft.com/office/powerpoint/2010/main" xmlns="" val="2924548077"/>
+        <p14:creationId xmlns="" xmlns:p14="http://schemas.microsoft.com/office/powerpoint/2010/main" val="2924548077"/>
       </p:ext>
     </p:extLst>
   </p:cSld>
@@ -13219,7 +13219,7 @@
     </p:spTree>
     <p:extLst>
       <p:ext uri="{BB962C8B-B14F-4D97-AF65-F5344CB8AC3E}">
-        <p14:creationId xmlns:p14="http://schemas.microsoft.com/office/powerpoint/2010/main" xmlns="" val="1203755180"/>
+        <p14:creationId xmlns="" xmlns:p14="http://schemas.microsoft.com/office/powerpoint/2010/main" val="1203755180"/>
       </p:ext>
     </p:extLst>
   </p:cSld>
@@ -13314,7 +13314,7 @@
     </p:spTree>
     <p:extLst>
       <p:ext uri="{BB962C8B-B14F-4D97-AF65-F5344CB8AC3E}">
-        <p14:creationId xmlns:p14="http://schemas.microsoft.com/office/powerpoint/2010/main" xmlns="" val="1081503646"/>
+        <p14:creationId xmlns="" xmlns:p14="http://schemas.microsoft.com/office/powerpoint/2010/main" val="1081503646"/>
       </p:ext>
     </p:extLst>
   </p:cSld>
@@ -13415,7 +13415,7 @@
     </p:spTree>
     <p:extLst>
       <p:ext uri="{BB962C8B-B14F-4D97-AF65-F5344CB8AC3E}">
-        <p14:creationId xmlns:p14="http://schemas.microsoft.com/office/powerpoint/2010/main" xmlns="" val="3764125084"/>
+        <p14:creationId xmlns="" xmlns:p14="http://schemas.microsoft.com/office/powerpoint/2010/main" val="3764125084"/>
       </p:ext>
     </p:extLst>
   </p:cSld>
@@ -13522,7 +13522,7 @@
     </p:spTree>
     <p:extLst>
       <p:ext uri="{BB962C8B-B14F-4D97-AF65-F5344CB8AC3E}">
-        <p14:creationId xmlns:p14="http://schemas.microsoft.com/office/powerpoint/2010/main" xmlns="" val="2007126848"/>
+        <p14:creationId xmlns="" xmlns:p14="http://schemas.microsoft.com/office/powerpoint/2010/main" val="2007126848"/>
       </p:ext>
     </p:extLst>
   </p:cSld>
@@ -13632,7 +13632,7 @@
     </p:spTree>
     <p:extLst>
       <p:ext uri="{BB962C8B-B14F-4D97-AF65-F5344CB8AC3E}">
-        <p14:creationId xmlns:p14="http://schemas.microsoft.com/office/powerpoint/2010/main" xmlns="" val="1972427357"/>
+        <p14:creationId xmlns="" xmlns:p14="http://schemas.microsoft.com/office/powerpoint/2010/main" val="1972427357"/>
       </p:ext>
     </p:extLst>
   </p:cSld>
@@ -13706,7 +13706,19 @@
           <a:p>
             <a:r>
               <a:rPr lang="en-US" dirty="0" smtClean="0"/>
-              <a:t>Technical Support for or more applications</a:t>
+              <a:t>Technical Support </a:t>
+            </a:r>
+            <a:r>
+              <a:rPr lang="en-US" smtClean="0"/>
+              <a:t>for </a:t>
+            </a:r>
+            <a:r>
+              <a:rPr lang="en-US" smtClean="0"/>
+              <a:t>one or </a:t>
+            </a:r>
+            <a:r>
+              <a:rPr lang="en-US" dirty="0" smtClean="0"/>
+              <a:t>more applications</a:t>
             </a:r>
           </a:p>
           <a:p>
@@ -13720,7 +13732,7 @@
     </p:spTree>
     <p:extLst>
       <p:ext uri="{BB962C8B-B14F-4D97-AF65-F5344CB8AC3E}">
-        <p14:creationId xmlns:p14="http://schemas.microsoft.com/office/powerpoint/2010/main" xmlns="" val="526716548"/>
+        <p14:creationId xmlns="" xmlns:p14="http://schemas.microsoft.com/office/powerpoint/2010/main" val="526716548"/>
       </p:ext>
     </p:extLst>
   </p:cSld>
@@ -13805,7 +13817,7 @@
     </p:spTree>
     <p:extLst>
       <p:ext uri="{BB962C8B-B14F-4D97-AF65-F5344CB8AC3E}">
-        <p14:creationId xmlns:p14="http://schemas.microsoft.com/office/powerpoint/2010/main" xmlns="" val="2970112683"/>
+        <p14:creationId xmlns="" xmlns:p14="http://schemas.microsoft.com/office/powerpoint/2010/main" val="2970112683"/>
       </p:ext>
     </p:extLst>
   </p:cSld>
@@ -13813,7 +13825,7 @@
     <a:masterClrMapping/>
   </p:clrMapOvr>
   <mc:AlternateContent xmlns:mc="http://schemas.openxmlformats.org/markup-compatibility/2006">
-    <mc:Choice xmlns:p14="http://schemas.microsoft.com/office/powerpoint/2010/main" xmlns="" Requires="p14">
+    <mc:Choice xmlns="" xmlns:p14="http://schemas.microsoft.com/office/powerpoint/2010/main" Requires="p14">
       <p:transition p14:dur="10"/>
     </mc:Choice>
     <mc:Fallback>
@@ -13912,7 +13924,7 @@
     </p:spTree>
     <p:extLst>
       <p:ext uri="{BB962C8B-B14F-4D97-AF65-F5344CB8AC3E}">
-        <p14:creationId xmlns:p14="http://schemas.microsoft.com/office/powerpoint/2010/main" xmlns="" val="3760832754"/>
+        <p14:creationId xmlns="" xmlns:p14="http://schemas.microsoft.com/office/powerpoint/2010/main" val="3760832754"/>
       </p:ext>
     </p:extLst>
   </p:cSld>
@@ -14009,7 +14021,7 @@
     </p:spTree>
     <p:extLst>
       <p:ext uri="{BB962C8B-B14F-4D97-AF65-F5344CB8AC3E}">
-        <p14:creationId xmlns:p14="http://schemas.microsoft.com/office/powerpoint/2010/main" xmlns="" val="4245804214"/>
+        <p14:creationId xmlns="" xmlns:p14="http://schemas.microsoft.com/office/powerpoint/2010/main" val="4245804214"/>
       </p:ext>
     </p:extLst>
   </p:cSld>
@@ -14112,7 +14124,7 @@
     </p:spTree>
     <p:extLst>
       <p:ext uri="{BB962C8B-B14F-4D97-AF65-F5344CB8AC3E}">
-        <p14:creationId xmlns:p14="http://schemas.microsoft.com/office/powerpoint/2010/main" xmlns="" val="1168846699"/>
+        <p14:creationId xmlns="" xmlns:p14="http://schemas.microsoft.com/office/powerpoint/2010/main" val="1168846699"/>
       </p:ext>
     </p:extLst>
   </p:cSld>
@@ -14221,7 +14233,7 @@
     </p:spTree>
     <p:extLst>
       <p:ext uri="{BB962C8B-B14F-4D97-AF65-F5344CB8AC3E}">
-        <p14:creationId xmlns:p14="http://schemas.microsoft.com/office/powerpoint/2010/main" xmlns="" val="2314976816"/>
+        <p14:creationId xmlns="" xmlns:p14="http://schemas.microsoft.com/office/powerpoint/2010/main" val="2314976816"/>
       </p:ext>
     </p:extLst>
   </p:cSld>
@@ -14336,7 +14348,7 @@
     </p:spTree>
     <p:extLst>
       <p:ext uri="{BB962C8B-B14F-4D97-AF65-F5344CB8AC3E}">
-        <p14:creationId xmlns:p14="http://schemas.microsoft.com/office/powerpoint/2010/main" xmlns="" val="3363042717"/>
+        <p14:creationId xmlns="" xmlns:p14="http://schemas.microsoft.com/office/powerpoint/2010/main" val="3363042717"/>
       </p:ext>
     </p:extLst>
   </p:cSld>
@@ -14423,7 +14435,7 @@
     </p:spTree>
     <p:extLst>
       <p:ext uri="{BB962C8B-B14F-4D97-AF65-F5344CB8AC3E}">
-        <p14:creationId xmlns:p14="http://schemas.microsoft.com/office/powerpoint/2010/main" xmlns="" val="3080512785"/>
+        <p14:creationId xmlns="" xmlns:p14="http://schemas.microsoft.com/office/powerpoint/2010/main" val="3080512785"/>
       </p:ext>
     </p:extLst>
   </p:cSld>
@@ -14513,7 +14525,7 @@
     </p:spTree>
     <p:extLst>
       <p:ext uri="{BB962C8B-B14F-4D97-AF65-F5344CB8AC3E}">
-        <p14:creationId xmlns:p14="http://schemas.microsoft.com/office/powerpoint/2010/main" xmlns="" val="392738374"/>
+        <p14:creationId xmlns="" xmlns:p14="http://schemas.microsoft.com/office/powerpoint/2010/main" val="392738374"/>
       </p:ext>
     </p:extLst>
   </p:cSld>
@@ -14609,7 +14621,7 @@
     </p:spTree>
     <p:extLst>
       <p:ext uri="{BB962C8B-B14F-4D97-AF65-F5344CB8AC3E}">
-        <p14:creationId xmlns:p14="http://schemas.microsoft.com/office/powerpoint/2010/main" xmlns="" val="3102955475"/>
+        <p14:creationId xmlns="" xmlns:p14="http://schemas.microsoft.com/office/powerpoint/2010/main" val="3102955475"/>
       </p:ext>
     </p:extLst>
   </p:cSld>
@@ -14712,7 +14724,7 @@
     </p:spTree>
     <p:extLst>
       <p:ext uri="{BB962C8B-B14F-4D97-AF65-F5344CB8AC3E}">
-        <p14:creationId xmlns:p14="http://schemas.microsoft.com/office/powerpoint/2010/main" xmlns="" val="915853242"/>
+        <p14:creationId xmlns="" xmlns:p14="http://schemas.microsoft.com/office/powerpoint/2010/main" val="915853242"/>
       </p:ext>
     </p:extLst>
   </p:cSld>
@@ -14821,7 +14833,7 @@
     </p:spTree>
     <p:extLst>
       <p:ext uri="{BB962C8B-B14F-4D97-AF65-F5344CB8AC3E}">
-        <p14:creationId xmlns:p14="http://schemas.microsoft.com/office/powerpoint/2010/main" xmlns="" val="237076739"/>
+        <p14:creationId xmlns="" xmlns:p14="http://schemas.microsoft.com/office/powerpoint/2010/main" val="237076739"/>
       </p:ext>
     </p:extLst>
   </p:cSld>
@@ -14901,15 +14913,7 @@
           <a:p>
             <a:r>
               <a:rPr lang="en-US" dirty="0" smtClean="0"/>
-              <a:t>Todd</a:t>
-            </a:r>
-            <a:r>
-              <a:rPr lang="en-US" dirty="0" smtClean="0"/>
-              <a:t> </a:t>
-            </a:r>
-            <a:r>
-              <a:rPr lang="en-US" dirty="0" smtClean="0"/>
-              <a:t>Nichols- </a:t>
+              <a:t>Todd Nichols- </a:t>
             </a:r>
             <a:r>
               <a:rPr lang="en-US" dirty="0" err="1" smtClean="0"/>
@@ -14926,7 +14930,7 @@
     </p:spTree>
     <p:extLst>
       <p:ext uri="{BB962C8B-B14F-4D97-AF65-F5344CB8AC3E}">
-        <p14:creationId xmlns:p14="http://schemas.microsoft.com/office/powerpoint/2010/main" xmlns="" val="1036230593"/>
+        <p14:creationId xmlns="" xmlns:p14="http://schemas.microsoft.com/office/powerpoint/2010/main" val="1036230593"/>
       </p:ext>
     </p:extLst>
   </p:cSld>
@@ -14934,7 +14938,7 @@
     <a:masterClrMapping/>
   </p:clrMapOvr>
   <mc:AlternateContent xmlns:mc="http://schemas.openxmlformats.org/markup-compatibility/2006">
-    <mc:Choice xmlns:p14="http://schemas.microsoft.com/office/powerpoint/2010/main" xmlns="" Requires="p14">
+    <mc:Choice xmlns="" xmlns:p14="http://schemas.microsoft.com/office/powerpoint/2010/main" Requires="p14">
       <p:transition p14:dur="10"/>
     </mc:Choice>
     <mc:Fallback>
@@ -15060,7 +15064,7 @@
     </p:spTree>
     <p:extLst>
       <p:ext uri="{BB962C8B-B14F-4D97-AF65-F5344CB8AC3E}">
-        <p14:creationId xmlns:p14="http://schemas.microsoft.com/office/powerpoint/2010/main" xmlns="" val="1170821138"/>
+        <p14:creationId xmlns="" xmlns:p14="http://schemas.microsoft.com/office/powerpoint/2010/main" val="1170821138"/>
       </p:ext>
     </p:extLst>
   </p:cSld>
@@ -15157,7 +15161,7 @@
           <a:blip r:embed="rId2">
             <a:extLst>
               <a:ext uri="{28A0092B-C50C-407E-A947-70E740481C1C}">
-                <a14:useLocalDpi xmlns:a14="http://schemas.microsoft.com/office/drawing/2010/main" xmlns="" val="0"/>
+                <a14:useLocalDpi xmlns="" xmlns:a14="http://schemas.microsoft.com/office/drawing/2010/main" val="0"/>
               </a:ext>
             </a:extLst>
           </a:blip>
@@ -15178,7 +15182,7 @@
     </p:spTree>
     <p:extLst>
       <p:ext uri="{BB962C8B-B14F-4D97-AF65-F5344CB8AC3E}">
-        <p14:creationId xmlns:p14="http://schemas.microsoft.com/office/powerpoint/2010/main" xmlns="" val="4193971689"/>
+        <p14:creationId xmlns="" xmlns:p14="http://schemas.microsoft.com/office/powerpoint/2010/main" val="4193971689"/>
       </p:ext>
     </p:extLst>
   </p:cSld>
@@ -15484,7 +15488,7 @@
           <a:blip r:embed="rId2">
             <a:extLst>
               <a:ext uri="{28A0092B-C50C-407E-A947-70E740481C1C}">
-                <a14:useLocalDpi xmlns:a14="http://schemas.microsoft.com/office/drawing/2010/main" xmlns="" val="0"/>
+                <a14:useLocalDpi xmlns="" xmlns:a14="http://schemas.microsoft.com/office/drawing/2010/main" val="0"/>
               </a:ext>
             </a:extLst>
           </a:blip>
@@ -15836,7 +15840,7 @@
     </p:spTree>
     <p:extLst>
       <p:ext uri="{BB962C8B-B14F-4D97-AF65-F5344CB8AC3E}">
-        <p14:creationId xmlns:p14="http://schemas.microsoft.com/office/powerpoint/2010/main" xmlns="" val="1769917714"/>
+        <p14:creationId xmlns="" xmlns:p14="http://schemas.microsoft.com/office/powerpoint/2010/main" val="1769917714"/>
       </p:ext>
     </p:extLst>
   </p:cSld>
@@ -15930,11 +15934,7 @@
           <a:p>
             <a:r>
               <a:rPr lang="en-US" dirty="0" smtClean="0"/>
-              <a:t>Career </a:t>
-            </a:r>
-            <a:r>
-              <a:rPr lang="en-US" dirty="0" smtClean="0"/>
-              <a:t>Fields Overview</a:t>
+              <a:t>Career Fields Overview</a:t>
             </a:r>
           </a:p>
           <a:p>
@@ -15948,7 +15948,7 @@
     </p:spTree>
     <p:extLst>
       <p:ext uri="{BB962C8B-B14F-4D97-AF65-F5344CB8AC3E}">
-        <p14:creationId xmlns:p14="http://schemas.microsoft.com/office/powerpoint/2010/main" xmlns="" val="3500050594"/>
+        <p14:creationId xmlns="" xmlns:p14="http://schemas.microsoft.com/office/powerpoint/2010/main" val="3500050594"/>
       </p:ext>
     </p:extLst>
   </p:cSld>
@@ -15956,7 +15956,7 @@
     <a:masterClrMapping/>
   </p:clrMapOvr>
   <mc:AlternateContent xmlns:mc="http://schemas.openxmlformats.org/markup-compatibility/2006">
-    <mc:Choice xmlns:p14="http://schemas.microsoft.com/office/powerpoint/2010/main" xmlns="" Requires="p14">
+    <mc:Choice xmlns="" xmlns:p14="http://schemas.microsoft.com/office/powerpoint/2010/main" Requires="p14">
       <p:transition p14:dur="10"/>
     </mc:Choice>
     <mc:Fallback>
@@ -16055,7 +16055,7 @@
     </p:spTree>
     <p:extLst>
       <p:ext uri="{BB962C8B-B14F-4D97-AF65-F5344CB8AC3E}">
-        <p14:creationId xmlns:p14="http://schemas.microsoft.com/office/powerpoint/2010/main" xmlns="" val="921013771"/>
+        <p14:creationId xmlns="" xmlns:p14="http://schemas.microsoft.com/office/powerpoint/2010/main" val="921013771"/>
       </p:ext>
     </p:extLst>
   </p:cSld>
@@ -16168,7 +16168,7 @@
     </p:spTree>
     <p:extLst>
       <p:ext uri="{BB962C8B-B14F-4D97-AF65-F5344CB8AC3E}">
-        <p14:creationId xmlns:p14="http://schemas.microsoft.com/office/powerpoint/2010/main" xmlns="" val="1186189647"/>
+        <p14:creationId xmlns="" xmlns:p14="http://schemas.microsoft.com/office/powerpoint/2010/main" val="1186189647"/>
       </p:ext>
     </p:extLst>
   </p:cSld>
@@ -16287,7 +16287,7 @@
     </p:spTree>
     <p:extLst>
       <p:ext uri="{BB962C8B-B14F-4D97-AF65-F5344CB8AC3E}">
-        <p14:creationId xmlns:p14="http://schemas.microsoft.com/office/powerpoint/2010/main" xmlns="" val="3440801735"/>
+        <p14:creationId xmlns="" xmlns:p14="http://schemas.microsoft.com/office/powerpoint/2010/main" val="3440801735"/>
       </p:ext>
     </p:extLst>
   </p:cSld>
@@ -16674,7 +16674,7 @@
     </p:spTree>
     <p:extLst>
       <p:ext uri="{BB962C8B-B14F-4D97-AF65-F5344CB8AC3E}">
-        <p14:creationId xmlns:p14="http://schemas.microsoft.com/office/powerpoint/2010/main" xmlns="" val="2856753798"/>
+        <p14:creationId xmlns="" xmlns:p14="http://schemas.microsoft.com/office/powerpoint/2010/main" val="2856753798"/>
       </p:ext>
     </p:extLst>
   </p:cSld>
@@ -16798,7 +16798,7 @@
     </p:spTree>
     <p:extLst>
       <p:ext uri="{BB962C8B-B14F-4D97-AF65-F5344CB8AC3E}">
-        <p14:creationId xmlns:p14="http://schemas.microsoft.com/office/powerpoint/2010/main" xmlns="" val="589803983"/>
+        <p14:creationId xmlns="" xmlns:p14="http://schemas.microsoft.com/office/powerpoint/2010/main" val="589803983"/>
       </p:ext>
     </p:extLst>
   </p:cSld>
@@ -17265,15 +17265,7 @@
           <a:p>
             <a:r>
               <a:rPr lang="en-US" dirty="0" smtClean="0"/>
-              <a:t>Career </a:t>
-            </a:r>
-            <a:r>
-              <a:rPr lang="en-US" dirty="0" smtClean="0"/>
-              <a:t>Fields </a:t>
-            </a:r>
-            <a:r>
-              <a:rPr lang="en-US" dirty="0" smtClean="0"/>
-              <a:t>Overview</a:t>
+              <a:t>Career Fields Overview</a:t>
             </a:r>
           </a:p>
           <a:p>
@@ -17281,16 +17273,11 @@
               <a:rPr lang="en-US" dirty="0" smtClean="0"/>
               <a:t>David – Software Development Discussion</a:t>
             </a:r>
-            <a:endParaRPr lang="en-US" dirty="0" smtClean="0"/>
-          </a:p>
-          <a:p>
-            <a:r>
-              <a:rPr lang="en-US" dirty="0" smtClean="0"/>
-              <a:t>Lab- </a:t>
-            </a:r>
-            <a:r>
-              <a:rPr lang="en-US" dirty="0" smtClean="0"/>
-              <a:t>Web Programming</a:t>
+          </a:p>
+          <a:p>
+            <a:r>
+              <a:rPr lang="en-US" dirty="0" smtClean="0"/>
+              <a:t>Lab- Web Programming</a:t>
             </a:r>
           </a:p>
           <a:p>
@@ -17305,7 +17292,7 @@
     </p:spTree>
     <p:extLst>
       <p:ext uri="{BB962C8B-B14F-4D97-AF65-F5344CB8AC3E}">
-        <p14:creationId xmlns:p14="http://schemas.microsoft.com/office/powerpoint/2010/main" xmlns="" val="973597047"/>
+        <p14:creationId xmlns="" xmlns:p14="http://schemas.microsoft.com/office/powerpoint/2010/main" val="973597047"/>
       </p:ext>
     </p:extLst>
   </p:cSld>
@@ -17313,7 +17300,7 @@
     <a:masterClrMapping/>
   </p:clrMapOvr>
   <mc:AlternateContent xmlns:mc="http://schemas.openxmlformats.org/markup-compatibility/2006">
-    <mc:Choice xmlns:p14="http://schemas.microsoft.com/office/powerpoint/2010/main" xmlns="" Requires="p14">
+    <mc:Choice xmlns="" xmlns:p14="http://schemas.microsoft.com/office/powerpoint/2010/main" Requires="p14">
       <p:transition p14:dur="10"/>
     </mc:Choice>
     <mc:Fallback>
@@ -17506,7 +17493,7 @@
     </p:spTree>
     <p:extLst>
       <p:ext uri="{BB962C8B-B14F-4D97-AF65-F5344CB8AC3E}">
-        <p14:creationId xmlns:p14="http://schemas.microsoft.com/office/powerpoint/2010/main" xmlns="" val="1150422618"/>
+        <p14:creationId xmlns="" xmlns:p14="http://schemas.microsoft.com/office/powerpoint/2010/main" val="1150422618"/>
       </p:ext>
     </p:extLst>
   </p:cSld>
@@ -17597,7 +17584,7 @@
     </p:spTree>
     <p:extLst>
       <p:ext uri="{BB962C8B-B14F-4D97-AF65-F5344CB8AC3E}">
-        <p14:creationId xmlns:p14="http://schemas.microsoft.com/office/powerpoint/2010/main" xmlns="" val="1905665193"/>
+        <p14:creationId xmlns="" xmlns:p14="http://schemas.microsoft.com/office/powerpoint/2010/main" val="1905665193"/>
       </p:ext>
     </p:extLst>
   </p:cSld>
@@ -17697,7 +17684,7 @@
     </p:spTree>
     <p:extLst>
       <p:ext uri="{BB962C8B-B14F-4D97-AF65-F5344CB8AC3E}">
-        <p14:creationId xmlns:p14="http://schemas.microsoft.com/office/powerpoint/2010/main" xmlns="" val="577611851"/>
+        <p14:creationId xmlns="" xmlns:p14="http://schemas.microsoft.com/office/powerpoint/2010/main" val="577611851"/>
       </p:ext>
     </p:extLst>
   </p:cSld>
@@ -17803,7 +17790,7 @@
     </p:spTree>
     <p:extLst>
       <p:ext uri="{BB962C8B-B14F-4D97-AF65-F5344CB8AC3E}">
-        <p14:creationId xmlns:p14="http://schemas.microsoft.com/office/powerpoint/2010/main" xmlns="" val="3441114870"/>
+        <p14:creationId xmlns="" xmlns:p14="http://schemas.microsoft.com/office/powerpoint/2010/main" val="3441114870"/>
       </p:ext>
     </p:extLst>
   </p:cSld>
@@ -17912,7 +17899,7 @@
     </p:spTree>
     <p:extLst>
       <p:ext uri="{BB962C8B-B14F-4D97-AF65-F5344CB8AC3E}">
-        <p14:creationId xmlns:p14="http://schemas.microsoft.com/office/powerpoint/2010/main" xmlns="" val="1277618501"/>
+        <p14:creationId xmlns="" xmlns:p14="http://schemas.microsoft.com/office/powerpoint/2010/main" val="1277618501"/>
       </p:ext>
     </p:extLst>
   </p:cSld>
@@ -18084,7 +18071,7 @@
     </p:spTree>
     <p:extLst>
       <p:ext uri="{BB962C8B-B14F-4D97-AF65-F5344CB8AC3E}">
-        <p14:creationId xmlns:p14="http://schemas.microsoft.com/office/powerpoint/2010/main" xmlns="" val="2034210974"/>
+        <p14:creationId xmlns="" xmlns:p14="http://schemas.microsoft.com/office/powerpoint/2010/main" val="2034210974"/>
       </p:ext>
     </p:extLst>
   </p:cSld>
@@ -18183,7 +18170,7 @@
     </p:spTree>
     <p:extLst>
       <p:ext uri="{BB962C8B-B14F-4D97-AF65-F5344CB8AC3E}">
-        <p14:creationId xmlns:p14="http://schemas.microsoft.com/office/powerpoint/2010/main" xmlns="" val="76378812"/>
+        <p14:creationId xmlns="" xmlns:p14="http://schemas.microsoft.com/office/powerpoint/2010/main" val="76378812"/>
       </p:ext>
     </p:extLst>
   </p:cSld>
@@ -18285,7 +18272,7 @@
     </p:spTree>
     <p:extLst>
       <p:ext uri="{BB962C8B-B14F-4D97-AF65-F5344CB8AC3E}">
-        <p14:creationId xmlns:p14="http://schemas.microsoft.com/office/powerpoint/2010/main" xmlns="" val="2890051408"/>
+        <p14:creationId xmlns="" xmlns:p14="http://schemas.microsoft.com/office/powerpoint/2010/main" val="2890051408"/>
       </p:ext>
     </p:extLst>
   </p:cSld>
@@ -18364,7 +18351,7 @@
     </p:spTree>
     <p:extLst>
       <p:ext uri="{BB962C8B-B14F-4D97-AF65-F5344CB8AC3E}">
-        <p14:creationId xmlns:p14="http://schemas.microsoft.com/office/powerpoint/2010/main" xmlns="" val="2177194635"/>
+        <p14:creationId xmlns="" xmlns:p14="http://schemas.microsoft.com/office/powerpoint/2010/main" val="2177194635"/>
       </p:ext>
     </p:extLst>
   </p:cSld>
@@ -18475,7 +18462,7 @@
     </p:spTree>
     <p:extLst>
       <p:ext uri="{BB962C8B-B14F-4D97-AF65-F5344CB8AC3E}">
-        <p14:creationId xmlns:p14="http://schemas.microsoft.com/office/powerpoint/2010/main" xmlns="" val="4021104652"/>
+        <p14:creationId xmlns="" xmlns:p14="http://schemas.microsoft.com/office/powerpoint/2010/main" val="4021104652"/>
       </p:ext>
     </p:extLst>
   </p:cSld>
@@ -18592,7 +18579,7 @@
     </p:spTree>
     <p:extLst>
       <p:ext uri="{BB962C8B-B14F-4D97-AF65-F5344CB8AC3E}">
-        <p14:creationId xmlns:p14="http://schemas.microsoft.com/office/powerpoint/2010/main" xmlns="" val="1165990124"/>
+        <p14:creationId xmlns="" xmlns:p14="http://schemas.microsoft.com/office/powerpoint/2010/main" val="1165990124"/>
       </p:ext>
     </p:extLst>
   </p:cSld>
@@ -18715,7 +18702,7 @@
     </p:spTree>
     <p:extLst>
       <p:ext uri="{BB962C8B-B14F-4D97-AF65-F5344CB8AC3E}">
-        <p14:creationId xmlns:p14="http://schemas.microsoft.com/office/powerpoint/2010/main" xmlns="" val="1379460417"/>
+        <p14:creationId xmlns="" xmlns:p14="http://schemas.microsoft.com/office/powerpoint/2010/main" val="1379460417"/>
       </p:ext>
     </p:extLst>
   </p:cSld>
@@ -18844,7 +18831,7 @@
     </p:spTree>
     <p:extLst>
       <p:ext uri="{BB962C8B-B14F-4D97-AF65-F5344CB8AC3E}">
-        <p14:creationId xmlns:p14="http://schemas.microsoft.com/office/powerpoint/2010/main" xmlns="" val="2885056626"/>
+        <p14:creationId xmlns="" xmlns:p14="http://schemas.microsoft.com/office/powerpoint/2010/main" val="2885056626"/>
       </p:ext>
     </p:extLst>
   </p:cSld>
@@ -18915,7 +18902,7 @@
           <a:blip r:embed="rId2">
             <a:extLst>
               <a:ext uri="{28A0092B-C50C-407E-A947-70E740481C1C}">
-                <a14:useLocalDpi xmlns:a14="http://schemas.microsoft.com/office/drawing/2010/main" xmlns="" val="0"/>
+                <a14:useLocalDpi xmlns="" xmlns:a14="http://schemas.microsoft.com/office/drawing/2010/main" val="0"/>
               </a:ext>
             </a:extLst>
           </a:blip>
@@ -18933,7 +18920,7 @@
     </p:spTree>
     <p:extLst>
       <p:ext uri="{BB962C8B-B14F-4D97-AF65-F5344CB8AC3E}">
-        <p14:creationId xmlns:p14="http://schemas.microsoft.com/office/powerpoint/2010/main" xmlns="" val="3082745468"/>
+        <p14:creationId xmlns="" xmlns:p14="http://schemas.microsoft.com/office/powerpoint/2010/main" val="3082745468"/>
       </p:ext>
     </p:extLst>
   </p:cSld>
@@ -19021,7 +19008,7 @@
     </p:spTree>
     <p:extLst>
       <p:ext uri="{BB962C8B-B14F-4D97-AF65-F5344CB8AC3E}">
-        <p14:creationId xmlns:p14="http://schemas.microsoft.com/office/powerpoint/2010/main" xmlns="" val="1413761337"/>
+        <p14:creationId xmlns="" xmlns:p14="http://schemas.microsoft.com/office/powerpoint/2010/main" val="1413761337"/>
       </p:ext>
     </p:extLst>
   </p:cSld>
@@ -19119,7 +19106,7 @@
     </p:spTree>
     <p:extLst>
       <p:ext uri="{BB962C8B-B14F-4D97-AF65-F5344CB8AC3E}">
-        <p14:creationId xmlns:p14="http://schemas.microsoft.com/office/powerpoint/2010/main" xmlns="" val="1722998285"/>
+        <p14:creationId xmlns="" xmlns:p14="http://schemas.microsoft.com/office/powerpoint/2010/main" val="1722998285"/>
       </p:ext>
     </p:extLst>
   </p:cSld>
@@ -19381,7 +19368,7 @@
   <a:extraClrSchemeLst/>
   <a:extLst>
     <a:ext uri="{05A4C25C-085E-4340-85A3-A5531E510DB2}">
-      <thm15:themeFamily xmlns:thm15="http://schemas.microsoft.com/office/thememl/2012/main" xmlns="" name="Circuit" id="{0AC2F7E7-15F5-431C-B2A2-456FE929F56C}" vid="{0911B802-464C-4241-8DD9-B60FF88E379F}"/>
+      <thm15:themeFamily xmlns="" xmlns:thm15="http://schemas.microsoft.com/office/thememl/2012/main" name="Circuit" id="{0AC2F7E7-15F5-431C-B2A2-456FE929F56C}" vid="{0911B802-464C-4241-8DD9-B60FF88E379F}"/>
     </a:ext>
   </a:extLst>
 </a:theme>

--- a/PowerPointSlids.pptx
+++ b/PowerPointSlids.pptx
@@ -68,6 +68,13 @@
     <p:sldId id="314" r:id="rId62"/>
     <p:sldId id="315" r:id="rId63"/>
     <p:sldId id="316" r:id="rId64"/>
+    <p:sldId id="319" r:id="rId65"/>
+    <p:sldId id="320" r:id="rId66"/>
+    <p:sldId id="321" r:id="rId67"/>
+    <p:sldId id="323" r:id="rId68"/>
+    <p:sldId id="322" r:id="rId69"/>
+    <p:sldId id="324" r:id="rId70"/>
+    <p:sldId id="325" r:id="rId71"/>
   </p:sldIdLst>
   <p:sldSz cx="12192000" cy="6858000"/>
   <p:notesSz cx="6858000" cy="9144000"/>
@@ -168,7 +175,7 @@
   </p:defaultTextStyle>
   <p:extLst>
     <p:ext uri="{EFAFB233-063F-42B5-8137-9DF3F51BA10A}">
-      <p15:sldGuideLst xmlns="" xmlns:p15="http://schemas.microsoft.com/office/powerpoint/2012/main">
+      <p15:sldGuideLst xmlns:p15="http://schemas.microsoft.com/office/powerpoint/2012/main" xmlns="">
         <p15:guide id="1" orient="horz" pos="2160">
           <p15:clr>
             <a:srgbClr val="A4A3A4"/>
@@ -215,7 +222,7 @@
             <a:alphaModFix amt="30000"/>
             <a:extLst>
               <a:ext uri="{28A0092B-C50C-407E-A947-70E740481C1C}">
-                <a14:useLocalDpi xmlns="" xmlns:a14="http://schemas.microsoft.com/office/drawing/2010/main" val="0"/>
+                <a14:useLocalDpi xmlns:a14="http://schemas.microsoft.com/office/drawing/2010/main" xmlns="" val="0"/>
               </a:ext>
             </a:extLst>
           </a:blip>
@@ -235,7 +242,7 @@
           <a:noFill/>
           <a:extLst>
             <a:ext uri="{909E8E84-426E-40dd-AFC4-6F175D3DCCD1}">
-              <a14:hiddenFill xmlns:a14="http://schemas.microsoft.com/office/drawing/2010/main" xmlns="">
+              <a14:hiddenFill xmlns="" xmlns:a14="http://schemas.microsoft.com/office/drawing/2010/main">
                 <a:solidFill>
                   <a:srgbClr val="FFFFFF"/>
                 </a:solidFill>
@@ -295,7 +302,7 @@
             </a:ln>
             <a:extLst>
               <a:ext uri="{91240B29-F687-4f45-9708-019B960494DF}">
-                <a14:hiddenLine xmlns:a14="http://schemas.microsoft.com/office/drawing/2010/main" xmlns="" w="9525">
+                <a14:hiddenLine xmlns="" xmlns:a14="http://schemas.microsoft.com/office/drawing/2010/main" w="9525">
                   <a:solidFill>
                     <a:srgbClr val="000000"/>
                   </a:solidFill>
@@ -385,7 +392,7 @@
             </a:ln>
             <a:extLst>
               <a:ext uri="{91240B29-F687-4f45-9708-019B960494DF}">
-                <a14:hiddenLine xmlns:a14="http://schemas.microsoft.com/office/drawing/2010/main" xmlns="" w="9525">
+                <a14:hiddenLine xmlns="" xmlns:a14="http://schemas.microsoft.com/office/drawing/2010/main" w="9525">
                   <a:solidFill>
                     <a:srgbClr val="000000"/>
                   </a:solidFill>
@@ -475,7 +482,7 @@
             </a:ln>
             <a:extLst>
               <a:ext uri="{91240B29-F687-4f45-9708-019B960494DF}">
-                <a14:hiddenLine xmlns:a14="http://schemas.microsoft.com/office/drawing/2010/main" xmlns="" w="9525">
+                <a14:hiddenLine xmlns="" xmlns:a14="http://schemas.microsoft.com/office/drawing/2010/main" w="9525">
                   <a:solidFill>
                     <a:srgbClr val="000000"/>
                   </a:solidFill>
@@ -509,7 +516,7 @@
             </a:ln>
             <a:extLst>
               <a:ext uri="{91240B29-F687-4f45-9708-019B960494DF}">
-                <a14:hiddenLine xmlns:a14="http://schemas.microsoft.com/office/drawing/2010/main" xmlns="" w="9525">
+                <a14:hiddenLine xmlns="" xmlns:a14="http://schemas.microsoft.com/office/drawing/2010/main" w="9525">
                   <a:solidFill>
                     <a:srgbClr val="000000"/>
                   </a:solidFill>
@@ -599,7 +606,7 @@
             </a:ln>
             <a:extLst>
               <a:ext uri="{91240B29-F687-4f45-9708-019B960494DF}">
-                <a14:hiddenLine xmlns:a14="http://schemas.microsoft.com/office/drawing/2010/main" xmlns="" w="9525">
+                <a14:hiddenLine xmlns="" xmlns:a14="http://schemas.microsoft.com/office/drawing/2010/main" w="9525">
                   <a:solidFill>
                     <a:srgbClr val="000000"/>
                   </a:solidFill>
@@ -661,7 +668,7 @@
             </a:ln>
             <a:extLst>
               <a:ext uri="{91240B29-F687-4f45-9708-019B960494DF}">
-                <a14:hiddenLine xmlns:a14="http://schemas.microsoft.com/office/drawing/2010/main" xmlns="" w="9525">
+                <a14:hiddenLine xmlns="" xmlns:a14="http://schemas.microsoft.com/office/drawing/2010/main" w="9525">
                   <a:solidFill>
                     <a:srgbClr val="000000"/>
                   </a:solidFill>
@@ -723,7 +730,7 @@
             </a:ln>
             <a:extLst>
               <a:ext uri="{91240B29-F687-4f45-9708-019B960494DF}">
-                <a14:hiddenLine xmlns:a14="http://schemas.microsoft.com/office/drawing/2010/main" xmlns="" w="9525">
+                <a14:hiddenLine xmlns="" xmlns:a14="http://schemas.microsoft.com/office/drawing/2010/main" w="9525">
                   <a:solidFill>
                     <a:srgbClr val="000000"/>
                   </a:solidFill>
@@ -813,7 +820,7 @@
             </a:ln>
             <a:extLst>
               <a:ext uri="{91240B29-F687-4f45-9708-019B960494DF}">
-                <a14:hiddenLine xmlns:a14="http://schemas.microsoft.com/office/drawing/2010/main" xmlns="" w="9525">
+                <a14:hiddenLine xmlns="" xmlns:a14="http://schemas.microsoft.com/office/drawing/2010/main" w="9525">
                   <a:solidFill>
                     <a:srgbClr val="000000"/>
                   </a:solidFill>
@@ -875,7 +882,7 @@
             </a:ln>
             <a:extLst>
               <a:ext uri="{91240B29-F687-4f45-9708-019B960494DF}">
-                <a14:hiddenLine xmlns:a14="http://schemas.microsoft.com/office/drawing/2010/main" xmlns="" w="9525">
+                <a14:hiddenLine xmlns="" xmlns:a14="http://schemas.microsoft.com/office/drawing/2010/main" w="9525">
                   <a:solidFill>
                     <a:srgbClr val="000000"/>
                   </a:solidFill>
@@ -937,7 +944,7 @@
             </a:ln>
             <a:extLst>
               <a:ext uri="{91240B29-F687-4f45-9708-019B960494DF}">
-                <a14:hiddenLine xmlns:a14="http://schemas.microsoft.com/office/drawing/2010/main" xmlns="" w="9525">
+                <a14:hiddenLine xmlns="" xmlns:a14="http://schemas.microsoft.com/office/drawing/2010/main" w="9525">
                   <a:solidFill>
                     <a:srgbClr val="000000"/>
                   </a:solidFill>
@@ -1027,7 +1034,7 @@
             </a:ln>
             <a:extLst>
               <a:ext uri="{91240B29-F687-4f45-9708-019B960494DF}">
-                <a14:hiddenLine xmlns:a14="http://schemas.microsoft.com/office/drawing/2010/main" xmlns="" w="9525">
+                <a14:hiddenLine xmlns="" xmlns:a14="http://schemas.microsoft.com/office/drawing/2010/main" w="9525">
                   <a:solidFill>
                     <a:srgbClr val="000000"/>
                   </a:solidFill>
@@ -1117,7 +1124,7 @@
             </a:ln>
             <a:extLst>
               <a:ext uri="{91240B29-F687-4f45-9708-019B960494DF}">
-                <a14:hiddenLine xmlns:a14="http://schemas.microsoft.com/office/drawing/2010/main" xmlns="" w="9525">
+                <a14:hiddenLine xmlns="" xmlns:a14="http://schemas.microsoft.com/office/drawing/2010/main" w="9525">
                   <a:solidFill>
                     <a:srgbClr val="000000"/>
                   </a:solidFill>
@@ -1179,7 +1186,7 @@
             </a:ln>
             <a:extLst>
               <a:ext uri="{91240B29-F687-4f45-9708-019B960494DF}">
-                <a14:hiddenLine xmlns:a14="http://schemas.microsoft.com/office/drawing/2010/main" xmlns="" w="9525">
+                <a14:hiddenLine xmlns="" xmlns:a14="http://schemas.microsoft.com/office/drawing/2010/main" w="9525">
                   <a:solidFill>
                     <a:srgbClr val="000000"/>
                   </a:solidFill>
@@ -1289,7 +1296,7 @@
             </a:ln>
             <a:extLst>
               <a:ext uri="{91240B29-F687-4f45-9708-019B960494DF}">
-                <a14:hiddenLine xmlns:a14="http://schemas.microsoft.com/office/drawing/2010/main" xmlns="" w="9525">
+                <a14:hiddenLine xmlns="" xmlns:a14="http://schemas.microsoft.com/office/drawing/2010/main" w="9525">
                   <a:solidFill>
                     <a:srgbClr val="000000"/>
                   </a:solidFill>
@@ -1351,7 +1358,7 @@
             </a:ln>
             <a:extLst>
               <a:ext uri="{91240B29-F687-4f45-9708-019B960494DF}">
-                <a14:hiddenLine xmlns:a14="http://schemas.microsoft.com/office/drawing/2010/main" xmlns="" w="9525">
+                <a14:hiddenLine xmlns="" xmlns:a14="http://schemas.microsoft.com/office/drawing/2010/main" w="9525">
                   <a:solidFill>
                     <a:srgbClr val="000000"/>
                   </a:solidFill>
@@ -1441,7 +1448,7 @@
             </a:ln>
             <a:extLst>
               <a:ext uri="{91240B29-F687-4f45-9708-019B960494DF}">
-                <a14:hiddenLine xmlns:a14="http://schemas.microsoft.com/office/drawing/2010/main" xmlns="" w="9525">
+                <a14:hiddenLine xmlns="" xmlns:a14="http://schemas.microsoft.com/office/drawing/2010/main" w="9525">
                   <a:solidFill>
                     <a:srgbClr val="000000"/>
                   </a:solidFill>
@@ -1531,7 +1538,7 @@
             </a:ln>
             <a:extLst>
               <a:ext uri="{91240B29-F687-4f45-9708-019B960494DF}">
-                <a14:hiddenLine xmlns:a14="http://schemas.microsoft.com/office/drawing/2010/main" xmlns="" w="9525">
+                <a14:hiddenLine xmlns="" xmlns:a14="http://schemas.microsoft.com/office/drawing/2010/main" w="9525">
                   <a:solidFill>
                     <a:srgbClr val="000000"/>
                   </a:solidFill>
@@ -1593,7 +1600,7 @@
             </a:ln>
             <a:extLst>
               <a:ext uri="{91240B29-F687-4f45-9708-019B960494DF}">
-                <a14:hiddenLine xmlns:a14="http://schemas.microsoft.com/office/drawing/2010/main" xmlns="" w="9525">
+                <a14:hiddenLine xmlns="" xmlns:a14="http://schemas.microsoft.com/office/drawing/2010/main" w="9525">
                   <a:solidFill>
                     <a:srgbClr val="000000"/>
                   </a:solidFill>
@@ -1683,7 +1690,7 @@
             </a:ln>
             <a:extLst>
               <a:ext uri="{91240B29-F687-4f45-9708-019B960494DF}">
-                <a14:hiddenLine xmlns:a14="http://schemas.microsoft.com/office/drawing/2010/main" xmlns="" w="9525">
+                <a14:hiddenLine xmlns="" xmlns:a14="http://schemas.microsoft.com/office/drawing/2010/main" w="9525">
                   <a:solidFill>
                     <a:srgbClr val="000000"/>
                   </a:solidFill>
@@ -1773,7 +1780,7 @@
             </a:ln>
             <a:extLst>
               <a:ext uri="{91240B29-F687-4f45-9708-019B960494DF}">
-                <a14:hiddenLine xmlns:a14="http://schemas.microsoft.com/office/drawing/2010/main" xmlns="" w="9525">
+                <a14:hiddenLine xmlns="" xmlns:a14="http://schemas.microsoft.com/office/drawing/2010/main" w="9525">
                   <a:solidFill>
                     <a:srgbClr val="000000"/>
                   </a:solidFill>
@@ -1829,7 +1836,7 @@
             </a:ln>
             <a:extLst>
               <a:ext uri="{91240B29-F687-4f45-9708-019B960494DF}">
-                <a14:hiddenLine xmlns:a14="http://schemas.microsoft.com/office/drawing/2010/main" xmlns="" w="9525">
+                <a14:hiddenLine xmlns="" xmlns:a14="http://schemas.microsoft.com/office/drawing/2010/main" w="9525">
                   <a:solidFill>
                     <a:srgbClr val="000000"/>
                   </a:solidFill>
@@ -1919,7 +1926,7 @@
             </a:ln>
             <a:extLst>
               <a:ext uri="{91240B29-F687-4f45-9708-019B960494DF}">
-                <a14:hiddenLine xmlns:a14="http://schemas.microsoft.com/office/drawing/2010/main" xmlns="" w="9525">
+                <a14:hiddenLine xmlns="" xmlns:a14="http://schemas.microsoft.com/office/drawing/2010/main" w="9525">
                   <a:solidFill>
                     <a:srgbClr val="000000"/>
                   </a:solidFill>
@@ -1975,7 +1982,7 @@
             </a:ln>
             <a:extLst>
               <a:ext uri="{91240B29-F687-4f45-9708-019B960494DF}">
-                <a14:hiddenLine xmlns:a14="http://schemas.microsoft.com/office/drawing/2010/main" xmlns="" w="9525">
+                <a14:hiddenLine xmlns="" xmlns:a14="http://schemas.microsoft.com/office/drawing/2010/main" w="9525">
                   <a:solidFill>
                     <a:srgbClr val="000000"/>
                   </a:solidFill>
@@ -2065,7 +2072,7 @@
             </a:ln>
             <a:extLst>
               <a:ext uri="{91240B29-F687-4f45-9708-019B960494DF}">
-                <a14:hiddenLine xmlns:a14="http://schemas.microsoft.com/office/drawing/2010/main" xmlns="" w="9525">
+                <a14:hiddenLine xmlns="" xmlns:a14="http://schemas.microsoft.com/office/drawing/2010/main" w="9525">
                   <a:solidFill>
                     <a:srgbClr val="000000"/>
                   </a:solidFill>
@@ -2133,7 +2140,7 @@
             </a:ln>
             <a:extLst>
               <a:ext uri="{91240B29-F687-4f45-9708-019B960494DF}">
-                <a14:hiddenLine xmlns:a14="http://schemas.microsoft.com/office/drawing/2010/main" xmlns="" w="9525">
+                <a14:hiddenLine xmlns="" xmlns:a14="http://schemas.microsoft.com/office/drawing/2010/main" w="9525">
                   <a:solidFill>
                     <a:srgbClr val="000000"/>
                   </a:solidFill>
@@ -2223,7 +2230,7 @@
             </a:ln>
             <a:extLst>
               <a:ext uri="{91240B29-F687-4f45-9708-019B960494DF}">
-                <a14:hiddenLine xmlns:a14="http://schemas.microsoft.com/office/drawing/2010/main" xmlns="" w="9525">
+                <a14:hiddenLine xmlns="" xmlns:a14="http://schemas.microsoft.com/office/drawing/2010/main" w="9525">
                   <a:solidFill>
                     <a:srgbClr val="000000"/>
                   </a:solidFill>
@@ -2291,7 +2298,7 @@
             </a:ln>
             <a:extLst>
               <a:ext uri="{91240B29-F687-4f45-9708-019B960494DF}">
-                <a14:hiddenLine xmlns:a14="http://schemas.microsoft.com/office/drawing/2010/main" xmlns="" w="9525">
+                <a14:hiddenLine xmlns="" xmlns:a14="http://schemas.microsoft.com/office/drawing/2010/main" w="9525">
                   <a:solidFill>
                     <a:srgbClr val="000000"/>
                   </a:solidFill>
@@ -2381,7 +2388,7 @@
             </a:ln>
             <a:extLst>
               <a:ext uri="{91240B29-F687-4f45-9708-019B960494DF}">
-                <a14:hiddenLine xmlns:a14="http://schemas.microsoft.com/office/drawing/2010/main" xmlns="" w="9525">
+                <a14:hiddenLine xmlns="" xmlns:a14="http://schemas.microsoft.com/office/drawing/2010/main" w="9525">
                   <a:solidFill>
                     <a:srgbClr val="000000"/>
                   </a:solidFill>
@@ -2415,7 +2422,7 @@
             </a:ln>
             <a:extLst>
               <a:ext uri="{91240B29-F687-4f45-9708-019B960494DF}">
-                <a14:hiddenLine xmlns:a14="http://schemas.microsoft.com/office/drawing/2010/main" xmlns="" w="9525">
+                <a14:hiddenLine xmlns="" xmlns:a14="http://schemas.microsoft.com/office/drawing/2010/main" w="9525">
                   <a:solidFill>
                     <a:srgbClr val="000000"/>
                   </a:solidFill>
@@ -2505,7 +2512,7 @@
             </a:ln>
             <a:extLst>
               <a:ext uri="{91240B29-F687-4f45-9708-019B960494DF}">
-                <a14:hiddenLine xmlns:a14="http://schemas.microsoft.com/office/drawing/2010/main" xmlns="" w="9525">
+                <a14:hiddenLine xmlns="" xmlns:a14="http://schemas.microsoft.com/office/drawing/2010/main" w="9525">
                   <a:solidFill>
                     <a:srgbClr val="000000"/>
                   </a:solidFill>
@@ -2567,7 +2574,7 @@
             </a:ln>
             <a:extLst>
               <a:ext uri="{91240B29-F687-4f45-9708-019B960494DF}">
-                <a14:hiddenLine xmlns:a14="http://schemas.microsoft.com/office/drawing/2010/main" xmlns="" w="9525">
+                <a14:hiddenLine xmlns="" xmlns:a14="http://schemas.microsoft.com/office/drawing/2010/main" w="9525">
                   <a:solidFill>
                     <a:srgbClr val="000000"/>
                   </a:solidFill>
@@ -2629,7 +2636,7 @@
             </a:ln>
             <a:extLst>
               <a:ext uri="{91240B29-F687-4f45-9708-019B960494DF}">
-                <a14:hiddenLine xmlns:a14="http://schemas.microsoft.com/office/drawing/2010/main" xmlns="" w="9525">
+                <a14:hiddenLine xmlns="" xmlns:a14="http://schemas.microsoft.com/office/drawing/2010/main" w="9525">
                   <a:solidFill>
                     <a:srgbClr val="000000"/>
                   </a:solidFill>
@@ -2719,7 +2726,7 @@
             </a:ln>
             <a:extLst>
               <a:ext uri="{91240B29-F687-4f45-9708-019B960494DF}">
-                <a14:hiddenLine xmlns:a14="http://schemas.microsoft.com/office/drawing/2010/main" xmlns="" w="9525">
+                <a14:hiddenLine xmlns="" xmlns:a14="http://schemas.microsoft.com/office/drawing/2010/main" w="9525">
                   <a:solidFill>
                     <a:srgbClr val="000000"/>
                   </a:solidFill>
@@ -2787,7 +2794,7 @@
             </a:ln>
             <a:extLst>
               <a:ext uri="{91240B29-F687-4f45-9708-019B960494DF}">
-                <a14:hiddenLine xmlns:a14="http://schemas.microsoft.com/office/drawing/2010/main" xmlns="" w="9525">
+                <a14:hiddenLine xmlns="" xmlns:a14="http://schemas.microsoft.com/office/drawing/2010/main" w="9525">
                   <a:solidFill>
                     <a:srgbClr val="000000"/>
                   </a:solidFill>
@@ -2849,7 +2856,7 @@
             </a:ln>
             <a:extLst>
               <a:ext uri="{91240B29-F687-4f45-9708-019B960494DF}">
-                <a14:hiddenLine xmlns:a14="http://schemas.microsoft.com/office/drawing/2010/main" xmlns="" w="9525">
+                <a14:hiddenLine xmlns="" xmlns:a14="http://schemas.microsoft.com/office/drawing/2010/main" w="9525">
                   <a:solidFill>
                     <a:srgbClr val="000000"/>
                   </a:solidFill>
@@ -2939,7 +2946,7 @@
             </a:ln>
             <a:extLst>
               <a:ext uri="{91240B29-F687-4f45-9708-019B960494DF}">
-                <a14:hiddenLine xmlns:a14="http://schemas.microsoft.com/office/drawing/2010/main" xmlns="" w="9525">
+                <a14:hiddenLine xmlns="" xmlns:a14="http://schemas.microsoft.com/office/drawing/2010/main" w="9525">
                   <a:solidFill>
                     <a:srgbClr val="000000"/>
                   </a:solidFill>
@@ -3001,7 +3008,7 @@
             </a:ln>
             <a:extLst>
               <a:ext uri="{91240B29-F687-4f45-9708-019B960494DF}">
-                <a14:hiddenLine xmlns:a14="http://schemas.microsoft.com/office/drawing/2010/main" xmlns="" w="9525">
+                <a14:hiddenLine xmlns="" xmlns:a14="http://schemas.microsoft.com/office/drawing/2010/main" w="9525">
                   <a:solidFill>
                     <a:srgbClr val="000000"/>
                   </a:solidFill>
@@ -3091,7 +3098,7 @@
             </a:ln>
             <a:extLst>
               <a:ext uri="{91240B29-F687-4f45-9708-019B960494DF}">
-                <a14:hiddenLine xmlns:a14="http://schemas.microsoft.com/office/drawing/2010/main" xmlns="" w="9525">
+                <a14:hiddenLine xmlns="" xmlns:a14="http://schemas.microsoft.com/office/drawing/2010/main" w="9525">
                   <a:solidFill>
                     <a:srgbClr val="000000"/>
                   </a:solidFill>
@@ -3153,7 +3160,7 @@
             </a:ln>
             <a:extLst>
               <a:ext uri="{91240B29-F687-4f45-9708-019B960494DF}">
-                <a14:hiddenLine xmlns:a14="http://schemas.microsoft.com/office/drawing/2010/main" xmlns="" w="9525">
+                <a14:hiddenLine xmlns="" xmlns:a14="http://schemas.microsoft.com/office/drawing/2010/main" w="9525">
                   <a:solidFill>
                     <a:srgbClr val="000000"/>
                   </a:solidFill>
@@ -3243,7 +3250,7 @@
             </a:ln>
             <a:extLst>
               <a:ext uri="{91240B29-F687-4f45-9708-019B960494DF}">
-                <a14:hiddenLine xmlns:a14="http://schemas.microsoft.com/office/drawing/2010/main" xmlns="" w="9525">
+                <a14:hiddenLine xmlns="" xmlns:a14="http://schemas.microsoft.com/office/drawing/2010/main" w="9525">
                   <a:solidFill>
                     <a:srgbClr val="000000"/>
                   </a:solidFill>
@@ -3277,7 +3284,7 @@
             </a:ln>
             <a:extLst>
               <a:ext uri="{91240B29-F687-4f45-9708-019B960494DF}">
-                <a14:hiddenLine xmlns:a14="http://schemas.microsoft.com/office/drawing/2010/main" xmlns="" w="9525">
+                <a14:hiddenLine xmlns="" xmlns:a14="http://schemas.microsoft.com/office/drawing/2010/main" w="9525">
                   <a:solidFill>
                     <a:srgbClr val="000000"/>
                   </a:solidFill>
@@ -3342,7 +3349,7 @@
             </a:ln>
             <a:extLst>
               <a:ext uri="{91240B29-F687-4f45-9708-019B960494DF}">
-                <a14:hiddenLine xmlns:a14="http://schemas.microsoft.com/office/drawing/2010/main" xmlns="" w="9525">
+                <a14:hiddenLine xmlns="" xmlns:a14="http://schemas.microsoft.com/office/drawing/2010/main" w="9525">
                   <a:solidFill>
                     <a:srgbClr val="000000"/>
                   </a:solidFill>
@@ -3432,7 +3439,7 @@
             </a:ln>
             <a:extLst>
               <a:ext uri="{91240B29-F687-4f45-9708-019B960494DF}">
-                <a14:hiddenLine xmlns:a14="http://schemas.microsoft.com/office/drawing/2010/main" xmlns="" w="9525">
+                <a14:hiddenLine xmlns="" xmlns:a14="http://schemas.microsoft.com/office/drawing/2010/main" w="9525">
                   <a:solidFill>
                     <a:srgbClr val="000000"/>
                   </a:solidFill>
@@ -3494,7 +3501,7 @@
             </a:ln>
             <a:extLst>
               <a:ext uri="{91240B29-F687-4f45-9708-019B960494DF}">
-                <a14:hiddenLine xmlns:a14="http://schemas.microsoft.com/office/drawing/2010/main" xmlns="" w="9525">
+                <a14:hiddenLine xmlns="" xmlns:a14="http://schemas.microsoft.com/office/drawing/2010/main" w="9525">
                   <a:solidFill>
                     <a:srgbClr val="000000"/>
                   </a:solidFill>
@@ -3584,7 +3591,7 @@
             </a:ln>
             <a:extLst>
               <a:ext uri="{91240B29-F687-4f45-9708-019B960494DF}">
-                <a14:hiddenLine xmlns:a14="http://schemas.microsoft.com/office/drawing/2010/main" xmlns="" w="9525">
+                <a14:hiddenLine xmlns="" xmlns:a14="http://schemas.microsoft.com/office/drawing/2010/main" w="9525">
                   <a:solidFill>
                     <a:srgbClr val="000000"/>
                   </a:solidFill>
@@ -3674,7 +3681,7 @@
             </a:ln>
             <a:extLst>
               <a:ext uri="{91240B29-F687-4f45-9708-019B960494DF}">
-                <a14:hiddenLine xmlns:a14="http://schemas.microsoft.com/office/drawing/2010/main" xmlns="" w="9525">
+                <a14:hiddenLine xmlns="" xmlns:a14="http://schemas.microsoft.com/office/drawing/2010/main" w="9525">
                   <a:solidFill>
                     <a:srgbClr val="000000"/>
                   </a:solidFill>
@@ -3739,7 +3746,7 @@
             </a:ln>
             <a:extLst>
               <a:ext uri="{91240B29-F687-4f45-9708-019B960494DF}">
-                <a14:hiddenLine xmlns:a14="http://schemas.microsoft.com/office/drawing/2010/main" xmlns="" w="9525">
+                <a14:hiddenLine xmlns="" xmlns:a14="http://schemas.microsoft.com/office/drawing/2010/main" w="9525">
                   <a:solidFill>
                     <a:srgbClr val="000000"/>
                   </a:solidFill>
@@ -3801,7 +3808,7 @@
             </a:ln>
             <a:extLst>
               <a:ext uri="{91240B29-F687-4f45-9708-019B960494DF}">
-                <a14:hiddenLine xmlns:a14="http://schemas.microsoft.com/office/drawing/2010/main" xmlns="" w="9525">
+                <a14:hiddenLine xmlns="" xmlns:a14="http://schemas.microsoft.com/office/drawing/2010/main" w="9525">
                   <a:solidFill>
                     <a:srgbClr val="000000"/>
                   </a:solidFill>
@@ -3891,7 +3898,7 @@
             </a:ln>
             <a:extLst>
               <a:ext uri="{91240B29-F687-4f45-9708-019B960494DF}">
-                <a14:hiddenLine xmlns:a14="http://schemas.microsoft.com/office/drawing/2010/main" xmlns="" w="9525">
+                <a14:hiddenLine xmlns="" xmlns:a14="http://schemas.microsoft.com/office/drawing/2010/main" w="9525">
                   <a:solidFill>
                     <a:srgbClr val="000000"/>
                   </a:solidFill>
@@ -3981,7 +3988,7 @@
             </a:ln>
             <a:extLst>
               <a:ext uri="{91240B29-F687-4f45-9708-019B960494DF}">
-                <a14:hiddenLine xmlns:a14="http://schemas.microsoft.com/office/drawing/2010/main" xmlns="" w="9525">
+                <a14:hiddenLine xmlns="" xmlns:a14="http://schemas.microsoft.com/office/drawing/2010/main" w="9525">
                   <a:solidFill>
                     <a:srgbClr val="000000"/>
                   </a:solidFill>
@@ -4043,7 +4050,7 @@
             </a:ln>
             <a:extLst>
               <a:ext uri="{91240B29-F687-4f45-9708-019B960494DF}">
-                <a14:hiddenLine xmlns:a14="http://schemas.microsoft.com/office/drawing/2010/main" xmlns="" w="9525">
+                <a14:hiddenLine xmlns="" xmlns:a14="http://schemas.microsoft.com/office/drawing/2010/main" w="9525">
                   <a:solidFill>
                     <a:srgbClr val="000000"/>
                   </a:solidFill>
@@ -4163,7 +4170,7 @@
             </a:ln>
             <a:extLst>
               <a:ext uri="{91240B29-F687-4f45-9708-019B960494DF}">
-                <a14:hiddenLine xmlns:a14="http://schemas.microsoft.com/office/drawing/2010/main" xmlns="" w="9525">
+                <a14:hiddenLine xmlns="" xmlns:a14="http://schemas.microsoft.com/office/drawing/2010/main" w="9525">
                   <a:solidFill>
                     <a:srgbClr val="000000"/>
                   </a:solidFill>
@@ -4231,7 +4238,7 @@
             </a:ln>
             <a:extLst>
               <a:ext uri="{91240B29-F687-4f45-9708-019B960494DF}">
-                <a14:hiddenLine xmlns:a14="http://schemas.microsoft.com/office/drawing/2010/main" xmlns="" w="9525">
+                <a14:hiddenLine xmlns="" xmlns:a14="http://schemas.microsoft.com/office/drawing/2010/main" w="9525">
                   <a:solidFill>
                     <a:srgbClr val="000000"/>
                   </a:solidFill>
@@ -4321,7 +4328,7 @@
             </a:ln>
             <a:extLst>
               <a:ext uri="{91240B29-F687-4f45-9708-019B960494DF}">
-                <a14:hiddenLine xmlns:a14="http://schemas.microsoft.com/office/drawing/2010/main" xmlns="" w="9525">
+                <a14:hiddenLine xmlns="" xmlns:a14="http://schemas.microsoft.com/office/drawing/2010/main" w="9525">
                   <a:solidFill>
                     <a:srgbClr val="000000"/>
                   </a:solidFill>
@@ -4462,7 +4469,7 @@
             <a:fld id="{48A87A34-81AB-432B-8DAE-1953F412C126}" type="datetimeFigureOut">
               <a:rPr lang="en-US" dirty="0"/>
               <a:pPr/>
-              <a:t>7/27/2016</a:t>
+              <a:t>7/28/2016</a:t>
             </a:fld>
             <a:endParaRPr lang="en-US" dirty="0"/>
           </a:p>
@@ -4726,7 +4733,7 @@
             <a:fld id="{48A87A34-81AB-432B-8DAE-1953F412C126}" type="datetimeFigureOut">
               <a:rPr lang="en-US" dirty="0"/>
               <a:pPr/>
-              <a:t>7/27/2016</a:t>
+              <a:t>7/28/2016</a:t>
             </a:fld>
             <a:endParaRPr lang="en-US" dirty="0"/>
           </a:p>
@@ -4919,7 +4926,7 @@
             <a:fld id="{48A87A34-81AB-432B-8DAE-1953F412C126}" type="datetimeFigureOut">
               <a:rPr lang="en-US" dirty="0"/>
               <a:pPr/>
-              <a:t>7/27/2016</a:t>
+              <a:t>7/28/2016</a:t>
             </a:fld>
             <a:endParaRPr lang="en-US" dirty="0"/>
           </a:p>
@@ -5179,7 +5186,7 @@
             <a:fld id="{48A87A34-81AB-432B-8DAE-1953F412C126}" type="datetimeFigureOut">
               <a:rPr lang="en-US" dirty="0"/>
               <a:pPr/>
-              <a:t>7/27/2016</a:t>
+              <a:t>7/28/2016</a:t>
             </a:fld>
             <a:endParaRPr lang="en-US" dirty="0"/>
           </a:p>
@@ -5610,7 +5617,7 @@
             <a:fld id="{48A87A34-81AB-432B-8DAE-1953F412C126}" type="datetimeFigureOut">
               <a:rPr lang="en-US" dirty="0"/>
               <a:pPr/>
-              <a:t>7/27/2016</a:t>
+              <a:t>7/28/2016</a:t>
             </a:fld>
             <a:endParaRPr lang="en-US" dirty="0"/>
           </a:p>
@@ -6153,7 +6160,7 @@
             <a:fld id="{48A87A34-81AB-432B-8DAE-1953F412C126}" type="datetimeFigureOut">
               <a:rPr lang="en-US" dirty="0"/>
               <a:pPr/>
-              <a:t>7/27/2016</a:t>
+              <a:t>7/28/2016</a:t>
             </a:fld>
             <a:endParaRPr lang="en-US" dirty="0"/>
           </a:p>
@@ -6870,7 +6877,7 @@
             <a:fld id="{48A87A34-81AB-432B-8DAE-1953F412C126}" type="datetimeFigureOut">
               <a:rPr lang="en-US" dirty="0"/>
               <a:pPr/>
-              <a:t>7/27/2016</a:t>
+              <a:t>7/28/2016</a:t>
             </a:fld>
             <a:endParaRPr lang="en-US" dirty="0"/>
           </a:p>
@@ -7037,7 +7044,7 @@
             <a:fld id="{48A87A34-81AB-432B-8DAE-1953F412C126}" type="datetimeFigureOut">
               <a:rPr lang="en-US" dirty="0"/>
               <a:pPr/>
-              <a:t>7/27/2016</a:t>
+              <a:t>7/28/2016</a:t>
             </a:fld>
             <a:endParaRPr lang="en-US" dirty="0"/>
           </a:p>
@@ -7214,7 +7221,7 @@
             <a:fld id="{48A87A34-81AB-432B-8DAE-1953F412C126}" type="datetimeFigureOut">
               <a:rPr lang="en-US" dirty="0"/>
               <a:pPr/>
-              <a:t>7/27/2016</a:t>
+              <a:t>7/28/2016</a:t>
             </a:fld>
             <a:endParaRPr lang="en-US" dirty="0"/>
           </a:p>
@@ -7381,7 +7388,7 @@
             <a:fld id="{48A87A34-81AB-432B-8DAE-1953F412C126}" type="datetimeFigureOut">
               <a:rPr lang="en-US" dirty="0"/>
               <a:pPr/>
-              <a:t>7/27/2016</a:t>
+              <a:t>7/28/2016</a:t>
             </a:fld>
             <a:endParaRPr lang="en-US" dirty="0"/>
           </a:p>
@@ -7628,7 +7635,7 @@
             <a:fld id="{48A87A34-81AB-432B-8DAE-1953F412C126}" type="datetimeFigureOut">
               <a:rPr lang="en-US" dirty="0"/>
               <a:pPr/>
-              <a:t>7/27/2016</a:t>
+              <a:t>7/28/2016</a:t>
             </a:fld>
             <a:endParaRPr lang="en-US" dirty="0"/>
           </a:p>
@@ -7857,7 +7864,7 @@
             <a:fld id="{48A87A34-81AB-432B-8DAE-1953F412C126}" type="datetimeFigureOut">
               <a:rPr lang="en-US" dirty="0"/>
               <a:pPr/>
-              <a:t>7/27/2016</a:t>
+              <a:t>7/28/2016</a:t>
             </a:fld>
             <a:endParaRPr lang="en-US" dirty="0"/>
           </a:p>
@@ -8235,7 +8242,7 @@
             <a:fld id="{48A87A34-81AB-432B-8DAE-1953F412C126}" type="datetimeFigureOut">
               <a:rPr lang="en-US" dirty="0"/>
               <a:pPr/>
-              <a:t>7/27/2016</a:t>
+              <a:t>7/28/2016</a:t>
             </a:fld>
             <a:endParaRPr lang="en-US" dirty="0"/>
           </a:p>
@@ -8350,7 +8357,7 @@
             <a:fld id="{48A87A34-81AB-432B-8DAE-1953F412C126}" type="datetimeFigureOut">
               <a:rPr lang="en-US" dirty="0"/>
               <a:pPr/>
-              <a:t>7/27/2016</a:t>
+              <a:t>7/28/2016</a:t>
             </a:fld>
             <a:endParaRPr lang="en-US" dirty="0"/>
           </a:p>
@@ -8442,7 +8449,7 @@
             <a:fld id="{48A87A34-81AB-432B-8DAE-1953F412C126}" type="datetimeFigureOut">
               <a:rPr lang="en-US" dirty="0"/>
               <a:pPr/>
-              <a:t>7/27/2016</a:t>
+              <a:t>7/28/2016</a:t>
             </a:fld>
             <a:endParaRPr lang="en-US" dirty="0"/>
           </a:p>
@@ -8688,7 +8695,7 @@
             <a:fld id="{48A87A34-81AB-432B-8DAE-1953F412C126}" type="datetimeFigureOut">
               <a:rPr lang="en-US" dirty="0"/>
               <a:pPr/>
-              <a:t>7/27/2016</a:t>
+              <a:t>7/28/2016</a:t>
             </a:fld>
             <a:endParaRPr lang="en-US" dirty="0"/>
           </a:p>
@@ -8965,7 +8972,7 @@
             <a:fld id="{48A87A34-81AB-432B-8DAE-1953F412C126}" type="datetimeFigureOut">
               <a:rPr lang="en-US" dirty="0"/>
               <a:pPr/>
-              <a:t>7/27/2016</a:t>
+              <a:t>7/28/2016</a:t>
             </a:fld>
             <a:endParaRPr lang="en-US" dirty="0"/>
           </a:p>
@@ -9057,7 +9064,7 @@
             <a:alphaModFix amt="30000"/>
             <a:extLst>
               <a:ext uri="{28A0092B-C50C-407E-A947-70E740481C1C}">
-                <a14:useLocalDpi xmlns="" xmlns:a14="http://schemas.microsoft.com/office/drawing/2010/main" val="0"/>
+                <a14:useLocalDpi xmlns:a14="http://schemas.microsoft.com/office/drawing/2010/main" xmlns="" val="0"/>
               </a:ext>
             </a:extLst>
           </a:blip>
@@ -9077,7 +9084,7 @@
           <a:noFill/>
           <a:extLst>
             <a:ext uri="{909E8E84-426E-40dd-AFC4-6F175D3DCCD1}">
-              <a14:hiddenFill xmlns:a14="http://schemas.microsoft.com/office/drawing/2010/main" xmlns="">
+              <a14:hiddenFill xmlns="" xmlns:a14="http://schemas.microsoft.com/office/drawing/2010/main">
                 <a:solidFill>
                   <a:srgbClr val="FFFFFF"/>
                 </a:solidFill>
@@ -9151,7 +9158,7 @@
               </a:ln>
               <a:extLst>
                 <a:ext uri="{91240B29-F687-4f45-9708-019B960494DF}">
-                  <a14:hiddenLine xmlns:a14="http://schemas.microsoft.com/office/drawing/2010/main" xmlns="" w="9525">
+                  <a14:hiddenLine xmlns="" xmlns:a14="http://schemas.microsoft.com/office/drawing/2010/main" w="9525">
                     <a:solidFill>
                       <a:srgbClr val="000000"/>
                     </a:solidFill>
@@ -9241,7 +9248,7 @@
               </a:ln>
               <a:extLst>
                 <a:ext uri="{91240B29-F687-4f45-9708-019B960494DF}">
-                  <a14:hiddenLine xmlns:a14="http://schemas.microsoft.com/office/drawing/2010/main" xmlns="" w="9525">
+                  <a14:hiddenLine xmlns="" xmlns:a14="http://schemas.microsoft.com/office/drawing/2010/main" w="9525">
                     <a:solidFill>
                       <a:srgbClr val="000000"/>
                     </a:solidFill>
@@ -9331,7 +9338,7 @@
               </a:ln>
               <a:extLst>
                 <a:ext uri="{91240B29-F687-4f45-9708-019B960494DF}">
-                  <a14:hiddenLine xmlns:a14="http://schemas.microsoft.com/office/drawing/2010/main" xmlns="" w="9525">
+                  <a14:hiddenLine xmlns="" xmlns:a14="http://schemas.microsoft.com/office/drawing/2010/main" w="9525">
                     <a:solidFill>
                       <a:srgbClr val="000000"/>
                     </a:solidFill>
@@ -9393,7 +9400,7 @@
               </a:ln>
               <a:extLst>
                 <a:ext uri="{91240B29-F687-4f45-9708-019B960494DF}">
-                  <a14:hiddenLine xmlns:a14="http://schemas.microsoft.com/office/drawing/2010/main" xmlns="" w="9525">
+                  <a14:hiddenLine xmlns="" xmlns:a14="http://schemas.microsoft.com/office/drawing/2010/main" w="9525">
                     <a:solidFill>
                       <a:srgbClr val="000000"/>
                     </a:solidFill>
@@ -9483,7 +9490,7 @@
               </a:ln>
               <a:extLst>
                 <a:ext uri="{91240B29-F687-4f45-9708-019B960494DF}">
-                  <a14:hiddenLine xmlns:a14="http://schemas.microsoft.com/office/drawing/2010/main" xmlns="" w="9525">
+                  <a14:hiddenLine xmlns="" xmlns:a14="http://schemas.microsoft.com/office/drawing/2010/main" w="9525">
                     <a:solidFill>
                       <a:srgbClr val="000000"/>
                     </a:solidFill>
@@ -9545,7 +9552,7 @@
               </a:ln>
               <a:extLst>
                 <a:ext uri="{91240B29-F687-4f45-9708-019B960494DF}">
-                  <a14:hiddenLine xmlns:a14="http://schemas.microsoft.com/office/drawing/2010/main" xmlns="" w="9525">
+                  <a14:hiddenLine xmlns="" xmlns:a14="http://schemas.microsoft.com/office/drawing/2010/main" w="9525">
                     <a:solidFill>
                       <a:srgbClr val="000000"/>
                     </a:solidFill>
@@ -9607,7 +9614,7 @@
               </a:ln>
               <a:extLst>
                 <a:ext uri="{91240B29-F687-4f45-9708-019B960494DF}">
-                  <a14:hiddenLine xmlns:a14="http://schemas.microsoft.com/office/drawing/2010/main" xmlns="" w="9525">
+                  <a14:hiddenLine xmlns="" xmlns:a14="http://schemas.microsoft.com/office/drawing/2010/main" w="9525">
                     <a:solidFill>
                       <a:srgbClr val="000000"/>
                     </a:solidFill>
@@ -9697,7 +9704,7 @@
               </a:ln>
               <a:extLst>
                 <a:ext uri="{91240B29-F687-4f45-9708-019B960494DF}">
-                  <a14:hiddenLine xmlns:a14="http://schemas.microsoft.com/office/drawing/2010/main" xmlns="" w="9525">
+                  <a14:hiddenLine xmlns="" xmlns:a14="http://schemas.microsoft.com/office/drawing/2010/main" w="9525">
                     <a:solidFill>
                       <a:srgbClr val="000000"/>
                     </a:solidFill>
@@ -9787,7 +9794,7 @@
               </a:ln>
               <a:extLst>
                 <a:ext uri="{91240B29-F687-4f45-9708-019B960494DF}">
-                  <a14:hiddenLine xmlns:a14="http://schemas.microsoft.com/office/drawing/2010/main" xmlns="" w="9525">
+                  <a14:hiddenLine xmlns="" xmlns:a14="http://schemas.microsoft.com/office/drawing/2010/main" w="9525">
                     <a:solidFill>
                       <a:srgbClr val="000000"/>
                     </a:solidFill>
@@ -9849,7 +9856,7 @@
               </a:ln>
               <a:extLst>
                 <a:ext uri="{91240B29-F687-4f45-9708-019B960494DF}">
-                  <a14:hiddenLine xmlns:a14="http://schemas.microsoft.com/office/drawing/2010/main" xmlns="" w="9525">
+                  <a14:hiddenLine xmlns="" xmlns:a14="http://schemas.microsoft.com/office/drawing/2010/main" w="9525">
                     <a:solidFill>
                       <a:srgbClr val="000000"/>
                     </a:solidFill>
@@ -9959,7 +9966,7 @@
               </a:ln>
               <a:extLst>
                 <a:ext uri="{91240B29-F687-4f45-9708-019B960494DF}">
-                  <a14:hiddenLine xmlns:a14="http://schemas.microsoft.com/office/drawing/2010/main" xmlns="" w="9525">
+                  <a14:hiddenLine xmlns="" xmlns:a14="http://schemas.microsoft.com/office/drawing/2010/main" w="9525">
                     <a:solidFill>
                       <a:srgbClr val="000000"/>
                     </a:solidFill>
@@ -10043,7 +10050,7 @@
               </a:ln>
               <a:extLst>
                 <a:ext uri="{91240B29-F687-4f45-9708-019B960494DF}">
-                  <a14:hiddenLine xmlns:a14="http://schemas.microsoft.com/office/drawing/2010/main" xmlns="" w="9525">
+                  <a14:hiddenLine xmlns="" xmlns:a14="http://schemas.microsoft.com/office/drawing/2010/main" w="9525">
                     <a:solidFill>
                       <a:srgbClr val="000000"/>
                     </a:solidFill>
@@ -10105,7 +10112,7 @@
               </a:ln>
               <a:extLst>
                 <a:ext uri="{91240B29-F687-4f45-9708-019B960494DF}">
-                  <a14:hiddenLine xmlns:a14="http://schemas.microsoft.com/office/drawing/2010/main" xmlns="" w="9525">
+                  <a14:hiddenLine xmlns="" xmlns:a14="http://schemas.microsoft.com/office/drawing/2010/main" w="9525">
                     <a:solidFill>
                       <a:srgbClr val="000000"/>
                     </a:solidFill>
@@ -10167,7 +10174,7 @@
               </a:ln>
               <a:extLst>
                 <a:ext uri="{91240B29-F687-4f45-9708-019B960494DF}">
-                  <a14:hiddenLine xmlns:a14="http://schemas.microsoft.com/office/drawing/2010/main" xmlns="" w="9525">
+                  <a14:hiddenLine xmlns="" xmlns:a14="http://schemas.microsoft.com/office/drawing/2010/main" w="9525">
                     <a:solidFill>
                       <a:srgbClr val="000000"/>
                     </a:solidFill>
@@ -10257,7 +10264,7 @@
               </a:ln>
               <a:extLst>
                 <a:ext uri="{91240B29-F687-4f45-9708-019B960494DF}">
-                  <a14:hiddenLine xmlns:a14="http://schemas.microsoft.com/office/drawing/2010/main" xmlns="" w="9525">
+                  <a14:hiddenLine xmlns="" xmlns:a14="http://schemas.microsoft.com/office/drawing/2010/main" w="9525">
                     <a:solidFill>
                       <a:srgbClr val="000000"/>
                     </a:solidFill>
@@ -10291,7 +10298,7 @@
               </a:ln>
               <a:extLst>
                 <a:ext uri="{91240B29-F687-4f45-9708-019B960494DF}">
-                  <a14:hiddenLine xmlns:a14="http://schemas.microsoft.com/office/drawing/2010/main" xmlns="" w="9525">
+                  <a14:hiddenLine xmlns="" xmlns:a14="http://schemas.microsoft.com/office/drawing/2010/main" w="9525">
                     <a:solidFill>
                       <a:srgbClr val="000000"/>
                     </a:solidFill>
@@ -10356,7 +10363,7 @@
               </a:ln>
               <a:extLst>
                 <a:ext uri="{91240B29-F687-4f45-9708-019B960494DF}">
-                  <a14:hiddenLine xmlns:a14="http://schemas.microsoft.com/office/drawing/2010/main" xmlns="" w="9525">
+                  <a14:hiddenLine xmlns="" xmlns:a14="http://schemas.microsoft.com/office/drawing/2010/main" w="9525">
                     <a:solidFill>
                       <a:srgbClr val="000000"/>
                     </a:solidFill>
@@ -10446,7 +10453,7 @@
               </a:ln>
               <a:extLst>
                 <a:ext uri="{91240B29-F687-4f45-9708-019B960494DF}">
-                  <a14:hiddenLine xmlns:a14="http://schemas.microsoft.com/office/drawing/2010/main" xmlns="" w="9525">
+                  <a14:hiddenLine xmlns="" xmlns:a14="http://schemas.microsoft.com/office/drawing/2010/main" w="9525">
                     <a:solidFill>
                       <a:srgbClr val="000000"/>
                     </a:solidFill>
@@ -10508,7 +10515,7 @@
               </a:ln>
               <a:extLst>
                 <a:ext uri="{91240B29-F687-4f45-9708-019B960494DF}">
-                  <a14:hiddenLine xmlns:a14="http://schemas.microsoft.com/office/drawing/2010/main" xmlns="" w="9525">
+                  <a14:hiddenLine xmlns="" xmlns:a14="http://schemas.microsoft.com/office/drawing/2010/main" w="9525">
                     <a:solidFill>
                       <a:srgbClr val="000000"/>
                     </a:solidFill>
@@ -10598,7 +10605,7 @@
               </a:ln>
               <a:extLst>
                 <a:ext uri="{91240B29-F687-4f45-9708-019B960494DF}">
-                  <a14:hiddenLine xmlns:a14="http://schemas.microsoft.com/office/drawing/2010/main" xmlns="" w="9525">
+                  <a14:hiddenLine xmlns="" xmlns:a14="http://schemas.microsoft.com/office/drawing/2010/main" w="9525">
                     <a:solidFill>
                       <a:srgbClr val="000000"/>
                     </a:solidFill>
@@ -10663,7 +10670,7 @@
               </a:ln>
               <a:extLst>
                 <a:ext uri="{91240B29-F687-4f45-9708-019B960494DF}">
-                  <a14:hiddenLine xmlns:a14="http://schemas.microsoft.com/office/drawing/2010/main" xmlns="" w="9525">
+                  <a14:hiddenLine xmlns="" xmlns:a14="http://schemas.microsoft.com/office/drawing/2010/main" w="9525">
                     <a:solidFill>
                       <a:srgbClr val="000000"/>
                     </a:solidFill>
@@ -10725,7 +10732,7 @@
               </a:ln>
               <a:extLst>
                 <a:ext uri="{91240B29-F687-4f45-9708-019B960494DF}">
-                  <a14:hiddenLine xmlns:a14="http://schemas.microsoft.com/office/drawing/2010/main" xmlns="" w="9525">
+                  <a14:hiddenLine xmlns="" xmlns:a14="http://schemas.microsoft.com/office/drawing/2010/main" w="9525">
                     <a:solidFill>
                       <a:srgbClr val="000000"/>
                     </a:solidFill>
@@ -10815,7 +10822,7 @@
               </a:ln>
               <a:extLst>
                 <a:ext uri="{91240B29-F687-4f45-9708-019B960494DF}">
-                  <a14:hiddenLine xmlns:a14="http://schemas.microsoft.com/office/drawing/2010/main" xmlns="" w="9525">
+                  <a14:hiddenLine xmlns="" xmlns:a14="http://schemas.microsoft.com/office/drawing/2010/main" w="9525">
                     <a:solidFill>
                       <a:srgbClr val="000000"/>
                     </a:solidFill>
@@ -10905,7 +10912,7 @@
               </a:ln>
               <a:extLst>
                 <a:ext uri="{91240B29-F687-4f45-9708-019B960494DF}">
-                  <a14:hiddenLine xmlns:a14="http://schemas.microsoft.com/office/drawing/2010/main" xmlns="" w="9525">
+                  <a14:hiddenLine xmlns="" xmlns:a14="http://schemas.microsoft.com/office/drawing/2010/main" w="9525">
                     <a:solidFill>
                       <a:srgbClr val="000000"/>
                     </a:solidFill>
@@ -10970,7 +10977,7 @@
               </a:ln>
               <a:extLst>
                 <a:ext uri="{91240B29-F687-4f45-9708-019B960494DF}">
-                  <a14:hiddenLine xmlns:a14="http://schemas.microsoft.com/office/drawing/2010/main" xmlns="" w="9525">
+                  <a14:hiddenLine xmlns="" xmlns:a14="http://schemas.microsoft.com/office/drawing/2010/main" w="9525">
                     <a:solidFill>
                       <a:srgbClr val="000000"/>
                     </a:solidFill>
@@ -11090,7 +11097,7 @@
               </a:ln>
               <a:extLst>
                 <a:ext uri="{91240B29-F687-4f45-9708-019B960494DF}">
-                  <a14:hiddenLine xmlns:a14="http://schemas.microsoft.com/office/drawing/2010/main" xmlns="" w="9525">
+                  <a14:hiddenLine xmlns="" xmlns:a14="http://schemas.microsoft.com/office/drawing/2010/main" w="9525">
                     <a:solidFill>
                       <a:srgbClr val="000000"/>
                     </a:solidFill>
@@ -11188,7 +11195,7 @@
               </a:ln>
               <a:extLst>
                 <a:ext uri="{91240B29-F687-4f45-9708-019B960494DF}">
-                  <a14:hiddenLine xmlns:a14="http://schemas.microsoft.com/office/drawing/2010/main" xmlns="" w="9525">
+                  <a14:hiddenLine xmlns="" xmlns:a14="http://schemas.microsoft.com/office/drawing/2010/main" w="9525">
                     <a:solidFill>
                       <a:srgbClr val="000000"/>
                     </a:solidFill>
@@ -11303,7 +11310,7 @@
               </a:ln>
               <a:extLst>
                 <a:ext uri="{91240B29-F687-4f45-9708-019B960494DF}">
-                  <a14:hiddenLine xmlns:a14="http://schemas.microsoft.com/office/drawing/2010/main" xmlns="" w="9525">
+                  <a14:hiddenLine xmlns="" xmlns:a14="http://schemas.microsoft.com/office/drawing/2010/main" w="9525">
                     <a:solidFill>
                       <a:srgbClr val="000000"/>
                     </a:solidFill>
@@ -11393,7 +11400,7 @@
               </a:ln>
               <a:extLst>
                 <a:ext uri="{91240B29-F687-4f45-9708-019B960494DF}">
-                  <a14:hiddenLine xmlns:a14="http://schemas.microsoft.com/office/drawing/2010/main" xmlns="" w="9525">
+                  <a14:hiddenLine xmlns="" xmlns:a14="http://schemas.microsoft.com/office/drawing/2010/main" w="9525">
                     <a:solidFill>
                       <a:srgbClr val="000000"/>
                     </a:solidFill>
@@ -11458,7 +11465,7 @@
               </a:ln>
               <a:extLst>
                 <a:ext uri="{91240B29-F687-4f45-9708-019B960494DF}">
-                  <a14:hiddenLine xmlns:a14="http://schemas.microsoft.com/office/drawing/2010/main" xmlns="" w="9525">
+                  <a14:hiddenLine xmlns="" xmlns:a14="http://schemas.microsoft.com/office/drawing/2010/main" w="9525">
                     <a:solidFill>
                       <a:srgbClr val="000000"/>
                     </a:solidFill>
@@ -11548,7 +11555,7 @@
               </a:ln>
               <a:extLst>
                 <a:ext uri="{91240B29-F687-4f45-9708-019B960494DF}">
-                  <a14:hiddenLine xmlns:a14="http://schemas.microsoft.com/office/drawing/2010/main" xmlns="" w="9525">
+                  <a14:hiddenLine xmlns="" xmlns:a14="http://schemas.microsoft.com/office/drawing/2010/main" w="9525">
                     <a:solidFill>
                       <a:srgbClr val="000000"/>
                     </a:solidFill>
@@ -11616,7 +11623,7 @@
               </a:ln>
               <a:extLst>
                 <a:ext uri="{91240B29-F687-4f45-9708-019B960494DF}">
-                  <a14:hiddenLine xmlns:a14="http://schemas.microsoft.com/office/drawing/2010/main" xmlns="" w="9525">
+                  <a14:hiddenLine xmlns="" xmlns:a14="http://schemas.microsoft.com/office/drawing/2010/main" w="9525">
                     <a:solidFill>
                       <a:srgbClr val="000000"/>
                     </a:solidFill>
@@ -11706,7 +11713,7 @@
               </a:ln>
               <a:extLst>
                 <a:ext uri="{91240B29-F687-4f45-9708-019B960494DF}">
-                  <a14:hiddenLine xmlns:a14="http://schemas.microsoft.com/office/drawing/2010/main" xmlns="" w="9525">
+                  <a14:hiddenLine xmlns="" xmlns:a14="http://schemas.microsoft.com/office/drawing/2010/main" w="9525">
                     <a:solidFill>
                       <a:srgbClr val="000000"/>
                     </a:solidFill>
@@ -11774,7 +11781,7 @@
               </a:ln>
               <a:extLst>
                 <a:ext uri="{91240B29-F687-4f45-9708-019B960494DF}">
-                  <a14:hiddenLine xmlns:a14="http://schemas.microsoft.com/office/drawing/2010/main" xmlns="" w="9525">
+                  <a14:hiddenLine xmlns="" xmlns:a14="http://schemas.microsoft.com/office/drawing/2010/main" w="9525">
                     <a:solidFill>
                       <a:srgbClr val="000000"/>
                     </a:solidFill>
@@ -11864,7 +11871,7 @@
               </a:ln>
               <a:extLst>
                 <a:ext uri="{91240B29-F687-4f45-9708-019B960494DF}">
-                  <a14:hiddenLine xmlns:a14="http://schemas.microsoft.com/office/drawing/2010/main" xmlns="" w="9525">
+                  <a14:hiddenLine xmlns="" xmlns:a14="http://schemas.microsoft.com/office/drawing/2010/main" w="9525">
                     <a:solidFill>
                       <a:srgbClr val="000000"/>
                     </a:solidFill>
@@ -11898,7 +11905,7 @@
               </a:ln>
               <a:extLst>
                 <a:ext uri="{91240B29-F687-4f45-9708-019B960494DF}">
-                  <a14:hiddenLine xmlns:a14="http://schemas.microsoft.com/office/drawing/2010/main" xmlns="" w="9525">
+                  <a14:hiddenLine xmlns="" xmlns:a14="http://schemas.microsoft.com/office/drawing/2010/main" w="9525">
                     <a:solidFill>
                       <a:srgbClr val="000000"/>
                     </a:solidFill>
@@ -12039,7 +12046,7 @@
             <a:fld id="{48A87A34-81AB-432B-8DAE-1953F412C126}" type="datetimeFigureOut">
               <a:rPr lang="en-US" dirty="0"/>
               <a:pPr/>
-              <a:t>7/27/2016</a:t>
+              <a:t>7/28/2016</a:t>
             </a:fld>
             <a:endParaRPr lang="en-US" dirty="0"/>
           </a:p>
@@ -12500,7 +12507,7 @@
     </p:spTree>
     <p:extLst>
       <p:ext uri="{BB962C8B-B14F-4D97-AF65-F5344CB8AC3E}">
-        <p14:creationId xmlns="" xmlns:p14="http://schemas.microsoft.com/office/powerpoint/2010/main" val="1932957581"/>
+        <p14:creationId xmlns:p14="http://schemas.microsoft.com/office/powerpoint/2010/main" xmlns="" val="1932957581"/>
       </p:ext>
     </p:extLst>
   </p:cSld>
@@ -12508,7 +12515,7 @@
     <a:masterClrMapping/>
   </p:clrMapOvr>
   <mc:AlternateContent xmlns:mc="http://schemas.openxmlformats.org/markup-compatibility/2006">
-    <mc:Choice xmlns="" xmlns:p14="http://schemas.microsoft.com/office/powerpoint/2010/main" Requires="p14">
+    <mc:Choice xmlns:p14="http://schemas.microsoft.com/office/powerpoint/2010/main" xmlns="" Requires="p14">
       <p:transition p14:dur="10"/>
     </mc:Choice>
     <mc:Fallback>
@@ -12761,7 +12768,7 @@
     </p:spTree>
     <p:extLst>
       <p:ext uri="{BB962C8B-B14F-4D97-AF65-F5344CB8AC3E}">
-        <p14:creationId xmlns="" xmlns:p14="http://schemas.microsoft.com/office/powerpoint/2010/main" val="3658684172"/>
+        <p14:creationId xmlns:p14="http://schemas.microsoft.com/office/powerpoint/2010/main" xmlns="" val="3658684172"/>
       </p:ext>
     </p:extLst>
   </p:cSld>
@@ -12878,7 +12885,7 @@
     </p:spTree>
     <p:extLst>
       <p:ext uri="{BB962C8B-B14F-4D97-AF65-F5344CB8AC3E}">
-        <p14:creationId xmlns="" xmlns:p14="http://schemas.microsoft.com/office/powerpoint/2010/main" val="2980462209"/>
+        <p14:creationId xmlns:p14="http://schemas.microsoft.com/office/powerpoint/2010/main" xmlns="" val="2980462209"/>
       </p:ext>
     </p:extLst>
   </p:cSld>
@@ -13002,7 +13009,7 @@
     </p:spTree>
     <p:extLst>
       <p:ext uri="{BB962C8B-B14F-4D97-AF65-F5344CB8AC3E}">
-        <p14:creationId xmlns="" xmlns:p14="http://schemas.microsoft.com/office/powerpoint/2010/main" val="2985205535"/>
+        <p14:creationId xmlns:p14="http://schemas.microsoft.com/office/powerpoint/2010/main" xmlns="" val="2985205535"/>
       </p:ext>
     </p:extLst>
   </p:cSld>
@@ -13130,7 +13137,7 @@
     </p:spTree>
     <p:extLst>
       <p:ext uri="{BB962C8B-B14F-4D97-AF65-F5344CB8AC3E}">
-        <p14:creationId xmlns="" xmlns:p14="http://schemas.microsoft.com/office/powerpoint/2010/main" val="2924548077"/>
+        <p14:creationId xmlns:p14="http://schemas.microsoft.com/office/powerpoint/2010/main" xmlns="" val="2924548077"/>
       </p:ext>
     </p:extLst>
   </p:cSld>
@@ -13219,7 +13226,7 @@
     </p:spTree>
     <p:extLst>
       <p:ext uri="{BB962C8B-B14F-4D97-AF65-F5344CB8AC3E}">
-        <p14:creationId xmlns="" xmlns:p14="http://schemas.microsoft.com/office/powerpoint/2010/main" val="1203755180"/>
+        <p14:creationId xmlns:p14="http://schemas.microsoft.com/office/powerpoint/2010/main" xmlns="" val="1203755180"/>
       </p:ext>
     </p:extLst>
   </p:cSld>
@@ -13314,7 +13321,7 @@
     </p:spTree>
     <p:extLst>
       <p:ext uri="{BB962C8B-B14F-4D97-AF65-F5344CB8AC3E}">
-        <p14:creationId xmlns="" xmlns:p14="http://schemas.microsoft.com/office/powerpoint/2010/main" val="1081503646"/>
+        <p14:creationId xmlns:p14="http://schemas.microsoft.com/office/powerpoint/2010/main" xmlns="" val="1081503646"/>
       </p:ext>
     </p:extLst>
   </p:cSld>
@@ -13415,7 +13422,7 @@
     </p:spTree>
     <p:extLst>
       <p:ext uri="{BB962C8B-B14F-4D97-AF65-F5344CB8AC3E}">
-        <p14:creationId xmlns="" xmlns:p14="http://schemas.microsoft.com/office/powerpoint/2010/main" val="3764125084"/>
+        <p14:creationId xmlns:p14="http://schemas.microsoft.com/office/powerpoint/2010/main" xmlns="" val="3764125084"/>
       </p:ext>
     </p:extLst>
   </p:cSld>
@@ -13522,7 +13529,7 @@
     </p:spTree>
     <p:extLst>
       <p:ext uri="{BB962C8B-B14F-4D97-AF65-F5344CB8AC3E}">
-        <p14:creationId xmlns="" xmlns:p14="http://schemas.microsoft.com/office/powerpoint/2010/main" val="2007126848"/>
+        <p14:creationId xmlns:p14="http://schemas.microsoft.com/office/powerpoint/2010/main" xmlns="" val="2007126848"/>
       </p:ext>
     </p:extLst>
   </p:cSld>
@@ -13632,7 +13639,7 @@
     </p:spTree>
     <p:extLst>
       <p:ext uri="{BB962C8B-B14F-4D97-AF65-F5344CB8AC3E}">
-        <p14:creationId xmlns="" xmlns:p14="http://schemas.microsoft.com/office/powerpoint/2010/main" val="1972427357"/>
+        <p14:creationId xmlns:p14="http://schemas.microsoft.com/office/powerpoint/2010/main" xmlns="" val="1972427357"/>
       </p:ext>
     </p:extLst>
   </p:cSld>
@@ -13710,11 +13717,7 @@
             </a:r>
             <a:r>
               <a:rPr lang="en-US" smtClean="0"/>
-              <a:t>for </a:t>
-            </a:r>
-            <a:r>
-              <a:rPr lang="en-US" smtClean="0"/>
-              <a:t>one or </a:t>
+              <a:t>for one or </a:t>
             </a:r>
             <a:r>
               <a:rPr lang="en-US" dirty="0" smtClean="0"/>
@@ -13732,7 +13735,7 @@
     </p:spTree>
     <p:extLst>
       <p:ext uri="{BB962C8B-B14F-4D97-AF65-F5344CB8AC3E}">
-        <p14:creationId xmlns="" xmlns:p14="http://schemas.microsoft.com/office/powerpoint/2010/main" val="526716548"/>
+        <p14:creationId xmlns:p14="http://schemas.microsoft.com/office/powerpoint/2010/main" xmlns="" val="526716548"/>
       </p:ext>
     </p:extLst>
   </p:cSld>
@@ -13817,7 +13820,7 @@
     </p:spTree>
     <p:extLst>
       <p:ext uri="{BB962C8B-B14F-4D97-AF65-F5344CB8AC3E}">
-        <p14:creationId xmlns="" xmlns:p14="http://schemas.microsoft.com/office/powerpoint/2010/main" val="2970112683"/>
+        <p14:creationId xmlns:p14="http://schemas.microsoft.com/office/powerpoint/2010/main" xmlns="" val="2970112683"/>
       </p:ext>
     </p:extLst>
   </p:cSld>
@@ -13825,7 +13828,7 @@
     <a:masterClrMapping/>
   </p:clrMapOvr>
   <mc:AlternateContent xmlns:mc="http://schemas.openxmlformats.org/markup-compatibility/2006">
-    <mc:Choice xmlns="" xmlns:p14="http://schemas.microsoft.com/office/powerpoint/2010/main" Requires="p14">
+    <mc:Choice xmlns:p14="http://schemas.microsoft.com/office/powerpoint/2010/main" xmlns="" Requires="p14">
       <p:transition p14:dur="10"/>
     </mc:Choice>
     <mc:Fallback>
@@ -13924,7 +13927,7 @@
     </p:spTree>
     <p:extLst>
       <p:ext uri="{BB962C8B-B14F-4D97-AF65-F5344CB8AC3E}">
-        <p14:creationId xmlns="" xmlns:p14="http://schemas.microsoft.com/office/powerpoint/2010/main" val="3760832754"/>
+        <p14:creationId xmlns:p14="http://schemas.microsoft.com/office/powerpoint/2010/main" xmlns="" val="3760832754"/>
       </p:ext>
     </p:extLst>
   </p:cSld>
@@ -14021,7 +14024,7 @@
     </p:spTree>
     <p:extLst>
       <p:ext uri="{BB962C8B-B14F-4D97-AF65-F5344CB8AC3E}">
-        <p14:creationId xmlns="" xmlns:p14="http://schemas.microsoft.com/office/powerpoint/2010/main" val="4245804214"/>
+        <p14:creationId xmlns:p14="http://schemas.microsoft.com/office/powerpoint/2010/main" xmlns="" val="4245804214"/>
       </p:ext>
     </p:extLst>
   </p:cSld>
@@ -14124,7 +14127,7 @@
     </p:spTree>
     <p:extLst>
       <p:ext uri="{BB962C8B-B14F-4D97-AF65-F5344CB8AC3E}">
-        <p14:creationId xmlns="" xmlns:p14="http://schemas.microsoft.com/office/powerpoint/2010/main" val="1168846699"/>
+        <p14:creationId xmlns:p14="http://schemas.microsoft.com/office/powerpoint/2010/main" xmlns="" val="1168846699"/>
       </p:ext>
     </p:extLst>
   </p:cSld>
@@ -14233,7 +14236,7 @@
     </p:spTree>
     <p:extLst>
       <p:ext uri="{BB962C8B-B14F-4D97-AF65-F5344CB8AC3E}">
-        <p14:creationId xmlns="" xmlns:p14="http://schemas.microsoft.com/office/powerpoint/2010/main" val="2314976816"/>
+        <p14:creationId xmlns:p14="http://schemas.microsoft.com/office/powerpoint/2010/main" xmlns="" val="2314976816"/>
       </p:ext>
     </p:extLst>
   </p:cSld>
@@ -14348,7 +14351,7 @@
     </p:spTree>
     <p:extLst>
       <p:ext uri="{BB962C8B-B14F-4D97-AF65-F5344CB8AC3E}">
-        <p14:creationId xmlns="" xmlns:p14="http://schemas.microsoft.com/office/powerpoint/2010/main" val="3363042717"/>
+        <p14:creationId xmlns:p14="http://schemas.microsoft.com/office/powerpoint/2010/main" xmlns="" val="3363042717"/>
       </p:ext>
     </p:extLst>
   </p:cSld>
@@ -14435,7 +14438,7 @@
     </p:spTree>
     <p:extLst>
       <p:ext uri="{BB962C8B-B14F-4D97-AF65-F5344CB8AC3E}">
-        <p14:creationId xmlns="" xmlns:p14="http://schemas.microsoft.com/office/powerpoint/2010/main" val="3080512785"/>
+        <p14:creationId xmlns:p14="http://schemas.microsoft.com/office/powerpoint/2010/main" xmlns="" val="3080512785"/>
       </p:ext>
     </p:extLst>
   </p:cSld>
@@ -14525,7 +14528,7 @@
     </p:spTree>
     <p:extLst>
       <p:ext uri="{BB962C8B-B14F-4D97-AF65-F5344CB8AC3E}">
-        <p14:creationId xmlns="" xmlns:p14="http://schemas.microsoft.com/office/powerpoint/2010/main" val="392738374"/>
+        <p14:creationId xmlns:p14="http://schemas.microsoft.com/office/powerpoint/2010/main" xmlns="" val="392738374"/>
       </p:ext>
     </p:extLst>
   </p:cSld>
@@ -14621,7 +14624,7 @@
     </p:spTree>
     <p:extLst>
       <p:ext uri="{BB962C8B-B14F-4D97-AF65-F5344CB8AC3E}">
-        <p14:creationId xmlns="" xmlns:p14="http://schemas.microsoft.com/office/powerpoint/2010/main" val="3102955475"/>
+        <p14:creationId xmlns:p14="http://schemas.microsoft.com/office/powerpoint/2010/main" xmlns="" val="3102955475"/>
       </p:ext>
     </p:extLst>
   </p:cSld>
@@ -14724,7 +14727,7 @@
     </p:spTree>
     <p:extLst>
       <p:ext uri="{BB962C8B-B14F-4D97-AF65-F5344CB8AC3E}">
-        <p14:creationId xmlns="" xmlns:p14="http://schemas.microsoft.com/office/powerpoint/2010/main" val="915853242"/>
+        <p14:creationId xmlns:p14="http://schemas.microsoft.com/office/powerpoint/2010/main" xmlns="" val="915853242"/>
       </p:ext>
     </p:extLst>
   </p:cSld>
@@ -14833,7 +14836,7 @@
     </p:spTree>
     <p:extLst>
       <p:ext uri="{BB962C8B-B14F-4D97-AF65-F5344CB8AC3E}">
-        <p14:creationId xmlns="" xmlns:p14="http://schemas.microsoft.com/office/powerpoint/2010/main" val="237076739"/>
+        <p14:creationId xmlns:p14="http://schemas.microsoft.com/office/powerpoint/2010/main" xmlns="" val="237076739"/>
       </p:ext>
     </p:extLst>
   </p:cSld>
@@ -14930,7 +14933,7 @@
     </p:spTree>
     <p:extLst>
       <p:ext uri="{BB962C8B-B14F-4D97-AF65-F5344CB8AC3E}">
-        <p14:creationId xmlns="" xmlns:p14="http://schemas.microsoft.com/office/powerpoint/2010/main" val="1036230593"/>
+        <p14:creationId xmlns:p14="http://schemas.microsoft.com/office/powerpoint/2010/main" xmlns="" val="1036230593"/>
       </p:ext>
     </p:extLst>
   </p:cSld>
@@ -14938,7 +14941,7 @@
     <a:masterClrMapping/>
   </p:clrMapOvr>
   <mc:AlternateContent xmlns:mc="http://schemas.openxmlformats.org/markup-compatibility/2006">
-    <mc:Choice xmlns="" xmlns:p14="http://schemas.microsoft.com/office/powerpoint/2010/main" Requires="p14">
+    <mc:Choice xmlns:p14="http://schemas.microsoft.com/office/powerpoint/2010/main" xmlns="" Requires="p14">
       <p:transition p14:dur="10"/>
     </mc:Choice>
     <mc:Fallback>
@@ -15064,7 +15067,7 @@
     </p:spTree>
     <p:extLst>
       <p:ext uri="{BB962C8B-B14F-4D97-AF65-F5344CB8AC3E}">
-        <p14:creationId xmlns="" xmlns:p14="http://schemas.microsoft.com/office/powerpoint/2010/main" val="1170821138"/>
+        <p14:creationId xmlns:p14="http://schemas.microsoft.com/office/powerpoint/2010/main" xmlns="" val="1170821138"/>
       </p:ext>
     </p:extLst>
   </p:cSld>
@@ -15161,7 +15164,7 @@
           <a:blip r:embed="rId2">
             <a:extLst>
               <a:ext uri="{28A0092B-C50C-407E-A947-70E740481C1C}">
-                <a14:useLocalDpi xmlns="" xmlns:a14="http://schemas.microsoft.com/office/drawing/2010/main" val="0"/>
+                <a14:useLocalDpi xmlns:a14="http://schemas.microsoft.com/office/drawing/2010/main" xmlns="" val="0"/>
               </a:ext>
             </a:extLst>
           </a:blip>
@@ -15182,7 +15185,7 @@
     </p:spTree>
     <p:extLst>
       <p:ext uri="{BB962C8B-B14F-4D97-AF65-F5344CB8AC3E}">
-        <p14:creationId xmlns="" xmlns:p14="http://schemas.microsoft.com/office/powerpoint/2010/main" val="4193971689"/>
+        <p14:creationId xmlns:p14="http://schemas.microsoft.com/office/powerpoint/2010/main" xmlns="" val="4193971689"/>
       </p:ext>
     </p:extLst>
   </p:cSld>
@@ -15488,7 +15491,7 @@
           <a:blip r:embed="rId2">
             <a:extLst>
               <a:ext uri="{28A0092B-C50C-407E-A947-70E740481C1C}">
-                <a14:useLocalDpi xmlns="" xmlns:a14="http://schemas.microsoft.com/office/drawing/2010/main" val="0"/>
+                <a14:useLocalDpi xmlns:a14="http://schemas.microsoft.com/office/drawing/2010/main" xmlns="" val="0"/>
               </a:ext>
             </a:extLst>
           </a:blip>
@@ -15840,7 +15843,7 @@
     </p:spTree>
     <p:extLst>
       <p:ext uri="{BB962C8B-B14F-4D97-AF65-F5344CB8AC3E}">
-        <p14:creationId xmlns="" xmlns:p14="http://schemas.microsoft.com/office/powerpoint/2010/main" val="1769917714"/>
+        <p14:creationId xmlns:p14="http://schemas.microsoft.com/office/powerpoint/2010/main" xmlns="" val="1769917714"/>
       </p:ext>
     </p:extLst>
   </p:cSld>
@@ -15948,7 +15951,7 @@
     </p:spTree>
     <p:extLst>
       <p:ext uri="{BB962C8B-B14F-4D97-AF65-F5344CB8AC3E}">
-        <p14:creationId xmlns="" xmlns:p14="http://schemas.microsoft.com/office/powerpoint/2010/main" val="3500050594"/>
+        <p14:creationId xmlns:p14="http://schemas.microsoft.com/office/powerpoint/2010/main" xmlns="" val="3500050594"/>
       </p:ext>
     </p:extLst>
   </p:cSld>
@@ -15956,7 +15959,7 @@
     <a:masterClrMapping/>
   </p:clrMapOvr>
   <mc:AlternateContent xmlns:mc="http://schemas.openxmlformats.org/markup-compatibility/2006">
-    <mc:Choice xmlns="" xmlns:p14="http://schemas.microsoft.com/office/powerpoint/2010/main" Requires="p14">
+    <mc:Choice xmlns:p14="http://schemas.microsoft.com/office/powerpoint/2010/main" xmlns="" Requires="p14">
       <p:transition p14:dur="10"/>
     </mc:Choice>
     <mc:Fallback>
@@ -16055,7 +16058,7 @@
     </p:spTree>
     <p:extLst>
       <p:ext uri="{BB962C8B-B14F-4D97-AF65-F5344CB8AC3E}">
-        <p14:creationId xmlns="" xmlns:p14="http://schemas.microsoft.com/office/powerpoint/2010/main" val="921013771"/>
+        <p14:creationId xmlns:p14="http://schemas.microsoft.com/office/powerpoint/2010/main" xmlns="" val="921013771"/>
       </p:ext>
     </p:extLst>
   </p:cSld>
@@ -16168,7 +16171,7 @@
     </p:spTree>
     <p:extLst>
       <p:ext uri="{BB962C8B-B14F-4D97-AF65-F5344CB8AC3E}">
-        <p14:creationId xmlns="" xmlns:p14="http://schemas.microsoft.com/office/powerpoint/2010/main" val="1186189647"/>
+        <p14:creationId xmlns:p14="http://schemas.microsoft.com/office/powerpoint/2010/main" xmlns="" val="1186189647"/>
       </p:ext>
     </p:extLst>
   </p:cSld>
@@ -16287,7 +16290,7 @@
     </p:spTree>
     <p:extLst>
       <p:ext uri="{BB962C8B-B14F-4D97-AF65-F5344CB8AC3E}">
-        <p14:creationId xmlns="" xmlns:p14="http://schemas.microsoft.com/office/powerpoint/2010/main" val="3440801735"/>
+        <p14:creationId xmlns:p14="http://schemas.microsoft.com/office/powerpoint/2010/main" xmlns="" val="3440801735"/>
       </p:ext>
     </p:extLst>
   </p:cSld>
@@ -16674,7 +16677,7 @@
     </p:spTree>
     <p:extLst>
       <p:ext uri="{BB962C8B-B14F-4D97-AF65-F5344CB8AC3E}">
-        <p14:creationId xmlns="" xmlns:p14="http://schemas.microsoft.com/office/powerpoint/2010/main" val="2856753798"/>
+        <p14:creationId xmlns:p14="http://schemas.microsoft.com/office/powerpoint/2010/main" xmlns="" val="2856753798"/>
       </p:ext>
     </p:extLst>
   </p:cSld>
@@ -16798,7 +16801,7 @@
     </p:spTree>
     <p:extLst>
       <p:ext uri="{BB962C8B-B14F-4D97-AF65-F5344CB8AC3E}">
-        <p14:creationId xmlns="" xmlns:p14="http://schemas.microsoft.com/office/powerpoint/2010/main" val="589803983"/>
+        <p14:creationId xmlns:p14="http://schemas.microsoft.com/office/powerpoint/2010/main" xmlns="" val="589803983"/>
       </p:ext>
     </p:extLst>
   </p:cSld>
@@ -17292,7 +17295,7 @@
     </p:spTree>
     <p:extLst>
       <p:ext uri="{BB962C8B-B14F-4D97-AF65-F5344CB8AC3E}">
-        <p14:creationId xmlns="" xmlns:p14="http://schemas.microsoft.com/office/powerpoint/2010/main" val="973597047"/>
+        <p14:creationId xmlns:p14="http://schemas.microsoft.com/office/powerpoint/2010/main" xmlns="" val="973597047"/>
       </p:ext>
     </p:extLst>
   </p:cSld>
@@ -17300,7 +17303,7 @@
     <a:masterClrMapping/>
   </p:clrMapOvr>
   <mc:AlternateContent xmlns:mc="http://schemas.openxmlformats.org/markup-compatibility/2006">
-    <mc:Choice xmlns="" xmlns:p14="http://schemas.microsoft.com/office/powerpoint/2010/main" Requires="p14">
+    <mc:Choice xmlns:p14="http://schemas.microsoft.com/office/powerpoint/2010/main" xmlns="" Requires="p14">
       <p:transition p14:dur="10"/>
     </mc:Choice>
     <mc:Fallback>
@@ -17493,7 +17496,7 @@
     </p:spTree>
     <p:extLst>
       <p:ext uri="{BB962C8B-B14F-4D97-AF65-F5344CB8AC3E}">
-        <p14:creationId xmlns="" xmlns:p14="http://schemas.microsoft.com/office/powerpoint/2010/main" val="1150422618"/>
+        <p14:creationId xmlns:p14="http://schemas.microsoft.com/office/powerpoint/2010/main" xmlns="" val="1150422618"/>
       </p:ext>
     </p:extLst>
   </p:cSld>
@@ -17584,7 +17587,7 @@
     </p:spTree>
     <p:extLst>
       <p:ext uri="{BB962C8B-B14F-4D97-AF65-F5344CB8AC3E}">
-        <p14:creationId xmlns="" xmlns:p14="http://schemas.microsoft.com/office/powerpoint/2010/main" val="1905665193"/>
+        <p14:creationId xmlns:p14="http://schemas.microsoft.com/office/powerpoint/2010/main" xmlns="" val="1905665193"/>
       </p:ext>
     </p:extLst>
   </p:cSld>
@@ -17684,7 +17687,7 @@
     </p:spTree>
     <p:extLst>
       <p:ext uri="{BB962C8B-B14F-4D97-AF65-F5344CB8AC3E}">
-        <p14:creationId xmlns="" xmlns:p14="http://schemas.microsoft.com/office/powerpoint/2010/main" val="577611851"/>
+        <p14:creationId xmlns:p14="http://schemas.microsoft.com/office/powerpoint/2010/main" xmlns="" val="577611851"/>
       </p:ext>
     </p:extLst>
   </p:cSld>
@@ -17790,7 +17793,7 @@
     </p:spTree>
     <p:extLst>
       <p:ext uri="{BB962C8B-B14F-4D97-AF65-F5344CB8AC3E}">
-        <p14:creationId xmlns="" xmlns:p14="http://schemas.microsoft.com/office/powerpoint/2010/main" val="3441114870"/>
+        <p14:creationId xmlns:p14="http://schemas.microsoft.com/office/powerpoint/2010/main" xmlns="" val="3441114870"/>
       </p:ext>
     </p:extLst>
   </p:cSld>
@@ -17899,7 +17902,7 @@
     </p:spTree>
     <p:extLst>
       <p:ext uri="{BB962C8B-B14F-4D97-AF65-F5344CB8AC3E}">
-        <p14:creationId xmlns="" xmlns:p14="http://schemas.microsoft.com/office/powerpoint/2010/main" val="1277618501"/>
+        <p14:creationId xmlns:p14="http://schemas.microsoft.com/office/powerpoint/2010/main" xmlns="" val="1277618501"/>
       </p:ext>
     </p:extLst>
   </p:cSld>
@@ -18071,7 +18074,7 @@
     </p:spTree>
     <p:extLst>
       <p:ext uri="{BB962C8B-B14F-4D97-AF65-F5344CB8AC3E}">
-        <p14:creationId xmlns="" xmlns:p14="http://schemas.microsoft.com/office/powerpoint/2010/main" val="2034210974"/>
+        <p14:creationId xmlns:p14="http://schemas.microsoft.com/office/powerpoint/2010/main" xmlns="" val="2034210974"/>
       </p:ext>
     </p:extLst>
   </p:cSld>
@@ -18170,7 +18173,7 @@
     </p:spTree>
     <p:extLst>
       <p:ext uri="{BB962C8B-B14F-4D97-AF65-F5344CB8AC3E}">
-        <p14:creationId xmlns="" xmlns:p14="http://schemas.microsoft.com/office/powerpoint/2010/main" val="76378812"/>
+        <p14:creationId xmlns:p14="http://schemas.microsoft.com/office/powerpoint/2010/main" xmlns="" val="76378812"/>
       </p:ext>
     </p:extLst>
   </p:cSld>
@@ -18272,7 +18275,7 @@
     </p:spTree>
     <p:extLst>
       <p:ext uri="{BB962C8B-B14F-4D97-AF65-F5344CB8AC3E}">
-        <p14:creationId xmlns="" xmlns:p14="http://schemas.microsoft.com/office/powerpoint/2010/main" val="2890051408"/>
+        <p14:creationId xmlns:p14="http://schemas.microsoft.com/office/powerpoint/2010/main" xmlns="" val="2890051408"/>
       </p:ext>
     </p:extLst>
   </p:cSld>
@@ -18351,7 +18354,7 @@
     </p:spTree>
     <p:extLst>
       <p:ext uri="{BB962C8B-B14F-4D97-AF65-F5344CB8AC3E}">
-        <p14:creationId xmlns="" xmlns:p14="http://schemas.microsoft.com/office/powerpoint/2010/main" val="2177194635"/>
+        <p14:creationId xmlns:p14="http://schemas.microsoft.com/office/powerpoint/2010/main" xmlns="" val="2177194635"/>
       </p:ext>
     </p:extLst>
   </p:cSld>
@@ -18462,7 +18465,7 @@
     </p:spTree>
     <p:extLst>
       <p:ext uri="{BB962C8B-B14F-4D97-AF65-F5344CB8AC3E}">
-        <p14:creationId xmlns="" xmlns:p14="http://schemas.microsoft.com/office/powerpoint/2010/main" val="4021104652"/>
+        <p14:creationId xmlns:p14="http://schemas.microsoft.com/office/powerpoint/2010/main" xmlns="" val="4021104652"/>
       </p:ext>
     </p:extLst>
   </p:cSld>
@@ -18579,7 +18582,7 @@
     </p:spTree>
     <p:extLst>
       <p:ext uri="{BB962C8B-B14F-4D97-AF65-F5344CB8AC3E}">
-        <p14:creationId xmlns="" xmlns:p14="http://schemas.microsoft.com/office/powerpoint/2010/main" val="1165990124"/>
+        <p14:creationId xmlns:p14="http://schemas.microsoft.com/office/powerpoint/2010/main" xmlns="" val="1165990124"/>
       </p:ext>
     </p:extLst>
   </p:cSld>
@@ -18702,7 +18705,7 @@
     </p:spTree>
     <p:extLst>
       <p:ext uri="{BB962C8B-B14F-4D97-AF65-F5344CB8AC3E}">
-        <p14:creationId xmlns="" xmlns:p14="http://schemas.microsoft.com/office/powerpoint/2010/main" val="1379460417"/>
+        <p14:creationId xmlns:p14="http://schemas.microsoft.com/office/powerpoint/2010/main" xmlns="" val="1379460417"/>
       </p:ext>
     </p:extLst>
   </p:cSld>
@@ -18831,7 +18834,7 @@
     </p:spTree>
     <p:extLst>
       <p:ext uri="{BB962C8B-B14F-4D97-AF65-F5344CB8AC3E}">
-        <p14:creationId xmlns="" xmlns:p14="http://schemas.microsoft.com/office/powerpoint/2010/main" val="2885056626"/>
+        <p14:creationId xmlns:p14="http://schemas.microsoft.com/office/powerpoint/2010/main" xmlns="" val="2885056626"/>
       </p:ext>
     </p:extLst>
   </p:cSld>
@@ -18845,6 +18848,442 @@
       </p:par>
     </p:tnLst>
   </p:timing>
+</p:sld>
+</file>
+
+<file path=ppt/slides/slide64.xml><?xml version="1.0" encoding="utf-8"?>
+<p:sld xmlns:a="http://schemas.openxmlformats.org/drawingml/2006/main" xmlns:r="http://schemas.openxmlformats.org/officeDocument/2006/relationships" xmlns:p="http://schemas.openxmlformats.org/presentationml/2006/main">
+  <p:cSld>
+    <p:spTree>
+      <p:nvGrpSpPr>
+        <p:cNvPr id="1" name=""/>
+        <p:cNvGrpSpPr/>
+        <p:nvPr/>
+      </p:nvGrpSpPr>
+      <p:grpSpPr>
+        <a:xfrm>
+          <a:off x="0" y="0"/>
+          <a:ext cx="0" cy="0"/>
+          <a:chOff x="0" y="0"/>
+          <a:chExt cx="0" cy="0"/>
+        </a:xfrm>
+      </p:grpSpPr>
+      <p:sp>
+        <p:nvSpPr>
+          <p:cNvPr id="2" name="Title 1"/>
+          <p:cNvSpPr>
+            <a:spLocks noGrp="1"/>
+          </p:cNvSpPr>
+          <p:nvPr>
+            <p:ph type="title"/>
+          </p:nvPr>
+        </p:nvSpPr>
+        <p:spPr/>
+        <p:txBody>
+          <a:bodyPr/>
+          <a:lstStyle/>
+          <a:p>
+            <a:r>
+              <a:rPr lang="en-US" dirty="0" smtClean="0"/>
+              <a:t> </a:t>
+            </a:r>
+            <a:endParaRPr lang="en-US" dirty="0"/>
+          </a:p>
+        </p:txBody>
+      </p:sp>
+      <p:sp>
+        <p:nvSpPr>
+          <p:cNvPr id="3" name="Content Placeholder 2"/>
+          <p:cNvSpPr>
+            <a:spLocks noGrp="1"/>
+          </p:cNvSpPr>
+          <p:nvPr>
+            <p:ph idx="1"/>
+          </p:nvPr>
+        </p:nvSpPr>
+        <p:spPr/>
+        <p:txBody>
+          <a:bodyPr>
+            <a:normAutofit/>
+          </a:bodyPr>
+          <a:lstStyle/>
+          <a:p>
+            <a:r>
+              <a:rPr lang="en-US" dirty="0" smtClean="0"/>
+              <a:t> </a:t>
+            </a:r>
+            <a:endParaRPr lang="en-US" dirty="0"/>
+          </a:p>
+        </p:txBody>
+      </p:sp>
+      <p:pic>
+        <p:nvPicPr>
+          <p:cNvPr id="1026" name="Picture 2"/>
+          <p:cNvPicPr>
+            <a:picLocks noChangeAspect="1" noChangeArrowheads="1"/>
+          </p:cNvPicPr>
+          <p:nvPr/>
+        </p:nvPicPr>
+        <p:blipFill>
+          <a:blip r:embed="rId2"/>
+          <a:srcRect/>
+          <a:stretch>
+            <a:fillRect/>
+          </a:stretch>
+        </p:blipFill>
+        <p:spPr bwMode="auto">
+          <a:xfrm>
+            <a:off x="545740" y="362310"/>
+            <a:ext cx="10840828" cy="6192747"/>
+          </a:xfrm>
+          <a:prstGeom prst="rect">
+            <a:avLst/>
+          </a:prstGeom>
+          <a:noFill/>
+          <a:ln w="9525">
+            <a:noFill/>
+            <a:miter lim="800000"/>
+            <a:headEnd/>
+            <a:tailEnd/>
+          </a:ln>
+        </p:spPr>
+      </p:pic>
+    </p:spTree>
+    <p:extLst>
+      <p:ext uri="{BB962C8B-B14F-4D97-AF65-F5344CB8AC3E}">
+        <p14:creationId xmlns:p14="http://schemas.microsoft.com/office/powerpoint/2010/main" xmlns="" val="2885056626"/>
+      </p:ext>
+    </p:extLst>
+  </p:cSld>
+  <p:clrMapOvr>
+    <a:masterClrMapping/>
+  </p:clrMapOvr>
+  <p:timing>
+    <p:tnLst>
+      <p:par>
+        <p:cTn id="1" dur="indefinite" restart="never" nodeType="tmRoot"/>
+      </p:par>
+    </p:tnLst>
+  </p:timing>
+</p:sld>
+</file>
+
+<file path=ppt/slides/slide65.xml><?xml version="1.0" encoding="utf-8"?>
+<p:sld xmlns:a="http://schemas.openxmlformats.org/drawingml/2006/main" xmlns:r="http://schemas.openxmlformats.org/officeDocument/2006/relationships" xmlns:p="http://schemas.openxmlformats.org/presentationml/2006/main">
+  <p:cSld>
+    <p:spTree>
+      <p:nvGrpSpPr>
+        <p:cNvPr id="1" name=""/>
+        <p:cNvGrpSpPr/>
+        <p:nvPr/>
+      </p:nvGrpSpPr>
+      <p:grpSpPr>
+        <a:xfrm>
+          <a:off x="0" y="0"/>
+          <a:ext cx="0" cy="0"/>
+          <a:chOff x="0" y="0"/>
+          <a:chExt cx="0" cy="0"/>
+        </a:xfrm>
+      </p:grpSpPr>
+      <p:pic>
+        <p:nvPicPr>
+          <p:cNvPr id="2050" name="Picture 2"/>
+          <p:cNvPicPr>
+            <a:picLocks noGrp="1" noChangeAspect="1" noChangeArrowheads="1"/>
+          </p:cNvPicPr>
+          <p:nvPr>
+            <p:ph idx="1"/>
+          </p:nvPr>
+        </p:nvPicPr>
+        <p:blipFill>
+          <a:blip r:embed="rId2"/>
+          <a:srcRect/>
+          <a:stretch>
+            <a:fillRect/>
+          </a:stretch>
+        </p:blipFill>
+        <p:spPr bwMode="auto">
+          <a:xfrm>
+            <a:off x="478088" y="584588"/>
+            <a:ext cx="5170515" cy="4496369"/>
+          </a:xfrm>
+          <a:prstGeom prst="rect">
+            <a:avLst/>
+          </a:prstGeom>
+          <a:noFill/>
+          <a:ln w="9525">
+            <a:noFill/>
+            <a:miter lim="800000"/>
+            <a:headEnd/>
+            <a:tailEnd/>
+          </a:ln>
+        </p:spPr>
+      </p:pic>
+      <p:pic>
+        <p:nvPicPr>
+          <p:cNvPr id="2051" name="Picture 3"/>
+          <p:cNvPicPr>
+            <a:picLocks noChangeAspect="1" noChangeArrowheads="1"/>
+          </p:cNvPicPr>
+          <p:nvPr/>
+        </p:nvPicPr>
+        <p:blipFill>
+          <a:blip r:embed="rId3"/>
+          <a:srcRect/>
+          <a:stretch>
+            <a:fillRect/>
+          </a:stretch>
+        </p:blipFill>
+        <p:spPr bwMode="auto">
+          <a:xfrm>
+            <a:off x="5920357" y="522498"/>
+            <a:ext cx="5613400" cy="4864100"/>
+          </a:xfrm>
+          <a:prstGeom prst="rect">
+            <a:avLst/>
+          </a:prstGeom>
+          <a:noFill/>
+          <a:ln w="9525">
+            <a:noFill/>
+            <a:miter lim="800000"/>
+            <a:headEnd/>
+            <a:tailEnd/>
+          </a:ln>
+        </p:spPr>
+      </p:pic>
+    </p:spTree>
+  </p:cSld>
+  <p:clrMapOvr>
+    <a:masterClrMapping/>
+  </p:clrMapOvr>
+</p:sld>
+</file>
+
+<file path=ppt/slides/slide66.xml><?xml version="1.0" encoding="utf-8"?>
+<p:sld xmlns:a="http://schemas.openxmlformats.org/drawingml/2006/main" xmlns:r="http://schemas.openxmlformats.org/officeDocument/2006/relationships" xmlns:p="http://schemas.openxmlformats.org/presentationml/2006/main">
+  <p:cSld>
+    <p:spTree>
+      <p:nvGrpSpPr>
+        <p:cNvPr id="1" name=""/>
+        <p:cNvGrpSpPr/>
+        <p:nvPr/>
+      </p:nvGrpSpPr>
+      <p:grpSpPr>
+        <a:xfrm>
+          <a:off x="0" y="0"/>
+          <a:ext cx="0" cy="0"/>
+          <a:chOff x="0" y="0"/>
+          <a:chExt cx="0" cy="0"/>
+        </a:xfrm>
+      </p:grpSpPr>
+      <p:pic>
+        <p:nvPicPr>
+          <p:cNvPr id="3074" name="Picture 2"/>
+          <p:cNvPicPr>
+            <a:picLocks noChangeAspect="1" noChangeArrowheads="1"/>
+          </p:cNvPicPr>
+          <p:nvPr/>
+        </p:nvPicPr>
+        <p:blipFill>
+          <a:blip r:embed="rId2"/>
+          <a:srcRect/>
+          <a:stretch>
+            <a:fillRect/>
+          </a:stretch>
+        </p:blipFill>
+        <p:spPr bwMode="auto">
+          <a:xfrm>
+            <a:off x="247650" y="286721"/>
+            <a:ext cx="11480835" cy="5537029"/>
+          </a:xfrm>
+          <a:prstGeom prst="rect">
+            <a:avLst/>
+          </a:prstGeom>
+          <a:noFill/>
+          <a:ln w="9525">
+            <a:noFill/>
+            <a:miter lim="800000"/>
+            <a:headEnd/>
+            <a:tailEnd/>
+          </a:ln>
+        </p:spPr>
+      </p:pic>
+    </p:spTree>
+  </p:cSld>
+  <p:clrMapOvr>
+    <a:masterClrMapping/>
+  </p:clrMapOvr>
+</p:sld>
+</file>
+
+<file path=ppt/slides/slide67.xml><?xml version="1.0" encoding="utf-8"?>
+<p:sld xmlns:a="http://schemas.openxmlformats.org/drawingml/2006/main" xmlns:r="http://schemas.openxmlformats.org/officeDocument/2006/relationships" xmlns:p="http://schemas.openxmlformats.org/presentationml/2006/main">
+  <p:cSld>
+    <p:spTree>
+      <p:nvGrpSpPr>
+        <p:cNvPr id="1" name=""/>
+        <p:cNvGrpSpPr/>
+        <p:nvPr/>
+      </p:nvGrpSpPr>
+      <p:grpSpPr>
+        <a:xfrm>
+          <a:off x="0" y="0"/>
+          <a:ext cx="0" cy="0"/>
+          <a:chOff x="0" y="0"/>
+          <a:chExt cx="0" cy="0"/>
+        </a:xfrm>
+      </p:grpSpPr>
+      <p:pic>
+        <p:nvPicPr>
+          <p:cNvPr id="5122" name="Picture 2"/>
+          <p:cNvPicPr>
+            <a:picLocks noChangeAspect="1" noChangeArrowheads="1"/>
+          </p:cNvPicPr>
+          <p:nvPr/>
+        </p:nvPicPr>
+        <p:blipFill>
+          <a:blip r:embed="rId2"/>
+          <a:srcRect/>
+          <a:stretch>
+            <a:fillRect/>
+          </a:stretch>
+        </p:blipFill>
+        <p:spPr bwMode="auto">
+          <a:xfrm>
+            <a:off x="193854" y="348890"/>
+            <a:ext cx="11779610" cy="5284159"/>
+          </a:xfrm>
+          <a:prstGeom prst="rect">
+            <a:avLst/>
+          </a:prstGeom>
+          <a:noFill/>
+          <a:ln w="9525">
+            <a:noFill/>
+            <a:miter lim="800000"/>
+            <a:headEnd/>
+            <a:tailEnd/>
+          </a:ln>
+        </p:spPr>
+      </p:pic>
+    </p:spTree>
+  </p:cSld>
+  <p:clrMapOvr>
+    <a:masterClrMapping/>
+  </p:clrMapOvr>
+</p:sld>
+</file>
+
+<file path=ppt/slides/slide68.xml><?xml version="1.0" encoding="utf-8"?>
+<p:sld xmlns:a="http://schemas.openxmlformats.org/drawingml/2006/main" xmlns:r="http://schemas.openxmlformats.org/officeDocument/2006/relationships" xmlns:p="http://schemas.openxmlformats.org/presentationml/2006/main">
+  <p:cSld>
+    <p:spTree>
+      <p:nvGrpSpPr>
+        <p:cNvPr id="1" name=""/>
+        <p:cNvGrpSpPr/>
+        <p:nvPr/>
+      </p:nvGrpSpPr>
+      <p:grpSpPr>
+        <a:xfrm>
+          <a:off x="0" y="0"/>
+          <a:ext cx="0" cy="0"/>
+          <a:chOff x="0" y="0"/>
+          <a:chExt cx="0" cy="0"/>
+        </a:xfrm>
+      </p:grpSpPr>
+      <p:pic>
+        <p:nvPicPr>
+          <p:cNvPr id="4098" name="Picture 2"/>
+          <p:cNvPicPr>
+            <a:picLocks noChangeAspect="1" noChangeArrowheads="1"/>
+          </p:cNvPicPr>
+          <p:nvPr/>
+        </p:nvPicPr>
+        <p:blipFill>
+          <a:blip r:embed="rId2"/>
+          <a:srcRect/>
+          <a:stretch>
+            <a:fillRect/>
+          </a:stretch>
+        </p:blipFill>
+        <p:spPr bwMode="auto">
+          <a:xfrm>
+            <a:off x="206375" y="571500"/>
+            <a:ext cx="11779250" cy="5715000"/>
+          </a:xfrm>
+          <a:prstGeom prst="rect">
+            <a:avLst/>
+          </a:prstGeom>
+          <a:noFill/>
+          <a:ln w="9525">
+            <a:noFill/>
+            <a:miter lim="800000"/>
+            <a:headEnd/>
+            <a:tailEnd/>
+          </a:ln>
+        </p:spPr>
+      </p:pic>
+    </p:spTree>
+  </p:cSld>
+  <p:clrMapOvr>
+    <a:masterClrMapping/>
+  </p:clrMapOvr>
+</p:sld>
+</file>
+
+<file path=ppt/slides/slide69.xml><?xml version="1.0" encoding="utf-8"?>
+<p:sld xmlns:a="http://schemas.openxmlformats.org/drawingml/2006/main" xmlns:r="http://schemas.openxmlformats.org/officeDocument/2006/relationships" xmlns:p="http://schemas.openxmlformats.org/presentationml/2006/main">
+  <p:cSld>
+    <p:spTree>
+      <p:nvGrpSpPr>
+        <p:cNvPr id="1" name=""/>
+        <p:cNvGrpSpPr/>
+        <p:nvPr/>
+      </p:nvGrpSpPr>
+      <p:grpSpPr>
+        <a:xfrm>
+          <a:off x="0" y="0"/>
+          <a:ext cx="0" cy="0"/>
+          <a:chOff x="0" y="0"/>
+          <a:chExt cx="0" cy="0"/>
+        </a:xfrm>
+      </p:grpSpPr>
+      <p:pic>
+        <p:nvPicPr>
+          <p:cNvPr id="6146" name="Picture 2"/>
+          <p:cNvPicPr>
+            <a:picLocks noChangeAspect="1" noChangeArrowheads="1"/>
+          </p:cNvPicPr>
+          <p:nvPr/>
+        </p:nvPicPr>
+        <p:blipFill>
+          <a:blip r:embed="rId2"/>
+          <a:srcRect/>
+          <a:stretch>
+            <a:fillRect/>
+          </a:stretch>
+        </p:blipFill>
+        <p:spPr bwMode="auto">
+          <a:xfrm>
+            <a:off x="215001" y="250885"/>
+            <a:ext cx="11779250" cy="5562600"/>
+          </a:xfrm>
+          <a:prstGeom prst="rect">
+            <a:avLst/>
+          </a:prstGeom>
+          <a:noFill/>
+          <a:ln w="9525">
+            <a:noFill/>
+            <a:miter lim="800000"/>
+            <a:headEnd/>
+            <a:tailEnd/>
+          </a:ln>
+        </p:spPr>
+      </p:pic>
+    </p:spTree>
+  </p:cSld>
+  <p:clrMapOvr>
+    <a:masterClrMapping/>
+  </p:clrMapOvr>
 </p:sld>
 </file>
 
@@ -18902,7 +19341,7 @@
           <a:blip r:embed="rId2">
             <a:extLst>
               <a:ext uri="{28A0092B-C50C-407E-A947-70E740481C1C}">
-                <a14:useLocalDpi xmlns="" xmlns:a14="http://schemas.microsoft.com/office/drawing/2010/main" val="0"/>
+                <a14:useLocalDpi xmlns:a14="http://schemas.microsoft.com/office/drawing/2010/main" xmlns="" val="0"/>
               </a:ext>
             </a:extLst>
           </a:blip>
@@ -18920,7 +19359,7 @@
     </p:spTree>
     <p:extLst>
       <p:ext uri="{BB962C8B-B14F-4D97-AF65-F5344CB8AC3E}">
-        <p14:creationId xmlns="" xmlns:p14="http://schemas.microsoft.com/office/powerpoint/2010/main" val="3082745468"/>
+        <p14:creationId xmlns:p14="http://schemas.microsoft.com/office/powerpoint/2010/main" xmlns="" val="3082745468"/>
       </p:ext>
     </p:extLst>
   </p:cSld>
@@ -18934,6 +19373,63 @@
       </p:par>
     </p:tnLst>
   </p:timing>
+</p:sld>
+</file>
+
+<file path=ppt/slides/slide70.xml><?xml version="1.0" encoding="utf-8"?>
+<p:sld xmlns:a="http://schemas.openxmlformats.org/drawingml/2006/main" xmlns:r="http://schemas.openxmlformats.org/officeDocument/2006/relationships" xmlns:p="http://schemas.openxmlformats.org/presentationml/2006/main">
+  <p:cSld>
+    <p:spTree>
+      <p:nvGrpSpPr>
+        <p:cNvPr id="1" name=""/>
+        <p:cNvGrpSpPr/>
+        <p:nvPr/>
+      </p:nvGrpSpPr>
+      <p:grpSpPr>
+        <a:xfrm>
+          <a:off x="0" y="0"/>
+          <a:ext cx="0" cy="0"/>
+          <a:chOff x="0" y="0"/>
+          <a:chExt cx="0" cy="0"/>
+        </a:xfrm>
+      </p:grpSpPr>
+      <p:pic>
+        <p:nvPicPr>
+          <p:cNvPr id="7171" name="Picture 3"/>
+          <p:cNvPicPr>
+            <a:picLocks noChangeAspect="1" noChangeArrowheads="1"/>
+          </p:cNvPicPr>
+          <p:nvPr/>
+        </p:nvPicPr>
+        <p:blipFill>
+          <a:blip r:embed="rId2"/>
+          <a:srcRect/>
+          <a:stretch>
+            <a:fillRect/>
+          </a:stretch>
+        </p:blipFill>
+        <p:spPr bwMode="auto">
+          <a:xfrm>
+            <a:off x="215001" y="360872"/>
+            <a:ext cx="11779250" cy="5791200"/>
+          </a:xfrm>
+          <a:prstGeom prst="rect">
+            <a:avLst/>
+          </a:prstGeom>
+          <a:noFill/>
+          <a:ln w="9525">
+            <a:noFill/>
+            <a:miter lim="800000"/>
+            <a:headEnd/>
+            <a:tailEnd/>
+          </a:ln>
+        </p:spPr>
+      </p:pic>
+    </p:spTree>
+  </p:cSld>
+  <p:clrMapOvr>
+    <a:masterClrMapping/>
+  </p:clrMapOvr>
 </p:sld>
 </file>
 
@@ -19008,7 +19504,7 @@
     </p:spTree>
     <p:extLst>
       <p:ext uri="{BB962C8B-B14F-4D97-AF65-F5344CB8AC3E}">
-        <p14:creationId xmlns="" xmlns:p14="http://schemas.microsoft.com/office/powerpoint/2010/main" val="1413761337"/>
+        <p14:creationId xmlns:p14="http://schemas.microsoft.com/office/powerpoint/2010/main" xmlns="" val="1413761337"/>
       </p:ext>
     </p:extLst>
   </p:cSld>
@@ -19106,7 +19602,7 @@
     </p:spTree>
     <p:extLst>
       <p:ext uri="{BB962C8B-B14F-4D97-AF65-F5344CB8AC3E}">
-        <p14:creationId xmlns="" xmlns:p14="http://schemas.microsoft.com/office/powerpoint/2010/main" val="1722998285"/>
+        <p14:creationId xmlns:p14="http://schemas.microsoft.com/office/powerpoint/2010/main" xmlns="" val="1722998285"/>
       </p:ext>
     </p:extLst>
   </p:cSld>
@@ -19368,7 +19864,7 @@
   <a:extraClrSchemeLst/>
   <a:extLst>
     <a:ext uri="{05A4C25C-085E-4340-85A3-A5531E510DB2}">
-      <thm15:themeFamily xmlns="" xmlns:thm15="http://schemas.microsoft.com/office/thememl/2012/main" name="Circuit" id="{0AC2F7E7-15F5-431C-B2A2-456FE929F56C}" vid="{0911B802-464C-4241-8DD9-B60FF88E379F}"/>
+      <thm15:themeFamily xmlns:thm15="http://schemas.microsoft.com/office/thememl/2012/main" xmlns="" name="Circuit" id="{0AC2F7E7-15F5-431C-B2A2-456FE929F56C}" vid="{0911B802-464C-4241-8DD9-B60FF88E379F}"/>
     </a:ext>
   </a:extLst>
 </a:theme>

--- a/PowerPointSlids.pptx
+++ b/PowerPointSlids.pptx
@@ -175,7 +175,7 @@
   </p:defaultTextStyle>
   <p:extLst>
     <p:ext uri="{EFAFB233-063F-42B5-8137-9DF3F51BA10A}">
-      <p15:sldGuideLst xmlns:p15="http://schemas.microsoft.com/office/powerpoint/2012/main" xmlns="">
+      <p15:sldGuideLst xmlns="" xmlns:p15="http://schemas.microsoft.com/office/powerpoint/2012/main">
         <p15:guide id="1" orient="horz" pos="2160">
           <p15:clr>
             <a:srgbClr val="A4A3A4"/>
@@ -222,7 +222,7 @@
             <a:alphaModFix amt="30000"/>
             <a:extLst>
               <a:ext uri="{28A0092B-C50C-407E-A947-70E740481C1C}">
-                <a14:useLocalDpi xmlns:a14="http://schemas.microsoft.com/office/drawing/2010/main" xmlns="" val="0"/>
+                <a14:useLocalDpi xmlns="" xmlns:a14="http://schemas.microsoft.com/office/drawing/2010/main" val="0"/>
               </a:ext>
             </a:extLst>
           </a:blip>
@@ -242,7 +242,7 @@
           <a:noFill/>
           <a:extLst>
             <a:ext uri="{909E8E84-426E-40dd-AFC4-6F175D3DCCD1}">
-              <a14:hiddenFill xmlns="" xmlns:a14="http://schemas.microsoft.com/office/drawing/2010/main">
+              <a14:hiddenFill xmlns:a14="http://schemas.microsoft.com/office/drawing/2010/main" xmlns="">
                 <a:solidFill>
                   <a:srgbClr val="FFFFFF"/>
                 </a:solidFill>
@@ -302,7 +302,7 @@
             </a:ln>
             <a:extLst>
               <a:ext uri="{91240B29-F687-4f45-9708-019B960494DF}">
-                <a14:hiddenLine xmlns="" xmlns:a14="http://schemas.microsoft.com/office/drawing/2010/main" w="9525">
+                <a14:hiddenLine xmlns:a14="http://schemas.microsoft.com/office/drawing/2010/main" xmlns="" w="9525">
                   <a:solidFill>
                     <a:srgbClr val="000000"/>
                   </a:solidFill>
@@ -392,7 +392,7 @@
             </a:ln>
             <a:extLst>
               <a:ext uri="{91240B29-F687-4f45-9708-019B960494DF}">
-                <a14:hiddenLine xmlns="" xmlns:a14="http://schemas.microsoft.com/office/drawing/2010/main" w="9525">
+                <a14:hiddenLine xmlns:a14="http://schemas.microsoft.com/office/drawing/2010/main" xmlns="" w="9525">
                   <a:solidFill>
                     <a:srgbClr val="000000"/>
                   </a:solidFill>
@@ -482,7 +482,7 @@
             </a:ln>
             <a:extLst>
               <a:ext uri="{91240B29-F687-4f45-9708-019B960494DF}">
-                <a14:hiddenLine xmlns="" xmlns:a14="http://schemas.microsoft.com/office/drawing/2010/main" w="9525">
+                <a14:hiddenLine xmlns:a14="http://schemas.microsoft.com/office/drawing/2010/main" xmlns="" w="9525">
                   <a:solidFill>
                     <a:srgbClr val="000000"/>
                   </a:solidFill>
@@ -516,7 +516,7 @@
             </a:ln>
             <a:extLst>
               <a:ext uri="{91240B29-F687-4f45-9708-019B960494DF}">
-                <a14:hiddenLine xmlns="" xmlns:a14="http://schemas.microsoft.com/office/drawing/2010/main" w="9525">
+                <a14:hiddenLine xmlns:a14="http://schemas.microsoft.com/office/drawing/2010/main" xmlns="" w="9525">
                   <a:solidFill>
                     <a:srgbClr val="000000"/>
                   </a:solidFill>
@@ -606,7 +606,7 @@
             </a:ln>
             <a:extLst>
               <a:ext uri="{91240B29-F687-4f45-9708-019B960494DF}">
-                <a14:hiddenLine xmlns="" xmlns:a14="http://schemas.microsoft.com/office/drawing/2010/main" w="9525">
+                <a14:hiddenLine xmlns:a14="http://schemas.microsoft.com/office/drawing/2010/main" xmlns="" w="9525">
                   <a:solidFill>
                     <a:srgbClr val="000000"/>
                   </a:solidFill>
@@ -668,7 +668,7 @@
             </a:ln>
             <a:extLst>
               <a:ext uri="{91240B29-F687-4f45-9708-019B960494DF}">
-                <a14:hiddenLine xmlns="" xmlns:a14="http://schemas.microsoft.com/office/drawing/2010/main" w="9525">
+                <a14:hiddenLine xmlns:a14="http://schemas.microsoft.com/office/drawing/2010/main" xmlns="" w="9525">
                   <a:solidFill>
                     <a:srgbClr val="000000"/>
                   </a:solidFill>
@@ -730,7 +730,7 @@
             </a:ln>
             <a:extLst>
               <a:ext uri="{91240B29-F687-4f45-9708-019B960494DF}">
-                <a14:hiddenLine xmlns="" xmlns:a14="http://schemas.microsoft.com/office/drawing/2010/main" w="9525">
+                <a14:hiddenLine xmlns:a14="http://schemas.microsoft.com/office/drawing/2010/main" xmlns="" w="9525">
                   <a:solidFill>
                     <a:srgbClr val="000000"/>
                   </a:solidFill>
@@ -820,7 +820,7 @@
             </a:ln>
             <a:extLst>
               <a:ext uri="{91240B29-F687-4f45-9708-019B960494DF}">
-                <a14:hiddenLine xmlns="" xmlns:a14="http://schemas.microsoft.com/office/drawing/2010/main" w="9525">
+                <a14:hiddenLine xmlns:a14="http://schemas.microsoft.com/office/drawing/2010/main" xmlns="" w="9525">
                   <a:solidFill>
                     <a:srgbClr val="000000"/>
                   </a:solidFill>
@@ -882,7 +882,7 @@
             </a:ln>
             <a:extLst>
               <a:ext uri="{91240B29-F687-4f45-9708-019B960494DF}">
-                <a14:hiddenLine xmlns="" xmlns:a14="http://schemas.microsoft.com/office/drawing/2010/main" w="9525">
+                <a14:hiddenLine xmlns:a14="http://schemas.microsoft.com/office/drawing/2010/main" xmlns="" w="9525">
                   <a:solidFill>
                     <a:srgbClr val="000000"/>
                   </a:solidFill>
@@ -944,7 +944,7 @@
             </a:ln>
             <a:extLst>
               <a:ext uri="{91240B29-F687-4f45-9708-019B960494DF}">
-                <a14:hiddenLine xmlns="" xmlns:a14="http://schemas.microsoft.com/office/drawing/2010/main" w="9525">
+                <a14:hiddenLine xmlns:a14="http://schemas.microsoft.com/office/drawing/2010/main" xmlns="" w="9525">
                   <a:solidFill>
                     <a:srgbClr val="000000"/>
                   </a:solidFill>
@@ -1034,7 +1034,7 @@
             </a:ln>
             <a:extLst>
               <a:ext uri="{91240B29-F687-4f45-9708-019B960494DF}">
-                <a14:hiddenLine xmlns="" xmlns:a14="http://schemas.microsoft.com/office/drawing/2010/main" w="9525">
+                <a14:hiddenLine xmlns:a14="http://schemas.microsoft.com/office/drawing/2010/main" xmlns="" w="9525">
                   <a:solidFill>
                     <a:srgbClr val="000000"/>
                   </a:solidFill>
@@ -1124,7 +1124,7 @@
             </a:ln>
             <a:extLst>
               <a:ext uri="{91240B29-F687-4f45-9708-019B960494DF}">
-                <a14:hiddenLine xmlns="" xmlns:a14="http://schemas.microsoft.com/office/drawing/2010/main" w="9525">
+                <a14:hiddenLine xmlns:a14="http://schemas.microsoft.com/office/drawing/2010/main" xmlns="" w="9525">
                   <a:solidFill>
                     <a:srgbClr val="000000"/>
                   </a:solidFill>
@@ -1186,7 +1186,7 @@
             </a:ln>
             <a:extLst>
               <a:ext uri="{91240B29-F687-4f45-9708-019B960494DF}">
-                <a14:hiddenLine xmlns="" xmlns:a14="http://schemas.microsoft.com/office/drawing/2010/main" w="9525">
+                <a14:hiddenLine xmlns:a14="http://schemas.microsoft.com/office/drawing/2010/main" xmlns="" w="9525">
                   <a:solidFill>
                     <a:srgbClr val="000000"/>
                   </a:solidFill>
@@ -1296,7 +1296,7 @@
             </a:ln>
             <a:extLst>
               <a:ext uri="{91240B29-F687-4f45-9708-019B960494DF}">
-                <a14:hiddenLine xmlns="" xmlns:a14="http://schemas.microsoft.com/office/drawing/2010/main" w="9525">
+                <a14:hiddenLine xmlns:a14="http://schemas.microsoft.com/office/drawing/2010/main" xmlns="" w="9525">
                   <a:solidFill>
                     <a:srgbClr val="000000"/>
                   </a:solidFill>
@@ -1358,7 +1358,7 @@
             </a:ln>
             <a:extLst>
               <a:ext uri="{91240B29-F687-4f45-9708-019B960494DF}">
-                <a14:hiddenLine xmlns="" xmlns:a14="http://schemas.microsoft.com/office/drawing/2010/main" w="9525">
+                <a14:hiddenLine xmlns:a14="http://schemas.microsoft.com/office/drawing/2010/main" xmlns="" w="9525">
                   <a:solidFill>
                     <a:srgbClr val="000000"/>
                   </a:solidFill>
@@ -1448,7 +1448,7 @@
             </a:ln>
             <a:extLst>
               <a:ext uri="{91240B29-F687-4f45-9708-019B960494DF}">
-                <a14:hiddenLine xmlns="" xmlns:a14="http://schemas.microsoft.com/office/drawing/2010/main" w="9525">
+                <a14:hiddenLine xmlns:a14="http://schemas.microsoft.com/office/drawing/2010/main" xmlns="" w="9525">
                   <a:solidFill>
                     <a:srgbClr val="000000"/>
                   </a:solidFill>
@@ -1538,7 +1538,7 @@
             </a:ln>
             <a:extLst>
               <a:ext uri="{91240B29-F687-4f45-9708-019B960494DF}">
-                <a14:hiddenLine xmlns="" xmlns:a14="http://schemas.microsoft.com/office/drawing/2010/main" w="9525">
+                <a14:hiddenLine xmlns:a14="http://schemas.microsoft.com/office/drawing/2010/main" xmlns="" w="9525">
                   <a:solidFill>
                     <a:srgbClr val="000000"/>
                   </a:solidFill>
@@ -1600,7 +1600,7 @@
             </a:ln>
             <a:extLst>
               <a:ext uri="{91240B29-F687-4f45-9708-019B960494DF}">
-                <a14:hiddenLine xmlns="" xmlns:a14="http://schemas.microsoft.com/office/drawing/2010/main" w="9525">
+                <a14:hiddenLine xmlns:a14="http://schemas.microsoft.com/office/drawing/2010/main" xmlns="" w="9525">
                   <a:solidFill>
                     <a:srgbClr val="000000"/>
                   </a:solidFill>
@@ -1690,7 +1690,7 @@
             </a:ln>
             <a:extLst>
               <a:ext uri="{91240B29-F687-4f45-9708-019B960494DF}">
-                <a14:hiddenLine xmlns="" xmlns:a14="http://schemas.microsoft.com/office/drawing/2010/main" w="9525">
+                <a14:hiddenLine xmlns:a14="http://schemas.microsoft.com/office/drawing/2010/main" xmlns="" w="9525">
                   <a:solidFill>
                     <a:srgbClr val="000000"/>
                   </a:solidFill>
@@ -1780,7 +1780,7 @@
             </a:ln>
             <a:extLst>
               <a:ext uri="{91240B29-F687-4f45-9708-019B960494DF}">
-                <a14:hiddenLine xmlns="" xmlns:a14="http://schemas.microsoft.com/office/drawing/2010/main" w="9525">
+                <a14:hiddenLine xmlns:a14="http://schemas.microsoft.com/office/drawing/2010/main" xmlns="" w="9525">
                   <a:solidFill>
                     <a:srgbClr val="000000"/>
                   </a:solidFill>
@@ -1836,7 +1836,7 @@
             </a:ln>
             <a:extLst>
               <a:ext uri="{91240B29-F687-4f45-9708-019B960494DF}">
-                <a14:hiddenLine xmlns="" xmlns:a14="http://schemas.microsoft.com/office/drawing/2010/main" w="9525">
+                <a14:hiddenLine xmlns:a14="http://schemas.microsoft.com/office/drawing/2010/main" xmlns="" w="9525">
                   <a:solidFill>
                     <a:srgbClr val="000000"/>
                   </a:solidFill>
@@ -1926,7 +1926,7 @@
             </a:ln>
             <a:extLst>
               <a:ext uri="{91240B29-F687-4f45-9708-019B960494DF}">
-                <a14:hiddenLine xmlns="" xmlns:a14="http://schemas.microsoft.com/office/drawing/2010/main" w="9525">
+                <a14:hiddenLine xmlns:a14="http://schemas.microsoft.com/office/drawing/2010/main" xmlns="" w="9525">
                   <a:solidFill>
                     <a:srgbClr val="000000"/>
                   </a:solidFill>
@@ -1982,7 +1982,7 @@
             </a:ln>
             <a:extLst>
               <a:ext uri="{91240B29-F687-4f45-9708-019B960494DF}">
-                <a14:hiddenLine xmlns="" xmlns:a14="http://schemas.microsoft.com/office/drawing/2010/main" w="9525">
+                <a14:hiddenLine xmlns:a14="http://schemas.microsoft.com/office/drawing/2010/main" xmlns="" w="9525">
                   <a:solidFill>
                     <a:srgbClr val="000000"/>
                   </a:solidFill>
@@ -2072,7 +2072,7 @@
             </a:ln>
             <a:extLst>
               <a:ext uri="{91240B29-F687-4f45-9708-019B960494DF}">
-                <a14:hiddenLine xmlns="" xmlns:a14="http://schemas.microsoft.com/office/drawing/2010/main" w="9525">
+                <a14:hiddenLine xmlns:a14="http://schemas.microsoft.com/office/drawing/2010/main" xmlns="" w="9525">
                   <a:solidFill>
                     <a:srgbClr val="000000"/>
                   </a:solidFill>
@@ -2140,7 +2140,7 @@
             </a:ln>
             <a:extLst>
               <a:ext uri="{91240B29-F687-4f45-9708-019B960494DF}">
-                <a14:hiddenLine xmlns="" xmlns:a14="http://schemas.microsoft.com/office/drawing/2010/main" w="9525">
+                <a14:hiddenLine xmlns:a14="http://schemas.microsoft.com/office/drawing/2010/main" xmlns="" w="9525">
                   <a:solidFill>
                     <a:srgbClr val="000000"/>
                   </a:solidFill>
@@ -2230,7 +2230,7 @@
             </a:ln>
             <a:extLst>
               <a:ext uri="{91240B29-F687-4f45-9708-019B960494DF}">
-                <a14:hiddenLine xmlns="" xmlns:a14="http://schemas.microsoft.com/office/drawing/2010/main" w="9525">
+                <a14:hiddenLine xmlns:a14="http://schemas.microsoft.com/office/drawing/2010/main" xmlns="" w="9525">
                   <a:solidFill>
                     <a:srgbClr val="000000"/>
                   </a:solidFill>
@@ -2298,7 +2298,7 @@
             </a:ln>
             <a:extLst>
               <a:ext uri="{91240B29-F687-4f45-9708-019B960494DF}">
-                <a14:hiddenLine xmlns="" xmlns:a14="http://schemas.microsoft.com/office/drawing/2010/main" w="9525">
+                <a14:hiddenLine xmlns:a14="http://schemas.microsoft.com/office/drawing/2010/main" xmlns="" w="9525">
                   <a:solidFill>
                     <a:srgbClr val="000000"/>
                   </a:solidFill>
@@ -2388,7 +2388,7 @@
             </a:ln>
             <a:extLst>
               <a:ext uri="{91240B29-F687-4f45-9708-019B960494DF}">
-                <a14:hiddenLine xmlns="" xmlns:a14="http://schemas.microsoft.com/office/drawing/2010/main" w="9525">
+                <a14:hiddenLine xmlns:a14="http://schemas.microsoft.com/office/drawing/2010/main" xmlns="" w="9525">
                   <a:solidFill>
                     <a:srgbClr val="000000"/>
                   </a:solidFill>
@@ -2422,7 +2422,7 @@
             </a:ln>
             <a:extLst>
               <a:ext uri="{91240B29-F687-4f45-9708-019B960494DF}">
-                <a14:hiddenLine xmlns="" xmlns:a14="http://schemas.microsoft.com/office/drawing/2010/main" w="9525">
+                <a14:hiddenLine xmlns:a14="http://schemas.microsoft.com/office/drawing/2010/main" xmlns="" w="9525">
                   <a:solidFill>
                     <a:srgbClr val="000000"/>
                   </a:solidFill>
@@ -2512,7 +2512,7 @@
             </a:ln>
             <a:extLst>
               <a:ext uri="{91240B29-F687-4f45-9708-019B960494DF}">
-                <a14:hiddenLine xmlns="" xmlns:a14="http://schemas.microsoft.com/office/drawing/2010/main" w="9525">
+                <a14:hiddenLine xmlns:a14="http://schemas.microsoft.com/office/drawing/2010/main" xmlns="" w="9525">
                   <a:solidFill>
                     <a:srgbClr val="000000"/>
                   </a:solidFill>
@@ -2574,7 +2574,7 @@
             </a:ln>
             <a:extLst>
               <a:ext uri="{91240B29-F687-4f45-9708-019B960494DF}">
-                <a14:hiddenLine xmlns="" xmlns:a14="http://schemas.microsoft.com/office/drawing/2010/main" w="9525">
+                <a14:hiddenLine xmlns:a14="http://schemas.microsoft.com/office/drawing/2010/main" xmlns="" w="9525">
                   <a:solidFill>
                     <a:srgbClr val="000000"/>
                   </a:solidFill>
@@ -2636,7 +2636,7 @@
             </a:ln>
             <a:extLst>
               <a:ext uri="{91240B29-F687-4f45-9708-019B960494DF}">
-                <a14:hiddenLine xmlns="" xmlns:a14="http://schemas.microsoft.com/office/drawing/2010/main" w="9525">
+                <a14:hiddenLine xmlns:a14="http://schemas.microsoft.com/office/drawing/2010/main" xmlns="" w="9525">
                   <a:solidFill>
                     <a:srgbClr val="000000"/>
                   </a:solidFill>
@@ -2726,7 +2726,7 @@
             </a:ln>
             <a:extLst>
               <a:ext uri="{91240B29-F687-4f45-9708-019B960494DF}">
-                <a14:hiddenLine xmlns="" xmlns:a14="http://schemas.microsoft.com/office/drawing/2010/main" w="9525">
+                <a14:hiddenLine xmlns:a14="http://schemas.microsoft.com/office/drawing/2010/main" xmlns="" w="9525">
                   <a:solidFill>
                     <a:srgbClr val="000000"/>
                   </a:solidFill>
@@ -2794,7 +2794,7 @@
             </a:ln>
             <a:extLst>
               <a:ext uri="{91240B29-F687-4f45-9708-019B960494DF}">
-                <a14:hiddenLine xmlns="" xmlns:a14="http://schemas.microsoft.com/office/drawing/2010/main" w="9525">
+                <a14:hiddenLine xmlns:a14="http://schemas.microsoft.com/office/drawing/2010/main" xmlns="" w="9525">
                   <a:solidFill>
                     <a:srgbClr val="000000"/>
                   </a:solidFill>
@@ -2856,7 +2856,7 @@
             </a:ln>
             <a:extLst>
               <a:ext uri="{91240B29-F687-4f45-9708-019B960494DF}">
-                <a14:hiddenLine xmlns="" xmlns:a14="http://schemas.microsoft.com/office/drawing/2010/main" w="9525">
+                <a14:hiddenLine xmlns:a14="http://schemas.microsoft.com/office/drawing/2010/main" xmlns="" w="9525">
                   <a:solidFill>
                     <a:srgbClr val="000000"/>
                   </a:solidFill>
@@ -2946,7 +2946,7 @@
             </a:ln>
             <a:extLst>
               <a:ext uri="{91240B29-F687-4f45-9708-019B960494DF}">
-                <a14:hiddenLine xmlns="" xmlns:a14="http://schemas.microsoft.com/office/drawing/2010/main" w="9525">
+                <a14:hiddenLine xmlns:a14="http://schemas.microsoft.com/office/drawing/2010/main" xmlns="" w="9525">
                   <a:solidFill>
                     <a:srgbClr val="000000"/>
                   </a:solidFill>
@@ -3008,7 +3008,7 @@
             </a:ln>
             <a:extLst>
               <a:ext uri="{91240B29-F687-4f45-9708-019B960494DF}">
-                <a14:hiddenLine xmlns="" xmlns:a14="http://schemas.microsoft.com/office/drawing/2010/main" w="9525">
+                <a14:hiddenLine xmlns:a14="http://schemas.microsoft.com/office/drawing/2010/main" xmlns="" w="9525">
                   <a:solidFill>
                     <a:srgbClr val="000000"/>
                   </a:solidFill>
@@ -3098,7 +3098,7 @@
             </a:ln>
             <a:extLst>
               <a:ext uri="{91240B29-F687-4f45-9708-019B960494DF}">
-                <a14:hiddenLine xmlns="" xmlns:a14="http://schemas.microsoft.com/office/drawing/2010/main" w="9525">
+                <a14:hiddenLine xmlns:a14="http://schemas.microsoft.com/office/drawing/2010/main" xmlns="" w="9525">
                   <a:solidFill>
                     <a:srgbClr val="000000"/>
                   </a:solidFill>
@@ -3160,7 +3160,7 @@
             </a:ln>
             <a:extLst>
               <a:ext uri="{91240B29-F687-4f45-9708-019B960494DF}">
-                <a14:hiddenLine xmlns="" xmlns:a14="http://schemas.microsoft.com/office/drawing/2010/main" w="9525">
+                <a14:hiddenLine xmlns:a14="http://schemas.microsoft.com/office/drawing/2010/main" xmlns="" w="9525">
                   <a:solidFill>
                     <a:srgbClr val="000000"/>
                   </a:solidFill>
@@ -3250,7 +3250,7 @@
             </a:ln>
             <a:extLst>
               <a:ext uri="{91240B29-F687-4f45-9708-019B960494DF}">
-                <a14:hiddenLine xmlns="" xmlns:a14="http://schemas.microsoft.com/office/drawing/2010/main" w="9525">
+                <a14:hiddenLine xmlns:a14="http://schemas.microsoft.com/office/drawing/2010/main" xmlns="" w="9525">
                   <a:solidFill>
                     <a:srgbClr val="000000"/>
                   </a:solidFill>
@@ -3284,7 +3284,7 @@
             </a:ln>
             <a:extLst>
               <a:ext uri="{91240B29-F687-4f45-9708-019B960494DF}">
-                <a14:hiddenLine xmlns="" xmlns:a14="http://schemas.microsoft.com/office/drawing/2010/main" w="9525">
+                <a14:hiddenLine xmlns:a14="http://schemas.microsoft.com/office/drawing/2010/main" xmlns="" w="9525">
                   <a:solidFill>
                     <a:srgbClr val="000000"/>
                   </a:solidFill>
@@ -3349,7 +3349,7 @@
             </a:ln>
             <a:extLst>
               <a:ext uri="{91240B29-F687-4f45-9708-019B960494DF}">
-                <a14:hiddenLine xmlns="" xmlns:a14="http://schemas.microsoft.com/office/drawing/2010/main" w="9525">
+                <a14:hiddenLine xmlns:a14="http://schemas.microsoft.com/office/drawing/2010/main" xmlns="" w="9525">
                   <a:solidFill>
                     <a:srgbClr val="000000"/>
                   </a:solidFill>
@@ -3439,7 +3439,7 @@
             </a:ln>
             <a:extLst>
               <a:ext uri="{91240B29-F687-4f45-9708-019B960494DF}">
-                <a14:hiddenLine xmlns="" xmlns:a14="http://schemas.microsoft.com/office/drawing/2010/main" w="9525">
+                <a14:hiddenLine xmlns:a14="http://schemas.microsoft.com/office/drawing/2010/main" xmlns="" w="9525">
                   <a:solidFill>
                     <a:srgbClr val="000000"/>
                   </a:solidFill>
@@ -3501,7 +3501,7 @@
             </a:ln>
             <a:extLst>
               <a:ext uri="{91240B29-F687-4f45-9708-019B960494DF}">
-                <a14:hiddenLine xmlns="" xmlns:a14="http://schemas.microsoft.com/office/drawing/2010/main" w="9525">
+                <a14:hiddenLine xmlns:a14="http://schemas.microsoft.com/office/drawing/2010/main" xmlns="" w="9525">
                   <a:solidFill>
                     <a:srgbClr val="000000"/>
                   </a:solidFill>
@@ -3591,7 +3591,7 @@
             </a:ln>
             <a:extLst>
               <a:ext uri="{91240B29-F687-4f45-9708-019B960494DF}">
-                <a14:hiddenLine xmlns="" xmlns:a14="http://schemas.microsoft.com/office/drawing/2010/main" w="9525">
+                <a14:hiddenLine xmlns:a14="http://schemas.microsoft.com/office/drawing/2010/main" xmlns="" w="9525">
                   <a:solidFill>
                     <a:srgbClr val="000000"/>
                   </a:solidFill>
@@ -3681,7 +3681,7 @@
             </a:ln>
             <a:extLst>
               <a:ext uri="{91240B29-F687-4f45-9708-019B960494DF}">
-                <a14:hiddenLine xmlns="" xmlns:a14="http://schemas.microsoft.com/office/drawing/2010/main" w="9525">
+                <a14:hiddenLine xmlns:a14="http://schemas.microsoft.com/office/drawing/2010/main" xmlns="" w="9525">
                   <a:solidFill>
                     <a:srgbClr val="000000"/>
                   </a:solidFill>
@@ -3746,7 +3746,7 @@
             </a:ln>
             <a:extLst>
               <a:ext uri="{91240B29-F687-4f45-9708-019B960494DF}">
-                <a14:hiddenLine xmlns="" xmlns:a14="http://schemas.microsoft.com/office/drawing/2010/main" w="9525">
+                <a14:hiddenLine xmlns:a14="http://schemas.microsoft.com/office/drawing/2010/main" xmlns="" w="9525">
                   <a:solidFill>
                     <a:srgbClr val="000000"/>
                   </a:solidFill>
@@ -3808,7 +3808,7 @@
             </a:ln>
             <a:extLst>
               <a:ext uri="{91240B29-F687-4f45-9708-019B960494DF}">
-                <a14:hiddenLine xmlns="" xmlns:a14="http://schemas.microsoft.com/office/drawing/2010/main" w="9525">
+                <a14:hiddenLine xmlns:a14="http://schemas.microsoft.com/office/drawing/2010/main" xmlns="" w="9525">
                   <a:solidFill>
                     <a:srgbClr val="000000"/>
                   </a:solidFill>
@@ -3898,7 +3898,7 @@
             </a:ln>
             <a:extLst>
               <a:ext uri="{91240B29-F687-4f45-9708-019B960494DF}">
-                <a14:hiddenLine xmlns="" xmlns:a14="http://schemas.microsoft.com/office/drawing/2010/main" w="9525">
+                <a14:hiddenLine xmlns:a14="http://schemas.microsoft.com/office/drawing/2010/main" xmlns="" w="9525">
                   <a:solidFill>
                     <a:srgbClr val="000000"/>
                   </a:solidFill>
@@ -3988,7 +3988,7 @@
             </a:ln>
             <a:extLst>
               <a:ext uri="{91240B29-F687-4f45-9708-019B960494DF}">
-                <a14:hiddenLine xmlns="" xmlns:a14="http://schemas.microsoft.com/office/drawing/2010/main" w="9525">
+                <a14:hiddenLine xmlns:a14="http://schemas.microsoft.com/office/drawing/2010/main" xmlns="" w="9525">
                   <a:solidFill>
                     <a:srgbClr val="000000"/>
                   </a:solidFill>
@@ -4050,7 +4050,7 @@
             </a:ln>
             <a:extLst>
               <a:ext uri="{91240B29-F687-4f45-9708-019B960494DF}">
-                <a14:hiddenLine xmlns="" xmlns:a14="http://schemas.microsoft.com/office/drawing/2010/main" w="9525">
+                <a14:hiddenLine xmlns:a14="http://schemas.microsoft.com/office/drawing/2010/main" xmlns="" w="9525">
                   <a:solidFill>
                     <a:srgbClr val="000000"/>
                   </a:solidFill>
@@ -4170,7 +4170,7 @@
             </a:ln>
             <a:extLst>
               <a:ext uri="{91240B29-F687-4f45-9708-019B960494DF}">
-                <a14:hiddenLine xmlns="" xmlns:a14="http://schemas.microsoft.com/office/drawing/2010/main" w="9525">
+                <a14:hiddenLine xmlns:a14="http://schemas.microsoft.com/office/drawing/2010/main" xmlns="" w="9525">
                   <a:solidFill>
                     <a:srgbClr val="000000"/>
                   </a:solidFill>
@@ -4238,7 +4238,7 @@
             </a:ln>
             <a:extLst>
               <a:ext uri="{91240B29-F687-4f45-9708-019B960494DF}">
-                <a14:hiddenLine xmlns="" xmlns:a14="http://schemas.microsoft.com/office/drawing/2010/main" w="9525">
+                <a14:hiddenLine xmlns:a14="http://schemas.microsoft.com/office/drawing/2010/main" xmlns="" w="9525">
                   <a:solidFill>
                     <a:srgbClr val="000000"/>
                   </a:solidFill>
@@ -4328,7 +4328,7 @@
             </a:ln>
             <a:extLst>
               <a:ext uri="{91240B29-F687-4f45-9708-019B960494DF}">
-                <a14:hiddenLine xmlns="" xmlns:a14="http://schemas.microsoft.com/office/drawing/2010/main" w="9525">
+                <a14:hiddenLine xmlns:a14="http://schemas.microsoft.com/office/drawing/2010/main" xmlns="" w="9525">
                   <a:solidFill>
                     <a:srgbClr val="000000"/>
                   </a:solidFill>
@@ -9064,7 +9064,7 @@
             <a:alphaModFix amt="30000"/>
             <a:extLst>
               <a:ext uri="{28A0092B-C50C-407E-A947-70E740481C1C}">
-                <a14:useLocalDpi xmlns:a14="http://schemas.microsoft.com/office/drawing/2010/main" xmlns="" val="0"/>
+                <a14:useLocalDpi xmlns="" xmlns:a14="http://schemas.microsoft.com/office/drawing/2010/main" val="0"/>
               </a:ext>
             </a:extLst>
           </a:blip>
@@ -9084,7 +9084,7 @@
           <a:noFill/>
           <a:extLst>
             <a:ext uri="{909E8E84-426E-40dd-AFC4-6F175D3DCCD1}">
-              <a14:hiddenFill xmlns="" xmlns:a14="http://schemas.microsoft.com/office/drawing/2010/main">
+              <a14:hiddenFill xmlns:a14="http://schemas.microsoft.com/office/drawing/2010/main" xmlns="">
                 <a:solidFill>
                   <a:srgbClr val="FFFFFF"/>
                 </a:solidFill>
@@ -9158,7 +9158,7 @@
               </a:ln>
               <a:extLst>
                 <a:ext uri="{91240B29-F687-4f45-9708-019B960494DF}">
-                  <a14:hiddenLine xmlns="" xmlns:a14="http://schemas.microsoft.com/office/drawing/2010/main" w="9525">
+                  <a14:hiddenLine xmlns:a14="http://schemas.microsoft.com/office/drawing/2010/main" xmlns="" w="9525">
                     <a:solidFill>
                       <a:srgbClr val="000000"/>
                     </a:solidFill>
@@ -9248,7 +9248,7 @@
               </a:ln>
               <a:extLst>
                 <a:ext uri="{91240B29-F687-4f45-9708-019B960494DF}">
-                  <a14:hiddenLine xmlns="" xmlns:a14="http://schemas.microsoft.com/office/drawing/2010/main" w="9525">
+                  <a14:hiddenLine xmlns:a14="http://schemas.microsoft.com/office/drawing/2010/main" xmlns="" w="9525">
                     <a:solidFill>
                       <a:srgbClr val="000000"/>
                     </a:solidFill>
@@ -9338,7 +9338,7 @@
               </a:ln>
               <a:extLst>
                 <a:ext uri="{91240B29-F687-4f45-9708-019B960494DF}">
-                  <a14:hiddenLine xmlns="" xmlns:a14="http://schemas.microsoft.com/office/drawing/2010/main" w="9525">
+                  <a14:hiddenLine xmlns:a14="http://schemas.microsoft.com/office/drawing/2010/main" xmlns="" w="9525">
                     <a:solidFill>
                       <a:srgbClr val="000000"/>
                     </a:solidFill>
@@ -9400,7 +9400,7 @@
               </a:ln>
               <a:extLst>
                 <a:ext uri="{91240B29-F687-4f45-9708-019B960494DF}">
-                  <a14:hiddenLine xmlns="" xmlns:a14="http://schemas.microsoft.com/office/drawing/2010/main" w="9525">
+                  <a14:hiddenLine xmlns:a14="http://schemas.microsoft.com/office/drawing/2010/main" xmlns="" w="9525">
                     <a:solidFill>
                       <a:srgbClr val="000000"/>
                     </a:solidFill>
@@ -9490,7 +9490,7 @@
               </a:ln>
               <a:extLst>
                 <a:ext uri="{91240B29-F687-4f45-9708-019B960494DF}">
-                  <a14:hiddenLine xmlns="" xmlns:a14="http://schemas.microsoft.com/office/drawing/2010/main" w="9525">
+                  <a14:hiddenLine xmlns:a14="http://schemas.microsoft.com/office/drawing/2010/main" xmlns="" w="9525">
                     <a:solidFill>
                       <a:srgbClr val="000000"/>
                     </a:solidFill>
@@ -9552,7 +9552,7 @@
               </a:ln>
               <a:extLst>
                 <a:ext uri="{91240B29-F687-4f45-9708-019B960494DF}">
-                  <a14:hiddenLine xmlns="" xmlns:a14="http://schemas.microsoft.com/office/drawing/2010/main" w="9525">
+                  <a14:hiddenLine xmlns:a14="http://schemas.microsoft.com/office/drawing/2010/main" xmlns="" w="9525">
                     <a:solidFill>
                       <a:srgbClr val="000000"/>
                     </a:solidFill>
@@ -9614,7 +9614,7 @@
               </a:ln>
               <a:extLst>
                 <a:ext uri="{91240B29-F687-4f45-9708-019B960494DF}">
-                  <a14:hiddenLine xmlns="" xmlns:a14="http://schemas.microsoft.com/office/drawing/2010/main" w="9525">
+                  <a14:hiddenLine xmlns:a14="http://schemas.microsoft.com/office/drawing/2010/main" xmlns="" w="9525">
                     <a:solidFill>
                       <a:srgbClr val="000000"/>
                     </a:solidFill>
@@ -9704,7 +9704,7 @@
               </a:ln>
               <a:extLst>
                 <a:ext uri="{91240B29-F687-4f45-9708-019B960494DF}">
-                  <a14:hiddenLine xmlns="" xmlns:a14="http://schemas.microsoft.com/office/drawing/2010/main" w="9525">
+                  <a14:hiddenLine xmlns:a14="http://schemas.microsoft.com/office/drawing/2010/main" xmlns="" w="9525">
                     <a:solidFill>
                       <a:srgbClr val="000000"/>
                     </a:solidFill>
@@ -9794,7 +9794,7 @@
               </a:ln>
               <a:extLst>
                 <a:ext uri="{91240B29-F687-4f45-9708-019B960494DF}">
-                  <a14:hiddenLine xmlns="" xmlns:a14="http://schemas.microsoft.com/office/drawing/2010/main" w="9525">
+                  <a14:hiddenLine xmlns:a14="http://schemas.microsoft.com/office/drawing/2010/main" xmlns="" w="9525">
                     <a:solidFill>
                       <a:srgbClr val="000000"/>
                     </a:solidFill>
@@ -9856,7 +9856,7 @@
               </a:ln>
               <a:extLst>
                 <a:ext uri="{91240B29-F687-4f45-9708-019B960494DF}">
-                  <a14:hiddenLine xmlns="" xmlns:a14="http://schemas.microsoft.com/office/drawing/2010/main" w="9525">
+                  <a14:hiddenLine xmlns:a14="http://schemas.microsoft.com/office/drawing/2010/main" xmlns="" w="9525">
                     <a:solidFill>
                       <a:srgbClr val="000000"/>
                     </a:solidFill>
@@ -9966,7 +9966,7 @@
               </a:ln>
               <a:extLst>
                 <a:ext uri="{91240B29-F687-4f45-9708-019B960494DF}">
-                  <a14:hiddenLine xmlns="" xmlns:a14="http://schemas.microsoft.com/office/drawing/2010/main" w="9525">
+                  <a14:hiddenLine xmlns:a14="http://schemas.microsoft.com/office/drawing/2010/main" xmlns="" w="9525">
                     <a:solidFill>
                       <a:srgbClr val="000000"/>
                     </a:solidFill>
@@ -10050,7 +10050,7 @@
               </a:ln>
               <a:extLst>
                 <a:ext uri="{91240B29-F687-4f45-9708-019B960494DF}">
-                  <a14:hiddenLine xmlns="" xmlns:a14="http://schemas.microsoft.com/office/drawing/2010/main" w="9525">
+                  <a14:hiddenLine xmlns:a14="http://schemas.microsoft.com/office/drawing/2010/main" xmlns="" w="9525">
                     <a:solidFill>
                       <a:srgbClr val="000000"/>
                     </a:solidFill>
@@ -10112,7 +10112,7 @@
               </a:ln>
               <a:extLst>
                 <a:ext uri="{91240B29-F687-4f45-9708-019B960494DF}">
-                  <a14:hiddenLine xmlns="" xmlns:a14="http://schemas.microsoft.com/office/drawing/2010/main" w="9525">
+                  <a14:hiddenLine xmlns:a14="http://schemas.microsoft.com/office/drawing/2010/main" xmlns="" w="9525">
                     <a:solidFill>
                       <a:srgbClr val="000000"/>
                     </a:solidFill>
@@ -10174,7 +10174,7 @@
               </a:ln>
               <a:extLst>
                 <a:ext uri="{91240B29-F687-4f45-9708-019B960494DF}">
-                  <a14:hiddenLine xmlns="" xmlns:a14="http://schemas.microsoft.com/office/drawing/2010/main" w="9525">
+                  <a14:hiddenLine xmlns:a14="http://schemas.microsoft.com/office/drawing/2010/main" xmlns="" w="9525">
                     <a:solidFill>
                       <a:srgbClr val="000000"/>
                     </a:solidFill>
@@ -10264,7 +10264,7 @@
               </a:ln>
               <a:extLst>
                 <a:ext uri="{91240B29-F687-4f45-9708-019B960494DF}">
-                  <a14:hiddenLine xmlns="" xmlns:a14="http://schemas.microsoft.com/office/drawing/2010/main" w="9525">
+                  <a14:hiddenLine xmlns:a14="http://schemas.microsoft.com/office/drawing/2010/main" xmlns="" w="9525">
                     <a:solidFill>
                       <a:srgbClr val="000000"/>
                     </a:solidFill>
@@ -10298,7 +10298,7 @@
               </a:ln>
               <a:extLst>
                 <a:ext uri="{91240B29-F687-4f45-9708-019B960494DF}">
-                  <a14:hiddenLine xmlns="" xmlns:a14="http://schemas.microsoft.com/office/drawing/2010/main" w="9525">
+                  <a14:hiddenLine xmlns:a14="http://schemas.microsoft.com/office/drawing/2010/main" xmlns="" w="9525">
                     <a:solidFill>
                       <a:srgbClr val="000000"/>
                     </a:solidFill>
@@ -10363,7 +10363,7 @@
               </a:ln>
               <a:extLst>
                 <a:ext uri="{91240B29-F687-4f45-9708-019B960494DF}">
-                  <a14:hiddenLine xmlns="" xmlns:a14="http://schemas.microsoft.com/office/drawing/2010/main" w="9525">
+                  <a14:hiddenLine xmlns:a14="http://schemas.microsoft.com/office/drawing/2010/main" xmlns="" w="9525">
                     <a:solidFill>
                       <a:srgbClr val="000000"/>
                     </a:solidFill>
@@ -10453,7 +10453,7 @@
               </a:ln>
               <a:extLst>
                 <a:ext uri="{91240B29-F687-4f45-9708-019B960494DF}">
-                  <a14:hiddenLine xmlns="" xmlns:a14="http://schemas.microsoft.com/office/drawing/2010/main" w="9525">
+                  <a14:hiddenLine xmlns:a14="http://schemas.microsoft.com/office/drawing/2010/main" xmlns="" w="9525">
                     <a:solidFill>
                       <a:srgbClr val="000000"/>
                     </a:solidFill>
@@ -10515,7 +10515,7 @@
               </a:ln>
               <a:extLst>
                 <a:ext uri="{91240B29-F687-4f45-9708-019B960494DF}">
-                  <a14:hiddenLine xmlns="" xmlns:a14="http://schemas.microsoft.com/office/drawing/2010/main" w="9525">
+                  <a14:hiddenLine xmlns:a14="http://schemas.microsoft.com/office/drawing/2010/main" xmlns="" w="9525">
                     <a:solidFill>
                       <a:srgbClr val="000000"/>
                     </a:solidFill>
@@ -10605,7 +10605,7 @@
               </a:ln>
               <a:extLst>
                 <a:ext uri="{91240B29-F687-4f45-9708-019B960494DF}">
-                  <a14:hiddenLine xmlns="" xmlns:a14="http://schemas.microsoft.com/office/drawing/2010/main" w="9525">
+                  <a14:hiddenLine xmlns:a14="http://schemas.microsoft.com/office/drawing/2010/main" xmlns="" w="9525">
                     <a:solidFill>
                       <a:srgbClr val="000000"/>
                     </a:solidFill>
@@ -10670,7 +10670,7 @@
               </a:ln>
               <a:extLst>
                 <a:ext uri="{91240B29-F687-4f45-9708-019B960494DF}">
-                  <a14:hiddenLine xmlns="" xmlns:a14="http://schemas.microsoft.com/office/drawing/2010/main" w="9525">
+                  <a14:hiddenLine xmlns:a14="http://schemas.microsoft.com/office/drawing/2010/main" xmlns="" w="9525">
                     <a:solidFill>
                       <a:srgbClr val="000000"/>
                     </a:solidFill>
@@ -10732,7 +10732,7 @@
               </a:ln>
               <a:extLst>
                 <a:ext uri="{91240B29-F687-4f45-9708-019B960494DF}">
-                  <a14:hiddenLine xmlns="" xmlns:a14="http://schemas.microsoft.com/office/drawing/2010/main" w="9525">
+                  <a14:hiddenLine xmlns:a14="http://schemas.microsoft.com/office/drawing/2010/main" xmlns="" w="9525">
                     <a:solidFill>
                       <a:srgbClr val="000000"/>
                     </a:solidFill>
@@ -10822,7 +10822,7 @@
               </a:ln>
               <a:extLst>
                 <a:ext uri="{91240B29-F687-4f45-9708-019B960494DF}">
-                  <a14:hiddenLine xmlns="" xmlns:a14="http://schemas.microsoft.com/office/drawing/2010/main" w="9525">
+                  <a14:hiddenLine xmlns:a14="http://schemas.microsoft.com/office/drawing/2010/main" xmlns="" w="9525">
                     <a:solidFill>
                       <a:srgbClr val="000000"/>
                     </a:solidFill>
@@ -10912,7 +10912,7 @@
               </a:ln>
               <a:extLst>
                 <a:ext uri="{91240B29-F687-4f45-9708-019B960494DF}">
-                  <a14:hiddenLine xmlns="" xmlns:a14="http://schemas.microsoft.com/office/drawing/2010/main" w="9525">
+                  <a14:hiddenLine xmlns:a14="http://schemas.microsoft.com/office/drawing/2010/main" xmlns="" w="9525">
                     <a:solidFill>
                       <a:srgbClr val="000000"/>
                     </a:solidFill>
@@ -10977,7 +10977,7 @@
               </a:ln>
               <a:extLst>
                 <a:ext uri="{91240B29-F687-4f45-9708-019B960494DF}">
-                  <a14:hiddenLine xmlns="" xmlns:a14="http://schemas.microsoft.com/office/drawing/2010/main" w="9525">
+                  <a14:hiddenLine xmlns:a14="http://schemas.microsoft.com/office/drawing/2010/main" xmlns="" w="9525">
                     <a:solidFill>
                       <a:srgbClr val="000000"/>
                     </a:solidFill>
@@ -11097,7 +11097,7 @@
               </a:ln>
               <a:extLst>
                 <a:ext uri="{91240B29-F687-4f45-9708-019B960494DF}">
-                  <a14:hiddenLine xmlns="" xmlns:a14="http://schemas.microsoft.com/office/drawing/2010/main" w="9525">
+                  <a14:hiddenLine xmlns:a14="http://schemas.microsoft.com/office/drawing/2010/main" xmlns="" w="9525">
                     <a:solidFill>
                       <a:srgbClr val="000000"/>
                     </a:solidFill>
@@ -11195,7 +11195,7 @@
               </a:ln>
               <a:extLst>
                 <a:ext uri="{91240B29-F687-4f45-9708-019B960494DF}">
-                  <a14:hiddenLine xmlns="" xmlns:a14="http://schemas.microsoft.com/office/drawing/2010/main" w="9525">
+                  <a14:hiddenLine xmlns:a14="http://schemas.microsoft.com/office/drawing/2010/main" xmlns="" w="9525">
                     <a:solidFill>
                       <a:srgbClr val="000000"/>
                     </a:solidFill>
@@ -11310,7 +11310,7 @@
               </a:ln>
               <a:extLst>
                 <a:ext uri="{91240B29-F687-4f45-9708-019B960494DF}">
-                  <a14:hiddenLine xmlns="" xmlns:a14="http://schemas.microsoft.com/office/drawing/2010/main" w="9525">
+                  <a14:hiddenLine xmlns:a14="http://schemas.microsoft.com/office/drawing/2010/main" xmlns="" w="9525">
                     <a:solidFill>
                       <a:srgbClr val="000000"/>
                     </a:solidFill>
@@ -11400,7 +11400,7 @@
               </a:ln>
               <a:extLst>
                 <a:ext uri="{91240B29-F687-4f45-9708-019B960494DF}">
-                  <a14:hiddenLine xmlns="" xmlns:a14="http://schemas.microsoft.com/office/drawing/2010/main" w="9525">
+                  <a14:hiddenLine xmlns:a14="http://schemas.microsoft.com/office/drawing/2010/main" xmlns="" w="9525">
                     <a:solidFill>
                       <a:srgbClr val="000000"/>
                     </a:solidFill>
@@ -11465,7 +11465,7 @@
               </a:ln>
               <a:extLst>
                 <a:ext uri="{91240B29-F687-4f45-9708-019B960494DF}">
-                  <a14:hiddenLine xmlns="" xmlns:a14="http://schemas.microsoft.com/office/drawing/2010/main" w="9525">
+                  <a14:hiddenLine xmlns:a14="http://schemas.microsoft.com/office/drawing/2010/main" xmlns="" w="9525">
                     <a:solidFill>
                       <a:srgbClr val="000000"/>
                     </a:solidFill>
@@ -11555,7 +11555,7 @@
               </a:ln>
               <a:extLst>
                 <a:ext uri="{91240B29-F687-4f45-9708-019B960494DF}">
-                  <a14:hiddenLine xmlns="" xmlns:a14="http://schemas.microsoft.com/office/drawing/2010/main" w="9525">
+                  <a14:hiddenLine xmlns:a14="http://schemas.microsoft.com/office/drawing/2010/main" xmlns="" w="9525">
                     <a:solidFill>
                       <a:srgbClr val="000000"/>
                     </a:solidFill>
@@ -11623,7 +11623,7 @@
               </a:ln>
               <a:extLst>
                 <a:ext uri="{91240B29-F687-4f45-9708-019B960494DF}">
-                  <a14:hiddenLine xmlns="" xmlns:a14="http://schemas.microsoft.com/office/drawing/2010/main" w="9525">
+                  <a14:hiddenLine xmlns:a14="http://schemas.microsoft.com/office/drawing/2010/main" xmlns="" w="9525">
                     <a:solidFill>
                       <a:srgbClr val="000000"/>
                     </a:solidFill>
@@ -11713,7 +11713,7 @@
               </a:ln>
               <a:extLst>
                 <a:ext uri="{91240B29-F687-4f45-9708-019B960494DF}">
-                  <a14:hiddenLine xmlns="" xmlns:a14="http://schemas.microsoft.com/office/drawing/2010/main" w="9525">
+                  <a14:hiddenLine xmlns:a14="http://schemas.microsoft.com/office/drawing/2010/main" xmlns="" w="9525">
                     <a:solidFill>
                       <a:srgbClr val="000000"/>
                     </a:solidFill>
@@ -11781,7 +11781,7 @@
               </a:ln>
               <a:extLst>
                 <a:ext uri="{91240B29-F687-4f45-9708-019B960494DF}">
-                  <a14:hiddenLine xmlns="" xmlns:a14="http://schemas.microsoft.com/office/drawing/2010/main" w="9525">
+                  <a14:hiddenLine xmlns:a14="http://schemas.microsoft.com/office/drawing/2010/main" xmlns="" w="9525">
                     <a:solidFill>
                       <a:srgbClr val="000000"/>
                     </a:solidFill>
@@ -11871,7 +11871,7 @@
               </a:ln>
               <a:extLst>
                 <a:ext uri="{91240B29-F687-4f45-9708-019B960494DF}">
-                  <a14:hiddenLine xmlns="" xmlns:a14="http://schemas.microsoft.com/office/drawing/2010/main" w="9525">
+                  <a14:hiddenLine xmlns:a14="http://schemas.microsoft.com/office/drawing/2010/main" xmlns="" w="9525">
                     <a:solidFill>
                       <a:srgbClr val="000000"/>
                     </a:solidFill>
@@ -11905,7 +11905,7 @@
               </a:ln>
               <a:extLst>
                 <a:ext uri="{91240B29-F687-4f45-9708-019B960494DF}">
-                  <a14:hiddenLine xmlns="" xmlns:a14="http://schemas.microsoft.com/office/drawing/2010/main" w="9525">
+                  <a14:hiddenLine xmlns:a14="http://schemas.microsoft.com/office/drawing/2010/main" xmlns="" w="9525">
                     <a:solidFill>
                       <a:srgbClr val="000000"/>
                     </a:solidFill>
@@ -12472,34 +12472,32 @@
             <p:ph type="title"/>
           </p:nvPr>
         </p:nvSpPr>
-        <p:spPr/>
+        <p:spPr>
+          <a:xfrm>
+            <a:off x="1141413" y="618518"/>
+            <a:ext cx="9905998" cy="4790244"/>
+          </a:xfrm>
+        </p:spPr>
         <p:txBody>
           <a:bodyPr/>
           <a:lstStyle/>
           <a:p>
-            <a:r>
-              <a:rPr lang="en-US" dirty="0" smtClean="0"/>
-              <a:t>Software Career Day Agenda</a:t>
-            </a:r>
-            <a:endParaRPr lang="en-US" dirty="0"/>
-          </a:p>
-        </p:txBody>
-      </p:sp>
-      <p:sp>
-        <p:nvSpPr>
-          <p:cNvPr id="3" name="Content Placeholder 2"/>
-          <p:cNvSpPr>
-            <a:spLocks noGrp="1"/>
-          </p:cNvSpPr>
-          <p:nvPr>
-            <p:ph idx="1"/>
-          </p:nvPr>
-        </p:nvSpPr>
-        <p:spPr/>
-        <p:txBody>
-          <a:bodyPr/>
-          <a:lstStyle/>
-          <a:p>
+            <a:pPr algn="ctr"/>
+            <a:r>
+              <a:rPr lang="en-US" smtClean="0"/>
+              <a:t>Software Career </a:t>
+            </a:r>
+            <a:r>
+              <a:rPr lang="en-US" dirty="0" smtClean="0"/>
+              <a:t>Day</a:t>
+            </a:r>
+            <a:br>
+              <a:rPr lang="en-US" dirty="0" smtClean="0"/>
+            </a:br>
+            <a:r>
+              <a:rPr lang="en-US" dirty="0" smtClean="0"/>
+              <a:t> </a:t>
+            </a:r>
             <a:endParaRPr lang="en-US" dirty="0"/>
           </a:p>
         </p:txBody>
@@ -12507,7 +12505,7 @@
     </p:spTree>
     <p:extLst>
       <p:ext uri="{BB962C8B-B14F-4D97-AF65-F5344CB8AC3E}">
-        <p14:creationId xmlns:p14="http://schemas.microsoft.com/office/powerpoint/2010/main" xmlns="" val="1932957581"/>
+        <p14:creationId xmlns="" xmlns:p14="http://schemas.microsoft.com/office/powerpoint/2010/main" val="1932957581"/>
       </p:ext>
     </p:extLst>
   </p:cSld>
@@ -12515,7 +12513,7 @@
     <a:masterClrMapping/>
   </p:clrMapOvr>
   <mc:AlternateContent xmlns:mc="http://schemas.openxmlformats.org/markup-compatibility/2006">
-    <mc:Choice xmlns:p14="http://schemas.microsoft.com/office/powerpoint/2010/main" xmlns="" Requires="p14">
+    <mc:Choice xmlns="" xmlns:p14="http://schemas.microsoft.com/office/powerpoint/2010/main" Requires="p14">
       <p:transition p14:dur="10"/>
     </mc:Choice>
     <mc:Fallback>
@@ -12525,150 +12523,7 @@
   <p:timing>
     <p:tnLst>
       <p:par>
-        <p:cTn id="1" dur="indefinite" restart="never" nodeType="tmRoot">
-          <p:childTnLst>
-            <p:seq concurrent="1" nextAc="seek">
-              <p:cTn id="2" dur="indefinite" nodeType="mainSeq">
-                <p:childTnLst>
-                  <p:par>
-                    <p:cTn id="3" fill="hold">
-                      <p:stCondLst>
-                        <p:cond delay="indefinite"/>
-                      </p:stCondLst>
-                      <p:childTnLst>
-                        <p:par>
-                          <p:cTn id="4" fill="hold">
-                            <p:stCondLst>
-                              <p:cond delay="0"/>
-                            </p:stCondLst>
-                            <p:childTnLst>
-                              <p:par>
-                                <p:cTn id="5" presetID="42" presetClass="entr" presetSubtype="0" fill="hold" nodeType="clickEffect" nodePh="1">
-                                  <p:stCondLst>
-                                    <p:cond delay="0"/>
-                                  </p:stCondLst>
-                                  <p:endCondLst>
-                                    <p:cond evt="begin" delay="0">
-                                      <p:tn val="5"/>
-                                    </p:cond>
-                                  </p:endCondLst>
-                                  <p:childTnLst>
-                                    <p:set>
-                                      <p:cBhvr>
-                                        <p:cTn id="6" dur="1" fill="hold">
-                                          <p:stCondLst>
-                                            <p:cond delay="0"/>
-                                          </p:stCondLst>
-                                        </p:cTn>
-                                        <p:tgtEl>
-                                          <p:spTgt spid="3">
-                                            <p:txEl>
-                                              <p:pRg st="0" end="0"/>
-                                            </p:txEl>
-                                          </p:spTgt>
-                                        </p:tgtEl>
-                                        <p:attrNameLst>
-                                          <p:attrName>style.visibility</p:attrName>
-                                        </p:attrNameLst>
-                                      </p:cBhvr>
-                                      <p:to>
-                                        <p:strVal val="visible"/>
-                                      </p:to>
-                                    </p:set>
-                                    <p:animEffect transition="in" filter="fade">
-                                      <p:cBhvr>
-                                        <p:cTn id="7" dur="1000"/>
-                                        <p:tgtEl>
-                                          <p:spTgt spid="3">
-                                            <p:txEl>
-                                              <p:pRg st="0" end="0"/>
-                                            </p:txEl>
-                                          </p:spTgt>
-                                        </p:tgtEl>
-                                      </p:cBhvr>
-                                    </p:animEffect>
-                                    <p:anim calcmode="lin" valueType="num">
-                                      <p:cBhvr>
-                                        <p:cTn id="8" dur="1000" fill="hold"/>
-                                        <p:tgtEl>
-                                          <p:spTgt spid="3">
-                                            <p:txEl>
-                                              <p:pRg st="0" end="0"/>
-                                            </p:txEl>
-                                          </p:spTgt>
-                                        </p:tgtEl>
-                                        <p:attrNameLst>
-                                          <p:attrName>ppt_x</p:attrName>
-                                        </p:attrNameLst>
-                                      </p:cBhvr>
-                                      <p:tavLst>
-                                        <p:tav tm="0">
-                                          <p:val>
-                                            <p:strVal val="#ppt_x"/>
-                                          </p:val>
-                                        </p:tav>
-                                        <p:tav tm="100000">
-                                          <p:val>
-                                            <p:strVal val="#ppt_x"/>
-                                          </p:val>
-                                        </p:tav>
-                                      </p:tavLst>
-                                    </p:anim>
-                                    <p:anim calcmode="lin" valueType="num">
-                                      <p:cBhvr>
-                                        <p:cTn id="9" dur="1000" fill="hold"/>
-                                        <p:tgtEl>
-                                          <p:spTgt spid="3">
-                                            <p:txEl>
-                                              <p:pRg st="0" end="0"/>
-                                            </p:txEl>
-                                          </p:spTgt>
-                                        </p:tgtEl>
-                                        <p:attrNameLst>
-                                          <p:attrName>ppt_y</p:attrName>
-                                        </p:attrNameLst>
-                                      </p:cBhvr>
-                                      <p:tavLst>
-                                        <p:tav tm="0">
-                                          <p:val>
-                                            <p:strVal val="#ppt_y+.1"/>
-                                          </p:val>
-                                        </p:tav>
-                                        <p:tav tm="100000">
-                                          <p:val>
-                                            <p:strVal val="#ppt_y"/>
-                                          </p:val>
-                                        </p:tav>
-                                      </p:tavLst>
-                                    </p:anim>
-                                  </p:childTnLst>
-                                </p:cTn>
-                              </p:par>
-                            </p:childTnLst>
-                          </p:cTn>
-                        </p:par>
-                      </p:childTnLst>
-                    </p:cTn>
-                  </p:par>
-                </p:childTnLst>
-              </p:cTn>
-              <p:prevCondLst>
-                <p:cond evt="onPrev" delay="0">
-                  <p:tgtEl>
-                    <p:sldTgt/>
-                  </p:tgtEl>
-                </p:cond>
-              </p:prevCondLst>
-              <p:nextCondLst>
-                <p:cond evt="onNext" delay="0">
-                  <p:tgtEl>
-                    <p:sldTgt/>
-                  </p:tgtEl>
-                </p:cond>
-              </p:nextCondLst>
-            </p:seq>
-          </p:childTnLst>
-        </p:cTn>
+        <p:cTn id="1" dur="indefinite" restart="never" nodeType="tmRoot"/>
       </p:par>
     </p:tnLst>
   </p:timing>
@@ -12768,7 +12623,7 @@
     </p:spTree>
     <p:extLst>
       <p:ext uri="{BB962C8B-B14F-4D97-AF65-F5344CB8AC3E}">
-        <p14:creationId xmlns:p14="http://schemas.microsoft.com/office/powerpoint/2010/main" xmlns="" val="3658684172"/>
+        <p14:creationId xmlns="" xmlns:p14="http://schemas.microsoft.com/office/powerpoint/2010/main" val="3658684172"/>
       </p:ext>
     </p:extLst>
   </p:cSld>
@@ -12885,7 +12740,7 @@
     </p:spTree>
     <p:extLst>
       <p:ext uri="{BB962C8B-B14F-4D97-AF65-F5344CB8AC3E}">
-        <p14:creationId xmlns:p14="http://schemas.microsoft.com/office/powerpoint/2010/main" xmlns="" val="2980462209"/>
+        <p14:creationId xmlns="" xmlns:p14="http://schemas.microsoft.com/office/powerpoint/2010/main" val="2980462209"/>
       </p:ext>
     </p:extLst>
   </p:cSld>
@@ -13009,7 +12864,7 @@
     </p:spTree>
     <p:extLst>
       <p:ext uri="{BB962C8B-B14F-4D97-AF65-F5344CB8AC3E}">
-        <p14:creationId xmlns:p14="http://schemas.microsoft.com/office/powerpoint/2010/main" xmlns="" val="2985205535"/>
+        <p14:creationId xmlns="" xmlns:p14="http://schemas.microsoft.com/office/powerpoint/2010/main" val="2985205535"/>
       </p:ext>
     </p:extLst>
   </p:cSld>
@@ -13137,7 +12992,7 @@
     </p:spTree>
     <p:extLst>
       <p:ext uri="{BB962C8B-B14F-4D97-AF65-F5344CB8AC3E}">
-        <p14:creationId xmlns:p14="http://schemas.microsoft.com/office/powerpoint/2010/main" xmlns="" val="2924548077"/>
+        <p14:creationId xmlns="" xmlns:p14="http://schemas.microsoft.com/office/powerpoint/2010/main" val="2924548077"/>
       </p:ext>
     </p:extLst>
   </p:cSld>
@@ -13226,7 +13081,7 @@
     </p:spTree>
     <p:extLst>
       <p:ext uri="{BB962C8B-B14F-4D97-AF65-F5344CB8AC3E}">
-        <p14:creationId xmlns:p14="http://schemas.microsoft.com/office/powerpoint/2010/main" xmlns="" val="1203755180"/>
+        <p14:creationId xmlns="" xmlns:p14="http://schemas.microsoft.com/office/powerpoint/2010/main" val="1203755180"/>
       </p:ext>
     </p:extLst>
   </p:cSld>
@@ -13321,7 +13176,7 @@
     </p:spTree>
     <p:extLst>
       <p:ext uri="{BB962C8B-B14F-4D97-AF65-F5344CB8AC3E}">
-        <p14:creationId xmlns:p14="http://schemas.microsoft.com/office/powerpoint/2010/main" xmlns="" val="1081503646"/>
+        <p14:creationId xmlns="" xmlns:p14="http://schemas.microsoft.com/office/powerpoint/2010/main" val="1081503646"/>
       </p:ext>
     </p:extLst>
   </p:cSld>
@@ -13422,7 +13277,7 @@
     </p:spTree>
     <p:extLst>
       <p:ext uri="{BB962C8B-B14F-4D97-AF65-F5344CB8AC3E}">
-        <p14:creationId xmlns:p14="http://schemas.microsoft.com/office/powerpoint/2010/main" xmlns="" val="3764125084"/>
+        <p14:creationId xmlns="" xmlns:p14="http://schemas.microsoft.com/office/powerpoint/2010/main" val="3764125084"/>
       </p:ext>
     </p:extLst>
   </p:cSld>
@@ -13529,7 +13384,7 @@
     </p:spTree>
     <p:extLst>
       <p:ext uri="{BB962C8B-B14F-4D97-AF65-F5344CB8AC3E}">
-        <p14:creationId xmlns:p14="http://schemas.microsoft.com/office/powerpoint/2010/main" xmlns="" val="2007126848"/>
+        <p14:creationId xmlns="" xmlns:p14="http://schemas.microsoft.com/office/powerpoint/2010/main" val="2007126848"/>
       </p:ext>
     </p:extLst>
   </p:cSld>
@@ -13639,7 +13494,7 @@
     </p:spTree>
     <p:extLst>
       <p:ext uri="{BB962C8B-B14F-4D97-AF65-F5344CB8AC3E}">
-        <p14:creationId xmlns:p14="http://schemas.microsoft.com/office/powerpoint/2010/main" xmlns="" val="1972427357"/>
+        <p14:creationId xmlns="" xmlns:p14="http://schemas.microsoft.com/office/powerpoint/2010/main" val="1972427357"/>
       </p:ext>
     </p:extLst>
   </p:cSld>
@@ -13735,7 +13590,7 @@
     </p:spTree>
     <p:extLst>
       <p:ext uri="{BB962C8B-B14F-4D97-AF65-F5344CB8AC3E}">
-        <p14:creationId xmlns:p14="http://schemas.microsoft.com/office/powerpoint/2010/main" xmlns="" val="526716548"/>
+        <p14:creationId xmlns="" xmlns:p14="http://schemas.microsoft.com/office/powerpoint/2010/main" val="526716548"/>
       </p:ext>
     </p:extLst>
   </p:cSld>
@@ -13820,7 +13675,7 @@
     </p:spTree>
     <p:extLst>
       <p:ext uri="{BB962C8B-B14F-4D97-AF65-F5344CB8AC3E}">
-        <p14:creationId xmlns:p14="http://schemas.microsoft.com/office/powerpoint/2010/main" xmlns="" val="2970112683"/>
+        <p14:creationId xmlns="" xmlns:p14="http://schemas.microsoft.com/office/powerpoint/2010/main" val="2970112683"/>
       </p:ext>
     </p:extLst>
   </p:cSld>
@@ -13828,7 +13683,7 @@
     <a:masterClrMapping/>
   </p:clrMapOvr>
   <mc:AlternateContent xmlns:mc="http://schemas.openxmlformats.org/markup-compatibility/2006">
-    <mc:Choice xmlns:p14="http://schemas.microsoft.com/office/powerpoint/2010/main" xmlns="" Requires="p14">
+    <mc:Choice xmlns="" xmlns:p14="http://schemas.microsoft.com/office/powerpoint/2010/main" Requires="p14">
       <p:transition p14:dur="10"/>
     </mc:Choice>
     <mc:Fallback>
@@ -13927,7 +13782,7 @@
     </p:spTree>
     <p:extLst>
       <p:ext uri="{BB962C8B-B14F-4D97-AF65-F5344CB8AC3E}">
-        <p14:creationId xmlns:p14="http://schemas.microsoft.com/office/powerpoint/2010/main" xmlns="" val="3760832754"/>
+        <p14:creationId xmlns="" xmlns:p14="http://schemas.microsoft.com/office/powerpoint/2010/main" val="3760832754"/>
       </p:ext>
     </p:extLst>
   </p:cSld>
@@ -14024,7 +13879,7 @@
     </p:spTree>
     <p:extLst>
       <p:ext uri="{BB962C8B-B14F-4D97-AF65-F5344CB8AC3E}">
-        <p14:creationId xmlns:p14="http://schemas.microsoft.com/office/powerpoint/2010/main" xmlns="" val="4245804214"/>
+        <p14:creationId xmlns="" xmlns:p14="http://schemas.microsoft.com/office/powerpoint/2010/main" val="4245804214"/>
       </p:ext>
     </p:extLst>
   </p:cSld>
@@ -14127,7 +13982,7 @@
     </p:spTree>
     <p:extLst>
       <p:ext uri="{BB962C8B-B14F-4D97-AF65-F5344CB8AC3E}">
-        <p14:creationId xmlns:p14="http://schemas.microsoft.com/office/powerpoint/2010/main" xmlns="" val="1168846699"/>
+        <p14:creationId xmlns="" xmlns:p14="http://schemas.microsoft.com/office/powerpoint/2010/main" val="1168846699"/>
       </p:ext>
     </p:extLst>
   </p:cSld>
@@ -14236,7 +14091,7 @@
     </p:spTree>
     <p:extLst>
       <p:ext uri="{BB962C8B-B14F-4D97-AF65-F5344CB8AC3E}">
-        <p14:creationId xmlns:p14="http://schemas.microsoft.com/office/powerpoint/2010/main" xmlns="" val="2314976816"/>
+        <p14:creationId xmlns="" xmlns:p14="http://schemas.microsoft.com/office/powerpoint/2010/main" val="2314976816"/>
       </p:ext>
     </p:extLst>
   </p:cSld>
@@ -14351,7 +14206,7 @@
     </p:spTree>
     <p:extLst>
       <p:ext uri="{BB962C8B-B14F-4D97-AF65-F5344CB8AC3E}">
-        <p14:creationId xmlns:p14="http://schemas.microsoft.com/office/powerpoint/2010/main" xmlns="" val="3363042717"/>
+        <p14:creationId xmlns="" xmlns:p14="http://schemas.microsoft.com/office/powerpoint/2010/main" val="3363042717"/>
       </p:ext>
     </p:extLst>
   </p:cSld>
@@ -14438,7 +14293,7 @@
     </p:spTree>
     <p:extLst>
       <p:ext uri="{BB962C8B-B14F-4D97-AF65-F5344CB8AC3E}">
-        <p14:creationId xmlns:p14="http://schemas.microsoft.com/office/powerpoint/2010/main" xmlns="" val="3080512785"/>
+        <p14:creationId xmlns="" xmlns:p14="http://schemas.microsoft.com/office/powerpoint/2010/main" val="3080512785"/>
       </p:ext>
     </p:extLst>
   </p:cSld>
@@ -14528,7 +14383,7 @@
     </p:spTree>
     <p:extLst>
       <p:ext uri="{BB962C8B-B14F-4D97-AF65-F5344CB8AC3E}">
-        <p14:creationId xmlns:p14="http://schemas.microsoft.com/office/powerpoint/2010/main" xmlns="" val="392738374"/>
+        <p14:creationId xmlns="" xmlns:p14="http://schemas.microsoft.com/office/powerpoint/2010/main" val="392738374"/>
       </p:ext>
     </p:extLst>
   </p:cSld>
@@ -14624,7 +14479,7 @@
     </p:spTree>
     <p:extLst>
       <p:ext uri="{BB962C8B-B14F-4D97-AF65-F5344CB8AC3E}">
-        <p14:creationId xmlns:p14="http://schemas.microsoft.com/office/powerpoint/2010/main" xmlns="" val="3102955475"/>
+        <p14:creationId xmlns="" xmlns:p14="http://schemas.microsoft.com/office/powerpoint/2010/main" val="3102955475"/>
       </p:ext>
     </p:extLst>
   </p:cSld>
@@ -14727,7 +14582,7 @@
     </p:spTree>
     <p:extLst>
       <p:ext uri="{BB962C8B-B14F-4D97-AF65-F5344CB8AC3E}">
-        <p14:creationId xmlns:p14="http://schemas.microsoft.com/office/powerpoint/2010/main" xmlns="" val="915853242"/>
+        <p14:creationId xmlns="" xmlns:p14="http://schemas.microsoft.com/office/powerpoint/2010/main" val="915853242"/>
       </p:ext>
     </p:extLst>
   </p:cSld>
@@ -14836,7 +14691,7 @@
     </p:spTree>
     <p:extLst>
       <p:ext uri="{BB962C8B-B14F-4D97-AF65-F5344CB8AC3E}">
-        <p14:creationId xmlns:p14="http://schemas.microsoft.com/office/powerpoint/2010/main" xmlns="" val="237076739"/>
+        <p14:creationId xmlns="" xmlns:p14="http://schemas.microsoft.com/office/powerpoint/2010/main" val="237076739"/>
       </p:ext>
     </p:extLst>
   </p:cSld>
@@ -14933,7 +14788,7 @@
     </p:spTree>
     <p:extLst>
       <p:ext uri="{BB962C8B-B14F-4D97-AF65-F5344CB8AC3E}">
-        <p14:creationId xmlns:p14="http://schemas.microsoft.com/office/powerpoint/2010/main" xmlns="" val="1036230593"/>
+        <p14:creationId xmlns="" xmlns:p14="http://schemas.microsoft.com/office/powerpoint/2010/main" val="1036230593"/>
       </p:ext>
     </p:extLst>
   </p:cSld>
@@ -14941,7 +14796,7 @@
     <a:masterClrMapping/>
   </p:clrMapOvr>
   <mc:AlternateContent xmlns:mc="http://schemas.openxmlformats.org/markup-compatibility/2006">
-    <mc:Choice xmlns:p14="http://schemas.microsoft.com/office/powerpoint/2010/main" xmlns="" Requires="p14">
+    <mc:Choice xmlns="" xmlns:p14="http://schemas.microsoft.com/office/powerpoint/2010/main" Requires="p14">
       <p:transition p14:dur="10"/>
     </mc:Choice>
     <mc:Fallback>
@@ -15067,7 +14922,7 @@
     </p:spTree>
     <p:extLst>
       <p:ext uri="{BB962C8B-B14F-4D97-AF65-F5344CB8AC3E}">
-        <p14:creationId xmlns:p14="http://schemas.microsoft.com/office/powerpoint/2010/main" xmlns="" val="1170821138"/>
+        <p14:creationId xmlns="" xmlns:p14="http://schemas.microsoft.com/office/powerpoint/2010/main" val="1170821138"/>
       </p:ext>
     </p:extLst>
   </p:cSld>
@@ -15164,7 +15019,7 @@
           <a:blip r:embed="rId2">
             <a:extLst>
               <a:ext uri="{28A0092B-C50C-407E-A947-70E740481C1C}">
-                <a14:useLocalDpi xmlns:a14="http://schemas.microsoft.com/office/drawing/2010/main" xmlns="" val="0"/>
+                <a14:useLocalDpi xmlns="" xmlns:a14="http://schemas.microsoft.com/office/drawing/2010/main" val="0"/>
               </a:ext>
             </a:extLst>
           </a:blip>
@@ -15185,7 +15040,7 @@
     </p:spTree>
     <p:extLst>
       <p:ext uri="{BB962C8B-B14F-4D97-AF65-F5344CB8AC3E}">
-        <p14:creationId xmlns:p14="http://schemas.microsoft.com/office/powerpoint/2010/main" xmlns="" val="4193971689"/>
+        <p14:creationId xmlns="" xmlns:p14="http://schemas.microsoft.com/office/powerpoint/2010/main" val="4193971689"/>
       </p:ext>
     </p:extLst>
   </p:cSld>
@@ -15491,7 +15346,7 @@
           <a:blip r:embed="rId2">
             <a:extLst>
               <a:ext uri="{28A0092B-C50C-407E-A947-70E740481C1C}">
-                <a14:useLocalDpi xmlns:a14="http://schemas.microsoft.com/office/drawing/2010/main" xmlns="" val="0"/>
+                <a14:useLocalDpi xmlns="" xmlns:a14="http://schemas.microsoft.com/office/drawing/2010/main" val="0"/>
               </a:ext>
             </a:extLst>
           </a:blip>
@@ -15843,7 +15698,7 @@
     </p:spTree>
     <p:extLst>
       <p:ext uri="{BB962C8B-B14F-4D97-AF65-F5344CB8AC3E}">
-        <p14:creationId xmlns:p14="http://schemas.microsoft.com/office/powerpoint/2010/main" xmlns="" val="1769917714"/>
+        <p14:creationId xmlns="" xmlns:p14="http://schemas.microsoft.com/office/powerpoint/2010/main" val="1769917714"/>
       </p:ext>
     </p:extLst>
   </p:cSld>
@@ -15951,7 +15806,7 @@
     </p:spTree>
     <p:extLst>
       <p:ext uri="{BB962C8B-B14F-4D97-AF65-F5344CB8AC3E}">
-        <p14:creationId xmlns:p14="http://schemas.microsoft.com/office/powerpoint/2010/main" xmlns="" val="3500050594"/>
+        <p14:creationId xmlns="" xmlns:p14="http://schemas.microsoft.com/office/powerpoint/2010/main" val="3500050594"/>
       </p:ext>
     </p:extLst>
   </p:cSld>
@@ -15959,7 +15814,7 @@
     <a:masterClrMapping/>
   </p:clrMapOvr>
   <mc:AlternateContent xmlns:mc="http://schemas.openxmlformats.org/markup-compatibility/2006">
-    <mc:Choice xmlns:p14="http://schemas.microsoft.com/office/powerpoint/2010/main" xmlns="" Requires="p14">
+    <mc:Choice xmlns="" xmlns:p14="http://schemas.microsoft.com/office/powerpoint/2010/main" Requires="p14">
       <p:transition p14:dur="10"/>
     </mc:Choice>
     <mc:Fallback>
@@ -16058,7 +15913,7 @@
     </p:spTree>
     <p:extLst>
       <p:ext uri="{BB962C8B-B14F-4D97-AF65-F5344CB8AC3E}">
-        <p14:creationId xmlns:p14="http://schemas.microsoft.com/office/powerpoint/2010/main" xmlns="" val="921013771"/>
+        <p14:creationId xmlns="" xmlns:p14="http://schemas.microsoft.com/office/powerpoint/2010/main" val="921013771"/>
       </p:ext>
     </p:extLst>
   </p:cSld>
@@ -16171,7 +16026,7 @@
     </p:spTree>
     <p:extLst>
       <p:ext uri="{BB962C8B-B14F-4D97-AF65-F5344CB8AC3E}">
-        <p14:creationId xmlns:p14="http://schemas.microsoft.com/office/powerpoint/2010/main" xmlns="" val="1186189647"/>
+        <p14:creationId xmlns="" xmlns:p14="http://schemas.microsoft.com/office/powerpoint/2010/main" val="1186189647"/>
       </p:ext>
     </p:extLst>
   </p:cSld>
@@ -16290,7 +16145,7 @@
     </p:spTree>
     <p:extLst>
       <p:ext uri="{BB962C8B-B14F-4D97-AF65-F5344CB8AC3E}">
-        <p14:creationId xmlns:p14="http://schemas.microsoft.com/office/powerpoint/2010/main" xmlns="" val="3440801735"/>
+        <p14:creationId xmlns="" xmlns:p14="http://schemas.microsoft.com/office/powerpoint/2010/main" val="3440801735"/>
       </p:ext>
     </p:extLst>
   </p:cSld>
@@ -16677,7 +16532,7 @@
     </p:spTree>
     <p:extLst>
       <p:ext uri="{BB962C8B-B14F-4D97-AF65-F5344CB8AC3E}">
-        <p14:creationId xmlns:p14="http://schemas.microsoft.com/office/powerpoint/2010/main" xmlns="" val="2856753798"/>
+        <p14:creationId xmlns="" xmlns:p14="http://schemas.microsoft.com/office/powerpoint/2010/main" val="2856753798"/>
       </p:ext>
     </p:extLst>
   </p:cSld>
@@ -16801,7 +16656,7 @@
     </p:spTree>
     <p:extLst>
       <p:ext uri="{BB962C8B-B14F-4D97-AF65-F5344CB8AC3E}">
-        <p14:creationId xmlns:p14="http://schemas.microsoft.com/office/powerpoint/2010/main" xmlns="" val="589803983"/>
+        <p14:creationId xmlns="" xmlns:p14="http://schemas.microsoft.com/office/powerpoint/2010/main" val="589803983"/>
       </p:ext>
     </p:extLst>
   </p:cSld>
@@ -17295,7 +17150,7 @@
     </p:spTree>
     <p:extLst>
       <p:ext uri="{BB962C8B-B14F-4D97-AF65-F5344CB8AC3E}">
-        <p14:creationId xmlns:p14="http://schemas.microsoft.com/office/powerpoint/2010/main" xmlns="" val="973597047"/>
+        <p14:creationId xmlns="" xmlns:p14="http://schemas.microsoft.com/office/powerpoint/2010/main" val="973597047"/>
       </p:ext>
     </p:extLst>
   </p:cSld>
@@ -17303,7 +17158,7 @@
     <a:masterClrMapping/>
   </p:clrMapOvr>
   <mc:AlternateContent xmlns:mc="http://schemas.openxmlformats.org/markup-compatibility/2006">
-    <mc:Choice xmlns:p14="http://schemas.microsoft.com/office/powerpoint/2010/main" xmlns="" Requires="p14">
+    <mc:Choice xmlns="" xmlns:p14="http://schemas.microsoft.com/office/powerpoint/2010/main" Requires="p14">
       <p:transition p14:dur="10"/>
     </mc:Choice>
     <mc:Fallback>
@@ -17496,7 +17351,7 @@
     </p:spTree>
     <p:extLst>
       <p:ext uri="{BB962C8B-B14F-4D97-AF65-F5344CB8AC3E}">
-        <p14:creationId xmlns:p14="http://schemas.microsoft.com/office/powerpoint/2010/main" xmlns="" val="1150422618"/>
+        <p14:creationId xmlns="" xmlns:p14="http://schemas.microsoft.com/office/powerpoint/2010/main" val="1150422618"/>
       </p:ext>
     </p:extLst>
   </p:cSld>
@@ -17587,7 +17442,7 @@
     </p:spTree>
     <p:extLst>
       <p:ext uri="{BB962C8B-B14F-4D97-AF65-F5344CB8AC3E}">
-        <p14:creationId xmlns:p14="http://schemas.microsoft.com/office/powerpoint/2010/main" xmlns="" val="1905665193"/>
+        <p14:creationId xmlns="" xmlns:p14="http://schemas.microsoft.com/office/powerpoint/2010/main" val="1905665193"/>
       </p:ext>
     </p:extLst>
   </p:cSld>
@@ -17687,7 +17542,7 @@
     </p:spTree>
     <p:extLst>
       <p:ext uri="{BB962C8B-B14F-4D97-AF65-F5344CB8AC3E}">
-        <p14:creationId xmlns:p14="http://schemas.microsoft.com/office/powerpoint/2010/main" xmlns="" val="577611851"/>
+        <p14:creationId xmlns="" xmlns:p14="http://schemas.microsoft.com/office/powerpoint/2010/main" val="577611851"/>
       </p:ext>
     </p:extLst>
   </p:cSld>
@@ -17793,7 +17648,7 @@
     </p:spTree>
     <p:extLst>
       <p:ext uri="{BB962C8B-B14F-4D97-AF65-F5344CB8AC3E}">
-        <p14:creationId xmlns:p14="http://schemas.microsoft.com/office/powerpoint/2010/main" xmlns="" val="3441114870"/>
+        <p14:creationId xmlns="" xmlns:p14="http://schemas.microsoft.com/office/powerpoint/2010/main" val="3441114870"/>
       </p:ext>
     </p:extLst>
   </p:cSld>
@@ -17902,7 +17757,7 @@
     </p:spTree>
     <p:extLst>
       <p:ext uri="{BB962C8B-B14F-4D97-AF65-F5344CB8AC3E}">
-        <p14:creationId xmlns:p14="http://schemas.microsoft.com/office/powerpoint/2010/main" xmlns="" val="1277618501"/>
+        <p14:creationId xmlns="" xmlns:p14="http://schemas.microsoft.com/office/powerpoint/2010/main" val="1277618501"/>
       </p:ext>
     </p:extLst>
   </p:cSld>
@@ -18074,7 +17929,7 @@
     </p:spTree>
     <p:extLst>
       <p:ext uri="{BB962C8B-B14F-4D97-AF65-F5344CB8AC3E}">
-        <p14:creationId xmlns:p14="http://schemas.microsoft.com/office/powerpoint/2010/main" xmlns="" val="2034210974"/>
+        <p14:creationId xmlns="" xmlns:p14="http://schemas.microsoft.com/office/powerpoint/2010/main" val="2034210974"/>
       </p:ext>
     </p:extLst>
   </p:cSld>
@@ -18173,7 +18028,7 @@
     </p:spTree>
     <p:extLst>
       <p:ext uri="{BB962C8B-B14F-4D97-AF65-F5344CB8AC3E}">
-        <p14:creationId xmlns:p14="http://schemas.microsoft.com/office/powerpoint/2010/main" xmlns="" val="76378812"/>
+        <p14:creationId xmlns="" xmlns:p14="http://schemas.microsoft.com/office/powerpoint/2010/main" val="76378812"/>
       </p:ext>
     </p:extLst>
   </p:cSld>
@@ -18275,7 +18130,7 @@
     </p:spTree>
     <p:extLst>
       <p:ext uri="{BB962C8B-B14F-4D97-AF65-F5344CB8AC3E}">
-        <p14:creationId xmlns:p14="http://schemas.microsoft.com/office/powerpoint/2010/main" xmlns="" val="2890051408"/>
+        <p14:creationId xmlns="" xmlns:p14="http://schemas.microsoft.com/office/powerpoint/2010/main" val="2890051408"/>
       </p:ext>
     </p:extLst>
   </p:cSld>
@@ -18354,7 +18209,7 @@
     </p:spTree>
     <p:extLst>
       <p:ext uri="{BB962C8B-B14F-4D97-AF65-F5344CB8AC3E}">
-        <p14:creationId xmlns:p14="http://schemas.microsoft.com/office/powerpoint/2010/main" xmlns="" val="2177194635"/>
+        <p14:creationId xmlns="" xmlns:p14="http://schemas.microsoft.com/office/powerpoint/2010/main" val="2177194635"/>
       </p:ext>
     </p:extLst>
   </p:cSld>
@@ -18465,7 +18320,7 @@
     </p:spTree>
     <p:extLst>
       <p:ext uri="{BB962C8B-B14F-4D97-AF65-F5344CB8AC3E}">
-        <p14:creationId xmlns:p14="http://schemas.microsoft.com/office/powerpoint/2010/main" xmlns="" val="4021104652"/>
+        <p14:creationId xmlns="" xmlns:p14="http://schemas.microsoft.com/office/powerpoint/2010/main" val="4021104652"/>
       </p:ext>
     </p:extLst>
   </p:cSld>
@@ -18582,7 +18437,7 @@
     </p:spTree>
     <p:extLst>
       <p:ext uri="{BB962C8B-B14F-4D97-AF65-F5344CB8AC3E}">
-        <p14:creationId xmlns:p14="http://schemas.microsoft.com/office/powerpoint/2010/main" xmlns="" val="1165990124"/>
+        <p14:creationId xmlns="" xmlns:p14="http://schemas.microsoft.com/office/powerpoint/2010/main" val="1165990124"/>
       </p:ext>
     </p:extLst>
   </p:cSld>
@@ -18705,7 +18560,7 @@
     </p:spTree>
     <p:extLst>
       <p:ext uri="{BB962C8B-B14F-4D97-AF65-F5344CB8AC3E}">
-        <p14:creationId xmlns:p14="http://schemas.microsoft.com/office/powerpoint/2010/main" xmlns="" val="1379460417"/>
+        <p14:creationId xmlns="" xmlns:p14="http://schemas.microsoft.com/office/powerpoint/2010/main" val="1379460417"/>
       </p:ext>
     </p:extLst>
   </p:cSld>
@@ -18834,7 +18689,7 @@
     </p:spTree>
     <p:extLst>
       <p:ext uri="{BB962C8B-B14F-4D97-AF65-F5344CB8AC3E}">
-        <p14:creationId xmlns:p14="http://schemas.microsoft.com/office/powerpoint/2010/main" xmlns="" val="2885056626"/>
+        <p14:creationId xmlns="" xmlns:p14="http://schemas.microsoft.com/office/powerpoint/2010/main" val="2885056626"/>
       </p:ext>
     </p:extLst>
   </p:cSld>
@@ -18951,7 +18806,7 @@
     </p:spTree>
     <p:extLst>
       <p:ext uri="{BB962C8B-B14F-4D97-AF65-F5344CB8AC3E}">
-        <p14:creationId xmlns:p14="http://schemas.microsoft.com/office/powerpoint/2010/main" xmlns="" val="2885056626"/>
+        <p14:creationId xmlns="" xmlns:p14="http://schemas.microsoft.com/office/powerpoint/2010/main" val="2885056626"/>
       </p:ext>
     </p:extLst>
   </p:cSld>
@@ -19056,6 +18911,13 @@
   <p:clrMapOvr>
     <a:masterClrMapping/>
   </p:clrMapOvr>
+  <p:timing>
+    <p:tnLst>
+      <p:par>
+        <p:cTn id="1" dur="indefinite" restart="never" nodeType="tmRoot"/>
+      </p:par>
+    </p:tnLst>
+  </p:timing>
 </p:sld>
 </file>
 
@@ -19113,6 +18975,13 @@
   <p:clrMapOvr>
     <a:masterClrMapping/>
   </p:clrMapOvr>
+  <p:timing>
+    <p:tnLst>
+      <p:par>
+        <p:cTn id="1" dur="indefinite" restart="never" nodeType="tmRoot"/>
+      </p:par>
+    </p:tnLst>
+  </p:timing>
 </p:sld>
 </file>
 
@@ -19170,6 +19039,13 @@
   <p:clrMapOvr>
     <a:masterClrMapping/>
   </p:clrMapOvr>
+  <p:timing>
+    <p:tnLst>
+      <p:par>
+        <p:cTn id="1" dur="indefinite" restart="never" nodeType="tmRoot"/>
+      </p:par>
+    </p:tnLst>
+  </p:timing>
 </p:sld>
 </file>
 
@@ -19227,6 +19103,13 @@
   <p:clrMapOvr>
     <a:masterClrMapping/>
   </p:clrMapOvr>
+  <p:timing>
+    <p:tnLst>
+      <p:par>
+        <p:cTn id="1" dur="indefinite" restart="never" nodeType="tmRoot"/>
+      </p:par>
+    </p:tnLst>
+  </p:timing>
 </p:sld>
 </file>
 
@@ -19284,6 +19167,13 @@
   <p:clrMapOvr>
     <a:masterClrMapping/>
   </p:clrMapOvr>
+  <p:timing>
+    <p:tnLst>
+      <p:par>
+        <p:cTn id="1" dur="indefinite" restart="never" nodeType="tmRoot"/>
+      </p:par>
+    </p:tnLst>
+  </p:timing>
 </p:sld>
 </file>
 
@@ -19341,7 +19231,7 @@
           <a:blip r:embed="rId2">
             <a:extLst>
               <a:ext uri="{28A0092B-C50C-407E-A947-70E740481C1C}">
-                <a14:useLocalDpi xmlns:a14="http://schemas.microsoft.com/office/drawing/2010/main" xmlns="" val="0"/>
+                <a14:useLocalDpi xmlns="" xmlns:a14="http://schemas.microsoft.com/office/drawing/2010/main" val="0"/>
               </a:ext>
             </a:extLst>
           </a:blip>
@@ -19359,7 +19249,7 @@
     </p:spTree>
     <p:extLst>
       <p:ext uri="{BB962C8B-B14F-4D97-AF65-F5344CB8AC3E}">
-        <p14:creationId xmlns:p14="http://schemas.microsoft.com/office/powerpoint/2010/main" xmlns="" val="3082745468"/>
+        <p14:creationId xmlns="" xmlns:p14="http://schemas.microsoft.com/office/powerpoint/2010/main" val="3082745468"/>
       </p:ext>
     </p:extLst>
   </p:cSld>
@@ -19430,6 +19320,13 @@
   <p:clrMapOvr>
     <a:masterClrMapping/>
   </p:clrMapOvr>
+  <p:timing>
+    <p:tnLst>
+      <p:par>
+        <p:cTn id="1" dur="indefinite" restart="never" nodeType="tmRoot"/>
+      </p:par>
+    </p:tnLst>
+  </p:timing>
 </p:sld>
 </file>
 
@@ -19504,7 +19401,7 @@
     </p:spTree>
     <p:extLst>
       <p:ext uri="{BB962C8B-B14F-4D97-AF65-F5344CB8AC3E}">
-        <p14:creationId xmlns:p14="http://schemas.microsoft.com/office/powerpoint/2010/main" xmlns="" val="1413761337"/>
+        <p14:creationId xmlns="" xmlns:p14="http://schemas.microsoft.com/office/powerpoint/2010/main" val="1413761337"/>
       </p:ext>
     </p:extLst>
   </p:cSld>
@@ -19602,7 +19499,7 @@
     </p:spTree>
     <p:extLst>
       <p:ext uri="{BB962C8B-B14F-4D97-AF65-F5344CB8AC3E}">
-        <p14:creationId xmlns:p14="http://schemas.microsoft.com/office/powerpoint/2010/main" xmlns="" val="1722998285"/>
+        <p14:creationId xmlns="" xmlns:p14="http://schemas.microsoft.com/office/powerpoint/2010/main" val="1722998285"/>
       </p:ext>
     </p:extLst>
   </p:cSld>
@@ -19864,7 +19761,7 @@
   <a:extraClrSchemeLst/>
   <a:extLst>
     <a:ext uri="{05A4C25C-085E-4340-85A3-A5531E510DB2}">
-      <thm15:themeFamily xmlns:thm15="http://schemas.microsoft.com/office/thememl/2012/main" xmlns="" name="Circuit" id="{0AC2F7E7-15F5-431C-B2A2-456FE929F56C}" vid="{0911B802-464C-4241-8DD9-B60FF88E379F}"/>
+      <thm15:themeFamily xmlns="" xmlns:thm15="http://schemas.microsoft.com/office/thememl/2012/main" name="Circuit" id="{0AC2F7E7-15F5-431C-B2A2-456FE929F56C}" vid="{0911B802-464C-4241-8DD9-B60FF88E379F}"/>
     </a:ext>
   </a:extLst>
 </a:theme>
